--- a/TPS/Unit Testing.pptx
+++ b/TPS/Unit Testing.pptx
@@ -14,30 +14,34 @@
     <p:sldId id="259" r:id="rId9"/>
     <p:sldId id="260" r:id="rId10"/>
     <p:sldId id="261" r:id="rId11"/>
+    <p:sldId id="262" r:id="rId12"/>
+    <p:sldId id="263" r:id="rId13"/>
+    <p:sldId id="264" r:id="rId14"/>
+    <p:sldId id="265" r:id="rId15"/>
   </p:sldIdLst>
   <p:sldSz cy="5143500" cx="9144000"/>
   <p:notesSz cx="6858000" cy="9144000"/>
   <p:embeddedFontLst>
     <p:embeddedFont>
       <p:font typeface="Economica"/>
-      <p:regular r:id="rId12"/>
-      <p:bold r:id="rId13"/>
-      <p:italic r:id="rId14"/>
-      <p:boldItalic r:id="rId15"/>
-    </p:embeddedFont>
-    <p:embeddedFont>
-      <p:font typeface="Montserrat"/>
       <p:regular r:id="rId16"/>
       <p:bold r:id="rId17"/>
       <p:italic r:id="rId18"/>
       <p:boldItalic r:id="rId19"/>
     </p:embeddedFont>
     <p:embeddedFont>
-      <p:font typeface="Open Sans"/>
+      <p:font typeface="Montserrat"/>
       <p:regular r:id="rId20"/>
       <p:bold r:id="rId21"/>
       <p:italic r:id="rId22"/>
       <p:boldItalic r:id="rId23"/>
+    </p:embeddedFont>
+    <p:embeddedFont>
+      <p:font typeface="Open Sans"/>
+      <p:regular r:id="rId24"/>
+      <p:bold r:id="rId25"/>
+      <p:italic r:id="rId26"/>
+      <p:boldItalic r:id="rId27"/>
     </p:embeddedFont>
   </p:embeddedFontLst>
   <p:defaultTextStyle>
@@ -733,7 +737,205 @@
       </p:grpSpPr>
       <p:sp>
         <p:nvSpPr>
-          <p:cNvPr id="59" name="Google Shape;59;p:notes"/>
+          <p:cNvPr id="59" name="Google Shape;59;gda7a18c69e_1_28:notes"/>
+          <p:cNvSpPr/>
+          <p:nvPr>
+            <p:ph idx="2" type="sldImg"/>
+          </p:nvPr>
+        </p:nvSpPr>
+        <p:spPr>
+          <a:xfrm>
+            <a:off x="381300" y="685800"/>
+            <a:ext cx="6096000" cy="3429000"/>
+          </a:xfrm>
+          <a:custGeom>
+            <a:rect b="b" l="l" r="r" t="t"/>
+            <a:pathLst>
+              <a:path extrusionOk="0" h="120000" w="120000">
+                <a:moveTo>
+                  <a:pt x="0" y="0"/>
+                </a:moveTo>
+                <a:lnTo>
+                  <a:pt x="120000" y="0"/>
+                </a:lnTo>
+                <a:lnTo>
+                  <a:pt x="120000" y="120000"/>
+                </a:lnTo>
+                <a:lnTo>
+                  <a:pt x="0" y="120000"/>
+                </a:lnTo>
+                <a:close/>
+              </a:path>
+            </a:pathLst>
+          </a:custGeom>
+        </p:spPr>
+      </p:sp>
+      <p:sp>
+        <p:nvSpPr>
+          <p:cNvPr id="60" name="Google Shape;60;gda7a18c69e_1_28:notes"/>
+          <p:cNvSpPr txBox="1"/>
+          <p:nvPr>
+            <p:ph idx="1" type="body"/>
+          </p:nvPr>
+        </p:nvSpPr>
+        <p:spPr>
+          <a:xfrm>
+            <a:off x="685800" y="4343400"/>
+            <a:ext cx="5486400" cy="4114800"/>
+          </a:xfrm>
+          <a:prstGeom prst="rect">
+            <a:avLst/>
+          </a:prstGeom>
+        </p:spPr>
+        <p:txBody>
+          <a:bodyPr anchorCtr="0" anchor="t" bIns="91425" lIns="91425" spcFirstLastPara="1" rIns="91425" wrap="square" tIns="91425">
+            <a:noAutofit/>
+          </a:bodyPr>
+          <a:lstStyle/>
+          <a:p>
+            <a:pPr indent="0" lvl="0" marL="0" rtl="0" algn="l">
+              <a:spcBef>
+                <a:spcPts val="0"/>
+              </a:spcBef>
+              <a:spcAft>
+                <a:spcPts val="0"/>
+              </a:spcAft>
+              <a:buNone/>
+            </a:pPr>
+            <a:r>
+              <a:t/>
+            </a:r>
+            <a:endParaRPr/>
+          </a:p>
+        </p:txBody>
+      </p:sp>
+    </p:spTree>
+  </p:cSld>
+  <p:clrMapOvr>
+    <a:masterClrMapping/>
+  </p:clrMapOvr>
+</p:notes>
+</file>
+
+<file path=ppt/notesSlides/notesSlide10.xml><?xml version="1.0" encoding="utf-8"?>
+<p:notes xmlns:a="http://schemas.openxmlformats.org/drawingml/2006/main" xmlns:r="http://schemas.openxmlformats.org/officeDocument/2006/relationships" xmlns:mc="http://schemas.openxmlformats.org/markup-compatibility/2006" xmlns:mv="urn:schemas-microsoft-com:mac:vml" xmlns:p="http://schemas.openxmlformats.org/presentationml/2006/main" xmlns:c="http://schemas.openxmlformats.org/drawingml/2006/chart" xmlns:dgm="http://schemas.openxmlformats.org/drawingml/2006/diagram" xmlns:o="urn:schemas-microsoft-com:office:office" xmlns:v="urn:schemas-microsoft-com:vml" xmlns:pvml="urn:schemas-microsoft-com:office:powerpoint" xmlns:com="http://schemas.openxmlformats.org/drawingml/2006/compatibility" xmlns:p14="http://schemas.microsoft.com/office/powerpoint/2010/main" xmlns:p15="http://schemas.microsoft.com/office/powerpoint/2012/main" xmlns:ahyp="http://schemas.microsoft.com/office/drawing/2018/hyperlinkcolor" showMasterPhAnim="0" showMasterSp="0">
+  <p:cSld>
+    <p:spTree>
+      <p:nvGrpSpPr>
+        <p:cNvPr id="126" name="Shape 126"/>
+        <p:cNvGrpSpPr/>
+        <p:nvPr/>
+      </p:nvGrpSpPr>
+      <p:grpSpPr>
+        <a:xfrm>
+          <a:off x="0" y="0"/>
+          <a:ext cx="0" cy="0"/>
+          <a:chOff x="0" y="0"/>
+          <a:chExt cx="0" cy="0"/>
+        </a:xfrm>
+      </p:grpSpPr>
+      <p:sp>
+        <p:nvSpPr>
+          <p:cNvPr id="127" name="Google Shape;127;gda7a18c69e_1_10:notes"/>
+          <p:cNvSpPr/>
+          <p:nvPr>
+            <p:ph idx="2" type="sldImg"/>
+          </p:nvPr>
+        </p:nvSpPr>
+        <p:spPr>
+          <a:xfrm>
+            <a:off x="381300" y="685800"/>
+            <a:ext cx="6096000" cy="3429000"/>
+          </a:xfrm>
+          <a:custGeom>
+            <a:rect b="b" l="l" r="r" t="t"/>
+            <a:pathLst>
+              <a:path extrusionOk="0" h="120000" w="120000">
+                <a:moveTo>
+                  <a:pt x="0" y="0"/>
+                </a:moveTo>
+                <a:lnTo>
+                  <a:pt x="120000" y="0"/>
+                </a:lnTo>
+                <a:lnTo>
+                  <a:pt x="120000" y="120000"/>
+                </a:lnTo>
+                <a:lnTo>
+                  <a:pt x="0" y="120000"/>
+                </a:lnTo>
+                <a:close/>
+              </a:path>
+            </a:pathLst>
+          </a:custGeom>
+        </p:spPr>
+      </p:sp>
+      <p:sp>
+        <p:nvSpPr>
+          <p:cNvPr id="128" name="Google Shape;128;gda7a18c69e_1_10:notes"/>
+          <p:cNvSpPr txBox="1"/>
+          <p:nvPr>
+            <p:ph idx="1" type="body"/>
+          </p:nvPr>
+        </p:nvSpPr>
+        <p:spPr>
+          <a:xfrm>
+            <a:off x="685800" y="4343400"/>
+            <a:ext cx="5486400" cy="4114800"/>
+          </a:xfrm>
+          <a:prstGeom prst="rect">
+            <a:avLst/>
+          </a:prstGeom>
+        </p:spPr>
+        <p:txBody>
+          <a:bodyPr anchorCtr="0" anchor="t" bIns="91425" lIns="91425" spcFirstLastPara="1" rIns="91425" wrap="square" tIns="91425">
+            <a:noAutofit/>
+          </a:bodyPr>
+          <a:lstStyle/>
+          <a:p>
+            <a:pPr indent="0" lvl="0" marL="0" rtl="0" algn="l">
+              <a:spcBef>
+                <a:spcPts val="0"/>
+              </a:spcBef>
+              <a:spcAft>
+                <a:spcPts val="0"/>
+              </a:spcAft>
+              <a:buNone/>
+            </a:pPr>
+            <a:r>
+              <a:t/>
+            </a:r>
+            <a:endParaRPr/>
+          </a:p>
+        </p:txBody>
+      </p:sp>
+    </p:spTree>
+  </p:cSld>
+  <p:clrMapOvr>
+    <a:masterClrMapping/>
+  </p:clrMapOvr>
+</p:notes>
+</file>
+
+<file path=ppt/notesSlides/notesSlide2.xml><?xml version="1.0" encoding="utf-8"?>
+<p:notes xmlns:a="http://schemas.openxmlformats.org/drawingml/2006/main" xmlns:r="http://schemas.openxmlformats.org/officeDocument/2006/relationships" xmlns:mc="http://schemas.openxmlformats.org/markup-compatibility/2006" xmlns:mv="urn:schemas-microsoft-com:mac:vml" xmlns:p="http://schemas.openxmlformats.org/presentationml/2006/main" xmlns:c="http://schemas.openxmlformats.org/drawingml/2006/chart" xmlns:dgm="http://schemas.openxmlformats.org/drawingml/2006/diagram" xmlns:o="urn:schemas-microsoft-com:office:office" xmlns:v="urn:schemas-microsoft-com:vml" xmlns:pvml="urn:schemas-microsoft-com:office:powerpoint" xmlns:com="http://schemas.openxmlformats.org/drawingml/2006/compatibility" xmlns:p14="http://schemas.microsoft.com/office/powerpoint/2010/main" xmlns:p15="http://schemas.microsoft.com/office/powerpoint/2012/main" xmlns:ahyp="http://schemas.microsoft.com/office/drawing/2018/hyperlinkcolor" showMasterPhAnim="0" showMasterSp="0">
+  <p:cSld>
+    <p:spTree>
+      <p:nvGrpSpPr>
+        <p:cNvPr id="66" name="Shape 66"/>
+        <p:cNvGrpSpPr/>
+        <p:nvPr/>
+      </p:nvGrpSpPr>
+      <p:grpSpPr>
+        <a:xfrm>
+          <a:off x="0" y="0"/>
+          <a:ext cx="0" cy="0"/>
+          <a:chOff x="0" y="0"/>
+          <a:chExt cx="0" cy="0"/>
+        </a:xfrm>
+      </p:grpSpPr>
+      <p:sp>
+        <p:nvSpPr>
+          <p:cNvPr id="67" name="Google Shape;67;p:notes"/>
           <p:cNvSpPr/>
           <p:nvPr>
             <p:ph idx="2" type="sldImg"/>
@@ -768,7 +970,7 @@
       </p:sp>
       <p:sp>
         <p:nvSpPr>
-          <p:cNvPr id="60" name="Google Shape;60;p:notes"/>
+          <p:cNvPr id="68" name="Google Shape;68;p:notes"/>
           <p:cNvSpPr txBox="1"/>
           <p:nvPr>
             <p:ph idx="1" type="body"/>
@@ -813,12 +1015,12 @@
 </p:notes>
 </file>
 
-<file path=ppt/notesSlides/notesSlide2.xml><?xml version="1.0" encoding="utf-8"?>
+<file path=ppt/notesSlides/notesSlide3.xml><?xml version="1.0" encoding="utf-8"?>
 <p:notes xmlns:a="http://schemas.openxmlformats.org/drawingml/2006/main" xmlns:r="http://schemas.openxmlformats.org/officeDocument/2006/relationships" xmlns:mc="http://schemas.openxmlformats.org/markup-compatibility/2006" xmlns:mv="urn:schemas-microsoft-com:mac:vml" xmlns:p="http://schemas.openxmlformats.org/presentationml/2006/main" xmlns:c="http://schemas.openxmlformats.org/drawingml/2006/chart" xmlns:dgm="http://schemas.openxmlformats.org/drawingml/2006/diagram" xmlns:o="urn:schemas-microsoft-com:office:office" xmlns:v="urn:schemas-microsoft-com:vml" xmlns:pvml="urn:schemas-microsoft-com:office:powerpoint" xmlns:com="http://schemas.openxmlformats.org/drawingml/2006/compatibility" xmlns:p14="http://schemas.microsoft.com/office/powerpoint/2010/main" xmlns:p15="http://schemas.microsoft.com/office/powerpoint/2012/main" xmlns:ahyp="http://schemas.microsoft.com/office/drawing/2018/hyperlinkcolor" showMasterPhAnim="0" showMasterSp="0">
   <p:cSld>
     <p:spTree>
       <p:nvGrpSpPr>
-        <p:cNvPr id="64" name="Shape 64"/>
+        <p:cNvPr id="72" name="Shape 72"/>
         <p:cNvGrpSpPr/>
         <p:nvPr/>
       </p:nvGrpSpPr>
@@ -832,7 +1034,7 @@
       </p:grpSpPr>
       <p:sp>
         <p:nvSpPr>
-          <p:cNvPr id="65" name="Google Shape;65;gd0b47f5ee7_3_0:notes"/>
+          <p:cNvPr id="73" name="Google Shape;73;gd0b47f5ee7_3_0:notes"/>
           <p:cNvSpPr/>
           <p:nvPr>
             <p:ph idx="2" type="sldImg"/>
@@ -867,7 +1069,7 @@
       </p:sp>
       <p:sp>
         <p:nvSpPr>
-          <p:cNvPr id="66" name="Google Shape;66;gd0b47f5ee7_3_0:notes"/>
+          <p:cNvPr id="74" name="Google Shape;74;gd0b47f5ee7_3_0:notes"/>
           <p:cNvSpPr txBox="1"/>
           <p:nvPr>
             <p:ph idx="1" type="body"/>
@@ -912,12 +1114,12 @@
 </p:notes>
 </file>
 
-<file path=ppt/notesSlides/notesSlide3.xml><?xml version="1.0" encoding="utf-8"?>
+<file path=ppt/notesSlides/notesSlide4.xml><?xml version="1.0" encoding="utf-8"?>
 <p:notes xmlns:a="http://schemas.openxmlformats.org/drawingml/2006/main" xmlns:r="http://schemas.openxmlformats.org/officeDocument/2006/relationships" xmlns:mc="http://schemas.openxmlformats.org/markup-compatibility/2006" xmlns:mv="urn:schemas-microsoft-com:mac:vml" xmlns:p="http://schemas.openxmlformats.org/presentationml/2006/main" xmlns:c="http://schemas.openxmlformats.org/drawingml/2006/chart" xmlns:dgm="http://schemas.openxmlformats.org/drawingml/2006/diagram" xmlns:o="urn:schemas-microsoft-com:office:office" xmlns:v="urn:schemas-microsoft-com:vml" xmlns:pvml="urn:schemas-microsoft-com:office:powerpoint" xmlns:com="http://schemas.openxmlformats.org/drawingml/2006/compatibility" xmlns:p14="http://schemas.microsoft.com/office/powerpoint/2010/main" xmlns:p15="http://schemas.microsoft.com/office/powerpoint/2012/main" xmlns:ahyp="http://schemas.microsoft.com/office/drawing/2018/hyperlinkcolor" showMasterPhAnim="0" showMasterSp="0">
   <p:cSld>
     <p:spTree>
       <p:nvGrpSpPr>
-        <p:cNvPr id="70" name="Shape 70"/>
+        <p:cNvPr id="78" name="Shape 78"/>
         <p:cNvGrpSpPr/>
         <p:nvPr/>
       </p:nvGrpSpPr>
@@ -931,7 +1133,7 @@
       </p:grpSpPr>
       <p:sp>
         <p:nvSpPr>
-          <p:cNvPr id="71" name="Google Shape;71;gd0b47f5ee7_3_5:notes"/>
+          <p:cNvPr id="79" name="Google Shape;79;gd0b47f5ee7_3_5:notes"/>
           <p:cNvSpPr/>
           <p:nvPr>
             <p:ph idx="2" type="sldImg"/>
@@ -966,7 +1168,7 @@
       </p:sp>
       <p:sp>
         <p:nvSpPr>
-          <p:cNvPr id="72" name="Google Shape;72;gd0b47f5ee7_3_5:notes"/>
+          <p:cNvPr id="80" name="Google Shape;80;gd0b47f5ee7_3_5:notes"/>
           <p:cNvSpPr txBox="1"/>
           <p:nvPr>
             <p:ph idx="1" type="body"/>
@@ -1011,12 +1213,12 @@
 </p:notes>
 </file>
 
-<file path=ppt/notesSlides/notesSlide4.xml><?xml version="1.0" encoding="utf-8"?>
+<file path=ppt/notesSlides/notesSlide5.xml><?xml version="1.0" encoding="utf-8"?>
 <p:notes xmlns:a="http://schemas.openxmlformats.org/drawingml/2006/main" xmlns:r="http://schemas.openxmlformats.org/officeDocument/2006/relationships" xmlns:mc="http://schemas.openxmlformats.org/markup-compatibility/2006" xmlns:mv="urn:schemas-microsoft-com:mac:vml" xmlns:p="http://schemas.openxmlformats.org/presentationml/2006/main" xmlns:c="http://schemas.openxmlformats.org/drawingml/2006/chart" xmlns:dgm="http://schemas.openxmlformats.org/drawingml/2006/diagram" xmlns:o="urn:schemas-microsoft-com:office:office" xmlns:v="urn:schemas-microsoft-com:vml" xmlns:pvml="urn:schemas-microsoft-com:office:powerpoint" xmlns:com="http://schemas.openxmlformats.org/drawingml/2006/compatibility" xmlns:p14="http://schemas.microsoft.com/office/powerpoint/2010/main" xmlns:p15="http://schemas.microsoft.com/office/powerpoint/2012/main" xmlns:ahyp="http://schemas.microsoft.com/office/drawing/2018/hyperlinkcolor" showMasterPhAnim="0" showMasterSp="0">
   <p:cSld>
     <p:spTree>
       <p:nvGrpSpPr>
-        <p:cNvPr id="87" name="Shape 87"/>
+        <p:cNvPr id="95" name="Shape 95"/>
         <p:cNvGrpSpPr/>
         <p:nvPr/>
       </p:nvGrpSpPr>
@@ -1030,7 +1232,7 @@
       </p:grpSpPr>
       <p:sp>
         <p:nvSpPr>
-          <p:cNvPr id="88" name="Google Shape;88;gd0b47f5ee7_3_10:notes"/>
+          <p:cNvPr id="96" name="Google Shape;96;gd0b47f5ee7_3_10:notes"/>
           <p:cNvSpPr/>
           <p:nvPr>
             <p:ph idx="2" type="sldImg"/>
@@ -1065,7 +1267,7 @@
       </p:sp>
       <p:sp>
         <p:nvSpPr>
-          <p:cNvPr id="89" name="Google Shape;89;gd0b47f5ee7_3_10:notes"/>
+          <p:cNvPr id="97" name="Google Shape;97;gd0b47f5ee7_3_10:notes"/>
           <p:cNvSpPr txBox="1"/>
           <p:nvPr>
             <p:ph idx="1" type="body"/>
@@ -1110,12 +1312,12 @@
 </p:notes>
 </file>
 
-<file path=ppt/notesSlides/notesSlide5.xml><?xml version="1.0" encoding="utf-8"?>
+<file path=ppt/notesSlides/notesSlide6.xml><?xml version="1.0" encoding="utf-8"?>
 <p:notes xmlns:a="http://schemas.openxmlformats.org/drawingml/2006/main" xmlns:r="http://schemas.openxmlformats.org/officeDocument/2006/relationships" xmlns:mc="http://schemas.openxmlformats.org/markup-compatibility/2006" xmlns:mv="urn:schemas-microsoft-com:mac:vml" xmlns:p="http://schemas.openxmlformats.org/presentationml/2006/main" xmlns:c="http://schemas.openxmlformats.org/drawingml/2006/chart" xmlns:dgm="http://schemas.openxmlformats.org/drawingml/2006/diagram" xmlns:o="urn:schemas-microsoft-com:office:office" xmlns:v="urn:schemas-microsoft-com:vml" xmlns:pvml="urn:schemas-microsoft-com:office:powerpoint" xmlns:com="http://schemas.openxmlformats.org/drawingml/2006/compatibility" xmlns:p14="http://schemas.microsoft.com/office/powerpoint/2010/main" xmlns:p15="http://schemas.microsoft.com/office/powerpoint/2012/main" xmlns:ahyp="http://schemas.microsoft.com/office/drawing/2018/hyperlinkcolor" showMasterPhAnim="0" showMasterSp="0">
   <p:cSld>
     <p:spTree>
       <p:nvGrpSpPr>
-        <p:cNvPr id="93" name="Shape 93"/>
+        <p:cNvPr id="101" name="Shape 101"/>
         <p:cNvGrpSpPr/>
         <p:nvPr/>
       </p:nvGrpSpPr>
@@ -1129,7 +1331,7 @@
       </p:grpSpPr>
       <p:sp>
         <p:nvSpPr>
-          <p:cNvPr id="94" name="Google Shape;94;gd0b47f5ee7_3_15:notes"/>
+          <p:cNvPr id="102" name="Google Shape;102;gda7a18c69e_3_0:notes"/>
           <p:cNvSpPr/>
           <p:nvPr>
             <p:ph idx="2" type="sldImg"/>
@@ -1164,7 +1366,7 @@
       </p:sp>
       <p:sp>
         <p:nvSpPr>
-          <p:cNvPr id="95" name="Google Shape;95;gd0b47f5ee7_3_15:notes"/>
+          <p:cNvPr id="103" name="Google Shape;103;gda7a18c69e_3_0:notes"/>
           <p:cNvSpPr txBox="1"/>
           <p:nvPr>
             <p:ph idx="1" type="body"/>
@@ -1209,12 +1411,12 @@
 </p:notes>
 </file>
 
-<file path=ppt/notesSlides/notesSlide6.xml><?xml version="1.0" encoding="utf-8"?>
+<file path=ppt/notesSlides/notesSlide7.xml><?xml version="1.0" encoding="utf-8"?>
 <p:notes xmlns:a="http://schemas.openxmlformats.org/drawingml/2006/main" xmlns:r="http://schemas.openxmlformats.org/officeDocument/2006/relationships" xmlns:mc="http://schemas.openxmlformats.org/markup-compatibility/2006" xmlns:mv="urn:schemas-microsoft-com:mac:vml" xmlns:p="http://schemas.openxmlformats.org/presentationml/2006/main" xmlns:c="http://schemas.openxmlformats.org/drawingml/2006/chart" xmlns:dgm="http://schemas.openxmlformats.org/drawingml/2006/diagram" xmlns:o="urn:schemas-microsoft-com:office:office" xmlns:v="urn:schemas-microsoft-com:vml" xmlns:pvml="urn:schemas-microsoft-com:office:powerpoint" xmlns:com="http://schemas.openxmlformats.org/drawingml/2006/compatibility" xmlns:p14="http://schemas.microsoft.com/office/powerpoint/2010/main" xmlns:p15="http://schemas.microsoft.com/office/powerpoint/2012/main" xmlns:ahyp="http://schemas.microsoft.com/office/drawing/2018/hyperlinkcolor" showMasterPhAnim="0" showMasterSp="0">
   <p:cSld>
     <p:spTree>
       <p:nvGrpSpPr>
-        <p:cNvPr id="99" name="Shape 99"/>
+        <p:cNvPr id="107" name="Shape 107"/>
         <p:cNvGrpSpPr/>
         <p:nvPr/>
       </p:nvGrpSpPr>
@@ -1228,7 +1430,7 @@
       </p:grpSpPr>
       <p:sp>
         <p:nvSpPr>
-          <p:cNvPr id="100" name="Google Shape;100;gd0b47f5ee7_3_20:notes"/>
+          <p:cNvPr id="108" name="Google Shape;108;gd0b47f5ee7_3_15:notes"/>
           <p:cNvSpPr/>
           <p:nvPr>
             <p:ph idx="2" type="sldImg"/>
@@ -1263,7 +1465,205 @@
       </p:sp>
       <p:sp>
         <p:nvSpPr>
-          <p:cNvPr id="101" name="Google Shape;101;gd0b47f5ee7_3_20:notes"/>
+          <p:cNvPr id="109" name="Google Shape;109;gd0b47f5ee7_3_15:notes"/>
+          <p:cNvSpPr txBox="1"/>
+          <p:nvPr>
+            <p:ph idx="1" type="body"/>
+          </p:nvPr>
+        </p:nvSpPr>
+        <p:spPr>
+          <a:xfrm>
+            <a:off x="685800" y="4343400"/>
+            <a:ext cx="5486400" cy="4114800"/>
+          </a:xfrm>
+          <a:prstGeom prst="rect">
+            <a:avLst/>
+          </a:prstGeom>
+        </p:spPr>
+        <p:txBody>
+          <a:bodyPr anchorCtr="0" anchor="t" bIns="91425" lIns="91425" spcFirstLastPara="1" rIns="91425" wrap="square" tIns="91425">
+            <a:noAutofit/>
+          </a:bodyPr>
+          <a:lstStyle/>
+          <a:p>
+            <a:pPr indent="0" lvl="0" marL="0" rtl="0" algn="l">
+              <a:spcBef>
+                <a:spcPts val="0"/>
+              </a:spcBef>
+              <a:spcAft>
+                <a:spcPts val="0"/>
+              </a:spcAft>
+              <a:buNone/>
+            </a:pPr>
+            <a:r>
+              <a:t/>
+            </a:r>
+            <a:endParaRPr/>
+          </a:p>
+        </p:txBody>
+      </p:sp>
+    </p:spTree>
+  </p:cSld>
+  <p:clrMapOvr>
+    <a:masterClrMapping/>
+  </p:clrMapOvr>
+</p:notes>
+</file>
+
+<file path=ppt/notesSlides/notesSlide8.xml><?xml version="1.0" encoding="utf-8"?>
+<p:notes xmlns:a="http://schemas.openxmlformats.org/drawingml/2006/main" xmlns:r="http://schemas.openxmlformats.org/officeDocument/2006/relationships" xmlns:mc="http://schemas.openxmlformats.org/markup-compatibility/2006" xmlns:mv="urn:schemas-microsoft-com:mac:vml" xmlns:p="http://schemas.openxmlformats.org/presentationml/2006/main" xmlns:c="http://schemas.openxmlformats.org/drawingml/2006/chart" xmlns:dgm="http://schemas.openxmlformats.org/drawingml/2006/diagram" xmlns:o="urn:schemas-microsoft-com:office:office" xmlns:v="urn:schemas-microsoft-com:vml" xmlns:pvml="urn:schemas-microsoft-com:office:powerpoint" xmlns:com="http://schemas.openxmlformats.org/drawingml/2006/compatibility" xmlns:p14="http://schemas.microsoft.com/office/powerpoint/2010/main" xmlns:p15="http://schemas.microsoft.com/office/powerpoint/2012/main" xmlns:ahyp="http://schemas.microsoft.com/office/drawing/2018/hyperlinkcolor" showMasterPhAnim="0" showMasterSp="0">
+  <p:cSld>
+    <p:spTree>
+      <p:nvGrpSpPr>
+        <p:cNvPr id="113" name="Shape 113"/>
+        <p:cNvGrpSpPr/>
+        <p:nvPr/>
+      </p:nvGrpSpPr>
+      <p:grpSpPr>
+        <a:xfrm>
+          <a:off x="0" y="0"/>
+          <a:ext cx="0" cy="0"/>
+          <a:chOff x="0" y="0"/>
+          <a:chExt cx="0" cy="0"/>
+        </a:xfrm>
+      </p:grpSpPr>
+      <p:sp>
+        <p:nvSpPr>
+          <p:cNvPr id="114" name="Google Shape;114;gd0b47f5ee7_3_20:notes"/>
+          <p:cNvSpPr/>
+          <p:nvPr>
+            <p:ph idx="2" type="sldImg"/>
+          </p:nvPr>
+        </p:nvSpPr>
+        <p:spPr>
+          <a:xfrm>
+            <a:off x="381300" y="685800"/>
+            <a:ext cx="6096000" cy="3429000"/>
+          </a:xfrm>
+          <a:custGeom>
+            <a:rect b="b" l="l" r="r" t="t"/>
+            <a:pathLst>
+              <a:path extrusionOk="0" h="120000" w="120000">
+                <a:moveTo>
+                  <a:pt x="0" y="0"/>
+                </a:moveTo>
+                <a:lnTo>
+                  <a:pt x="120000" y="0"/>
+                </a:lnTo>
+                <a:lnTo>
+                  <a:pt x="120000" y="120000"/>
+                </a:lnTo>
+                <a:lnTo>
+                  <a:pt x="0" y="120000"/>
+                </a:lnTo>
+                <a:close/>
+              </a:path>
+            </a:pathLst>
+          </a:custGeom>
+        </p:spPr>
+      </p:sp>
+      <p:sp>
+        <p:nvSpPr>
+          <p:cNvPr id="115" name="Google Shape;115;gd0b47f5ee7_3_20:notes"/>
+          <p:cNvSpPr txBox="1"/>
+          <p:nvPr>
+            <p:ph idx="1" type="body"/>
+          </p:nvPr>
+        </p:nvSpPr>
+        <p:spPr>
+          <a:xfrm>
+            <a:off x="685800" y="4343400"/>
+            <a:ext cx="5486400" cy="4114800"/>
+          </a:xfrm>
+          <a:prstGeom prst="rect">
+            <a:avLst/>
+          </a:prstGeom>
+        </p:spPr>
+        <p:txBody>
+          <a:bodyPr anchorCtr="0" anchor="t" bIns="91425" lIns="91425" spcFirstLastPara="1" rIns="91425" wrap="square" tIns="91425">
+            <a:noAutofit/>
+          </a:bodyPr>
+          <a:lstStyle/>
+          <a:p>
+            <a:pPr indent="0" lvl="0" marL="0" rtl="0" algn="l">
+              <a:spcBef>
+                <a:spcPts val="0"/>
+              </a:spcBef>
+              <a:spcAft>
+                <a:spcPts val="0"/>
+              </a:spcAft>
+              <a:buNone/>
+            </a:pPr>
+            <a:r>
+              <a:t/>
+            </a:r>
+            <a:endParaRPr/>
+          </a:p>
+        </p:txBody>
+      </p:sp>
+    </p:spTree>
+  </p:cSld>
+  <p:clrMapOvr>
+    <a:masterClrMapping/>
+  </p:clrMapOvr>
+</p:notes>
+</file>
+
+<file path=ppt/notesSlides/notesSlide9.xml><?xml version="1.0" encoding="utf-8"?>
+<p:notes xmlns:a="http://schemas.openxmlformats.org/drawingml/2006/main" xmlns:r="http://schemas.openxmlformats.org/officeDocument/2006/relationships" xmlns:mc="http://schemas.openxmlformats.org/markup-compatibility/2006" xmlns:mv="urn:schemas-microsoft-com:mac:vml" xmlns:p="http://schemas.openxmlformats.org/presentationml/2006/main" xmlns:c="http://schemas.openxmlformats.org/drawingml/2006/chart" xmlns:dgm="http://schemas.openxmlformats.org/drawingml/2006/diagram" xmlns:o="urn:schemas-microsoft-com:office:office" xmlns:v="urn:schemas-microsoft-com:vml" xmlns:pvml="urn:schemas-microsoft-com:office:powerpoint" xmlns:com="http://schemas.openxmlformats.org/drawingml/2006/compatibility" xmlns:p14="http://schemas.microsoft.com/office/powerpoint/2010/main" xmlns:p15="http://schemas.microsoft.com/office/powerpoint/2012/main" xmlns:ahyp="http://schemas.microsoft.com/office/drawing/2018/hyperlinkcolor" showMasterPhAnim="0" showMasterSp="0">
+  <p:cSld>
+    <p:spTree>
+      <p:nvGrpSpPr>
+        <p:cNvPr id="119" name="Shape 119"/>
+        <p:cNvGrpSpPr/>
+        <p:nvPr/>
+      </p:nvGrpSpPr>
+      <p:grpSpPr>
+        <a:xfrm>
+          <a:off x="0" y="0"/>
+          <a:ext cx="0" cy="0"/>
+          <a:chOff x="0" y="0"/>
+          <a:chExt cx="0" cy="0"/>
+        </a:xfrm>
+      </p:grpSpPr>
+      <p:sp>
+        <p:nvSpPr>
+          <p:cNvPr id="120" name="Google Shape;120;gda7a18c69e_1_0:notes"/>
+          <p:cNvSpPr/>
+          <p:nvPr>
+            <p:ph idx="2" type="sldImg"/>
+          </p:nvPr>
+        </p:nvSpPr>
+        <p:spPr>
+          <a:xfrm>
+            <a:off x="381300" y="685800"/>
+            <a:ext cx="6096000" cy="3429000"/>
+          </a:xfrm>
+          <a:custGeom>
+            <a:rect b="b" l="l" r="r" t="t"/>
+            <a:pathLst>
+              <a:path extrusionOk="0" h="120000" w="120000">
+                <a:moveTo>
+                  <a:pt x="0" y="0"/>
+                </a:moveTo>
+                <a:lnTo>
+                  <a:pt x="120000" y="0"/>
+                </a:lnTo>
+                <a:lnTo>
+                  <a:pt x="120000" y="120000"/>
+                </a:lnTo>
+                <a:lnTo>
+                  <a:pt x="0" y="120000"/>
+                </a:lnTo>
+                <a:close/>
+              </a:path>
+            </a:pathLst>
+          </a:custGeom>
+        </p:spPr>
+      </p:sp>
+      <p:sp>
+        <p:nvSpPr>
+          <p:cNvPr id="121" name="Google Shape;121;gda7a18c69e_1_0:notes"/>
           <p:cNvSpPr txBox="1"/>
           <p:nvPr>
             <p:ph idx="1" type="body"/>
@@ -6755,6 +7155,307 @@
           <p:cNvPr id="62" name="Google Shape;62;p13"/>
           <p:cNvSpPr txBox="1"/>
           <p:nvPr>
+            <p:ph type="title"/>
+          </p:nvPr>
+        </p:nvSpPr>
+        <p:spPr>
+          <a:xfrm>
+            <a:off x="249725" y="2422900"/>
+            <a:ext cx="8520600" cy="831300"/>
+          </a:xfrm>
+          <a:prstGeom prst="rect">
+            <a:avLst/>
+          </a:prstGeom>
+        </p:spPr>
+        <p:txBody>
+          <a:bodyPr anchorCtr="0" anchor="b" bIns="91425" lIns="91425" spcFirstLastPara="1" rIns="91425" wrap="square" tIns="91425">
+            <a:normAutofit/>
+          </a:bodyPr>
+          <a:lstStyle/>
+          <a:p>
+            <a:pPr indent="0" lvl="0" marL="0" rtl="0" algn="ctr">
+              <a:spcBef>
+                <a:spcPts val="0"/>
+              </a:spcBef>
+              <a:spcAft>
+                <a:spcPts val="0"/>
+              </a:spcAft>
+              <a:buNone/>
+            </a:pPr>
+            <a:r>
+              <a:rPr lang="es"/>
+              <a:t>Integrantes</a:t>
+            </a:r>
+            <a:endParaRPr/>
+          </a:p>
+        </p:txBody>
+      </p:sp>
+      <p:sp>
+        <p:nvSpPr>
+          <p:cNvPr id="63" name="Google Shape;63;p13"/>
+          <p:cNvSpPr txBox="1"/>
+          <p:nvPr>
+            <p:ph idx="1" type="body"/>
+          </p:nvPr>
+        </p:nvSpPr>
+        <p:spPr>
+          <a:xfrm>
+            <a:off x="311700" y="3643825"/>
+            <a:ext cx="8520600" cy="1096500"/>
+          </a:xfrm>
+          <a:prstGeom prst="rect">
+            <a:avLst/>
+          </a:prstGeom>
+        </p:spPr>
+        <p:txBody>
+          <a:bodyPr anchorCtr="0" anchor="t" bIns="91425" lIns="91425" spcFirstLastPara="1" rIns="91425" wrap="square" tIns="91425">
+            <a:normAutofit/>
+          </a:bodyPr>
+          <a:lstStyle/>
+          <a:p>
+            <a:pPr indent="0" lvl="0" marL="0" rtl="0" algn="ctr">
+              <a:spcBef>
+                <a:spcPts val="0"/>
+              </a:spcBef>
+              <a:spcAft>
+                <a:spcPts val="0"/>
+              </a:spcAft>
+              <a:buNone/>
+            </a:pPr>
+            <a:r>
+              <a:rPr lang="es"/>
+              <a:t>Rafael Trucco   Emiliano Gamba   Renzo Milanesi   Florencia Uberti</a:t>
+            </a:r>
+            <a:endParaRPr/>
+          </a:p>
+          <a:p>
+            <a:pPr indent="0" lvl="0" marL="0" rtl="0" algn="l">
+              <a:spcBef>
+                <a:spcPts val="1200"/>
+              </a:spcBef>
+              <a:spcAft>
+                <a:spcPts val="1200"/>
+              </a:spcAft>
+              <a:buNone/>
+            </a:pPr>
+            <a:r>
+              <a:rPr lang="es"/>
+              <a:t>                    46934                  46291                    44123                 45225</a:t>
+            </a:r>
+            <a:endParaRPr/>
+          </a:p>
+        </p:txBody>
+      </p:sp>
+      <p:pic>
+        <p:nvPicPr>
+          <p:cNvPr id="64" name="Google Shape;64;p13"/>
+          <p:cNvPicPr preferRelativeResize="0"/>
+          <p:nvPr/>
+        </p:nvPicPr>
+        <p:blipFill>
+          <a:blip r:embed="rId3">
+            <a:alphaModFix/>
+          </a:blip>
+          <a:stretch>
+            <a:fillRect/>
+          </a:stretch>
+        </p:blipFill>
+        <p:spPr>
+          <a:xfrm>
+            <a:off x="1887550" y="416275"/>
+            <a:ext cx="8839204" cy="1709143"/>
+          </a:xfrm>
+          <a:prstGeom prst="rect">
+            <a:avLst/>
+          </a:prstGeom>
+          <a:noFill/>
+          <a:ln>
+            <a:noFill/>
+          </a:ln>
+        </p:spPr>
+      </p:pic>
+      <p:sp>
+        <p:nvSpPr>
+          <p:cNvPr id="65" name="Google Shape;65;p13"/>
+          <p:cNvSpPr txBox="1"/>
+          <p:nvPr/>
+        </p:nvSpPr>
+        <p:spPr>
+          <a:xfrm>
+            <a:off x="2515975" y="2171550"/>
+            <a:ext cx="5118600" cy="400200"/>
+          </a:xfrm>
+          <a:prstGeom prst="rect">
+            <a:avLst/>
+          </a:prstGeom>
+          <a:noFill/>
+          <a:ln>
+            <a:noFill/>
+          </a:ln>
+        </p:spPr>
+        <p:txBody>
+          <a:bodyPr anchorCtr="0" anchor="t" bIns="91425" lIns="91425" spcFirstLastPara="1" rIns="91425" wrap="square" tIns="91425">
+            <a:spAutoFit/>
+          </a:bodyPr>
+          <a:lstStyle/>
+          <a:p>
+            <a:pPr indent="0" lvl="0" marL="0" rtl="0" algn="l">
+              <a:spcBef>
+                <a:spcPts val="0"/>
+              </a:spcBef>
+              <a:spcAft>
+                <a:spcPts val="0"/>
+              </a:spcAft>
+              <a:buNone/>
+            </a:pPr>
+            <a:r>
+              <a:rPr b="1" lang="es">
+                <a:latin typeface="Open Sans"/>
+                <a:ea typeface="Open Sans"/>
+                <a:cs typeface="Open Sans"/>
+                <a:sym typeface="Open Sans"/>
+              </a:rPr>
+              <a:t>TP 1 </a:t>
+            </a:r>
+            <a:r>
+              <a:rPr b="1" lang="es">
+                <a:latin typeface="Open Sans"/>
+                <a:ea typeface="Open Sans"/>
+                <a:cs typeface="Open Sans"/>
+                <a:sym typeface="Open Sans"/>
+              </a:rPr>
+              <a:t>Tecnologías</a:t>
+            </a:r>
+            <a:r>
+              <a:rPr b="1" lang="es">
+                <a:latin typeface="Open Sans"/>
+                <a:ea typeface="Open Sans"/>
+                <a:cs typeface="Open Sans"/>
+                <a:sym typeface="Open Sans"/>
+              </a:rPr>
+              <a:t> de desarrollo de software IDE</a:t>
+            </a:r>
+            <a:endParaRPr b="1">
+              <a:latin typeface="Open Sans"/>
+              <a:ea typeface="Open Sans"/>
+              <a:cs typeface="Open Sans"/>
+              <a:sym typeface="Open Sans"/>
+            </a:endParaRPr>
+          </a:p>
+        </p:txBody>
+      </p:sp>
+    </p:spTree>
+  </p:cSld>
+  <p:clrMapOvr>
+    <a:masterClrMapping/>
+  </p:clrMapOvr>
+</p:sld>
+</file>
+
+<file path=ppt/slides/slide10.xml><?xml version="1.0" encoding="utf-8"?>
+<p:sld xmlns:a="http://schemas.openxmlformats.org/drawingml/2006/main" xmlns:r="http://schemas.openxmlformats.org/officeDocument/2006/relationships" xmlns:mc="http://schemas.openxmlformats.org/markup-compatibility/2006" xmlns:mv="urn:schemas-microsoft-com:mac:vml" xmlns:p="http://schemas.openxmlformats.org/presentationml/2006/main" xmlns:c="http://schemas.openxmlformats.org/drawingml/2006/chart" xmlns:dgm="http://schemas.openxmlformats.org/drawingml/2006/diagram" xmlns:o="urn:schemas-microsoft-com:office:office" xmlns:v="urn:schemas-microsoft-com:vml" xmlns:pvml="urn:schemas-microsoft-com:office:powerpoint" xmlns:com="http://schemas.openxmlformats.org/drawingml/2006/compatibility" xmlns:p14="http://schemas.microsoft.com/office/powerpoint/2010/main" xmlns:p15="http://schemas.microsoft.com/office/powerpoint/2012/main" xmlns:ahyp="http://schemas.microsoft.com/office/drawing/2018/hyperlinkcolor">
+  <p:cSld>
+    <p:spTree>
+      <p:nvGrpSpPr>
+        <p:cNvPr id="129" name="Shape 129"/>
+        <p:cNvGrpSpPr/>
+        <p:nvPr/>
+      </p:nvGrpSpPr>
+      <p:grpSpPr>
+        <a:xfrm>
+          <a:off x="0" y="0"/>
+          <a:ext cx="0" cy="0"/>
+          <a:chOff x="0" y="0"/>
+          <a:chExt cx="0" cy="0"/>
+        </a:xfrm>
+      </p:grpSpPr>
+      <p:sp>
+        <p:nvSpPr>
+          <p:cNvPr id="130" name="Google Shape;130;p22"/>
+          <p:cNvSpPr txBox="1"/>
+          <p:nvPr>
+            <p:ph type="title"/>
+          </p:nvPr>
+        </p:nvSpPr>
+        <p:spPr>
+          <a:xfrm>
+            <a:off x="224925" y="1920625"/>
+            <a:ext cx="8520600" cy="831300"/>
+          </a:xfrm>
+          <a:prstGeom prst="rect">
+            <a:avLst/>
+          </a:prstGeom>
+          <a:ln cap="flat" cmpd="sng" w="9525">
+            <a:solidFill>
+              <a:srgbClr val="EA9999"/>
+            </a:solidFill>
+            <a:prstDash val="solid"/>
+            <a:round/>
+            <a:headEnd len="sm" w="sm" type="none"/>
+            <a:tailEnd len="sm" w="sm" type="none"/>
+          </a:ln>
+        </p:spPr>
+        <p:txBody>
+          <a:bodyPr anchorCtr="0" anchor="b" bIns="91425" lIns="91425" spcFirstLastPara="1" rIns="91425" wrap="square" tIns="91425">
+            <a:normAutofit/>
+          </a:bodyPr>
+          <a:lstStyle/>
+          <a:p>
+            <a:pPr indent="0" lvl="0" marL="0" rtl="0" algn="ctr">
+              <a:spcBef>
+                <a:spcPts val="0"/>
+              </a:spcBef>
+              <a:spcAft>
+                <a:spcPts val="0"/>
+              </a:spcAft>
+              <a:buNone/>
+            </a:pPr>
+            <a:r>
+              <a:rPr lang="es"/>
+              <a:t>Ejemplo </a:t>
+            </a:r>
+            <a:r>
+              <a:rPr lang="es"/>
+              <a:t>Práctico</a:t>
+            </a:r>
+            <a:r>
+              <a:rPr lang="es"/>
+              <a:t> de MSTest:</a:t>
+            </a:r>
+            <a:endParaRPr/>
+          </a:p>
+        </p:txBody>
+      </p:sp>
+    </p:spTree>
+  </p:cSld>
+  <p:clrMapOvr>
+    <a:masterClrMapping/>
+  </p:clrMapOvr>
+</p:sld>
+</file>
+
+<file path=ppt/slides/slide2.xml><?xml version="1.0" encoding="utf-8"?>
+<p:sld xmlns:a="http://schemas.openxmlformats.org/drawingml/2006/main" xmlns:r="http://schemas.openxmlformats.org/officeDocument/2006/relationships" xmlns:mc="http://schemas.openxmlformats.org/markup-compatibility/2006" xmlns:mv="urn:schemas-microsoft-com:mac:vml" xmlns:p="http://schemas.openxmlformats.org/presentationml/2006/main" xmlns:c="http://schemas.openxmlformats.org/drawingml/2006/chart" xmlns:dgm="http://schemas.openxmlformats.org/drawingml/2006/diagram" xmlns:o="urn:schemas-microsoft-com:office:office" xmlns:v="urn:schemas-microsoft-com:vml" xmlns:pvml="urn:schemas-microsoft-com:office:powerpoint" xmlns:com="http://schemas.openxmlformats.org/drawingml/2006/compatibility" xmlns:p14="http://schemas.microsoft.com/office/powerpoint/2010/main" xmlns:p15="http://schemas.microsoft.com/office/powerpoint/2012/main" xmlns:ahyp="http://schemas.microsoft.com/office/drawing/2018/hyperlinkcolor">
+  <p:cSld>
+    <p:spTree>
+      <p:nvGrpSpPr>
+        <p:cNvPr id="69" name="Shape 69"/>
+        <p:cNvGrpSpPr/>
+        <p:nvPr/>
+      </p:nvGrpSpPr>
+      <p:grpSpPr>
+        <a:xfrm>
+          <a:off x="0" y="0"/>
+          <a:ext cx="0" cy="0"/>
+          <a:chOff x="0" y="0"/>
+          <a:chExt cx="0" cy="0"/>
+        </a:xfrm>
+      </p:grpSpPr>
+      <p:sp>
+        <p:nvSpPr>
+          <p:cNvPr id="70" name="Google Shape;70;p14"/>
+          <p:cNvSpPr txBox="1"/>
+          <p:nvPr>
             <p:ph type="ctrTitle"/>
           </p:nvPr>
         </p:nvSpPr>
@@ -6838,7 +7539,7 @@
       </p:sp>
       <p:sp>
         <p:nvSpPr>
-          <p:cNvPr id="63" name="Google Shape;63;p13"/>
+          <p:cNvPr id="71" name="Google Shape;71;p14"/>
           <p:cNvSpPr txBox="1"/>
           <p:nvPr>
             <p:ph idx="1" type="subTitle"/>
@@ -6896,12 +7597,12 @@
 </p:sld>
 </file>
 
-<file path=ppt/slides/slide2.xml><?xml version="1.0" encoding="utf-8"?>
+<file path=ppt/slides/slide3.xml><?xml version="1.0" encoding="utf-8"?>
 <p:sld xmlns:a="http://schemas.openxmlformats.org/drawingml/2006/main" xmlns:r="http://schemas.openxmlformats.org/officeDocument/2006/relationships" xmlns:mc="http://schemas.openxmlformats.org/markup-compatibility/2006" xmlns:mv="urn:schemas-microsoft-com:mac:vml" xmlns:p="http://schemas.openxmlformats.org/presentationml/2006/main" xmlns:c="http://schemas.openxmlformats.org/drawingml/2006/chart" xmlns:dgm="http://schemas.openxmlformats.org/drawingml/2006/diagram" xmlns:o="urn:schemas-microsoft-com:office:office" xmlns:v="urn:schemas-microsoft-com:vml" xmlns:pvml="urn:schemas-microsoft-com:office:powerpoint" xmlns:com="http://schemas.openxmlformats.org/drawingml/2006/compatibility" xmlns:p14="http://schemas.microsoft.com/office/powerpoint/2010/main" xmlns:p15="http://schemas.microsoft.com/office/powerpoint/2012/main" xmlns:ahyp="http://schemas.microsoft.com/office/drawing/2018/hyperlinkcolor">
   <p:cSld>
     <p:spTree>
       <p:nvGrpSpPr>
-        <p:cNvPr id="67" name="Shape 67"/>
+        <p:cNvPr id="75" name="Shape 75"/>
         <p:cNvGrpSpPr/>
         <p:nvPr/>
       </p:nvGrpSpPr>
@@ -6915,7 +7616,7 @@
       </p:grpSpPr>
       <p:sp>
         <p:nvSpPr>
-          <p:cNvPr id="68" name="Google Shape;68;p14"/>
+          <p:cNvPr id="76" name="Google Shape;76;p15"/>
           <p:cNvSpPr txBox="1"/>
           <p:nvPr>
             <p:ph type="title"/>
@@ -6929,6 +7630,15 @@
           <a:prstGeom prst="rect">
             <a:avLst/>
           </a:prstGeom>
+          <a:ln cap="flat" cmpd="sng" w="9525">
+            <a:solidFill>
+              <a:srgbClr val="A4C2F4"/>
+            </a:solidFill>
+            <a:prstDash val="solid"/>
+            <a:round/>
+            <a:headEnd len="sm" w="sm" type="none"/>
+            <a:tailEnd len="sm" w="sm" type="none"/>
+          </a:ln>
         </p:spPr>
         <p:txBody>
           <a:bodyPr anchorCtr="0" anchor="b" bIns="91425" lIns="91425" spcFirstLastPara="1" rIns="91425" wrap="square" tIns="91425">
@@ -6955,7 +7665,7 @@
       </p:sp>
       <p:sp>
         <p:nvSpPr>
-          <p:cNvPr id="69" name="Google Shape;69;p14"/>
+          <p:cNvPr id="77" name="Google Shape;77;p15"/>
           <p:cNvSpPr txBox="1"/>
           <p:nvPr>
             <p:ph idx="1" type="body"/>
@@ -7171,12 +7881,12 @@
 </p:sld>
 </file>
 
-<file path=ppt/slides/slide3.xml><?xml version="1.0" encoding="utf-8"?>
+<file path=ppt/slides/slide4.xml><?xml version="1.0" encoding="utf-8"?>
 <p:sld xmlns:a="http://schemas.openxmlformats.org/drawingml/2006/main" xmlns:r="http://schemas.openxmlformats.org/officeDocument/2006/relationships" xmlns:mc="http://schemas.openxmlformats.org/markup-compatibility/2006" xmlns:mv="urn:schemas-microsoft-com:mac:vml" xmlns:p="http://schemas.openxmlformats.org/presentationml/2006/main" xmlns:c="http://schemas.openxmlformats.org/drawingml/2006/chart" xmlns:dgm="http://schemas.openxmlformats.org/drawingml/2006/diagram" xmlns:o="urn:schemas-microsoft-com:office:office" xmlns:v="urn:schemas-microsoft-com:vml" xmlns:pvml="urn:schemas-microsoft-com:office:powerpoint" xmlns:com="http://schemas.openxmlformats.org/drawingml/2006/compatibility" xmlns:p14="http://schemas.microsoft.com/office/powerpoint/2010/main" xmlns:p15="http://schemas.microsoft.com/office/powerpoint/2012/main" xmlns:ahyp="http://schemas.microsoft.com/office/drawing/2018/hyperlinkcolor">
   <p:cSld>
     <p:spTree>
       <p:nvGrpSpPr>
-        <p:cNvPr id="73" name="Shape 73"/>
+        <p:cNvPr id="81" name="Shape 81"/>
         <p:cNvGrpSpPr/>
         <p:nvPr/>
       </p:nvGrpSpPr>
@@ -7190,7 +7900,7 @@
       </p:grpSpPr>
       <p:sp>
         <p:nvSpPr>
-          <p:cNvPr id="74" name="Google Shape;74;p15"/>
+          <p:cNvPr id="82" name="Google Shape;82;p16"/>
           <p:cNvSpPr/>
           <p:nvPr/>
         </p:nvSpPr>
@@ -7248,7 +7958,7 @@
       </p:sp>
       <p:sp>
         <p:nvSpPr>
-          <p:cNvPr id="75" name="Google Shape;75;p15"/>
+          <p:cNvPr id="83" name="Google Shape;83;p16"/>
           <p:cNvSpPr/>
           <p:nvPr/>
         </p:nvSpPr>
@@ -7306,7 +8016,7 @@
       </p:sp>
       <p:sp>
         <p:nvSpPr>
-          <p:cNvPr id="76" name="Google Shape;76;p15"/>
+          <p:cNvPr id="84" name="Google Shape;84;p16"/>
           <p:cNvSpPr/>
           <p:nvPr/>
         </p:nvSpPr>
@@ -7364,7 +8074,7 @@
       </p:sp>
       <p:sp>
         <p:nvSpPr>
-          <p:cNvPr id="77" name="Google Shape;77;p15"/>
+          <p:cNvPr id="85" name="Google Shape;85;p16"/>
           <p:cNvSpPr/>
           <p:nvPr/>
         </p:nvSpPr>
@@ -7422,7 +8132,7 @@
       </p:sp>
       <p:sp>
         <p:nvSpPr>
-          <p:cNvPr id="78" name="Google Shape;78;p15"/>
+          <p:cNvPr id="86" name="Google Shape;86;p16"/>
           <p:cNvSpPr/>
           <p:nvPr/>
         </p:nvSpPr>
@@ -7480,7 +8190,7 @@
       </p:sp>
       <p:sp>
         <p:nvSpPr>
-          <p:cNvPr id="79" name="Google Shape;79;p15"/>
+          <p:cNvPr id="87" name="Google Shape;87;p16"/>
           <p:cNvSpPr/>
           <p:nvPr/>
         </p:nvSpPr>
@@ -7554,10 +8264,10 @@
       </p:sp>
       <p:cxnSp>
         <p:nvCxnSpPr>
-          <p:cNvPr id="80" name="Google Shape;80;p15"/>
+          <p:cNvPr id="88" name="Google Shape;88;p16"/>
           <p:cNvCxnSpPr>
-            <a:stCxn id="77" idx="7"/>
-            <a:endCxn id="76" idx="0"/>
+            <a:stCxn id="85" idx="7"/>
+            <a:endCxn id="84" idx="0"/>
           </p:cNvCxnSpPr>
           <p:nvPr/>
         </p:nvCxnSpPr>
@@ -7585,10 +8295,10 @@
       </p:cxnSp>
       <p:cxnSp>
         <p:nvCxnSpPr>
-          <p:cNvPr id="81" name="Google Shape;81;p15"/>
+          <p:cNvPr id="89" name="Google Shape;89;p16"/>
           <p:cNvCxnSpPr>
-            <a:stCxn id="76" idx="6"/>
-            <a:endCxn id="78" idx="7"/>
+            <a:stCxn id="84" idx="6"/>
+            <a:endCxn id="86" idx="7"/>
           </p:cNvCxnSpPr>
           <p:nvPr/>
         </p:nvCxnSpPr>
@@ -7617,10 +8327,10 @@
       </p:cxnSp>
       <p:cxnSp>
         <p:nvCxnSpPr>
-          <p:cNvPr id="82" name="Google Shape;82;p15"/>
+          <p:cNvPr id="90" name="Google Shape;90;p16"/>
           <p:cNvCxnSpPr>
-            <a:stCxn id="78" idx="4"/>
-            <a:endCxn id="75" idx="5"/>
+            <a:stCxn id="86" idx="4"/>
+            <a:endCxn id="83" idx="5"/>
           </p:cNvCxnSpPr>
           <p:nvPr/>
         </p:nvCxnSpPr>
@@ -7648,10 +8358,10 @@
       </p:cxnSp>
       <p:cxnSp>
         <p:nvCxnSpPr>
-          <p:cNvPr id="83" name="Google Shape;83;p15"/>
+          <p:cNvPr id="91" name="Google Shape;91;p16"/>
           <p:cNvCxnSpPr>
-            <a:stCxn id="74" idx="2"/>
-            <a:endCxn id="79" idx="2"/>
+            <a:stCxn id="82" idx="2"/>
+            <a:endCxn id="87" idx="2"/>
           </p:cNvCxnSpPr>
           <p:nvPr/>
         </p:nvCxnSpPr>
@@ -7679,10 +8389,10 @@
       </p:cxnSp>
       <p:cxnSp>
         <p:nvCxnSpPr>
-          <p:cNvPr id="84" name="Google Shape;84;p15"/>
+          <p:cNvPr id="92" name="Google Shape;92;p16"/>
           <p:cNvCxnSpPr>
-            <a:stCxn id="79" idx="0"/>
-            <a:endCxn id="77" idx="1"/>
+            <a:stCxn id="87" idx="0"/>
+            <a:endCxn id="85" idx="1"/>
           </p:cNvCxnSpPr>
           <p:nvPr/>
         </p:nvCxnSpPr>
@@ -7710,7 +8420,7 @@
       </p:cxnSp>
       <p:sp>
         <p:nvSpPr>
-          <p:cNvPr id="85" name="Google Shape;85;p15"/>
+          <p:cNvPr id="93" name="Google Shape;93;p16"/>
           <p:cNvSpPr/>
           <p:nvPr/>
         </p:nvSpPr>
@@ -7824,7 +8534,7 @@
       </p:sp>
       <p:cxnSp>
         <p:nvCxnSpPr>
-          <p:cNvPr id="86" name="Google Shape;86;p15"/>
+          <p:cNvPr id="94" name="Google Shape;94;p16"/>
           <p:cNvCxnSpPr/>
           <p:nvPr/>
         </p:nvCxnSpPr>
@@ -7889,7 +8599,7 @@
                                           </p:stCondLst>
                                         </p:cTn>
                                         <p:tgtEl>
-                                          <p:spTgt spid="80"/>
+                                          <p:spTgt spid="88"/>
                                         </p:tgtEl>
                                         <p:attrNameLst>
                                           <p:attrName>style.visibility</p:attrName>
@@ -7903,7 +8613,7 @@
                                       <p:cBhvr>
                                         <p:cTn dur="1000"/>
                                         <p:tgtEl>
-                                          <p:spTgt spid="80"/>
+                                          <p:spTgt spid="88"/>
                                         </p:tgtEl>
                                       </p:cBhvr>
                                     </p:animEffect>
@@ -7941,12 +8651,12 @@
 </p:sld>
 </file>
 
-<file path=ppt/slides/slide4.xml><?xml version="1.0" encoding="utf-8"?>
+<file path=ppt/slides/slide5.xml><?xml version="1.0" encoding="utf-8"?>
 <p:sld xmlns:a="http://schemas.openxmlformats.org/drawingml/2006/main" xmlns:r="http://schemas.openxmlformats.org/officeDocument/2006/relationships" xmlns:mc="http://schemas.openxmlformats.org/markup-compatibility/2006" xmlns:mv="urn:schemas-microsoft-com:mac:vml" xmlns:p="http://schemas.openxmlformats.org/presentationml/2006/main" xmlns:c="http://schemas.openxmlformats.org/drawingml/2006/chart" xmlns:dgm="http://schemas.openxmlformats.org/drawingml/2006/diagram" xmlns:o="urn:schemas-microsoft-com:office:office" xmlns:v="urn:schemas-microsoft-com:vml" xmlns:pvml="urn:schemas-microsoft-com:office:powerpoint" xmlns:com="http://schemas.openxmlformats.org/drawingml/2006/compatibility" xmlns:p14="http://schemas.microsoft.com/office/powerpoint/2010/main" xmlns:p15="http://schemas.microsoft.com/office/powerpoint/2012/main" xmlns:ahyp="http://schemas.microsoft.com/office/drawing/2018/hyperlinkcolor">
   <p:cSld>
     <p:spTree>
       <p:nvGrpSpPr>
-        <p:cNvPr id="90" name="Shape 90"/>
+        <p:cNvPr id="98" name="Shape 98"/>
         <p:cNvGrpSpPr/>
         <p:nvPr/>
       </p:nvGrpSpPr>
@@ -7960,7 +8670,396 @@
       </p:grpSpPr>
       <p:sp>
         <p:nvSpPr>
-          <p:cNvPr id="91" name="Google Shape;91;p16"/>
+          <p:cNvPr id="99" name="Google Shape;99;p17"/>
+          <p:cNvSpPr txBox="1"/>
+          <p:nvPr>
+            <p:ph type="title"/>
+          </p:nvPr>
+        </p:nvSpPr>
+        <p:spPr>
+          <a:xfrm>
+            <a:off x="311700" y="315925"/>
+            <a:ext cx="8520600" cy="831300"/>
+          </a:xfrm>
+          <a:prstGeom prst="rect">
+            <a:avLst/>
+          </a:prstGeom>
+          <a:ln cap="flat" cmpd="sng" w="9525">
+            <a:solidFill>
+              <a:srgbClr val="EA9999"/>
+            </a:solidFill>
+            <a:prstDash val="solid"/>
+            <a:round/>
+            <a:headEnd len="sm" w="sm" type="none"/>
+            <a:tailEnd len="sm" w="sm" type="none"/>
+          </a:ln>
+        </p:spPr>
+        <p:txBody>
+          <a:bodyPr anchorCtr="0" anchor="b" bIns="91425" lIns="91425" spcFirstLastPara="1" rIns="91425" wrap="square" tIns="91425">
+            <a:normAutofit/>
+          </a:bodyPr>
+          <a:lstStyle/>
+          <a:p>
+            <a:pPr indent="0" lvl="0" marL="0" rtl="0" algn="ctr">
+              <a:spcBef>
+                <a:spcPts val="0"/>
+              </a:spcBef>
+              <a:spcAft>
+                <a:spcPts val="0"/>
+              </a:spcAft>
+              <a:buNone/>
+            </a:pPr>
+            <a:r>
+              <a:rPr lang="es"/>
+              <a:t>Motivos para realizar un test unitario</a:t>
+            </a:r>
+            <a:endParaRPr/>
+          </a:p>
+        </p:txBody>
+      </p:sp>
+      <p:sp>
+        <p:nvSpPr>
+          <p:cNvPr id="100" name="Google Shape;100;p17"/>
+          <p:cNvSpPr txBox="1"/>
+          <p:nvPr>
+            <p:ph idx="1" type="body"/>
+          </p:nvPr>
+        </p:nvSpPr>
+        <p:spPr>
+          <a:xfrm>
+            <a:off x="311700" y="1225225"/>
+            <a:ext cx="8520600" cy="3354000"/>
+          </a:xfrm>
+          <a:prstGeom prst="rect">
+            <a:avLst/>
+          </a:prstGeom>
+          <a:noFill/>
+        </p:spPr>
+        <p:txBody>
+          <a:bodyPr anchorCtr="0" anchor="t" bIns="91425" lIns="91425" spcFirstLastPara="1" rIns="91425" wrap="square" tIns="91425">
+            <a:normAutofit/>
+          </a:bodyPr>
+          <a:lstStyle/>
+          <a:p>
+            <a:pPr indent="-90600" lvl="0" marL="876300" rtl="0" algn="l">
+              <a:spcBef>
+                <a:spcPts val="0"/>
+              </a:spcBef>
+              <a:spcAft>
+                <a:spcPts val="0"/>
+              </a:spcAft>
+              <a:buClr>
+                <a:schemeClr val="lt2"/>
+              </a:buClr>
+              <a:buSzPts val="1800"/>
+              <a:buFont typeface="Montserrat"/>
+              <a:buChar char="●"/>
+            </a:pPr>
+            <a:r>
+              <a:rPr lang="es">
+                <a:solidFill>
+                  <a:srgbClr val="404040"/>
+                </a:solidFill>
+                <a:highlight>
+                  <a:srgbClr val="FFFFFF"/>
+                </a:highlight>
+                <a:latin typeface="Montserrat"/>
+                <a:ea typeface="Montserrat"/>
+                <a:cs typeface="Montserrat"/>
+                <a:sym typeface="Montserrat"/>
+              </a:rPr>
+              <a:t>         Lógica del código </a:t>
+            </a:r>
+            <a:endParaRPr>
+              <a:solidFill>
+                <a:srgbClr val="404040"/>
+              </a:solidFill>
+              <a:highlight>
+                <a:srgbClr val="FFFFFF"/>
+              </a:highlight>
+              <a:latin typeface="Montserrat"/>
+              <a:ea typeface="Montserrat"/>
+              <a:cs typeface="Montserrat"/>
+              <a:sym typeface="Montserrat"/>
+            </a:endParaRPr>
+          </a:p>
+          <a:p>
+            <a:pPr indent="-90600" lvl="0" marL="876300" rtl="0" algn="l">
+              <a:spcBef>
+                <a:spcPts val="0"/>
+              </a:spcBef>
+              <a:spcAft>
+                <a:spcPts val="0"/>
+              </a:spcAft>
+              <a:buClr>
+                <a:schemeClr val="lt2"/>
+              </a:buClr>
+              <a:buSzPts val="1800"/>
+              <a:buFont typeface="Montserrat"/>
+              <a:buChar char="●"/>
+            </a:pPr>
+            <a:r>
+              <a:rPr lang="es">
+                <a:solidFill>
+                  <a:srgbClr val="404040"/>
+                </a:solidFill>
+                <a:highlight>
+                  <a:srgbClr val="FFFFFF"/>
+                </a:highlight>
+                <a:latin typeface="Montserrat"/>
+                <a:ea typeface="Montserrat"/>
+                <a:cs typeface="Montserrat"/>
+                <a:sym typeface="Montserrat"/>
+              </a:rPr>
+              <a:t>         Legibilidad del código </a:t>
+            </a:r>
+            <a:endParaRPr>
+              <a:solidFill>
+                <a:srgbClr val="404040"/>
+              </a:solidFill>
+              <a:highlight>
+                <a:srgbClr val="FFFFFF"/>
+              </a:highlight>
+              <a:latin typeface="Montserrat"/>
+              <a:ea typeface="Montserrat"/>
+              <a:cs typeface="Montserrat"/>
+              <a:sym typeface="Montserrat"/>
+            </a:endParaRPr>
+          </a:p>
+          <a:p>
+            <a:pPr indent="-90600" lvl="0" marL="876300" rtl="0" algn="l">
+              <a:spcBef>
+                <a:spcPts val="0"/>
+              </a:spcBef>
+              <a:spcAft>
+                <a:spcPts val="0"/>
+              </a:spcAft>
+              <a:buClr>
+                <a:schemeClr val="lt2"/>
+              </a:buClr>
+              <a:buSzPts val="1800"/>
+              <a:buFont typeface="Montserrat"/>
+              <a:buChar char="●"/>
+            </a:pPr>
+            <a:r>
+              <a:rPr lang="es">
+                <a:solidFill>
+                  <a:srgbClr val="404040"/>
+                </a:solidFill>
+                <a:highlight>
+                  <a:srgbClr val="FFFFFF"/>
+                </a:highlight>
+                <a:latin typeface="Montserrat"/>
+                <a:ea typeface="Montserrat"/>
+                <a:cs typeface="Montserrat"/>
+                <a:sym typeface="Montserrat"/>
+              </a:rPr>
+              <a:t>         Documentación </a:t>
+            </a:r>
+            <a:endParaRPr>
+              <a:solidFill>
+                <a:srgbClr val="404040"/>
+              </a:solidFill>
+              <a:highlight>
+                <a:srgbClr val="FFFFFF"/>
+              </a:highlight>
+              <a:latin typeface="Montserrat"/>
+              <a:ea typeface="Montserrat"/>
+              <a:cs typeface="Montserrat"/>
+              <a:sym typeface="Montserrat"/>
+            </a:endParaRPr>
+          </a:p>
+          <a:p>
+            <a:pPr indent="-90600" lvl="0" marL="876300" rtl="0" algn="l">
+              <a:spcBef>
+                <a:spcPts val="0"/>
+              </a:spcBef>
+              <a:spcAft>
+                <a:spcPts val="0"/>
+              </a:spcAft>
+              <a:buClr>
+                <a:schemeClr val="lt2"/>
+              </a:buClr>
+              <a:buSzPts val="1800"/>
+              <a:buFont typeface="Montserrat"/>
+              <a:buChar char="●"/>
+            </a:pPr>
+            <a:r>
+              <a:rPr lang="es">
+                <a:solidFill>
+                  <a:srgbClr val="404040"/>
+                </a:solidFill>
+                <a:highlight>
+                  <a:srgbClr val="FFFFFF"/>
+                </a:highlight>
+                <a:latin typeface="Montserrat"/>
+                <a:ea typeface="Montserrat"/>
+                <a:cs typeface="Montserrat"/>
+                <a:sym typeface="Montserrat"/>
+              </a:rPr>
+              <a:t>         Pocos milisegundos, </a:t>
+            </a:r>
+            <a:endParaRPr>
+              <a:solidFill>
+                <a:srgbClr val="404040"/>
+              </a:solidFill>
+              <a:highlight>
+                <a:srgbClr val="FFFFFF"/>
+              </a:highlight>
+              <a:latin typeface="Montserrat"/>
+              <a:ea typeface="Montserrat"/>
+              <a:cs typeface="Montserrat"/>
+              <a:sym typeface="Montserrat"/>
+            </a:endParaRPr>
+          </a:p>
+          <a:p>
+            <a:pPr indent="-24300" lvl="0" marL="809999" rtl="0" algn="l">
+              <a:spcBef>
+                <a:spcPts val="0"/>
+              </a:spcBef>
+              <a:spcAft>
+                <a:spcPts val="0"/>
+              </a:spcAft>
+              <a:buClr>
+                <a:schemeClr val="lt2"/>
+              </a:buClr>
+              <a:buSzPts val="1800"/>
+              <a:buFont typeface="Montserrat"/>
+              <a:buChar char="●"/>
+            </a:pPr>
+            <a:r>
+              <a:rPr lang="es">
+                <a:solidFill>
+                  <a:srgbClr val="404040"/>
+                </a:solidFill>
+                <a:highlight>
+                  <a:srgbClr val="FFFFFF"/>
+                </a:highlight>
+                <a:latin typeface="Montserrat"/>
+                <a:ea typeface="Montserrat"/>
+                <a:cs typeface="Montserrat"/>
+                <a:sym typeface="Montserrat"/>
+              </a:rPr>
+              <a:t>         Refactorizar el código </a:t>
+            </a:r>
+            <a:endParaRPr>
+              <a:solidFill>
+                <a:srgbClr val="404040"/>
+              </a:solidFill>
+              <a:highlight>
+                <a:srgbClr val="FFFFFF"/>
+              </a:highlight>
+              <a:latin typeface="Montserrat"/>
+              <a:ea typeface="Montserrat"/>
+              <a:cs typeface="Montserrat"/>
+              <a:sym typeface="Montserrat"/>
+            </a:endParaRPr>
+          </a:p>
+          <a:p>
+            <a:pPr indent="-24300" lvl="0" marL="809999" rtl="0" algn="l">
+              <a:spcBef>
+                <a:spcPts val="0"/>
+              </a:spcBef>
+              <a:spcAft>
+                <a:spcPts val="0"/>
+              </a:spcAft>
+              <a:buClr>
+                <a:schemeClr val="lt2"/>
+              </a:buClr>
+              <a:buSzPts val="1800"/>
+              <a:buFont typeface="Montserrat"/>
+              <a:buChar char="●"/>
+            </a:pPr>
+            <a:r>
+              <a:rPr lang="es">
+                <a:solidFill>
+                  <a:srgbClr val="404040"/>
+                </a:solidFill>
+                <a:highlight>
+                  <a:srgbClr val="FFFFFF"/>
+                </a:highlight>
+                <a:latin typeface="Montserrat"/>
+                <a:ea typeface="Montserrat"/>
+                <a:cs typeface="Montserrat"/>
+                <a:sym typeface="Montserrat"/>
+              </a:rPr>
+              <a:t>         Calidad final del código </a:t>
+            </a:r>
+            <a:endParaRPr>
+              <a:solidFill>
+                <a:srgbClr val="404040"/>
+              </a:solidFill>
+              <a:highlight>
+                <a:srgbClr val="FFFFFF"/>
+              </a:highlight>
+              <a:latin typeface="Montserrat"/>
+              <a:ea typeface="Montserrat"/>
+              <a:cs typeface="Montserrat"/>
+              <a:sym typeface="Montserrat"/>
+            </a:endParaRPr>
+          </a:p>
+          <a:p>
+            <a:pPr indent="-24300" lvl="0" marL="809999" rtl="0" algn="l">
+              <a:spcBef>
+                <a:spcPts val="0"/>
+              </a:spcBef>
+              <a:spcAft>
+                <a:spcPts val="0"/>
+              </a:spcAft>
+              <a:buClr>
+                <a:schemeClr val="lt2"/>
+              </a:buClr>
+              <a:buSzPts val="1800"/>
+              <a:buFont typeface="Montserrat"/>
+              <a:buChar char="●"/>
+            </a:pPr>
+            <a:r>
+              <a:rPr lang="es">
+                <a:solidFill>
+                  <a:srgbClr val="404040"/>
+                </a:solidFill>
+                <a:highlight>
+                  <a:srgbClr val="FFFFFF"/>
+                </a:highlight>
+                <a:latin typeface="Montserrat"/>
+                <a:ea typeface="Montserrat"/>
+                <a:cs typeface="Montserrat"/>
+                <a:sym typeface="Montserrat"/>
+              </a:rPr>
+              <a:t>         Probar distintas partes del proyecto </a:t>
+            </a:r>
+            <a:endParaRPr/>
+          </a:p>
+        </p:txBody>
+      </p:sp>
+    </p:spTree>
+  </p:cSld>
+  <p:clrMapOvr>
+    <a:masterClrMapping/>
+  </p:clrMapOvr>
+</p:sld>
+</file>
+
+<file path=ppt/slides/slide6.xml><?xml version="1.0" encoding="utf-8"?>
+<p:sld xmlns:a="http://schemas.openxmlformats.org/drawingml/2006/main" xmlns:r="http://schemas.openxmlformats.org/officeDocument/2006/relationships" xmlns:mc="http://schemas.openxmlformats.org/markup-compatibility/2006" xmlns:mv="urn:schemas-microsoft-com:mac:vml" xmlns:p="http://schemas.openxmlformats.org/presentationml/2006/main" xmlns:c="http://schemas.openxmlformats.org/drawingml/2006/chart" xmlns:dgm="http://schemas.openxmlformats.org/drawingml/2006/diagram" xmlns:o="urn:schemas-microsoft-com:office:office" xmlns:v="urn:schemas-microsoft-com:vml" xmlns:pvml="urn:schemas-microsoft-com:office:powerpoint" xmlns:com="http://schemas.openxmlformats.org/drawingml/2006/compatibility" xmlns:p14="http://schemas.microsoft.com/office/powerpoint/2010/main" xmlns:p15="http://schemas.microsoft.com/office/powerpoint/2012/main" xmlns:ahyp="http://schemas.microsoft.com/office/drawing/2018/hyperlinkcolor">
+  <p:cSld>
+    <p:spTree>
+      <p:nvGrpSpPr>
+        <p:cNvPr id="104" name="Shape 104"/>
+        <p:cNvGrpSpPr/>
+        <p:nvPr/>
+      </p:nvGrpSpPr>
+      <p:grpSpPr>
+        <a:xfrm>
+          <a:off x="0" y="0"/>
+          <a:ext cx="0" cy="0"/>
+          <a:chOff x="0" y="0"/>
+          <a:chExt cx="0" cy="0"/>
+        </a:xfrm>
+      </p:grpSpPr>
+      <p:sp>
+        <p:nvSpPr>
+          <p:cNvPr id="105" name="Google Shape;105;p18"/>
           <p:cNvSpPr txBox="1"/>
           <p:nvPr>
             <p:ph type="title"/>
@@ -7992,7 +9091,7 @@
             </a:pPr>
             <a:r>
               <a:rPr lang="es"/>
-              <a:t>Motivos para realizar un test unitario</a:t>
+              <a:t>Las 3 A´s del unit testing</a:t>
             </a:r>
             <a:endParaRPr/>
           </a:p>
@@ -8000,7 +9099,7 @@
       </p:sp>
       <p:sp>
         <p:nvSpPr>
-          <p:cNvPr id="92" name="Google Shape;92;p16"/>
+          <p:cNvPr id="106" name="Google Shape;106;p18"/>
           <p:cNvSpPr txBox="1"/>
           <p:nvPr>
             <p:ph idx="1" type="body"/>
@@ -8018,11 +9117,11 @@
         </p:spPr>
         <p:txBody>
           <a:bodyPr anchorCtr="0" anchor="t" bIns="91425" lIns="91425" spcFirstLastPara="1" rIns="91425" wrap="square" tIns="91425">
-            <a:normAutofit/>
+            <a:noAutofit/>
           </a:bodyPr>
           <a:lstStyle/>
           <a:p>
-            <a:pPr indent="-79232" lvl="0" marL="876300" rtl="0" algn="l">
+            <a:pPr indent="-342900" lvl="0" marL="1371600" rtl="0" algn="l">
               <a:spcBef>
                 <a:spcPts val="0"/>
               </a:spcBef>
@@ -8032,15 +9131,12 @@
               <a:buClr>
                 <a:schemeClr val="lt2"/>
               </a:buClr>
-              <a:buSzPts val="1621"/>
+              <a:buSzPts val="1800"/>
               <a:buFont typeface="Montserrat"/>
-              <a:buChar char="●"/>
+              <a:buChar char="❏"/>
             </a:pPr>
             <a:r>
-              <a:rPr lang="es" sz="1620">
-                <a:solidFill>
-                  <a:srgbClr val="404040"/>
-                </a:solidFill>
+              <a:rPr lang="es" u="sng">
                 <a:highlight>
                   <a:srgbClr val="FFFFFF"/>
                 </a:highlight>
@@ -8049,9 +9145,238 @@
                 <a:cs typeface="Montserrat"/>
                 <a:sym typeface="Montserrat"/>
               </a:rPr>
-              <a:t>         Lógica del código </a:t>
-            </a:r>
-            <a:endParaRPr sz="1620">
+              <a:t>Arrange (organizar)</a:t>
+            </a:r>
+            <a:r>
+              <a:rPr lang="es">
+                <a:highlight>
+                  <a:srgbClr val="FFFFFF"/>
+                </a:highlight>
+                <a:latin typeface="Montserrat"/>
+                <a:ea typeface="Montserrat"/>
+                <a:cs typeface="Montserrat"/>
+                <a:sym typeface="Montserrat"/>
+              </a:rPr>
+              <a:t>. Es el primer paso de las pruebas unitarias. En esta parte se </a:t>
+            </a:r>
+            <a:r>
+              <a:rPr b="1" lang="es">
+                <a:highlight>
+                  <a:srgbClr val="FFFFFF"/>
+                </a:highlight>
+                <a:latin typeface="Montserrat"/>
+                <a:ea typeface="Montserrat"/>
+                <a:cs typeface="Montserrat"/>
+                <a:sym typeface="Montserrat"/>
+              </a:rPr>
+              <a:t>definen los requisitos</a:t>
+            </a:r>
+            <a:r>
+              <a:rPr lang="es">
+                <a:highlight>
+                  <a:srgbClr val="FFFFFF"/>
+                </a:highlight>
+                <a:latin typeface="Montserrat"/>
+                <a:ea typeface="Montserrat"/>
+                <a:cs typeface="Montserrat"/>
+                <a:sym typeface="Montserrat"/>
+              </a:rPr>
+              <a:t> que debe cumplir el código.</a:t>
+            </a:r>
+            <a:endParaRPr>
+              <a:highlight>
+                <a:srgbClr val="FFFFFF"/>
+              </a:highlight>
+              <a:latin typeface="Montserrat"/>
+              <a:ea typeface="Montserrat"/>
+              <a:cs typeface="Montserrat"/>
+              <a:sym typeface="Montserrat"/>
+            </a:endParaRPr>
+          </a:p>
+          <a:p>
+            <a:pPr indent="-342900" lvl="0" marL="1371600" rtl="0" algn="l">
+              <a:spcBef>
+                <a:spcPts val="0"/>
+              </a:spcBef>
+              <a:spcAft>
+                <a:spcPts val="0"/>
+              </a:spcAft>
+              <a:buClr>
+                <a:schemeClr val="lt2"/>
+              </a:buClr>
+              <a:buSzPts val="1800"/>
+              <a:buFont typeface="Montserrat"/>
+              <a:buChar char="❏"/>
+            </a:pPr>
+            <a:r>
+              <a:rPr lang="es" u="sng">
+                <a:highlight>
+                  <a:srgbClr val="FFFFFF"/>
+                </a:highlight>
+                <a:latin typeface="Montserrat"/>
+                <a:ea typeface="Montserrat"/>
+                <a:cs typeface="Montserrat"/>
+                <a:sym typeface="Montserrat"/>
+              </a:rPr>
+              <a:t>Act (actuar)</a:t>
+            </a:r>
+            <a:r>
+              <a:rPr lang="es">
+                <a:highlight>
+                  <a:srgbClr val="FFFFFF"/>
+                </a:highlight>
+                <a:latin typeface="Montserrat"/>
+                <a:ea typeface="Montserrat"/>
+                <a:cs typeface="Montserrat"/>
+                <a:sym typeface="Montserrat"/>
+              </a:rPr>
+              <a:t>. Es el paso intermedio de las pruebas, el momento de </a:t>
+            </a:r>
+            <a:r>
+              <a:rPr b="1" lang="es">
+                <a:highlight>
+                  <a:srgbClr val="FFFFFF"/>
+                </a:highlight>
+                <a:latin typeface="Montserrat"/>
+                <a:ea typeface="Montserrat"/>
+                <a:cs typeface="Montserrat"/>
+                <a:sym typeface="Montserrat"/>
+              </a:rPr>
+              <a:t>ejecutar</a:t>
+            </a:r>
+            <a:r>
+              <a:rPr lang="es">
+                <a:highlight>
+                  <a:srgbClr val="FFFFFF"/>
+                </a:highlight>
+                <a:latin typeface="Montserrat"/>
+                <a:ea typeface="Montserrat"/>
+                <a:cs typeface="Montserrat"/>
+                <a:sym typeface="Montserrat"/>
+              </a:rPr>
+              <a:t> el </a:t>
+            </a:r>
+            <a:r>
+              <a:rPr i="1" lang="es">
+                <a:highlight>
+                  <a:srgbClr val="FFFFFF"/>
+                </a:highlight>
+                <a:latin typeface="Montserrat"/>
+                <a:ea typeface="Montserrat"/>
+                <a:cs typeface="Montserrat"/>
+                <a:sym typeface="Montserrat"/>
+              </a:rPr>
+              <a:t>test</a:t>
+            </a:r>
+            <a:r>
+              <a:rPr lang="es">
+                <a:highlight>
+                  <a:srgbClr val="FFFFFF"/>
+                </a:highlight>
+                <a:latin typeface="Montserrat"/>
+                <a:ea typeface="Montserrat"/>
+                <a:cs typeface="Montserrat"/>
+                <a:sym typeface="Montserrat"/>
+              </a:rPr>
+              <a:t> que dará lugar a los resultados que deberás analizar.</a:t>
+            </a:r>
+            <a:endParaRPr>
+              <a:highlight>
+                <a:srgbClr val="FFFFFF"/>
+              </a:highlight>
+              <a:latin typeface="Montserrat"/>
+              <a:ea typeface="Montserrat"/>
+              <a:cs typeface="Montserrat"/>
+              <a:sym typeface="Montserrat"/>
+            </a:endParaRPr>
+          </a:p>
+          <a:p>
+            <a:pPr indent="-342900" lvl="0" marL="1371600" rtl="0" algn="l">
+              <a:spcBef>
+                <a:spcPts val="0"/>
+              </a:spcBef>
+              <a:spcAft>
+                <a:spcPts val="0"/>
+              </a:spcAft>
+              <a:buClr>
+                <a:schemeClr val="lt2"/>
+              </a:buClr>
+              <a:buSzPts val="1800"/>
+              <a:buFont typeface="Montserrat"/>
+              <a:buChar char="❏"/>
+            </a:pPr>
+            <a:r>
+              <a:rPr lang="es" u="sng">
+                <a:highlight>
+                  <a:srgbClr val="FFFFFF"/>
+                </a:highlight>
+                <a:latin typeface="Montserrat"/>
+                <a:ea typeface="Montserrat"/>
+                <a:cs typeface="Montserrat"/>
+                <a:sym typeface="Montserrat"/>
+              </a:rPr>
+              <a:t>Assert (afirmar)</a:t>
+            </a:r>
+            <a:r>
+              <a:rPr lang="es">
+                <a:highlight>
+                  <a:srgbClr val="FFFFFF"/>
+                </a:highlight>
+                <a:latin typeface="Montserrat"/>
+                <a:ea typeface="Montserrat"/>
+                <a:cs typeface="Montserrat"/>
+                <a:sym typeface="Montserrat"/>
+              </a:rPr>
+              <a:t>. En el último paso, es el momento de comprobar si los resultados obtenidos son los que se esperaban. </a:t>
+            </a:r>
+            <a:r>
+              <a:rPr b="1" lang="es">
+                <a:highlight>
+                  <a:srgbClr val="FFFFFF"/>
+                </a:highlight>
+                <a:latin typeface="Montserrat"/>
+                <a:ea typeface="Montserrat"/>
+                <a:cs typeface="Montserrat"/>
+                <a:sym typeface="Montserrat"/>
+              </a:rPr>
+              <a:t>Si es así, se valida y se sigue adelante</a:t>
+            </a:r>
+            <a:r>
+              <a:rPr lang="es">
+                <a:highlight>
+                  <a:srgbClr val="FFFFFF"/>
+                </a:highlight>
+                <a:latin typeface="Montserrat"/>
+                <a:ea typeface="Montserrat"/>
+                <a:cs typeface="Montserrat"/>
+                <a:sym typeface="Montserrat"/>
+              </a:rPr>
+              <a:t>. Si no, se corrige el error hasta que desaparezca.</a:t>
+            </a:r>
+            <a:endParaRPr>
+              <a:highlight>
+                <a:srgbClr val="FFFFFF"/>
+              </a:highlight>
+              <a:latin typeface="Montserrat"/>
+              <a:ea typeface="Montserrat"/>
+              <a:cs typeface="Montserrat"/>
+              <a:sym typeface="Montserrat"/>
+            </a:endParaRPr>
+          </a:p>
+          <a:p>
+            <a:pPr indent="0" lvl="0" marL="457200" rtl="0" algn="l">
+              <a:spcBef>
+                <a:spcPts val="3700"/>
+              </a:spcBef>
+              <a:spcAft>
+                <a:spcPts val="3700"/>
+              </a:spcAft>
+              <a:buNone/>
+            </a:pPr>
+            <a:r>
+              <a:t/>
+            </a:r>
+            <a:endParaRPr>
               <a:solidFill>
                 <a:srgbClr val="404040"/>
               </a:solidFill>
@@ -8064,253 +9389,6 @@
               <a:sym typeface="Montserrat"/>
             </a:endParaRPr>
           </a:p>
-          <a:p>
-            <a:pPr indent="-79232" lvl="0" marL="876300" rtl="0" algn="l">
-              <a:spcBef>
-                <a:spcPts val="0"/>
-              </a:spcBef>
-              <a:spcAft>
-                <a:spcPts val="0"/>
-              </a:spcAft>
-              <a:buClr>
-                <a:schemeClr val="lt2"/>
-              </a:buClr>
-              <a:buSzPts val="1621"/>
-              <a:buFont typeface="Montserrat"/>
-              <a:buChar char="●"/>
-            </a:pPr>
-            <a:r>
-              <a:rPr lang="es" sz="1620">
-                <a:solidFill>
-                  <a:srgbClr val="404040"/>
-                </a:solidFill>
-                <a:highlight>
-                  <a:srgbClr val="FFFFFF"/>
-                </a:highlight>
-                <a:latin typeface="Montserrat"/>
-                <a:ea typeface="Montserrat"/>
-                <a:cs typeface="Montserrat"/>
-                <a:sym typeface="Montserrat"/>
-              </a:rPr>
-              <a:t>         Legibilidad del código </a:t>
-            </a:r>
-            <a:endParaRPr sz="1620">
-              <a:solidFill>
-                <a:srgbClr val="404040"/>
-              </a:solidFill>
-              <a:highlight>
-                <a:srgbClr val="FFFFFF"/>
-              </a:highlight>
-              <a:latin typeface="Montserrat"/>
-              <a:ea typeface="Montserrat"/>
-              <a:cs typeface="Montserrat"/>
-              <a:sym typeface="Montserrat"/>
-            </a:endParaRPr>
-          </a:p>
-          <a:p>
-            <a:pPr indent="-79232" lvl="0" marL="876300" rtl="0" algn="l">
-              <a:spcBef>
-                <a:spcPts val="0"/>
-              </a:spcBef>
-              <a:spcAft>
-                <a:spcPts val="0"/>
-              </a:spcAft>
-              <a:buClr>
-                <a:schemeClr val="lt2"/>
-              </a:buClr>
-              <a:buSzPts val="1621"/>
-              <a:buFont typeface="Montserrat"/>
-              <a:buChar char="●"/>
-            </a:pPr>
-            <a:r>
-              <a:rPr lang="es" sz="1620">
-                <a:solidFill>
-                  <a:srgbClr val="404040"/>
-                </a:solidFill>
-                <a:highlight>
-                  <a:srgbClr val="FFFFFF"/>
-                </a:highlight>
-                <a:latin typeface="Montserrat"/>
-                <a:ea typeface="Montserrat"/>
-                <a:cs typeface="Montserrat"/>
-                <a:sym typeface="Montserrat"/>
-              </a:rPr>
-              <a:t>         Documentación </a:t>
-            </a:r>
-            <a:endParaRPr sz="1620">
-              <a:solidFill>
-                <a:srgbClr val="404040"/>
-              </a:solidFill>
-              <a:highlight>
-                <a:srgbClr val="FFFFFF"/>
-              </a:highlight>
-              <a:latin typeface="Montserrat"/>
-              <a:ea typeface="Montserrat"/>
-              <a:cs typeface="Montserrat"/>
-              <a:sym typeface="Montserrat"/>
-            </a:endParaRPr>
-          </a:p>
-          <a:p>
-            <a:pPr indent="-79232" lvl="0" marL="876300" rtl="0" algn="l">
-              <a:spcBef>
-                <a:spcPts val="0"/>
-              </a:spcBef>
-              <a:spcAft>
-                <a:spcPts val="0"/>
-              </a:spcAft>
-              <a:buClr>
-                <a:schemeClr val="lt2"/>
-              </a:buClr>
-              <a:buSzPts val="1621"/>
-              <a:buFont typeface="Montserrat"/>
-              <a:buChar char="●"/>
-            </a:pPr>
-            <a:r>
-              <a:rPr lang="es" sz="1620">
-                <a:solidFill>
-                  <a:srgbClr val="404040"/>
-                </a:solidFill>
-                <a:highlight>
-                  <a:srgbClr val="FFFFFF"/>
-                </a:highlight>
-                <a:latin typeface="Montserrat"/>
-                <a:ea typeface="Montserrat"/>
-                <a:cs typeface="Montserrat"/>
-                <a:sym typeface="Montserrat"/>
-              </a:rPr>
-              <a:t>         Pocos milisegundos, </a:t>
-            </a:r>
-            <a:endParaRPr sz="1620">
-              <a:solidFill>
-                <a:srgbClr val="404040"/>
-              </a:solidFill>
-              <a:highlight>
-                <a:srgbClr val="FFFFFF"/>
-              </a:highlight>
-              <a:latin typeface="Montserrat"/>
-              <a:ea typeface="Montserrat"/>
-              <a:cs typeface="Montserrat"/>
-              <a:sym typeface="Montserrat"/>
-            </a:endParaRPr>
-          </a:p>
-          <a:p>
-            <a:pPr indent="-8425" lvl="0" marL="809999" rtl="0" algn="l">
-              <a:spcBef>
-                <a:spcPts val="0"/>
-              </a:spcBef>
-              <a:spcAft>
-                <a:spcPts val="0"/>
-              </a:spcAft>
-              <a:buClr>
-                <a:schemeClr val="lt2"/>
-              </a:buClr>
-              <a:buSzPts val="1550"/>
-              <a:buFont typeface="Montserrat"/>
-              <a:buChar char="●"/>
-            </a:pPr>
-            <a:r>
-              <a:rPr lang="es" sz="1550">
-                <a:solidFill>
-                  <a:srgbClr val="404040"/>
-                </a:solidFill>
-                <a:highlight>
-                  <a:srgbClr val="FFFFFF"/>
-                </a:highlight>
-                <a:latin typeface="Montserrat"/>
-                <a:ea typeface="Montserrat"/>
-                <a:cs typeface="Montserrat"/>
-                <a:sym typeface="Montserrat"/>
-              </a:rPr>
-              <a:t>         Refactorizar el código </a:t>
-            </a:r>
-            <a:endParaRPr sz="1550">
-              <a:solidFill>
-                <a:srgbClr val="404040"/>
-              </a:solidFill>
-              <a:highlight>
-                <a:srgbClr val="FFFFFF"/>
-              </a:highlight>
-              <a:latin typeface="Montserrat"/>
-              <a:ea typeface="Montserrat"/>
-              <a:cs typeface="Montserrat"/>
-              <a:sym typeface="Montserrat"/>
-            </a:endParaRPr>
-          </a:p>
-          <a:p>
-            <a:pPr indent="-8425" lvl="0" marL="809999" rtl="0" algn="l">
-              <a:spcBef>
-                <a:spcPts val="0"/>
-              </a:spcBef>
-              <a:spcAft>
-                <a:spcPts val="0"/>
-              </a:spcAft>
-              <a:buClr>
-                <a:schemeClr val="lt2"/>
-              </a:buClr>
-              <a:buSzPts val="1550"/>
-              <a:buFont typeface="Montserrat"/>
-              <a:buChar char="●"/>
-            </a:pPr>
-            <a:r>
-              <a:rPr lang="es" sz="1550">
-                <a:solidFill>
-                  <a:srgbClr val="404040"/>
-                </a:solidFill>
-                <a:highlight>
-                  <a:srgbClr val="FFFFFF"/>
-                </a:highlight>
-                <a:latin typeface="Montserrat"/>
-                <a:ea typeface="Montserrat"/>
-                <a:cs typeface="Montserrat"/>
-                <a:sym typeface="Montserrat"/>
-              </a:rPr>
-              <a:t>         Calidad final del código </a:t>
-            </a:r>
-            <a:endParaRPr sz="1550">
-              <a:solidFill>
-                <a:srgbClr val="404040"/>
-              </a:solidFill>
-              <a:highlight>
-                <a:srgbClr val="FFFFFF"/>
-              </a:highlight>
-              <a:latin typeface="Montserrat"/>
-              <a:ea typeface="Montserrat"/>
-              <a:cs typeface="Montserrat"/>
-              <a:sym typeface="Montserrat"/>
-            </a:endParaRPr>
-          </a:p>
-          <a:p>
-            <a:pPr indent="-8425" lvl="0" marL="809999" rtl="0" algn="l">
-              <a:spcBef>
-                <a:spcPts val="0"/>
-              </a:spcBef>
-              <a:spcAft>
-                <a:spcPts val="0"/>
-              </a:spcAft>
-              <a:buClr>
-                <a:schemeClr val="lt2"/>
-              </a:buClr>
-              <a:buSzPts val="1550"/>
-              <a:buFont typeface="Montserrat"/>
-              <a:buChar char="●"/>
-            </a:pPr>
-            <a:r>
-              <a:rPr lang="es" sz="1550">
-                <a:solidFill>
-                  <a:srgbClr val="404040"/>
-                </a:solidFill>
-                <a:highlight>
-                  <a:srgbClr val="FFFFFF"/>
-                </a:highlight>
-                <a:latin typeface="Montserrat"/>
-                <a:ea typeface="Montserrat"/>
-                <a:cs typeface="Montserrat"/>
-                <a:sym typeface="Montserrat"/>
-              </a:rPr>
-              <a:t>         Probar distintas partes del proyecto </a:t>
-            </a:r>
-            <a:endParaRPr sz="2000"/>
-          </a:p>
         </p:txBody>
       </p:sp>
     </p:spTree>
@@ -8321,12 +9399,12 @@
 </p:sld>
 </file>
 
-<file path=ppt/slides/slide5.xml><?xml version="1.0" encoding="utf-8"?>
+<file path=ppt/slides/slide7.xml><?xml version="1.0" encoding="utf-8"?>
 <p:sld xmlns:a="http://schemas.openxmlformats.org/drawingml/2006/main" xmlns:r="http://schemas.openxmlformats.org/officeDocument/2006/relationships" xmlns:mc="http://schemas.openxmlformats.org/markup-compatibility/2006" xmlns:mv="urn:schemas-microsoft-com:mac:vml" xmlns:p="http://schemas.openxmlformats.org/presentationml/2006/main" xmlns:c="http://schemas.openxmlformats.org/drawingml/2006/chart" xmlns:dgm="http://schemas.openxmlformats.org/drawingml/2006/diagram" xmlns:o="urn:schemas-microsoft-com:office:office" xmlns:v="urn:schemas-microsoft-com:vml" xmlns:pvml="urn:schemas-microsoft-com:office:powerpoint" xmlns:com="http://schemas.openxmlformats.org/drawingml/2006/compatibility" xmlns:p14="http://schemas.microsoft.com/office/powerpoint/2010/main" xmlns:p15="http://schemas.microsoft.com/office/powerpoint/2012/main" xmlns:ahyp="http://schemas.microsoft.com/office/drawing/2018/hyperlinkcolor">
   <p:cSld>
     <p:spTree>
       <p:nvGrpSpPr>
-        <p:cNvPr id="96" name="Shape 96"/>
+        <p:cNvPr id="110" name="Shape 110"/>
         <p:cNvGrpSpPr/>
         <p:nvPr/>
       </p:nvGrpSpPr>
@@ -8340,7 +9418,7 @@
       </p:grpSpPr>
       <p:sp>
         <p:nvSpPr>
-          <p:cNvPr id="97" name="Google Shape;97;p17"/>
+          <p:cNvPr id="111" name="Google Shape;111;p19"/>
           <p:cNvSpPr txBox="1"/>
           <p:nvPr>
             <p:ph idx="1" type="body"/>
@@ -8977,7 +10055,7 @@
       </p:sp>
       <p:sp>
         <p:nvSpPr>
-          <p:cNvPr id="98" name="Google Shape;98;p17"/>
+          <p:cNvPr id="112" name="Google Shape;112;p19"/>
           <p:cNvSpPr txBox="1"/>
           <p:nvPr>
             <p:ph type="title"/>
@@ -8991,6 +10069,15 @@
           <a:prstGeom prst="rect">
             <a:avLst/>
           </a:prstGeom>
+          <a:ln cap="flat" cmpd="sng" w="9525">
+            <a:solidFill>
+              <a:srgbClr val="C9DAF8"/>
+            </a:solidFill>
+            <a:prstDash val="solid"/>
+            <a:round/>
+            <a:headEnd len="sm" w="sm" type="none"/>
+            <a:tailEnd len="sm" w="sm" type="none"/>
+          </a:ln>
         </p:spPr>
         <p:txBody>
           <a:bodyPr anchorCtr="0" anchor="b" bIns="91425" lIns="91425" spcFirstLastPara="1" rIns="91425" wrap="square" tIns="91425">
@@ -9023,12 +10110,12 @@
 </p:sld>
 </file>
 
-<file path=ppt/slides/slide6.xml><?xml version="1.0" encoding="utf-8"?>
+<file path=ppt/slides/slide8.xml><?xml version="1.0" encoding="utf-8"?>
 <p:sld xmlns:a="http://schemas.openxmlformats.org/drawingml/2006/main" xmlns:r="http://schemas.openxmlformats.org/officeDocument/2006/relationships" xmlns:mc="http://schemas.openxmlformats.org/markup-compatibility/2006" xmlns:mv="urn:schemas-microsoft-com:mac:vml" xmlns:p="http://schemas.openxmlformats.org/presentationml/2006/main" xmlns:c="http://schemas.openxmlformats.org/drawingml/2006/chart" xmlns:dgm="http://schemas.openxmlformats.org/drawingml/2006/diagram" xmlns:o="urn:schemas-microsoft-com:office:office" xmlns:v="urn:schemas-microsoft-com:vml" xmlns:pvml="urn:schemas-microsoft-com:office:powerpoint" xmlns:com="http://schemas.openxmlformats.org/drawingml/2006/compatibility" xmlns:p14="http://schemas.microsoft.com/office/powerpoint/2010/main" xmlns:p15="http://schemas.microsoft.com/office/powerpoint/2012/main" xmlns:ahyp="http://schemas.microsoft.com/office/drawing/2018/hyperlinkcolor">
   <p:cSld>
     <p:spTree>
       <p:nvGrpSpPr>
-        <p:cNvPr id="102" name="Shape 102"/>
+        <p:cNvPr id="116" name="Shape 116"/>
         <p:cNvGrpSpPr/>
         <p:nvPr/>
       </p:nvGrpSpPr>
@@ -9042,7 +10129,7 @@
       </p:grpSpPr>
       <p:sp>
         <p:nvSpPr>
-          <p:cNvPr id="103" name="Google Shape;103;p18"/>
+          <p:cNvPr id="117" name="Google Shape;117;p20"/>
           <p:cNvSpPr txBox="1"/>
           <p:nvPr>
             <p:ph type="title"/>
@@ -9056,6 +10143,15 @@
           <a:prstGeom prst="rect">
             <a:avLst/>
           </a:prstGeom>
+          <a:ln cap="flat" cmpd="sng" w="9525">
+            <a:solidFill>
+              <a:srgbClr val="EA9999"/>
+            </a:solidFill>
+            <a:prstDash val="solid"/>
+            <a:round/>
+            <a:headEnd len="sm" w="sm" type="none"/>
+            <a:tailEnd len="sm" w="sm" type="none"/>
+          </a:ln>
         </p:spPr>
         <p:txBody>
           <a:bodyPr anchorCtr="0" anchor="b" bIns="91425" lIns="91425" spcFirstLastPara="1" rIns="91425" wrap="square" tIns="91425">
@@ -9082,7 +10178,7 @@
       </p:sp>
       <p:sp>
         <p:nvSpPr>
-          <p:cNvPr id="104" name="Google Shape;104;p18"/>
+          <p:cNvPr id="118" name="Google Shape;118;p20"/>
           <p:cNvSpPr txBox="1"/>
           <p:nvPr>
             <p:ph idx="1" type="body"/>
@@ -9367,6 +10463,219 @@
               <a:ea typeface="Montserrat"/>
               <a:cs typeface="Montserrat"/>
               <a:sym typeface="Montserrat"/>
+            </a:endParaRPr>
+          </a:p>
+        </p:txBody>
+      </p:sp>
+    </p:spTree>
+  </p:cSld>
+  <p:clrMapOvr>
+    <a:masterClrMapping/>
+  </p:clrMapOvr>
+</p:sld>
+</file>
+
+<file path=ppt/slides/slide9.xml><?xml version="1.0" encoding="utf-8"?>
+<p:sld xmlns:a="http://schemas.openxmlformats.org/drawingml/2006/main" xmlns:r="http://schemas.openxmlformats.org/officeDocument/2006/relationships" xmlns:mc="http://schemas.openxmlformats.org/markup-compatibility/2006" xmlns:mv="urn:schemas-microsoft-com:mac:vml" xmlns:p="http://schemas.openxmlformats.org/presentationml/2006/main" xmlns:c="http://schemas.openxmlformats.org/drawingml/2006/chart" xmlns:dgm="http://schemas.openxmlformats.org/drawingml/2006/diagram" xmlns:o="urn:schemas-microsoft-com:office:office" xmlns:v="urn:schemas-microsoft-com:vml" xmlns:pvml="urn:schemas-microsoft-com:office:powerpoint" xmlns:com="http://schemas.openxmlformats.org/drawingml/2006/compatibility" xmlns:p14="http://schemas.microsoft.com/office/powerpoint/2010/main" xmlns:p15="http://schemas.microsoft.com/office/powerpoint/2012/main" xmlns:ahyp="http://schemas.microsoft.com/office/drawing/2018/hyperlinkcolor">
+  <p:cSld>
+    <p:spTree>
+      <p:nvGrpSpPr>
+        <p:cNvPr id="122" name="Shape 122"/>
+        <p:cNvGrpSpPr/>
+        <p:nvPr/>
+      </p:nvGrpSpPr>
+      <p:grpSpPr>
+        <a:xfrm>
+          <a:off x="0" y="0"/>
+          <a:ext cx="0" cy="0"/>
+          <a:chOff x="0" y="0"/>
+          <a:chExt cx="0" cy="0"/>
+        </a:xfrm>
+      </p:grpSpPr>
+      <p:sp>
+        <p:nvSpPr>
+          <p:cNvPr id="123" name="Google Shape;123;p21"/>
+          <p:cNvSpPr txBox="1"/>
+          <p:nvPr>
+            <p:ph type="title"/>
+          </p:nvPr>
+        </p:nvSpPr>
+        <p:spPr>
+          <a:xfrm>
+            <a:off x="437875" y="916075"/>
+            <a:ext cx="8520600" cy="831300"/>
+          </a:xfrm>
+          <a:prstGeom prst="rect">
+            <a:avLst/>
+          </a:prstGeom>
+          <a:ln cap="flat" cmpd="sng" w="9525">
+            <a:solidFill>
+              <a:srgbClr val="A4C2F4"/>
+            </a:solidFill>
+            <a:prstDash val="solid"/>
+            <a:round/>
+            <a:headEnd len="sm" w="sm" type="none"/>
+            <a:tailEnd len="sm" w="sm" type="none"/>
+          </a:ln>
+        </p:spPr>
+        <p:txBody>
+          <a:bodyPr anchorCtr="0" anchor="b" bIns="91425" lIns="91425" spcFirstLastPara="1" rIns="91425" wrap="square" tIns="91425">
+            <a:normAutofit/>
+          </a:bodyPr>
+          <a:lstStyle/>
+          <a:p>
+            <a:pPr indent="0" lvl="0" marL="0" rtl="0" algn="ctr">
+              <a:spcBef>
+                <a:spcPts val="0"/>
+              </a:spcBef>
+              <a:spcAft>
+                <a:spcPts val="0"/>
+              </a:spcAft>
+              <a:buNone/>
+            </a:pPr>
+            <a:r>
+              <a:rPr lang="es"/>
+              <a:t>Hay distintos tipos de Unit Testing:</a:t>
+            </a:r>
+            <a:endParaRPr/>
+          </a:p>
+        </p:txBody>
+      </p:sp>
+      <p:sp>
+        <p:nvSpPr>
+          <p:cNvPr id="124" name="Google Shape;124;p21"/>
+          <p:cNvSpPr txBox="1"/>
+          <p:nvPr>
+            <p:ph idx="1" type="body"/>
+          </p:nvPr>
+        </p:nvSpPr>
+        <p:spPr>
+          <a:xfrm>
+            <a:off x="911850" y="1958250"/>
+            <a:ext cx="7320300" cy="2534100"/>
+          </a:xfrm>
+          <a:prstGeom prst="rect">
+            <a:avLst/>
+          </a:prstGeom>
+          <a:ln>
+            <a:noFill/>
+          </a:ln>
+        </p:spPr>
+        <p:txBody>
+          <a:bodyPr anchorCtr="0" anchor="t" bIns="91425" lIns="91425" spcFirstLastPara="1" rIns="91425" wrap="square" tIns="91425">
+            <a:normAutofit/>
+          </a:bodyPr>
+          <a:lstStyle/>
+          <a:p>
+            <a:pPr indent="-355600" lvl="0" marL="457200" rtl="0" algn="l">
+              <a:spcBef>
+                <a:spcPts val="0"/>
+              </a:spcBef>
+              <a:spcAft>
+                <a:spcPts val="0"/>
+              </a:spcAft>
+              <a:buSzPts val="2000"/>
+              <a:buChar char="●"/>
+            </a:pPr>
+            <a:r>
+              <a:rPr i="1" lang="es" sz="2000"/>
+              <a:t>NUTest</a:t>
+            </a:r>
+            <a:endParaRPr i="1" sz="2000"/>
+          </a:p>
+          <a:p>
+            <a:pPr indent="-355600" lvl="0" marL="457200" rtl="0" algn="l">
+              <a:spcBef>
+                <a:spcPts val="0"/>
+              </a:spcBef>
+              <a:spcAft>
+                <a:spcPts val="0"/>
+              </a:spcAft>
+              <a:buSzPts val="2000"/>
+              <a:buChar char="●"/>
+            </a:pPr>
+            <a:r>
+              <a:rPr i="1" lang="es" sz="2000"/>
+              <a:t>MSTest</a:t>
+            </a:r>
+            <a:endParaRPr i="1" sz="2000"/>
+          </a:p>
+          <a:p>
+            <a:pPr indent="-355600" lvl="0" marL="457200" rtl="0" algn="l">
+              <a:spcBef>
+                <a:spcPts val="0"/>
+              </a:spcBef>
+              <a:spcAft>
+                <a:spcPts val="0"/>
+              </a:spcAft>
+              <a:buSzPts val="2000"/>
+              <a:buChar char="●"/>
+            </a:pPr>
+            <a:r>
+              <a:rPr i="1" lang="es" sz="2000"/>
+              <a:t>XTest</a:t>
+            </a:r>
+            <a:endParaRPr i="1" sz="2000"/>
+          </a:p>
+          <a:p>
+            <a:pPr indent="0" lvl="0" marL="457200" rtl="0" algn="l">
+              <a:spcBef>
+                <a:spcPts val="1200"/>
+              </a:spcBef>
+              <a:spcAft>
+                <a:spcPts val="1200"/>
+              </a:spcAft>
+              <a:buNone/>
+            </a:pPr>
+            <a:r>
+              <a:t/>
+            </a:r>
+            <a:endParaRPr b="1"/>
+          </a:p>
+        </p:txBody>
+      </p:sp>
+      <p:sp>
+        <p:nvSpPr>
+          <p:cNvPr id="125" name="Google Shape;125;p21"/>
+          <p:cNvSpPr txBox="1"/>
+          <p:nvPr/>
+        </p:nvSpPr>
+        <p:spPr>
+          <a:xfrm>
+            <a:off x="879975" y="1958250"/>
+            <a:ext cx="1821900" cy="1301400"/>
+          </a:xfrm>
+          <a:prstGeom prst="rect">
+            <a:avLst/>
+          </a:prstGeom>
+          <a:noFill/>
+          <a:ln>
+            <a:noFill/>
+          </a:ln>
+        </p:spPr>
+        <p:txBody>
+          <a:bodyPr anchorCtr="0" anchor="t" bIns="91425" lIns="91425" spcFirstLastPara="1" rIns="91425" wrap="square" tIns="91425">
+            <a:spAutoFit/>
+          </a:bodyPr>
+          <a:lstStyle/>
+          <a:p>
+            <a:pPr indent="0" lvl="0" marL="0" rtl="0" algn="l">
+              <a:spcBef>
+                <a:spcPts val="0"/>
+              </a:spcBef>
+              <a:spcAft>
+                <a:spcPts val="0"/>
+              </a:spcAft>
+              <a:buNone/>
+            </a:pPr>
+            <a:r>
+              <a:t/>
+            </a:r>
+            <a:endParaRPr>
+              <a:latin typeface="Open Sans"/>
+              <a:ea typeface="Open Sans"/>
+              <a:cs typeface="Open Sans"/>
+              <a:sym typeface="Open Sans"/>
             </a:endParaRPr>
           </a:p>
         </p:txBody>

--- a/TPS/Unit Testing.pptx
+++ b/TPS/Unit Testing.pptx
@@ -18,30 +18,32 @@
     <p:sldId id="263" r:id="rId13"/>
     <p:sldId id="264" r:id="rId14"/>
     <p:sldId id="265" r:id="rId15"/>
+    <p:sldId id="266" r:id="rId16"/>
+    <p:sldId id="267" r:id="rId17"/>
   </p:sldIdLst>
   <p:sldSz cy="5143500" cx="9144000"/>
   <p:notesSz cx="6858000" cy="9144000"/>
   <p:embeddedFontLst>
     <p:embeddedFont>
       <p:font typeface="Economica"/>
-      <p:regular r:id="rId16"/>
-      <p:bold r:id="rId17"/>
-      <p:italic r:id="rId18"/>
-      <p:boldItalic r:id="rId19"/>
+      <p:regular r:id="rId18"/>
+      <p:bold r:id="rId19"/>
+      <p:italic r:id="rId20"/>
+      <p:boldItalic r:id="rId21"/>
     </p:embeddedFont>
     <p:embeddedFont>
       <p:font typeface="Montserrat"/>
-      <p:regular r:id="rId20"/>
-      <p:bold r:id="rId21"/>
-      <p:italic r:id="rId22"/>
-      <p:boldItalic r:id="rId23"/>
+      <p:regular r:id="rId22"/>
+      <p:bold r:id="rId23"/>
+      <p:italic r:id="rId24"/>
+      <p:boldItalic r:id="rId25"/>
     </p:embeddedFont>
     <p:embeddedFont>
       <p:font typeface="Open Sans"/>
-      <p:regular r:id="rId24"/>
-      <p:bold r:id="rId25"/>
-      <p:italic r:id="rId26"/>
-      <p:boldItalic r:id="rId27"/>
+      <p:regular r:id="rId26"/>
+      <p:bold r:id="rId27"/>
+      <p:italic r:id="rId28"/>
+      <p:boldItalic r:id="rId29"/>
     </p:embeddedFont>
   </p:embeddedFontLst>
   <p:defaultTextStyle>
@@ -822,7 +824,7 @@
   <p:cSld>
     <p:spTree>
       <p:nvGrpSpPr>
-        <p:cNvPr id="126" name="Shape 126"/>
+        <p:cNvPr id="130" name="Shape 130"/>
         <p:cNvGrpSpPr/>
         <p:nvPr/>
       </p:nvGrpSpPr>
@@ -836,7 +838,7 @@
       </p:grpSpPr>
       <p:sp>
         <p:nvSpPr>
-          <p:cNvPr id="127" name="Google Shape;127;gda7a18c69e_1_10:notes"/>
+          <p:cNvPr id="131" name="Google Shape;131;gdb69d6b7fc_1_6:notes"/>
           <p:cNvSpPr/>
           <p:nvPr>
             <p:ph idx="2" type="sldImg"/>
@@ -871,7 +873,205 @@
       </p:sp>
       <p:sp>
         <p:nvSpPr>
-          <p:cNvPr id="128" name="Google Shape;128;gda7a18c69e_1_10:notes"/>
+          <p:cNvPr id="132" name="Google Shape;132;gdb69d6b7fc_1_6:notes"/>
+          <p:cNvSpPr txBox="1"/>
+          <p:nvPr>
+            <p:ph idx="1" type="body"/>
+          </p:nvPr>
+        </p:nvSpPr>
+        <p:spPr>
+          <a:xfrm>
+            <a:off x="685800" y="4343400"/>
+            <a:ext cx="5486400" cy="4114800"/>
+          </a:xfrm>
+          <a:prstGeom prst="rect">
+            <a:avLst/>
+          </a:prstGeom>
+        </p:spPr>
+        <p:txBody>
+          <a:bodyPr anchorCtr="0" anchor="t" bIns="91425" lIns="91425" spcFirstLastPara="1" rIns="91425" wrap="square" tIns="91425">
+            <a:noAutofit/>
+          </a:bodyPr>
+          <a:lstStyle/>
+          <a:p>
+            <a:pPr indent="0" lvl="0" marL="0" rtl="0" algn="l">
+              <a:spcBef>
+                <a:spcPts val="0"/>
+              </a:spcBef>
+              <a:spcAft>
+                <a:spcPts val="0"/>
+              </a:spcAft>
+              <a:buNone/>
+            </a:pPr>
+            <a:r>
+              <a:t/>
+            </a:r>
+            <a:endParaRPr/>
+          </a:p>
+        </p:txBody>
+      </p:sp>
+    </p:spTree>
+  </p:cSld>
+  <p:clrMapOvr>
+    <a:masterClrMapping/>
+  </p:clrMapOvr>
+</p:notes>
+</file>
+
+<file path=ppt/notesSlides/notesSlide11.xml><?xml version="1.0" encoding="utf-8"?>
+<p:notes xmlns:a="http://schemas.openxmlformats.org/drawingml/2006/main" xmlns:r="http://schemas.openxmlformats.org/officeDocument/2006/relationships" xmlns:mc="http://schemas.openxmlformats.org/markup-compatibility/2006" xmlns:mv="urn:schemas-microsoft-com:mac:vml" xmlns:p="http://schemas.openxmlformats.org/presentationml/2006/main" xmlns:c="http://schemas.openxmlformats.org/drawingml/2006/chart" xmlns:dgm="http://schemas.openxmlformats.org/drawingml/2006/diagram" xmlns:o="urn:schemas-microsoft-com:office:office" xmlns:v="urn:schemas-microsoft-com:vml" xmlns:pvml="urn:schemas-microsoft-com:office:powerpoint" xmlns:com="http://schemas.openxmlformats.org/drawingml/2006/compatibility" xmlns:p14="http://schemas.microsoft.com/office/powerpoint/2010/main" xmlns:p15="http://schemas.microsoft.com/office/powerpoint/2012/main" xmlns:ahyp="http://schemas.microsoft.com/office/drawing/2018/hyperlinkcolor" showMasterPhAnim="0" showMasterSp="0">
+  <p:cSld>
+    <p:spTree>
+      <p:nvGrpSpPr>
+        <p:cNvPr id="142" name="Shape 142"/>
+        <p:cNvGrpSpPr/>
+        <p:nvPr/>
+      </p:nvGrpSpPr>
+      <p:grpSpPr>
+        <a:xfrm>
+          <a:off x="0" y="0"/>
+          <a:ext cx="0" cy="0"/>
+          <a:chOff x="0" y="0"/>
+          <a:chExt cx="0" cy="0"/>
+        </a:xfrm>
+      </p:grpSpPr>
+      <p:sp>
+        <p:nvSpPr>
+          <p:cNvPr id="143" name="Google Shape;143;gda7a18c69e_1_10:notes"/>
+          <p:cNvSpPr/>
+          <p:nvPr>
+            <p:ph idx="2" type="sldImg"/>
+          </p:nvPr>
+        </p:nvSpPr>
+        <p:spPr>
+          <a:xfrm>
+            <a:off x="381300" y="685800"/>
+            <a:ext cx="6096000" cy="3429000"/>
+          </a:xfrm>
+          <a:custGeom>
+            <a:rect b="b" l="l" r="r" t="t"/>
+            <a:pathLst>
+              <a:path extrusionOk="0" h="120000" w="120000">
+                <a:moveTo>
+                  <a:pt x="0" y="0"/>
+                </a:moveTo>
+                <a:lnTo>
+                  <a:pt x="120000" y="0"/>
+                </a:lnTo>
+                <a:lnTo>
+                  <a:pt x="120000" y="120000"/>
+                </a:lnTo>
+                <a:lnTo>
+                  <a:pt x="0" y="120000"/>
+                </a:lnTo>
+                <a:close/>
+              </a:path>
+            </a:pathLst>
+          </a:custGeom>
+        </p:spPr>
+      </p:sp>
+      <p:sp>
+        <p:nvSpPr>
+          <p:cNvPr id="144" name="Google Shape;144;gda7a18c69e_1_10:notes"/>
+          <p:cNvSpPr txBox="1"/>
+          <p:nvPr>
+            <p:ph idx="1" type="body"/>
+          </p:nvPr>
+        </p:nvSpPr>
+        <p:spPr>
+          <a:xfrm>
+            <a:off x="685800" y="4343400"/>
+            <a:ext cx="5486400" cy="4114800"/>
+          </a:xfrm>
+          <a:prstGeom prst="rect">
+            <a:avLst/>
+          </a:prstGeom>
+        </p:spPr>
+        <p:txBody>
+          <a:bodyPr anchorCtr="0" anchor="t" bIns="91425" lIns="91425" spcFirstLastPara="1" rIns="91425" wrap="square" tIns="91425">
+            <a:noAutofit/>
+          </a:bodyPr>
+          <a:lstStyle/>
+          <a:p>
+            <a:pPr indent="0" lvl="0" marL="0" rtl="0" algn="l">
+              <a:spcBef>
+                <a:spcPts val="0"/>
+              </a:spcBef>
+              <a:spcAft>
+                <a:spcPts val="0"/>
+              </a:spcAft>
+              <a:buNone/>
+            </a:pPr>
+            <a:r>
+              <a:t/>
+            </a:r>
+            <a:endParaRPr/>
+          </a:p>
+        </p:txBody>
+      </p:sp>
+    </p:spTree>
+  </p:cSld>
+  <p:clrMapOvr>
+    <a:masterClrMapping/>
+  </p:clrMapOvr>
+</p:notes>
+</file>
+
+<file path=ppt/notesSlides/notesSlide12.xml><?xml version="1.0" encoding="utf-8"?>
+<p:notes xmlns:a="http://schemas.openxmlformats.org/drawingml/2006/main" xmlns:r="http://schemas.openxmlformats.org/officeDocument/2006/relationships" xmlns:mc="http://schemas.openxmlformats.org/markup-compatibility/2006" xmlns:mv="urn:schemas-microsoft-com:mac:vml" xmlns:p="http://schemas.openxmlformats.org/presentationml/2006/main" xmlns:c="http://schemas.openxmlformats.org/drawingml/2006/chart" xmlns:dgm="http://schemas.openxmlformats.org/drawingml/2006/diagram" xmlns:o="urn:schemas-microsoft-com:office:office" xmlns:v="urn:schemas-microsoft-com:vml" xmlns:pvml="urn:schemas-microsoft-com:office:powerpoint" xmlns:com="http://schemas.openxmlformats.org/drawingml/2006/compatibility" xmlns:p14="http://schemas.microsoft.com/office/powerpoint/2010/main" xmlns:p15="http://schemas.microsoft.com/office/powerpoint/2012/main" xmlns:ahyp="http://schemas.microsoft.com/office/drawing/2018/hyperlinkcolor" showMasterPhAnim="0" showMasterSp="0">
+  <p:cSld>
+    <p:spTree>
+      <p:nvGrpSpPr>
+        <p:cNvPr id="147" name="Shape 147"/>
+        <p:cNvGrpSpPr/>
+        <p:nvPr/>
+      </p:nvGrpSpPr>
+      <p:grpSpPr>
+        <a:xfrm>
+          <a:off x="0" y="0"/>
+          <a:ext cx="0" cy="0"/>
+          <a:chOff x="0" y="0"/>
+          <a:chExt cx="0" cy="0"/>
+        </a:xfrm>
+      </p:grpSpPr>
+      <p:sp>
+        <p:nvSpPr>
+          <p:cNvPr id="148" name="Google Shape;148;gdb69d6b7fc_3_10:notes"/>
+          <p:cNvSpPr/>
+          <p:nvPr>
+            <p:ph idx="2" type="sldImg"/>
+          </p:nvPr>
+        </p:nvSpPr>
+        <p:spPr>
+          <a:xfrm>
+            <a:off x="381300" y="685800"/>
+            <a:ext cx="6096000" cy="3429000"/>
+          </a:xfrm>
+          <a:custGeom>
+            <a:rect b="b" l="l" r="r" t="t"/>
+            <a:pathLst>
+              <a:path extrusionOk="0" h="120000" w="120000">
+                <a:moveTo>
+                  <a:pt x="0" y="0"/>
+                </a:moveTo>
+                <a:lnTo>
+                  <a:pt x="120000" y="0"/>
+                </a:lnTo>
+                <a:lnTo>
+                  <a:pt x="120000" y="120000"/>
+                </a:lnTo>
+                <a:lnTo>
+                  <a:pt x="0" y="120000"/>
+                </a:lnTo>
+                <a:close/>
+              </a:path>
+            </a:pathLst>
+          </a:custGeom>
+        </p:spPr>
+      </p:sp>
+      <p:sp>
+        <p:nvSpPr>
+          <p:cNvPr id="149" name="Google Shape;149;gdb69d6b7fc_3_10:notes"/>
           <p:cNvSpPr txBox="1"/>
           <p:nvPr>
             <p:ph idx="1" type="body"/>
@@ -1119,7 +1319,7 @@
   <p:cSld>
     <p:spTree>
       <p:nvGrpSpPr>
-        <p:cNvPr id="78" name="Shape 78"/>
+        <p:cNvPr id="79" name="Shape 79"/>
         <p:cNvGrpSpPr/>
         <p:nvPr/>
       </p:nvGrpSpPr>
@@ -1133,7 +1333,7 @@
       </p:grpSpPr>
       <p:sp>
         <p:nvSpPr>
-          <p:cNvPr id="79" name="Google Shape;79;gd0b47f5ee7_3_5:notes"/>
+          <p:cNvPr id="80" name="Google Shape;80;gd0b47f5ee7_3_10:notes"/>
           <p:cNvSpPr/>
           <p:nvPr>
             <p:ph idx="2" type="sldImg"/>
@@ -1168,7 +1368,7 @@
       </p:sp>
       <p:sp>
         <p:nvSpPr>
-          <p:cNvPr id="80" name="Google Shape;80;gd0b47f5ee7_3_5:notes"/>
+          <p:cNvPr id="81" name="Google Shape;81;gd0b47f5ee7_3_10:notes"/>
           <p:cNvSpPr txBox="1"/>
           <p:nvPr>
             <p:ph idx="1" type="body"/>
@@ -1218,7 +1418,7 @@
   <p:cSld>
     <p:spTree>
       <p:nvGrpSpPr>
-        <p:cNvPr id="95" name="Shape 95"/>
+        <p:cNvPr id="85" name="Shape 85"/>
         <p:cNvGrpSpPr/>
         <p:nvPr/>
       </p:nvGrpSpPr>
@@ -1232,7 +1432,7 @@
       </p:grpSpPr>
       <p:sp>
         <p:nvSpPr>
-          <p:cNvPr id="96" name="Google Shape;96;gd0b47f5ee7_3_10:notes"/>
+          <p:cNvPr id="86" name="Google Shape;86;gda7a18c69e_3_0:notes"/>
           <p:cNvSpPr/>
           <p:nvPr>
             <p:ph idx="2" type="sldImg"/>
@@ -1267,7 +1467,7 @@
       </p:sp>
       <p:sp>
         <p:nvSpPr>
-          <p:cNvPr id="97" name="Google Shape;97;gd0b47f5ee7_3_10:notes"/>
+          <p:cNvPr id="87" name="Google Shape;87;gda7a18c69e_3_0:notes"/>
           <p:cNvSpPr txBox="1"/>
           <p:nvPr>
             <p:ph idx="1" type="body"/>
@@ -1317,7 +1517,7 @@
   <p:cSld>
     <p:spTree>
       <p:nvGrpSpPr>
-        <p:cNvPr id="101" name="Shape 101"/>
+        <p:cNvPr id="91" name="Shape 91"/>
         <p:cNvGrpSpPr/>
         <p:nvPr/>
       </p:nvGrpSpPr>
@@ -1331,7 +1531,7 @@
       </p:grpSpPr>
       <p:sp>
         <p:nvSpPr>
-          <p:cNvPr id="102" name="Google Shape;102;gda7a18c69e_3_0:notes"/>
+          <p:cNvPr id="92" name="Google Shape;92;gd0b47f5ee7_3_5:notes"/>
           <p:cNvSpPr/>
           <p:nvPr>
             <p:ph idx="2" type="sldImg"/>
@@ -1366,7 +1566,7 @@
       </p:sp>
       <p:sp>
         <p:nvSpPr>
-          <p:cNvPr id="103" name="Google Shape;103;gda7a18c69e_3_0:notes"/>
+          <p:cNvPr id="93" name="Google Shape;93;gd0b47f5ee7_3_5:notes"/>
           <p:cNvSpPr txBox="1"/>
           <p:nvPr>
             <p:ph idx="1" type="body"/>
@@ -1416,7 +1616,7 @@
   <p:cSld>
     <p:spTree>
       <p:nvGrpSpPr>
-        <p:cNvPr id="107" name="Shape 107"/>
+        <p:cNvPr id="108" name="Shape 108"/>
         <p:cNvGrpSpPr/>
         <p:nvPr/>
       </p:nvGrpSpPr>
@@ -1430,7 +1630,7 @@
       </p:grpSpPr>
       <p:sp>
         <p:nvSpPr>
-          <p:cNvPr id="108" name="Google Shape;108;gd0b47f5ee7_3_15:notes"/>
+          <p:cNvPr id="109" name="Google Shape;109;gda7a18c69e_1_0:notes"/>
           <p:cNvSpPr/>
           <p:nvPr>
             <p:ph idx="2" type="sldImg"/>
@@ -1465,7 +1665,7 @@
       </p:sp>
       <p:sp>
         <p:nvSpPr>
-          <p:cNvPr id="109" name="Google Shape;109;gd0b47f5ee7_3_15:notes"/>
+          <p:cNvPr id="110" name="Google Shape;110;gda7a18c69e_1_0:notes"/>
           <p:cNvSpPr txBox="1"/>
           <p:nvPr>
             <p:ph idx="1" type="body"/>
@@ -1529,7 +1729,7 @@
       </p:grpSpPr>
       <p:sp>
         <p:nvSpPr>
-          <p:cNvPr id="114" name="Google Shape;114;gd0b47f5ee7_3_20:notes"/>
+          <p:cNvPr id="114" name="Google Shape;114;gdb69d6b7fc_0_9:notes"/>
           <p:cNvSpPr/>
           <p:nvPr>
             <p:ph idx="2" type="sldImg"/>
@@ -1564,7 +1764,7 @@
       </p:sp>
       <p:sp>
         <p:nvSpPr>
-          <p:cNvPr id="115" name="Google Shape;115;gd0b47f5ee7_3_20:notes"/>
+          <p:cNvPr id="115" name="Google Shape;115;gdb69d6b7fc_0_9:notes"/>
           <p:cNvSpPr txBox="1"/>
           <p:nvPr>
             <p:ph idx="1" type="body"/>
@@ -1614,7 +1814,7 @@
   <p:cSld>
     <p:spTree>
       <p:nvGrpSpPr>
-        <p:cNvPr id="119" name="Shape 119"/>
+        <p:cNvPr id="121" name="Shape 121"/>
         <p:cNvGrpSpPr/>
         <p:nvPr/>
       </p:nvGrpSpPr>
@@ -1628,7 +1828,7 @@
       </p:grpSpPr>
       <p:sp>
         <p:nvSpPr>
-          <p:cNvPr id="120" name="Google Shape;120;gda7a18c69e_1_0:notes"/>
+          <p:cNvPr id="122" name="Google Shape;122;gdb69d6b7fc_0_19:notes"/>
           <p:cNvSpPr/>
           <p:nvPr>
             <p:ph idx="2" type="sldImg"/>
@@ -1663,7 +1863,7 @@
       </p:sp>
       <p:sp>
         <p:nvSpPr>
-          <p:cNvPr id="121" name="Google Shape;121;gda7a18c69e_1_0:notes"/>
+          <p:cNvPr id="123" name="Google Shape;123;gdb69d6b7fc_0_19:notes"/>
           <p:cNvSpPr txBox="1"/>
           <p:nvPr>
             <p:ph idx="1" type="body"/>
@@ -7357,7 +7557,7 @@
   <p:cSld>
     <p:spTree>
       <p:nvGrpSpPr>
-        <p:cNvPr id="129" name="Shape 129"/>
+        <p:cNvPr id="133" name="Shape 133"/>
         <p:cNvGrpSpPr/>
         <p:nvPr/>
       </p:nvGrpSpPr>
@@ -7371,7 +7571,619 @@
       </p:grpSpPr>
       <p:sp>
         <p:nvSpPr>
-          <p:cNvPr id="130" name="Google Shape;130;p22"/>
+          <p:cNvPr id="134" name="Google Shape;134;p22"/>
+          <p:cNvSpPr txBox="1"/>
+          <p:nvPr/>
+        </p:nvSpPr>
+        <p:spPr>
+          <a:xfrm>
+            <a:off x="222648" y="0"/>
+            <a:ext cx="1188300" cy="461700"/>
+          </a:xfrm>
+          <a:prstGeom prst="rect">
+            <a:avLst/>
+          </a:prstGeom>
+          <a:noFill/>
+          <a:ln>
+            <a:noFill/>
+          </a:ln>
+        </p:spPr>
+        <p:txBody>
+          <a:bodyPr anchorCtr="0" anchor="t" bIns="91425" lIns="91425" spcFirstLastPara="1" rIns="91425" wrap="square" tIns="91425">
+            <a:spAutoFit/>
+          </a:bodyPr>
+          <a:lstStyle/>
+          <a:p>
+            <a:pPr indent="0" lvl="0" marL="0" rtl="0" algn="l">
+              <a:spcBef>
+                <a:spcPts val="0"/>
+              </a:spcBef>
+              <a:spcAft>
+                <a:spcPts val="0"/>
+              </a:spcAft>
+              <a:buNone/>
+            </a:pPr>
+            <a:r>
+              <a:rPr b="1" lang="es" sz="1800">
+                <a:latin typeface="Open Sans"/>
+                <a:ea typeface="Open Sans"/>
+                <a:cs typeface="Open Sans"/>
+                <a:sym typeface="Open Sans"/>
+              </a:rPr>
+              <a:t>MSTest</a:t>
+            </a:r>
+            <a:endParaRPr b="1" sz="1800">
+              <a:latin typeface="Open Sans"/>
+              <a:ea typeface="Open Sans"/>
+              <a:cs typeface="Open Sans"/>
+              <a:sym typeface="Open Sans"/>
+            </a:endParaRPr>
+          </a:p>
+        </p:txBody>
+      </p:sp>
+      <p:sp>
+        <p:nvSpPr>
+          <p:cNvPr id="135" name="Google Shape;135;p22"/>
+          <p:cNvSpPr txBox="1"/>
+          <p:nvPr/>
+        </p:nvSpPr>
+        <p:spPr>
+          <a:xfrm>
+            <a:off x="-93200" y="399250"/>
+            <a:ext cx="5151600" cy="2447400"/>
+          </a:xfrm>
+          <a:prstGeom prst="rect">
+            <a:avLst/>
+          </a:prstGeom>
+          <a:noFill/>
+          <a:ln>
+            <a:noFill/>
+          </a:ln>
+        </p:spPr>
+        <p:txBody>
+          <a:bodyPr anchorCtr="0" anchor="t" bIns="91425" lIns="91425" spcFirstLastPara="1" rIns="91425" wrap="square" tIns="91425">
+            <a:spAutoFit/>
+          </a:bodyPr>
+          <a:lstStyle/>
+          <a:p>
+            <a:pPr indent="-323850" lvl="0" marL="457200" marR="38100" rtl="0" algn="l">
+              <a:lnSpc>
+                <a:spcPct val="128571"/>
+              </a:lnSpc>
+              <a:spcBef>
+                <a:spcPts val="0"/>
+              </a:spcBef>
+              <a:spcAft>
+                <a:spcPts val="0"/>
+              </a:spcAft>
+              <a:buClr>
+                <a:srgbClr val="202124"/>
+              </a:buClr>
+              <a:buSzPts val="1500"/>
+              <a:buChar char="●"/>
+            </a:pPr>
+            <a:r>
+              <a:rPr lang="es" sz="1500">
+                <a:solidFill>
+                  <a:srgbClr val="202124"/>
+                </a:solidFill>
+                <a:highlight>
+                  <a:srgbClr val="F8F9FA"/>
+                </a:highlight>
+              </a:rPr>
+              <a:t>Inicialmente era de </a:t>
+            </a:r>
+            <a:r>
+              <a:rPr lang="es" sz="1500">
+                <a:solidFill>
+                  <a:srgbClr val="202124"/>
+                </a:solidFill>
+                <a:highlight>
+                  <a:srgbClr val="F8F9FA"/>
+                </a:highlight>
+              </a:rPr>
+              <a:t>código</a:t>
+            </a:r>
+            <a:r>
+              <a:rPr lang="es" sz="1500">
+                <a:solidFill>
+                  <a:srgbClr val="202124"/>
+                </a:solidFill>
+                <a:highlight>
+                  <a:srgbClr val="F8F9FA"/>
+                </a:highlight>
+              </a:rPr>
+              <a:t> cerrado para </a:t>
+            </a:r>
+            <a:r>
+              <a:rPr lang="es" sz="1500">
+                <a:solidFill>
+                  <a:srgbClr val="202124"/>
+                </a:solidFill>
+                <a:highlight>
+                  <a:srgbClr val="F8F9FA"/>
+                </a:highlight>
+              </a:rPr>
+              <a:t>más</a:t>
+            </a:r>
+            <a:r>
+              <a:rPr lang="es" sz="1500">
+                <a:solidFill>
+                  <a:srgbClr val="202124"/>
+                </a:solidFill>
+                <a:highlight>
+                  <a:srgbClr val="F8F9FA"/>
+                </a:highlight>
+              </a:rPr>
+              <a:t> luego ser </a:t>
+            </a:r>
+            <a:r>
+              <a:rPr lang="es" sz="1500">
+                <a:solidFill>
+                  <a:srgbClr val="202124"/>
+                </a:solidFill>
+                <a:highlight>
+                  <a:srgbClr val="F8F9FA"/>
+                </a:highlight>
+              </a:rPr>
+              <a:t>código</a:t>
+            </a:r>
+            <a:r>
+              <a:rPr lang="es" sz="1500">
+                <a:solidFill>
+                  <a:srgbClr val="202124"/>
+                </a:solidFill>
+                <a:highlight>
+                  <a:srgbClr val="F8F9FA"/>
+                </a:highlight>
+              </a:rPr>
+              <a:t> abierto siendo </a:t>
+            </a:r>
+            <a:r>
+              <a:rPr lang="es" sz="1500">
+                <a:solidFill>
+                  <a:srgbClr val="202124"/>
+                </a:solidFill>
+                <a:highlight>
+                  <a:srgbClr val="F8F9FA"/>
+                </a:highlight>
+              </a:rPr>
+              <a:t>está</a:t>
+            </a:r>
+            <a:r>
+              <a:rPr lang="es" sz="1500">
+                <a:solidFill>
+                  <a:srgbClr val="202124"/>
+                </a:solidFill>
+                <a:highlight>
+                  <a:srgbClr val="F8F9FA"/>
+                </a:highlight>
+              </a:rPr>
+              <a:t> su versión V2.</a:t>
+            </a:r>
+            <a:endParaRPr sz="1500">
+              <a:solidFill>
+                <a:srgbClr val="202124"/>
+              </a:solidFill>
+              <a:highlight>
+                <a:srgbClr val="F8F9FA"/>
+              </a:highlight>
+            </a:endParaRPr>
+          </a:p>
+          <a:p>
+            <a:pPr indent="-323850" lvl="0" marL="457200" marR="38100" rtl="0" algn="l">
+              <a:lnSpc>
+                <a:spcPct val="128571"/>
+              </a:lnSpc>
+              <a:spcBef>
+                <a:spcPts val="0"/>
+              </a:spcBef>
+              <a:spcAft>
+                <a:spcPts val="0"/>
+              </a:spcAft>
+              <a:buClr>
+                <a:srgbClr val="202124"/>
+              </a:buClr>
+              <a:buSzPts val="1500"/>
+              <a:buChar char="●"/>
+            </a:pPr>
+            <a:r>
+              <a:rPr lang="es" sz="1500">
+                <a:solidFill>
+                  <a:srgbClr val="202124"/>
+                </a:solidFill>
+                <a:highlight>
+                  <a:srgbClr val="F8F9FA"/>
+                </a:highlight>
+              </a:rPr>
+              <a:t>Corre la ventaja de estar integrado en Visual Studio</a:t>
+            </a:r>
+            <a:endParaRPr sz="1500">
+              <a:solidFill>
+                <a:srgbClr val="202124"/>
+              </a:solidFill>
+              <a:highlight>
+                <a:srgbClr val="F8F9FA"/>
+              </a:highlight>
+            </a:endParaRPr>
+          </a:p>
+          <a:p>
+            <a:pPr indent="-323850" lvl="0" marL="457200" marR="38100" rtl="0" algn="l">
+              <a:lnSpc>
+                <a:spcPct val="128571"/>
+              </a:lnSpc>
+              <a:spcBef>
+                <a:spcPts val="0"/>
+              </a:spcBef>
+              <a:spcAft>
+                <a:spcPts val="0"/>
+              </a:spcAft>
+              <a:buClr>
+                <a:srgbClr val="202124"/>
+              </a:buClr>
+              <a:buSzPts val="1500"/>
+              <a:buChar char="●"/>
+            </a:pPr>
+            <a:r>
+              <a:rPr lang="es" sz="1500">
+                <a:solidFill>
+                  <a:srgbClr val="202124"/>
+                </a:solidFill>
+                <a:highlight>
+                  <a:srgbClr val="F8F9FA"/>
+                </a:highlight>
+              </a:rPr>
+              <a:t>Es el de menor profundidad de los 3 y el que presenta menor curva de </a:t>
+            </a:r>
+            <a:r>
+              <a:rPr lang="es" sz="1500">
+                <a:solidFill>
+                  <a:srgbClr val="202124"/>
+                </a:solidFill>
+                <a:highlight>
+                  <a:srgbClr val="F8F9FA"/>
+                </a:highlight>
+              </a:rPr>
+              <a:t>aprendizaje.</a:t>
+            </a:r>
+            <a:endParaRPr sz="1500">
+              <a:solidFill>
+                <a:srgbClr val="202124"/>
+              </a:solidFill>
+              <a:highlight>
+                <a:srgbClr val="F8F9FA"/>
+              </a:highlight>
+            </a:endParaRPr>
+          </a:p>
+          <a:p>
+            <a:pPr indent="-323850" lvl="0" marL="457200" marR="38100" rtl="0" algn="l">
+              <a:lnSpc>
+                <a:spcPct val="128571"/>
+              </a:lnSpc>
+              <a:spcBef>
+                <a:spcPts val="0"/>
+              </a:spcBef>
+              <a:spcAft>
+                <a:spcPts val="0"/>
+              </a:spcAft>
+              <a:buClr>
+                <a:srgbClr val="202124"/>
+              </a:buClr>
+              <a:buSzPts val="1500"/>
+              <a:buChar char="●"/>
+            </a:pPr>
+            <a:r>
+              <a:rPr lang="es" sz="1500">
+                <a:solidFill>
+                  <a:srgbClr val="202124"/>
+                </a:solidFill>
+                <a:highlight>
+                  <a:srgbClr val="F8F9FA"/>
+                </a:highlight>
+              </a:rPr>
+              <a:t>Es multi-plataforma y dispone de una amplia </a:t>
+            </a:r>
+            <a:r>
+              <a:rPr lang="es" sz="1500">
+                <a:solidFill>
+                  <a:srgbClr val="202124"/>
+                </a:solidFill>
+                <a:highlight>
+                  <a:srgbClr val="F8F9FA"/>
+                </a:highlight>
+              </a:rPr>
+              <a:t>customización</a:t>
+            </a:r>
+            <a:r>
+              <a:rPr lang="es" sz="1500">
+                <a:solidFill>
+                  <a:srgbClr val="202124"/>
+                </a:solidFill>
+                <a:highlight>
+                  <a:srgbClr val="F8F9FA"/>
+                </a:highlight>
+              </a:rPr>
+              <a:t> para el desarrollador. </a:t>
+            </a:r>
+            <a:endParaRPr sz="1500">
+              <a:solidFill>
+                <a:srgbClr val="202124"/>
+              </a:solidFill>
+              <a:highlight>
+                <a:srgbClr val="F8F9FA"/>
+              </a:highlight>
+            </a:endParaRPr>
+          </a:p>
+          <a:p>
+            <a:pPr indent="0" lvl="0" marL="0" marR="38100" rtl="0" algn="l">
+              <a:lnSpc>
+                <a:spcPct val="128571"/>
+              </a:lnSpc>
+              <a:spcBef>
+                <a:spcPts val="0"/>
+              </a:spcBef>
+              <a:spcAft>
+                <a:spcPts val="0"/>
+              </a:spcAft>
+              <a:buNone/>
+            </a:pPr>
+            <a:r>
+              <a:t/>
+            </a:r>
+            <a:endParaRPr sz="1200">
+              <a:solidFill>
+                <a:srgbClr val="202124"/>
+              </a:solidFill>
+              <a:highlight>
+                <a:srgbClr val="F8F9FA"/>
+              </a:highlight>
+            </a:endParaRPr>
+          </a:p>
+        </p:txBody>
+      </p:sp>
+      <p:pic>
+        <p:nvPicPr>
+          <p:cNvPr id="136" name="Google Shape;136;p22"/>
+          <p:cNvPicPr preferRelativeResize="0"/>
+          <p:nvPr/>
+        </p:nvPicPr>
+        <p:blipFill>
+          <a:blip r:embed="rId3">
+            <a:alphaModFix/>
+          </a:blip>
+          <a:stretch>
+            <a:fillRect/>
+          </a:stretch>
+        </p:blipFill>
+        <p:spPr>
+          <a:xfrm>
+            <a:off x="161575" y="2701875"/>
+            <a:ext cx="4548150" cy="2322975"/>
+          </a:xfrm>
+          <a:prstGeom prst="rect">
+            <a:avLst/>
+          </a:prstGeom>
+          <a:noFill/>
+          <a:ln>
+            <a:noFill/>
+          </a:ln>
+        </p:spPr>
+      </p:pic>
+      <p:pic>
+        <p:nvPicPr>
+          <p:cNvPr id="137" name="Google Shape;137;p22"/>
+          <p:cNvPicPr preferRelativeResize="0"/>
+          <p:nvPr/>
+        </p:nvPicPr>
+        <p:blipFill rotWithShape="1">
+          <a:blip r:embed="rId4">
+            <a:alphaModFix/>
+          </a:blip>
+          <a:srcRect b="17190" l="-6030" r="6029" t="-17190"/>
+          <a:stretch/>
+        </p:blipFill>
+        <p:spPr>
+          <a:xfrm>
+            <a:off x="2642375" y="3577050"/>
+            <a:ext cx="1094996" cy="768425"/>
+          </a:xfrm>
+          <a:prstGeom prst="rect">
+            <a:avLst/>
+          </a:prstGeom>
+          <a:noFill/>
+          <a:ln>
+            <a:noFill/>
+          </a:ln>
+        </p:spPr>
+      </p:pic>
+      <p:pic>
+        <p:nvPicPr>
+          <p:cNvPr id="138" name="Google Shape;138;p22"/>
+          <p:cNvPicPr preferRelativeResize="0"/>
+          <p:nvPr/>
+        </p:nvPicPr>
+        <p:blipFill>
+          <a:blip r:embed="rId5">
+            <a:alphaModFix/>
+          </a:blip>
+          <a:stretch>
+            <a:fillRect/>
+          </a:stretch>
+        </p:blipFill>
+        <p:spPr>
+          <a:xfrm>
+            <a:off x="2121975" y="3048263"/>
+            <a:ext cx="721250" cy="721250"/>
+          </a:xfrm>
+          <a:prstGeom prst="rect">
+            <a:avLst/>
+          </a:prstGeom>
+          <a:noFill/>
+          <a:ln>
+            <a:noFill/>
+          </a:ln>
+        </p:spPr>
+      </p:pic>
+      <p:pic>
+        <p:nvPicPr>
+          <p:cNvPr id="139" name="Google Shape;139;p22"/>
+          <p:cNvPicPr preferRelativeResize="0"/>
+          <p:nvPr/>
+        </p:nvPicPr>
+        <p:blipFill>
+          <a:blip r:embed="rId6">
+            <a:alphaModFix/>
+          </a:blip>
+          <a:stretch>
+            <a:fillRect/>
+          </a:stretch>
+        </p:blipFill>
+        <p:spPr>
+          <a:xfrm>
+            <a:off x="6441525" y="-12"/>
+            <a:ext cx="2702476" cy="5024874"/>
+          </a:xfrm>
+          <a:prstGeom prst="rect">
+            <a:avLst/>
+          </a:prstGeom>
+          <a:noFill/>
+          <a:ln>
+            <a:noFill/>
+          </a:ln>
+        </p:spPr>
+      </p:pic>
+      <p:sp>
+        <p:nvSpPr>
+          <p:cNvPr id="140" name="Google Shape;140;p22"/>
+          <p:cNvSpPr txBox="1"/>
+          <p:nvPr/>
+        </p:nvSpPr>
+        <p:spPr>
+          <a:xfrm>
+            <a:off x="5122262" y="597300"/>
+            <a:ext cx="1357800" cy="461700"/>
+          </a:xfrm>
+          <a:prstGeom prst="rect">
+            <a:avLst/>
+          </a:prstGeom>
+          <a:noFill/>
+          <a:ln>
+            <a:noFill/>
+          </a:ln>
+        </p:spPr>
+        <p:txBody>
+          <a:bodyPr anchorCtr="0" anchor="t" bIns="91425" lIns="91425" spcFirstLastPara="1" rIns="91425" wrap="square" tIns="91425">
+            <a:spAutoFit/>
+          </a:bodyPr>
+          <a:lstStyle/>
+          <a:p>
+            <a:pPr indent="0" lvl="0" marL="0" rtl="0" algn="l">
+              <a:spcBef>
+                <a:spcPts val="0"/>
+              </a:spcBef>
+              <a:spcAft>
+                <a:spcPts val="0"/>
+              </a:spcAft>
+              <a:buNone/>
+            </a:pPr>
+            <a:r>
+              <a:rPr b="1" lang="es" sz="1800">
+                <a:latin typeface="Open Sans"/>
+                <a:ea typeface="Open Sans"/>
+                <a:cs typeface="Open Sans"/>
+                <a:sym typeface="Open Sans"/>
+              </a:rPr>
+              <a:t>MSTest V1</a:t>
+            </a:r>
+            <a:endParaRPr b="1" sz="1800">
+              <a:latin typeface="Open Sans"/>
+              <a:ea typeface="Open Sans"/>
+              <a:cs typeface="Open Sans"/>
+              <a:sym typeface="Open Sans"/>
+            </a:endParaRPr>
+          </a:p>
+        </p:txBody>
+      </p:sp>
+      <p:sp>
+        <p:nvSpPr>
+          <p:cNvPr id="141" name="Google Shape;141;p22"/>
+          <p:cNvSpPr txBox="1"/>
+          <p:nvPr/>
+        </p:nvSpPr>
+        <p:spPr>
+          <a:xfrm>
+            <a:off x="5170825" y="3883775"/>
+            <a:ext cx="1349700" cy="461700"/>
+          </a:xfrm>
+          <a:prstGeom prst="rect">
+            <a:avLst/>
+          </a:prstGeom>
+          <a:noFill/>
+          <a:ln>
+            <a:noFill/>
+          </a:ln>
+        </p:spPr>
+        <p:txBody>
+          <a:bodyPr anchorCtr="0" anchor="t" bIns="91425" lIns="91425" spcFirstLastPara="1" rIns="91425" wrap="square" tIns="91425">
+            <a:spAutoFit/>
+          </a:bodyPr>
+          <a:lstStyle/>
+          <a:p>
+            <a:pPr indent="0" lvl="0" marL="0" rtl="0" algn="l">
+              <a:spcBef>
+                <a:spcPts val="0"/>
+              </a:spcBef>
+              <a:spcAft>
+                <a:spcPts val="0"/>
+              </a:spcAft>
+              <a:buNone/>
+            </a:pPr>
+            <a:r>
+              <a:rPr b="1" lang="es" sz="1800">
+                <a:latin typeface="Open Sans"/>
+                <a:ea typeface="Open Sans"/>
+                <a:cs typeface="Open Sans"/>
+                <a:sym typeface="Open Sans"/>
+              </a:rPr>
+              <a:t>MSTest V2</a:t>
+            </a:r>
+            <a:endParaRPr b="1" sz="1800">
+              <a:latin typeface="Open Sans"/>
+              <a:ea typeface="Open Sans"/>
+              <a:cs typeface="Open Sans"/>
+              <a:sym typeface="Open Sans"/>
+            </a:endParaRPr>
+          </a:p>
+        </p:txBody>
+      </p:sp>
+    </p:spTree>
+  </p:cSld>
+  <p:clrMapOvr>
+    <a:masterClrMapping/>
+  </p:clrMapOvr>
+</p:sld>
+</file>
+
+<file path=ppt/slides/slide11.xml><?xml version="1.0" encoding="utf-8"?>
+<p:sld xmlns:a="http://schemas.openxmlformats.org/drawingml/2006/main" xmlns:r="http://schemas.openxmlformats.org/officeDocument/2006/relationships" xmlns:mc="http://schemas.openxmlformats.org/markup-compatibility/2006" xmlns:mv="urn:schemas-microsoft-com:mac:vml" xmlns:p="http://schemas.openxmlformats.org/presentationml/2006/main" xmlns:c="http://schemas.openxmlformats.org/drawingml/2006/chart" xmlns:dgm="http://schemas.openxmlformats.org/drawingml/2006/diagram" xmlns:o="urn:schemas-microsoft-com:office:office" xmlns:v="urn:schemas-microsoft-com:vml" xmlns:pvml="urn:schemas-microsoft-com:office:powerpoint" xmlns:com="http://schemas.openxmlformats.org/drawingml/2006/compatibility" xmlns:p14="http://schemas.microsoft.com/office/powerpoint/2010/main" xmlns:p15="http://schemas.microsoft.com/office/powerpoint/2012/main" xmlns:ahyp="http://schemas.microsoft.com/office/drawing/2018/hyperlinkcolor">
+  <p:cSld>
+    <p:spTree>
+      <p:nvGrpSpPr>
+        <p:cNvPr id="145" name="Shape 145"/>
+        <p:cNvGrpSpPr/>
+        <p:nvPr/>
+      </p:nvGrpSpPr>
+      <p:grpSpPr>
+        <a:xfrm>
+          <a:off x="0" y="0"/>
+          <a:ext cx="0" cy="0"/>
+          <a:chOff x="0" y="0"/>
+          <a:chExt cx="0" cy="0"/>
+        </a:xfrm>
+      </p:grpSpPr>
+      <p:sp>
+        <p:nvSpPr>
+          <p:cNvPr id="146" name="Google Shape;146;p23"/>
           <p:cNvSpPr txBox="1"/>
           <p:nvPr>
             <p:ph type="title"/>
@@ -7426,6 +8238,107 @@
           </a:p>
         </p:txBody>
       </p:sp>
+    </p:spTree>
+  </p:cSld>
+  <p:clrMapOvr>
+    <a:masterClrMapping/>
+  </p:clrMapOvr>
+</p:sld>
+</file>
+
+<file path=ppt/slides/slide12.xml><?xml version="1.0" encoding="utf-8"?>
+<p:sld xmlns:a="http://schemas.openxmlformats.org/drawingml/2006/main" xmlns:r="http://schemas.openxmlformats.org/officeDocument/2006/relationships" xmlns:mc="http://schemas.openxmlformats.org/markup-compatibility/2006" xmlns:mv="urn:schemas-microsoft-com:mac:vml" xmlns:p="http://schemas.openxmlformats.org/presentationml/2006/main" xmlns:c="http://schemas.openxmlformats.org/drawingml/2006/chart" xmlns:dgm="http://schemas.openxmlformats.org/drawingml/2006/diagram" xmlns:o="urn:schemas-microsoft-com:office:office" xmlns:v="urn:schemas-microsoft-com:vml" xmlns:pvml="urn:schemas-microsoft-com:office:powerpoint" xmlns:com="http://schemas.openxmlformats.org/drawingml/2006/compatibility" xmlns:p14="http://schemas.microsoft.com/office/powerpoint/2010/main" xmlns:p15="http://schemas.microsoft.com/office/powerpoint/2012/main" xmlns:ahyp="http://schemas.microsoft.com/office/drawing/2018/hyperlinkcolor">
+  <p:cSld>
+    <p:spTree>
+      <p:nvGrpSpPr>
+        <p:cNvPr id="150" name="Shape 150"/>
+        <p:cNvGrpSpPr/>
+        <p:nvPr/>
+      </p:nvGrpSpPr>
+      <p:grpSpPr>
+        <a:xfrm>
+          <a:off x="0" y="0"/>
+          <a:ext cx="0" cy="0"/>
+          <a:chOff x="0" y="0"/>
+          <a:chExt cx="0" cy="0"/>
+        </a:xfrm>
+      </p:grpSpPr>
+      <p:sp>
+        <p:nvSpPr>
+          <p:cNvPr id="151" name="Google Shape;151;p24"/>
+          <p:cNvSpPr txBox="1"/>
+          <p:nvPr/>
+        </p:nvSpPr>
+        <p:spPr>
+          <a:xfrm>
+            <a:off x="3877975" y="3482700"/>
+            <a:ext cx="1278000" cy="446400"/>
+          </a:xfrm>
+          <a:prstGeom prst="rect">
+            <a:avLst/>
+          </a:prstGeom>
+          <a:solidFill>
+            <a:schemeClr val="lt1"/>
+          </a:solidFill>
+          <a:ln>
+            <a:noFill/>
+          </a:ln>
+        </p:spPr>
+        <p:txBody>
+          <a:bodyPr anchorCtr="0" anchor="t" bIns="91425" lIns="91425" spcFirstLastPara="1" rIns="91425" wrap="square" tIns="91425">
+            <a:spAutoFit/>
+          </a:bodyPr>
+          <a:lstStyle/>
+          <a:p>
+            <a:pPr indent="0" lvl="0" marL="0" rtl="0" algn="l">
+              <a:spcBef>
+                <a:spcPts val="0"/>
+              </a:spcBef>
+              <a:spcAft>
+                <a:spcPts val="0"/>
+              </a:spcAft>
+              <a:buNone/>
+            </a:pPr>
+            <a:r>
+              <a:t/>
+            </a:r>
+            <a:endParaRPr b="1" sz="1700">
+              <a:latin typeface="Open Sans"/>
+              <a:ea typeface="Open Sans"/>
+              <a:cs typeface="Open Sans"/>
+              <a:sym typeface="Open Sans"/>
+            </a:endParaRPr>
+          </a:p>
+        </p:txBody>
+      </p:sp>
+      <p:pic>
+        <p:nvPicPr>
+          <p:cNvPr id="152" name="Google Shape;152;p24"/>
+          <p:cNvPicPr preferRelativeResize="0"/>
+          <p:nvPr/>
+        </p:nvPicPr>
+        <p:blipFill>
+          <a:blip r:embed="rId3">
+            <a:alphaModFix/>
+          </a:blip>
+          <a:stretch>
+            <a:fillRect/>
+          </a:stretch>
+        </p:blipFill>
+        <p:spPr>
+          <a:xfrm>
+            <a:off x="784475" y="172675"/>
+            <a:ext cx="7197225" cy="4798150"/>
+          </a:xfrm>
+          <a:prstGeom prst="rect">
+            <a:avLst/>
+          </a:prstGeom>
+          <a:noFill/>
+          <a:ln>
+            <a:noFill/>
+          </a:ln>
+        </p:spPr>
+      </p:pic>
     </p:spTree>
   </p:cSld>
   <p:clrMapOvr>
@@ -7624,7 +8537,7 @@
         </p:nvSpPr>
         <p:spPr>
           <a:xfrm>
-            <a:off x="311700" y="315925"/>
+            <a:off x="244900" y="56150"/>
             <a:ext cx="8520600" cy="831300"/>
           </a:xfrm>
           <a:prstGeom prst="rect">
@@ -7673,7 +8586,7 @@
         </p:nvSpPr>
         <p:spPr>
           <a:xfrm>
-            <a:off x="311700" y="1945850"/>
+            <a:off x="385925" y="887450"/>
             <a:ext cx="8520600" cy="2645700"/>
           </a:xfrm>
           <a:prstGeom prst="rect">
@@ -7682,7 +8595,7 @@
         </p:spPr>
         <p:txBody>
           <a:bodyPr anchorCtr="0" anchor="t" bIns="91425" lIns="91425" spcFirstLastPara="1" rIns="91425" wrap="square" tIns="91425">
-            <a:normAutofit fontScale="77500" lnSpcReduction="20000"/>
+            <a:normAutofit fontScale="62500" lnSpcReduction="20000"/>
           </a:bodyPr>
           <a:lstStyle/>
           <a:p>
@@ -7699,12 +8612,12 @@
               <a:buClr>
                 <a:schemeClr val="dk1"/>
               </a:buClr>
-              <a:buSzPct val="61224"/>
+              <a:buSzPct val="38810"/>
               <a:buFont typeface="Arial"/>
               <a:buNone/>
             </a:pPr>
             <a:r>
-              <a:rPr lang="es" sz="1796">
+              <a:rPr lang="es" sz="2834">
                 <a:solidFill>
                   <a:srgbClr val="5C6370"/>
                 </a:solidFill>
@@ -7719,7 +8632,7 @@
               <a:t>Las </a:t>
             </a:r>
             <a:r>
-              <a:rPr b="1" lang="es" sz="1796">
+              <a:rPr b="1" lang="es" sz="2834">
                 <a:solidFill>
                   <a:srgbClr val="5C6370"/>
                 </a:solidFill>
@@ -7734,7 +8647,7 @@
               <a:t>pruebas unitarias o </a:t>
             </a:r>
             <a:r>
-              <a:rPr b="1" i="1" lang="es" sz="1796">
+              <a:rPr b="1" i="1" lang="es" sz="2834">
                 <a:solidFill>
                   <a:srgbClr val="5C6370"/>
                 </a:solidFill>
@@ -7749,7 +8662,7 @@
               <a:t>unit testing</a:t>
             </a:r>
             <a:r>
-              <a:rPr lang="es" sz="1796">
+              <a:rPr lang="es" sz="2834">
                 <a:solidFill>
                   <a:srgbClr val="5C6370"/>
                 </a:solidFill>
@@ -7763,7 +8676,7 @@
               </a:rPr>
               <a:t> son una forma de comprobar que un fragmento de código funciona correctamente. Es un procedimiento más de los que se llevan a cabo dentro de una metodología ágil de trabajo.</a:t>
             </a:r>
-            <a:endParaRPr sz="1796">
+            <a:endParaRPr sz="2834">
               <a:solidFill>
                 <a:srgbClr val="5C6370"/>
               </a:solidFill>
@@ -7811,52 +8724,6 @@
             </a:endParaRPr>
           </a:p>
           <a:p>
-            <a:pPr indent="0" lvl="0" marL="0" rtl="0" algn="ctr">
-              <a:lnSpc>
-                <a:spcPct val="150000"/>
-              </a:lnSpc>
-              <a:spcBef>
-                <a:spcPts val="2400"/>
-              </a:spcBef>
-              <a:spcAft>
-                <a:spcPts val="0"/>
-              </a:spcAft>
-              <a:buClr>
-                <a:schemeClr val="dk1"/>
-              </a:buClr>
-              <a:buSzPct val="70967"/>
-              <a:buFont typeface="Arial"/>
-              <a:buNone/>
-            </a:pPr>
-            <a:r>
-              <a:rPr lang="es" sz="1550">
-                <a:solidFill>
-                  <a:srgbClr val="5C6370"/>
-                </a:solidFill>
-                <a:highlight>
-                  <a:srgbClr val="FFFFFF"/>
-                </a:highlight>
-                <a:latin typeface="Montserrat"/>
-                <a:ea typeface="Montserrat"/>
-                <a:cs typeface="Montserrat"/>
-                <a:sym typeface="Montserrat"/>
-              </a:rPr>
-              <a:t>“decir despues que consiste en 3A´s ; que son las pruebas unitarias</a:t>
-            </a:r>
-            <a:endParaRPr sz="1550">
-              <a:solidFill>
-                <a:srgbClr val="5C6370"/>
-              </a:solidFill>
-              <a:highlight>
-                <a:srgbClr val="FFFFFF"/>
-              </a:highlight>
-              <a:latin typeface="Montserrat"/>
-              <a:ea typeface="Montserrat"/>
-              <a:cs typeface="Montserrat"/>
-              <a:sym typeface="Montserrat"/>
-            </a:endParaRPr>
-          </a:p>
-          <a:p>
             <a:pPr indent="0" lvl="0" marL="0" rtl="0" algn="l">
               <a:spcBef>
                 <a:spcPts val="2400"/>
@@ -7873,693 +8740,34 @@
           </a:p>
         </p:txBody>
       </p:sp>
-    </p:spTree>
-  </p:cSld>
-  <p:clrMapOvr>
-    <a:masterClrMapping/>
-  </p:clrMapOvr>
-</p:sld>
-</file>
-
-<file path=ppt/slides/slide4.xml><?xml version="1.0" encoding="utf-8"?>
-<p:sld xmlns:a="http://schemas.openxmlformats.org/drawingml/2006/main" xmlns:r="http://schemas.openxmlformats.org/officeDocument/2006/relationships" xmlns:mc="http://schemas.openxmlformats.org/markup-compatibility/2006" xmlns:mv="urn:schemas-microsoft-com:mac:vml" xmlns:p="http://schemas.openxmlformats.org/presentationml/2006/main" xmlns:c="http://schemas.openxmlformats.org/drawingml/2006/chart" xmlns:dgm="http://schemas.openxmlformats.org/drawingml/2006/diagram" xmlns:o="urn:schemas-microsoft-com:office:office" xmlns:v="urn:schemas-microsoft-com:vml" xmlns:pvml="urn:schemas-microsoft-com:office:powerpoint" xmlns:com="http://schemas.openxmlformats.org/drawingml/2006/compatibility" xmlns:p14="http://schemas.microsoft.com/office/powerpoint/2010/main" xmlns:p15="http://schemas.microsoft.com/office/powerpoint/2012/main" xmlns:ahyp="http://schemas.microsoft.com/office/drawing/2018/hyperlinkcolor">
-  <p:cSld>
-    <p:spTree>
-      <p:nvGrpSpPr>
-        <p:cNvPr id="81" name="Shape 81"/>
-        <p:cNvGrpSpPr/>
-        <p:nvPr/>
-      </p:nvGrpSpPr>
-      <p:grpSpPr>
-        <a:xfrm>
-          <a:off x="0" y="0"/>
-          <a:ext cx="0" cy="0"/>
-          <a:chOff x="0" y="0"/>
-          <a:chExt cx="0" cy="0"/>
-        </a:xfrm>
-      </p:grpSpPr>
-      <p:sp>
-        <p:nvSpPr>
-          <p:cNvPr id="82" name="Google Shape;82;p16"/>
-          <p:cNvSpPr/>
+      <p:pic>
+        <p:nvPicPr>
+          <p:cNvPr id="78" name="Google Shape;78;p15"/>
+          <p:cNvPicPr preferRelativeResize="0"/>
           <p:nvPr/>
-        </p:nvSpPr>
+        </p:nvPicPr>
+        <p:blipFill>
+          <a:blip r:embed="rId3">
+            <a:alphaModFix/>
+          </a:blip>
+          <a:stretch>
+            <a:fillRect/>
+          </a:stretch>
+        </p:blipFill>
         <p:spPr>
           <a:xfrm>
-            <a:off x="2068900" y="2571750"/>
-            <a:ext cx="1285800" cy="1312200"/>
+            <a:off x="852200" y="2035125"/>
+            <a:ext cx="3055824" cy="2938675"/>
           </a:xfrm>
-          <a:prstGeom prst="ellipse">
+          <a:prstGeom prst="rect">
             <a:avLst/>
           </a:prstGeom>
-          <a:solidFill>
-            <a:srgbClr val="B7B7B7"/>
-          </a:solidFill>
-          <a:ln cap="flat" cmpd="sng" w="9525">
-            <a:solidFill>
-              <a:schemeClr val="dk2"/>
-            </a:solidFill>
-            <a:prstDash val="solid"/>
-            <a:round/>
-            <a:headEnd len="sm" w="sm" type="none"/>
-            <a:tailEnd len="sm" w="sm" type="none"/>
+          <a:noFill/>
+          <a:ln>
+            <a:noFill/>
           </a:ln>
         </p:spPr>
-        <p:txBody>
-          <a:bodyPr anchorCtr="0" anchor="ctr" bIns="91425" lIns="91425" spcFirstLastPara="1" rIns="91425" wrap="square" tIns="91425">
-            <a:noAutofit/>
-          </a:bodyPr>
-          <a:lstStyle/>
-          <a:p>
-            <a:pPr indent="0" lvl="0" marL="0" rtl="0" algn="ctr">
-              <a:spcBef>
-                <a:spcPts val="0"/>
-              </a:spcBef>
-              <a:spcAft>
-                <a:spcPts val="0"/>
-              </a:spcAft>
-              <a:buNone/>
-            </a:pPr>
-            <a:r>
-              <a:rPr lang="es" sz="1200">
-                <a:solidFill>
-                  <a:schemeClr val="dk1"/>
-                </a:solidFill>
-              </a:rPr>
-              <a:t>Code Review</a:t>
-            </a:r>
-            <a:endParaRPr sz="1200">
-              <a:solidFill>
-                <a:schemeClr val="dk1"/>
-              </a:solidFill>
-            </a:endParaRPr>
-          </a:p>
-        </p:txBody>
-      </p:sp>
-      <p:sp>
-        <p:nvSpPr>
-          <p:cNvPr id="83" name="Google Shape;83;p16"/>
-          <p:cNvSpPr/>
-          <p:nvPr/>
-        </p:nvSpPr>
-        <p:spPr>
-          <a:xfrm>
-            <a:off x="3929100" y="3542750"/>
-            <a:ext cx="1334100" cy="1312200"/>
-          </a:xfrm>
-          <a:prstGeom prst="ellipse">
-            <a:avLst/>
-          </a:prstGeom>
-          <a:solidFill>
-            <a:srgbClr val="B7B7B7"/>
-          </a:solidFill>
-          <a:ln cap="flat" cmpd="sng" w="9525">
-            <a:solidFill>
-              <a:schemeClr val="dk2"/>
-            </a:solidFill>
-            <a:prstDash val="solid"/>
-            <a:round/>
-            <a:headEnd len="sm" w="sm" type="none"/>
-            <a:tailEnd len="sm" w="sm" type="none"/>
-          </a:ln>
-        </p:spPr>
-        <p:txBody>
-          <a:bodyPr anchorCtr="0" anchor="ctr" bIns="91425" lIns="91425" spcFirstLastPara="1" rIns="91425" wrap="square" tIns="91425">
-            <a:noAutofit/>
-          </a:bodyPr>
-          <a:lstStyle/>
-          <a:p>
-            <a:pPr indent="0" lvl="0" marL="0" rtl="0" algn="ctr">
-              <a:spcBef>
-                <a:spcPts val="0"/>
-              </a:spcBef>
-              <a:spcAft>
-                <a:spcPts val="0"/>
-              </a:spcAft>
-              <a:buNone/>
-            </a:pPr>
-            <a:r>
-              <a:rPr lang="es" sz="1200">
-                <a:solidFill>
-                  <a:schemeClr val="dk1"/>
-                </a:solidFill>
-              </a:rPr>
-              <a:t>Arreglar problemas y re-ejecutar</a:t>
-            </a:r>
-            <a:endParaRPr sz="1200">
-              <a:solidFill>
-                <a:schemeClr val="dk1"/>
-              </a:solidFill>
-            </a:endParaRPr>
-          </a:p>
-        </p:txBody>
-      </p:sp>
-      <p:sp>
-        <p:nvSpPr>
-          <p:cNvPr id="84" name="Google Shape;84;p16"/>
-          <p:cNvSpPr/>
-          <p:nvPr/>
-        </p:nvSpPr>
-        <p:spPr>
-          <a:xfrm>
-            <a:off x="5627700" y="894675"/>
-            <a:ext cx="1285800" cy="1312200"/>
-          </a:xfrm>
-          <a:prstGeom prst="ellipse">
-            <a:avLst/>
-          </a:prstGeom>
-          <a:solidFill>
-            <a:srgbClr val="B7B7B7"/>
-          </a:solidFill>
-          <a:ln cap="flat" cmpd="sng" w="9525">
-            <a:solidFill>
-              <a:schemeClr val="dk2"/>
-            </a:solidFill>
-            <a:prstDash val="solid"/>
-            <a:round/>
-            <a:headEnd len="sm" w="sm" type="none"/>
-            <a:tailEnd len="sm" w="sm" type="none"/>
-          </a:ln>
-        </p:spPr>
-        <p:txBody>
-          <a:bodyPr anchorCtr="0" anchor="ctr" bIns="91425" lIns="91425" spcFirstLastPara="1" rIns="91425" wrap="square" tIns="91425">
-            <a:noAutofit/>
-          </a:bodyPr>
-          <a:lstStyle/>
-          <a:p>
-            <a:pPr indent="0" lvl="0" marL="0" rtl="0" algn="ctr">
-              <a:spcBef>
-                <a:spcPts val="0"/>
-              </a:spcBef>
-              <a:spcAft>
-                <a:spcPts val="0"/>
-              </a:spcAft>
-              <a:buNone/>
-            </a:pPr>
-            <a:r>
-              <a:rPr lang="es" sz="1200">
-                <a:solidFill>
-                  <a:schemeClr val="dk1"/>
-                </a:solidFill>
-              </a:rPr>
-              <a:t>Realizar cambios</a:t>
-            </a:r>
-            <a:endParaRPr sz="1200">
-              <a:solidFill>
-                <a:schemeClr val="dk1"/>
-              </a:solidFill>
-            </a:endParaRPr>
-          </a:p>
-        </p:txBody>
-      </p:sp>
-      <p:sp>
-        <p:nvSpPr>
-          <p:cNvPr id="85" name="Google Shape;85;p16"/>
-          <p:cNvSpPr/>
-          <p:nvPr/>
-        </p:nvSpPr>
-        <p:spPr>
-          <a:xfrm>
-            <a:off x="3929100" y="139950"/>
-            <a:ext cx="1285800" cy="1312200"/>
-          </a:xfrm>
-          <a:prstGeom prst="ellipse">
-            <a:avLst/>
-          </a:prstGeom>
-          <a:solidFill>
-            <a:srgbClr val="B7B7B7"/>
-          </a:solidFill>
-          <a:ln cap="flat" cmpd="sng" w="9525">
-            <a:solidFill>
-              <a:schemeClr val="dk2"/>
-            </a:solidFill>
-            <a:prstDash val="solid"/>
-            <a:round/>
-            <a:headEnd len="sm" w="sm" type="none"/>
-            <a:tailEnd len="sm" w="sm" type="none"/>
-          </a:ln>
-        </p:spPr>
-        <p:txBody>
-          <a:bodyPr anchorCtr="0" anchor="ctr" bIns="91425" lIns="91425" spcFirstLastPara="1" rIns="91425" wrap="square" tIns="91425">
-            <a:noAutofit/>
-          </a:bodyPr>
-          <a:lstStyle/>
-          <a:p>
-            <a:pPr indent="0" lvl="0" marL="0" rtl="0" algn="ctr">
-              <a:spcBef>
-                <a:spcPts val="0"/>
-              </a:spcBef>
-              <a:spcAft>
-                <a:spcPts val="0"/>
-              </a:spcAft>
-              <a:buNone/>
-            </a:pPr>
-            <a:r>
-              <a:rPr lang="es" sz="1200">
-                <a:solidFill>
-                  <a:schemeClr val="dk1"/>
-                </a:solidFill>
-              </a:rPr>
-              <a:t>Pull del código desde el repositorio</a:t>
-            </a:r>
-            <a:endParaRPr sz="1200">
-              <a:solidFill>
-                <a:schemeClr val="dk1"/>
-              </a:solidFill>
-            </a:endParaRPr>
-          </a:p>
-        </p:txBody>
-      </p:sp>
-      <p:sp>
-        <p:nvSpPr>
-          <p:cNvPr id="86" name="Google Shape;86;p16"/>
-          <p:cNvSpPr/>
-          <p:nvPr/>
-        </p:nvSpPr>
-        <p:spPr>
-          <a:xfrm>
-            <a:off x="5697700" y="2571750"/>
-            <a:ext cx="1285800" cy="1312200"/>
-          </a:xfrm>
-          <a:prstGeom prst="ellipse">
-            <a:avLst/>
-          </a:prstGeom>
-          <a:solidFill>
-            <a:srgbClr val="B7B7B7"/>
-          </a:solidFill>
-          <a:ln cap="flat" cmpd="sng" w="9525">
-            <a:solidFill>
-              <a:schemeClr val="dk2"/>
-            </a:solidFill>
-            <a:prstDash val="solid"/>
-            <a:round/>
-            <a:headEnd len="sm" w="sm" type="none"/>
-            <a:tailEnd len="sm" w="sm" type="none"/>
-          </a:ln>
-        </p:spPr>
-        <p:txBody>
-          <a:bodyPr anchorCtr="0" anchor="ctr" bIns="91425" lIns="91425" spcFirstLastPara="1" rIns="91425" wrap="square" tIns="91425">
-            <a:noAutofit/>
-          </a:bodyPr>
-          <a:lstStyle/>
-          <a:p>
-            <a:pPr indent="0" lvl="0" marL="0" rtl="0" algn="ctr">
-              <a:spcBef>
-                <a:spcPts val="0"/>
-              </a:spcBef>
-              <a:spcAft>
-                <a:spcPts val="0"/>
-              </a:spcAft>
-              <a:buNone/>
-            </a:pPr>
-            <a:r>
-              <a:rPr b="1" lang="es" sz="1200">
-                <a:solidFill>
-                  <a:schemeClr val="dk1"/>
-                </a:solidFill>
-              </a:rPr>
-              <a:t>Ejecutar Unit Testing</a:t>
-            </a:r>
-            <a:endParaRPr b="1" sz="1200">
-              <a:solidFill>
-                <a:schemeClr val="dk1"/>
-              </a:solidFill>
-            </a:endParaRPr>
-          </a:p>
-        </p:txBody>
-      </p:sp>
-      <p:sp>
-        <p:nvSpPr>
-          <p:cNvPr id="87" name="Google Shape;87;p16"/>
-          <p:cNvSpPr/>
-          <p:nvPr/>
-        </p:nvSpPr>
-        <p:spPr>
-          <a:xfrm>
-            <a:off x="2230500" y="894675"/>
-            <a:ext cx="1285800" cy="1312200"/>
-          </a:xfrm>
-          <a:prstGeom prst="ellipse">
-            <a:avLst/>
-          </a:prstGeom>
-          <a:solidFill>
-            <a:srgbClr val="B7B7B7"/>
-          </a:solidFill>
-          <a:ln cap="flat" cmpd="sng" w="9525">
-            <a:solidFill>
-              <a:schemeClr val="dk2"/>
-            </a:solidFill>
-            <a:prstDash val="solid"/>
-            <a:round/>
-            <a:headEnd len="sm" w="sm" type="none"/>
-            <a:tailEnd len="sm" w="sm" type="none"/>
-          </a:ln>
-        </p:spPr>
-        <p:txBody>
-          <a:bodyPr anchorCtr="0" anchor="ctr" bIns="91425" lIns="91425" spcFirstLastPara="1" rIns="91425" wrap="square" tIns="91425">
-            <a:noAutofit/>
-          </a:bodyPr>
-          <a:lstStyle/>
-          <a:p>
-            <a:pPr indent="0" lvl="0" marL="0" rtl="0" algn="ctr">
-              <a:spcBef>
-                <a:spcPts val="0"/>
-              </a:spcBef>
-              <a:spcAft>
-                <a:spcPts val="0"/>
-              </a:spcAft>
-              <a:buNone/>
-            </a:pPr>
-            <a:r>
-              <a:rPr lang="es" sz="1200">
-                <a:solidFill>
-                  <a:schemeClr val="dk1"/>
-                </a:solidFill>
-              </a:rPr>
-              <a:t>Push del </a:t>
-            </a:r>
-            <a:r>
-              <a:rPr lang="es" sz="1200">
-                <a:solidFill>
-                  <a:schemeClr val="dk1"/>
-                </a:solidFill>
-              </a:rPr>
-              <a:t>código</a:t>
-            </a:r>
-            <a:r>
-              <a:rPr lang="es" sz="1200">
-                <a:solidFill>
-                  <a:schemeClr val="dk1"/>
-                </a:solidFill>
-              </a:rPr>
-              <a:t> al repositorio</a:t>
-            </a:r>
-            <a:endParaRPr sz="1200">
-              <a:solidFill>
-                <a:schemeClr val="dk1"/>
-              </a:solidFill>
-            </a:endParaRPr>
-          </a:p>
-        </p:txBody>
-      </p:sp>
-      <p:cxnSp>
-        <p:nvCxnSpPr>
-          <p:cNvPr id="88" name="Google Shape;88;p16"/>
-          <p:cNvCxnSpPr>
-            <a:stCxn id="85" idx="7"/>
-            <a:endCxn id="84" idx="0"/>
-          </p:cNvCxnSpPr>
-          <p:nvPr/>
-        </p:nvCxnSpPr>
-        <p:spPr>
-          <a:xfrm flipH="1" rot="-5400000">
-            <a:off x="5367399" y="-8683"/>
-            <a:ext cx="562500" cy="1244100"/>
-          </a:xfrm>
-          <a:prstGeom prst="curvedConnector3">
-            <a:avLst>
-              <a:gd fmla="val -8763" name="adj1"/>
-            </a:avLst>
-          </a:prstGeom>
-          <a:noFill/>
-          <a:ln cap="flat" cmpd="sng" w="28575">
-            <a:solidFill>
-              <a:srgbClr val="DD7E6B"/>
-            </a:solidFill>
-            <a:prstDash val="solid"/>
-            <a:round/>
-            <a:headEnd len="med" w="med" type="none"/>
-            <a:tailEnd len="med" w="med" type="stealth"/>
-          </a:ln>
-        </p:spPr>
-      </p:cxnSp>
-      <p:cxnSp>
-        <p:nvCxnSpPr>
-          <p:cNvPr id="89" name="Google Shape;89;p16"/>
-          <p:cNvCxnSpPr>
-            <a:stCxn id="84" idx="6"/>
-            <a:endCxn id="86" idx="7"/>
-          </p:cNvCxnSpPr>
-          <p:nvPr/>
-        </p:nvCxnSpPr>
-        <p:spPr>
-          <a:xfrm flipH="1">
-            <a:off x="6795300" y="1550775"/>
-            <a:ext cx="118200" cy="1213200"/>
-          </a:xfrm>
-          <a:prstGeom prst="curvedConnector4">
-            <a:avLst>
-              <a:gd fmla="val -201459" name="adj1"/>
-              <a:gd fmla="val 88001" name="adj2"/>
-            </a:avLst>
-          </a:prstGeom>
-          <a:noFill/>
-          <a:ln cap="flat" cmpd="sng" w="28575">
-            <a:solidFill>
-              <a:srgbClr val="DD7E6B"/>
-            </a:solidFill>
-            <a:prstDash val="solid"/>
-            <a:round/>
-            <a:headEnd len="med" w="med" type="none"/>
-            <a:tailEnd len="med" w="med" type="stealth"/>
-          </a:ln>
-        </p:spPr>
-      </p:cxnSp>
-      <p:cxnSp>
-        <p:nvCxnSpPr>
-          <p:cNvPr id="90" name="Google Shape;90;p16"/>
-          <p:cNvCxnSpPr>
-            <a:stCxn id="86" idx="4"/>
-            <a:endCxn id="83" idx="5"/>
-          </p:cNvCxnSpPr>
-          <p:nvPr/>
-        </p:nvCxnSpPr>
-        <p:spPr>
-          <a:xfrm rot="5400000">
-            <a:off x="5314750" y="3636900"/>
-            <a:ext cx="778800" cy="1272900"/>
-          </a:xfrm>
-          <a:prstGeom prst="curvedConnector3">
-            <a:avLst>
-              <a:gd fmla="val 102574" name="adj1"/>
-            </a:avLst>
-          </a:prstGeom>
-          <a:noFill/>
-          <a:ln cap="flat" cmpd="sng" w="28575">
-            <a:solidFill>
-              <a:srgbClr val="DD7E6B"/>
-            </a:solidFill>
-            <a:prstDash val="solid"/>
-            <a:round/>
-            <a:headEnd len="med" w="med" type="none"/>
-            <a:tailEnd len="med" w="med" type="stealth"/>
-          </a:ln>
-        </p:spPr>
-      </p:cxnSp>
-      <p:cxnSp>
-        <p:nvCxnSpPr>
-          <p:cNvPr id="91" name="Google Shape;91;p16"/>
-          <p:cNvCxnSpPr>
-            <a:stCxn id="82" idx="2"/>
-            <a:endCxn id="87" idx="2"/>
-          </p:cNvCxnSpPr>
-          <p:nvPr/>
-        </p:nvCxnSpPr>
-        <p:spPr>
-          <a:xfrm flipH="1" rot="10800000">
-            <a:off x="2068900" y="1550850"/>
-            <a:ext cx="161700" cy="1677000"/>
-          </a:xfrm>
-          <a:prstGeom prst="curvedConnector3">
-            <a:avLst>
-              <a:gd fmla="val -147263" name="adj1"/>
-            </a:avLst>
-          </a:prstGeom>
-          <a:noFill/>
-          <a:ln cap="flat" cmpd="sng" w="28575">
-            <a:solidFill>
-              <a:srgbClr val="DD7E6B"/>
-            </a:solidFill>
-            <a:prstDash val="solid"/>
-            <a:round/>
-            <a:headEnd len="med" w="med" type="none"/>
-            <a:tailEnd len="med" w="med" type="stealth"/>
-          </a:ln>
-        </p:spPr>
-      </p:cxnSp>
-      <p:cxnSp>
-        <p:nvCxnSpPr>
-          <p:cNvPr id="92" name="Google Shape;92;p16"/>
-          <p:cNvCxnSpPr>
-            <a:stCxn id="87" idx="0"/>
-            <a:endCxn id="85" idx="1"/>
-          </p:cNvCxnSpPr>
-          <p:nvPr/>
-        </p:nvCxnSpPr>
-        <p:spPr>
-          <a:xfrm rot="-5400000">
-            <a:off x="3214200" y="-8625"/>
-            <a:ext cx="562500" cy="1244100"/>
-          </a:xfrm>
-          <a:prstGeom prst="curvedConnector3">
-            <a:avLst>
-              <a:gd fmla="val 125880" name="adj1"/>
-            </a:avLst>
-          </a:prstGeom>
-          <a:noFill/>
-          <a:ln cap="flat" cmpd="sng" w="28575">
-            <a:solidFill>
-              <a:srgbClr val="E06666"/>
-            </a:solidFill>
-            <a:prstDash val="solid"/>
-            <a:round/>
-            <a:headEnd len="med" w="med" type="none"/>
-            <a:tailEnd len="med" w="med" type="stealth"/>
-          </a:ln>
-        </p:spPr>
-      </p:cxnSp>
-      <p:sp>
-        <p:nvSpPr>
-          <p:cNvPr id="93" name="Google Shape;93;p16"/>
-          <p:cNvSpPr/>
-          <p:nvPr/>
-        </p:nvSpPr>
-        <p:spPr>
-          <a:xfrm>
-            <a:off x="3900650" y="1742400"/>
-            <a:ext cx="1412700" cy="1312200"/>
-          </a:xfrm>
-          <a:prstGeom prst="ellipse">
-            <a:avLst/>
-          </a:prstGeom>
-          <a:solidFill>
-            <a:schemeClr val="lt2"/>
-          </a:solidFill>
-          <a:ln cap="flat" cmpd="sng" w="9525">
-            <a:solidFill>
-              <a:schemeClr val="dk2"/>
-            </a:solidFill>
-            <a:prstDash val="solid"/>
-            <a:round/>
-            <a:headEnd len="sm" w="sm" type="none"/>
-            <a:tailEnd len="sm" w="sm" type="none"/>
-          </a:ln>
-        </p:spPr>
-        <p:txBody>
-          <a:bodyPr anchorCtr="0" anchor="ctr" bIns="91425" lIns="91425" spcFirstLastPara="1" rIns="91425" wrap="square" tIns="91425">
-            <a:noAutofit/>
-          </a:bodyPr>
-          <a:lstStyle/>
-          <a:p>
-            <a:pPr indent="0" lvl="0" marL="0" rtl="0" algn="ctr">
-              <a:spcBef>
-                <a:spcPts val="0"/>
-              </a:spcBef>
-              <a:spcAft>
-                <a:spcPts val="0"/>
-              </a:spcAft>
-              <a:buClr>
-                <a:schemeClr val="dk1"/>
-              </a:buClr>
-              <a:buSzPts val="1100"/>
-              <a:buFont typeface="Arial"/>
-              <a:buNone/>
-            </a:pPr>
-            <a:r>
-              <a:t/>
-            </a:r>
-            <a:endParaRPr>
-              <a:solidFill>
-                <a:schemeClr val="dk1"/>
-              </a:solidFill>
-            </a:endParaRPr>
-          </a:p>
-          <a:p>
-            <a:pPr indent="0" lvl="0" marL="0" rtl="0" algn="ctr">
-              <a:spcBef>
-                <a:spcPts val="0"/>
-              </a:spcBef>
-              <a:spcAft>
-                <a:spcPts val="0"/>
-              </a:spcAft>
-              <a:buClr>
-                <a:schemeClr val="dk1"/>
-              </a:buClr>
-              <a:buSzPts val="1100"/>
-              <a:buFont typeface="Arial"/>
-              <a:buNone/>
-            </a:pPr>
-            <a:r>
-              <a:rPr lang="es">
-                <a:solidFill>
-                  <a:schemeClr val="dk1"/>
-                </a:solidFill>
-              </a:rPr>
-              <a:t>CICLO DE VIDA</a:t>
-            </a:r>
-            <a:endParaRPr/>
-          </a:p>
-          <a:p>
-            <a:pPr indent="0" lvl="0" marL="0" rtl="0" algn="ctr">
-              <a:spcBef>
-                <a:spcPts val="0"/>
-              </a:spcBef>
-              <a:spcAft>
-                <a:spcPts val="0"/>
-              </a:spcAft>
-              <a:buNone/>
-            </a:pPr>
-            <a:r>
-              <a:rPr lang="es"/>
-              <a:t>UNIT TESTING</a:t>
-            </a:r>
-            <a:endParaRPr/>
-          </a:p>
-          <a:p>
-            <a:pPr indent="0" lvl="0" marL="0" rtl="0" algn="l">
-              <a:spcBef>
-                <a:spcPts val="0"/>
-              </a:spcBef>
-              <a:spcAft>
-                <a:spcPts val="0"/>
-              </a:spcAft>
-              <a:buNone/>
-            </a:pPr>
-            <a:r>
-              <a:t/>
-            </a:r>
-            <a:endParaRPr/>
-          </a:p>
-        </p:txBody>
-      </p:sp>
-      <p:cxnSp>
-        <p:nvCxnSpPr>
-          <p:cNvPr id="94" name="Google Shape;94;p16"/>
-          <p:cNvCxnSpPr/>
-          <p:nvPr/>
-        </p:nvCxnSpPr>
-        <p:spPr>
-          <a:xfrm flipH="1" rot="5400000">
-            <a:off x="3181124" y="3719433"/>
-            <a:ext cx="778800" cy="1412700"/>
-          </a:xfrm>
-          <a:prstGeom prst="curvedConnector3">
-            <a:avLst>
-              <a:gd fmla="val 4168" name="adj1"/>
-            </a:avLst>
-          </a:prstGeom>
-          <a:noFill/>
-          <a:ln cap="flat" cmpd="sng" w="28575">
-            <a:solidFill>
-              <a:srgbClr val="DD7E6B"/>
-            </a:solidFill>
-            <a:prstDash val="solid"/>
-            <a:round/>
-            <a:headEnd len="med" w="med" type="none"/>
-            <a:tailEnd len="med" w="med" type="stealth"/>
-          </a:ln>
-        </p:spPr>
-      </p:cxnSp>
+      </p:pic>
     </p:spTree>
   </p:cSld>
   <p:clrMapOvr>
@@ -8586,7 +8794,7 @@
                             </p:stCondLst>
                             <p:childTnLst>
                               <p:par>
-                                <p:cTn fill="hold" nodeType="clickEffect" presetClass="entr" presetID="10" presetSubtype="0">
+                                <p:cTn fill="hold" nodeType="clickEffect" presetClass="entr" presetID="1" presetSubtype="0">
                                   <p:stCondLst>
                                     <p:cond delay="0"/>
                                   </p:stCondLst>
@@ -8599,7 +8807,7 @@
                                           </p:stCondLst>
                                         </p:cTn>
                                         <p:tgtEl>
-                                          <p:spTgt spid="88"/>
+                                          <p:spTgt spid="76"/>
                                         </p:tgtEl>
                                         <p:attrNameLst>
                                           <p:attrName>style.visibility</p:attrName>
@@ -8609,14 +8817,6 @@
                                         <p:strVal val="visible"/>
                                       </p:to>
                                     </p:set>
-                                    <p:animEffect filter="fade" transition="in">
-                                      <p:cBhvr>
-                                        <p:cTn dur="1000"/>
-                                        <p:tgtEl>
-                                          <p:spTgt spid="88"/>
-                                        </p:tgtEl>
-                                      </p:cBhvr>
-                                    </p:animEffect>
                                   </p:childTnLst>
                                 </p:cTn>
                               </p:par>
@@ -8651,12 +8851,12 @@
 </p:sld>
 </file>
 
-<file path=ppt/slides/slide5.xml><?xml version="1.0" encoding="utf-8"?>
+<file path=ppt/slides/slide4.xml><?xml version="1.0" encoding="utf-8"?>
 <p:sld xmlns:a="http://schemas.openxmlformats.org/drawingml/2006/main" xmlns:r="http://schemas.openxmlformats.org/officeDocument/2006/relationships" xmlns:mc="http://schemas.openxmlformats.org/markup-compatibility/2006" xmlns:mv="urn:schemas-microsoft-com:mac:vml" xmlns:p="http://schemas.openxmlformats.org/presentationml/2006/main" xmlns:c="http://schemas.openxmlformats.org/drawingml/2006/chart" xmlns:dgm="http://schemas.openxmlformats.org/drawingml/2006/diagram" xmlns:o="urn:schemas-microsoft-com:office:office" xmlns:v="urn:schemas-microsoft-com:vml" xmlns:pvml="urn:schemas-microsoft-com:office:powerpoint" xmlns:com="http://schemas.openxmlformats.org/drawingml/2006/compatibility" xmlns:p14="http://schemas.microsoft.com/office/powerpoint/2010/main" xmlns:p15="http://schemas.microsoft.com/office/powerpoint/2012/main" xmlns:ahyp="http://schemas.microsoft.com/office/drawing/2018/hyperlinkcolor">
   <p:cSld>
     <p:spTree>
       <p:nvGrpSpPr>
-        <p:cNvPr id="98" name="Shape 98"/>
+        <p:cNvPr id="82" name="Shape 82"/>
         <p:cNvGrpSpPr/>
         <p:nvPr/>
       </p:nvGrpSpPr>
@@ -8670,7 +8870,7 @@
       </p:grpSpPr>
       <p:sp>
         <p:nvSpPr>
-          <p:cNvPr id="99" name="Google Shape;99;p17"/>
+          <p:cNvPr id="83" name="Google Shape;83;p16"/>
           <p:cNvSpPr txBox="1"/>
           <p:nvPr>
             <p:ph type="title"/>
@@ -8719,7 +8919,7 @@
       </p:sp>
       <p:sp>
         <p:nvSpPr>
-          <p:cNvPr id="100" name="Google Shape;100;p17"/>
+          <p:cNvPr id="84" name="Google Shape;84;p16"/>
           <p:cNvSpPr txBox="1"/>
           <p:nvPr>
             <p:ph idx="1" type="body"/>
@@ -8768,9 +8968,24 @@
                 <a:cs typeface="Montserrat"/>
                 <a:sym typeface="Montserrat"/>
               </a:rPr>
-              <a:t>         Lógica del código </a:t>
-            </a:r>
-            <a:endParaRPr>
+              <a:t>   </a:t>
+            </a:r>
+            <a:r>
+              <a:rPr lang="es" sz="2100">
+                <a:solidFill>
+                  <a:srgbClr val="404040"/>
+                </a:solidFill>
+                <a:highlight>
+                  <a:srgbClr val="FFFFFF"/>
+                </a:highlight>
+                <a:latin typeface="Montserrat"/>
+                <a:ea typeface="Montserrat"/>
+                <a:cs typeface="Montserrat"/>
+                <a:sym typeface="Montserrat"/>
+              </a:rPr>
+              <a:t>      Lógica del código </a:t>
+            </a:r>
+            <a:endParaRPr sz="2100">
               <a:solidFill>
                 <a:srgbClr val="404040"/>
               </a:solidFill>
@@ -8784,7 +8999,7 @@
             </a:endParaRPr>
           </a:p>
           <a:p>
-            <a:pPr indent="-90600" lvl="0" marL="876300" rtl="0" algn="l">
+            <a:pPr indent="-109650" lvl="0" marL="876300" rtl="0" algn="l">
               <a:spcBef>
                 <a:spcPts val="0"/>
               </a:spcBef>
@@ -8794,12 +9009,12 @@
               <a:buClr>
                 <a:schemeClr val="lt2"/>
               </a:buClr>
-              <a:buSzPts val="1800"/>
+              <a:buSzPts val="2100"/>
               <a:buFont typeface="Montserrat"/>
               <a:buChar char="●"/>
             </a:pPr>
             <a:r>
-              <a:rPr lang="es">
+              <a:rPr lang="es" sz="2100">
                 <a:solidFill>
                   <a:srgbClr val="404040"/>
                 </a:solidFill>
@@ -8813,7 +9028,7 @@
               </a:rPr>
               <a:t>         Legibilidad del código </a:t>
             </a:r>
-            <a:endParaRPr>
+            <a:endParaRPr sz="2100">
               <a:solidFill>
                 <a:srgbClr val="404040"/>
               </a:solidFill>
@@ -8827,7 +9042,7 @@
             </a:endParaRPr>
           </a:p>
           <a:p>
-            <a:pPr indent="-90600" lvl="0" marL="876300" rtl="0" algn="l">
+            <a:pPr indent="-109650" lvl="0" marL="876300" rtl="0" algn="l">
               <a:spcBef>
                 <a:spcPts val="0"/>
               </a:spcBef>
@@ -8837,12 +9052,12 @@
               <a:buClr>
                 <a:schemeClr val="lt2"/>
               </a:buClr>
-              <a:buSzPts val="1800"/>
+              <a:buSzPts val="2100"/>
               <a:buFont typeface="Montserrat"/>
               <a:buChar char="●"/>
             </a:pPr>
             <a:r>
-              <a:rPr lang="es">
+              <a:rPr lang="es" sz="2100">
                 <a:solidFill>
                   <a:srgbClr val="404040"/>
                 </a:solidFill>
@@ -8856,7 +9071,7 @@
               </a:rPr>
               <a:t>         Documentación </a:t>
             </a:r>
-            <a:endParaRPr>
+            <a:endParaRPr sz="2100">
               <a:solidFill>
                 <a:srgbClr val="404040"/>
               </a:solidFill>
@@ -8870,7 +9085,7 @@
             </a:endParaRPr>
           </a:p>
           <a:p>
-            <a:pPr indent="-90600" lvl="0" marL="876300" rtl="0" algn="l">
+            <a:pPr indent="-109650" lvl="0" marL="876300" rtl="0" algn="l">
               <a:spcBef>
                 <a:spcPts val="0"/>
               </a:spcBef>
@@ -8880,12 +9095,12 @@
               <a:buClr>
                 <a:schemeClr val="lt2"/>
               </a:buClr>
-              <a:buSzPts val="1800"/>
+              <a:buSzPts val="2100"/>
               <a:buFont typeface="Montserrat"/>
               <a:buChar char="●"/>
             </a:pPr>
             <a:r>
-              <a:rPr lang="es">
+              <a:rPr lang="es" sz="2100">
                 <a:solidFill>
                   <a:srgbClr val="404040"/>
                 </a:solidFill>
@@ -8897,9 +9112,95 @@
                 <a:cs typeface="Montserrat"/>
                 <a:sym typeface="Montserrat"/>
               </a:rPr>
-              <a:t>         Pocos milisegundos, </a:t>
-            </a:r>
-            <a:endParaRPr>
+              <a:t>         Pocos milisegundos </a:t>
+            </a:r>
+            <a:endParaRPr sz="2100">
+              <a:solidFill>
+                <a:srgbClr val="404040"/>
+              </a:solidFill>
+              <a:highlight>
+                <a:srgbClr val="FFFFFF"/>
+              </a:highlight>
+              <a:latin typeface="Montserrat"/>
+              <a:ea typeface="Montserrat"/>
+              <a:cs typeface="Montserrat"/>
+              <a:sym typeface="Montserrat"/>
+            </a:endParaRPr>
+          </a:p>
+          <a:p>
+            <a:pPr indent="-43350" lvl="0" marL="809999" rtl="0" algn="l">
+              <a:spcBef>
+                <a:spcPts val="0"/>
+              </a:spcBef>
+              <a:spcAft>
+                <a:spcPts val="0"/>
+              </a:spcAft>
+              <a:buClr>
+                <a:schemeClr val="lt2"/>
+              </a:buClr>
+              <a:buSzPts val="2100"/>
+              <a:buFont typeface="Montserrat"/>
+              <a:buChar char="●"/>
+            </a:pPr>
+            <a:r>
+              <a:rPr lang="es" sz="2100">
+                <a:solidFill>
+                  <a:srgbClr val="404040"/>
+                </a:solidFill>
+                <a:highlight>
+                  <a:srgbClr val="FFFFFF"/>
+                </a:highlight>
+                <a:latin typeface="Montserrat"/>
+                <a:ea typeface="Montserrat"/>
+                <a:cs typeface="Montserrat"/>
+                <a:sym typeface="Montserrat"/>
+              </a:rPr>
+              <a:t>         Refactorizar el código </a:t>
+            </a:r>
+            <a:endParaRPr sz="2100">
+              <a:solidFill>
+                <a:srgbClr val="404040"/>
+              </a:solidFill>
+              <a:highlight>
+                <a:srgbClr val="FFFFFF"/>
+              </a:highlight>
+              <a:latin typeface="Montserrat"/>
+              <a:ea typeface="Montserrat"/>
+              <a:cs typeface="Montserrat"/>
+              <a:sym typeface="Montserrat"/>
+            </a:endParaRPr>
+          </a:p>
+          <a:p>
+            <a:pPr indent="-43350" lvl="0" marL="809999" rtl="0" algn="l">
+              <a:spcBef>
+                <a:spcPts val="0"/>
+              </a:spcBef>
+              <a:spcAft>
+                <a:spcPts val="0"/>
+              </a:spcAft>
+              <a:buClr>
+                <a:schemeClr val="lt2"/>
+              </a:buClr>
+              <a:buSzPts val="2100"/>
+              <a:buFont typeface="Montserrat"/>
+              <a:buChar char="●"/>
+            </a:pPr>
+            <a:r>
+              <a:rPr lang="es" sz="2100">
+                <a:solidFill>
+                  <a:srgbClr val="404040"/>
+                </a:solidFill>
+                <a:highlight>
+                  <a:srgbClr val="FFFFFF"/>
+                </a:highlight>
+                <a:latin typeface="Montserrat"/>
+                <a:ea typeface="Montserrat"/>
+                <a:cs typeface="Montserrat"/>
+                <a:sym typeface="Montserrat"/>
+              </a:rPr>
+              <a:t>         Calidad final del código </a:t>
+            </a:r>
+            <a:endParaRPr sz="2100">
               <a:solidFill>
                 <a:srgbClr val="404040"/>
               </a:solidFill>
@@ -8928,7 +9229,7 @@
               <a:buChar char="●"/>
             </a:pPr>
             <a:r>
-              <a:rPr lang="es">
+              <a:rPr lang="es" sz="2100">
                 <a:solidFill>
                   <a:srgbClr val="404040"/>
                 </a:solidFill>
@@ -8940,36 +9241,8 @@
                 <a:cs typeface="Montserrat"/>
                 <a:sym typeface="Montserrat"/>
               </a:rPr>
-              <a:t>         Refactorizar el código </a:t>
-            </a:r>
-            <a:endParaRPr>
-              <a:solidFill>
-                <a:srgbClr val="404040"/>
-              </a:solidFill>
-              <a:highlight>
-                <a:srgbClr val="FFFFFF"/>
-              </a:highlight>
-              <a:latin typeface="Montserrat"/>
-              <a:ea typeface="Montserrat"/>
-              <a:cs typeface="Montserrat"/>
-              <a:sym typeface="Montserrat"/>
-            </a:endParaRPr>
-          </a:p>
-          <a:p>
-            <a:pPr indent="-24300" lvl="0" marL="809999" rtl="0" algn="l">
-              <a:spcBef>
-                <a:spcPts val="0"/>
-              </a:spcBef>
-              <a:spcAft>
-                <a:spcPts val="0"/>
-              </a:spcAft>
-              <a:buClr>
-                <a:schemeClr val="lt2"/>
-              </a:buClr>
-              <a:buSzPts val="1800"/>
-              <a:buFont typeface="Montserrat"/>
-              <a:buChar char="●"/>
-            </a:pPr>
+              <a:t>         Probar distintas partes del proyecto</a:t>
+            </a:r>
             <a:r>
               <a:rPr lang="es">
                 <a:solidFill>
@@ -8983,50 +9256,7 @@
                 <a:cs typeface="Montserrat"/>
                 <a:sym typeface="Montserrat"/>
               </a:rPr>
-              <a:t>         Calidad final del código </a:t>
-            </a:r>
-            <a:endParaRPr>
-              <a:solidFill>
-                <a:srgbClr val="404040"/>
-              </a:solidFill>
-              <a:highlight>
-                <a:srgbClr val="FFFFFF"/>
-              </a:highlight>
-              <a:latin typeface="Montserrat"/>
-              <a:ea typeface="Montserrat"/>
-              <a:cs typeface="Montserrat"/>
-              <a:sym typeface="Montserrat"/>
-            </a:endParaRPr>
-          </a:p>
-          <a:p>
-            <a:pPr indent="-24300" lvl="0" marL="809999" rtl="0" algn="l">
-              <a:spcBef>
-                <a:spcPts val="0"/>
-              </a:spcBef>
-              <a:spcAft>
-                <a:spcPts val="0"/>
-              </a:spcAft>
-              <a:buClr>
-                <a:schemeClr val="lt2"/>
-              </a:buClr>
-              <a:buSzPts val="1800"/>
-              <a:buFont typeface="Montserrat"/>
-              <a:buChar char="●"/>
-            </a:pPr>
-            <a:r>
-              <a:rPr lang="es">
-                <a:solidFill>
-                  <a:srgbClr val="404040"/>
-                </a:solidFill>
-                <a:highlight>
-                  <a:srgbClr val="FFFFFF"/>
-                </a:highlight>
-                <a:latin typeface="Montserrat"/>
-                <a:ea typeface="Montserrat"/>
-                <a:cs typeface="Montserrat"/>
-                <a:sym typeface="Montserrat"/>
-              </a:rPr>
-              <a:t>         Probar distintas partes del proyecto </a:t>
+              <a:t> </a:t>
             </a:r>
             <a:endParaRPr/>
           </a:p>
@@ -9040,12 +9270,12 @@
 </p:sld>
 </file>
 
-<file path=ppt/slides/slide6.xml><?xml version="1.0" encoding="utf-8"?>
+<file path=ppt/slides/slide5.xml><?xml version="1.0" encoding="utf-8"?>
 <p:sld xmlns:a="http://schemas.openxmlformats.org/drawingml/2006/main" xmlns:r="http://schemas.openxmlformats.org/officeDocument/2006/relationships" xmlns:mc="http://schemas.openxmlformats.org/markup-compatibility/2006" xmlns:mv="urn:schemas-microsoft-com:mac:vml" xmlns:p="http://schemas.openxmlformats.org/presentationml/2006/main" xmlns:c="http://schemas.openxmlformats.org/drawingml/2006/chart" xmlns:dgm="http://schemas.openxmlformats.org/drawingml/2006/diagram" xmlns:o="urn:schemas-microsoft-com:office:office" xmlns:v="urn:schemas-microsoft-com:vml" xmlns:pvml="urn:schemas-microsoft-com:office:powerpoint" xmlns:com="http://schemas.openxmlformats.org/drawingml/2006/compatibility" xmlns:p14="http://schemas.microsoft.com/office/powerpoint/2010/main" xmlns:p15="http://schemas.microsoft.com/office/powerpoint/2012/main" xmlns:ahyp="http://schemas.microsoft.com/office/drawing/2018/hyperlinkcolor">
   <p:cSld>
     <p:spTree>
       <p:nvGrpSpPr>
-        <p:cNvPr id="104" name="Shape 104"/>
+        <p:cNvPr id="88" name="Shape 88"/>
         <p:cNvGrpSpPr/>
         <p:nvPr/>
       </p:nvGrpSpPr>
@@ -9059,7 +9289,7 @@
       </p:grpSpPr>
       <p:sp>
         <p:nvSpPr>
-          <p:cNvPr id="105" name="Google Shape;105;p18"/>
+          <p:cNvPr id="89" name="Google Shape;89;p17"/>
           <p:cNvSpPr txBox="1"/>
           <p:nvPr>
             <p:ph type="title"/>
@@ -9067,7 +9297,7 @@
         </p:nvSpPr>
         <p:spPr>
           <a:xfrm>
-            <a:off x="311700" y="315925"/>
+            <a:off x="244875" y="0"/>
             <a:ext cx="8520600" cy="831300"/>
           </a:xfrm>
           <a:prstGeom prst="rect">
@@ -9099,7 +9329,7 @@
       </p:sp>
       <p:sp>
         <p:nvSpPr>
-          <p:cNvPr id="106" name="Google Shape;106;p18"/>
+          <p:cNvPr id="90" name="Google Shape;90;p17"/>
           <p:cNvSpPr txBox="1"/>
           <p:nvPr>
             <p:ph idx="1" type="body"/>
@@ -9107,8 +9337,8 @@
         </p:nvSpPr>
         <p:spPr>
           <a:xfrm>
-            <a:off x="311700" y="1225225"/>
-            <a:ext cx="8520600" cy="3354000"/>
+            <a:off x="0" y="1069375"/>
+            <a:ext cx="8851200" cy="3751500"/>
           </a:xfrm>
           <a:prstGeom prst="rect">
             <a:avLst/>
@@ -9121,7 +9351,7 @@
           </a:bodyPr>
           <a:lstStyle/>
           <a:p>
-            <a:pPr indent="-342900" lvl="0" marL="1371600" rtl="0" algn="l">
+            <a:pPr indent="-355600" lvl="0" marL="1371600" rtl="0" algn="l">
               <a:spcBef>
                 <a:spcPts val="0"/>
               </a:spcBef>
@@ -9131,12 +9361,12 @@
               <a:buClr>
                 <a:schemeClr val="lt2"/>
               </a:buClr>
-              <a:buSzPts val="1800"/>
+              <a:buSzPts val="2000"/>
               <a:buFont typeface="Montserrat"/>
               <a:buChar char="❏"/>
             </a:pPr>
             <a:r>
-              <a:rPr lang="es" u="sng">
+              <a:rPr lang="es" sz="2000" u="sng">
                 <a:highlight>
                   <a:srgbClr val="FFFFFF"/>
                 </a:highlight>
@@ -9148,7 +9378,7 @@
               <a:t>Arrange (organizar)</a:t>
             </a:r>
             <a:r>
-              <a:rPr lang="es">
+              <a:rPr lang="es" sz="2000">
                 <a:highlight>
                   <a:srgbClr val="FFFFFF"/>
                 </a:highlight>
@@ -9160,7 +9390,7 @@
               <a:t>. Es el primer paso de las pruebas unitarias. En esta parte se </a:t>
             </a:r>
             <a:r>
-              <a:rPr b="1" lang="es">
+              <a:rPr b="1" lang="es" sz="2000">
                 <a:highlight>
                   <a:srgbClr val="FFFFFF"/>
                 </a:highlight>
@@ -9172,7 +9402,7 @@
               <a:t>definen los requisitos</a:t>
             </a:r>
             <a:r>
-              <a:rPr lang="es">
+              <a:rPr lang="es" sz="2000">
                 <a:highlight>
                   <a:srgbClr val="FFFFFF"/>
                 </a:highlight>
@@ -9183,7 +9413,7 @@
               </a:rPr>
               <a:t> que debe cumplir el código.</a:t>
             </a:r>
-            <a:endParaRPr>
+            <a:endParaRPr sz="2000">
               <a:highlight>
                 <a:srgbClr val="FFFFFF"/>
               </a:highlight>
@@ -9194,7 +9424,7 @@
             </a:endParaRPr>
           </a:p>
           <a:p>
-            <a:pPr indent="-342900" lvl="0" marL="1371600" rtl="0" algn="l">
+            <a:pPr indent="-355600" lvl="0" marL="1371600" rtl="0" algn="l">
               <a:spcBef>
                 <a:spcPts val="0"/>
               </a:spcBef>
@@ -9204,12 +9434,12 @@
               <a:buClr>
                 <a:schemeClr val="lt2"/>
               </a:buClr>
-              <a:buSzPts val="1800"/>
+              <a:buSzPts val="2000"/>
               <a:buFont typeface="Montserrat"/>
               <a:buChar char="❏"/>
             </a:pPr>
             <a:r>
-              <a:rPr lang="es" u="sng">
+              <a:rPr lang="es" sz="2000" u="sng">
                 <a:highlight>
                   <a:srgbClr val="FFFFFF"/>
                 </a:highlight>
@@ -9221,7 +9451,7 @@
               <a:t>Act (actuar)</a:t>
             </a:r>
             <a:r>
-              <a:rPr lang="es">
+              <a:rPr lang="es" sz="2000">
                 <a:highlight>
                   <a:srgbClr val="FFFFFF"/>
                 </a:highlight>
@@ -9233,7 +9463,7 @@
               <a:t>. Es el paso intermedio de las pruebas, el momento de </a:t>
             </a:r>
             <a:r>
-              <a:rPr b="1" lang="es">
+              <a:rPr b="1" lang="es" sz="2000">
                 <a:highlight>
                   <a:srgbClr val="FFFFFF"/>
                 </a:highlight>
@@ -9245,7 +9475,7 @@
               <a:t>ejecutar</a:t>
             </a:r>
             <a:r>
-              <a:rPr lang="es">
+              <a:rPr lang="es" sz="2000">
                 <a:highlight>
                   <a:srgbClr val="FFFFFF"/>
                 </a:highlight>
@@ -9257,7 +9487,7 @@
               <a:t> el </a:t>
             </a:r>
             <a:r>
-              <a:rPr i="1" lang="es">
+              <a:rPr i="1" lang="es" sz="2000">
                 <a:highlight>
                   <a:srgbClr val="FFFFFF"/>
                 </a:highlight>
@@ -9269,7 +9499,7 @@
               <a:t>test</a:t>
             </a:r>
             <a:r>
-              <a:rPr lang="es">
+              <a:rPr lang="es" sz="2000">
                 <a:highlight>
                   <a:srgbClr val="FFFFFF"/>
                 </a:highlight>
@@ -9280,7 +9510,7 @@
               </a:rPr>
               <a:t> que dará lugar a los resultados que deberás analizar.</a:t>
             </a:r>
-            <a:endParaRPr>
+            <a:endParaRPr sz="2000">
               <a:highlight>
                 <a:srgbClr val="FFFFFF"/>
               </a:highlight>
@@ -9291,7 +9521,7 @@
             </a:endParaRPr>
           </a:p>
           <a:p>
-            <a:pPr indent="-342900" lvl="0" marL="1371600" rtl="0" algn="l">
+            <a:pPr indent="-355600" lvl="0" marL="1371600" rtl="0" algn="l">
               <a:spcBef>
                 <a:spcPts val="0"/>
               </a:spcBef>
@@ -9301,12 +9531,12 @@
               <a:buClr>
                 <a:schemeClr val="lt2"/>
               </a:buClr>
-              <a:buSzPts val="1800"/>
+              <a:buSzPts val="2000"/>
               <a:buFont typeface="Montserrat"/>
               <a:buChar char="❏"/>
             </a:pPr>
             <a:r>
-              <a:rPr lang="es" u="sng">
+              <a:rPr lang="es" sz="2000" u="sng">
                 <a:highlight>
                   <a:srgbClr val="FFFFFF"/>
                 </a:highlight>
@@ -9318,7 +9548,7 @@
               <a:t>Assert (afirmar)</a:t>
             </a:r>
             <a:r>
-              <a:rPr lang="es">
+              <a:rPr lang="es" sz="2000">
                 <a:highlight>
                   <a:srgbClr val="FFFFFF"/>
                 </a:highlight>
@@ -9330,7 +9560,7 @@
               <a:t>. En el último paso, es el momento de comprobar si los resultados obtenidos son los que se esperaban. </a:t>
             </a:r>
             <a:r>
-              <a:rPr b="1" lang="es">
+              <a:rPr b="1" lang="es" sz="2000">
                 <a:highlight>
                   <a:srgbClr val="FFFFFF"/>
                 </a:highlight>
@@ -9342,7 +9572,7 @@
               <a:t>Si es así, se valida y se sigue adelante</a:t>
             </a:r>
             <a:r>
-              <a:rPr lang="es">
+              <a:rPr lang="es" sz="2000">
                 <a:highlight>
                   <a:srgbClr val="FFFFFF"/>
                 </a:highlight>
@@ -9353,7 +9583,7 @@
               </a:rPr>
               <a:t>. Si no, se corrige el error hasta que desaparezca.</a:t>
             </a:r>
-            <a:endParaRPr>
+            <a:endParaRPr sz="2000">
               <a:highlight>
                 <a:srgbClr val="FFFFFF"/>
               </a:highlight>
@@ -9399,12 +9629,12 @@
 </p:sld>
 </file>
 
-<file path=ppt/slides/slide7.xml><?xml version="1.0" encoding="utf-8"?>
+<file path=ppt/slides/slide6.xml><?xml version="1.0" encoding="utf-8"?>
 <p:sld xmlns:a="http://schemas.openxmlformats.org/drawingml/2006/main" xmlns:r="http://schemas.openxmlformats.org/officeDocument/2006/relationships" xmlns:mc="http://schemas.openxmlformats.org/markup-compatibility/2006" xmlns:mv="urn:schemas-microsoft-com:mac:vml" xmlns:p="http://schemas.openxmlformats.org/presentationml/2006/main" xmlns:c="http://schemas.openxmlformats.org/drawingml/2006/chart" xmlns:dgm="http://schemas.openxmlformats.org/drawingml/2006/diagram" xmlns:o="urn:schemas-microsoft-com:office:office" xmlns:v="urn:schemas-microsoft-com:vml" xmlns:pvml="urn:schemas-microsoft-com:office:powerpoint" xmlns:com="http://schemas.openxmlformats.org/drawingml/2006/compatibility" xmlns:p14="http://schemas.microsoft.com/office/powerpoint/2010/main" xmlns:p15="http://schemas.microsoft.com/office/powerpoint/2012/main" xmlns:ahyp="http://schemas.microsoft.com/office/drawing/2018/hyperlinkcolor">
   <p:cSld>
     <p:spTree>
       <p:nvGrpSpPr>
-        <p:cNvPr id="110" name="Shape 110"/>
+        <p:cNvPr id="94" name="Shape 94"/>
         <p:cNvGrpSpPr/>
         <p:nvPr/>
       </p:nvGrpSpPr>
@@ -9418,660 +9648,24 @@
       </p:grpSpPr>
       <p:sp>
         <p:nvSpPr>
-          <p:cNvPr id="111" name="Google Shape;111;p19"/>
-          <p:cNvSpPr txBox="1"/>
-          <p:nvPr>
-            <p:ph idx="1" type="body"/>
-          </p:nvPr>
+          <p:cNvPr id="95" name="Google Shape;95;p18"/>
+          <p:cNvSpPr/>
+          <p:nvPr/>
         </p:nvSpPr>
         <p:spPr>
           <a:xfrm>
-            <a:off x="311700" y="1225225"/>
-            <a:ext cx="8520600" cy="3354000"/>
+            <a:off x="2068900" y="2571750"/>
+            <a:ext cx="1285800" cy="1312200"/>
           </a:xfrm>
-          <a:prstGeom prst="rect">
+          <a:prstGeom prst="ellipse">
             <a:avLst/>
           </a:prstGeom>
-        </p:spPr>
-        <p:txBody>
-          <a:bodyPr anchorCtr="0" anchor="t" bIns="91425" lIns="91425" spcFirstLastPara="1" rIns="91425" wrap="square" tIns="91425">
-            <a:normAutofit fontScale="25000" lnSpcReduction="10000"/>
-          </a:bodyPr>
-          <a:lstStyle/>
-          <a:p>
-            <a:pPr indent="0" lvl="0" marL="0" rtl="0" algn="l">
-              <a:spcBef>
-                <a:spcPts val="0"/>
-              </a:spcBef>
-              <a:spcAft>
-                <a:spcPts val="0"/>
-              </a:spcAft>
-              <a:buNone/>
-            </a:pPr>
-            <a:r>
-              <a:rPr lang="es" sz="5850">
-                <a:solidFill>
-                  <a:srgbClr val="5C6370"/>
-                </a:solidFill>
-                <a:highlight>
-                  <a:srgbClr val="FFFFFF"/>
-                </a:highlight>
-                <a:latin typeface="Montserrat"/>
-                <a:ea typeface="Montserrat"/>
-                <a:cs typeface="Montserrat"/>
-                <a:sym typeface="Montserrat"/>
-              </a:rPr>
-              <a:t>El proceso de los tests unitarios puede realizarse de manera manual, aunque lo más común es </a:t>
-            </a:r>
-            <a:r>
-              <a:rPr b="1" lang="es" sz="5850">
-                <a:solidFill>
-                  <a:srgbClr val="5C6370"/>
-                </a:solidFill>
-                <a:highlight>
-                  <a:srgbClr val="FFFFFF"/>
-                </a:highlight>
-                <a:latin typeface="Montserrat"/>
-                <a:ea typeface="Montserrat"/>
-                <a:cs typeface="Montserrat"/>
-                <a:sym typeface="Montserrat"/>
-              </a:rPr>
-              <a:t>automatizar el procedimiento a través de herramientas</a:t>
-            </a:r>
-            <a:r>
-              <a:rPr lang="es" sz="5850">
-                <a:solidFill>
-                  <a:srgbClr val="5C6370"/>
-                </a:solidFill>
-                <a:highlight>
-                  <a:srgbClr val="FFFFFF"/>
-                </a:highlight>
-                <a:latin typeface="Montserrat"/>
-                <a:ea typeface="Montserrat"/>
-                <a:cs typeface="Montserrat"/>
-                <a:sym typeface="Montserrat"/>
-              </a:rPr>
-              <a:t>.</a:t>
-            </a:r>
-            <a:endParaRPr sz="5850">
-              <a:solidFill>
-                <a:srgbClr val="5C6370"/>
-              </a:solidFill>
-              <a:highlight>
-                <a:srgbClr val="FFFFFF"/>
-              </a:highlight>
-              <a:latin typeface="Montserrat"/>
-              <a:ea typeface="Montserrat"/>
-              <a:cs typeface="Montserrat"/>
-              <a:sym typeface="Montserrat"/>
-            </a:endParaRPr>
-          </a:p>
-          <a:p>
-            <a:pPr indent="0" lvl="0" marL="0" rtl="0" algn="l">
-              <a:spcBef>
-                <a:spcPts val="1200"/>
-              </a:spcBef>
-              <a:spcAft>
-                <a:spcPts val="0"/>
-              </a:spcAft>
-              <a:buNone/>
-            </a:pPr>
-            <a:r>
-              <a:t/>
-            </a:r>
-            <a:endParaRPr sz="5050">
-              <a:solidFill>
-                <a:srgbClr val="5C6370"/>
-              </a:solidFill>
-              <a:highlight>
-                <a:srgbClr val="FFFFFF"/>
-              </a:highlight>
-              <a:latin typeface="Montserrat"/>
-              <a:ea typeface="Montserrat"/>
-              <a:cs typeface="Montserrat"/>
-              <a:sym typeface="Montserrat"/>
-            </a:endParaRPr>
-          </a:p>
-          <a:p>
-            <a:pPr indent="-356519" lvl="0" marL="450000" rtl="0" algn="l">
-              <a:spcBef>
-                <a:spcPts val="1200"/>
-              </a:spcBef>
-              <a:spcAft>
-                <a:spcPts val="0"/>
-              </a:spcAft>
-              <a:buClr>
-                <a:srgbClr val="404040"/>
-              </a:buClr>
-              <a:buSzPct val="100000"/>
-              <a:buFont typeface="Montserrat"/>
-              <a:buChar char="●"/>
-            </a:pPr>
-            <a:r>
-              <a:rPr b="1" lang="es" sz="5450">
-                <a:solidFill>
-                  <a:schemeClr val="accent1"/>
-                </a:solidFill>
-                <a:highlight>
-                  <a:schemeClr val="lt2"/>
-                </a:highlight>
-                <a:uFill>
-                  <a:noFill/>
-                </a:uFill>
-                <a:latin typeface="Montserrat"/>
-                <a:ea typeface="Montserrat"/>
-                <a:cs typeface="Montserrat"/>
-                <a:sym typeface="Montserrat"/>
-                <a:hlinkClick r:id="rId3">
-                  <a:extLst>
-                    <a:ext uri="{A12FA001-AC4F-418D-AE19-62706E023703}">
-                      <ahyp:hlinkClr val="tx"/>
-                    </a:ext>
-                  </a:extLst>
-                </a:hlinkClick>
-              </a:rPr>
-              <a:t>xUnit</a:t>
-            </a:r>
-            <a:r>
-              <a:rPr b="1" lang="es" sz="5450">
-                <a:solidFill>
-                  <a:srgbClr val="404040"/>
-                </a:solidFill>
-                <a:highlight>
-                  <a:schemeClr val="lt2"/>
-                </a:highlight>
-                <a:latin typeface="Montserrat"/>
-                <a:ea typeface="Montserrat"/>
-                <a:cs typeface="Montserrat"/>
-                <a:sym typeface="Montserrat"/>
-              </a:rPr>
-              <a:t>:</a:t>
-            </a:r>
-            <a:r>
-              <a:rPr lang="es" sz="5450">
-                <a:solidFill>
-                  <a:srgbClr val="404040"/>
-                </a:solidFill>
-                <a:highlight>
-                  <a:srgbClr val="FFFFFF"/>
-                </a:highlight>
-                <a:latin typeface="Montserrat"/>
-                <a:ea typeface="Montserrat"/>
-                <a:cs typeface="Montserrat"/>
-                <a:sym typeface="Montserrat"/>
-              </a:rPr>
-              <a:t> se trata de una herramienta de pruebas unitarias para el framework </a:t>
-            </a:r>
-            <a:r>
-              <a:rPr b="1" lang="es" sz="5450">
-                <a:solidFill>
-                  <a:srgbClr val="404040"/>
-                </a:solidFill>
-                <a:highlight>
-                  <a:srgbClr val="FFFFFF"/>
-                </a:highlight>
-                <a:latin typeface="Montserrat"/>
-                <a:ea typeface="Montserrat"/>
-                <a:cs typeface="Montserrat"/>
-                <a:sym typeface="Montserrat"/>
-              </a:rPr>
-              <a:t>.NET</a:t>
-            </a:r>
-            <a:r>
-              <a:rPr lang="es" sz="5450">
-                <a:solidFill>
-                  <a:srgbClr val="404040"/>
-                </a:solidFill>
-                <a:highlight>
-                  <a:srgbClr val="FFFFFF"/>
-                </a:highlight>
-                <a:latin typeface="Montserrat"/>
-                <a:ea typeface="Montserrat"/>
-                <a:cs typeface="Montserrat"/>
-                <a:sym typeface="Montserrat"/>
-              </a:rPr>
-              <a:t>.</a:t>
-            </a:r>
-            <a:endParaRPr sz="5450">
-              <a:solidFill>
-                <a:srgbClr val="404040"/>
-              </a:solidFill>
-              <a:highlight>
-                <a:srgbClr val="FFFFFF"/>
-              </a:highlight>
-              <a:latin typeface="Montserrat"/>
-              <a:ea typeface="Montserrat"/>
-              <a:cs typeface="Montserrat"/>
-              <a:sym typeface="Montserrat"/>
-            </a:endParaRPr>
-          </a:p>
-          <a:p>
-            <a:pPr indent="-363719" lvl="0" marL="457200" rtl="0" algn="l">
-              <a:spcBef>
-                <a:spcPts val="0"/>
-              </a:spcBef>
-              <a:spcAft>
-                <a:spcPts val="0"/>
-              </a:spcAft>
-              <a:buClr>
-                <a:srgbClr val="404040"/>
-              </a:buClr>
-              <a:buSzPct val="100000"/>
-              <a:buFont typeface="Montserrat"/>
-              <a:buChar char="●"/>
-            </a:pPr>
-            <a:r>
-              <a:rPr b="1" lang="es" sz="5450">
-                <a:solidFill>
-                  <a:schemeClr val="accent1"/>
-                </a:solidFill>
-                <a:highlight>
-                  <a:schemeClr val="lt2"/>
-                </a:highlight>
-                <a:uFill>
-                  <a:noFill/>
-                </a:uFill>
-                <a:latin typeface="Montserrat"/>
-                <a:ea typeface="Montserrat"/>
-                <a:cs typeface="Montserrat"/>
-                <a:sym typeface="Montserrat"/>
-                <a:hlinkClick r:id="rId4">
-                  <a:extLst>
-                    <a:ext uri="{A12FA001-AC4F-418D-AE19-62706E023703}">
-                      <ahyp:hlinkClr val="tx"/>
-                    </a:ext>
-                  </a:extLst>
-                </a:hlinkClick>
-              </a:rPr>
-              <a:t>NUnit</a:t>
-            </a:r>
-            <a:r>
-              <a:rPr b="1" lang="es" sz="5450">
-                <a:solidFill>
-                  <a:schemeClr val="accent1"/>
-                </a:solidFill>
-                <a:highlight>
-                  <a:schemeClr val="lt2"/>
-                </a:highlight>
-                <a:latin typeface="Montserrat"/>
-                <a:ea typeface="Montserrat"/>
-                <a:cs typeface="Montserrat"/>
-                <a:sym typeface="Montserrat"/>
-              </a:rPr>
-              <a:t>:</a:t>
-            </a:r>
-            <a:r>
-              <a:rPr lang="es" sz="5450">
-                <a:solidFill>
-                  <a:srgbClr val="404040"/>
-                </a:solidFill>
-                <a:highlight>
-                  <a:srgbClr val="FFFFFF"/>
-                </a:highlight>
-                <a:latin typeface="Montserrat"/>
-                <a:ea typeface="Montserrat"/>
-                <a:cs typeface="Montserrat"/>
-                <a:sym typeface="Montserrat"/>
-              </a:rPr>
-              <a:t> inicialmente portado desde JUnit, NUnit 3 se ha reescrito por completo para dotarlo de nuevas características y soporte para una amplia gama de plataformas</a:t>
-            </a:r>
-            <a:r>
-              <a:rPr b="1" lang="es" sz="5450">
-                <a:solidFill>
-                  <a:srgbClr val="404040"/>
-                </a:solidFill>
-                <a:highlight>
-                  <a:srgbClr val="FFFFFF"/>
-                </a:highlight>
-                <a:latin typeface="Montserrat"/>
-                <a:ea typeface="Montserrat"/>
-                <a:cs typeface="Montserrat"/>
-                <a:sym typeface="Montserrat"/>
-              </a:rPr>
-              <a:t> .NET</a:t>
-            </a:r>
-            <a:r>
-              <a:rPr lang="es" sz="5450">
-                <a:solidFill>
-                  <a:srgbClr val="404040"/>
-                </a:solidFill>
-                <a:highlight>
-                  <a:srgbClr val="FFFFFF"/>
-                </a:highlight>
-                <a:latin typeface="Montserrat"/>
-                <a:ea typeface="Montserrat"/>
-                <a:cs typeface="Montserrat"/>
-                <a:sym typeface="Montserrat"/>
-              </a:rPr>
-              <a:t>.</a:t>
-            </a:r>
-            <a:endParaRPr sz="5450">
-              <a:solidFill>
-                <a:srgbClr val="404040"/>
-              </a:solidFill>
-              <a:highlight>
-                <a:srgbClr val="FFFFFF"/>
-              </a:highlight>
-              <a:latin typeface="Montserrat"/>
-              <a:ea typeface="Montserrat"/>
-              <a:cs typeface="Montserrat"/>
-              <a:sym typeface="Montserrat"/>
-            </a:endParaRPr>
-          </a:p>
-          <a:p>
-            <a:pPr indent="-363719" lvl="0" marL="457200" rtl="0" algn="l">
-              <a:spcBef>
-                <a:spcPts val="0"/>
-              </a:spcBef>
-              <a:spcAft>
-                <a:spcPts val="0"/>
-              </a:spcAft>
-              <a:buClr>
-                <a:srgbClr val="404040"/>
-              </a:buClr>
-              <a:buSzPct val="100000"/>
-              <a:buFont typeface="Montserrat"/>
-              <a:buChar char="●"/>
-            </a:pPr>
-            <a:r>
-              <a:rPr b="1" lang="es" sz="5450">
-                <a:solidFill>
-                  <a:schemeClr val="accent1"/>
-                </a:solidFill>
-                <a:highlight>
-                  <a:schemeClr val="lt2"/>
-                </a:highlight>
-                <a:uFill>
-                  <a:noFill/>
-                </a:uFill>
-                <a:latin typeface="Montserrat"/>
-                <a:ea typeface="Montserrat"/>
-                <a:cs typeface="Montserrat"/>
-                <a:sym typeface="Montserrat"/>
-                <a:hlinkClick r:id="rId5">
-                  <a:extLst>
-                    <a:ext uri="{A12FA001-AC4F-418D-AE19-62706E023703}">
-                      <ahyp:hlinkClr val="tx"/>
-                    </a:ext>
-                  </a:extLst>
-                </a:hlinkClick>
-              </a:rPr>
-              <a:t>PHPUnit</a:t>
-            </a:r>
-            <a:r>
-              <a:rPr b="1" lang="es" sz="5450">
-                <a:solidFill>
-                  <a:schemeClr val="accent1"/>
-                </a:solidFill>
-                <a:highlight>
-                  <a:schemeClr val="lt2"/>
-                </a:highlight>
-                <a:latin typeface="Montserrat"/>
-                <a:ea typeface="Montserrat"/>
-                <a:cs typeface="Montserrat"/>
-                <a:sym typeface="Montserrat"/>
-              </a:rPr>
-              <a:t>:</a:t>
-            </a:r>
-            <a:r>
-              <a:rPr lang="es" sz="5450">
-                <a:solidFill>
-                  <a:srgbClr val="404040"/>
-                </a:solidFill>
-                <a:highlight>
-                  <a:srgbClr val="FFFFFF"/>
-                </a:highlight>
-                <a:latin typeface="Montserrat"/>
-                <a:ea typeface="Montserrat"/>
-                <a:cs typeface="Montserrat"/>
-                <a:sym typeface="Montserrat"/>
-              </a:rPr>
-              <a:t> entorno de pruebas unitarias en el lenguaje de programación </a:t>
-            </a:r>
-            <a:r>
-              <a:rPr b="1" lang="es" sz="5450">
-                <a:solidFill>
-                  <a:srgbClr val="404040"/>
-                </a:solidFill>
-                <a:highlight>
-                  <a:srgbClr val="FFFFFF"/>
-                </a:highlight>
-                <a:latin typeface="Montserrat"/>
-                <a:ea typeface="Montserrat"/>
-                <a:cs typeface="Montserrat"/>
-                <a:sym typeface="Montserrat"/>
-              </a:rPr>
-              <a:t>PHP</a:t>
-            </a:r>
-            <a:r>
-              <a:rPr lang="es" sz="5450">
-                <a:solidFill>
-                  <a:srgbClr val="404040"/>
-                </a:solidFill>
-                <a:highlight>
-                  <a:srgbClr val="FFFFFF"/>
-                </a:highlight>
-                <a:latin typeface="Montserrat"/>
-                <a:ea typeface="Montserrat"/>
-                <a:cs typeface="Montserrat"/>
-                <a:sym typeface="Montserrat"/>
-              </a:rPr>
-              <a:t>.</a:t>
-            </a:r>
-            <a:endParaRPr sz="5450">
-              <a:solidFill>
-                <a:srgbClr val="404040"/>
-              </a:solidFill>
-              <a:highlight>
-                <a:srgbClr val="FFFFFF"/>
-              </a:highlight>
-              <a:latin typeface="Montserrat"/>
-              <a:ea typeface="Montserrat"/>
-              <a:cs typeface="Montserrat"/>
-              <a:sym typeface="Montserrat"/>
-            </a:endParaRPr>
-          </a:p>
-          <a:p>
-            <a:pPr indent="-363719" lvl="0" marL="457200" rtl="0" algn="l">
-              <a:spcBef>
-                <a:spcPts val="0"/>
-              </a:spcBef>
-              <a:spcAft>
-                <a:spcPts val="0"/>
-              </a:spcAft>
-              <a:buClr>
-                <a:srgbClr val="404040"/>
-              </a:buClr>
-              <a:buSzPct val="100000"/>
-              <a:buFont typeface="Montserrat"/>
-              <a:buChar char="●"/>
-            </a:pPr>
-            <a:r>
-              <a:rPr b="1" lang="es" sz="5450">
-                <a:solidFill>
-                  <a:schemeClr val="accent1"/>
-                </a:solidFill>
-                <a:highlight>
-                  <a:schemeClr val="lt2"/>
-                </a:highlight>
-                <a:uFill>
-                  <a:noFill/>
-                </a:uFill>
-                <a:latin typeface="Montserrat"/>
-                <a:ea typeface="Montserrat"/>
-                <a:cs typeface="Montserrat"/>
-                <a:sym typeface="Montserrat"/>
-                <a:hlinkClick r:id="rId6">
-                  <a:extLst>
-                    <a:ext uri="{A12FA001-AC4F-418D-AE19-62706E023703}">
-                      <ahyp:hlinkClr val="tx"/>
-                    </a:ext>
-                  </a:extLst>
-                </a:hlinkClick>
-              </a:rPr>
-              <a:t>Junit</a:t>
-            </a:r>
-            <a:r>
-              <a:rPr b="1" lang="es" sz="5450">
-                <a:solidFill>
-                  <a:schemeClr val="accent1"/>
-                </a:solidFill>
-                <a:highlight>
-                  <a:schemeClr val="lt2"/>
-                </a:highlight>
-                <a:latin typeface="Montserrat"/>
-                <a:ea typeface="Montserrat"/>
-                <a:cs typeface="Montserrat"/>
-                <a:sym typeface="Montserrat"/>
-              </a:rPr>
-              <a:t>:</a:t>
-            </a:r>
-            <a:r>
-              <a:rPr b="1" lang="es" sz="5450">
-                <a:solidFill>
-                  <a:srgbClr val="404040"/>
-                </a:solidFill>
-                <a:highlight>
-                  <a:srgbClr val="FFFFFF"/>
-                </a:highlight>
-                <a:latin typeface="Montserrat"/>
-                <a:ea typeface="Montserrat"/>
-                <a:cs typeface="Montserrat"/>
-                <a:sym typeface="Montserrat"/>
-              </a:rPr>
-              <a:t> </a:t>
-            </a:r>
-            <a:r>
-              <a:rPr lang="es" sz="5450">
-                <a:solidFill>
-                  <a:srgbClr val="404040"/>
-                </a:solidFill>
-                <a:highlight>
-                  <a:srgbClr val="FFFFFF"/>
-                </a:highlight>
-                <a:latin typeface="Montserrat"/>
-                <a:ea typeface="Montserrat"/>
-                <a:cs typeface="Montserrat"/>
-                <a:sym typeface="Montserrat"/>
-              </a:rPr>
-              <a:t>es un conjunto de bibliotecas para realizar pruebas unitarias de aplicaciones </a:t>
-            </a:r>
-            <a:r>
-              <a:rPr b="1" lang="es" sz="5450">
-                <a:solidFill>
-                  <a:srgbClr val="404040"/>
-                </a:solidFill>
-                <a:highlight>
-                  <a:srgbClr val="FFFFFF"/>
-                </a:highlight>
-                <a:latin typeface="Montserrat"/>
-                <a:ea typeface="Montserrat"/>
-                <a:cs typeface="Montserrat"/>
-                <a:sym typeface="Montserrat"/>
-              </a:rPr>
-              <a:t>Java</a:t>
-            </a:r>
-            <a:r>
-              <a:rPr lang="es" sz="5450">
-                <a:solidFill>
-                  <a:srgbClr val="404040"/>
-                </a:solidFill>
-                <a:highlight>
-                  <a:srgbClr val="FFFFFF"/>
-                </a:highlight>
-                <a:latin typeface="Montserrat"/>
-                <a:ea typeface="Montserrat"/>
-                <a:cs typeface="Montserrat"/>
-                <a:sym typeface="Montserrat"/>
-              </a:rPr>
-              <a:t>.</a:t>
-            </a:r>
-            <a:endParaRPr sz="5450">
-              <a:solidFill>
-                <a:srgbClr val="404040"/>
-              </a:solidFill>
-              <a:highlight>
-                <a:srgbClr val="FFFFFF"/>
-              </a:highlight>
-              <a:latin typeface="Montserrat"/>
-              <a:ea typeface="Montserrat"/>
-              <a:cs typeface="Montserrat"/>
-              <a:sym typeface="Montserrat"/>
-            </a:endParaRPr>
-          </a:p>
-          <a:p>
-            <a:pPr indent="0" lvl="0" marL="457200" rtl="0" algn="l">
-              <a:spcBef>
-                <a:spcPts val="3700"/>
-              </a:spcBef>
-              <a:spcAft>
-                <a:spcPts val="0"/>
-              </a:spcAft>
-              <a:buNone/>
-            </a:pPr>
-            <a:r>
-              <a:t/>
-            </a:r>
-            <a:endParaRPr sz="1350">
-              <a:solidFill>
-                <a:srgbClr val="404040"/>
-              </a:solidFill>
-              <a:highlight>
-                <a:srgbClr val="FFFFFF"/>
-              </a:highlight>
-              <a:latin typeface="Montserrat"/>
-              <a:ea typeface="Montserrat"/>
-              <a:cs typeface="Montserrat"/>
-              <a:sym typeface="Montserrat"/>
-            </a:endParaRPr>
-          </a:p>
-          <a:p>
-            <a:pPr indent="0" lvl="0" marL="0" rtl="0" algn="l">
-              <a:spcBef>
-                <a:spcPts val="3700"/>
-              </a:spcBef>
-              <a:spcAft>
-                <a:spcPts val="1200"/>
-              </a:spcAft>
-              <a:buNone/>
-            </a:pPr>
-            <a:r>
-              <a:t/>
-            </a:r>
-            <a:endParaRPr sz="1100">
-              <a:solidFill>
-                <a:srgbClr val="5C6370"/>
-              </a:solidFill>
-              <a:highlight>
-                <a:srgbClr val="FFFFFF"/>
-              </a:highlight>
-              <a:latin typeface="Montserrat"/>
-              <a:ea typeface="Montserrat"/>
-              <a:cs typeface="Montserrat"/>
-              <a:sym typeface="Montserrat"/>
-            </a:endParaRPr>
-          </a:p>
-        </p:txBody>
-      </p:sp>
-      <p:sp>
-        <p:nvSpPr>
-          <p:cNvPr id="112" name="Google Shape;112;p19"/>
-          <p:cNvSpPr txBox="1"/>
-          <p:nvPr>
-            <p:ph type="title"/>
-          </p:nvPr>
-        </p:nvSpPr>
-        <p:spPr>
-          <a:xfrm>
-            <a:off x="311700" y="315925"/>
-            <a:ext cx="8520600" cy="831300"/>
-          </a:xfrm>
-          <a:prstGeom prst="rect">
-            <a:avLst/>
-          </a:prstGeom>
+          <a:solidFill>
+            <a:srgbClr val="B7B7B7"/>
+          </a:solidFill>
           <a:ln cap="flat" cmpd="sng" w="9525">
             <a:solidFill>
-              <a:srgbClr val="C9DAF8"/>
+              <a:schemeClr val="dk2"/>
             </a:solidFill>
             <a:prstDash val="solid"/>
             <a:round/>
@@ -10080,8 +9674,8 @@
           </a:ln>
         </p:spPr>
         <p:txBody>
-          <a:bodyPr anchorCtr="0" anchor="b" bIns="91425" lIns="91425" spcFirstLastPara="1" rIns="91425" wrap="square" tIns="91425">
-            <a:normAutofit/>
+          <a:bodyPr anchorCtr="0" anchor="ctr" bIns="91425" lIns="91425" spcFirstLastPara="1" rIns="91425" wrap="square" tIns="91425">
+            <a:noAutofit/>
           </a:bodyPr>
           <a:lstStyle/>
           <a:p>
@@ -10095,13 +9689,681 @@
               <a:buNone/>
             </a:pPr>
             <a:r>
+              <a:rPr lang="es" sz="1200">
+                <a:solidFill>
+                  <a:schemeClr val="dk1"/>
+                </a:solidFill>
+              </a:rPr>
+              <a:t>Code Review</a:t>
+            </a:r>
+            <a:endParaRPr sz="1200">
+              <a:solidFill>
+                <a:schemeClr val="dk1"/>
+              </a:solidFill>
+            </a:endParaRPr>
+          </a:p>
+        </p:txBody>
+      </p:sp>
+      <p:sp>
+        <p:nvSpPr>
+          <p:cNvPr id="96" name="Google Shape;96;p18"/>
+          <p:cNvSpPr/>
+          <p:nvPr/>
+        </p:nvSpPr>
+        <p:spPr>
+          <a:xfrm>
+            <a:off x="3929100" y="3542750"/>
+            <a:ext cx="1334100" cy="1312200"/>
+          </a:xfrm>
+          <a:prstGeom prst="ellipse">
+            <a:avLst/>
+          </a:prstGeom>
+          <a:solidFill>
+            <a:srgbClr val="B7B7B7"/>
+          </a:solidFill>
+          <a:ln cap="flat" cmpd="sng" w="9525">
+            <a:solidFill>
+              <a:schemeClr val="dk2"/>
+            </a:solidFill>
+            <a:prstDash val="solid"/>
+            <a:round/>
+            <a:headEnd len="sm" w="sm" type="none"/>
+            <a:tailEnd len="sm" w="sm" type="none"/>
+          </a:ln>
+        </p:spPr>
+        <p:txBody>
+          <a:bodyPr anchorCtr="0" anchor="ctr" bIns="91425" lIns="91425" spcFirstLastPara="1" rIns="91425" wrap="square" tIns="91425">
+            <a:noAutofit/>
+          </a:bodyPr>
+          <a:lstStyle/>
+          <a:p>
+            <a:pPr indent="0" lvl="0" marL="0" rtl="0" algn="ctr">
+              <a:spcBef>
+                <a:spcPts val="0"/>
+              </a:spcBef>
+              <a:spcAft>
+                <a:spcPts val="0"/>
+              </a:spcAft>
+              <a:buNone/>
+            </a:pPr>
+            <a:r>
+              <a:rPr lang="es" sz="1200">
+                <a:solidFill>
+                  <a:schemeClr val="dk1"/>
+                </a:solidFill>
+              </a:rPr>
+              <a:t>Arreglar problemas y re-ejecutar</a:t>
+            </a:r>
+            <a:endParaRPr sz="1200">
+              <a:solidFill>
+                <a:schemeClr val="dk1"/>
+              </a:solidFill>
+            </a:endParaRPr>
+          </a:p>
+        </p:txBody>
+      </p:sp>
+      <p:sp>
+        <p:nvSpPr>
+          <p:cNvPr id="97" name="Google Shape;97;p18"/>
+          <p:cNvSpPr/>
+          <p:nvPr/>
+        </p:nvSpPr>
+        <p:spPr>
+          <a:xfrm>
+            <a:off x="5627700" y="894675"/>
+            <a:ext cx="1285800" cy="1312200"/>
+          </a:xfrm>
+          <a:prstGeom prst="ellipse">
+            <a:avLst/>
+          </a:prstGeom>
+          <a:solidFill>
+            <a:srgbClr val="B7B7B7"/>
+          </a:solidFill>
+          <a:ln cap="flat" cmpd="sng" w="9525">
+            <a:solidFill>
+              <a:schemeClr val="dk2"/>
+            </a:solidFill>
+            <a:prstDash val="solid"/>
+            <a:round/>
+            <a:headEnd len="sm" w="sm" type="none"/>
+            <a:tailEnd len="sm" w="sm" type="none"/>
+          </a:ln>
+        </p:spPr>
+        <p:txBody>
+          <a:bodyPr anchorCtr="0" anchor="ctr" bIns="91425" lIns="91425" spcFirstLastPara="1" rIns="91425" wrap="square" tIns="91425">
+            <a:noAutofit/>
+          </a:bodyPr>
+          <a:lstStyle/>
+          <a:p>
+            <a:pPr indent="0" lvl="0" marL="0" rtl="0" algn="ctr">
+              <a:spcBef>
+                <a:spcPts val="0"/>
+              </a:spcBef>
+              <a:spcAft>
+                <a:spcPts val="0"/>
+              </a:spcAft>
+              <a:buNone/>
+            </a:pPr>
+            <a:r>
+              <a:rPr lang="es" sz="1200">
+                <a:solidFill>
+                  <a:schemeClr val="dk1"/>
+                </a:solidFill>
+              </a:rPr>
+              <a:t>Realizar cambios</a:t>
+            </a:r>
+            <a:endParaRPr sz="1200">
+              <a:solidFill>
+                <a:schemeClr val="dk1"/>
+              </a:solidFill>
+            </a:endParaRPr>
+          </a:p>
+        </p:txBody>
+      </p:sp>
+      <p:sp>
+        <p:nvSpPr>
+          <p:cNvPr id="98" name="Google Shape;98;p18"/>
+          <p:cNvSpPr/>
+          <p:nvPr/>
+        </p:nvSpPr>
+        <p:spPr>
+          <a:xfrm>
+            <a:off x="3929100" y="139950"/>
+            <a:ext cx="1285800" cy="1312200"/>
+          </a:xfrm>
+          <a:prstGeom prst="ellipse">
+            <a:avLst/>
+          </a:prstGeom>
+          <a:solidFill>
+            <a:srgbClr val="B7B7B7"/>
+          </a:solidFill>
+          <a:ln cap="flat" cmpd="sng" w="9525">
+            <a:solidFill>
+              <a:schemeClr val="dk2"/>
+            </a:solidFill>
+            <a:prstDash val="solid"/>
+            <a:round/>
+            <a:headEnd len="sm" w="sm" type="none"/>
+            <a:tailEnd len="sm" w="sm" type="none"/>
+          </a:ln>
+        </p:spPr>
+        <p:txBody>
+          <a:bodyPr anchorCtr="0" anchor="ctr" bIns="91425" lIns="91425" spcFirstLastPara="1" rIns="91425" wrap="square" tIns="91425">
+            <a:noAutofit/>
+          </a:bodyPr>
+          <a:lstStyle/>
+          <a:p>
+            <a:pPr indent="0" lvl="0" marL="0" rtl="0" algn="ctr">
+              <a:spcBef>
+                <a:spcPts val="0"/>
+              </a:spcBef>
+              <a:spcAft>
+                <a:spcPts val="0"/>
+              </a:spcAft>
+              <a:buNone/>
+            </a:pPr>
+            <a:r>
+              <a:rPr lang="es" sz="1200">
+                <a:solidFill>
+                  <a:schemeClr val="dk1"/>
+                </a:solidFill>
+              </a:rPr>
+              <a:t>Pull del código desde el repositorio</a:t>
+            </a:r>
+            <a:endParaRPr sz="1200">
+              <a:solidFill>
+                <a:schemeClr val="dk1"/>
+              </a:solidFill>
+            </a:endParaRPr>
+          </a:p>
+        </p:txBody>
+      </p:sp>
+      <p:sp>
+        <p:nvSpPr>
+          <p:cNvPr id="99" name="Google Shape;99;p18"/>
+          <p:cNvSpPr/>
+          <p:nvPr/>
+        </p:nvSpPr>
+        <p:spPr>
+          <a:xfrm>
+            <a:off x="5697700" y="2571750"/>
+            <a:ext cx="1285800" cy="1312200"/>
+          </a:xfrm>
+          <a:prstGeom prst="ellipse">
+            <a:avLst/>
+          </a:prstGeom>
+          <a:solidFill>
+            <a:srgbClr val="B7B7B7"/>
+          </a:solidFill>
+          <a:ln cap="flat" cmpd="sng" w="9525">
+            <a:solidFill>
+              <a:schemeClr val="dk2"/>
+            </a:solidFill>
+            <a:prstDash val="solid"/>
+            <a:round/>
+            <a:headEnd len="sm" w="sm" type="none"/>
+            <a:tailEnd len="sm" w="sm" type="none"/>
+          </a:ln>
+        </p:spPr>
+        <p:txBody>
+          <a:bodyPr anchorCtr="0" anchor="ctr" bIns="91425" lIns="91425" spcFirstLastPara="1" rIns="91425" wrap="square" tIns="91425">
+            <a:noAutofit/>
+          </a:bodyPr>
+          <a:lstStyle/>
+          <a:p>
+            <a:pPr indent="0" lvl="0" marL="0" rtl="0" algn="ctr">
+              <a:spcBef>
+                <a:spcPts val="0"/>
+              </a:spcBef>
+              <a:spcAft>
+                <a:spcPts val="0"/>
+              </a:spcAft>
+              <a:buNone/>
+            </a:pPr>
+            <a:r>
+              <a:rPr b="1" lang="es" sz="1200">
+                <a:solidFill>
+                  <a:schemeClr val="dk1"/>
+                </a:solidFill>
+              </a:rPr>
+              <a:t>Ejecutar Unit Testing</a:t>
+            </a:r>
+            <a:endParaRPr b="1" sz="1200">
+              <a:solidFill>
+                <a:schemeClr val="dk1"/>
+              </a:solidFill>
+            </a:endParaRPr>
+          </a:p>
+        </p:txBody>
+      </p:sp>
+      <p:sp>
+        <p:nvSpPr>
+          <p:cNvPr id="100" name="Google Shape;100;p18"/>
+          <p:cNvSpPr/>
+          <p:nvPr/>
+        </p:nvSpPr>
+        <p:spPr>
+          <a:xfrm>
+            <a:off x="2230500" y="894675"/>
+            <a:ext cx="1285800" cy="1312200"/>
+          </a:xfrm>
+          <a:prstGeom prst="ellipse">
+            <a:avLst/>
+          </a:prstGeom>
+          <a:solidFill>
+            <a:srgbClr val="B7B7B7"/>
+          </a:solidFill>
+          <a:ln cap="flat" cmpd="sng" w="9525">
+            <a:solidFill>
+              <a:schemeClr val="dk2"/>
+            </a:solidFill>
+            <a:prstDash val="solid"/>
+            <a:round/>
+            <a:headEnd len="sm" w="sm" type="none"/>
+            <a:tailEnd len="sm" w="sm" type="none"/>
+          </a:ln>
+        </p:spPr>
+        <p:txBody>
+          <a:bodyPr anchorCtr="0" anchor="ctr" bIns="91425" lIns="91425" spcFirstLastPara="1" rIns="91425" wrap="square" tIns="91425">
+            <a:noAutofit/>
+          </a:bodyPr>
+          <a:lstStyle/>
+          <a:p>
+            <a:pPr indent="0" lvl="0" marL="0" rtl="0" algn="ctr">
+              <a:spcBef>
+                <a:spcPts val="0"/>
+              </a:spcBef>
+              <a:spcAft>
+                <a:spcPts val="0"/>
+              </a:spcAft>
+              <a:buNone/>
+            </a:pPr>
+            <a:r>
+              <a:rPr lang="es" sz="1200">
+                <a:solidFill>
+                  <a:schemeClr val="dk1"/>
+                </a:solidFill>
+              </a:rPr>
+              <a:t>Push del </a:t>
+            </a:r>
+            <a:r>
+              <a:rPr lang="es" sz="1200">
+                <a:solidFill>
+                  <a:schemeClr val="dk1"/>
+                </a:solidFill>
+              </a:rPr>
+              <a:t>código</a:t>
+            </a:r>
+            <a:r>
+              <a:rPr lang="es" sz="1200">
+                <a:solidFill>
+                  <a:schemeClr val="dk1"/>
+                </a:solidFill>
+              </a:rPr>
+              <a:t> al repositorio</a:t>
+            </a:r>
+            <a:endParaRPr sz="1200">
+              <a:solidFill>
+                <a:schemeClr val="dk1"/>
+              </a:solidFill>
+            </a:endParaRPr>
+          </a:p>
+        </p:txBody>
+      </p:sp>
+      <p:cxnSp>
+        <p:nvCxnSpPr>
+          <p:cNvPr id="101" name="Google Shape;101;p18"/>
+          <p:cNvCxnSpPr>
+            <a:stCxn id="97" idx="6"/>
+            <a:endCxn id="99" idx="7"/>
+          </p:cNvCxnSpPr>
+          <p:nvPr/>
+        </p:nvCxnSpPr>
+        <p:spPr>
+          <a:xfrm flipH="1">
+            <a:off x="6795300" y="1550775"/>
+            <a:ext cx="118200" cy="1213200"/>
+          </a:xfrm>
+          <a:prstGeom prst="curvedConnector4">
+            <a:avLst>
+              <a:gd fmla="val -201459" name="adj1"/>
+              <a:gd fmla="val 86020" name="adj2"/>
+            </a:avLst>
+          </a:prstGeom>
+          <a:noFill/>
+          <a:ln cap="flat" cmpd="sng" w="28575">
+            <a:solidFill>
+              <a:srgbClr val="DD7E6B"/>
+            </a:solidFill>
+            <a:prstDash val="solid"/>
+            <a:round/>
+            <a:headEnd len="med" w="med" type="none"/>
+            <a:tailEnd len="med" w="med" type="stealth"/>
+          </a:ln>
+        </p:spPr>
+      </p:cxnSp>
+      <p:cxnSp>
+        <p:nvCxnSpPr>
+          <p:cNvPr id="102" name="Google Shape;102;p18"/>
+          <p:cNvCxnSpPr>
+            <a:stCxn id="99" idx="4"/>
+            <a:endCxn id="96" idx="5"/>
+          </p:cNvCxnSpPr>
+          <p:nvPr/>
+        </p:nvCxnSpPr>
+        <p:spPr>
+          <a:xfrm rot="5400000">
+            <a:off x="5314750" y="3636900"/>
+            <a:ext cx="778800" cy="1272900"/>
+          </a:xfrm>
+          <a:prstGeom prst="curvedConnector3">
+            <a:avLst>
+              <a:gd fmla="val 102574" name="adj1"/>
+            </a:avLst>
+          </a:prstGeom>
+          <a:noFill/>
+          <a:ln cap="flat" cmpd="sng" w="28575">
+            <a:solidFill>
+              <a:srgbClr val="DD7E6B"/>
+            </a:solidFill>
+            <a:prstDash val="solid"/>
+            <a:round/>
+            <a:headEnd len="med" w="med" type="none"/>
+            <a:tailEnd len="med" w="med" type="stealth"/>
+          </a:ln>
+        </p:spPr>
+      </p:cxnSp>
+      <p:cxnSp>
+        <p:nvCxnSpPr>
+          <p:cNvPr id="103" name="Google Shape;103;p18"/>
+          <p:cNvCxnSpPr>
+            <a:stCxn id="95" idx="2"/>
+            <a:endCxn id="100" idx="2"/>
+          </p:cNvCxnSpPr>
+          <p:nvPr/>
+        </p:nvCxnSpPr>
+        <p:spPr>
+          <a:xfrm flipH="1" rot="10800000">
+            <a:off x="2068900" y="1550850"/>
+            <a:ext cx="161700" cy="1677000"/>
+          </a:xfrm>
+          <a:prstGeom prst="curvedConnector3">
+            <a:avLst>
+              <a:gd fmla="val -147263" name="adj1"/>
+            </a:avLst>
+          </a:prstGeom>
+          <a:noFill/>
+          <a:ln cap="flat" cmpd="sng" w="28575">
+            <a:solidFill>
+              <a:srgbClr val="DD7E6B"/>
+            </a:solidFill>
+            <a:prstDash val="solid"/>
+            <a:round/>
+            <a:headEnd len="med" w="med" type="none"/>
+            <a:tailEnd len="med" w="med" type="stealth"/>
+          </a:ln>
+        </p:spPr>
+      </p:cxnSp>
+      <p:cxnSp>
+        <p:nvCxnSpPr>
+          <p:cNvPr id="104" name="Google Shape;104;p18"/>
+          <p:cNvCxnSpPr>
+            <a:stCxn id="100" idx="0"/>
+            <a:endCxn id="98" idx="1"/>
+          </p:cNvCxnSpPr>
+          <p:nvPr/>
+        </p:nvCxnSpPr>
+        <p:spPr>
+          <a:xfrm rot="-5400000">
+            <a:off x="3214200" y="-8625"/>
+            <a:ext cx="562500" cy="1244100"/>
+          </a:xfrm>
+          <a:prstGeom prst="curvedConnector3">
+            <a:avLst>
+              <a:gd fmla="val 125880" name="adj1"/>
+            </a:avLst>
+          </a:prstGeom>
+          <a:noFill/>
+          <a:ln cap="flat" cmpd="sng" w="28575">
+            <a:solidFill>
+              <a:srgbClr val="E06666"/>
+            </a:solidFill>
+            <a:prstDash val="solid"/>
+            <a:round/>
+            <a:headEnd len="med" w="med" type="none"/>
+            <a:tailEnd len="med" w="med" type="stealth"/>
+          </a:ln>
+        </p:spPr>
+      </p:cxnSp>
+      <p:sp>
+        <p:nvSpPr>
+          <p:cNvPr id="105" name="Google Shape;105;p18"/>
+          <p:cNvSpPr/>
+          <p:nvPr/>
+        </p:nvSpPr>
+        <p:spPr>
+          <a:xfrm>
+            <a:off x="3900650" y="1742400"/>
+            <a:ext cx="1412700" cy="1312200"/>
+          </a:xfrm>
+          <a:prstGeom prst="ellipse">
+            <a:avLst/>
+          </a:prstGeom>
+          <a:solidFill>
+            <a:schemeClr val="lt2"/>
+          </a:solidFill>
+          <a:ln cap="flat" cmpd="sng" w="9525">
+            <a:solidFill>
+              <a:schemeClr val="dk2"/>
+            </a:solidFill>
+            <a:prstDash val="solid"/>
+            <a:round/>
+            <a:headEnd len="sm" w="sm" type="none"/>
+            <a:tailEnd len="sm" w="sm" type="none"/>
+          </a:ln>
+        </p:spPr>
+        <p:txBody>
+          <a:bodyPr anchorCtr="0" anchor="ctr" bIns="91425" lIns="91425" spcFirstLastPara="1" rIns="91425" wrap="square" tIns="91425">
+            <a:noAutofit/>
+          </a:bodyPr>
+          <a:lstStyle/>
+          <a:p>
+            <a:pPr indent="0" lvl="0" marL="0" rtl="0" algn="ctr">
+              <a:spcBef>
+                <a:spcPts val="0"/>
+              </a:spcBef>
+              <a:spcAft>
+                <a:spcPts val="0"/>
+              </a:spcAft>
+              <a:buClr>
+                <a:schemeClr val="dk1"/>
+              </a:buClr>
+              <a:buSzPts val="1100"/>
+              <a:buFont typeface="Arial"/>
+              <a:buNone/>
+            </a:pPr>
+            <a:r>
+              <a:t/>
+            </a:r>
+            <a:endParaRPr>
+              <a:solidFill>
+                <a:schemeClr val="dk1"/>
+              </a:solidFill>
+            </a:endParaRPr>
+          </a:p>
+          <a:p>
+            <a:pPr indent="0" lvl="0" marL="0" rtl="0" algn="ctr">
+              <a:spcBef>
+                <a:spcPts val="0"/>
+              </a:spcBef>
+              <a:spcAft>
+                <a:spcPts val="0"/>
+              </a:spcAft>
+              <a:buClr>
+                <a:schemeClr val="dk1"/>
+              </a:buClr>
+              <a:buSzPts val="1100"/>
+              <a:buFont typeface="Arial"/>
+              <a:buNone/>
+            </a:pPr>
+            <a:r>
+              <a:rPr lang="es">
+                <a:solidFill>
+                  <a:schemeClr val="dk1"/>
+                </a:solidFill>
+              </a:rPr>
+              <a:t>CICLO DE VIDA</a:t>
+            </a:r>
+            <a:endParaRPr/>
+          </a:p>
+          <a:p>
+            <a:pPr indent="0" lvl="0" marL="0" rtl="0" algn="ctr">
+              <a:spcBef>
+                <a:spcPts val="0"/>
+              </a:spcBef>
+              <a:spcAft>
+                <a:spcPts val="0"/>
+              </a:spcAft>
+              <a:buNone/>
+            </a:pPr>
+            <a:r>
               <a:rPr lang="es"/>
-              <a:t>Cómo llevarlas a cabo</a:t>
+              <a:t>UNIT TESTING</a:t>
+            </a:r>
+            <a:endParaRPr/>
+          </a:p>
+          <a:p>
+            <a:pPr indent="0" lvl="0" marL="0" rtl="0" algn="l">
+              <a:spcBef>
+                <a:spcPts val="0"/>
+              </a:spcBef>
+              <a:spcAft>
+                <a:spcPts val="0"/>
+              </a:spcAft>
+              <a:buNone/>
+            </a:pPr>
+            <a:r>
+              <a:t/>
             </a:r>
             <a:endParaRPr/>
           </a:p>
         </p:txBody>
       </p:sp>
+      <p:cxnSp>
+        <p:nvCxnSpPr>
+          <p:cNvPr id="106" name="Google Shape;106;p18"/>
+          <p:cNvCxnSpPr>
+            <a:stCxn id="96" idx="3"/>
+            <a:endCxn id="95" idx="4"/>
+          </p:cNvCxnSpPr>
+          <p:nvPr/>
+        </p:nvCxnSpPr>
+        <p:spPr>
+          <a:xfrm flipH="1" rot="5400000">
+            <a:off x="3028724" y="3567033"/>
+            <a:ext cx="778800" cy="1412700"/>
+          </a:xfrm>
+          <a:prstGeom prst="curvedConnector3">
+            <a:avLst>
+              <a:gd fmla="val 4463" name="adj1"/>
+            </a:avLst>
+          </a:prstGeom>
+          <a:noFill/>
+          <a:ln cap="flat" cmpd="sng" w="28575">
+            <a:solidFill>
+              <a:srgbClr val="DD7E6B"/>
+            </a:solidFill>
+            <a:prstDash val="solid"/>
+            <a:round/>
+            <a:headEnd len="med" w="med" type="none"/>
+            <a:tailEnd len="med" w="med" type="stealth"/>
+          </a:ln>
+        </p:spPr>
+      </p:cxnSp>
+      <p:cxnSp>
+        <p:nvCxnSpPr>
+          <p:cNvPr id="107" name="Google Shape;107;p18"/>
+          <p:cNvCxnSpPr>
+            <a:stCxn id="98" idx="7"/>
+            <a:endCxn id="97" idx="0"/>
+          </p:cNvCxnSpPr>
+          <p:nvPr/>
+        </p:nvCxnSpPr>
+        <p:spPr>
+          <a:xfrm flipH="1" rot="-5400000">
+            <a:off x="5367399" y="-8683"/>
+            <a:ext cx="562500" cy="1244100"/>
+          </a:xfrm>
+          <a:prstGeom prst="curvedConnector3">
+            <a:avLst>
+              <a:gd fmla="val -5541" name="adj1"/>
+            </a:avLst>
+          </a:prstGeom>
+          <a:noFill/>
+          <a:ln cap="flat" cmpd="sng" w="28575">
+            <a:solidFill>
+              <a:srgbClr val="DD7E6B"/>
+            </a:solidFill>
+            <a:prstDash val="solid"/>
+            <a:round/>
+            <a:headEnd len="med" w="med" type="none"/>
+            <a:tailEnd len="med" w="med" type="stealth"/>
+          </a:ln>
+        </p:spPr>
+      </p:cxnSp>
+    </p:spTree>
+  </p:cSld>
+  <p:clrMapOvr>
+    <a:masterClrMapping/>
+  </p:clrMapOvr>
+</p:sld>
+</file>
+
+<file path=ppt/slides/slide7.xml><?xml version="1.0" encoding="utf-8"?>
+<p:sld xmlns:a="http://schemas.openxmlformats.org/drawingml/2006/main" xmlns:r="http://schemas.openxmlformats.org/officeDocument/2006/relationships" xmlns:mc="http://schemas.openxmlformats.org/markup-compatibility/2006" xmlns:mv="urn:schemas-microsoft-com:mac:vml" xmlns:p="http://schemas.openxmlformats.org/presentationml/2006/main" xmlns:c="http://schemas.openxmlformats.org/drawingml/2006/chart" xmlns:dgm="http://schemas.openxmlformats.org/drawingml/2006/diagram" xmlns:o="urn:schemas-microsoft-com:office:office" xmlns:v="urn:schemas-microsoft-com:vml" xmlns:pvml="urn:schemas-microsoft-com:office:powerpoint" xmlns:com="http://schemas.openxmlformats.org/drawingml/2006/compatibility" xmlns:p14="http://schemas.microsoft.com/office/powerpoint/2010/main" xmlns:p15="http://schemas.microsoft.com/office/powerpoint/2012/main" xmlns:ahyp="http://schemas.microsoft.com/office/drawing/2018/hyperlinkcolor">
+  <p:cSld>
+    <p:spTree>
+      <p:nvGrpSpPr>
+        <p:cNvPr id="111" name="Shape 111"/>
+        <p:cNvGrpSpPr/>
+        <p:nvPr/>
+      </p:nvGrpSpPr>
+      <p:grpSpPr>
+        <a:xfrm>
+          <a:off x="0" y="0"/>
+          <a:ext cx="0" cy="0"/>
+          <a:chOff x="0" y="0"/>
+          <a:chExt cx="0" cy="0"/>
+        </a:xfrm>
+      </p:grpSpPr>
+      <p:pic>
+        <p:nvPicPr>
+          <p:cNvPr id="112" name="Google Shape;112;p19"/>
+          <p:cNvPicPr preferRelativeResize="0"/>
+          <p:nvPr/>
+        </p:nvPicPr>
+        <p:blipFill>
+          <a:blip r:embed="rId3">
+            <a:alphaModFix/>
+          </a:blip>
+          <a:stretch>
+            <a:fillRect/>
+          </a:stretch>
+        </p:blipFill>
+        <p:spPr>
+          <a:xfrm>
+            <a:off x="316388" y="317113"/>
+            <a:ext cx="8511226" cy="4509276"/>
+          </a:xfrm>
+          <a:prstGeom prst="rect">
+            <a:avLst/>
+          </a:prstGeom>
+          <a:noFill/>
+          <a:ln>
+            <a:noFill/>
+          </a:ln>
+        </p:spPr>
+      </p:pic>
     </p:spTree>
   </p:cSld>
   <p:clrMapOvr>
@@ -10127,79 +10389,288 @@
           <a:chExt cx="0" cy="0"/>
         </a:xfrm>
       </p:grpSpPr>
-      <p:sp>
-        <p:nvSpPr>
+      <p:pic>
+        <p:nvPicPr>
           <p:cNvPr id="117" name="Google Shape;117;p20"/>
-          <p:cNvSpPr txBox="1"/>
-          <p:nvPr>
-            <p:ph type="title"/>
-          </p:nvPr>
-        </p:nvSpPr>
+          <p:cNvPicPr preferRelativeResize="0"/>
+          <p:nvPr/>
+        </p:nvPicPr>
+        <p:blipFill>
+          <a:blip r:embed="rId3">
+            <a:alphaModFix/>
+          </a:blip>
+          <a:stretch>
+            <a:fillRect/>
+          </a:stretch>
+        </p:blipFill>
         <p:spPr>
           <a:xfrm>
-            <a:off x="246250" y="276650"/>
-            <a:ext cx="8520600" cy="831300"/>
+            <a:off x="5557250" y="3185750"/>
+            <a:ext cx="3355775" cy="1957750"/>
           </a:xfrm>
           <a:prstGeom prst="rect">
             <a:avLst/>
           </a:prstGeom>
-          <a:ln cap="flat" cmpd="sng" w="9525">
-            <a:solidFill>
-              <a:srgbClr val="EA9999"/>
-            </a:solidFill>
-            <a:prstDash val="solid"/>
-            <a:round/>
-            <a:headEnd len="sm" w="sm" type="none"/>
-            <a:tailEnd len="sm" w="sm" type="none"/>
+          <a:noFill/>
+          <a:ln>
+            <a:noFill/>
+          </a:ln>
+        </p:spPr>
+      </p:pic>
+      <p:sp>
+        <p:nvSpPr>
+          <p:cNvPr id="118" name="Google Shape;118;p20"/>
+          <p:cNvSpPr txBox="1"/>
+          <p:nvPr/>
+        </p:nvSpPr>
+        <p:spPr>
+          <a:xfrm>
+            <a:off x="3801600" y="100050"/>
+            <a:ext cx="5277300" cy="2471700"/>
+          </a:xfrm>
+          <a:prstGeom prst="rect">
+            <a:avLst/>
+          </a:prstGeom>
+          <a:noFill/>
+          <a:ln>
+            <a:noFill/>
           </a:ln>
         </p:spPr>
         <p:txBody>
-          <a:bodyPr anchorCtr="0" anchor="b" bIns="91425" lIns="91425" spcFirstLastPara="1" rIns="91425" wrap="square" tIns="91425">
-            <a:normAutofit/>
+          <a:bodyPr anchorCtr="0" anchor="t" bIns="91425" lIns="91425" spcFirstLastPara="1" rIns="91425" wrap="square" tIns="91425">
+            <a:noAutofit/>
           </a:bodyPr>
           <a:lstStyle/>
           <a:p>
-            <a:pPr indent="0" lvl="0" marL="0" rtl="0" algn="ctr">
-              <a:spcBef>
-                <a:spcPts val="0"/>
-              </a:spcBef>
-              <a:spcAft>
-                <a:spcPts val="0"/>
-              </a:spcAft>
-              <a:buNone/>
+            <a:pPr indent="-330200" lvl="0" marL="457200" rtl="0" algn="l">
+              <a:spcBef>
+                <a:spcPts val="0"/>
+              </a:spcBef>
+              <a:spcAft>
+                <a:spcPts val="0"/>
+              </a:spcAft>
+              <a:buClr>
+                <a:srgbClr val="202124"/>
+              </a:buClr>
+              <a:buSzPts val="1600"/>
+              <a:buChar char="●"/>
             </a:pPr>
             <a:r>
-              <a:rPr lang="es"/>
-              <a:t>Buenas Prácticas para Unit  Testing</a:t>
-            </a:r>
-            <a:endParaRPr/>
+              <a:rPr b="1" lang="es" sz="1600">
+                <a:solidFill>
+                  <a:srgbClr val="202124"/>
+                </a:solidFill>
+                <a:highlight>
+                  <a:srgbClr val="F8F9FA"/>
+                </a:highlight>
+              </a:rPr>
+              <a:t>NUnit</a:t>
+            </a:r>
+            <a:r>
+              <a:rPr lang="es" sz="1600">
+                <a:solidFill>
+                  <a:srgbClr val="202124"/>
+                </a:solidFill>
+                <a:highlight>
+                  <a:srgbClr val="F8F9FA"/>
+                </a:highlight>
+              </a:rPr>
+              <a:t> facilita las pruebas de automatización con C #, ya que es compatible con marcos de automatización de pruebas populares como Selenium.</a:t>
+            </a:r>
+            <a:endParaRPr sz="1600">
+              <a:solidFill>
+                <a:srgbClr val="202124"/>
+              </a:solidFill>
+              <a:highlight>
+                <a:srgbClr val="F8F9FA"/>
+              </a:highlight>
+            </a:endParaRPr>
+          </a:p>
+          <a:p>
+            <a:pPr indent="0" lvl="0" marL="457200" rtl="0" algn="l">
+              <a:spcBef>
+                <a:spcPts val="0"/>
+              </a:spcBef>
+              <a:spcAft>
+                <a:spcPts val="0"/>
+              </a:spcAft>
+              <a:buNone/>
+            </a:pPr>
+            <a:r>
+              <a:t/>
+            </a:r>
+            <a:endParaRPr sz="1600">
+              <a:solidFill>
+                <a:srgbClr val="202124"/>
+              </a:solidFill>
+              <a:highlight>
+                <a:srgbClr val="F8F9FA"/>
+              </a:highlight>
+            </a:endParaRPr>
+          </a:p>
+          <a:p>
+            <a:pPr indent="-330200" lvl="0" marL="457200" rtl="0" algn="l">
+              <a:spcBef>
+                <a:spcPts val="0"/>
+              </a:spcBef>
+              <a:spcAft>
+                <a:spcPts val="0"/>
+              </a:spcAft>
+              <a:buClr>
+                <a:srgbClr val="202124"/>
+              </a:buClr>
+              <a:buSzPts val="1600"/>
+              <a:buChar char="●"/>
+            </a:pPr>
+            <a:r>
+              <a:rPr b="1" lang="es" sz="1600">
+                <a:solidFill>
+                  <a:srgbClr val="202124"/>
+                </a:solidFill>
+                <a:highlight>
+                  <a:srgbClr val="F8F9FA"/>
+                </a:highlight>
+              </a:rPr>
+              <a:t>NUnit annotations </a:t>
+            </a:r>
+            <a:r>
+              <a:rPr lang="es" sz="1600">
+                <a:solidFill>
+                  <a:srgbClr val="202124"/>
+                </a:solidFill>
+                <a:highlight>
+                  <a:srgbClr val="F8F9FA"/>
+                </a:highlight>
+              </a:rPr>
+              <a:t>(Tags) ayuda a acelerar el desarrollo y la ejecución de pruebas, ya que las pruebas se pueden ejecutar con diferentes valores de entrada.</a:t>
+            </a:r>
+            <a:endParaRPr sz="1600">
+              <a:solidFill>
+                <a:srgbClr val="202124"/>
+              </a:solidFill>
+              <a:highlight>
+                <a:srgbClr val="F8F9FA"/>
+              </a:highlight>
+            </a:endParaRPr>
+          </a:p>
+          <a:p>
+            <a:pPr indent="0" lvl="0" marL="457200" rtl="0" algn="l">
+              <a:spcBef>
+                <a:spcPts val="0"/>
+              </a:spcBef>
+              <a:spcAft>
+                <a:spcPts val="0"/>
+              </a:spcAft>
+              <a:buNone/>
+            </a:pPr>
+            <a:r>
+              <a:t/>
+            </a:r>
+            <a:endParaRPr sz="1600">
+              <a:solidFill>
+                <a:srgbClr val="202124"/>
+              </a:solidFill>
+              <a:highlight>
+                <a:srgbClr val="F8F9FA"/>
+              </a:highlight>
+            </a:endParaRPr>
+          </a:p>
+          <a:p>
+            <a:pPr indent="-330200" lvl="0" marL="457200" rtl="0" algn="l">
+              <a:spcBef>
+                <a:spcPts val="0"/>
+              </a:spcBef>
+              <a:spcAft>
+                <a:spcPts val="0"/>
+              </a:spcAft>
+              <a:buClr>
+                <a:srgbClr val="202124"/>
+              </a:buClr>
+              <a:buSzPts val="1600"/>
+              <a:buChar char="●"/>
+            </a:pPr>
+            <a:r>
+              <a:rPr b="1" lang="es" sz="1600">
+                <a:solidFill>
+                  <a:srgbClr val="202124"/>
+                </a:solidFill>
+                <a:highlight>
+                  <a:srgbClr val="F8F9FA"/>
+                </a:highlight>
+              </a:rPr>
+              <a:t>TDD</a:t>
+            </a:r>
+            <a:r>
+              <a:rPr lang="es" sz="1600">
+                <a:solidFill>
+                  <a:srgbClr val="202124"/>
+                </a:solidFill>
+                <a:highlight>
+                  <a:srgbClr val="F8F9FA"/>
+                </a:highlight>
+              </a:rPr>
+              <a:t> (Test Driven Development) se utiliza para localizar problemas (o errores) durante las primeras etapas del desarrollo del producto. </a:t>
+            </a:r>
+            <a:endParaRPr sz="1600">
+              <a:solidFill>
+                <a:srgbClr val="202124"/>
+              </a:solidFill>
+              <a:highlight>
+                <a:srgbClr val="F8F9FA"/>
+              </a:highlight>
+            </a:endParaRPr>
+          </a:p>
+          <a:p>
+            <a:pPr indent="0" lvl="0" marL="0" rtl="0" algn="l">
+              <a:spcBef>
+                <a:spcPts val="0"/>
+              </a:spcBef>
+              <a:spcAft>
+                <a:spcPts val="0"/>
+              </a:spcAft>
+              <a:buNone/>
+            </a:pPr>
+            <a:r>
+              <a:t/>
+            </a:r>
+            <a:endParaRPr>
+              <a:latin typeface="Open Sans"/>
+              <a:ea typeface="Open Sans"/>
+              <a:cs typeface="Open Sans"/>
+              <a:sym typeface="Open Sans"/>
+            </a:endParaRPr>
           </a:p>
         </p:txBody>
       </p:sp>
       <p:sp>
         <p:nvSpPr>
-          <p:cNvPr id="118" name="Google Shape;118;p20"/>
+          <p:cNvPr id="119" name="Google Shape;119;p20"/>
           <p:cNvSpPr txBox="1"/>
-          <p:nvPr>
-            <p:ph idx="1" type="body"/>
-          </p:nvPr>
+          <p:nvPr/>
         </p:nvSpPr>
         <p:spPr>
           <a:xfrm>
-            <a:off x="311700" y="1225225"/>
-            <a:ext cx="8520600" cy="3354000"/>
+            <a:off x="0" y="3009125"/>
+            <a:ext cx="5315100" cy="1759200"/>
           </a:xfrm>
           <a:prstGeom prst="rect">
             <a:avLst/>
           </a:prstGeom>
+          <a:noFill/>
+          <a:ln>
+            <a:noFill/>
+          </a:ln>
         </p:spPr>
         <p:txBody>
           <a:bodyPr anchorCtr="0" anchor="t" bIns="91425" lIns="91425" spcFirstLastPara="1" rIns="91425" wrap="square" tIns="91425">
-            <a:normAutofit/>
+            <a:noAutofit/>
           </a:bodyPr>
           <a:lstStyle/>
           <a:p>
-            <a:pPr indent="0" lvl="0" marL="0" rtl="0" algn="l">
+            <a:pPr indent="0" lvl="0" marL="0" marR="38100" rtl="0" algn="l">
+              <a:lnSpc>
+                <a:spcPct val="128571"/>
+              </a:lnSpc>
               <a:spcBef>
                 <a:spcPts val="0"/>
               </a:spcBef>
@@ -10211,262 +10682,124 @@
             <a:r>
               <a:t/>
             </a:r>
-            <a:endParaRPr sz="1350">
+            <a:endParaRPr sz="1700">
               <a:solidFill>
-                <a:srgbClr val="404040"/>
+                <a:srgbClr val="202124"/>
               </a:solidFill>
               <a:highlight>
-                <a:srgbClr val="FFFFFF"/>
+                <a:srgbClr val="F8F9FA"/>
               </a:highlight>
-              <a:latin typeface="Montserrat"/>
-              <a:ea typeface="Montserrat"/>
-              <a:cs typeface="Montserrat"/>
-              <a:sym typeface="Montserrat"/>
             </a:endParaRPr>
           </a:p>
           <a:p>
-            <a:pPr indent="-327025" lvl="0" marL="630000" rtl="0" algn="l">
-              <a:spcBef>
-                <a:spcPts val="1200"/>
+            <a:pPr indent="-336550" lvl="0" marL="457200" marR="38100" rtl="0" algn="l">
+              <a:lnSpc>
+                <a:spcPct val="128571"/>
+              </a:lnSpc>
+              <a:spcBef>
+                <a:spcPts val="0"/>
               </a:spcBef>
               <a:spcAft>
                 <a:spcPts val="0"/>
               </a:spcAft>
               <a:buClr>
-                <a:schemeClr val="lt2"/>
+                <a:srgbClr val="202124"/>
               </a:buClr>
-              <a:buSzPts val="1550"/>
-              <a:buFont typeface="Montserrat"/>
+              <a:buSzPts val="1700"/>
               <a:buChar char="●"/>
             </a:pPr>
             <a:r>
-              <a:rPr lang="es" sz="1550">
-                <a:solidFill>
-                  <a:srgbClr val="404040"/>
+              <a:rPr lang="es" sz="1700">
+                <a:solidFill>
+                  <a:srgbClr val="202124"/>
                 </a:solidFill>
                 <a:highlight>
-                  <a:srgbClr val="FFFFFF"/>
+                  <a:srgbClr val="F8F9FA"/>
                 </a:highlight>
-                <a:latin typeface="Montserrat"/>
-                <a:ea typeface="Montserrat"/>
-                <a:cs typeface="Montserrat"/>
-                <a:sym typeface="Montserrat"/>
               </a:rPr>
-              <a:t>Prueba sólo un código a la vez.</a:t>
-            </a:r>
-            <a:endParaRPr sz="1550">
+              <a:t>Con </a:t>
+            </a:r>
+            <a:r>
+              <a:rPr b="1" lang="es" sz="1700">
+                <a:solidFill>
+                  <a:srgbClr val="202124"/>
+                </a:solidFill>
+                <a:highlight>
+                  <a:srgbClr val="F8F9FA"/>
+                </a:highlight>
+              </a:rPr>
+              <a:t>NUnit</a:t>
+            </a:r>
+            <a:r>
+              <a:rPr lang="es" sz="1700">
+                <a:solidFill>
+                  <a:srgbClr val="202124"/>
+                </a:solidFill>
+                <a:highlight>
+                  <a:srgbClr val="F8F9FA"/>
+                </a:highlight>
+              </a:rPr>
+              <a:t>, puede ejecutar casos de prueba desde  la consola a través de una herramienta de prueba de automatización de terceros o el Adaptador de prueba NUnit dentro de Visual Studio</a:t>
+            </a:r>
+            <a:endParaRPr sz="1700">
               <a:solidFill>
-                <a:srgbClr val="404040"/>
+                <a:srgbClr val="202124"/>
               </a:solidFill>
               <a:highlight>
-                <a:srgbClr val="FFFFFF"/>
+                <a:srgbClr val="F8F9FA"/>
               </a:highlight>
-              <a:latin typeface="Montserrat"/>
-              <a:ea typeface="Montserrat"/>
-              <a:cs typeface="Montserrat"/>
-              <a:sym typeface="Montserrat"/>
-            </a:endParaRPr>
-          </a:p>
-          <a:p>
-            <a:pPr indent="-327025" lvl="0" marL="630000" rtl="0" algn="l">
-              <a:spcBef>
-                <a:spcPts val="0"/>
-              </a:spcBef>
-              <a:spcAft>
-                <a:spcPts val="0"/>
-              </a:spcAft>
-              <a:buClr>
-                <a:schemeClr val="lt2"/>
-              </a:buClr>
-              <a:buSzPts val="1550"/>
-              <a:buFont typeface="Montserrat"/>
-              <a:buChar char="●"/>
-            </a:pPr>
-            <a:r>
-              <a:rPr lang="es" sz="1550">
-                <a:solidFill>
-                  <a:srgbClr val="404040"/>
-                </a:solidFill>
-                <a:highlight>
-                  <a:srgbClr val="FFFFFF"/>
-                </a:highlight>
-                <a:latin typeface="Montserrat"/>
-                <a:ea typeface="Montserrat"/>
-                <a:cs typeface="Montserrat"/>
-                <a:sym typeface="Montserrat"/>
-              </a:rPr>
-              <a:t>Las pruebas unitarias deberían ser independientes.</a:t>
-            </a:r>
-            <a:endParaRPr sz="1550">
-              <a:solidFill>
-                <a:srgbClr val="404040"/>
-              </a:solidFill>
-              <a:highlight>
-                <a:srgbClr val="FFFFFF"/>
-              </a:highlight>
-              <a:latin typeface="Montserrat"/>
-              <a:ea typeface="Montserrat"/>
-              <a:cs typeface="Montserrat"/>
-              <a:sym typeface="Montserrat"/>
-            </a:endParaRPr>
-          </a:p>
-          <a:p>
-            <a:pPr indent="-327025" lvl="0" marL="630000" rtl="0" algn="l">
-              <a:spcBef>
-                <a:spcPts val="0"/>
-              </a:spcBef>
-              <a:spcAft>
-                <a:spcPts val="0"/>
-              </a:spcAft>
-              <a:buClr>
-                <a:schemeClr val="lt2"/>
-              </a:buClr>
-              <a:buSzPts val="1550"/>
-              <a:buFont typeface="Montserrat"/>
-              <a:buChar char="●"/>
-            </a:pPr>
-            <a:r>
-              <a:rPr lang="es" sz="1550">
-                <a:solidFill>
-                  <a:srgbClr val="404040"/>
-                </a:solidFill>
-                <a:highlight>
-                  <a:srgbClr val="FFFFFF"/>
-                </a:highlight>
-                <a:latin typeface="Montserrat"/>
-                <a:ea typeface="Montserrat"/>
-                <a:cs typeface="Montserrat"/>
-                <a:sym typeface="Montserrat"/>
-              </a:rPr>
-              <a:t>Cualquier cambio necesita pasar el test.</a:t>
-            </a:r>
-            <a:endParaRPr sz="1550">
-              <a:solidFill>
-                <a:srgbClr val="404040"/>
-              </a:solidFill>
-              <a:highlight>
-                <a:srgbClr val="FFFFFF"/>
-              </a:highlight>
-              <a:latin typeface="Montserrat"/>
-              <a:ea typeface="Montserrat"/>
-              <a:cs typeface="Montserrat"/>
-              <a:sym typeface="Montserrat"/>
-            </a:endParaRPr>
-          </a:p>
-          <a:p>
-            <a:pPr indent="-327025" lvl="0" marL="630000" rtl="0" algn="l">
-              <a:spcBef>
-                <a:spcPts val="0"/>
-              </a:spcBef>
-              <a:spcAft>
-                <a:spcPts val="0"/>
-              </a:spcAft>
-              <a:buClr>
-                <a:schemeClr val="lt2"/>
-              </a:buClr>
-              <a:buSzPts val="1550"/>
-              <a:buFont typeface="Montserrat"/>
-              <a:buChar char="●"/>
-            </a:pPr>
-            <a:r>
-              <a:rPr lang="es" sz="1550">
-                <a:solidFill>
-                  <a:srgbClr val="404040"/>
-                </a:solidFill>
-                <a:highlight>
-                  <a:srgbClr val="FFFFFF"/>
-                </a:highlight>
-                <a:latin typeface="Montserrat"/>
-                <a:ea typeface="Montserrat"/>
-                <a:cs typeface="Montserrat"/>
-                <a:sym typeface="Montserrat"/>
-              </a:rPr>
-              <a:t>Corrige los bugs identificados durante las pruebas antes de continuar. </a:t>
-            </a:r>
-            <a:endParaRPr sz="1550">
-              <a:solidFill>
-                <a:srgbClr val="404040"/>
-              </a:solidFill>
-              <a:highlight>
-                <a:srgbClr val="FFFFFF"/>
-              </a:highlight>
-              <a:latin typeface="Montserrat"/>
-              <a:ea typeface="Montserrat"/>
-              <a:cs typeface="Montserrat"/>
-              <a:sym typeface="Montserrat"/>
-            </a:endParaRPr>
-          </a:p>
-          <a:p>
-            <a:pPr indent="-327025" lvl="0" marL="630000" rtl="0" algn="l">
-              <a:spcBef>
-                <a:spcPts val="0"/>
-              </a:spcBef>
-              <a:spcAft>
-                <a:spcPts val="0"/>
-              </a:spcAft>
-              <a:buClr>
-                <a:schemeClr val="lt2"/>
-              </a:buClr>
-              <a:buSzPts val="1550"/>
-              <a:buFont typeface="Montserrat"/>
-              <a:buChar char="●"/>
-            </a:pPr>
-            <a:r>
-              <a:rPr lang="es" sz="1550">
-                <a:solidFill>
-                  <a:srgbClr val="404040"/>
-                </a:solidFill>
-                <a:highlight>
-                  <a:srgbClr val="FFFFFF"/>
-                </a:highlight>
-                <a:latin typeface="Montserrat"/>
-                <a:ea typeface="Montserrat"/>
-                <a:cs typeface="Montserrat"/>
-                <a:sym typeface="Montserrat"/>
-              </a:rPr>
-              <a:t>Acostúmbrate a realizar pruebas regularmente mientras programa.</a:t>
-            </a:r>
-            <a:endParaRPr sz="1550">
-              <a:solidFill>
-                <a:srgbClr val="404040"/>
-              </a:solidFill>
-              <a:highlight>
-                <a:srgbClr val="FFFFFF"/>
-              </a:highlight>
-              <a:latin typeface="Montserrat"/>
-              <a:ea typeface="Montserrat"/>
-              <a:cs typeface="Montserrat"/>
-              <a:sym typeface="Montserrat"/>
             </a:endParaRPr>
           </a:p>
           <a:p>
             <a:pPr indent="0" lvl="0" marL="0" rtl="0" algn="l">
               <a:spcBef>
-                <a:spcPts val="1200"/>
-              </a:spcBef>
-              <a:spcAft>
-                <a:spcPts val="1200"/>
+                <a:spcPts val="0"/>
+              </a:spcBef>
+              <a:spcAft>
+                <a:spcPts val="0"/>
               </a:spcAft>
               <a:buNone/>
             </a:pPr>
             <a:r>
               <a:t/>
             </a:r>
-            <a:endParaRPr sz="1350">
-              <a:solidFill>
-                <a:srgbClr val="404040"/>
-              </a:solidFill>
-              <a:highlight>
-                <a:srgbClr val="FFFFFF"/>
-              </a:highlight>
-              <a:latin typeface="Montserrat"/>
-              <a:ea typeface="Montserrat"/>
-              <a:cs typeface="Montserrat"/>
-              <a:sym typeface="Montserrat"/>
+            <a:endParaRPr>
+              <a:latin typeface="Open Sans"/>
+              <a:ea typeface="Open Sans"/>
+              <a:cs typeface="Open Sans"/>
+              <a:sym typeface="Open Sans"/>
             </a:endParaRPr>
           </a:p>
         </p:txBody>
       </p:sp>
+      <p:pic>
+        <p:nvPicPr>
+          <p:cNvPr id="120" name="Google Shape;120;p20"/>
+          <p:cNvPicPr preferRelativeResize="0"/>
+          <p:nvPr/>
+        </p:nvPicPr>
+        <p:blipFill>
+          <a:blip r:embed="rId4">
+            <a:alphaModFix/>
+          </a:blip>
+          <a:stretch>
+            <a:fillRect/>
+          </a:stretch>
+        </p:blipFill>
+        <p:spPr>
+          <a:xfrm>
+            <a:off x="77375" y="219300"/>
+            <a:ext cx="3855800" cy="2643225"/>
+          </a:xfrm>
+          <a:prstGeom prst="rect">
+            <a:avLst/>
+          </a:prstGeom>
+          <a:noFill/>
+          <a:ln>
+            <a:noFill/>
+          </a:ln>
+        </p:spPr>
+      </p:pic>
     </p:spTree>
   </p:cSld>
   <p:clrMapOvr>
@@ -10480,7 +10813,7 @@
   <p:cSld>
     <p:spTree>
       <p:nvGrpSpPr>
-        <p:cNvPr id="122" name="Shape 122"/>
+        <p:cNvPr id="124" name="Shape 124"/>
         <p:cNvGrpSpPr/>
         <p:nvPr/>
       </p:nvGrpSpPr>
@@ -10492,158 +10825,44 @@
           <a:chExt cx="0" cy="0"/>
         </a:xfrm>
       </p:grpSpPr>
-      <p:sp>
-        <p:nvSpPr>
-          <p:cNvPr id="123" name="Google Shape;123;p21"/>
-          <p:cNvSpPr txBox="1"/>
-          <p:nvPr>
-            <p:ph type="title"/>
-          </p:nvPr>
-        </p:nvSpPr>
+      <p:pic>
+        <p:nvPicPr>
+          <p:cNvPr id="125" name="Google Shape;125;p21"/>
+          <p:cNvPicPr preferRelativeResize="0"/>
+          <p:nvPr/>
+        </p:nvPicPr>
+        <p:blipFill>
+          <a:blip r:embed="rId3">
+            <a:alphaModFix/>
+          </a:blip>
+          <a:stretch>
+            <a:fillRect/>
+          </a:stretch>
+        </p:blipFill>
         <p:spPr>
           <a:xfrm>
-            <a:off x="437875" y="916075"/>
-            <a:ext cx="8520600" cy="831300"/>
+            <a:off x="639725" y="724400"/>
+            <a:ext cx="1669025" cy="1669025"/>
           </a:xfrm>
           <a:prstGeom prst="rect">
             <a:avLst/>
           </a:prstGeom>
-          <a:ln cap="flat" cmpd="sng" w="9525">
-            <a:solidFill>
-              <a:srgbClr val="A4C2F4"/>
-            </a:solidFill>
-            <a:prstDash val="solid"/>
-            <a:round/>
-            <a:headEnd len="sm" w="sm" type="none"/>
-            <a:tailEnd len="sm" w="sm" type="none"/>
-          </a:ln>
-        </p:spPr>
-        <p:txBody>
-          <a:bodyPr anchorCtr="0" anchor="b" bIns="91425" lIns="91425" spcFirstLastPara="1" rIns="91425" wrap="square" tIns="91425">
-            <a:normAutofit/>
-          </a:bodyPr>
-          <a:lstStyle/>
-          <a:p>
-            <a:pPr indent="0" lvl="0" marL="0" rtl="0" algn="ctr">
-              <a:spcBef>
-                <a:spcPts val="0"/>
-              </a:spcBef>
-              <a:spcAft>
-                <a:spcPts val="0"/>
-              </a:spcAft>
-              <a:buNone/>
-            </a:pPr>
-            <a:r>
-              <a:rPr lang="es"/>
-              <a:t>Hay distintos tipos de Unit Testing:</a:t>
-            </a:r>
-            <a:endParaRPr/>
-          </a:p>
-        </p:txBody>
-      </p:sp>
-      <p:sp>
-        <p:nvSpPr>
-          <p:cNvPr id="124" name="Google Shape;124;p21"/>
-          <p:cNvSpPr txBox="1"/>
-          <p:nvPr>
-            <p:ph idx="1" type="body"/>
-          </p:nvPr>
-        </p:nvSpPr>
-        <p:spPr>
-          <a:xfrm>
-            <a:off x="911850" y="1958250"/>
-            <a:ext cx="7320300" cy="2534100"/>
-          </a:xfrm>
-          <a:prstGeom prst="rect">
-            <a:avLst/>
-          </a:prstGeom>
+          <a:noFill/>
           <a:ln>
             <a:noFill/>
           </a:ln>
         </p:spPr>
-        <p:txBody>
-          <a:bodyPr anchorCtr="0" anchor="t" bIns="91425" lIns="91425" spcFirstLastPara="1" rIns="91425" wrap="square" tIns="91425">
-            <a:normAutofit/>
-          </a:bodyPr>
-          <a:lstStyle/>
-          <a:p>
-            <a:pPr indent="-355600" lvl="0" marL="457200" rtl="0" algn="l">
-              <a:spcBef>
-                <a:spcPts val="0"/>
-              </a:spcBef>
-              <a:spcAft>
-                <a:spcPts val="0"/>
-              </a:spcAft>
-              <a:buSzPts val="2000"/>
-              <a:buChar char="●"/>
-            </a:pPr>
-            <a:r>
-              <a:rPr i="1" lang="es" sz="2000"/>
-              <a:t>NUTest</a:t>
-            </a:r>
-            <a:endParaRPr i="1" sz="2000"/>
-          </a:p>
-          <a:p>
-            <a:pPr indent="-355600" lvl="0" marL="457200" rtl="0" algn="l">
-              <a:spcBef>
-                <a:spcPts val="0"/>
-              </a:spcBef>
-              <a:spcAft>
-                <a:spcPts val="0"/>
-              </a:spcAft>
-              <a:buSzPts val="2000"/>
-              <a:buChar char="●"/>
-            </a:pPr>
-            <a:r>
-              <a:rPr i="1" lang="es" sz="2000"/>
-              <a:t>MSTest</a:t>
-            </a:r>
-            <a:endParaRPr i="1" sz="2000"/>
-          </a:p>
-          <a:p>
-            <a:pPr indent="-355600" lvl="0" marL="457200" rtl="0" algn="l">
-              <a:spcBef>
-                <a:spcPts val="0"/>
-              </a:spcBef>
-              <a:spcAft>
-                <a:spcPts val="0"/>
-              </a:spcAft>
-              <a:buSzPts val="2000"/>
-              <a:buChar char="●"/>
-            </a:pPr>
-            <a:r>
-              <a:rPr i="1" lang="es" sz="2000"/>
-              <a:t>XTest</a:t>
-            </a:r>
-            <a:endParaRPr i="1" sz="2000"/>
-          </a:p>
-          <a:p>
-            <a:pPr indent="0" lvl="0" marL="457200" rtl="0" algn="l">
-              <a:spcBef>
-                <a:spcPts val="1200"/>
-              </a:spcBef>
-              <a:spcAft>
-                <a:spcPts val="1200"/>
-              </a:spcAft>
-              <a:buNone/>
-            </a:pPr>
-            <a:r>
-              <a:t/>
-            </a:r>
-            <a:endParaRPr b="1"/>
-          </a:p>
-        </p:txBody>
-      </p:sp>
+      </p:pic>
       <p:sp>
         <p:nvSpPr>
-          <p:cNvPr id="125" name="Google Shape;125;p21"/>
+          <p:cNvPr id="126" name="Google Shape;126;p21"/>
           <p:cNvSpPr txBox="1"/>
           <p:nvPr/>
         </p:nvSpPr>
         <p:spPr>
           <a:xfrm>
-            <a:off x="879975" y="1958250"/>
-            <a:ext cx="1821900" cy="1301400"/>
+            <a:off x="1008632" y="262700"/>
+            <a:ext cx="931200" cy="461700"/>
           </a:xfrm>
           <a:prstGeom prst="rect">
             <a:avLst/>
@@ -10669,9 +10888,15 @@
               <a:buNone/>
             </a:pPr>
             <a:r>
-              <a:t/>
-            </a:r>
-            <a:endParaRPr>
+              <a:rPr b="1" lang="es" sz="1800">
+                <a:latin typeface="Open Sans"/>
+                <a:ea typeface="Open Sans"/>
+                <a:cs typeface="Open Sans"/>
+                <a:sym typeface="Open Sans"/>
+              </a:rPr>
+              <a:t>XUnit</a:t>
+            </a:r>
+            <a:endParaRPr b="1" sz="1800">
               <a:latin typeface="Open Sans"/>
               <a:ea typeface="Open Sans"/>
               <a:cs typeface="Open Sans"/>
@@ -10680,6 +10905,532 @@
           </a:p>
         </p:txBody>
       </p:sp>
+      <p:sp>
+        <p:nvSpPr>
+          <p:cNvPr id="127" name="Google Shape;127;p21"/>
+          <p:cNvSpPr txBox="1"/>
+          <p:nvPr/>
+        </p:nvSpPr>
+        <p:spPr>
+          <a:xfrm>
+            <a:off x="3206400" y="-86775"/>
+            <a:ext cx="5937600" cy="3914100"/>
+          </a:xfrm>
+          <a:prstGeom prst="rect">
+            <a:avLst/>
+          </a:prstGeom>
+          <a:noFill/>
+          <a:ln>
+            <a:noFill/>
+          </a:ln>
+        </p:spPr>
+        <p:txBody>
+          <a:bodyPr anchorCtr="0" anchor="t" bIns="91425" lIns="91425" spcFirstLastPara="1" rIns="91425" wrap="square" tIns="91425">
+            <a:spAutoFit/>
+          </a:bodyPr>
+          <a:lstStyle/>
+          <a:p>
+            <a:pPr indent="0" lvl="0" marL="457200" marR="38100" rtl="0" algn="l">
+              <a:lnSpc>
+                <a:spcPct val="128571"/>
+              </a:lnSpc>
+              <a:spcBef>
+                <a:spcPts val="0"/>
+              </a:spcBef>
+              <a:spcAft>
+                <a:spcPts val="0"/>
+              </a:spcAft>
+              <a:buNone/>
+            </a:pPr>
+            <a:r>
+              <a:t/>
+            </a:r>
+            <a:endParaRPr sz="1600">
+              <a:solidFill>
+                <a:srgbClr val="202124"/>
+              </a:solidFill>
+              <a:highlight>
+                <a:srgbClr val="F8F9FA"/>
+              </a:highlight>
+            </a:endParaRPr>
+          </a:p>
+          <a:p>
+            <a:pPr indent="-330200" lvl="0" marL="457200" marR="38100" rtl="0" algn="l">
+              <a:lnSpc>
+                <a:spcPct val="128571"/>
+              </a:lnSpc>
+              <a:spcBef>
+                <a:spcPts val="0"/>
+              </a:spcBef>
+              <a:spcAft>
+                <a:spcPts val="0"/>
+              </a:spcAft>
+              <a:buClr>
+                <a:srgbClr val="202124"/>
+              </a:buClr>
+              <a:buSzPts val="1600"/>
+              <a:buChar char="●"/>
+            </a:pPr>
+            <a:r>
+              <a:rPr lang="es" sz="1600">
+                <a:solidFill>
+                  <a:srgbClr val="202124"/>
+                </a:solidFill>
+                <a:highlight>
+                  <a:srgbClr val="F8F9FA"/>
+                </a:highlight>
+              </a:rPr>
+              <a:t>Versión</a:t>
+            </a:r>
+            <a:r>
+              <a:rPr lang="es" sz="1600">
+                <a:solidFill>
+                  <a:srgbClr val="202124"/>
+                </a:solidFill>
+                <a:highlight>
+                  <a:srgbClr val="F8F9FA"/>
+                </a:highlight>
+              </a:rPr>
+              <a:t> derivada de NUnit , siendo </a:t>
+            </a:r>
+            <a:r>
+              <a:rPr lang="es" sz="1600">
+                <a:solidFill>
+                  <a:srgbClr val="202124"/>
+                </a:solidFill>
+                <a:highlight>
+                  <a:srgbClr val="F8F9FA"/>
+                </a:highlight>
+              </a:rPr>
+              <a:t>esta</a:t>
+            </a:r>
+            <a:r>
+              <a:rPr lang="es" sz="1600">
+                <a:solidFill>
+                  <a:srgbClr val="202124"/>
+                </a:solidFill>
+                <a:highlight>
+                  <a:srgbClr val="F8F9FA"/>
+                </a:highlight>
+              </a:rPr>
+              <a:t> de </a:t>
+            </a:r>
+            <a:r>
+              <a:rPr lang="es" sz="1600">
+                <a:solidFill>
+                  <a:srgbClr val="202124"/>
+                </a:solidFill>
+                <a:highlight>
+                  <a:srgbClr val="F8F9FA"/>
+                </a:highlight>
+              </a:rPr>
+              <a:t>código</a:t>
+            </a:r>
+            <a:r>
+              <a:rPr lang="es" sz="1600">
+                <a:solidFill>
+                  <a:srgbClr val="202124"/>
+                </a:solidFill>
+                <a:highlight>
+                  <a:srgbClr val="F8F9FA"/>
+                </a:highlight>
+              </a:rPr>
+              <a:t> abierto</a:t>
+            </a:r>
+            <a:endParaRPr sz="1600">
+              <a:solidFill>
+                <a:srgbClr val="202124"/>
+              </a:solidFill>
+              <a:highlight>
+                <a:srgbClr val="F8F9FA"/>
+              </a:highlight>
+            </a:endParaRPr>
+          </a:p>
+          <a:p>
+            <a:pPr indent="0" lvl="0" marL="457200" marR="38100" rtl="0" algn="l">
+              <a:lnSpc>
+                <a:spcPct val="128571"/>
+              </a:lnSpc>
+              <a:spcBef>
+                <a:spcPts val="0"/>
+              </a:spcBef>
+              <a:spcAft>
+                <a:spcPts val="0"/>
+              </a:spcAft>
+              <a:buNone/>
+            </a:pPr>
+            <a:r>
+              <a:t/>
+            </a:r>
+            <a:endParaRPr sz="1600">
+              <a:solidFill>
+                <a:srgbClr val="202124"/>
+              </a:solidFill>
+              <a:highlight>
+                <a:srgbClr val="F8F9FA"/>
+              </a:highlight>
+            </a:endParaRPr>
+          </a:p>
+          <a:p>
+            <a:pPr indent="-330200" lvl="0" marL="457200" marR="38100" rtl="0" algn="l">
+              <a:lnSpc>
+                <a:spcPct val="128571"/>
+              </a:lnSpc>
+              <a:spcBef>
+                <a:spcPts val="0"/>
+              </a:spcBef>
+              <a:spcAft>
+                <a:spcPts val="0"/>
+              </a:spcAft>
+              <a:buClr>
+                <a:srgbClr val="202124"/>
+              </a:buClr>
+              <a:buSzPts val="1600"/>
+              <a:buChar char="●"/>
+            </a:pPr>
+            <a:r>
+              <a:rPr lang="es" sz="1600">
+                <a:solidFill>
+                  <a:srgbClr val="202124"/>
+                </a:solidFill>
+                <a:highlight>
+                  <a:srgbClr val="F8F9FA"/>
+                </a:highlight>
+              </a:rPr>
+              <a:t>Presenta menos Tags que NUnit , haciendo </a:t>
+            </a:r>
+            <a:r>
+              <a:rPr lang="es" sz="1600">
+                <a:solidFill>
+                  <a:srgbClr val="202124"/>
+                </a:solidFill>
+                <a:highlight>
+                  <a:srgbClr val="F8F9FA"/>
+                </a:highlight>
+              </a:rPr>
+              <a:t>más amigable el código y su mantenimiento </a:t>
+            </a:r>
+            <a:endParaRPr sz="1600">
+              <a:solidFill>
+                <a:srgbClr val="202124"/>
+              </a:solidFill>
+              <a:highlight>
+                <a:srgbClr val="F8F9FA"/>
+              </a:highlight>
+            </a:endParaRPr>
+          </a:p>
+          <a:p>
+            <a:pPr indent="0" lvl="0" marL="457200" marR="38100" rtl="0" algn="l">
+              <a:lnSpc>
+                <a:spcPct val="128571"/>
+              </a:lnSpc>
+              <a:spcBef>
+                <a:spcPts val="0"/>
+              </a:spcBef>
+              <a:spcAft>
+                <a:spcPts val="0"/>
+              </a:spcAft>
+              <a:buNone/>
+            </a:pPr>
+            <a:r>
+              <a:t/>
+            </a:r>
+            <a:endParaRPr sz="1600">
+              <a:solidFill>
+                <a:srgbClr val="202124"/>
+              </a:solidFill>
+              <a:highlight>
+                <a:srgbClr val="F8F9FA"/>
+              </a:highlight>
+            </a:endParaRPr>
+          </a:p>
+          <a:p>
+            <a:pPr indent="-330200" lvl="0" marL="457200" marR="38100" rtl="0" algn="l">
+              <a:lnSpc>
+                <a:spcPct val="128571"/>
+              </a:lnSpc>
+              <a:spcBef>
+                <a:spcPts val="0"/>
+              </a:spcBef>
+              <a:spcAft>
+                <a:spcPts val="0"/>
+              </a:spcAft>
+              <a:buClr>
+                <a:srgbClr val="202124"/>
+              </a:buClr>
+              <a:buSzPts val="1600"/>
+              <a:buChar char="●"/>
+            </a:pPr>
+            <a:r>
+              <a:rPr lang="es" sz="1600">
+                <a:solidFill>
+                  <a:srgbClr val="202124"/>
+                </a:solidFill>
+                <a:highlight>
+                  <a:srgbClr val="F8F9FA"/>
+                </a:highlight>
+              </a:rPr>
+              <a:t>XUnit orientada a trabajos </a:t>
+            </a:r>
+            <a:r>
+              <a:rPr lang="es" sz="1600">
+                <a:solidFill>
+                  <a:srgbClr val="202124"/>
+                </a:solidFill>
+                <a:highlight>
+                  <a:srgbClr val="F8F9FA"/>
+                </a:highlight>
+              </a:rPr>
+              <a:t>más</a:t>
+            </a:r>
+            <a:r>
+              <a:rPr lang="es" sz="1600">
+                <a:solidFill>
+                  <a:srgbClr val="202124"/>
+                </a:solidFill>
+                <a:highlight>
+                  <a:srgbClr val="F8F9FA"/>
+                </a:highlight>
+              </a:rPr>
+              <a:t> complejos </a:t>
+            </a:r>
+            <a:endParaRPr sz="1600" strike="sngStrike">
+              <a:solidFill>
+                <a:srgbClr val="202124"/>
+              </a:solidFill>
+              <a:highlight>
+                <a:srgbClr val="F8F9FA"/>
+              </a:highlight>
+            </a:endParaRPr>
+          </a:p>
+          <a:p>
+            <a:pPr indent="0" lvl="0" marL="457200" marR="38100" rtl="0" algn="l">
+              <a:lnSpc>
+                <a:spcPct val="128571"/>
+              </a:lnSpc>
+              <a:spcBef>
+                <a:spcPts val="0"/>
+              </a:spcBef>
+              <a:spcAft>
+                <a:spcPts val="0"/>
+              </a:spcAft>
+              <a:buNone/>
+            </a:pPr>
+            <a:r>
+              <a:t/>
+            </a:r>
+            <a:endParaRPr sz="1600">
+              <a:solidFill>
+                <a:srgbClr val="202124"/>
+              </a:solidFill>
+              <a:highlight>
+                <a:srgbClr val="F8F9FA"/>
+              </a:highlight>
+            </a:endParaRPr>
+          </a:p>
+          <a:p>
+            <a:pPr indent="-330200" lvl="0" marL="457200" marR="38100" rtl="0" algn="l">
+              <a:lnSpc>
+                <a:spcPct val="128571"/>
+              </a:lnSpc>
+              <a:spcBef>
+                <a:spcPts val="0"/>
+              </a:spcBef>
+              <a:spcAft>
+                <a:spcPts val="0"/>
+              </a:spcAft>
+              <a:buClr>
+                <a:srgbClr val="202124"/>
+              </a:buClr>
+              <a:buSzPts val="1600"/>
+              <a:buChar char="●"/>
+            </a:pPr>
+            <a:r>
+              <a:rPr lang="es" sz="1600">
+                <a:solidFill>
+                  <a:srgbClr val="202124"/>
+                </a:solidFill>
+                <a:highlight>
+                  <a:srgbClr val="F8F9FA"/>
+                </a:highlight>
+              </a:rPr>
+              <a:t>Ofrece una mayor extensibilidad y alcance</a:t>
+            </a:r>
+            <a:endParaRPr sz="1600">
+              <a:solidFill>
+                <a:srgbClr val="202124"/>
+              </a:solidFill>
+              <a:highlight>
+                <a:srgbClr val="F8F9FA"/>
+              </a:highlight>
+            </a:endParaRPr>
+          </a:p>
+          <a:p>
+            <a:pPr indent="0" lvl="0" marL="457200" marR="38100" rtl="0" algn="l">
+              <a:lnSpc>
+                <a:spcPct val="128571"/>
+              </a:lnSpc>
+              <a:spcBef>
+                <a:spcPts val="0"/>
+              </a:spcBef>
+              <a:spcAft>
+                <a:spcPts val="0"/>
+              </a:spcAft>
+              <a:buNone/>
+            </a:pPr>
+            <a:r>
+              <a:t/>
+            </a:r>
+            <a:endParaRPr sz="1600">
+              <a:solidFill>
+                <a:srgbClr val="202124"/>
+              </a:solidFill>
+              <a:highlight>
+                <a:srgbClr val="F8F9FA"/>
+              </a:highlight>
+            </a:endParaRPr>
+          </a:p>
+          <a:p>
+            <a:pPr indent="0" lvl="0" marL="457200" marR="38100" rtl="0" algn="l">
+              <a:lnSpc>
+                <a:spcPct val="128571"/>
+              </a:lnSpc>
+              <a:spcBef>
+                <a:spcPts val="0"/>
+              </a:spcBef>
+              <a:spcAft>
+                <a:spcPts val="0"/>
+              </a:spcAft>
+              <a:buNone/>
+            </a:pPr>
+            <a:r>
+              <a:t/>
+            </a:r>
+            <a:endParaRPr sz="1600">
+              <a:solidFill>
+                <a:srgbClr val="202124"/>
+              </a:solidFill>
+              <a:highlight>
+                <a:srgbClr val="F8F9FA"/>
+              </a:highlight>
+            </a:endParaRPr>
+          </a:p>
+          <a:p>
+            <a:pPr indent="0" lvl="0" marL="457200" marR="38100" rtl="0" algn="l">
+              <a:lnSpc>
+                <a:spcPct val="128571"/>
+              </a:lnSpc>
+              <a:spcBef>
+                <a:spcPts val="0"/>
+              </a:spcBef>
+              <a:spcAft>
+                <a:spcPts val="0"/>
+              </a:spcAft>
+              <a:buNone/>
+            </a:pPr>
+            <a:r>
+              <a:t/>
+            </a:r>
+            <a:endParaRPr sz="1600">
+              <a:solidFill>
+                <a:srgbClr val="202124"/>
+              </a:solidFill>
+              <a:highlight>
+                <a:srgbClr val="F8F9FA"/>
+              </a:highlight>
+            </a:endParaRPr>
+          </a:p>
+        </p:txBody>
+      </p:sp>
+      <p:sp>
+        <p:nvSpPr>
+          <p:cNvPr id="128" name="Google Shape;128;p21"/>
+          <p:cNvSpPr txBox="1"/>
+          <p:nvPr/>
+        </p:nvSpPr>
+        <p:spPr>
+          <a:xfrm>
+            <a:off x="140125" y="2806375"/>
+            <a:ext cx="5507100" cy="1580700"/>
+          </a:xfrm>
+          <a:prstGeom prst="rect">
+            <a:avLst/>
+          </a:prstGeom>
+          <a:noFill/>
+          <a:ln>
+            <a:noFill/>
+          </a:ln>
+        </p:spPr>
+        <p:txBody>
+          <a:bodyPr anchorCtr="0" anchor="t" bIns="91425" lIns="91425" spcFirstLastPara="1" rIns="91425" wrap="square" tIns="91425">
+            <a:noAutofit/>
+          </a:bodyPr>
+          <a:lstStyle/>
+          <a:p>
+            <a:pPr indent="-330200" lvl="0" marL="457200" marR="38100" rtl="0" algn="l">
+              <a:lnSpc>
+                <a:spcPct val="128571"/>
+              </a:lnSpc>
+              <a:spcBef>
+                <a:spcPts val="0"/>
+              </a:spcBef>
+              <a:spcAft>
+                <a:spcPts val="0"/>
+              </a:spcAft>
+              <a:buClr>
+                <a:srgbClr val="202124"/>
+              </a:buClr>
+              <a:buSzPts val="1600"/>
+              <a:buChar char="●"/>
+            </a:pPr>
+            <a:r>
+              <a:rPr lang="es" sz="1600">
+                <a:solidFill>
+                  <a:srgbClr val="202124"/>
+                </a:solidFill>
+                <a:highlight>
+                  <a:srgbClr val="F8F9FA"/>
+                </a:highlight>
+              </a:rPr>
+              <a:t>NUnit y MSTest, la clase que contiene las pruebas está bajo el atributo [TestClass]. Este no fue un enfoque muy robusto, por lo tanto, el atributo [TestClass] también se eliminó en xUnit. En cambio, la inteligencia se construye en el marco xUnit para que pueda ubicar los métodos de prueba, independientemente de la ubicación de las pruebas.</a:t>
+            </a:r>
+            <a:endParaRPr sz="1800">
+              <a:latin typeface="Open Sans"/>
+              <a:ea typeface="Open Sans"/>
+              <a:cs typeface="Open Sans"/>
+              <a:sym typeface="Open Sans"/>
+            </a:endParaRPr>
+          </a:p>
+        </p:txBody>
+      </p:sp>
+      <p:pic>
+        <p:nvPicPr>
+          <p:cNvPr id="129" name="Google Shape;129;p21"/>
+          <p:cNvPicPr preferRelativeResize="0"/>
+          <p:nvPr/>
+        </p:nvPicPr>
+        <p:blipFill>
+          <a:blip r:embed="rId4">
+            <a:alphaModFix/>
+          </a:blip>
+          <a:stretch>
+            <a:fillRect/>
+          </a:stretch>
+        </p:blipFill>
+        <p:spPr>
+          <a:xfrm>
+            <a:off x="5860175" y="2806375"/>
+            <a:ext cx="2908727" cy="2040450"/>
+          </a:xfrm>
+          <a:prstGeom prst="rect">
+            <a:avLst/>
+          </a:prstGeom>
+          <a:noFill/>
+          <a:ln>
+            <a:noFill/>
+          </a:ln>
+        </p:spPr>
+      </p:pic>
     </p:spTree>
   </p:cSld>
   <p:clrMapOvr>
@@ -10689,6 +11440,285 @@
 </file>
 
 <file path=ppt/theme/theme1.xml><?xml version="1.0" encoding="utf-8"?>
+<a:theme xmlns:a="http://schemas.openxmlformats.org/drawingml/2006/main" xmlns:r="http://schemas.openxmlformats.org/officeDocument/2006/relationships" name="Luxe">
+  <a:themeElements>
+    <a:clrScheme name="Luxe">
+      <a:dk1>
+        <a:srgbClr val="000000"/>
+      </a:dk1>
+      <a:lt1>
+        <a:srgbClr val="FFFFFF"/>
+      </a:lt1>
+      <a:dk2>
+        <a:srgbClr val="B7B7B7"/>
+      </a:dk2>
+      <a:lt2>
+        <a:srgbClr val="CCA677"/>
+      </a:lt2>
+      <a:accent1>
+        <a:srgbClr val="5D4037"/>
+      </a:accent1>
+      <a:accent2>
+        <a:srgbClr val="455A64"/>
+      </a:accent2>
+      <a:accent3>
+        <a:srgbClr val="57BB8A"/>
+      </a:accent3>
+      <a:accent4>
+        <a:srgbClr val="78909C"/>
+      </a:accent4>
+      <a:accent5>
+        <a:srgbClr val="607D8B"/>
+      </a:accent5>
+      <a:accent6>
+        <a:srgbClr val="DCE755"/>
+      </a:accent6>
+      <a:hlink>
+        <a:srgbClr val="607D8B"/>
+      </a:hlink>
+      <a:folHlink>
+        <a:srgbClr val="607D8B"/>
+      </a:folHlink>
+    </a:clrScheme>
+    <a:fontScheme name="Office">
+      <a:majorFont>
+        <a:latin typeface="Arial"/>
+        <a:ea typeface=""/>
+        <a:cs typeface=""/>
+        <a:font script="Jpan" typeface="ＭＳ Ｐゴシック"/>
+        <a:font script="Hang" typeface="맑은 고딕"/>
+        <a:font script="Hans" typeface="宋体"/>
+        <a:font script="Hant" typeface="新細明體"/>
+        <a:font script="Arab" typeface="Times New Roman"/>
+        <a:font script="Hebr" typeface="Times New Roman"/>
+        <a:font script="Thai" typeface="Angsana New"/>
+        <a:font script="Ethi" typeface="Nyala"/>
+        <a:font script="Beng" typeface="Vrinda"/>
+        <a:font script="Gujr" typeface="Shruti"/>
+        <a:font script="Khmr" typeface="MoolBoran"/>
+        <a:font script="Knda" typeface="Tunga"/>
+        <a:font script="Guru" typeface="Raavi"/>
+        <a:font script="Cans" typeface="Euphemia"/>
+        <a:font script="Cher" typeface="Plantagenet Cherokee"/>
+        <a:font script="Yiii" typeface="Microsoft Yi Baiti"/>
+        <a:font script="Tibt" typeface="Microsoft Himalaya"/>
+        <a:font script="Thaa" typeface="MV Boli"/>
+        <a:font script="Deva" typeface="Mangal"/>
+        <a:font script="Telu" typeface="Gautami"/>
+        <a:font script="Taml" typeface="Latha"/>
+        <a:font script="Syrc" typeface="Estrangelo Edessa"/>
+        <a:font script="Orya" typeface="Kalinga"/>
+        <a:font script="Mlym" typeface="Kartika"/>
+        <a:font script="Laoo" typeface="DokChampa"/>
+        <a:font script="Sinh" typeface="Iskoola Pota"/>
+        <a:font script="Mong" typeface="Mongolian Baiti"/>
+        <a:font script="Viet" typeface="Times New Roman"/>
+        <a:font script="Uigh" typeface="Microsoft Uighur"/>
+        <a:font script="Geor" typeface="Sylfaen"/>
+      </a:majorFont>
+      <a:minorFont>
+        <a:latin typeface="Arial"/>
+        <a:ea typeface=""/>
+        <a:cs typeface=""/>
+        <a:font script="Jpan" typeface="ＭＳ Ｐゴシック"/>
+        <a:font script="Hang" typeface="맑은 고딕"/>
+        <a:font script="Hans" typeface="宋体"/>
+        <a:font script="Hant" typeface="新細明體"/>
+        <a:font script="Arab" typeface="Arial"/>
+        <a:font script="Hebr" typeface="Arial"/>
+        <a:font script="Thai" typeface="Cordia New"/>
+        <a:font script="Ethi" typeface="Nyala"/>
+        <a:font script="Beng" typeface="Vrinda"/>
+        <a:font script="Gujr" typeface="Shruti"/>
+        <a:font script="Khmr" typeface="DaunPenh"/>
+        <a:font script="Knda" typeface="Tunga"/>
+        <a:font script="Guru" typeface="Raavi"/>
+        <a:font script="Cans" typeface="Euphemia"/>
+        <a:font script="Cher" typeface="Plantagenet Cherokee"/>
+        <a:font script="Yiii" typeface="Microsoft Yi Baiti"/>
+        <a:font script="Tibt" typeface="Microsoft Himalaya"/>
+        <a:font script="Thaa" typeface="MV Boli"/>
+        <a:font script="Deva" typeface="Mangal"/>
+        <a:font script="Telu" typeface="Gautami"/>
+        <a:font script="Taml" typeface="Latha"/>
+        <a:font script="Syrc" typeface="Estrangelo Edessa"/>
+        <a:font script="Orya" typeface="Kalinga"/>
+        <a:font script="Mlym" typeface="Kartika"/>
+        <a:font script="Laoo" typeface="DokChampa"/>
+        <a:font script="Sinh" typeface="Iskoola Pota"/>
+        <a:font script="Mong" typeface="Mongolian Baiti"/>
+        <a:font script="Viet" typeface="Arial"/>
+        <a:font script="Uigh" typeface="Microsoft Uighur"/>
+        <a:font script="Geor" typeface="Sylfaen"/>
+      </a:minorFont>
+    </a:fontScheme>
+    <a:fmtScheme name="Office">
+      <a:fillStyleLst>
+        <a:solidFill>
+          <a:schemeClr val="phClr"/>
+        </a:solidFill>
+        <a:gradFill rotWithShape="1">
+          <a:gsLst>
+            <a:gs pos="0">
+              <a:schemeClr val="phClr">
+                <a:tint val="50000"/>
+                <a:satMod val="300000"/>
+              </a:schemeClr>
+            </a:gs>
+            <a:gs pos="35000">
+              <a:schemeClr val="phClr">
+                <a:tint val="37000"/>
+                <a:satMod val="300000"/>
+              </a:schemeClr>
+            </a:gs>
+            <a:gs pos="100000">
+              <a:schemeClr val="phClr">
+                <a:tint val="15000"/>
+                <a:satMod val="350000"/>
+              </a:schemeClr>
+            </a:gs>
+          </a:gsLst>
+          <a:lin ang="16200000" scaled="1"/>
+        </a:gradFill>
+        <a:gradFill rotWithShape="1">
+          <a:gsLst>
+            <a:gs pos="0">
+              <a:schemeClr val="phClr">
+                <a:tint val="100000"/>
+                <a:shade val="100000"/>
+                <a:satMod val="130000"/>
+              </a:schemeClr>
+            </a:gs>
+            <a:gs pos="100000">
+              <a:schemeClr val="phClr">
+                <a:tint val="50000"/>
+                <a:shade val="100000"/>
+                <a:satMod val="350000"/>
+              </a:schemeClr>
+            </a:gs>
+          </a:gsLst>
+          <a:lin ang="16200000" scaled="0"/>
+        </a:gradFill>
+      </a:fillStyleLst>
+      <a:lnStyleLst>
+        <a:ln w="9525" cap="flat" cmpd="sng" algn="ctr">
+          <a:solidFill>
+            <a:schemeClr val="phClr">
+              <a:shade val="95000"/>
+              <a:satMod val="105000"/>
+            </a:schemeClr>
+          </a:solidFill>
+          <a:prstDash val="solid"/>
+        </a:ln>
+        <a:ln w="25400" cap="flat" cmpd="sng" algn="ctr">
+          <a:solidFill>
+            <a:schemeClr val="phClr"/>
+          </a:solidFill>
+          <a:prstDash val="solid"/>
+        </a:ln>
+        <a:ln w="38100" cap="flat" cmpd="sng" algn="ctr">
+          <a:solidFill>
+            <a:schemeClr val="phClr"/>
+          </a:solidFill>
+          <a:prstDash val="solid"/>
+        </a:ln>
+      </a:lnStyleLst>
+      <a:effectStyleLst>
+        <a:effectStyle>
+          <a:effectLst>
+            <a:outerShdw blurRad="40000" dist="20000" dir="5400000" rotWithShape="0">
+              <a:srgbClr val="000000">
+                <a:alpha val="38000"/>
+              </a:srgbClr>
+            </a:outerShdw>
+          </a:effectLst>
+        </a:effectStyle>
+        <a:effectStyle>
+          <a:effectLst>
+            <a:outerShdw blurRad="40000" dist="23000" dir="5400000" rotWithShape="0">
+              <a:srgbClr val="000000">
+                <a:alpha val="35000"/>
+              </a:srgbClr>
+            </a:outerShdw>
+          </a:effectLst>
+        </a:effectStyle>
+        <a:effectStyle>
+          <a:effectLst>
+            <a:outerShdw blurRad="40000" dist="23000" dir="5400000" rotWithShape="0">
+              <a:srgbClr val="000000">
+                <a:alpha val="35000"/>
+              </a:srgbClr>
+            </a:outerShdw>
+          </a:effectLst>
+          <a:scene3d>
+            <a:camera prst="orthographicFront">
+              <a:rot lat="0" lon="0" rev="0"/>
+            </a:camera>
+            <a:lightRig rig="threePt" dir="t">
+              <a:rot lat="0" lon="0" rev="1200000"/>
+            </a:lightRig>
+          </a:scene3d>
+          <a:sp3d>
+            <a:bevelT w="63500" h="25400"/>
+          </a:sp3d>
+        </a:effectStyle>
+      </a:effectStyleLst>
+      <a:bgFillStyleLst>
+        <a:solidFill>
+          <a:schemeClr val="phClr"/>
+        </a:solidFill>
+        <a:gradFill rotWithShape="1">
+          <a:gsLst>
+            <a:gs pos="0">
+              <a:schemeClr val="phClr">
+                <a:tint val="40000"/>
+                <a:satMod val="350000"/>
+              </a:schemeClr>
+            </a:gs>
+            <a:gs pos="40000">
+              <a:schemeClr val="phClr">
+                <a:tint val="45000"/>
+                <a:shade val="99000"/>
+                <a:satMod val="350000"/>
+              </a:schemeClr>
+            </a:gs>
+            <a:gs pos="100000">
+              <a:schemeClr val="phClr">
+                <a:shade val="20000"/>
+                <a:satMod val="255000"/>
+              </a:schemeClr>
+            </a:gs>
+          </a:gsLst>
+          <a:path path="circle">
+            <a:fillToRect l="50000" t="-80000" r="50000" b="180000"/>
+          </a:path>
+        </a:gradFill>
+        <a:gradFill rotWithShape="1">
+          <a:gsLst>
+            <a:gs pos="0">
+              <a:schemeClr val="phClr">
+                <a:tint val="80000"/>
+                <a:satMod val="300000"/>
+              </a:schemeClr>
+            </a:gs>
+            <a:gs pos="100000">
+              <a:schemeClr val="phClr">
+                <a:shade val="30000"/>
+                <a:satMod val="200000"/>
+              </a:schemeClr>
+            </a:gs>
+          </a:gsLst>
+          <a:path path="circle">
+            <a:fillToRect l="50000" t="50000" r="50000" b="50000"/>
+          </a:path>
+        </a:gradFill>
+      </a:bgFillStyleLst>
+    </a:fmtScheme>
+  </a:themeElements>
+</a:theme>
+</file>
+
+<file path=ppt/theme/theme2.xml><?xml version="1.0" encoding="utf-8"?>
 <a:theme xmlns:a="http://schemas.openxmlformats.org/drawingml/2006/main" xmlns:r="http://schemas.openxmlformats.org/officeDocument/2006/relationships">
   <a:themeElements>
     <a:clrScheme name="Default">
@@ -10965,283 +11995,4 @@
     </a:fmtScheme>
   </a:themeElements>
 </a:theme>
-</file>
-
-<file path=ppt/theme/theme2.xml><?xml version="1.0" encoding="utf-8"?>
-<a:theme xmlns:a="http://schemas.openxmlformats.org/drawingml/2006/main" xmlns:r="http://schemas.openxmlformats.org/officeDocument/2006/relationships" name="Luxe">
-  <a:themeElements>
-    <a:clrScheme name="Luxe">
-      <a:dk1>
-        <a:srgbClr val="000000"/>
-      </a:dk1>
-      <a:lt1>
-        <a:srgbClr val="FFFFFF"/>
-      </a:lt1>
-      <a:dk2>
-        <a:srgbClr val="B7B7B7"/>
-      </a:dk2>
-      <a:lt2>
-        <a:srgbClr val="CCA677"/>
-      </a:lt2>
-      <a:accent1>
-        <a:srgbClr val="5D4037"/>
-      </a:accent1>
-      <a:accent2>
-        <a:srgbClr val="455A64"/>
-      </a:accent2>
-      <a:accent3>
-        <a:srgbClr val="57BB8A"/>
-      </a:accent3>
-      <a:accent4>
-        <a:srgbClr val="78909C"/>
-      </a:accent4>
-      <a:accent5>
-        <a:srgbClr val="607D8B"/>
-      </a:accent5>
-      <a:accent6>
-        <a:srgbClr val="DCE755"/>
-      </a:accent6>
-      <a:hlink>
-        <a:srgbClr val="607D8B"/>
-      </a:hlink>
-      <a:folHlink>
-        <a:srgbClr val="607D8B"/>
-      </a:folHlink>
-    </a:clrScheme>
-    <a:fontScheme name="Office">
-      <a:majorFont>
-        <a:latin typeface="Arial"/>
-        <a:ea typeface=""/>
-        <a:cs typeface=""/>
-        <a:font script="Jpan" typeface="ＭＳ Ｐゴシック"/>
-        <a:font script="Hang" typeface="맑은 고딕"/>
-        <a:font script="Hans" typeface="宋体"/>
-        <a:font script="Hant" typeface="新細明體"/>
-        <a:font script="Arab" typeface="Times New Roman"/>
-        <a:font script="Hebr" typeface="Times New Roman"/>
-        <a:font script="Thai" typeface="Angsana New"/>
-        <a:font script="Ethi" typeface="Nyala"/>
-        <a:font script="Beng" typeface="Vrinda"/>
-        <a:font script="Gujr" typeface="Shruti"/>
-        <a:font script="Khmr" typeface="MoolBoran"/>
-        <a:font script="Knda" typeface="Tunga"/>
-        <a:font script="Guru" typeface="Raavi"/>
-        <a:font script="Cans" typeface="Euphemia"/>
-        <a:font script="Cher" typeface="Plantagenet Cherokee"/>
-        <a:font script="Yiii" typeface="Microsoft Yi Baiti"/>
-        <a:font script="Tibt" typeface="Microsoft Himalaya"/>
-        <a:font script="Thaa" typeface="MV Boli"/>
-        <a:font script="Deva" typeface="Mangal"/>
-        <a:font script="Telu" typeface="Gautami"/>
-        <a:font script="Taml" typeface="Latha"/>
-        <a:font script="Syrc" typeface="Estrangelo Edessa"/>
-        <a:font script="Orya" typeface="Kalinga"/>
-        <a:font script="Mlym" typeface="Kartika"/>
-        <a:font script="Laoo" typeface="DokChampa"/>
-        <a:font script="Sinh" typeface="Iskoola Pota"/>
-        <a:font script="Mong" typeface="Mongolian Baiti"/>
-        <a:font script="Viet" typeface="Times New Roman"/>
-        <a:font script="Uigh" typeface="Microsoft Uighur"/>
-        <a:font script="Geor" typeface="Sylfaen"/>
-      </a:majorFont>
-      <a:minorFont>
-        <a:latin typeface="Arial"/>
-        <a:ea typeface=""/>
-        <a:cs typeface=""/>
-        <a:font script="Jpan" typeface="ＭＳ Ｐゴシック"/>
-        <a:font script="Hang" typeface="맑은 고딕"/>
-        <a:font script="Hans" typeface="宋体"/>
-        <a:font script="Hant" typeface="新細明體"/>
-        <a:font script="Arab" typeface="Arial"/>
-        <a:font script="Hebr" typeface="Arial"/>
-        <a:font script="Thai" typeface="Cordia New"/>
-        <a:font script="Ethi" typeface="Nyala"/>
-        <a:font script="Beng" typeface="Vrinda"/>
-        <a:font script="Gujr" typeface="Shruti"/>
-        <a:font script="Khmr" typeface="DaunPenh"/>
-        <a:font script="Knda" typeface="Tunga"/>
-        <a:font script="Guru" typeface="Raavi"/>
-        <a:font script="Cans" typeface="Euphemia"/>
-        <a:font script="Cher" typeface="Plantagenet Cherokee"/>
-        <a:font script="Yiii" typeface="Microsoft Yi Baiti"/>
-        <a:font script="Tibt" typeface="Microsoft Himalaya"/>
-        <a:font script="Thaa" typeface="MV Boli"/>
-        <a:font script="Deva" typeface="Mangal"/>
-        <a:font script="Telu" typeface="Gautami"/>
-        <a:font script="Taml" typeface="Latha"/>
-        <a:font script="Syrc" typeface="Estrangelo Edessa"/>
-        <a:font script="Orya" typeface="Kalinga"/>
-        <a:font script="Mlym" typeface="Kartika"/>
-        <a:font script="Laoo" typeface="DokChampa"/>
-        <a:font script="Sinh" typeface="Iskoola Pota"/>
-        <a:font script="Mong" typeface="Mongolian Baiti"/>
-        <a:font script="Viet" typeface="Arial"/>
-        <a:font script="Uigh" typeface="Microsoft Uighur"/>
-        <a:font script="Geor" typeface="Sylfaen"/>
-      </a:minorFont>
-    </a:fontScheme>
-    <a:fmtScheme name="Office">
-      <a:fillStyleLst>
-        <a:solidFill>
-          <a:schemeClr val="phClr"/>
-        </a:solidFill>
-        <a:gradFill rotWithShape="1">
-          <a:gsLst>
-            <a:gs pos="0">
-              <a:schemeClr val="phClr">
-                <a:tint val="50000"/>
-                <a:satMod val="300000"/>
-              </a:schemeClr>
-            </a:gs>
-            <a:gs pos="35000">
-              <a:schemeClr val="phClr">
-                <a:tint val="37000"/>
-                <a:satMod val="300000"/>
-              </a:schemeClr>
-            </a:gs>
-            <a:gs pos="100000">
-              <a:schemeClr val="phClr">
-                <a:tint val="15000"/>
-                <a:satMod val="350000"/>
-              </a:schemeClr>
-            </a:gs>
-          </a:gsLst>
-          <a:lin ang="16200000" scaled="1"/>
-        </a:gradFill>
-        <a:gradFill rotWithShape="1">
-          <a:gsLst>
-            <a:gs pos="0">
-              <a:schemeClr val="phClr">
-                <a:tint val="100000"/>
-                <a:shade val="100000"/>
-                <a:satMod val="130000"/>
-              </a:schemeClr>
-            </a:gs>
-            <a:gs pos="100000">
-              <a:schemeClr val="phClr">
-                <a:tint val="50000"/>
-                <a:shade val="100000"/>
-                <a:satMod val="350000"/>
-              </a:schemeClr>
-            </a:gs>
-          </a:gsLst>
-          <a:lin ang="16200000" scaled="0"/>
-        </a:gradFill>
-      </a:fillStyleLst>
-      <a:lnStyleLst>
-        <a:ln w="9525" cap="flat" cmpd="sng" algn="ctr">
-          <a:solidFill>
-            <a:schemeClr val="phClr">
-              <a:shade val="95000"/>
-              <a:satMod val="105000"/>
-            </a:schemeClr>
-          </a:solidFill>
-          <a:prstDash val="solid"/>
-        </a:ln>
-        <a:ln w="25400" cap="flat" cmpd="sng" algn="ctr">
-          <a:solidFill>
-            <a:schemeClr val="phClr"/>
-          </a:solidFill>
-          <a:prstDash val="solid"/>
-        </a:ln>
-        <a:ln w="38100" cap="flat" cmpd="sng" algn="ctr">
-          <a:solidFill>
-            <a:schemeClr val="phClr"/>
-          </a:solidFill>
-          <a:prstDash val="solid"/>
-        </a:ln>
-      </a:lnStyleLst>
-      <a:effectStyleLst>
-        <a:effectStyle>
-          <a:effectLst>
-            <a:outerShdw blurRad="40000" dist="20000" dir="5400000" rotWithShape="0">
-              <a:srgbClr val="000000">
-                <a:alpha val="38000"/>
-              </a:srgbClr>
-            </a:outerShdw>
-          </a:effectLst>
-        </a:effectStyle>
-        <a:effectStyle>
-          <a:effectLst>
-            <a:outerShdw blurRad="40000" dist="23000" dir="5400000" rotWithShape="0">
-              <a:srgbClr val="000000">
-                <a:alpha val="35000"/>
-              </a:srgbClr>
-            </a:outerShdw>
-          </a:effectLst>
-        </a:effectStyle>
-        <a:effectStyle>
-          <a:effectLst>
-            <a:outerShdw blurRad="40000" dist="23000" dir="5400000" rotWithShape="0">
-              <a:srgbClr val="000000">
-                <a:alpha val="35000"/>
-              </a:srgbClr>
-            </a:outerShdw>
-          </a:effectLst>
-          <a:scene3d>
-            <a:camera prst="orthographicFront">
-              <a:rot lat="0" lon="0" rev="0"/>
-            </a:camera>
-            <a:lightRig rig="threePt" dir="t">
-              <a:rot lat="0" lon="0" rev="1200000"/>
-            </a:lightRig>
-          </a:scene3d>
-          <a:sp3d>
-            <a:bevelT w="63500" h="25400"/>
-          </a:sp3d>
-        </a:effectStyle>
-      </a:effectStyleLst>
-      <a:bgFillStyleLst>
-        <a:solidFill>
-          <a:schemeClr val="phClr"/>
-        </a:solidFill>
-        <a:gradFill rotWithShape="1">
-          <a:gsLst>
-            <a:gs pos="0">
-              <a:schemeClr val="phClr">
-                <a:tint val="40000"/>
-                <a:satMod val="350000"/>
-              </a:schemeClr>
-            </a:gs>
-            <a:gs pos="40000">
-              <a:schemeClr val="phClr">
-                <a:tint val="45000"/>
-                <a:shade val="99000"/>
-                <a:satMod val="350000"/>
-              </a:schemeClr>
-            </a:gs>
-            <a:gs pos="100000">
-              <a:schemeClr val="phClr">
-                <a:shade val="20000"/>
-                <a:satMod val="255000"/>
-              </a:schemeClr>
-            </a:gs>
-          </a:gsLst>
-          <a:path path="circle">
-            <a:fillToRect l="50000" t="-80000" r="50000" b="180000"/>
-          </a:path>
-        </a:gradFill>
-        <a:gradFill rotWithShape="1">
-          <a:gsLst>
-            <a:gs pos="0">
-              <a:schemeClr val="phClr">
-                <a:tint val="80000"/>
-                <a:satMod val="300000"/>
-              </a:schemeClr>
-            </a:gs>
-            <a:gs pos="100000">
-              <a:schemeClr val="phClr">
-                <a:shade val="30000"/>
-                <a:satMod val="200000"/>
-              </a:schemeClr>
-            </a:gs>
-          </a:gsLst>
-          <a:path path="circle">
-            <a:fillToRect l="50000" t="50000" r="50000" b="50000"/>
-          </a:path>
-        </a:gradFill>
-      </a:bgFillStyleLst>
-    </a:fmtScheme>
-  </a:themeElements>
-</a:theme>
 </file>
--- a/TPS/Unit Testing.pptx
+++ b/TPS/Unit Testing.pptx
@@ -824,7 +824,7 @@
   <p:cSld>
     <p:spTree>
       <p:nvGrpSpPr>
-        <p:cNvPr id="130" name="Shape 130"/>
+        <p:cNvPr id="131" name="Shape 131"/>
         <p:cNvGrpSpPr/>
         <p:nvPr/>
       </p:nvGrpSpPr>
@@ -838,7 +838,7 @@
       </p:grpSpPr>
       <p:sp>
         <p:nvSpPr>
-          <p:cNvPr id="131" name="Google Shape;131;gdb69d6b7fc_1_6:notes"/>
+          <p:cNvPr id="132" name="Google Shape;132;gdb69d6b7fc_1_6:notes"/>
           <p:cNvSpPr/>
           <p:nvPr>
             <p:ph idx="2" type="sldImg"/>
@@ -873,7 +873,7 @@
       </p:sp>
       <p:sp>
         <p:nvSpPr>
-          <p:cNvPr id="132" name="Google Shape;132;gdb69d6b7fc_1_6:notes"/>
+          <p:cNvPr id="133" name="Google Shape;133;gdb69d6b7fc_1_6:notes"/>
           <p:cNvSpPr txBox="1"/>
           <p:nvPr>
             <p:ph idx="1" type="body"/>
@@ -923,7 +923,7 @@
   <p:cSld>
     <p:spTree>
       <p:nvGrpSpPr>
-        <p:cNvPr id="142" name="Shape 142"/>
+        <p:cNvPr id="143" name="Shape 143"/>
         <p:cNvGrpSpPr/>
         <p:nvPr/>
       </p:nvGrpSpPr>
@@ -937,7 +937,7 @@
       </p:grpSpPr>
       <p:sp>
         <p:nvSpPr>
-          <p:cNvPr id="143" name="Google Shape;143;gda7a18c69e_1_10:notes"/>
+          <p:cNvPr id="144" name="Google Shape;144;gda7a18c69e_1_10:notes"/>
           <p:cNvSpPr/>
           <p:nvPr>
             <p:ph idx="2" type="sldImg"/>
@@ -972,7 +972,7 @@
       </p:sp>
       <p:sp>
         <p:nvSpPr>
-          <p:cNvPr id="144" name="Google Shape;144;gda7a18c69e_1_10:notes"/>
+          <p:cNvPr id="145" name="Google Shape;145;gda7a18c69e_1_10:notes"/>
           <p:cNvSpPr txBox="1"/>
           <p:nvPr>
             <p:ph idx="1" type="body"/>
@@ -1022,7 +1022,7 @@
   <p:cSld>
     <p:spTree>
       <p:nvGrpSpPr>
-        <p:cNvPr id="147" name="Shape 147"/>
+        <p:cNvPr id="148" name="Shape 148"/>
         <p:cNvGrpSpPr/>
         <p:nvPr/>
       </p:nvGrpSpPr>
@@ -1036,7 +1036,7 @@
       </p:grpSpPr>
       <p:sp>
         <p:nvSpPr>
-          <p:cNvPr id="148" name="Google Shape;148;gdb69d6b7fc_3_10:notes"/>
+          <p:cNvPr id="149" name="Google Shape;149;gdb69d6b7fc_3_10:notes"/>
           <p:cNvSpPr/>
           <p:nvPr>
             <p:ph idx="2" type="sldImg"/>
@@ -1071,7 +1071,7 @@
       </p:sp>
       <p:sp>
         <p:nvSpPr>
-          <p:cNvPr id="149" name="Google Shape;149;gdb69d6b7fc_3_10:notes"/>
+          <p:cNvPr id="150" name="Google Shape;150;gdb69d6b7fc_3_10:notes"/>
           <p:cNvSpPr txBox="1"/>
           <p:nvPr>
             <p:ph idx="1" type="body"/>
@@ -1418,7 +1418,7 @@
   <p:cSld>
     <p:spTree>
       <p:nvGrpSpPr>
-        <p:cNvPr id="85" name="Shape 85"/>
+        <p:cNvPr id="86" name="Shape 86"/>
         <p:cNvGrpSpPr/>
         <p:nvPr/>
       </p:nvGrpSpPr>
@@ -1432,7 +1432,7 @@
       </p:grpSpPr>
       <p:sp>
         <p:nvSpPr>
-          <p:cNvPr id="86" name="Google Shape;86;gda7a18c69e_3_0:notes"/>
+          <p:cNvPr id="87" name="Google Shape;87;gda7a18c69e_3_0:notes"/>
           <p:cNvSpPr/>
           <p:nvPr>
             <p:ph idx="2" type="sldImg"/>
@@ -1467,7 +1467,7 @@
       </p:sp>
       <p:sp>
         <p:nvSpPr>
-          <p:cNvPr id="87" name="Google Shape;87;gda7a18c69e_3_0:notes"/>
+          <p:cNvPr id="88" name="Google Shape;88;gda7a18c69e_3_0:notes"/>
           <p:cNvSpPr txBox="1"/>
           <p:nvPr>
             <p:ph idx="1" type="body"/>
@@ -1517,7 +1517,7 @@
   <p:cSld>
     <p:spTree>
       <p:nvGrpSpPr>
-        <p:cNvPr id="91" name="Shape 91"/>
+        <p:cNvPr id="92" name="Shape 92"/>
         <p:cNvGrpSpPr/>
         <p:nvPr/>
       </p:nvGrpSpPr>
@@ -1531,7 +1531,7 @@
       </p:grpSpPr>
       <p:sp>
         <p:nvSpPr>
-          <p:cNvPr id="92" name="Google Shape;92;gd0b47f5ee7_3_5:notes"/>
+          <p:cNvPr id="93" name="Google Shape;93;gd0b47f5ee7_3_5:notes"/>
           <p:cNvSpPr/>
           <p:nvPr>
             <p:ph idx="2" type="sldImg"/>
@@ -1566,7 +1566,7 @@
       </p:sp>
       <p:sp>
         <p:nvSpPr>
-          <p:cNvPr id="93" name="Google Shape;93;gd0b47f5ee7_3_5:notes"/>
+          <p:cNvPr id="94" name="Google Shape;94;gd0b47f5ee7_3_5:notes"/>
           <p:cNvSpPr txBox="1"/>
           <p:nvPr>
             <p:ph idx="1" type="body"/>
@@ -1616,7 +1616,7 @@
   <p:cSld>
     <p:spTree>
       <p:nvGrpSpPr>
-        <p:cNvPr id="108" name="Shape 108"/>
+        <p:cNvPr id="109" name="Shape 109"/>
         <p:cNvGrpSpPr/>
         <p:nvPr/>
       </p:nvGrpSpPr>
@@ -1630,7 +1630,7 @@
       </p:grpSpPr>
       <p:sp>
         <p:nvSpPr>
-          <p:cNvPr id="109" name="Google Shape;109;gda7a18c69e_1_0:notes"/>
+          <p:cNvPr id="110" name="Google Shape;110;gda7a18c69e_1_0:notes"/>
           <p:cNvSpPr/>
           <p:nvPr>
             <p:ph idx="2" type="sldImg"/>
@@ -1665,7 +1665,7 @@
       </p:sp>
       <p:sp>
         <p:nvSpPr>
-          <p:cNvPr id="110" name="Google Shape;110;gda7a18c69e_1_0:notes"/>
+          <p:cNvPr id="111" name="Google Shape;111;gda7a18c69e_1_0:notes"/>
           <p:cNvSpPr txBox="1"/>
           <p:nvPr>
             <p:ph idx="1" type="body"/>
@@ -1715,7 +1715,7 @@
   <p:cSld>
     <p:spTree>
       <p:nvGrpSpPr>
-        <p:cNvPr id="113" name="Shape 113"/>
+        <p:cNvPr id="114" name="Shape 114"/>
         <p:cNvGrpSpPr/>
         <p:nvPr/>
       </p:nvGrpSpPr>
@@ -1729,7 +1729,7 @@
       </p:grpSpPr>
       <p:sp>
         <p:nvSpPr>
-          <p:cNvPr id="114" name="Google Shape;114;gdb69d6b7fc_0_9:notes"/>
+          <p:cNvPr id="115" name="Google Shape;115;gdb69d6b7fc_0_9:notes"/>
           <p:cNvSpPr/>
           <p:nvPr>
             <p:ph idx="2" type="sldImg"/>
@@ -1764,7 +1764,7 @@
       </p:sp>
       <p:sp>
         <p:nvSpPr>
-          <p:cNvPr id="115" name="Google Shape;115;gdb69d6b7fc_0_9:notes"/>
+          <p:cNvPr id="116" name="Google Shape;116;gdb69d6b7fc_0_9:notes"/>
           <p:cNvSpPr txBox="1"/>
           <p:nvPr>
             <p:ph idx="1" type="body"/>
@@ -1814,7 +1814,7 @@
   <p:cSld>
     <p:spTree>
       <p:nvGrpSpPr>
-        <p:cNvPr id="121" name="Shape 121"/>
+        <p:cNvPr id="122" name="Shape 122"/>
         <p:cNvGrpSpPr/>
         <p:nvPr/>
       </p:nvGrpSpPr>
@@ -1828,7 +1828,7 @@
       </p:grpSpPr>
       <p:sp>
         <p:nvSpPr>
-          <p:cNvPr id="122" name="Google Shape;122;gdb69d6b7fc_0_19:notes"/>
+          <p:cNvPr id="123" name="Google Shape;123;gdb69d6b7fc_0_19:notes"/>
           <p:cNvSpPr/>
           <p:nvPr>
             <p:ph idx="2" type="sldImg"/>
@@ -1863,7 +1863,7 @@
       </p:sp>
       <p:sp>
         <p:nvSpPr>
-          <p:cNvPr id="123" name="Google Shape;123;gdb69d6b7fc_0_19:notes"/>
+          <p:cNvPr id="124" name="Google Shape;124;gdb69d6b7fc_0_19:notes"/>
           <p:cNvSpPr txBox="1"/>
           <p:nvPr>
             <p:ph idx="1" type="body"/>
@@ -7557,7 +7557,7 @@
   <p:cSld>
     <p:spTree>
       <p:nvGrpSpPr>
-        <p:cNvPr id="133" name="Shape 133"/>
+        <p:cNvPr id="134" name="Shape 134"/>
         <p:cNvGrpSpPr/>
         <p:nvPr/>
       </p:nvGrpSpPr>
@@ -7571,13 +7571,13 @@
       </p:grpSpPr>
       <p:sp>
         <p:nvSpPr>
-          <p:cNvPr id="134" name="Google Shape;134;p22"/>
+          <p:cNvPr id="135" name="Google Shape;135;p22"/>
           <p:cNvSpPr txBox="1"/>
           <p:nvPr/>
         </p:nvSpPr>
         <p:spPr>
           <a:xfrm>
-            <a:off x="222648" y="0"/>
+            <a:off x="392248" y="76225"/>
             <a:ext cx="1188300" cy="461700"/>
           </a:xfrm>
           <a:prstGeom prst="rect">
@@ -7623,13 +7623,13 @@
       </p:sp>
       <p:sp>
         <p:nvSpPr>
-          <p:cNvPr id="135" name="Google Shape;135;p22"/>
+          <p:cNvPr id="136" name="Google Shape;136;p22"/>
           <p:cNvSpPr txBox="1"/>
           <p:nvPr/>
         </p:nvSpPr>
         <p:spPr>
           <a:xfrm>
-            <a:off x="-93200" y="399250"/>
+            <a:off x="0" y="463700"/>
             <a:ext cx="5151600" cy="2447400"/>
           </a:xfrm>
           <a:prstGeom prst="rect">
@@ -7881,7 +7881,29 @@
                   <a:srgbClr val="F8F9FA"/>
                 </a:highlight>
               </a:rPr>
-              <a:t>Es multi-plataforma y dispone de una amplia </a:t>
+              <a:t>Es </a:t>
+            </a:r>
+            <a:r>
+              <a:rPr lang="es" sz="1500">
+                <a:solidFill>
+                  <a:srgbClr val="202124"/>
+                </a:solidFill>
+                <a:highlight>
+                  <a:srgbClr val="F8F9FA"/>
+                </a:highlight>
+              </a:rPr>
+              <a:t>multiplataforma</a:t>
+            </a:r>
+            <a:r>
+              <a:rPr lang="es" sz="1500">
+                <a:solidFill>
+                  <a:srgbClr val="202124"/>
+                </a:solidFill>
+                <a:highlight>
+                  <a:srgbClr val="F8F9FA"/>
+                </a:highlight>
+              </a:rPr>
+              <a:t> y dispone de una amplia </a:t>
             </a:r>
             <a:r>
               <a:rPr lang="es" sz="1500">
@@ -7943,7 +7965,7 @@
       </p:sp>
       <p:pic>
         <p:nvPicPr>
-          <p:cNvPr id="136" name="Google Shape;136;p22"/>
+          <p:cNvPr id="137" name="Google Shape;137;p22"/>
           <p:cNvPicPr preferRelativeResize="0"/>
           <p:nvPr/>
         </p:nvPicPr>
@@ -7957,35 +7979,8 @@
         </p:blipFill>
         <p:spPr>
           <a:xfrm>
-            <a:off x="161575" y="2701875"/>
-            <a:ext cx="4548150" cy="2322975"/>
-          </a:xfrm>
-          <a:prstGeom prst="rect">
-            <a:avLst/>
-          </a:prstGeom>
-          <a:noFill/>
-          <a:ln>
-            <a:noFill/>
-          </a:ln>
-        </p:spPr>
-      </p:pic>
-      <p:pic>
-        <p:nvPicPr>
-          <p:cNvPr id="137" name="Google Shape;137;p22"/>
-          <p:cNvPicPr preferRelativeResize="0"/>
-          <p:nvPr/>
-        </p:nvPicPr>
-        <p:blipFill rotWithShape="1">
-          <a:blip r:embed="rId4">
-            <a:alphaModFix/>
-          </a:blip>
-          <a:srcRect b="17190" l="-6030" r="6029" t="-17190"/>
-          <a:stretch/>
-        </p:blipFill>
-        <p:spPr>
-          <a:xfrm>
-            <a:off x="2642375" y="3577050"/>
-            <a:ext cx="1094996" cy="768425"/>
+            <a:off x="206688" y="2911100"/>
+            <a:ext cx="4369900" cy="2022275"/>
           </a:xfrm>
           <a:prstGeom prst="rect">
             <a:avLst/>
@@ -8002,18 +7997,17 @@
           <p:cNvPicPr preferRelativeResize="0"/>
           <p:nvPr/>
         </p:nvPicPr>
-        <p:blipFill>
-          <a:blip r:embed="rId5">
+        <p:blipFill rotWithShape="1">
+          <a:blip r:embed="rId4">
             <a:alphaModFix/>
           </a:blip>
-          <a:stretch>
-            <a:fillRect/>
-          </a:stretch>
+          <a:srcRect b="17190" l="-6030" r="6029" t="-17190"/>
+          <a:stretch/>
         </p:blipFill>
         <p:spPr>
           <a:xfrm>
-            <a:off x="2121975" y="3048263"/>
-            <a:ext cx="721250" cy="721250"/>
+            <a:off x="2545148" y="3764462"/>
+            <a:ext cx="1052081" cy="668955"/>
           </a:xfrm>
           <a:prstGeom prst="rect">
             <a:avLst/>
@@ -8027,6 +8021,34 @@
       <p:pic>
         <p:nvPicPr>
           <p:cNvPr id="139" name="Google Shape;139;p22"/>
+          <p:cNvPicPr preferRelativeResize="0"/>
+          <p:nvPr/>
+        </p:nvPicPr>
+        <p:blipFill>
+          <a:blip r:embed="rId5">
+            <a:alphaModFix/>
+          </a:blip>
+          <a:stretch>
+            <a:fillRect/>
+          </a:stretch>
+        </p:blipFill>
+        <p:spPr>
+          <a:xfrm>
+            <a:off x="2045143" y="3304124"/>
+            <a:ext cx="692983" cy="627887"/>
+          </a:xfrm>
+          <a:prstGeom prst="rect">
+            <a:avLst/>
+          </a:prstGeom>
+          <a:noFill/>
+          <a:ln>
+            <a:noFill/>
+          </a:ln>
+        </p:spPr>
+      </p:pic>
+      <p:pic>
+        <p:nvPicPr>
+          <p:cNvPr id="140" name="Google Shape;140;p22"/>
           <p:cNvPicPr preferRelativeResize="0"/>
           <p:nvPr/>
         </p:nvPicPr>
@@ -8054,7 +8076,7 @@
       </p:pic>
       <p:sp>
         <p:nvSpPr>
-          <p:cNvPr id="140" name="Google Shape;140;p22"/>
+          <p:cNvPr id="141" name="Google Shape;141;p22"/>
           <p:cNvSpPr txBox="1"/>
           <p:nvPr/>
         </p:nvSpPr>
@@ -8106,7 +8128,7 @@
       </p:sp>
       <p:sp>
         <p:nvSpPr>
-          <p:cNvPr id="141" name="Google Shape;141;p22"/>
+          <p:cNvPr id="142" name="Google Shape;142;p22"/>
           <p:cNvSpPr txBox="1"/>
           <p:nvPr/>
         </p:nvSpPr>
@@ -8161,6 +8183,266 @@
   <p:clrMapOvr>
     <a:masterClrMapping/>
   </p:clrMapOvr>
+  <p:timing>
+    <p:tnLst>
+      <p:par>
+        <p:cTn dur="indefinite" nodeType="tmRoot" restart="never">
+          <p:childTnLst>
+            <p:seq concurrent="1" nextAc="seek">
+              <p:cTn dur="indefinite" id="2" nodeType="mainSeq">
+                <p:childTnLst>
+                  <p:par>
+                    <p:cTn fill="hold">
+                      <p:stCondLst>
+                        <p:cond delay="indefinite"/>
+                      </p:stCondLst>
+                      <p:childTnLst>
+                        <p:par>
+                          <p:cTn fill="hold">
+                            <p:stCondLst>
+                              <p:cond delay="0"/>
+                            </p:stCondLst>
+                            <p:childTnLst>
+                              <p:par>
+                                <p:cTn fill="hold" nodeType="clickEffect" presetClass="entr" presetID="1" presetSubtype="0">
+                                  <p:stCondLst>
+                                    <p:cond delay="0"/>
+                                  </p:stCondLst>
+                                  <p:childTnLst>
+                                    <p:set>
+                                      <p:cBhvr>
+                                        <p:cTn dur="1" fill="hold">
+                                          <p:stCondLst>
+                                            <p:cond delay="0"/>
+                                          </p:stCondLst>
+                                        </p:cTn>
+                                        <p:tgtEl>
+                                          <p:spTgt spid="138"/>
+                                        </p:tgtEl>
+                                        <p:attrNameLst>
+                                          <p:attrName>style.visibility</p:attrName>
+                                        </p:attrNameLst>
+                                      </p:cBhvr>
+                                      <p:to>
+                                        <p:strVal val="visible"/>
+                                      </p:to>
+                                    </p:set>
+                                  </p:childTnLst>
+                                </p:cTn>
+                              </p:par>
+                              <p:par>
+                                <p:cTn fill="hold" nodeType="withEffect" presetClass="entr" presetID="10" presetSubtype="0">
+                                  <p:stCondLst>
+                                    <p:cond delay="0"/>
+                                  </p:stCondLst>
+                                  <p:childTnLst>
+                                    <p:set>
+                                      <p:cBhvr>
+                                        <p:cTn dur="1" fill="hold">
+                                          <p:stCondLst>
+                                            <p:cond delay="0"/>
+                                          </p:stCondLst>
+                                        </p:cTn>
+                                        <p:tgtEl>
+                                          <p:spTgt spid="139"/>
+                                        </p:tgtEl>
+                                        <p:attrNameLst>
+                                          <p:attrName>style.visibility</p:attrName>
+                                        </p:attrNameLst>
+                                      </p:cBhvr>
+                                      <p:to>
+                                        <p:strVal val="visible"/>
+                                      </p:to>
+                                    </p:set>
+                                    <p:animEffect filter="fade" transition="in">
+                                      <p:cBhvr>
+                                        <p:cTn dur="1000"/>
+                                        <p:tgtEl>
+                                          <p:spTgt spid="139"/>
+                                        </p:tgtEl>
+                                      </p:cBhvr>
+                                    </p:animEffect>
+                                  </p:childTnLst>
+                                </p:cTn>
+                              </p:par>
+                              <p:par>
+                                <p:cTn fill="hold" nodeType="withEffect" presetClass="entr" presetID="10" presetSubtype="0">
+                                  <p:stCondLst>
+                                    <p:cond delay="0"/>
+                                  </p:stCondLst>
+                                  <p:childTnLst>
+                                    <p:set>
+                                      <p:cBhvr>
+                                        <p:cTn dur="1" fill="hold">
+                                          <p:stCondLst>
+                                            <p:cond delay="0"/>
+                                          </p:stCondLst>
+                                        </p:cTn>
+                                        <p:tgtEl>
+                                          <p:spTgt spid="137"/>
+                                        </p:tgtEl>
+                                        <p:attrNameLst>
+                                          <p:attrName>style.visibility</p:attrName>
+                                        </p:attrNameLst>
+                                      </p:cBhvr>
+                                      <p:to>
+                                        <p:strVal val="visible"/>
+                                      </p:to>
+                                    </p:set>
+                                    <p:animEffect filter="fade" transition="in">
+                                      <p:cBhvr>
+                                        <p:cTn dur="1000"/>
+                                        <p:tgtEl>
+                                          <p:spTgt spid="137"/>
+                                        </p:tgtEl>
+                                      </p:cBhvr>
+                                    </p:animEffect>
+                                  </p:childTnLst>
+                                </p:cTn>
+                              </p:par>
+                            </p:childTnLst>
+                          </p:cTn>
+                        </p:par>
+                      </p:childTnLst>
+                    </p:cTn>
+                  </p:par>
+                  <p:par>
+                    <p:cTn fill="hold">
+                      <p:stCondLst>
+                        <p:cond delay="indefinite"/>
+                      </p:stCondLst>
+                      <p:childTnLst>
+                        <p:par>
+                          <p:cTn fill="hold">
+                            <p:stCondLst>
+                              <p:cond delay="0"/>
+                            </p:stCondLst>
+                            <p:childTnLst>
+                              <p:par>
+                                <p:cTn fill="hold" nodeType="clickEffect" presetClass="entr" presetID="1" presetSubtype="0">
+                                  <p:stCondLst>
+                                    <p:cond delay="0"/>
+                                  </p:stCondLst>
+                                  <p:childTnLst>
+                                    <p:set>
+                                      <p:cBhvr>
+                                        <p:cTn dur="1" fill="hold">
+                                          <p:stCondLst>
+                                            <p:cond delay="0"/>
+                                          </p:stCondLst>
+                                        </p:cTn>
+                                        <p:tgtEl>
+                                          <p:spTgt spid="140"/>
+                                        </p:tgtEl>
+                                        <p:attrNameLst>
+                                          <p:attrName>style.visibility</p:attrName>
+                                        </p:attrNameLst>
+                                      </p:cBhvr>
+                                      <p:to>
+                                        <p:strVal val="visible"/>
+                                      </p:to>
+                                    </p:set>
+                                  </p:childTnLst>
+                                </p:cTn>
+                              </p:par>
+                              <p:par>
+                                <p:cTn fill="hold" nodeType="withEffect" presetClass="entr" presetID="10" presetSubtype="0">
+                                  <p:stCondLst>
+                                    <p:cond delay="0"/>
+                                  </p:stCondLst>
+                                  <p:childTnLst>
+                                    <p:set>
+                                      <p:cBhvr>
+                                        <p:cTn dur="1" fill="hold">
+                                          <p:stCondLst>
+                                            <p:cond delay="0"/>
+                                          </p:stCondLst>
+                                        </p:cTn>
+                                        <p:tgtEl>
+                                          <p:spTgt spid="141"/>
+                                        </p:tgtEl>
+                                        <p:attrNameLst>
+                                          <p:attrName>style.visibility</p:attrName>
+                                        </p:attrNameLst>
+                                      </p:cBhvr>
+                                      <p:to>
+                                        <p:strVal val="visible"/>
+                                      </p:to>
+                                    </p:set>
+                                    <p:animEffect filter="fade" transition="in">
+                                      <p:cBhvr>
+                                        <p:cTn dur="1000"/>
+                                        <p:tgtEl>
+                                          <p:spTgt spid="141"/>
+                                        </p:tgtEl>
+                                      </p:cBhvr>
+                                    </p:animEffect>
+                                  </p:childTnLst>
+                                </p:cTn>
+                              </p:par>
+                              <p:par>
+                                <p:cTn fill="hold" nodeType="withEffect" presetClass="entr" presetID="10" presetSubtype="0">
+                                  <p:stCondLst>
+                                    <p:cond delay="0"/>
+                                  </p:stCondLst>
+                                  <p:childTnLst>
+                                    <p:set>
+                                      <p:cBhvr>
+                                        <p:cTn dur="1" fill="hold">
+                                          <p:stCondLst>
+                                            <p:cond delay="0"/>
+                                          </p:stCondLst>
+                                        </p:cTn>
+                                        <p:tgtEl>
+                                          <p:spTgt spid="142"/>
+                                        </p:tgtEl>
+                                        <p:attrNameLst>
+                                          <p:attrName>style.visibility</p:attrName>
+                                        </p:attrNameLst>
+                                      </p:cBhvr>
+                                      <p:to>
+                                        <p:strVal val="visible"/>
+                                      </p:to>
+                                    </p:set>
+                                    <p:animEffect filter="fade" transition="in">
+                                      <p:cBhvr>
+                                        <p:cTn dur="1000"/>
+                                        <p:tgtEl>
+                                          <p:spTgt spid="142"/>
+                                        </p:tgtEl>
+                                      </p:cBhvr>
+                                    </p:animEffect>
+                                  </p:childTnLst>
+                                </p:cTn>
+                              </p:par>
+                            </p:childTnLst>
+                          </p:cTn>
+                        </p:par>
+                      </p:childTnLst>
+                    </p:cTn>
+                  </p:par>
+                </p:childTnLst>
+              </p:cTn>
+              <p:prevCondLst>
+                <p:cond evt="onPrev">
+                  <p:tgtEl>
+                    <p:sldTgt/>
+                  </p:tgtEl>
+                </p:cond>
+              </p:prevCondLst>
+              <p:nextCondLst>
+                <p:cond evt="onNext">
+                  <p:tgtEl>
+                    <p:sldTgt/>
+                  </p:tgtEl>
+                </p:cond>
+              </p:nextCondLst>
+            </p:seq>
+          </p:childTnLst>
+        </p:cTn>
+      </p:par>
+    </p:tnLst>
+  </p:timing>
 </p:sld>
 </file>
 
@@ -8169,7 +8451,7 @@
   <p:cSld>
     <p:spTree>
       <p:nvGrpSpPr>
-        <p:cNvPr id="145" name="Shape 145"/>
+        <p:cNvPr id="146" name="Shape 146"/>
         <p:cNvGrpSpPr/>
         <p:nvPr/>
       </p:nvGrpSpPr>
@@ -8183,7 +8465,7 @@
       </p:grpSpPr>
       <p:sp>
         <p:nvSpPr>
-          <p:cNvPr id="146" name="Google Shape;146;p23"/>
+          <p:cNvPr id="147" name="Google Shape;147;p23"/>
           <p:cNvSpPr txBox="1"/>
           <p:nvPr>
             <p:ph type="title"/>
@@ -8251,7 +8533,7 @@
   <p:cSld>
     <p:spTree>
       <p:nvGrpSpPr>
-        <p:cNvPr id="150" name="Shape 150"/>
+        <p:cNvPr id="151" name="Shape 151"/>
         <p:cNvGrpSpPr/>
         <p:nvPr/>
       </p:nvGrpSpPr>
@@ -8265,7 +8547,7 @@
       </p:grpSpPr>
       <p:sp>
         <p:nvSpPr>
-          <p:cNvPr id="151" name="Google Shape;151;p24"/>
+          <p:cNvPr id="152" name="Google Shape;152;p24"/>
           <p:cNvSpPr txBox="1"/>
           <p:nvPr/>
         </p:nvSpPr>
@@ -8313,7 +8595,7 @@
       </p:sp>
       <p:pic>
         <p:nvPicPr>
-          <p:cNvPr id="152" name="Google Shape;152;p24"/>
+          <p:cNvPr id="153" name="Google Shape;153;p24"/>
           <p:cNvPicPr preferRelativeResize="0"/>
           <p:nvPr/>
         </p:nvPicPr>
@@ -8586,8 +8868,8 @@
         </p:nvSpPr>
         <p:spPr>
           <a:xfrm>
-            <a:off x="385925" y="887450"/>
-            <a:ext cx="8520600" cy="2645700"/>
+            <a:off x="4984225" y="887450"/>
+            <a:ext cx="3580800" cy="3911400"/>
           </a:xfrm>
           <a:prstGeom prst="rect">
             <a:avLst/>
@@ -8595,7 +8877,7 @@
         </p:spPr>
         <p:txBody>
           <a:bodyPr anchorCtr="0" anchor="t" bIns="91425" lIns="91425" spcFirstLastPara="1" rIns="91425" wrap="square" tIns="91425">
-            <a:normAutofit fontScale="62500" lnSpcReduction="20000"/>
+            <a:normAutofit fontScale="55000" lnSpcReduction="20000"/>
           </a:bodyPr>
           <a:lstStyle/>
           <a:p>
@@ -8612,12 +8894,12 @@
               <a:buClr>
                 <a:schemeClr val="dk1"/>
               </a:buClr>
-              <a:buSzPct val="38810"/>
+              <a:buSzPct val="36736"/>
               <a:buFont typeface="Arial"/>
               <a:buNone/>
             </a:pPr>
             <a:r>
-              <a:rPr lang="es" sz="2834">
+              <a:rPr lang="es" sz="2994">
                 <a:solidFill>
                   <a:srgbClr val="5C6370"/>
                 </a:solidFill>
@@ -8632,7 +8914,7 @@
               <a:t>Las </a:t>
             </a:r>
             <a:r>
-              <a:rPr b="1" lang="es" sz="2834">
+              <a:rPr b="1" lang="es" sz="2994">
                 <a:solidFill>
                   <a:srgbClr val="5C6370"/>
                 </a:solidFill>
@@ -8647,7 +8929,7 @@
               <a:t>pruebas unitarias o </a:t>
             </a:r>
             <a:r>
-              <a:rPr b="1" i="1" lang="es" sz="2834">
+              <a:rPr b="1" i="1" lang="es" sz="2994">
                 <a:solidFill>
                   <a:srgbClr val="5C6370"/>
                 </a:solidFill>
@@ -8662,7 +8944,7 @@
               <a:t>unit testing</a:t>
             </a:r>
             <a:r>
-              <a:rPr lang="es" sz="2834">
+              <a:rPr lang="es" sz="2994">
                 <a:solidFill>
                   <a:srgbClr val="5C6370"/>
                 </a:solidFill>
@@ -8676,7 +8958,7 @@
               </a:rPr>
               <a:t> son una forma de comprobar que un fragmento de código funciona correctamente. Es un procedimiento más de los que se llevan a cabo dentro de una metodología ágil de trabajo.</a:t>
             </a:r>
-            <a:endParaRPr sz="2834">
+            <a:endParaRPr sz="2994">
               <a:solidFill>
                 <a:srgbClr val="5C6370"/>
               </a:solidFill>
@@ -8690,7 +8972,7 @@
             </a:endParaRPr>
           </a:p>
           <a:p>
-            <a:pPr indent="0" lvl="0" marL="0" rtl="0" algn="ctr">
+            <a:pPr indent="0" lvl="0" marL="0" rtl="0" algn="l">
               <a:lnSpc>
                 <a:spcPct val="150000"/>
               </a:lnSpc>
@@ -8756,8 +9038,8 @@
         </p:blipFill>
         <p:spPr>
           <a:xfrm>
-            <a:off x="852200" y="2035125"/>
-            <a:ext cx="3055824" cy="2938675"/>
+            <a:off x="712499" y="1082628"/>
+            <a:ext cx="3700503" cy="3716225"/>
           </a:xfrm>
           <a:prstGeom prst="rect">
             <a:avLst/>
@@ -8808,6 +9090,78 @@
                                         </p:cTn>
                                         <p:tgtEl>
                                           <p:spTgt spid="76"/>
+                                        </p:tgtEl>
+                                        <p:attrNameLst>
+                                          <p:attrName>style.visibility</p:attrName>
+                                        </p:attrNameLst>
+                                      </p:cBhvr>
+                                      <p:to>
+                                        <p:strVal val="visible"/>
+                                      </p:to>
+                                    </p:set>
+                                  </p:childTnLst>
+                                </p:cTn>
+                              </p:par>
+                              <p:par>
+                                <p:cTn fill="hold" nodeType="withEffect" presetClass="entr" presetID="1" presetSubtype="0">
+                                  <p:stCondLst>
+                                    <p:cond delay="0"/>
+                                  </p:stCondLst>
+                                  <p:childTnLst>
+                                    <p:set>
+                                      <p:cBhvr>
+                                        <p:cTn dur="1" fill="hold">
+                                          <p:stCondLst>
+                                            <p:cond delay="0"/>
+                                          </p:stCondLst>
+                                        </p:cTn>
+                                        <p:tgtEl>
+                                          <p:spTgt spid="77"/>
+                                        </p:tgtEl>
+                                        <p:attrNameLst>
+                                          <p:attrName>style.visibility</p:attrName>
+                                        </p:attrNameLst>
+                                      </p:cBhvr>
+                                      <p:to>
+                                        <p:strVal val="visible"/>
+                                      </p:to>
+                                    </p:set>
+                                  </p:childTnLst>
+                                </p:cTn>
+                              </p:par>
+                            </p:childTnLst>
+                          </p:cTn>
+                        </p:par>
+                      </p:childTnLst>
+                    </p:cTn>
+                  </p:par>
+                  <p:par>
+                    <p:cTn fill="hold">
+                      <p:stCondLst>
+                        <p:cond delay="indefinite"/>
+                      </p:stCondLst>
+                      <p:childTnLst>
+                        <p:par>
+                          <p:cTn fill="hold">
+                            <p:stCondLst>
+                              <p:cond delay="0"/>
+                            </p:stCondLst>
+                            <p:childTnLst>
+                              <p:par>
+                                <p:cTn fill="hold" nodeType="clickEffect" presetClass="entr" presetID="1" presetSubtype="0">
+                                  <p:stCondLst>
+                                    <p:cond delay="0"/>
+                                  </p:stCondLst>
+                                  <p:childTnLst>
+                                    <p:set>
+                                      <p:cBhvr>
+                                        <p:cTn dur="1" fill="hold">
+                                          <p:stCondLst>
+                                            <p:cond delay="0"/>
+                                          </p:stCondLst>
+                                        </p:cTn>
+                                        <p:tgtEl>
+                                          <p:spTgt spid="78"/>
                                         </p:tgtEl>
                                         <p:attrNameLst>
                                           <p:attrName>style.visibility</p:attrName>
@@ -8878,7 +9232,7 @@
         </p:nvSpPr>
         <p:spPr>
           <a:xfrm>
-            <a:off x="311700" y="315925"/>
+            <a:off x="120700" y="85800"/>
             <a:ext cx="8520600" cy="831300"/>
           </a:xfrm>
           <a:prstGeom prst="rect">
@@ -8927,8 +9281,8 @@
         </p:nvSpPr>
         <p:spPr>
           <a:xfrm>
-            <a:off x="311700" y="1225225"/>
-            <a:ext cx="8520600" cy="3354000"/>
+            <a:off x="309700" y="1020750"/>
+            <a:ext cx="8331600" cy="1551000"/>
           </a:xfrm>
           <a:prstGeom prst="rect">
             <a:avLst/>
@@ -8937,7 +9291,7 @@
         </p:spPr>
         <p:txBody>
           <a:bodyPr anchorCtr="0" anchor="t" bIns="91425" lIns="91425" spcFirstLastPara="1" rIns="91425" wrap="square" tIns="91425">
-            <a:normAutofit/>
+            <a:noAutofit/>
           </a:bodyPr>
           <a:lstStyle/>
           <a:p>
@@ -8949,7 +9303,7 @@
                 <a:spcPts val="0"/>
               </a:spcAft>
               <a:buClr>
-                <a:schemeClr val="lt2"/>
+                <a:schemeClr val="dk1"/>
               </a:buClr>
               <a:buSzPts val="1800"/>
               <a:buFont typeface="Montserrat"/>
@@ -8957,9 +9311,6 @@
             </a:pPr>
             <a:r>
               <a:rPr lang="es">
-                <a:solidFill>
-                  <a:srgbClr val="404040"/>
-                </a:solidFill>
                 <a:highlight>
                   <a:srgbClr val="FFFFFF"/>
                 </a:highlight>
@@ -8968,13 +9319,10 @@
                 <a:cs typeface="Montserrat"/>
                 <a:sym typeface="Montserrat"/>
               </a:rPr>
-              <a:t>   </a:t>
+              <a:t> </a:t>
             </a:r>
             <a:r>
               <a:rPr lang="es" sz="2100">
-                <a:solidFill>
-                  <a:srgbClr val="404040"/>
-                </a:solidFill>
                 <a:highlight>
                   <a:srgbClr val="FFFFFF"/>
                 </a:highlight>
@@ -8983,12 +9331,9 @@
                 <a:cs typeface="Montserrat"/>
                 <a:sym typeface="Montserrat"/>
               </a:rPr>
-              <a:t>      Lógica del código </a:t>
+              <a:t>Lógica del código </a:t>
             </a:r>
             <a:endParaRPr sz="2100">
-              <a:solidFill>
-                <a:srgbClr val="404040"/>
-              </a:solidFill>
               <a:highlight>
                 <a:srgbClr val="FFFFFF"/>
               </a:highlight>
@@ -9007,7 +9352,7 @@
                 <a:spcPts val="0"/>
               </a:spcAft>
               <a:buClr>
-                <a:schemeClr val="lt2"/>
+                <a:schemeClr val="dk1"/>
               </a:buClr>
               <a:buSzPts val="2100"/>
               <a:buFont typeface="Montserrat"/>
@@ -9015,9 +9360,6 @@
             </a:pPr>
             <a:r>
               <a:rPr lang="es" sz="2100">
-                <a:solidFill>
-                  <a:srgbClr val="404040"/>
-                </a:solidFill>
                 <a:highlight>
                   <a:srgbClr val="FFFFFF"/>
                 </a:highlight>
@@ -9026,12 +9368,9 @@
                 <a:cs typeface="Montserrat"/>
                 <a:sym typeface="Montserrat"/>
               </a:rPr>
-              <a:t>         Legibilidad del código </a:t>
+              <a:t>Legibilidad del código       </a:t>
             </a:r>
             <a:endParaRPr sz="2100">
-              <a:solidFill>
-                <a:srgbClr val="404040"/>
-              </a:solidFill>
               <a:highlight>
                 <a:srgbClr val="FFFFFF"/>
               </a:highlight>
@@ -9050,7 +9389,7 @@
                 <a:spcPts val="0"/>
               </a:spcAft>
               <a:buClr>
-                <a:schemeClr val="lt2"/>
+                <a:schemeClr val="dk1"/>
               </a:buClr>
               <a:buSzPts val="2100"/>
               <a:buFont typeface="Montserrat"/>
@@ -9058,9 +9397,6 @@
             </a:pPr>
             <a:r>
               <a:rPr lang="es" sz="2100">
-                <a:solidFill>
-                  <a:srgbClr val="404040"/>
-                </a:solidFill>
                 <a:highlight>
                   <a:srgbClr val="FFFFFF"/>
                 </a:highlight>
@@ -9069,12 +9405,9 @@
                 <a:cs typeface="Montserrat"/>
                 <a:sym typeface="Montserrat"/>
               </a:rPr>
-              <a:t>         Documentación </a:t>
+              <a:t>Documentación          </a:t>
             </a:r>
             <a:endParaRPr sz="2100">
-              <a:solidFill>
-                <a:srgbClr val="404040"/>
-              </a:solidFill>
               <a:highlight>
                 <a:srgbClr val="FFFFFF"/>
               </a:highlight>
@@ -9093,7 +9426,7 @@
                 <a:spcPts val="0"/>
               </a:spcAft>
               <a:buClr>
-                <a:schemeClr val="lt2"/>
+                <a:schemeClr val="dk1"/>
               </a:buClr>
               <a:buSzPts val="2100"/>
               <a:buFont typeface="Montserrat"/>
@@ -9101,9 +9434,6 @@
             </a:pPr>
             <a:r>
               <a:rPr lang="es" sz="2100">
-                <a:solidFill>
-                  <a:srgbClr val="404040"/>
-                </a:solidFill>
                 <a:highlight>
                   <a:srgbClr val="FFFFFF"/>
                 </a:highlight>
@@ -9112,14 +9442,75 @@
                 <a:cs typeface="Montserrat"/>
                 <a:sym typeface="Montserrat"/>
               </a:rPr>
-              <a:t>         Pocos milisegundos </a:t>
+              <a:t>Pocos milisegundos </a:t>
+            </a:r>
+            <a:endParaRPr/>
+          </a:p>
+        </p:txBody>
+      </p:sp>
+      <p:sp>
+        <p:nvSpPr>
+          <p:cNvPr id="85" name="Google Shape;85;p16"/>
+          <p:cNvSpPr txBox="1"/>
+          <p:nvPr/>
+        </p:nvSpPr>
+        <p:spPr>
+          <a:xfrm>
+            <a:off x="309700" y="2735350"/>
+            <a:ext cx="7264800" cy="1251300"/>
+          </a:xfrm>
+          <a:prstGeom prst="rect">
+            <a:avLst/>
+          </a:prstGeom>
+          <a:noFill/>
+          <a:ln>
+            <a:noFill/>
+          </a:ln>
+        </p:spPr>
+        <p:txBody>
+          <a:bodyPr anchorCtr="0" anchor="t" bIns="91425" lIns="91425" spcFirstLastPara="1" rIns="91425" wrap="square" tIns="91425">
+            <a:spAutoFit/>
+          </a:bodyPr>
+          <a:lstStyle/>
+          <a:p>
+            <a:pPr indent="-43350" lvl="0" marL="809999" rtl="0" algn="l">
+              <a:lnSpc>
+                <a:spcPct val="115000"/>
+              </a:lnSpc>
+              <a:spcBef>
+                <a:spcPts val="0"/>
+              </a:spcBef>
+              <a:spcAft>
+                <a:spcPts val="0"/>
+              </a:spcAft>
+              <a:buClr>
+                <a:schemeClr val="dk1"/>
+              </a:buClr>
+              <a:buSzPts val="2100"/>
+              <a:buFont typeface="Montserrat"/>
+              <a:buChar char="●"/>
+            </a:pPr>
+            <a:r>
+              <a:rPr lang="es" sz="2100">
+                <a:solidFill>
+                  <a:schemeClr val="dk1"/>
+                </a:solidFill>
+                <a:highlight>
+                  <a:schemeClr val="lt1"/>
+                </a:highlight>
+                <a:latin typeface="Montserrat"/>
+                <a:ea typeface="Montserrat"/>
+                <a:cs typeface="Montserrat"/>
+                <a:sym typeface="Montserrat"/>
+              </a:rPr>
+              <a:t>         Refactorizar el código </a:t>
             </a:r>
             <a:endParaRPr sz="2100">
               <a:solidFill>
-                <a:srgbClr val="404040"/>
+                <a:schemeClr val="dk1"/>
               </a:solidFill>
               <a:highlight>
-                <a:srgbClr val="FFFFFF"/>
+                <a:schemeClr val="lt1"/>
               </a:highlight>
               <a:latin typeface="Montserrat"/>
               <a:ea typeface="Montserrat"/>
@@ -9129,6 +9520,9 @@
           </a:p>
           <a:p>
             <a:pPr indent="-43350" lvl="0" marL="809999" rtl="0" algn="l">
+              <a:lnSpc>
+                <a:spcPct val="115000"/>
+              </a:lnSpc>
               <a:spcBef>
                 <a:spcPts val="0"/>
               </a:spcBef>
@@ -9136,7 +9530,7 @@
                 <a:spcPts val="0"/>
               </a:spcAft>
               <a:buClr>
-                <a:schemeClr val="lt2"/>
+                <a:schemeClr val="dk1"/>
               </a:buClr>
               <a:buSzPts val="2100"/>
               <a:buFont typeface="Montserrat"/>
@@ -9145,53 +9539,10 @@
             <a:r>
               <a:rPr lang="es" sz="2100">
                 <a:solidFill>
-                  <a:srgbClr val="404040"/>
+                  <a:schemeClr val="dk1"/>
                 </a:solidFill>
                 <a:highlight>
-                  <a:srgbClr val="FFFFFF"/>
-                </a:highlight>
-                <a:latin typeface="Montserrat"/>
-                <a:ea typeface="Montserrat"/>
-                <a:cs typeface="Montserrat"/>
-                <a:sym typeface="Montserrat"/>
-              </a:rPr>
-              <a:t>         Refactorizar el código </a:t>
-            </a:r>
-            <a:endParaRPr sz="2100">
-              <a:solidFill>
-                <a:srgbClr val="404040"/>
-              </a:solidFill>
-              <a:highlight>
-                <a:srgbClr val="FFFFFF"/>
-              </a:highlight>
-              <a:latin typeface="Montserrat"/>
-              <a:ea typeface="Montserrat"/>
-              <a:cs typeface="Montserrat"/>
-              <a:sym typeface="Montserrat"/>
-            </a:endParaRPr>
-          </a:p>
-          <a:p>
-            <a:pPr indent="-43350" lvl="0" marL="809999" rtl="0" algn="l">
-              <a:spcBef>
-                <a:spcPts val="0"/>
-              </a:spcBef>
-              <a:spcAft>
-                <a:spcPts val="0"/>
-              </a:spcAft>
-              <a:buClr>
-                <a:schemeClr val="lt2"/>
-              </a:buClr>
-              <a:buSzPts val="2100"/>
-              <a:buFont typeface="Montserrat"/>
-              <a:buChar char="●"/>
-            </a:pPr>
-            <a:r>
-              <a:rPr lang="es" sz="2100">
-                <a:solidFill>
-                  <a:srgbClr val="404040"/>
-                </a:solidFill>
-                <a:highlight>
-                  <a:srgbClr val="FFFFFF"/>
+                  <a:schemeClr val="lt1"/>
                 </a:highlight>
                 <a:latin typeface="Montserrat"/>
                 <a:ea typeface="Montserrat"/>
@@ -9202,10 +9553,10 @@
             </a:r>
             <a:endParaRPr sz="2100">
               <a:solidFill>
-                <a:srgbClr val="404040"/>
+                <a:schemeClr val="dk1"/>
               </a:solidFill>
               <a:highlight>
-                <a:srgbClr val="FFFFFF"/>
+                <a:schemeClr val="lt1"/>
               </a:highlight>
               <a:latin typeface="Montserrat"/>
               <a:ea typeface="Montserrat"/>
@@ -9215,6 +9566,9 @@
           </a:p>
           <a:p>
             <a:pPr indent="-24300" lvl="0" marL="809999" rtl="0" algn="l">
+              <a:lnSpc>
+                <a:spcPct val="115000"/>
+              </a:lnSpc>
               <a:spcBef>
                 <a:spcPts val="0"/>
               </a:spcBef>
@@ -9222,7 +9576,7 @@
                 <a:spcPts val="0"/>
               </a:spcAft>
               <a:buClr>
-                <a:schemeClr val="lt2"/>
+                <a:schemeClr val="dk1"/>
               </a:buClr>
               <a:buSzPts val="1800"/>
               <a:buFont typeface="Montserrat"/>
@@ -9231,10 +9585,10 @@
             <a:r>
               <a:rPr lang="es" sz="2100">
                 <a:solidFill>
-                  <a:srgbClr val="404040"/>
+                  <a:schemeClr val="dk1"/>
                 </a:solidFill>
                 <a:highlight>
-                  <a:srgbClr val="FFFFFF"/>
+                  <a:schemeClr val="lt1"/>
                 </a:highlight>
                 <a:latin typeface="Montserrat"/>
                 <a:ea typeface="Montserrat"/>
@@ -9244,12 +9598,12 @@
               <a:t>         Probar distintas partes del proyecto</a:t>
             </a:r>
             <a:r>
-              <a:rPr lang="es">
+              <a:rPr lang="es" sz="1800">
                 <a:solidFill>
-                  <a:srgbClr val="404040"/>
+                  <a:schemeClr val="dk1"/>
                 </a:solidFill>
                 <a:highlight>
-                  <a:srgbClr val="FFFFFF"/>
+                  <a:schemeClr val="lt1"/>
                 </a:highlight>
                 <a:latin typeface="Montserrat"/>
                 <a:ea typeface="Montserrat"/>
@@ -9258,7 +9612,15 @@
               </a:rPr>
               <a:t> </a:t>
             </a:r>
-            <a:endParaRPr/>
+            <a:endParaRPr>
+              <a:solidFill>
+                <a:schemeClr val="dk1"/>
+              </a:solidFill>
+              <a:latin typeface="Open Sans"/>
+              <a:ea typeface="Open Sans"/>
+              <a:cs typeface="Open Sans"/>
+              <a:sym typeface="Open Sans"/>
+            </a:endParaRPr>
           </a:p>
         </p:txBody>
       </p:sp>
@@ -9267,6 +9629,81 @@
   <p:clrMapOvr>
     <a:masterClrMapping/>
   </p:clrMapOvr>
+  <p:timing>
+    <p:tnLst>
+      <p:par>
+        <p:cTn dur="indefinite" nodeType="tmRoot" restart="never">
+          <p:childTnLst>
+            <p:seq concurrent="1" nextAc="seek">
+              <p:cTn dur="indefinite" id="2" nodeType="mainSeq">
+                <p:childTnLst>
+                  <p:par>
+                    <p:cTn fill="hold">
+                      <p:stCondLst>
+                        <p:cond delay="indefinite"/>
+                      </p:stCondLst>
+                      <p:childTnLst>
+                        <p:par>
+                          <p:cTn fill="hold">
+                            <p:stCondLst>
+                              <p:cond delay="0"/>
+                            </p:stCondLst>
+                            <p:childTnLst>
+                              <p:par>
+                                <p:cTn fill="hold" nodeType="clickEffect" presetClass="entr" presetID="1" presetSubtype="0">
+                                  <p:stCondLst>
+                                    <p:cond delay="0"/>
+                                  </p:stCondLst>
+                                  <p:childTnLst>
+                                    <p:set>
+                                      <p:cBhvr>
+                                        <p:cTn dur="1" fill="hold">
+                                          <p:stCondLst>
+                                            <p:cond delay="0"/>
+                                          </p:stCondLst>
+                                        </p:cTn>
+                                        <p:tgtEl>
+                                          <p:spTgt spid="85"/>
+                                        </p:tgtEl>
+                                        <p:attrNameLst>
+                                          <p:attrName>style.visibility</p:attrName>
+                                        </p:attrNameLst>
+                                      </p:cBhvr>
+                                      <p:to>
+                                        <p:strVal val="visible"/>
+                                      </p:to>
+                                    </p:set>
+                                  </p:childTnLst>
+                                </p:cTn>
+                              </p:par>
+                            </p:childTnLst>
+                          </p:cTn>
+                        </p:par>
+                      </p:childTnLst>
+                    </p:cTn>
+                  </p:par>
+                </p:childTnLst>
+              </p:cTn>
+              <p:prevCondLst>
+                <p:cond evt="onPrev">
+                  <p:tgtEl>
+                    <p:sldTgt/>
+                  </p:tgtEl>
+                </p:cond>
+              </p:prevCondLst>
+              <p:nextCondLst>
+                <p:cond evt="onNext">
+                  <p:tgtEl>
+                    <p:sldTgt/>
+                  </p:tgtEl>
+                </p:cond>
+              </p:nextCondLst>
+            </p:seq>
+          </p:childTnLst>
+        </p:cTn>
+      </p:par>
+    </p:tnLst>
+  </p:timing>
 </p:sld>
 </file>
 
@@ -9275,7 +9712,7 @@
   <p:cSld>
     <p:spTree>
       <p:nvGrpSpPr>
-        <p:cNvPr id="88" name="Shape 88"/>
+        <p:cNvPr id="89" name="Shape 89"/>
         <p:cNvGrpSpPr/>
         <p:nvPr/>
       </p:nvGrpSpPr>
@@ -9289,7 +9726,7 @@
       </p:grpSpPr>
       <p:sp>
         <p:nvSpPr>
-          <p:cNvPr id="89" name="Google Shape;89;p17"/>
+          <p:cNvPr id="90" name="Google Shape;90;p17"/>
           <p:cNvSpPr txBox="1"/>
           <p:nvPr>
             <p:ph type="title"/>
@@ -9329,7 +9766,7 @@
       </p:sp>
       <p:sp>
         <p:nvSpPr>
-          <p:cNvPr id="90" name="Google Shape;90;p17"/>
+          <p:cNvPr id="91" name="Google Shape;91;p17"/>
           <p:cNvSpPr txBox="1"/>
           <p:nvPr>
             <p:ph idx="1" type="body"/>
@@ -9337,7 +9774,7 @@
         </p:nvSpPr>
         <p:spPr>
           <a:xfrm>
-            <a:off x="0" y="1069375"/>
+            <a:off x="79575" y="913525"/>
             <a:ext cx="8851200" cy="3751500"/>
           </a:xfrm>
           <a:prstGeom prst="rect">
@@ -9634,7 +10071,7 @@
   <p:cSld>
     <p:spTree>
       <p:nvGrpSpPr>
-        <p:cNvPr id="94" name="Shape 94"/>
+        <p:cNvPr id="95" name="Shape 95"/>
         <p:cNvGrpSpPr/>
         <p:nvPr/>
       </p:nvGrpSpPr>
@@ -9648,7 +10085,7 @@
       </p:grpSpPr>
       <p:sp>
         <p:nvSpPr>
-          <p:cNvPr id="95" name="Google Shape;95;p18"/>
+          <p:cNvPr id="96" name="Google Shape;96;p18"/>
           <p:cNvSpPr/>
           <p:nvPr/>
         </p:nvSpPr>
@@ -9706,7 +10143,7 @@
       </p:sp>
       <p:sp>
         <p:nvSpPr>
-          <p:cNvPr id="96" name="Google Shape;96;p18"/>
+          <p:cNvPr id="97" name="Google Shape;97;p18"/>
           <p:cNvSpPr/>
           <p:nvPr/>
         </p:nvSpPr>
@@ -9764,7 +10201,7 @@
       </p:sp>
       <p:sp>
         <p:nvSpPr>
-          <p:cNvPr id="97" name="Google Shape;97;p18"/>
+          <p:cNvPr id="98" name="Google Shape;98;p18"/>
           <p:cNvSpPr/>
           <p:nvPr/>
         </p:nvSpPr>
@@ -9822,7 +10259,7 @@
       </p:sp>
       <p:sp>
         <p:nvSpPr>
-          <p:cNvPr id="98" name="Google Shape;98;p18"/>
+          <p:cNvPr id="99" name="Google Shape;99;p18"/>
           <p:cNvSpPr/>
           <p:nvPr/>
         </p:nvSpPr>
@@ -9880,7 +10317,7 @@
       </p:sp>
       <p:sp>
         <p:nvSpPr>
-          <p:cNvPr id="99" name="Google Shape;99;p18"/>
+          <p:cNvPr id="100" name="Google Shape;100;p18"/>
           <p:cNvSpPr/>
           <p:nvPr/>
         </p:nvSpPr>
@@ -9938,7 +10375,7 @@
       </p:sp>
       <p:sp>
         <p:nvSpPr>
-          <p:cNvPr id="100" name="Google Shape;100;p18"/>
+          <p:cNvPr id="101" name="Google Shape;101;p18"/>
           <p:cNvSpPr/>
           <p:nvPr/>
         </p:nvSpPr>
@@ -10012,10 +10449,10 @@
       </p:sp>
       <p:cxnSp>
         <p:nvCxnSpPr>
-          <p:cNvPr id="101" name="Google Shape;101;p18"/>
+          <p:cNvPr id="102" name="Google Shape;102;p18"/>
           <p:cNvCxnSpPr>
-            <a:stCxn id="97" idx="6"/>
-            <a:endCxn id="99" idx="7"/>
+            <a:stCxn id="98" idx="6"/>
+            <a:endCxn id="100" idx="7"/>
           </p:cNvCxnSpPr>
           <p:nvPr/>
         </p:nvCxnSpPr>
@@ -10044,10 +10481,10 @@
       </p:cxnSp>
       <p:cxnSp>
         <p:nvCxnSpPr>
-          <p:cNvPr id="102" name="Google Shape;102;p18"/>
+          <p:cNvPr id="103" name="Google Shape;103;p18"/>
           <p:cNvCxnSpPr>
-            <a:stCxn id="99" idx="4"/>
-            <a:endCxn id="96" idx="5"/>
+            <a:stCxn id="100" idx="4"/>
+            <a:endCxn id="97" idx="5"/>
           </p:cNvCxnSpPr>
           <p:nvPr/>
         </p:nvCxnSpPr>
@@ -10075,10 +10512,10 @@
       </p:cxnSp>
       <p:cxnSp>
         <p:nvCxnSpPr>
-          <p:cNvPr id="103" name="Google Shape;103;p18"/>
+          <p:cNvPr id="104" name="Google Shape;104;p18"/>
           <p:cNvCxnSpPr>
-            <a:stCxn id="95" idx="2"/>
-            <a:endCxn id="100" idx="2"/>
+            <a:stCxn id="96" idx="2"/>
+            <a:endCxn id="101" idx="2"/>
           </p:cNvCxnSpPr>
           <p:nvPr/>
         </p:nvCxnSpPr>
@@ -10106,10 +10543,10 @@
       </p:cxnSp>
       <p:cxnSp>
         <p:nvCxnSpPr>
-          <p:cNvPr id="104" name="Google Shape;104;p18"/>
+          <p:cNvPr id="105" name="Google Shape;105;p18"/>
           <p:cNvCxnSpPr>
-            <a:stCxn id="100" idx="0"/>
-            <a:endCxn id="98" idx="1"/>
+            <a:stCxn id="101" idx="0"/>
+            <a:endCxn id="99" idx="1"/>
           </p:cNvCxnSpPr>
           <p:nvPr/>
         </p:nvCxnSpPr>
@@ -10137,7 +10574,7 @@
       </p:cxnSp>
       <p:sp>
         <p:nvSpPr>
-          <p:cNvPr id="105" name="Google Shape;105;p18"/>
+          <p:cNvPr id="106" name="Google Shape;106;p18"/>
           <p:cNvSpPr/>
           <p:nvPr/>
         </p:nvSpPr>
@@ -10251,10 +10688,10 @@
       </p:sp>
       <p:cxnSp>
         <p:nvCxnSpPr>
-          <p:cNvPr id="106" name="Google Shape;106;p18"/>
+          <p:cNvPr id="107" name="Google Shape;107;p18"/>
           <p:cNvCxnSpPr>
-            <a:stCxn id="96" idx="3"/>
-            <a:endCxn id="95" idx="4"/>
+            <a:stCxn id="97" idx="3"/>
+            <a:endCxn id="96" idx="4"/>
           </p:cNvCxnSpPr>
           <p:nvPr/>
         </p:nvCxnSpPr>
@@ -10282,10 +10719,10 @@
       </p:cxnSp>
       <p:cxnSp>
         <p:nvCxnSpPr>
-          <p:cNvPr id="107" name="Google Shape;107;p18"/>
+          <p:cNvPr id="108" name="Google Shape;108;p18"/>
           <p:cNvCxnSpPr>
-            <a:stCxn id="98" idx="7"/>
-            <a:endCxn id="97" idx="0"/>
+            <a:stCxn id="99" idx="7"/>
+            <a:endCxn id="98" idx="0"/>
           </p:cNvCxnSpPr>
           <p:nvPr/>
         </p:nvCxnSpPr>
@@ -10324,7 +10761,7 @@
   <p:cSld>
     <p:spTree>
       <p:nvGrpSpPr>
-        <p:cNvPr id="111" name="Shape 111"/>
+        <p:cNvPr id="112" name="Shape 112"/>
         <p:cNvGrpSpPr/>
         <p:nvPr/>
       </p:nvGrpSpPr>
@@ -10338,7 +10775,7 @@
       </p:grpSpPr>
       <p:pic>
         <p:nvPicPr>
-          <p:cNvPr id="112" name="Google Shape;112;p19"/>
+          <p:cNvPr id="113" name="Google Shape;113;p19"/>
           <p:cNvPicPr preferRelativeResize="0"/>
           <p:nvPr/>
         </p:nvPicPr>
@@ -10377,7 +10814,7 @@
   <p:cSld>
     <p:spTree>
       <p:nvGrpSpPr>
-        <p:cNvPr id="116" name="Shape 116"/>
+        <p:cNvPr id="117" name="Shape 117"/>
         <p:cNvGrpSpPr/>
         <p:nvPr/>
       </p:nvGrpSpPr>
@@ -10391,7 +10828,7 @@
       </p:grpSpPr>
       <p:pic>
         <p:nvPicPr>
-          <p:cNvPr id="117" name="Google Shape;117;p20"/>
+          <p:cNvPr id="118" name="Google Shape;118;p20"/>
           <p:cNvPicPr preferRelativeResize="0"/>
           <p:nvPr/>
         </p:nvPicPr>
@@ -10419,7 +10856,7 @@
       </p:pic>
       <p:sp>
         <p:nvSpPr>
-          <p:cNvPr id="118" name="Google Shape;118;p20"/>
+          <p:cNvPr id="119" name="Google Shape;119;p20"/>
           <p:cNvSpPr txBox="1"/>
           <p:nvPr/>
         </p:nvSpPr>
@@ -10475,7 +10912,7 @@
                   <a:srgbClr val="F8F9FA"/>
                 </a:highlight>
               </a:rPr>
-              <a:t> facilita las pruebas de automatización con C #, ya que es compatible con marcos de automatización de pruebas populares como Selenium.</a:t>
+              <a:t> facilita las pruebas de automatización con C#, ya que es compatible con marcos de automatización de pruebas populares como Selenium.</a:t>
             </a:r>
             <a:endParaRPr sz="1600">
               <a:solidFill>
@@ -10644,7 +11081,7 @@
       </p:sp>
       <p:sp>
         <p:nvSpPr>
-          <p:cNvPr id="119" name="Google Shape;119;p20"/>
+          <p:cNvPr id="120" name="Google Shape;120;p20"/>
           <p:cNvSpPr txBox="1"/>
           <p:nvPr/>
         </p:nvSpPr>
@@ -10774,7 +11211,7 @@
       </p:sp>
       <p:pic>
         <p:nvPicPr>
-          <p:cNvPr id="120" name="Google Shape;120;p20"/>
+          <p:cNvPr id="121" name="Google Shape;121;p20"/>
           <p:cNvPicPr preferRelativeResize="0"/>
           <p:nvPr/>
         </p:nvPicPr>
@@ -10813,7 +11250,7 @@
   <p:cSld>
     <p:spTree>
       <p:nvGrpSpPr>
-        <p:cNvPr id="124" name="Shape 124"/>
+        <p:cNvPr id="125" name="Shape 125"/>
         <p:cNvGrpSpPr/>
         <p:nvPr/>
       </p:nvGrpSpPr>
@@ -10827,7 +11264,7 @@
       </p:grpSpPr>
       <p:pic>
         <p:nvPicPr>
-          <p:cNvPr id="125" name="Google Shape;125;p21"/>
+          <p:cNvPr id="126" name="Google Shape;126;p21"/>
           <p:cNvPicPr preferRelativeResize="0"/>
           <p:nvPr/>
         </p:nvPicPr>
@@ -10855,7 +11292,7 @@
       </p:pic>
       <p:sp>
         <p:nvSpPr>
-          <p:cNvPr id="126" name="Google Shape;126;p21"/>
+          <p:cNvPr id="127" name="Google Shape;127;p21"/>
           <p:cNvSpPr txBox="1"/>
           <p:nvPr/>
         </p:nvSpPr>
@@ -10907,7 +11344,7 @@
       </p:sp>
       <p:sp>
         <p:nvSpPr>
-          <p:cNvPr id="127" name="Google Shape;127;p21"/>
+          <p:cNvPr id="128" name="Google Shape;128;p21"/>
           <p:cNvSpPr txBox="1"/>
           <p:nvPr/>
         </p:nvSpPr>
@@ -11170,7 +11607,29 @@
                   <a:srgbClr val="F8F9FA"/>
                 </a:highlight>
               </a:rPr>
-              <a:t>XUnit orientada a trabajos </a:t>
+              <a:t>XUnit </a:t>
+            </a:r>
+            <a:r>
+              <a:rPr lang="es" sz="1600">
+                <a:solidFill>
+                  <a:srgbClr val="202124"/>
+                </a:solidFill>
+                <a:highlight>
+                  <a:srgbClr val="F8F9FA"/>
+                </a:highlight>
+              </a:rPr>
+              <a:t>está</a:t>
+            </a:r>
+            <a:r>
+              <a:rPr lang="es" sz="1600">
+                <a:solidFill>
+                  <a:srgbClr val="202124"/>
+                </a:solidFill>
+                <a:highlight>
+                  <a:srgbClr val="F8F9FA"/>
+                </a:highlight>
+              </a:rPr>
+              <a:t> orientada a trabajos </a:t>
             </a:r>
             <a:r>
               <a:rPr lang="es" sz="1600">
@@ -11344,14 +11803,14 @@
       </p:sp>
       <p:sp>
         <p:nvSpPr>
-          <p:cNvPr id="128" name="Google Shape;128;p21"/>
+          <p:cNvPr id="129" name="Google Shape;129;p21"/>
           <p:cNvSpPr txBox="1"/>
           <p:nvPr/>
         </p:nvSpPr>
         <p:spPr>
           <a:xfrm>
-            <a:off x="140125" y="2806375"/>
-            <a:ext cx="5507100" cy="1580700"/>
+            <a:off x="51075" y="2806375"/>
+            <a:ext cx="5507100" cy="2222400"/>
           </a:xfrm>
           <a:prstGeom prst="rect">
             <a:avLst/>
@@ -11392,6 +11851,17 @@
                   <a:srgbClr val="F8F9FA"/>
                 </a:highlight>
               </a:rPr>
+              <a:t>En </a:t>
+            </a:r>
+            <a:r>
+              <a:rPr lang="es" sz="1600">
+                <a:solidFill>
+                  <a:srgbClr val="202124"/>
+                </a:solidFill>
+                <a:highlight>
+                  <a:srgbClr val="F8F9FA"/>
+                </a:highlight>
+              </a:rPr>
               <a:t>NUnit y MSTest, la clase que contiene las pruebas está bajo el atributo [TestClass]. Este no fue un enfoque muy robusto, por lo tanto, el atributo [TestClass] también se eliminó en xUnit. En cambio, la inteligencia se construye en el marco xUnit para que pueda ubicar los métodos de prueba, independientemente de la ubicación de las pruebas.</a:t>
             </a:r>
             <a:endParaRPr sz="1800">
@@ -11405,7 +11875,7 @@
       </p:sp>
       <p:pic>
         <p:nvPicPr>
-          <p:cNvPr id="129" name="Google Shape;129;p21"/>
+          <p:cNvPr id="130" name="Google Shape;130;p21"/>
           <p:cNvPicPr preferRelativeResize="0"/>
           <p:nvPr/>
         </p:nvPicPr>

--- a/TPS/Unit Testing.pptx
+++ b/TPS/Unit Testing.pptx
@@ -11910,6 +11910,285 @@
 </file>
 
 <file path=ppt/theme/theme1.xml><?xml version="1.0" encoding="utf-8"?>
+<a:theme xmlns:a="http://schemas.openxmlformats.org/drawingml/2006/main" xmlns:r="http://schemas.openxmlformats.org/officeDocument/2006/relationships">
+  <a:themeElements>
+    <a:clrScheme name="Default">
+      <a:dk1>
+        <a:srgbClr val="000000"/>
+      </a:dk1>
+      <a:lt1>
+        <a:srgbClr val="FFFFFF"/>
+      </a:lt1>
+      <a:dk2>
+        <a:srgbClr val="158158"/>
+      </a:dk2>
+      <a:lt2>
+        <a:srgbClr val="F3F3F3"/>
+      </a:lt2>
+      <a:accent1>
+        <a:srgbClr val="058DC7"/>
+      </a:accent1>
+      <a:accent2>
+        <a:srgbClr val="50B432"/>
+      </a:accent2>
+      <a:accent3>
+        <a:srgbClr val="ED561B"/>
+      </a:accent3>
+      <a:accent4>
+        <a:srgbClr val="EDEF00"/>
+      </a:accent4>
+      <a:accent5>
+        <a:srgbClr val="24CBE5"/>
+      </a:accent5>
+      <a:accent6>
+        <a:srgbClr val="64E572"/>
+      </a:accent6>
+      <a:hlink>
+        <a:srgbClr val="2200CC"/>
+      </a:hlink>
+      <a:folHlink>
+        <a:srgbClr val="551A8B"/>
+      </a:folHlink>
+    </a:clrScheme>
+    <a:fontScheme name="Office">
+      <a:majorFont>
+        <a:latin typeface="Arial"/>
+        <a:ea typeface=""/>
+        <a:cs typeface=""/>
+        <a:font script="Jpan" typeface="ＭＳ Ｐゴシック"/>
+        <a:font script="Hang" typeface="맑은 고딕"/>
+        <a:font script="Hans" typeface="宋体"/>
+        <a:font script="Hant" typeface="新細明體"/>
+        <a:font script="Arab" typeface="Times New Roman"/>
+        <a:font script="Hebr" typeface="Times New Roman"/>
+        <a:font script="Thai" typeface="Angsana New"/>
+        <a:font script="Ethi" typeface="Nyala"/>
+        <a:font script="Beng" typeface="Vrinda"/>
+        <a:font script="Gujr" typeface="Shruti"/>
+        <a:font script="Khmr" typeface="MoolBoran"/>
+        <a:font script="Knda" typeface="Tunga"/>
+        <a:font script="Guru" typeface="Raavi"/>
+        <a:font script="Cans" typeface="Euphemia"/>
+        <a:font script="Cher" typeface="Plantagenet Cherokee"/>
+        <a:font script="Yiii" typeface="Microsoft Yi Baiti"/>
+        <a:font script="Tibt" typeface="Microsoft Himalaya"/>
+        <a:font script="Thaa" typeface="MV Boli"/>
+        <a:font script="Deva" typeface="Mangal"/>
+        <a:font script="Telu" typeface="Gautami"/>
+        <a:font script="Taml" typeface="Latha"/>
+        <a:font script="Syrc" typeface="Estrangelo Edessa"/>
+        <a:font script="Orya" typeface="Kalinga"/>
+        <a:font script="Mlym" typeface="Kartika"/>
+        <a:font script="Laoo" typeface="DokChampa"/>
+        <a:font script="Sinh" typeface="Iskoola Pota"/>
+        <a:font script="Mong" typeface="Mongolian Baiti"/>
+        <a:font script="Viet" typeface="Times New Roman"/>
+        <a:font script="Uigh" typeface="Microsoft Uighur"/>
+        <a:font script="Geor" typeface="Sylfaen"/>
+      </a:majorFont>
+      <a:minorFont>
+        <a:latin typeface="Arial"/>
+        <a:ea typeface=""/>
+        <a:cs typeface=""/>
+        <a:font script="Jpan" typeface="ＭＳ Ｐゴシック"/>
+        <a:font script="Hang" typeface="맑은 고딕"/>
+        <a:font script="Hans" typeface="宋体"/>
+        <a:font script="Hant" typeface="新細明體"/>
+        <a:font script="Arab" typeface="Arial"/>
+        <a:font script="Hebr" typeface="Arial"/>
+        <a:font script="Thai" typeface="Cordia New"/>
+        <a:font script="Ethi" typeface="Nyala"/>
+        <a:font script="Beng" typeface="Vrinda"/>
+        <a:font script="Gujr" typeface="Shruti"/>
+        <a:font script="Khmr" typeface="DaunPenh"/>
+        <a:font script="Knda" typeface="Tunga"/>
+        <a:font script="Guru" typeface="Raavi"/>
+        <a:font script="Cans" typeface="Euphemia"/>
+        <a:font script="Cher" typeface="Plantagenet Cherokee"/>
+        <a:font script="Yiii" typeface="Microsoft Yi Baiti"/>
+        <a:font script="Tibt" typeface="Microsoft Himalaya"/>
+        <a:font script="Thaa" typeface="MV Boli"/>
+        <a:font script="Deva" typeface="Mangal"/>
+        <a:font script="Telu" typeface="Gautami"/>
+        <a:font script="Taml" typeface="Latha"/>
+        <a:font script="Syrc" typeface="Estrangelo Edessa"/>
+        <a:font script="Orya" typeface="Kalinga"/>
+        <a:font script="Mlym" typeface="Kartika"/>
+        <a:font script="Laoo" typeface="DokChampa"/>
+        <a:font script="Sinh" typeface="Iskoola Pota"/>
+        <a:font script="Mong" typeface="Mongolian Baiti"/>
+        <a:font script="Viet" typeface="Arial"/>
+        <a:font script="Uigh" typeface="Microsoft Uighur"/>
+        <a:font script="Geor" typeface="Sylfaen"/>
+      </a:minorFont>
+    </a:fontScheme>
+    <a:fmtScheme name="Office">
+      <a:fillStyleLst>
+        <a:solidFill>
+          <a:schemeClr val="phClr"/>
+        </a:solidFill>
+        <a:gradFill rotWithShape="1">
+          <a:gsLst>
+            <a:gs pos="0">
+              <a:schemeClr val="phClr">
+                <a:tint val="50000"/>
+                <a:satMod val="300000"/>
+              </a:schemeClr>
+            </a:gs>
+            <a:gs pos="35000">
+              <a:schemeClr val="phClr">
+                <a:tint val="37000"/>
+                <a:satMod val="300000"/>
+              </a:schemeClr>
+            </a:gs>
+            <a:gs pos="100000">
+              <a:schemeClr val="phClr">
+                <a:tint val="15000"/>
+                <a:satMod val="350000"/>
+              </a:schemeClr>
+            </a:gs>
+          </a:gsLst>
+          <a:lin ang="16200000" scaled="1"/>
+        </a:gradFill>
+        <a:gradFill rotWithShape="1">
+          <a:gsLst>
+            <a:gs pos="0">
+              <a:schemeClr val="phClr">
+                <a:tint val="100000"/>
+                <a:shade val="100000"/>
+                <a:satMod val="130000"/>
+              </a:schemeClr>
+            </a:gs>
+            <a:gs pos="100000">
+              <a:schemeClr val="phClr">
+                <a:tint val="50000"/>
+                <a:shade val="100000"/>
+                <a:satMod val="350000"/>
+              </a:schemeClr>
+            </a:gs>
+          </a:gsLst>
+          <a:lin ang="16200000" scaled="0"/>
+        </a:gradFill>
+      </a:fillStyleLst>
+      <a:lnStyleLst>
+        <a:ln w="9525" cap="flat" cmpd="sng" algn="ctr">
+          <a:solidFill>
+            <a:schemeClr val="phClr">
+              <a:shade val="95000"/>
+              <a:satMod val="105000"/>
+            </a:schemeClr>
+          </a:solidFill>
+          <a:prstDash val="solid"/>
+        </a:ln>
+        <a:ln w="25400" cap="flat" cmpd="sng" algn="ctr">
+          <a:solidFill>
+            <a:schemeClr val="phClr"/>
+          </a:solidFill>
+          <a:prstDash val="solid"/>
+        </a:ln>
+        <a:ln w="38100" cap="flat" cmpd="sng" algn="ctr">
+          <a:solidFill>
+            <a:schemeClr val="phClr"/>
+          </a:solidFill>
+          <a:prstDash val="solid"/>
+        </a:ln>
+      </a:lnStyleLst>
+      <a:effectStyleLst>
+        <a:effectStyle>
+          <a:effectLst>
+            <a:outerShdw blurRad="40000" dist="20000" dir="5400000" rotWithShape="0">
+              <a:srgbClr val="000000">
+                <a:alpha val="38000"/>
+              </a:srgbClr>
+            </a:outerShdw>
+          </a:effectLst>
+        </a:effectStyle>
+        <a:effectStyle>
+          <a:effectLst>
+            <a:outerShdw blurRad="40000" dist="23000" dir="5400000" rotWithShape="0">
+              <a:srgbClr val="000000">
+                <a:alpha val="35000"/>
+              </a:srgbClr>
+            </a:outerShdw>
+          </a:effectLst>
+        </a:effectStyle>
+        <a:effectStyle>
+          <a:effectLst>
+            <a:outerShdw blurRad="40000" dist="23000" dir="5400000" rotWithShape="0">
+              <a:srgbClr val="000000">
+                <a:alpha val="35000"/>
+              </a:srgbClr>
+            </a:outerShdw>
+          </a:effectLst>
+          <a:scene3d>
+            <a:camera prst="orthographicFront">
+              <a:rot lat="0" lon="0" rev="0"/>
+            </a:camera>
+            <a:lightRig rig="threePt" dir="t">
+              <a:rot lat="0" lon="0" rev="1200000"/>
+            </a:lightRig>
+          </a:scene3d>
+          <a:sp3d>
+            <a:bevelT w="63500" h="25400"/>
+          </a:sp3d>
+        </a:effectStyle>
+      </a:effectStyleLst>
+      <a:bgFillStyleLst>
+        <a:solidFill>
+          <a:schemeClr val="phClr"/>
+        </a:solidFill>
+        <a:gradFill rotWithShape="1">
+          <a:gsLst>
+            <a:gs pos="0">
+              <a:schemeClr val="phClr">
+                <a:tint val="40000"/>
+                <a:satMod val="350000"/>
+              </a:schemeClr>
+            </a:gs>
+            <a:gs pos="40000">
+              <a:schemeClr val="phClr">
+                <a:tint val="45000"/>
+                <a:shade val="99000"/>
+                <a:satMod val="350000"/>
+              </a:schemeClr>
+            </a:gs>
+            <a:gs pos="100000">
+              <a:schemeClr val="phClr">
+                <a:shade val="20000"/>
+                <a:satMod val="255000"/>
+              </a:schemeClr>
+            </a:gs>
+          </a:gsLst>
+          <a:path path="circle">
+            <a:fillToRect l="50000" t="-80000" r="50000" b="180000"/>
+          </a:path>
+        </a:gradFill>
+        <a:gradFill rotWithShape="1">
+          <a:gsLst>
+            <a:gs pos="0">
+              <a:schemeClr val="phClr">
+                <a:tint val="80000"/>
+                <a:satMod val="300000"/>
+              </a:schemeClr>
+            </a:gs>
+            <a:gs pos="100000">
+              <a:schemeClr val="phClr">
+                <a:shade val="30000"/>
+                <a:satMod val="200000"/>
+              </a:schemeClr>
+            </a:gs>
+          </a:gsLst>
+          <a:path path="circle">
+            <a:fillToRect l="50000" t="50000" r="50000" b="50000"/>
+          </a:path>
+        </a:gradFill>
+      </a:bgFillStyleLst>
+    </a:fmtScheme>
+  </a:themeElements>
+</a:theme>
+</file>
+
+<file path=ppt/theme/theme2.xml><?xml version="1.0" encoding="utf-8"?>
 <a:theme xmlns:a="http://schemas.openxmlformats.org/drawingml/2006/main" xmlns:r="http://schemas.openxmlformats.org/officeDocument/2006/relationships" name="Luxe">
   <a:themeElements>
     <a:clrScheme name="Luxe">
@@ -12186,283 +12465,4 @@
     </a:fmtScheme>
   </a:themeElements>
 </a:theme>
-</file>
-
-<file path=ppt/theme/theme2.xml><?xml version="1.0" encoding="utf-8"?>
-<a:theme xmlns:a="http://schemas.openxmlformats.org/drawingml/2006/main" xmlns:r="http://schemas.openxmlformats.org/officeDocument/2006/relationships">
-  <a:themeElements>
-    <a:clrScheme name="Default">
-      <a:dk1>
-        <a:srgbClr val="000000"/>
-      </a:dk1>
-      <a:lt1>
-        <a:srgbClr val="FFFFFF"/>
-      </a:lt1>
-      <a:dk2>
-        <a:srgbClr val="158158"/>
-      </a:dk2>
-      <a:lt2>
-        <a:srgbClr val="F3F3F3"/>
-      </a:lt2>
-      <a:accent1>
-        <a:srgbClr val="058DC7"/>
-      </a:accent1>
-      <a:accent2>
-        <a:srgbClr val="50B432"/>
-      </a:accent2>
-      <a:accent3>
-        <a:srgbClr val="ED561B"/>
-      </a:accent3>
-      <a:accent4>
-        <a:srgbClr val="EDEF00"/>
-      </a:accent4>
-      <a:accent5>
-        <a:srgbClr val="24CBE5"/>
-      </a:accent5>
-      <a:accent6>
-        <a:srgbClr val="64E572"/>
-      </a:accent6>
-      <a:hlink>
-        <a:srgbClr val="2200CC"/>
-      </a:hlink>
-      <a:folHlink>
-        <a:srgbClr val="551A8B"/>
-      </a:folHlink>
-    </a:clrScheme>
-    <a:fontScheme name="Office">
-      <a:majorFont>
-        <a:latin typeface="Arial"/>
-        <a:ea typeface=""/>
-        <a:cs typeface=""/>
-        <a:font script="Jpan" typeface="ＭＳ Ｐゴシック"/>
-        <a:font script="Hang" typeface="맑은 고딕"/>
-        <a:font script="Hans" typeface="宋体"/>
-        <a:font script="Hant" typeface="新細明體"/>
-        <a:font script="Arab" typeface="Times New Roman"/>
-        <a:font script="Hebr" typeface="Times New Roman"/>
-        <a:font script="Thai" typeface="Angsana New"/>
-        <a:font script="Ethi" typeface="Nyala"/>
-        <a:font script="Beng" typeface="Vrinda"/>
-        <a:font script="Gujr" typeface="Shruti"/>
-        <a:font script="Khmr" typeface="MoolBoran"/>
-        <a:font script="Knda" typeface="Tunga"/>
-        <a:font script="Guru" typeface="Raavi"/>
-        <a:font script="Cans" typeface="Euphemia"/>
-        <a:font script="Cher" typeface="Plantagenet Cherokee"/>
-        <a:font script="Yiii" typeface="Microsoft Yi Baiti"/>
-        <a:font script="Tibt" typeface="Microsoft Himalaya"/>
-        <a:font script="Thaa" typeface="MV Boli"/>
-        <a:font script="Deva" typeface="Mangal"/>
-        <a:font script="Telu" typeface="Gautami"/>
-        <a:font script="Taml" typeface="Latha"/>
-        <a:font script="Syrc" typeface="Estrangelo Edessa"/>
-        <a:font script="Orya" typeface="Kalinga"/>
-        <a:font script="Mlym" typeface="Kartika"/>
-        <a:font script="Laoo" typeface="DokChampa"/>
-        <a:font script="Sinh" typeface="Iskoola Pota"/>
-        <a:font script="Mong" typeface="Mongolian Baiti"/>
-        <a:font script="Viet" typeface="Times New Roman"/>
-        <a:font script="Uigh" typeface="Microsoft Uighur"/>
-        <a:font script="Geor" typeface="Sylfaen"/>
-      </a:majorFont>
-      <a:minorFont>
-        <a:latin typeface="Arial"/>
-        <a:ea typeface=""/>
-        <a:cs typeface=""/>
-        <a:font script="Jpan" typeface="ＭＳ Ｐゴシック"/>
-        <a:font script="Hang" typeface="맑은 고딕"/>
-        <a:font script="Hans" typeface="宋体"/>
-        <a:font script="Hant" typeface="新細明體"/>
-        <a:font script="Arab" typeface="Arial"/>
-        <a:font script="Hebr" typeface="Arial"/>
-        <a:font script="Thai" typeface="Cordia New"/>
-        <a:font script="Ethi" typeface="Nyala"/>
-        <a:font script="Beng" typeface="Vrinda"/>
-        <a:font script="Gujr" typeface="Shruti"/>
-        <a:font script="Khmr" typeface="DaunPenh"/>
-        <a:font script="Knda" typeface="Tunga"/>
-        <a:font script="Guru" typeface="Raavi"/>
-        <a:font script="Cans" typeface="Euphemia"/>
-        <a:font script="Cher" typeface="Plantagenet Cherokee"/>
-        <a:font script="Yiii" typeface="Microsoft Yi Baiti"/>
-        <a:font script="Tibt" typeface="Microsoft Himalaya"/>
-        <a:font script="Thaa" typeface="MV Boli"/>
-        <a:font script="Deva" typeface="Mangal"/>
-        <a:font script="Telu" typeface="Gautami"/>
-        <a:font script="Taml" typeface="Latha"/>
-        <a:font script="Syrc" typeface="Estrangelo Edessa"/>
-        <a:font script="Orya" typeface="Kalinga"/>
-        <a:font script="Mlym" typeface="Kartika"/>
-        <a:font script="Laoo" typeface="DokChampa"/>
-        <a:font script="Sinh" typeface="Iskoola Pota"/>
-        <a:font script="Mong" typeface="Mongolian Baiti"/>
-        <a:font script="Viet" typeface="Arial"/>
-        <a:font script="Uigh" typeface="Microsoft Uighur"/>
-        <a:font script="Geor" typeface="Sylfaen"/>
-      </a:minorFont>
-    </a:fontScheme>
-    <a:fmtScheme name="Office">
-      <a:fillStyleLst>
-        <a:solidFill>
-          <a:schemeClr val="phClr"/>
-        </a:solidFill>
-        <a:gradFill rotWithShape="1">
-          <a:gsLst>
-            <a:gs pos="0">
-              <a:schemeClr val="phClr">
-                <a:tint val="50000"/>
-                <a:satMod val="300000"/>
-              </a:schemeClr>
-            </a:gs>
-            <a:gs pos="35000">
-              <a:schemeClr val="phClr">
-                <a:tint val="37000"/>
-                <a:satMod val="300000"/>
-              </a:schemeClr>
-            </a:gs>
-            <a:gs pos="100000">
-              <a:schemeClr val="phClr">
-                <a:tint val="15000"/>
-                <a:satMod val="350000"/>
-              </a:schemeClr>
-            </a:gs>
-          </a:gsLst>
-          <a:lin ang="16200000" scaled="1"/>
-        </a:gradFill>
-        <a:gradFill rotWithShape="1">
-          <a:gsLst>
-            <a:gs pos="0">
-              <a:schemeClr val="phClr">
-                <a:tint val="100000"/>
-                <a:shade val="100000"/>
-                <a:satMod val="130000"/>
-              </a:schemeClr>
-            </a:gs>
-            <a:gs pos="100000">
-              <a:schemeClr val="phClr">
-                <a:tint val="50000"/>
-                <a:shade val="100000"/>
-                <a:satMod val="350000"/>
-              </a:schemeClr>
-            </a:gs>
-          </a:gsLst>
-          <a:lin ang="16200000" scaled="0"/>
-        </a:gradFill>
-      </a:fillStyleLst>
-      <a:lnStyleLst>
-        <a:ln w="9525" cap="flat" cmpd="sng" algn="ctr">
-          <a:solidFill>
-            <a:schemeClr val="phClr">
-              <a:shade val="95000"/>
-              <a:satMod val="105000"/>
-            </a:schemeClr>
-          </a:solidFill>
-          <a:prstDash val="solid"/>
-        </a:ln>
-        <a:ln w="25400" cap="flat" cmpd="sng" algn="ctr">
-          <a:solidFill>
-            <a:schemeClr val="phClr"/>
-          </a:solidFill>
-          <a:prstDash val="solid"/>
-        </a:ln>
-        <a:ln w="38100" cap="flat" cmpd="sng" algn="ctr">
-          <a:solidFill>
-            <a:schemeClr val="phClr"/>
-          </a:solidFill>
-          <a:prstDash val="solid"/>
-        </a:ln>
-      </a:lnStyleLst>
-      <a:effectStyleLst>
-        <a:effectStyle>
-          <a:effectLst>
-            <a:outerShdw blurRad="40000" dist="20000" dir="5400000" rotWithShape="0">
-              <a:srgbClr val="000000">
-                <a:alpha val="38000"/>
-              </a:srgbClr>
-            </a:outerShdw>
-          </a:effectLst>
-        </a:effectStyle>
-        <a:effectStyle>
-          <a:effectLst>
-            <a:outerShdw blurRad="40000" dist="23000" dir="5400000" rotWithShape="0">
-              <a:srgbClr val="000000">
-                <a:alpha val="35000"/>
-              </a:srgbClr>
-            </a:outerShdw>
-          </a:effectLst>
-        </a:effectStyle>
-        <a:effectStyle>
-          <a:effectLst>
-            <a:outerShdw blurRad="40000" dist="23000" dir="5400000" rotWithShape="0">
-              <a:srgbClr val="000000">
-                <a:alpha val="35000"/>
-              </a:srgbClr>
-            </a:outerShdw>
-          </a:effectLst>
-          <a:scene3d>
-            <a:camera prst="orthographicFront">
-              <a:rot lat="0" lon="0" rev="0"/>
-            </a:camera>
-            <a:lightRig rig="threePt" dir="t">
-              <a:rot lat="0" lon="0" rev="1200000"/>
-            </a:lightRig>
-          </a:scene3d>
-          <a:sp3d>
-            <a:bevelT w="63500" h="25400"/>
-          </a:sp3d>
-        </a:effectStyle>
-      </a:effectStyleLst>
-      <a:bgFillStyleLst>
-        <a:solidFill>
-          <a:schemeClr val="phClr"/>
-        </a:solidFill>
-        <a:gradFill rotWithShape="1">
-          <a:gsLst>
-            <a:gs pos="0">
-              <a:schemeClr val="phClr">
-                <a:tint val="40000"/>
-                <a:satMod val="350000"/>
-              </a:schemeClr>
-            </a:gs>
-            <a:gs pos="40000">
-              <a:schemeClr val="phClr">
-                <a:tint val="45000"/>
-                <a:shade val="99000"/>
-                <a:satMod val="350000"/>
-              </a:schemeClr>
-            </a:gs>
-            <a:gs pos="100000">
-              <a:schemeClr val="phClr">
-                <a:shade val="20000"/>
-                <a:satMod val="255000"/>
-              </a:schemeClr>
-            </a:gs>
-          </a:gsLst>
-          <a:path path="circle">
-            <a:fillToRect l="50000" t="-80000" r="50000" b="180000"/>
-          </a:path>
-        </a:gradFill>
-        <a:gradFill rotWithShape="1">
-          <a:gsLst>
-            <a:gs pos="0">
-              <a:schemeClr val="phClr">
-                <a:tint val="80000"/>
-                <a:satMod val="300000"/>
-              </a:schemeClr>
-            </a:gs>
-            <a:gs pos="100000">
-              <a:schemeClr val="phClr">
-                <a:shade val="30000"/>
-                <a:satMod val="200000"/>
-              </a:schemeClr>
-            </a:gs>
-          </a:gsLst>
-          <a:path path="circle">
-            <a:fillToRect l="50000" t="50000" r="50000" b="50000"/>
-          </a:path>
-        </a:gradFill>
-      </a:bgFillStyleLst>
-    </a:fmtScheme>
-  </a:themeElements>
-</a:theme>
 </file>
--- a/TPS/Unit Testing.pptx
+++ b/TPS/Unit Testing.pptx
@@ -2,48 +2,48 @@
 <file path=ppt/presentation.xml><?xml version="1.0" encoding="utf-8"?>
 <p:presentation xmlns:a="http://schemas.openxmlformats.org/drawingml/2006/main" xmlns:r="http://schemas.openxmlformats.org/officeDocument/2006/relationships" xmlns:mc="http://schemas.openxmlformats.org/markup-compatibility/2006" xmlns:mv="urn:schemas-microsoft-com:mac:vml" xmlns:p="http://schemas.openxmlformats.org/presentationml/2006/main" xmlns:c="http://schemas.openxmlformats.org/drawingml/2006/chart" xmlns:dgm="http://schemas.openxmlformats.org/drawingml/2006/diagram" xmlns:o="urn:schemas-microsoft-com:office:office" xmlns:v="urn:schemas-microsoft-com:vml" xmlns:pvml="urn:schemas-microsoft-com:office:powerpoint" xmlns:com="http://schemas.openxmlformats.org/drawingml/2006/compatibility" xmlns:p14="http://schemas.microsoft.com/office/powerpoint/2010/main" xmlns:p15="http://schemas.microsoft.com/office/powerpoint/2012/main" xmlns:ahyp="http://schemas.microsoft.com/office/drawing/2018/hyperlinkcolor" autoCompressPictures="0" embedTrueTypeFonts="1" strictFirstAndLastChars="0" saveSubsetFonts="1">
   <p:sldMasterIdLst>
-    <p:sldMasterId id="2147483659" r:id="rId4"/>
+    <p:sldMasterId id="2147483659" r:id="rId5"/>
   </p:sldMasterIdLst>
   <p:notesMasterIdLst>
-    <p:notesMasterId r:id="rId5"/>
+    <p:notesMasterId r:id="rId6"/>
   </p:notesMasterIdLst>
   <p:sldIdLst>
-    <p:sldId id="256" r:id="rId6"/>
-    <p:sldId id="257" r:id="rId7"/>
-    <p:sldId id="258" r:id="rId8"/>
-    <p:sldId id="259" r:id="rId9"/>
-    <p:sldId id="260" r:id="rId10"/>
-    <p:sldId id="261" r:id="rId11"/>
-    <p:sldId id="262" r:id="rId12"/>
-    <p:sldId id="263" r:id="rId13"/>
-    <p:sldId id="264" r:id="rId14"/>
-    <p:sldId id="265" r:id="rId15"/>
-    <p:sldId id="266" r:id="rId16"/>
-    <p:sldId id="267" r:id="rId17"/>
+    <p:sldId id="256" r:id="rId7"/>
+    <p:sldId id="257" r:id="rId8"/>
+    <p:sldId id="258" r:id="rId9"/>
+    <p:sldId id="259" r:id="rId10"/>
+    <p:sldId id="260" r:id="rId11"/>
+    <p:sldId id="261" r:id="rId12"/>
+    <p:sldId id="262" r:id="rId13"/>
+    <p:sldId id="263" r:id="rId14"/>
+    <p:sldId id="264" r:id="rId15"/>
+    <p:sldId id="265" r:id="rId16"/>
+    <p:sldId id="266" r:id="rId17"/>
+    <p:sldId id="267" r:id="rId18"/>
   </p:sldIdLst>
   <p:sldSz cy="5143500" cx="9144000"/>
   <p:notesSz cx="6858000" cy="9144000"/>
   <p:embeddedFontLst>
     <p:embeddedFont>
       <p:font typeface="Economica"/>
-      <p:regular r:id="rId18"/>
-      <p:bold r:id="rId19"/>
-      <p:italic r:id="rId20"/>
-      <p:boldItalic r:id="rId21"/>
+      <p:regular r:id="rId19"/>
+      <p:bold r:id="rId20"/>
+      <p:italic r:id="rId21"/>
+      <p:boldItalic r:id="rId22"/>
     </p:embeddedFont>
     <p:embeddedFont>
       <p:font typeface="Montserrat"/>
-      <p:regular r:id="rId22"/>
-      <p:bold r:id="rId23"/>
-      <p:italic r:id="rId24"/>
-      <p:boldItalic r:id="rId25"/>
+      <p:regular r:id="rId23"/>
+      <p:bold r:id="rId24"/>
+      <p:italic r:id="rId25"/>
+      <p:boldItalic r:id="rId26"/>
     </p:embeddedFont>
     <p:embeddedFont>
       <p:font typeface="Open Sans"/>
-      <p:regular r:id="rId26"/>
-      <p:bold r:id="rId27"/>
-      <p:italic r:id="rId28"/>
-      <p:boldItalic r:id="rId29"/>
+      <p:regular r:id="rId27"/>
+      <p:bold r:id="rId28"/>
+      <p:italic r:id="rId29"/>
+      <p:boldItalic r:id="rId30"/>
     </p:embeddedFont>
   </p:embeddedFontLst>
   <p:defaultTextStyle>
@@ -824,7 +824,7 @@
   <p:cSld>
     <p:spTree>
       <p:nvGrpSpPr>
-        <p:cNvPr id="131" name="Shape 131"/>
+        <p:cNvPr id="129" name="Shape 129"/>
         <p:cNvGrpSpPr/>
         <p:nvPr/>
       </p:nvGrpSpPr>
@@ -838,7 +838,7 @@
       </p:grpSpPr>
       <p:sp>
         <p:nvSpPr>
-          <p:cNvPr id="132" name="Google Shape;132;gdb69d6b7fc_1_6:notes"/>
+          <p:cNvPr id="130" name="Google Shape;130;gdb69d6b7fc_1_6:notes"/>
           <p:cNvSpPr/>
           <p:nvPr>
             <p:ph idx="2" type="sldImg"/>
@@ -873,7 +873,7 @@
       </p:sp>
       <p:sp>
         <p:nvSpPr>
-          <p:cNvPr id="133" name="Google Shape;133;gdb69d6b7fc_1_6:notes"/>
+          <p:cNvPr id="131" name="Google Shape;131;gdb69d6b7fc_1_6:notes"/>
           <p:cNvSpPr txBox="1"/>
           <p:nvPr>
             <p:ph idx="1" type="body"/>
@@ -923,7 +923,7 @@
   <p:cSld>
     <p:spTree>
       <p:nvGrpSpPr>
-        <p:cNvPr id="143" name="Shape 143"/>
+        <p:cNvPr id="141" name="Shape 141"/>
         <p:cNvGrpSpPr/>
         <p:nvPr/>
       </p:nvGrpSpPr>
@@ -937,7 +937,7 @@
       </p:grpSpPr>
       <p:sp>
         <p:nvSpPr>
-          <p:cNvPr id="144" name="Google Shape;144;gda7a18c69e_1_10:notes"/>
+          <p:cNvPr id="142" name="Google Shape;142;gd990b60af0_2_2:notes"/>
           <p:cNvSpPr/>
           <p:nvPr>
             <p:ph idx="2" type="sldImg"/>
@@ -972,7 +972,7 @@
       </p:sp>
       <p:sp>
         <p:nvSpPr>
-          <p:cNvPr id="145" name="Google Shape;145;gda7a18c69e_1_10:notes"/>
+          <p:cNvPr id="143" name="Google Shape;143;gd990b60af0_2_2:notes"/>
           <p:cNvSpPr txBox="1"/>
           <p:nvPr>
             <p:ph idx="1" type="body"/>
@@ -1007,6 +1007,21 @@
             </a:r>
             <a:endParaRPr/>
           </a:p>
+          <a:p>
+            <a:pPr indent="0" lvl="0" marL="0" rtl="0" algn="l">
+              <a:spcBef>
+                <a:spcPts val="0"/>
+              </a:spcBef>
+              <a:spcAft>
+                <a:spcPts val="0"/>
+              </a:spcAft>
+              <a:buNone/>
+            </a:pPr>
+            <a:r>
+              <a:t/>
+            </a:r>
+            <a:endParaRPr/>
+          </a:p>
         </p:txBody>
       </p:sp>
     </p:spTree>
@@ -1022,7 +1037,7 @@
   <p:cSld>
     <p:spTree>
       <p:nvGrpSpPr>
-        <p:cNvPr id="148" name="Shape 148"/>
+        <p:cNvPr id="147" name="Shape 147"/>
         <p:cNvGrpSpPr/>
         <p:nvPr/>
       </p:nvGrpSpPr>
@@ -1036,7 +1051,7 @@
       </p:grpSpPr>
       <p:sp>
         <p:nvSpPr>
-          <p:cNvPr id="149" name="Google Shape;149;gdb69d6b7fc_3_10:notes"/>
+          <p:cNvPr id="148" name="Google Shape;148;gd990b60af0_0_0:notes"/>
           <p:cNvSpPr/>
           <p:nvPr>
             <p:ph idx="2" type="sldImg"/>
@@ -1071,7 +1086,7 @@
       </p:sp>
       <p:sp>
         <p:nvSpPr>
-          <p:cNvPr id="150" name="Google Shape;150;gdb69d6b7fc_3_10:notes"/>
+          <p:cNvPr id="149" name="Google Shape;149;gd990b60af0_0_0:notes"/>
           <p:cNvSpPr txBox="1"/>
           <p:nvPr>
             <p:ph idx="1" type="body"/>
@@ -1418,7 +1433,7 @@
   <p:cSld>
     <p:spTree>
       <p:nvGrpSpPr>
-        <p:cNvPr id="86" name="Shape 86"/>
+        <p:cNvPr id="85" name="Shape 85"/>
         <p:cNvGrpSpPr/>
         <p:nvPr/>
       </p:nvGrpSpPr>
@@ -1432,7 +1447,7 @@
       </p:grpSpPr>
       <p:sp>
         <p:nvSpPr>
-          <p:cNvPr id="87" name="Google Shape;87;gda7a18c69e_3_0:notes"/>
+          <p:cNvPr id="86" name="Google Shape;86;gda7a18c69e_3_0:notes"/>
           <p:cNvSpPr/>
           <p:nvPr>
             <p:ph idx="2" type="sldImg"/>
@@ -1467,7 +1482,7 @@
       </p:sp>
       <p:sp>
         <p:nvSpPr>
-          <p:cNvPr id="88" name="Google Shape;88;gda7a18c69e_3_0:notes"/>
+          <p:cNvPr id="87" name="Google Shape;87;gda7a18c69e_3_0:notes"/>
           <p:cNvSpPr txBox="1"/>
           <p:nvPr>
             <p:ph idx="1" type="body"/>
@@ -1814,7 +1829,7 @@
   <p:cSld>
     <p:spTree>
       <p:nvGrpSpPr>
-        <p:cNvPr id="122" name="Shape 122"/>
+        <p:cNvPr id="120" name="Shape 120"/>
         <p:cNvGrpSpPr/>
         <p:nvPr/>
       </p:nvGrpSpPr>
@@ -1828,7 +1843,7 @@
       </p:grpSpPr>
       <p:sp>
         <p:nvSpPr>
-          <p:cNvPr id="123" name="Google Shape;123;gdb69d6b7fc_0_19:notes"/>
+          <p:cNvPr id="121" name="Google Shape;121;gdb69d6b7fc_0_19:notes"/>
           <p:cNvSpPr/>
           <p:nvPr>
             <p:ph idx="2" type="sldImg"/>
@@ -1863,7 +1878,7 @@
       </p:sp>
       <p:sp>
         <p:nvSpPr>
-          <p:cNvPr id="124" name="Google Shape;124;gdb69d6b7fc_0_19:notes"/>
+          <p:cNvPr id="122" name="Google Shape;122;gdb69d6b7fc_0_19:notes"/>
           <p:cNvSpPr txBox="1"/>
           <p:nvPr>
             <p:ph idx="1" type="body"/>
@@ -7557,7 +7572,7 @@
   <p:cSld>
     <p:spTree>
       <p:nvGrpSpPr>
-        <p:cNvPr id="134" name="Shape 134"/>
+        <p:cNvPr id="132" name="Shape 132"/>
         <p:cNvGrpSpPr/>
         <p:nvPr/>
       </p:nvGrpSpPr>
@@ -7571,14 +7586,14 @@
       </p:grpSpPr>
       <p:sp>
         <p:nvSpPr>
-          <p:cNvPr id="135" name="Google Shape;135;p22"/>
+          <p:cNvPr id="133" name="Google Shape;133;p22"/>
           <p:cNvSpPr txBox="1"/>
           <p:nvPr/>
         </p:nvSpPr>
         <p:spPr>
           <a:xfrm>
-            <a:off x="392248" y="76225"/>
-            <a:ext cx="1188300" cy="461700"/>
+            <a:off x="540975" y="255800"/>
+            <a:ext cx="1357800" cy="554100"/>
           </a:xfrm>
           <a:prstGeom prst="rect">
             <a:avLst/>
@@ -7604,7 +7619,7 @@
               <a:buNone/>
             </a:pPr>
             <a:r>
-              <a:rPr b="1" lang="es" sz="1800">
+              <a:rPr b="1" lang="es" sz="2400">
                 <a:latin typeface="Open Sans"/>
                 <a:ea typeface="Open Sans"/>
                 <a:cs typeface="Open Sans"/>
@@ -7612,7 +7627,7 @@
               </a:rPr>
               <a:t>MSTest</a:t>
             </a:r>
-            <a:endParaRPr b="1" sz="1800">
+            <a:endParaRPr b="1" sz="2400">
               <a:latin typeface="Open Sans"/>
               <a:ea typeface="Open Sans"/>
               <a:cs typeface="Open Sans"/>
@@ -7623,14 +7638,14 @@
       </p:sp>
       <p:sp>
         <p:nvSpPr>
-          <p:cNvPr id="136" name="Google Shape;136;p22"/>
+          <p:cNvPr id="134" name="Google Shape;134;p22"/>
           <p:cNvSpPr txBox="1"/>
           <p:nvPr/>
         </p:nvSpPr>
         <p:spPr>
           <a:xfrm>
-            <a:off x="0" y="463700"/>
-            <a:ext cx="5151600" cy="2447400"/>
+            <a:off x="0" y="798350"/>
+            <a:ext cx="5151600" cy="2031900"/>
           </a:xfrm>
           <a:prstGeom prst="rect">
             <a:avLst/>
@@ -7646,288 +7661,80 @@
           </a:bodyPr>
           <a:lstStyle/>
           <a:p>
-            <a:pPr indent="-323850" lvl="0" marL="457200" marR="38100" rtl="0" algn="l">
-              <a:lnSpc>
-                <a:spcPct val="128571"/>
-              </a:lnSpc>
-              <a:spcBef>
-                <a:spcPts val="0"/>
-              </a:spcBef>
-              <a:spcAft>
-                <a:spcPts val="0"/>
-              </a:spcAft>
-              <a:buClr>
-                <a:srgbClr val="202124"/>
-              </a:buClr>
-              <a:buSzPts val="1500"/>
+            <a:pPr indent="-342900" lvl="0" marL="457200" rtl="0" algn="l">
+              <a:spcBef>
+                <a:spcPts val="0"/>
+              </a:spcBef>
+              <a:spcAft>
+                <a:spcPts val="0"/>
+              </a:spcAft>
+              <a:buSzPts val="1800"/>
               <a:buChar char="●"/>
             </a:pPr>
             <a:r>
-              <a:rPr lang="es" sz="1500">
-                <a:solidFill>
-                  <a:srgbClr val="202124"/>
-                </a:solidFill>
-                <a:highlight>
-                  <a:srgbClr val="F8F9FA"/>
-                </a:highlight>
-              </a:rPr>
-              <a:t>Inicialmente era de </a:t>
+              <a:rPr lang="es" sz="1800"/>
+              <a:t>Es de </a:t>
             </a:r>
             <a:r>
-              <a:rPr lang="es" sz="1500">
-                <a:solidFill>
-                  <a:srgbClr val="202124"/>
-                </a:solidFill>
-                <a:highlight>
-                  <a:srgbClr val="F8F9FA"/>
-                </a:highlight>
-              </a:rPr>
+              <a:rPr lang="es" sz="1800"/>
               <a:t>código</a:t>
             </a:r>
             <a:r>
-              <a:rPr lang="es" sz="1500">
-                <a:solidFill>
-                  <a:srgbClr val="202124"/>
-                </a:solidFill>
-                <a:highlight>
-                  <a:srgbClr val="F8F9FA"/>
-                </a:highlight>
-              </a:rPr>
-              <a:t> cerrado para </a:t>
+              <a:rPr lang="es" sz="1800"/>
+              <a:t> abierto </a:t>
             </a:r>
-            <a:r>
-              <a:rPr lang="es" sz="1500">
-                <a:solidFill>
-                  <a:srgbClr val="202124"/>
-                </a:solidFill>
-                <a:highlight>
-                  <a:srgbClr val="F8F9FA"/>
-                </a:highlight>
-              </a:rPr>
-              <a:t>más</a:t>
-            </a:r>
-            <a:r>
-              <a:rPr lang="es" sz="1500">
-                <a:solidFill>
-                  <a:srgbClr val="202124"/>
-                </a:solidFill>
-                <a:highlight>
-                  <a:srgbClr val="F8F9FA"/>
-                </a:highlight>
-              </a:rPr>
-              <a:t> luego ser </a:t>
-            </a:r>
-            <a:r>
-              <a:rPr lang="es" sz="1500">
-                <a:solidFill>
-                  <a:srgbClr val="202124"/>
-                </a:solidFill>
-                <a:highlight>
-                  <a:srgbClr val="F8F9FA"/>
-                </a:highlight>
-              </a:rPr>
-              <a:t>código</a:t>
-            </a:r>
-            <a:r>
-              <a:rPr lang="es" sz="1500">
-                <a:solidFill>
-                  <a:srgbClr val="202124"/>
-                </a:solidFill>
-                <a:highlight>
-                  <a:srgbClr val="F8F9FA"/>
-                </a:highlight>
-              </a:rPr>
-              <a:t> abierto siendo </a:t>
-            </a:r>
-            <a:r>
-              <a:rPr lang="es" sz="1500">
-                <a:solidFill>
-                  <a:srgbClr val="202124"/>
-                </a:solidFill>
-                <a:highlight>
-                  <a:srgbClr val="F8F9FA"/>
-                </a:highlight>
-              </a:rPr>
-              <a:t>está</a:t>
-            </a:r>
-            <a:r>
-              <a:rPr lang="es" sz="1500">
-                <a:solidFill>
-                  <a:srgbClr val="202124"/>
-                </a:solidFill>
-                <a:highlight>
-                  <a:srgbClr val="F8F9FA"/>
-                </a:highlight>
-              </a:rPr>
-              <a:t> su versión V2.</a:t>
-            </a:r>
-            <a:endParaRPr sz="1500">
-              <a:solidFill>
-                <a:srgbClr val="202124"/>
-              </a:solidFill>
-              <a:highlight>
-                <a:srgbClr val="F8F9FA"/>
-              </a:highlight>
-            </a:endParaRPr>
+            <a:endParaRPr sz="1800"/>
           </a:p>
           <a:p>
-            <a:pPr indent="-323850" lvl="0" marL="457200" marR="38100" rtl="0" algn="l">
-              <a:lnSpc>
-                <a:spcPct val="128571"/>
-              </a:lnSpc>
-              <a:spcBef>
-                <a:spcPts val="0"/>
-              </a:spcBef>
-              <a:spcAft>
-                <a:spcPts val="0"/>
-              </a:spcAft>
-              <a:buClr>
-                <a:srgbClr val="202124"/>
-              </a:buClr>
-              <a:buSzPts val="1500"/>
+            <a:pPr indent="-342900" lvl="0" marL="457200" rtl="0" algn="l">
+              <a:spcBef>
+                <a:spcPts val="0"/>
+              </a:spcBef>
+              <a:spcAft>
+                <a:spcPts val="0"/>
+              </a:spcAft>
+              <a:buSzPts val="1800"/>
               <a:buChar char="●"/>
             </a:pPr>
             <a:r>
-              <a:rPr lang="es" sz="1500">
-                <a:solidFill>
-                  <a:srgbClr val="202124"/>
-                </a:solidFill>
-                <a:highlight>
-                  <a:srgbClr val="F8F9FA"/>
-                </a:highlight>
-              </a:rPr>
-              <a:t>Corre la ventaja de estar integrado en Visual Studio</a:t>
+              <a:rPr lang="es" sz="1800"/>
+              <a:t>Integrado en Visual Studio</a:t>
             </a:r>
-            <a:endParaRPr sz="1500">
-              <a:solidFill>
-                <a:srgbClr val="202124"/>
-              </a:solidFill>
-              <a:highlight>
-                <a:srgbClr val="F8F9FA"/>
-              </a:highlight>
-            </a:endParaRPr>
+            <a:endParaRPr sz="1800"/>
           </a:p>
           <a:p>
-            <a:pPr indent="-323850" lvl="0" marL="457200" marR="38100" rtl="0" algn="l">
-              <a:lnSpc>
-                <a:spcPct val="128571"/>
-              </a:lnSpc>
-              <a:spcBef>
-                <a:spcPts val="0"/>
-              </a:spcBef>
-              <a:spcAft>
-                <a:spcPts val="0"/>
-              </a:spcAft>
-              <a:buClr>
-                <a:srgbClr val="202124"/>
-              </a:buClr>
-              <a:buSzPts val="1500"/>
+            <a:pPr indent="-342900" lvl="0" marL="457200" rtl="0" algn="l">
+              <a:spcBef>
+                <a:spcPts val="0"/>
+              </a:spcBef>
+              <a:spcAft>
+                <a:spcPts val="0"/>
+              </a:spcAft>
+              <a:buSzPts val="1800"/>
               <a:buChar char="●"/>
             </a:pPr>
             <a:r>
-              <a:rPr lang="es" sz="1500">
-                <a:solidFill>
-                  <a:srgbClr val="202124"/>
-                </a:solidFill>
-                <a:highlight>
-                  <a:srgbClr val="F8F9FA"/>
-                </a:highlight>
-              </a:rPr>
-              <a:t>Es el de menor profundidad de los 3 y el que presenta menor curva de </a:t>
+              <a:rPr lang="es" sz="1800"/>
+              <a:t>Es el de menor profundidad y el que presenta menor curva de aprendizaje.</a:t>
             </a:r>
-            <a:r>
-              <a:rPr lang="es" sz="1500">
-                <a:solidFill>
-                  <a:srgbClr val="202124"/>
-                </a:solidFill>
-                <a:highlight>
-                  <a:srgbClr val="F8F9FA"/>
-                </a:highlight>
-              </a:rPr>
-              <a:t>aprendizaje.</a:t>
-            </a:r>
-            <a:endParaRPr sz="1500">
-              <a:solidFill>
-                <a:srgbClr val="202124"/>
-              </a:solidFill>
-              <a:highlight>
-                <a:srgbClr val="F8F9FA"/>
-              </a:highlight>
-            </a:endParaRPr>
+            <a:endParaRPr sz="1800"/>
           </a:p>
           <a:p>
-            <a:pPr indent="-323850" lvl="0" marL="457200" marR="38100" rtl="0" algn="l">
-              <a:lnSpc>
-                <a:spcPct val="128571"/>
-              </a:lnSpc>
-              <a:spcBef>
-                <a:spcPts val="0"/>
-              </a:spcBef>
-              <a:spcAft>
-                <a:spcPts val="0"/>
-              </a:spcAft>
-              <a:buClr>
-                <a:srgbClr val="202124"/>
-              </a:buClr>
-              <a:buSzPts val="1500"/>
+            <a:pPr indent="-342900" lvl="0" marL="457200" rtl="0" algn="l">
+              <a:spcBef>
+                <a:spcPts val="0"/>
+              </a:spcBef>
+              <a:spcAft>
+                <a:spcPts val="0"/>
+              </a:spcAft>
+              <a:buSzPts val="1800"/>
               <a:buChar char="●"/>
             </a:pPr>
             <a:r>
-              <a:rPr lang="es" sz="1500">
-                <a:solidFill>
-                  <a:srgbClr val="202124"/>
-                </a:solidFill>
-                <a:highlight>
-                  <a:srgbClr val="F8F9FA"/>
-                </a:highlight>
-              </a:rPr>
-              <a:t>Es </a:t>
+              <a:rPr lang="es" sz="1800"/>
+              <a:t>Es multiplataforma y dispone de una amplia customización para el desarrollador. </a:t>
             </a:r>
-            <a:r>
-              <a:rPr lang="es" sz="1500">
-                <a:solidFill>
-                  <a:srgbClr val="202124"/>
-                </a:solidFill>
-                <a:highlight>
-                  <a:srgbClr val="F8F9FA"/>
-                </a:highlight>
-              </a:rPr>
-              <a:t>multiplataforma</a:t>
-            </a:r>
-            <a:r>
-              <a:rPr lang="es" sz="1500">
-                <a:solidFill>
-                  <a:srgbClr val="202124"/>
-                </a:solidFill>
-                <a:highlight>
-                  <a:srgbClr val="F8F9FA"/>
-                </a:highlight>
-              </a:rPr>
-              <a:t> y dispone de una amplia </a:t>
-            </a:r>
-            <a:r>
-              <a:rPr lang="es" sz="1500">
-                <a:solidFill>
-                  <a:srgbClr val="202124"/>
-                </a:solidFill>
-                <a:highlight>
-                  <a:srgbClr val="F8F9FA"/>
-                </a:highlight>
-              </a:rPr>
-              <a:t>customización</a:t>
-            </a:r>
-            <a:r>
-              <a:rPr lang="es" sz="1500">
-                <a:solidFill>
-                  <a:srgbClr val="202124"/>
-                </a:solidFill>
-                <a:highlight>
-                  <a:srgbClr val="F8F9FA"/>
-                </a:highlight>
-              </a:rPr>
-              <a:t> para el desarrollador. </a:t>
-            </a:r>
-            <a:endParaRPr sz="1500">
+            <a:endParaRPr sz="1800">
               <a:solidFill>
                 <a:srgbClr val="202124"/>
               </a:solidFill>
@@ -7965,7 +7772,7 @@
       </p:sp>
       <p:pic>
         <p:nvPicPr>
-          <p:cNvPr id="137" name="Google Shape;137;p22"/>
+          <p:cNvPr id="135" name="Google Shape;135;p22"/>
           <p:cNvPicPr preferRelativeResize="0"/>
           <p:nvPr/>
         </p:nvPicPr>
@@ -7993,7 +7800,7 @@
       </p:pic>
       <p:pic>
         <p:nvPicPr>
-          <p:cNvPr id="138" name="Google Shape;138;p22"/>
+          <p:cNvPr id="136" name="Google Shape;136;p22"/>
           <p:cNvPicPr preferRelativeResize="0"/>
           <p:nvPr/>
         </p:nvPicPr>
@@ -8020,7 +7827,7 @@
       </p:pic>
       <p:pic>
         <p:nvPicPr>
-          <p:cNvPr id="139" name="Google Shape;139;p22"/>
+          <p:cNvPr id="137" name="Google Shape;137;p22"/>
           <p:cNvPicPr preferRelativeResize="0"/>
           <p:nvPr/>
         </p:nvPicPr>
@@ -8034,7 +7841,7 @@
         </p:blipFill>
         <p:spPr>
           <a:xfrm>
-            <a:off x="2045143" y="3304124"/>
+            <a:off x="2171318" y="3293024"/>
             <a:ext cx="692983" cy="627887"/>
           </a:xfrm>
           <a:prstGeom prst="rect">
@@ -8048,7 +7855,7 @@
       </p:pic>
       <p:pic>
         <p:nvPicPr>
-          <p:cNvPr id="140" name="Google Shape;140;p22"/>
+          <p:cNvPr id="138" name="Google Shape;138;p22"/>
           <p:cNvPicPr preferRelativeResize="0"/>
           <p:nvPr/>
         </p:nvPicPr>
@@ -8076,13 +7883,13 @@
       </p:pic>
       <p:sp>
         <p:nvSpPr>
-          <p:cNvPr id="141" name="Google Shape;141;p22"/>
+          <p:cNvPr id="139" name="Google Shape;139;p22"/>
           <p:cNvSpPr txBox="1"/>
           <p:nvPr/>
         </p:nvSpPr>
         <p:spPr>
           <a:xfrm>
-            <a:off x="5122262" y="597300"/>
+            <a:off x="4874387" y="597300"/>
             <a:ext cx="1357800" cy="461700"/>
           </a:xfrm>
           <a:prstGeom prst="rect">
@@ -8128,13 +7935,13 @@
       </p:sp>
       <p:sp>
         <p:nvSpPr>
-          <p:cNvPr id="142" name="Google Shape;142;p22"/>
+          <p:cNvPr id="140" name="Google Shape;140;p22"/>
           <p:cNvSpPr txBox="1"/>
           <p:nvPr/>
         </p:nvSpPr>
         <p:spPr>
           <a:xfrm>
-            <a:off x="5170825" y="3883775"/>
+            <a:off x="4947725" y="3920900"/>
             <a:ext cx="1349700" cy="461700"/>
           </a:xfrm>
           <a:prstGeom prst="rect">
@@ -8191,6 +7998,121 @@
             <p:seq concurrent="1" nextAc="seek">
               <p:cTn dur="indefinite" id="2" nodeType="mainSeq">
                 <p:childTnLst>
+                  <p:par>
+                    <p:cTn fill="hold">
+                      <p:stCondLst>
+                        <p:cond delay="indefinite"/>
+                      </p:stCondLst>
+                      <p:childTnLst>
+                        <p:par>
+                          <p:cTn fill="hold">
+                            <p:stCondLst>
+                              <p:cond delay="0"/>
+                            </p:stCondLst>
+                            <p:childTnLst>
+                              <p:par>
+                                <p:cTn fill="hold" nodeType="clickEffect" presetClass="entr" presetID="1" presetSubtype="0">
+                                  <p:stCondLst>
+                                    <p:cond delay="0"/>
+                                  </p:stCondLst>
+                                  <p:childTnLst>
+                                    <p:set>
+                                      <p:cBhvr>
+                                        <p:cTn dur="1" fill="hold">
+                                          <p:stCondLst>
+                                            <p:cond delay="0"/>
+                                          </p:stCondLst>
+                                        </p:cTn>
+                                        <p:tgtEl>
+                                          <p:spTgt spid="136"/>
+                                        </p:tgtEl>
+                                        <p:attrNameLst>
+                                          <p:attrName>style.visibility</p:attrName>
+                                        </p:attrNameLst>
+                                      </p:cBhvr>
+                                      <p:to>
+                                        <p:strVal val="visible"/>
+                                      </p:to>
+                                    </p:set>
+                                  </p:childTnLst>
+                                </p:cTn>
+                              </p:par>
+                              <p:par>
+                                <p:cTn fill="hold" nodeType="withEffect" presetClass="entr" presetID="10" presetSubtype="0">
+                                  <p:stCondLst>
+                                    <p:cond delay="0"/>
+                                  </p:stCondLst>
+                                  <p:childTnLst>
+                                    <p:set>
+                                      <p:cBhvr>
+                                        <p:cTn dur="1" fill="hold">
+                                          <p:stCondLst>
+                                            <p:cond delay="0"/>
+                                          </p:stCondLst>
+                                        </p:cTn>
+                                        <p:tgtEl>
+                                          <p:spTgt spid="137"/>
+                                        </p:tgtEl>
+                                        <p:attrNameLst>
+                                          <p:attrName>style.visibility</p:attrName>
+                                        </p:attrNameLst>
+                                      </p:cBhvr>
+                                      <p:to>
+                                        <p:strVal val="visible"/>
+                                      </p:to>
+                                    </p:set>
+                                    <p:animEffect filter="fade" transition="in">
+                                      <p:cBhvr>
+                                        <p:cTn dur="1000"/>
+                                        <p:tgtEl>
+                                          <p:spTgt spid="137"/>
+                                        </p:tgtEl>
+                                      </p:cBhvr>
+                                    </p:animEffect>
+                                  </p:childTnLst>
+                                </p:cTn>
+                              </p:par>
+                              <p:par>
+                                <p:cTn fill="hold" nodeType="withEffect" presetClass="entr" presetID="10" presetSubtype="0">
+                                  <p:stCondLst>
+                                    <p:cond delay="0"/>
+                                  </p:stCondLst>
+                                  <p:childTnLst>
+                                    <p:set>
+                                      <p:cBhvr>
+                                        <p:cTn dur="1" fill="hold">
+                                          <p:stCondLst>
+                                            <p:cond delay="0"/>
+                                          </p:stCondLst>
+                                        </p:cTn>
+                                        <p:tgtEl>
+                                          <p:spTgt spid="135"/>
+                                        </p:tgtEl>
+                                        <p:attrNameLst>
+                                          <p:attrName>style.visibility</p:attrName>
+                                        </p:attrNameLst>
+                                      </p:cBhvr>
+                                      <p:to>
+                                        <p:strVal val="visible"/>
+                                      </p:to>
+                                    </p:set>
+                                    <p:animEffect filter="fade" transition="in">
+                                      <p:cBhvr>
+                                        <p:cTn dur="1000"/>
+                                        <p:tgtEl>
+                                          <p:spTgt spid="135"/>
+                                        </p:tgtEl>
+                                      </p:cBhvr>
+                                    </p:animEffect>
+                                  </p:childTnLst>
+                                </p:cTn>
+                              </p:par>
+                            </p:childTnLst>
+                          </p:cTn>
+                        </p:par>
+                      </p:childTnLst>
+                    </p:cTn>
+                  </p:par>
                   <p:par>
                     <p:cTn fill="hold">
                       <p:stCondLst>
@@ -8279,7 +8201,7 @@
                                           </p:stCondLst>
                                         </p:cTn>
                                         <p:tgtEl>
-                                          <p:spTgt spid="137"/>
+                                          <p:spTgt spid="140"/>
                                         </p:tgtEl>
                                         <p:attrNameLst>
                                           <p:attrName>style.visibility</p:attrName>
@@ -8293,122 +8215,7 @@
                                       <p:cBhvr>
                                         <p:cTn dur="1000"/>
                                         <p:tgtEl>
-                                          <p:spTgt spid="137"/>
-                                        </p:tgtEl>
-                                      </p:cBhvr>
-                                    </p:animEffect>
-                                  </p:childTnLst>
-                                </p:cTn>
-                              </p:par>
-                            </p:childTnLst>
-                          </p:cTn>
-                        </p:par>
-                      </p:childTnLst>
-                    </p:cTn>
-                  </p:par>
-                  <p:par>
-                    <p:cTn fill="hold">
-                      <p:stCondLst>
-                        <p:cond delay="indefinite"/>
-                      </p:stCondLst>
-                      <p:childTnLst>
-                        <p:par>
-                          <p:cTn fill="hold">
-                            <p:stCondLst>
-                              <p:cond delay="0"/>
-                            </p:stCondLst>
-                            <p:childTnLst>
-                              <p:par>
-                                <p:cTn fill="hold" nodeType="clickEffect" presetClass="entr" presetID="1" presetSubtype="0">
-                                  <p:stCondLst>
-                                    <p:cond delay="0"/>
-                                  </p:stCondLst>
-                                  <p:childTnLst>
-                                    <p:set>
-                                      <p:cBhvr>
-                                        <p:cTn dur="1" fill="hold">
-                                          <p:stCondLst>
-                                            <p:cond delay="0"/>
-                                          </p:stCondLst>
-                                        </p:cTn>
-                                        <p:tgtEl>
                                           <p:spTgt spid="140"/>
-                                        </p:tgtEl>
-                                        <p:attrNameLst>
-                                          <p:attrName>style.visibility</p:attrName>
-                                        </p:attrNameLst>
-                                      </p:cBhvr>
-                                      <p:to>
-                                        <p:strVal val="visible"/>
-                                      </p:to>
-                                    </p:set>
-                                  </p:childTnLst>
-                                </p:cTn>
-                              </p:par>
-                              <p:par>
-                                <p:cTn fill="hold" nodeType="withEffect" presetClass="entr" presetID="10" presetSubtype="0">
-                                  <p:stCondLst>
-                                    <p:cond delay="0"/>
-                                  </p:stCondLst>
-                                  <p:childTnLst>
-                                    <p:set>
-                                      <p:cBhvr>
-                                        <p:cTn dur="1" fill="hold">
-                                          <p:stCondLst>
-                                            <p:cond delay="0"/>
-                                          </p:stCondLst>
-                                        </p:cTn>
-                                        <p:tgtEl>
-                                          <p:spTgt spid="141"/>
-                                        </p:tgtEl>
-                                        <p:attrNameLst>
-                                          <p:attrName>style.visibility</p:attrName>
-                                        </p:attrNameLst>
-                                      </p:cBhvr>
-                                      <p:to>
-                                        <p:strVal val="visible"/>
-                                      </p:to>
-                                    </p:set>
-                                    <p:animEffect filter="fade" transition="in">
-                                      <p:cBhvr>
-                                        <p:cTn dur="1000"/>
-                                        <p:tgtEl>
-                                          <p:spTgt spid="141"/>
-                                        </p:tgtEl>
-                                      </p:cBhvr>
-                                    </p:animEffect>
-                                  </p:childTnLst>
-                                </p:cTn>
-                              </p:par>
-                              <p:par>
-                                <p:cTn fill="hold" nodeType="withEffect" presetClass="entr" presetID="10" presetSubtype="0">
-                                  <p:stCondLst>
-                                    <p:cond delay="0"/>
-                                  </p:stCondLst>
-                                  <p:childTnLst>
-                                    <p:set>
-                                      <p:cBhvr>
-                                        <p:cTn dur="1" fill="hold">
-                                          <p:stCondLst>
-                                            <p:cond delay="0"/>
-                                          </p:stCondLst>
-                                        </p:cTn>
-                                        <p:tgtEl>
-                                          <p:spTgt spid="142"/>
-                                        </p:tgtEl>
-                                        <p:attrNameLst>
-                                          <p:attrName>style.visibility</p:attrName>
-                                        </p:attrNameLst>
-                                      </p:cBhvr>
-                                      <p:to>
-                                        <p:strVal val="visible"/>
-                                      </p:to>
-                                    </p:set>
-                                    <p:animEffect filter="fade" transition="in">
-                                      <p:cBhvr>
-                                        <p:cTn dur="1000"/>
-                                        <p:tgtEl>
-                                          <p:spTgt spid="142"/>
                                         </p:tgtEl>
                                       </p:cBhvr>
                                     </p:animEffect>
@@ -8451,7 +8258,7 @@
   <p:cSld>
     <p:spTree>
       <p:nvGrpSpPr>
-        <p:cNvPr id="146" name="Shape 146"/>
+        <p:cNvPr id="144" name="Shape 144"/>
         <p:cNvGrpSpPr/>
         <p:nvPr/>
       </p:nvGrpSpPr>
@@ -8463,63 +8270,1978 @@
           <a:chExt cx="0" cy="0"/>
         </a:xfrm>
       </p:grpSpPr>
-      <p:sp>
-        <p:nvSpPr>
-          <p:cNvPr id="147" name="Google Shape;147;p23"/>
-          <p:cNvSpPr txBox="1"/>
-          <p:nvPr>
-            <p:ph type="title"/>
-          </p:nvPr>
-        </p:nvSpPr>
-        <p:spPr>
-          <a:xfrm>
-            <a:off x="224925" y="1920625"/>
-            <a:ext cx="8520600" cy="831300"/>
-          </a:xfrm>
-          <a:prstGeom prst="rect">
-            <a:avLst/>
-          </a:prstGeom>
-          <a:ln cap="flat" cmpd="sng" w="9525">
-            <a:solidFill>
-              <a:srgbClr val="EA9999"/>
-            </a:solidFill>
-            <a:prstDash val="solid"/>
-            <a:round/>
-            <a:headEnd len="sm" w="sm" type="none"/>
-            <a:tailEnd len="sm" w="sm" type="none"/>
-          </a:ln>
-        </p:spPr>
-        <p:txBody>
-          <a:bodyPr anchorCtr="0" anchor="b" bIns="91425" lIns="91425" spcFirstLastPara="1" rIns="91425" wrap="square" tIns="91425">
-            <a:normAutofit/>
-          </a:bodyPr>
-          <a:lstStyle/>
-          <a:p>
-            <a:pPr indent="0" lvl="0" marL="0" rtl="0" algn="ctr">
-              <a:spcBef>
-                <a:spcPts val="0"/>
-              </a:spcBef>
-              <a:spcAft>
-                <a:spcPts val="0"/>
-              </a:spcAft>
-              <a:buNone/>
-            </a:pPr>
-            <a:r>
-              <a:rPr lang="es"/>
-              <a:t>Ejemplo </a:t>
-            </a:r>
-            <a:r>
-              <a:rPr lang="es"/>
-              <a:t>Práctico</a:t>
-            </a:r>
-            <a:r>
-              <a:rPr lang="es"/>
-              <a:t> de MSTest:</a:t>
-            </a:r>
-            <a:endParaRPr/>
-          </a:p>
-        </p:txBody>
-      </p:sp>
+      <p:graphicFrame>
+        <p:nvGraphicFramePr>
+          <p:cNvPr id="145" name="Google Shape;145;p23"/>
+          <p:cNvGraphicFramePr/>
+          <p:nvPr/>
+        </p:nvGraphicFramePr>
+        <p:xfrm>
+          <a:off x="404300" y="89800"/>
+          <a:ext cx="3000000" cy="3000000"/>
+        </p:xfrm>
+        <a:graphic>
+          <a:graphicData uri="http://schemas.openxmlformats.org/drawingml/2006/table">
+            <a:tbl>
+              <a:tblPr>
+                <a:noFill/>
+                <a:tableStyleId>{483911CC-F2D3-4BEC-B8EC-951287A48625}</a:tableStyleId>
+              </a:tblPr>
+              <a:tblGrid>
+                <a:gridCol w="2030125"/>
+                <a:gridCol w="1824100"/>
+                <a:gridCol w="1927125"/>
+                <a:gridCol w="1927125"/>
+              </a:tblGrid>
+              <a:tr h="432175">
+                <a:tc>
+                  <a:txBody>
+                    <a:bodyPr/>
+                    <a:lstStyle/>
+                    <a:p>
+                      <a:pPr indent="0" lvl="0" marL="0" rtl="0" algn="l">
+                        <a:spcBef>
+                          <a:spcPts val="0"/>
+                        </a:spcBef>
+                        <a:spcAft>
+                          <a:spcPts val="0"/>
+                        </a:spcAft>
+                        <a:buNone/>
+                      </a:pPr>
+                      <a:r>
+                        <a:t/>
+                      </a:r>
+                      <a:endParaRPr/>
+                    </a:p>
+                  </a:txBody>
+                  <a:tcPr marT="91425" marB="91425" marR="91425" marL="91425">
+                    <a:lnL cap="flat" cmpd="sng" w="9525">
+                      <a:solidFill>
+                        <a:schemeClr val="dk1"/>
+                      </a:solidFill>
+                      <a:prstDash val="solid"/>
+                      <a:round/>
+                      <a:headEnd len="sm" w="sm" type="none"/>
+                      <a:tailEnd len="sm" w="sm" type="none"/>
+                    </a:lnL>
+                    <a:lnR cap="flat" cmpd="sng" w="9525">
+                      <a:solidFill>
+                        <a:schemeClr val="dk1"/>
+                      </a:solidFill>
+                      <a:prstDash val="solid"/>
+                      <a:round/>
+                      <a:headEnd len="sm" w="sm" type="none"/>
+                      <a:tailEnd len="sm" w="sm" type="none"/>
+                    </a:lnR>
+                    <a:lnT cap="flat" cmpd="sng" w="9525">
+                      <a:solidFill>
+                        <a:schemeClr val="dk1"/>
+                      </a:solidFill>
+                      <a:prstDash val="solid"/>
+                      <a:round/>
+                      <a:headEnd len="sm" w="sm" type="none"/>
+                      <a:tailEnd len="sm" w="sm" type="none"/>
+                    </a:lnT>
+                    <a:lnB cap="flat" cmpd="sng" w="9525">
+                      <a:solidFill>
+                        <a:schemeClr val="dk1"/>
+                      </a:solidFill>
+                      <a:prstDash val="solid"/>
+                      <a:round/>
+                      <a:headEnd len="sm" w="sm" type="none"/>
+                      <a:tailEnd len="sm" w="sm" type="none"/>
+                    </a:lnB>
+                  </a:tcPr>
+                </a:tc>
+                <a:tc>
+                  <a:txBody>
+                    <a:bodyPr/>
+                    <a:lstStyle/>
+                    <a:p>
+                      <a:pPr indent="0" lvl="0" marL="0" rtl="0" algn="l">
+                        <a:spcBef>
+                          <a:spcPts val="0"/>
+                        </a:spcBef>
+                        <a:spcAft>
+                          <a:spcPts val="0"/>
+                        </a:spcAft>
+                        <a:buNone/>
+                      </a:pPr>
+                      <a:r>
+                        <a:rPr b="1" lang="es">
+                          <a:solidFill>
+                            <a:srgbClr val="6D9EEB"/>
+                          </a:solidFill>
+                        </a:rPr>
+                        <a:t>MSTEST</a:t>
+                      </a:r>
+                      <a:endParaRPr b="1">
+                        <a:solidFill>
+                          <a:srgbClr val="6D9EEB"/>
+                        </a:solidFill>
+                      </a:endParaRPr>
+                    </a:p>
+                  </a:txBody>
+                  <a:tcPr marT="91425" marB="91425" marR="91425" marL="91425">
+                    <a:lnL cap="flat" cmpd="sng" w="9525">
+                      <a:solidFill>
+                        <a:schemeClr val="dk1"/>
+                      </a:solidFill>
+                      <a:prstDash val="solid"/>
+                      <a:round/>
+                      <a:headEnd len="sm" w="sm" type="none"/>
+                      <a:tailEnd len="sm" w="sm" type="none"/>
+                    </a:lnL>
+                    <a:lnR cap="flat" cmpd="sng" w="9525">
+                      <a:solidFill>
+                        <a:schemeClr val="dk1"/>
+                      </a:solidFill>
+                      <a:prstDash val="solid"/>
+                      <a:round/>
+                      <a:headEnd len="sm" w="sm" type="none"/>
+                      <a:tailEnd len="sm" w="sm" type="none"/>
+                    </a:lnR>
+                    <a:lnT cap="flat" cmpd="sng" w="9525">
+                      <a:solidFill>
+                        <a:schemeClr val="dk1"/>
+                      </a:solidFill>
+                      <a:prstDash val="solid"/>
+                      <a:round/>
+                      <a:headEnd len="sm" w="sm" type="none"/>
+                      <a:tailEnd len="sm" w="sm" type="none"/>
+                    </a:lnT>
+                    <a:lnB cap="flat" cmpd="sng" w="9525">
+                      <a:solidFill>
+                        <a:schemeClr val="dk1"/>
+                      </a:solidFill>
+                      <a:prstDash val="solid"/>
+                      <a:round/>
+                      <a:headEnd len="sm" w="sm" type="none"/>
+                      <a:tailEnd len="sm" w="sm" type="none"/>
+                    </a:lnB>
+                  </a:tcPr>
+                </a:tc>
+                <a:tc>
+                  <a:txBody>
+                    <a:bodyPr/>
+                    <a:lstStyle/>
+                    <a:p>
+                      <a:pPr indent="0" lvl="0" marL="0" rtl="0" algn="l">
+                        <a:spcBef>
+                          <a:spcPts val="0"/>
+                        </a:spcBef>
+                        <a:spcAft>
+                          <a:spcPts val="0"/>
+                        </a:spcAft>
+                        <a:buNone/>
+                      </a:pPr>
+                      <a:r>
+                        <a:rPr b="1" lang="es">
+                          <a:solidFill>
+                            <a:srgbClr val="6D9EEB"/>
+                          </a:solidFill>
+                        </a:rPr>
+                        <a:t>NUNIT</a:t>
+                      </a:r>
+                      <a:endParaRPr b="1">
+                        <a:solidFill>
+                          <a:srgbClr val="6D9EEB"/>
+                        </a:solidFill>
+                      </a:endParaRPr>
+                    </a:p>
+                  </a:txBody>
+                  <a:tcPr marT="91425" marB="91425" marR="91425" marL="91425">
+                    <a:lnL cap="flat" cmpd="sng" w="9525">
+                      <a:solidFill>
+                        <a:schemeClr val="dk1"/>
+                      </a:solidFill>
+                      <a:prstDash val="solid"/>
+                      <a:round/>
+                      <a:headEnd len="sm" w="sm" type="none"/>
+                      <a:tailEnd len="sm" w="sm" type="none"/>
+                    </a:lnL>
+                    <a:lnR cap="flat" cmpd="sng" w="9525">
+                      <a:solidFill>
+                        <a:schemeClr val="dk1"/>
+                      </a:solidFill>
+                      <a:prstDash val="solid"/>
+                      <a:round/>
+                      <a:headEnd len="sm" w="sm" type="none"/>
+                      <a:tailEnd len="sm" w="sm" type="none"/>
+                    </a:lnR>
+                    <a:lnT cap="flat" cmpd="sng" w="9525">
+                      <a:solidFill>
+                        <a:schemeClr val="dk1"/>
+                      </a:solidFill>
+                      <a:prstDash val="solid"/>
+                      <a:round/>
+                      <a:headEnd len="sm" w="sm" type="none"/>
+                      <a:tailEnd len="sm" w="sm" type="none"/>
+                    </a:lnT>
+                    <a:lnB cap="flat" cmpd="sng" w="9525">
+                      <a:solidFill>
+                        <a:schemeClr val="dk1"/>
+                      </a:solidFill>
+                      <a:prstDash val="solid"/>
+                      <a:round/>
+                      <a:headEnd len="sm" w="sm" type="none"/>
+                      <a:tailEnd len="sm" w="sm" type="none"/>
+                    </a:lnB>
+                  </a:tcPr>
+                </a:tc>
+                <a:tc>
+                  <a:txBody>
+                    <a:bodyPr/>
+                    <a:lstStyle/>
+                    <a:p>
+                      <a:pPr indent="0" lvl="0" marL="0" rtl="0" algn="l">
+                        <a:spcBef>
+                          <a:spcPts val="0"/>
+                        </a:spcBef>
+                        <a:spcAft>
+                          <a:spcPts val="0"/>
+                        </a:spcAft>
+                        <a:buNone/>
+                      </a:pPr>
+                      <a:r>
+                        <a:rPr b="1" lang="es">
+                          <a:solidFill>
+                            <a:srgbClr val="6D9EEB"/>
+                          </a:solidFill>
+                        </a:rPr>
+                        <a:t>XUNIT</a:t>
+                      </a:r>
+                      <a:endParaRPr b="1">
+                        <a:solidFill>
+                          <a:srgbClr val="6D9EEB"/>
+                        </a:solidFill>
+                      </a:endParaRPr>
+                    </a:p>
+                  </a:txBody>
+                  <a:tcPr marT="91425" marB="91425" marR="91425" marL="91425">
+                    <a:lnL cap="flat" cmpd="sng" w="9525">
+                      <a:solidFill>
+                        <a:schemeClr val="dk1"/>
+                      </a:solidFill>
+                      <a:prstDash val="solid"/>
+                      <a:round/>
+                      <a:headEnd len="sm" w="sm" type="none"/>
+                      <a:tailEnd len="sm" w="sm" type="none"/>
+                    </a:lnL>
+                    <a:lnR cap="flat" cmpd="sng" w="9525">
+                      <a:solidFill>
+                        <a:schemeClr val="dk1"/>
+                      </a:solidFill>
+                      <a:prstDash val="solid"/>
+                      <a:round/>
+                      <a:headEnd len="sm" w="sm" type="none"/>
+                      <a:tailEnd len="sm" w="sm" type="none"/>
+                    </a:lnR>
+                    <a:lnT cap="flat" cmpd="sng" w="9525">
+                      <a:solidFill>
+                        <a:schemeClr val="dk1"/>
+                      </a:solidFill>
+                      <a:prstDash val="solid"/>
+                      <a:round/>
+                      <a:headEnd len="sm" w="sm" type="none"/>
+                      <a:tailEnd len="sm" w="sm" type="none"/>
+                    </a:lnT>
+                    <a:lnB cap="flat" cmpd="sng" w="9525">
+                      <a:solidFill>
+                        <a:schemeClr val="dk1"/>
+                      </a:solidFill>
+                      <a:prstDash val="solid"/>
+                      <a:round/>
+                      <a:headEnd len="sm" w="sm" type="none"/>
+                      <a:tailEnd len="sm" w="sm" type="none"/>
+                    </a:lnB>
+                  </a:tcPr>
+                </a:tc>
+              </a:tr>
+              <a:tr h="664900">
+                <a:tc>
+                  <a:txBody>
+                    <a:bodyPr/>
+                    <a:lstStyle/>
+                    <a:p>
+                      <a:pPr indent="0" lvl="0" marL="0" rtl="0" algn="l">
+                        <a:spcBef>
+                          <a:spcPts val="0"/>
+                        </a:spcBef>
+                        <a:spcAft>
+                          <a:spcPts val="0"/>
+                        </a:spcAft>
+                        <a:buNone/>
+                      </a:pPr>
+                      <a:r>
+                        <a:rPr lang="es">
+                          <a:solidFill>
+                            <a:srgbClr val="6D9EEB"/>
+                          </a:solidFill>
+                        </a:rPr>
+                        <a:t>ISOLACIÓN DE TEST</a:t>
+                      </a:r>
+                      <a:endParaRPr>
+                        <a:solidFill>
+                          <a:srgbClr val="6D9EEB"/>
+                        </a:solidFill>
+                      </a:endParaRPr>
+                    </a:p>
+                  </a:txBody>
+                  <a:tcPr marT="91425" marB="91425" marR="91425" marL="91425">
+                    <a:lnL cap="flat" cmpd="sng" w="9525">
+                      <a:solidFill>
+                        <a:schemeClr val="dk1"/>
+                      </a:solidFill>
+                      <a:prstDash val="solid"/>
+                      <a:round/>
+                      <a:headEnd len="sm" w="sm" type="none"/>
+                      <a:tailEnd len="sm" w="sm" type="none"/>
+                    </a:lnL>
+                    <a:lnR cap="flat" cmpd="sng" w="9525">
+                      <a:solidFill>
+                        <a:schemeClr val="dk1"/>
+                      </a:solidFill>
+                      <a:prstDash val="solid"/>
+                      <a:round/>
+                      <a:headEnd len="sm" w="sm" type="none"/>
+                      <a:tailEnd len="sm" w="sm" type="none"/>
+                    </a:lnR>
+                    <a:lnT cap="flat" cmpd="sng" w="9525">
+                      <a:solidFill>
+                        <a:schemeClr val="dk1"/>
+                      </a:solidFill>
+                      <a:prstDash val="solid"/>
+                      <a:round/>
+                      <a:headEnd len="sm" w="sm" type="none"/>
+                      <a:tailEnd len="sm" w="sm" type="none"/>
+                    </a:lnT>
+                    <a:lnB cap="flat" cmpd="sng" w="9525">
+                      <a:solidFill>
+                        <a:schemeClr val="dk1"/>
+                      </a:solidFill>
+                      <a:prstDash val="solid"/>
+                      <a:round/>
+                      <a:headEnd len="sm" w="sm" type="none"/>
+                      <a:tailEnd len="sm" w="sm" type="none"/>
+                    </a:lnB>
+                  </a:tcPr>
+                </a:tc>
+                <a:tc>
+                  <a:txBody>
+                    <a:bodyPr/>
+                    <a:lstStyle/>
+                    <a:p>
+                      <a:pPr indent="0" lvl="0" marL="0" rtl="0" algn="l">
+                        <a:spcBef>
+                          <a:spcPts val="0"/>
+                        </a:spcBef>
+                        <a:spcAft>
+                          <a:spcPts val="0"/>
+                        </a:spcAft>
+                        <a:buNone/>
+                      </a:pPr>
+                      <a:r>
+                        <a:t/>
+                      </a:r>
+                      <a:endParaRPr>
+                        <a:highlight>
+                          <a:srgbClr val="F8F9FA"/>
+                        </a:highlight>
+                      </a:endParaRPr>
+                    </a:p>
+                  </a:txBody>
+                  <a:tcPr marT="91425" marB="91425" marR="91425" marL="91425">
+                    <a:lnL cap="flat" cmpd="sng" w="9525">
+                      <a:solidFill>
+                        <a:schemeClr val="dk1"/>
+                      </a:solidFill>
+                      <a:prstDash val="solid"/>
+                      <a:round/>
+                      <a:headEnd len="sm" w="sm" type="none"/>
+                      <a:tailEnd len="sm" w="sm" type="none"/>
+                    </a:lnL>
+                    <a:lnR cap="flat" cmpd="sng" w="9525">
+                      <a:solidFill>
+                        <a:schemeClr val="dk1"/>
+                      </a:solidFill>
+                      <a:prstDash val="solid"/>
+                      <a:round/>
+                      <a:headEnd len="sm" w="sm" type="none"/>
+                      <a:tailEnd len="sm" w="sm" type="none"/>
+                    </a:lnR>
+                    <a:lnT cap="flat" cmpd="sng" w="9525">
+                      <a:solidFill>
+                        <a:schemeClr val="dk1"/>
+                      </a:solidFill>
+                      <a:prstDash val="solid"/>
+                      <a:round/>
+                      <a:headEnd len="sm" w="sm" type="none"/>
+                      <a:tailEnd len="sm" w="sm" type="none"/>
+                    </a:lnT>
+                    <a:lnB cap="flat" cmpd="sng" w="9525">
+                      <a:solidFill>
+                        <a:schemeClr val="dk1"/>
+                      </a:solidFill>
+                      <a:prstDash val="solid"/>
+                      <a:round/>
+                      <a:headEnd len="sm" w="sm" type="none"/>
+                      <a:tailEnd len="sm" w="sm" type="none"/>
+                    </a:lnB>
+                    <a:solidFill>
+                      <a:srgbClr val="F9CB9C"/>
+                    </a:solidFill>
+                  </a:tcPr>
+                </a:tc>
+                <a:tc>
+                  <a:txBody>
+                    <a:bodyPr/>
+                    <a:lstStyle/>
+                    <a:p>
+                      <a:pPr indent="0" lvl="0" marL="0" rtl="0" algn="l">
+                        <a:spcBef>
+                          <a:spcPts val="0"/>
+                        </a:spcBef>
+                        <a:spcAft>
+                          <a:spcPts val="0"/>
+                        </a:spcAft>
+                        <a:buNone/>
+                      </a:pPr>
+                      <a:r>
+                        <a:t/>
+                      </a:r>
+                      <a:endParaRPr/>
+                    </a:p>
+                  </a:txBody>
+                  <a:tcPr marT="91425" marB="91425" marR="91425" marL="91425">
+                    <a:lnL cap="flat" cmpd="sng" w="9525">
+                      <a:solidFill>
+                        <a:schemeClr val="dk1"/>
+                      </a:solidFill>
+                      <a:prstDash val="solid"/>
+                      <a:round/>
+                      <a:headEnd len="sm" w="sm" type="none"/>
+                      <a:tailEnd len="sm" w="sm" type="none"/>
+                    </a:lnL>
+                    <a:lnR cap="flat" cmpd="sng" w="9525">
+                      <a:solidFill>
+                        <a:schemeClr val="dk1"/>
+                      </a:solidFill>
+                      <a:prstDash val="solid"/>
+                      <a:round/>
+                      <a:headEnd len="sm" w="sm" type="none"/>
+                      <a:tailEnd len="sm" w="sm" type="none"/>
+                    </a:lnR>
+                    <a:lnT cap="flat" cmpd="sng" w="9525">
+                      <a:solidFill>
+                        <a:schemeClr val="dk1"/>
+                      </a:solidFill>
+                      <a:prstDash val="solid"/>
+                      <a:round/>
+                      <a:headEnd len="sm" w="sm" type="none"/>
+                      <a:tailEnd len="sm" w="sm" type="none"/>
+                    </a:lnT>
+                    <a:lnB cap="flat" cmpd="sng" w="9525">
+                      <a:solidFill>
+                        <a:schemeClr val="dk1"/>
+                      </a:solidFill>
+                      <a:prstDash val="solid"/>
+                      <a:round/>
+                      <a:headEnd len="sm" w="sm" type="none"/>
+                      <a:tailEnd len="sm" w="sm" type="none"/>
+                    </a:lnB>
+                    <a:solidFill>
+                      <a:srgbClr val="F9CB9C"/>
+                    </a:solidFill>
+                  </a:tcPr>
+                </a:tc>
+                <a:tc>
+                  <a:txBody>
+                    <a:bodyPr/>
+                    <a:lstStyle/>
+                    <a:p>
+                      <a:pPr indent="0" lvl="0" marL="0" rtl="0" algn="l">
+                        <a:spcBef>
+                          <a:spcPts val="0"/>
+                        </a:spcBef>
+                        <a:spcAft>
+                          <a:spcPts val="0"/>
+                        </a:spcAft>
+                        <a:buNone/>
+                      </a:pPr>
+                      <a:r>
+                        <a:t/>
+                      </a:r>
+                      <a:endParaRPr/>
+                    </a:p>
+                  </a:txBody>
+                  <a:tcPr marT="91425" marB="91425" marR="91425" marL="91425">
+                    <a:lnL cap="flat" cmpd="sng" w="9525">
+                      <a:solidFill>
+                        <a:schemeClr val="dk1"/>
+                      </a:solidFill>
+                      <a:prstDash val="solid"/>
+                      <a:round/>
+                      <a:headEnd len="sm" w="sm" type="none"/>
+                      <a:tailEnd len="sm" w="sm" type="none"/>
+                    </a:lnL>
+                    <a:lnR cap="flat" cmpd="sng" w="9525">
+                      <a:solidFill>
+                        <a:schemeClr val="dk1"/>
+                      </a:solidFill>
+                      <a:prstDash val="solid"/>
+                      <a:round/>
+                      <a:headEnd len="sm" w="sm" type="none"/>
+                      <a:tailEnd len="sm" w="sm" type="none"/>
+                    </a:lnR>
+                    <a:lnT cap="flat" cmpd="sng" w="9525">
+                      <a:solidFill>
+                        <a:schemeClr val="dk1"/>
+                      </a:solidFill>
+                      <a:prstDash val="solid"/>
+                      <a:round/>
+                      <a:headEnd len="sm" w="sm" type="none"/>
+                      <a:tailEnd len="sm" w="sm" type="none"/>
+                    </a:lnT>
+                    <a:lnB cap="flat" cmpd="sng" w="9525">
+                      <a:solidFill>
+                        <a:schemeClr val="dk1"/>
+                      </a:solidFill>
+                      <a:prstDash val="solid"/>
+                      <a:round/>
+                      <a:headEnd len="sm" w="sm" type="none"/>
+                      <a:tailEnd len="sm" w="sm" type="none"/>
+                    </a:lnB>
+                    <a:solidFill>
+                      <a:srgbClr val="B6D7A8"/>
+                    </a:solidFill>
+                  </a:tcPr>
+                </a:tc>
+              </a:tr>
+              <a:tr h="432175">
+                <a:tc>
+                  <a:txBody>
+                    <a:bodyPr/>
+                    <a:lstStyle/>
+                    <a:p>
+                      <a:pPr indent="0" lvl="0" marL="0" rtl="0" algn="l">
+                        <a:spcBef>
+                          <a:spcPts val="0"/>
+                        </a:spcBef>
+                        <a:spcAft>
+                          <a:spcPts val="0"/>
+                        </a:spcAft>
+                        <a:buNone/>
+                      </a:pPr>
+                      <a:r>
+                        <a:rPr lang="es">
+                          <a:solidFill>
+                            <a:srgbClr val="6D9EEB"/>
+                          </a:solidFill>
+                        </a:rPr>
+                        <a:t>EXTENSIBILIDAD</a:t>
+                      </a:r>
+                      <a:endParaRPr>
+                        <a:solidFill>
+                          <a:srgbClr val="6D9EEB"/>
+                        </a:solidFill>
+                      </a:endParaRPr>
+                    </a:p>
+                  </a:txBody>
+                  <a:tcPr marT="91425" marB="91425" marR="91425" marL="91425">
+                    <a:lnL cap="flat" cmpd="sng" w="9525">
+                      <a:solidFill>
+                        <a:schemeClr val="dk1"/>
+                      </a:solidFill>
+                      <a:prstDash val="solid"/>
+                      <a:round/>
+                      <a:headEnd len="sm" w="sm" type="none"/>
+                      <a:tailEnd len="sm" w="sm" type="none"/>
+                    </a:lnL>
+                    <a:lnR cap="flat" cmpd="sng" w="9525">
+                      <a:solidFill>
+                        <a:schemeClr val="dk1"/>
+                      </a:solidFill>
+                      <a:prstDash val="solid"/>
+                      <a:round/>
+                      <a:headEnd len="sm" w="sm" type="none"/>
+                      <a:tailEnd len="sm" w="sm" type="none"/>
+                    </a:lnR>
+                    <a:lnT cap="flat" cmpd="sng" w="9525">
+                      <a:solidFill>
+                        <a:schemeClr val="dk1"/>
+                      </a:solidFill>
+                      <a:prstDash val="solid"/>
+                      <a:round/>
+                      <a:headEnd len="sm" w="sm" type="none"/>
+                      <a:tailEnd len="sm" w="sm" type="none"/>
+                    </a:lnT>
+                    <a:lnB cap="flat" cmpd="sng" w="9525">
+                      <a:solidFill>
+                        <a:schemeClr val="dk1"/>
+                      </a:solidFill>
+                      <a:prstDash val="solid"/>
+                      <a:round/>
+                      <a:headEnd len="sm" w="sm" type="none"/>
+                      <a:tailEnd len="sm" w="sm" type="none"/>
+                    </a:lnB>
+                  </a:tcPr>
+                </a:tc>
+                <a:tc>
+                  <a:txBody>
+                    <a:bodyPr/>
+                    <a:lstStyle/>
+                    <a:p>
+                      <a:pPr indent="0" lvl="0" marL="0" rtl="0" algn="l">
+                        <a:spcBef>
+                          <a:spcPts val="0"/>
+                        </a:spcBef>
+                        <a:spcAft>
+                          <a:spcPts val="0"/>
+                        </a:spcAft>
+                        <a:buNone/>
+                      </a:pPr>
+                      <a:r>
+                        <a:t/>
+                      </a:r>
+                      <a:endParaRPr/>
+                    </a:p>
+                  </a:txBody>
+                  <a:tcPr marT="91425" marB="91425" marR="91425" marL="91425">
+                    <a:lnL cap="flat" cmpd="sng" w="9525">
+                      <a:solidFill>
+                        <a:schemeClr val="dk1"/>
+                      </a:solidFill>
+                      <a:prstDash val="solid"/>
+                      <a:round/>
+                      <a:headEnd len="sm" w="sm" type="none"/>
+                      <a:tailEnd len="sm" w="sm" type="none"/>
+                    </a:lnL>
+                    <a:lnR cap="flat" cmpd="sng" w="9525">
+                      <a:solidFill>
+                        <a:schemeClr val="dk1"/>
+                      </a:solidFill>
+                      <a:prstDash val="solid"/>
+                      <a:round/>
+                      <a:headEnd len="sm" w="sm" type="none"/>
+                      <a:tailEnd len="sm" w="sm" type="none"/>
+                    </a:lnR>
+                    <a:lnT cap="flat" cmpd="sng" w="9525">
+                      <a:solidFill>
+                        <a:schemeClr val="dk1"/>
+                      </a:solidFill>
+                      <a:prstDash val="solid"/>
+                      <a:round/>
+                      <a:headEnd len="sm" w="sm" type="none"/>
+                      <a:tailEnd len="sm" w="sm" type="none"/>
+                    </a:lnT>
+                    <a:lnB cap="flat" cmpd="sng" w="9525">
+                      <a:solidFill>
+                        <a:schemeClr val="dk1"/>
+                      </a:solidFill>
+                      <a:prstDash val="solid"/>
+                      <a:round/>
+                      <a:headEnd len="sm" w="sm" type="none"/>
+                      <a:tailEnd len="sm" w="sm" type="none"/>
+                    </a:lnB>
+                    <a:solidFill>
+                      <a:srgbClr val="EA9999"/>
+                    </a:solidFill>
+                  </a:tcPr>
+                </a:tc>
+                <a:tc>
+                  <a:txBody>
+                    <a:bodyPr/>
+                    <a:lstStyle/>
+                    <a:p>
+                      <a:pPr indent="0" lvl="0" marL="0" rtl="0" algn="l">
+                        <a:spcBef>
+                          <a:spcPts val="0"/>
+                        </a:spcBef>
+                        <a:spcAft>
+                          <a:spcPts val="0"/>
+                        </a:spcAft>
+                        <a:buNone/>
+                      </a:pPr>
+                      <a:r>
+                        <a:t/>
+                      </a:r>
+                      <a:endParaRPr/>
+                    </a:p>
+                  </a:txBody>
+                  <a:tcPr marT="91425" marB="91425" marR="91425" marL="91425">
+                    <a:lnL cap="flat" cmpd="sng" w="9525">
+                      <a:solidFill>
+                        <a:schemeClr val="dk1"/>
+                      </a:solidFill>
+                      <a:prstDash val="solid"/>
+                      <a:round/>
+                      <a:headEnd len="sm" w="sm" type="none"/>
+                      <a:tailEnd len="sm" w="sm" type="none"/>
+                    </a:lnL>
+                    <a:lnR cap="flat" cmpd="sng" w="9525">
+                      <a:solidFill>
+                        <a:schemeClr val="dk1"/>
+                      </a:solidFill>
+                      <a:prstDash val="solid"/>
+                      <a:round/>
+                      <a:headEnd len="sm" w="sm" type="none"/>
+                      <a:tailEnd len="sm" w="sm" type="none"/>
+                    </a:lnR>
+                    <a:lnT cap="flat" cmpd="sng" w="9525">
+                      <a:solidFill>
+                        <a:schemeClr val="dk1"/>
+                      </a:solidFill>
+                      <a:prstDash val="solid"/>
+                      <a:round/>
+                      <a:headEnd len="sm" w="sm" type="none"/>
+                      <a:tailEnd len="sm" w="sm" type="none"/>
+                    </a:lnT>
+                    <a:lnB cap="flat" cmpd="sng" w="9525">
+                      <a:solidFill>
+                        <a:schemeClr val="dk1"/>
+                      </a:solidFill>
+                      <a:prstDash val="solid"/>
+                      <a:round/>
+                      <a:headEnd len="sm" w="sm" type="none"/>
+                      <a:tailEnd len="sm" w="sm" type="none"/>
+                    </a:lnB>
+                    <a:solidFill>
+                      <a:srgbClr val="EA9999"/>
+                    </a:solidFill>
+                  </a:tcPr>
+                </a:tc>
+                <a:tc>
+                  <a:txBody>
+                    <a:bodyPr/>
+                    <a:lstStyle/>
+                    <a:p>
+                      <a:pPr indent="0" lvl="0" marL="0" rtl="0" algn="l">
+                        <a:spcBef>
+                          <a:spcPts val="0"/>
+                        </a:spcBef>
+                        <a:spcAft>
+                          <a:spcPts val="0"/>
+                        </a:spcAft>
+                        <a:buNone/>
+                      </a:pPr>
+                      <a:r>
+                        <a:t/>
+                      </a:r>
+                      <a:endParaRPr/>
+                    </a:p>
+                  </a:txBody>
+                  <a:tcPr marT="91425" marB="91425" marR="91425" marL="91425">
+                    <a:lnL cap="flat" cmpd="sng" w="9525">
+                      <a:solidFill>
+                        <a:schemeClr val="dk1"/>
+                      </a:solidFill>
+                      <a:prstDash val="solid"/>
+                      <a:round/>
+                      <a:headEnd len="sm" w="sm" type="none"/>
+                      <a:tailEnd len="sm" w="sm" type="none"/>
+                    </a:lnL>
+                    <a:lnR cap="flat" cmpd="sng" w="9525">
+                      <a:solidFill>
+                        <a:schemeClr val="dk1"/>
+                      </a:solidFill>
+                      <a:prstDash val="solid"/>
+                      <a:round/>
+                      <a:headEnd len="sm" w="sm" type="none"/>
+                      <a:tailEnd len="sm" w="sm" type="none"/>
+                    </a:lnR>
+                    <a:lnT cap="flat" cmpd="sng" w="9525">
+                      <a:solidFill>
+                        <a:schemeClr val="dk1"/>
+                      </a:solidFill>
+                      <a:prstDash val="solid"/>
+                      <a:round/>
+                      <a:headEnd len="sm" w="sm" type="none"/>
+                      <a:tailEnd len="sm" w="sm" type="none"/>
+                    </a:lnT>
+                    <a:lnB cap="flat" cmpd="sng" w="9525">
+                      <a:solidFill>
+                        <a:schemeClr val="dk1"/>
+                      </a:solidFill>
+                      <a:prstDash val="solid"/>
+                      <a:round/>
+                      <a:headEnd len="sm" w="sm" type="none"/>
+                      <a:tailEnd len="sm" w="sm" type="none"/>
+                    </a:lnB>
+                    <a:solidFill>
+                      <a:srgbClr val="B6D7A8"/>
+                    </a:solidFill>
+                  </a:tcPr>
+                </a:tc>
+              </a:tr>
+              <a:tr h="897600">
+                <a:tc>
+                  <a:txBody>
+                    <a:bodyPr/>
+                    <a:lstStyle/>
+                    <a:p>
+                      <a:pPr indent="0" lvl="0" marL="0" rtl="0" algn="l">
+                        <a:spcBef>
+                          <a:spcPts val="0"/>
+                        </a:spcBef>
+                        <a:spcAft>
+                          <a:spcPts val="0"/>
+                        </a:spcAft>
+                        <a:buNone/>
+                      </a:pPr>
+                      <a:r>
+                        <a:rPr lang="es">
+                          <a:solidFill>
+                            <a:srgbClr val="6D9EEB"/>
+                          </a:solidFill>
+                        </a:rPr>
+                        <a:t>INICIALIZACIÓN Y DES-INICIALIZACIÓN</a:t>
+                      </a:r>
+                      <a:endParaRPr>
+                        <a:solidFill>
+                          <a:srgbClr val="6D9EEB"/>
+                        </a:solidFill>
+                      </a:endParaRPr>
+                    </a:p>
+                  </a:txBody>
+                  <a:tcPr marT="91425" marB="91425" marR="91425" marL="91425">
+                    <a:lnL cap="flat" cmpd="sng" w="9525">
+                      <a:solidFill>
+                        <a:schemeClr val="dk1"/>
+                      </a:solidFill>
+                      <a:prstDash val="solid"/>
+                      <a:round/>
+                      <a:headEnd len="sm" w="sm" type="none"/>
+                      <a:tailEnd len="sm" w="sm" type="none"/>
+                    </a:lnL>
+                    <a:lnR cap="flat" cmpd="sng" w="9525">
+                      <a:solidFill>
+                        <a:schemeClr val="dk1"/>
+                      </a:solidFill>
+                      <a:prstDash val="solid"/>
+                      <a:round/>
+                      <a:headEnd len="sm" w="sm" type="none"/>
+                      <a:tailEnd len="sm" w="sm" type="none"/>
+                    </a:lnR>
+                    <a:lnT cap="flat" cmpd="sng" w="9525">
+                      <a:solidFill>
+                        <a:schemeClr val="dk1"/>
+                      </a:solidFill>
+                      <a:prstDash val="solid"/>
+                      <a:round/>
+                      <a:headEnd len="sm" w="sm" type="none"/>
+                      <a:tailEnd len="sm" w="sm" type="none"/>
+                    </a:lnT>
+                    <a:lnB cap="flat" cmpd="sng" w="9525">
+                      <a:solidFill>
+                        <a:schemeClr val="dk1"/>
+                      </a:solidFill>
+                      <a:prstDash val="solid"/>
+                      <a:round/>
+                      <a:headEnd len="sm" w="sm" type="none"/>
+                      <a:tailEnd len="sm" w="sm" type="none"/>
+                    </a:lnB>
+                  </a:tcPr>
+                </a:tc>
+                <a:tc>
+                  <a:txBody>
+                    <a:bodyPr/>
+                    <a:lstStyle/>
+                    <a:p>
+                      <a:pPr indent="0" lvl="0" marL="0" rtl="0" algn="l">
+                        <a:spcBef>
+                          <a:spcPts val="0"/>
+                        </a:spcBef>
+                        <a:spcAft>
+                          <a:spcPts val="0"/>
+                        </a:spcAft>
+                        <a:buNone/>
+                      </a:pPr>
+                      <a:r>
+                        <a:t/>
+                      </a:r>
+                      <a:endParaRPr/>
+                    </a:p>
+                  </a:txBody>
+                  <a:tcPr marT="91425" marB="91425" marR="91425" marL="91425">
+                    <a:lnL cap="flat" cmpd="sng" w="9525">
+                      <a:solidFill>
+                        <a:schemeClr val="dk1"/>
+                      </a:solidFill>
+                      <a:prstDash val="solid"/>
+                      <a:round/>
+                      <a:headEnd len="sm" w="sm" type="none"/>
+                      <a:tailEnd len="sm" w="sm" type="none"/>
+                    </a:lnL>
+                    <a:lnR cap="flat" cmpd="sng" w="9525">
+                      <a:solidFill>
+                        <a:schemeClr val="dk1"/>
+                      </a:solidFill>
+                      <a:prstDash val="solid"/>
+                      <a:round/>
+                      <a:headEnd len="sm" w="sm" type="none"/>
+                      <a:tailEnd len="sm" w="sm" type="none"/>
+                    </a:lnR>
+                    <a:lnT cap="flat" cmpd="sng" w="9525">
+                      <a:solidFill>
+                        <a:schemeClr val="dk1"/>
+                      </a:solidFill>
+                      <a:prstDash val="solid"/>
+                      <a:round/>
+                      <a:headEnd len="sm" w="sm" type="none"/>
+                      <a:tailEnd len="sm" w="sm" type="none"/>
+                    </a:lnT>
+                    <a:lnB cap="flat" cmpd="sng" w="9525">
+                      <a:solidFill>
+                        <a:schemeClr val="dk1"/>
+                      </a:solidFill>
+                      <a:prstDash val="solid"/>
+                      <a:round/>
+                      <a:headEnd len="sm" w="sm" type="none"/>
+                      <a:tailEnd len="sm" w="sm" type="none"/>
+                    </a:lnB>
+                    <a:solidFill>
+                      <a:srgbClr val="EA9999"/>
+                    </a:solidFill>
+                  </a:tcPr>
+                </a:tc>
+                <a:tc>
+                  <a:txBody>
+                    <a:bodyPr/>
+                    <a:lstStyle/>
+                    <a:p>
+                      <a:pPr indent="0" lvl="0" marL="0" rtl="0" algn="l">
+                        <a:spcBef>
+                          <a:spcPts val="0"/>
+                        </a:spcBef>
+                        <a:spcAft>
+                          <a:spcPts val="0"/>
+                        </a:spcAft>
+                        <a:buNone/>
+                      </a:pPr>
+                      <a:r>
+                        <a:t/>
+                      </a:r>
+                      <a:endParaRPr/>
+                    </a:p>
+                  </a:txBody>
+                  <a:tcPr marT="91425" marB="91425" marR="91425" marL="91425">
+                    <a:lnL cap="flat" cmpd="sng" w="9525">
+                      <a:solidFill>
+                        <a:schemeClr val="dk1"/>
+                      </a:solidFill>
+                      <a:prstDash val="solid"/>
+                      <a:round/>
+                      <a:headEnd len="sm" w="sm" type="none"/>
+                      <a:tailEnd len="sm" w="sm" type="none"/>
+                    </a:lnL>
+                    <a:lnR cap="flat" cmpd="sng" w="9525">
+                      <a:solidFill>
+                        <a:schemeClr val="dk1"/>
+                      </a:solidFill>
+                      <a:prstDash val="solid"/>
+                      <a:round/>
+                      <a:headEnd len="sm" w="sm" type="none"/>
+                      <a:tailEnd len="sm" w="sm" type="none"/>
+                    </a:lnR>
+                    <a:lnT cap="flat" cmpd="sng" w="9525">
+                      <a:solidFill>
+                        <a:schemeClr val="dk1"/>
+                      </a:solidFill>
+                      <a:prstDash val="solid"/>
+                      <a:round/>
+                      <a:headEnd len="sm" w="sm" type="none"/>
+                      <a:tailEnd len="sm" w="sm" type="none"/>
+                    </a:lnT>
+                    <a:lnB cap="flat" cmpd="sng" w="9525">
+                      <a:solidFill>
+                        <a:schemeClr val="dk1"/>
+                      </a:solidFill>
+                      <a:prstDash val="solid"/>
+                      <a:round/>
+                      <a:headEnd len="sm" w="sm" type="none"/>
+                      <a:tailEnd len="sm" w="sm" type="none"/>
+                    </a:lnB>
+                    <a:solidFill>
+                      <a:srgbClr val="F9CB9C"/>
+                    </a:solidFill>
+                  </a:tcPr>
+                </a:tc>
+                <a:tc>
+                  <a:txBody>
+                    <a:bodyPr/>
+                    <a:lstStyle/>
+                    <a:p>
+                      <a:pPr indent="0" lvl="0" marL="0" rtl="0" algn="l">
+                        <a:spcBef>
+                          <a:spcPts val="0"/>
+                        </a:spcBef>
+                        <a:spcAft>
+                          <a:spcPts val="0"/>
+                        </a:spcAft>
+                        <a:buNone/>
+                      </a:pPr>
+                      <a:r>
+                        <a:t/>
+                      </a:r>
+                      <a:endParaRPr/>
+                    </a:p>
+                  </a:txBody>
+                  <a:tcPr marT="91425" marB="91425" marR="91425" marL="91425">
+                    <a:lnL cap="flat" cmpd="sng" w="9525">
+                      <a:solidFill>
+                        <a:schemeClr val="dk1"/>
+                      </a:solidFill>
+                      <a:prstDash val="solid"/>
+                      <a:round/>
+                      <a:headEnd len="sm" w="sm" type="none"/>
+                      <a:tailEnd len="sm" w="sm" type="none"/>
+                    </a:lnL>
+                    <a:lnR cap="flat" cmpd="sng" w="9525">
+                      <a:solidFill>
+                        <a:schemeClr val="dk1"/>
+                      </a:solidFill>
+                      <a:prstDash val="solid"/>
+                      <a:round/>
+                      <a:headEnd len="sm" w="sm" type="none"/>
+                      <a:tailEnd len="sm" w="sm" type="none"/>
+                    </a:lnR>
+                    <a:lnT cap="flat" cmpd="sng" w="9525">
+                      <a:solidFill>
+                        <a:schemeClr val="dk1"/>
+                      </a:solidFill>
+                      <a:prstDash val="solid"/>
+                      <a:round/>
+                      <a:headEnd len="sm" w="sm" type="none"/>
+                      <a:tailEnd len="sm" w="sm" type="none"/>
+                    </a:lnT>
+                    <a:lnB cap="flat" cmpd="sng" w="9525">
+                      <a:solidFill>
+                        <a:schemeClr val="dk1"/>
+                      </a:solidFill>
+                      <a:prstDash val="solid"/>
+                      <a:round/>
+                      <a:headEnd len="sm" w="sm" type="none"/>
+                      <a:tailEnd len="sm" w="sm" type="none"/>
+                    </a:lnB>
+                    <a:solidFill>
+                      <a:srgbClr val="B6D7A8"/>
+                    </a:solidFill>
+                  </a:tcPr>
+                </a:tc>
+              </a:tr>
+              <a:tr h="664900">
+                <a:tc>
+                  <a:txBody>
+                    <a:bodyPr/>
+                    <a:lstStyle/>
+                    <a:p>
+                      <a:pPr indent="0" lvl="0" marL="0" rtl="0" algn="l">
+                        <a:spcBef>
+                          <a:spcPts val="0"/>
+                        </a:spcBef>
+                        <a:spcAft>
+                          <a:spcPts val="0"/>
+                        </a:spcAft>
+                        <a:buNone/>
+                      </a:pPr>
+                      <a:r>
+                        <a:rPr lang="es">
+                          <a:solidFill>
+                            <a:srgbClr val="6D9EEB"/>
+                          </a:solidFill>
+                        </a:rPr>
+                        <a:t>MECANISMO DE ASSERT</a:t>
+                      </a:r>
+                      <a:endParaRPr>
+                        <a:solidFill>
+                          <a:srgbClr val="6D9EEB"/>
+                        </a:solidFill>
+                      </a:endParaRPr>
+                    </a:p>
+                  </a:txBody>
+                  <a:tcPr marT="91425" marB="91425" marR="91425" marL="91425">
+                    <a:lnL cap="flat" cmpd="sng" w="9525">
+                      <a:solidFill>
+                        <a:schemeClr val="dk1"/>
+                      </a:solidFill>
+                      <a:prstDash val="solid"/>
+                      <a:round/>
+                      <a:headEnd len="sm" w="sm" type="none"/>
+                      <a:tailEnd len="sm" w="sm" type="none"/>
+                    </a:lnL>
+                    <a:lnR cap="flat" cmpd="sng" w="9525">
+                      <a:solidFill>
+                        <a:schemeClr val="dk1"/>
+                      </a:solidFill>
+                      <a:prstDash val="solid"/>
+                      <a:round/>
+                      <a:headEnd len="sm" w="sm" type="none"/>
+                      <a:tailEnd len="sm" w="sm" type="none"/>
+                    </a:lnR>
+                    <a:lnT cap="flat" cmpd="sng" w="9525">
+                      <a:solidFill>
+                        <a:schemeClr val="dk1"/>
+                      </a:solidFill>
+                      <a:prstDash val="solid"/>
+                      <a:round/>
+                      <a:headEnd len="sm" w="sm" type="none"/>
+                      <a:tailEnd len="sm" w="sm" type="none"/>
+                    </a:lnT>
+                    <a:lnB cap="flat" cmpd="sng" w="9525">
+                      <a:solidFill>
+                        <a:schemeClr val="dk1"/>
+                      </a:solidFill>
+                      <a:prstDash val="solid"/>
+                      <a:round/>
+                      <a:headEnd len="sm" w="sm" type="none"/>
+                      <a:tailEnd len="sm" w="sm" type="none"/>
+                    </a:lnB>
+                  </a:tcPr>
+                </a:tc>
+                <a:tc>
+                  <a:txBody>
+                    <a:bodyPr/>
+                    <a:lstStyle/>
+                    <a:p>
+                      <a:pPr indent="0" lvl="0" marL="0" rtl="0" algn="l">
+                        <a:spcBef>
+                          <a:spcPts val="0"/>
+                        </a:spcBef>
+                        <a:spcAft>
+                          <a:spcPts val="0"/>
+                        </a:spcAft>
+                        <a:buNone/>
+                      </a:pPr>
+                      <a:r>
+                        <a:t/>
+                      </a:r>
+                      <a:endParaRPr/>
+                    </a:p>
+                  </a:txBody>
+                  <a:tcPr marT="91425" marB="91425" marR="91425" marL="91425">
+                    <a:lnL cap="flat" cmpd="sng" w="9525">
+                      <a:solidFill>
+                        <a:schemeClr val="dk1"/>
+                      </a:solidFill>
+                      <a:prstDash val="solid"/>
+                      <a:round/>
+                      <a:headEnd len="sm" w="sm" type="none"/>
+                      <a:tailEnd len="sm" w="sm" type="none"/>
+                    </a:lnL>
+                    <a:lnR cap="flat" cmpd="sng" w="9525">
+                      <a:solidFill>
+                        <a:schemeClr val="dk1"/>
+                      </a:solidFill>
+                      <a:prstDash val="solid"/>
+                      <a:round/>
+                      <a:headEnd len="sm" w="sm" type="none"/>
+                      <a:tailEnd len="sm" w="sm" type="none"/>
+                    </a:lnR>
+                    <a:lnT cap="flat" cmpd="sng" w="9525">
+                      <a:solidFill>
+                        <a:schemeClr val="dk1"/>
+                      </a:solidFill>
+                      <a:prstDash val="solid"/>
+                      <a:round/>
+                      <a:headEnd len="sm" w="sm" type="none"/>
+                      <a:tailEnd len="sm" w="sm" type="none"/>
+                    </a:lnT>
+                    <a:lnB cap="flat" cmpd="sng" w="9525">
+                      <a:solidFill>
+                        <a:schemeClr val="dk1"/>
+                      </a:solidFill>
+                      <a:prstDash val="solid"/>
+                      <a:round/>
+                      <a:headEnd len="sm" w="sm" type="none"/>
+                      <a:tailEnd len="sm" w="sm" type="none"/>
+                    </a:lnB>
+                    <a:solidFill>
+                      <a:srgbClr val="F9CB9C"/>
+                    </a:solidFill>
+                  </a:tcPr>
+                </a:tc>
+                <a:tc>
+                  <a:txBody>
+                    <a:bodyPr/>
+                    <a:lstStyle/>
+                    <a:p>
+                      <a:pPr indent="0" lvl="0" marL="0" rtl="0" algn="l">
+                        <a:spcBef>
+                          <a:spcPts val="0"/>
+                        </a:spcBef>
+                        <a:spcAft>
+                          <a:spcPts val="0"/>
+                        </a:spcAft>
+                        <a:buNone/>
+                      </a:pPr>
+                      <a:r>
+                        <a:t/>
+                      </a:r>
+                      <a:endParaRPr/>
+                    </a:p>
+                  </a:txBody>
+                  <a:tcPr marT="91425" marB="91425" marR="91425" marL="91425">
+                    <a:lnL cap="flat" cmpd="sng" w="9525">
+                      <a:solidFill>
+                        <a:schemeClr val="dk1"/>
+                      </a:solidFill>
+                      <a:prstDash val="solid"/>
+                      <a:round/>
+                      <a:headEnd len="sm" w="sm" type="none"/>
+                      <a:tailEnd len="sm" w="sm" type="none"/>
+                    </a:lnL>
+                    <a:lnR cap="flat" cmpd="sng" w="9525">
+                      <a:solidFill>
+                        <a:schemeClr val="dk1"/>
+                      </a:solidFill>
+                      <a:prstDash val="solid"/>
+                      <a:round/>
+                      <a:headEnd len="sm" w="sm" type="none"/>
+                      <a:tailEnd len="sm" w="sm" type="none"/>
+                    </a:lnR>
+                    <a:lnT cap="flat" cmpd="sng" w="9525">
+                      <a:solidFill>
+                        <a:schemeClr val="dk1"/>
+                      </a:solidFill>
+                      <a:prstDash val="solid"/>
+                      <a:round/>
+                      <a:headEnd len="sm" w="sm" type="none"/>
+                      <a:tailEnd len="sm" w="sm" type="none"/>
+                    </a:lnT>
+                    <a:lnB cap="flat" cmpd="sng" w="9525">
+                      <a:solidFill>
+                        <a:schemeClr val="dk1"/>
+                      </a:solidFill>
+                      <a:prstDash val="solid"/>
+                      <a:round/>
+                      <a:headEnd len="sm" w="sm" type="none"/>
+                      <a:tailEnd len="sm" w="sm" type="none"/>
+                    </a:lnB>
+                    <a:solidFill>
+                      <a:srgbClr val="F9CB9C"/>
+                    </a:solidFill>
+                  </a:tcPr>
+                </a:tc>
+                <a:tc>
+                  <a:txBody>
+                    <a:bodyPr/>
+                    <a:lstStyle/>
+                    <a:p>
+                      <a:pPr indent="0" lvl="0" marL="0" rtl="0" algn="l">
+                        <a:spcBef>
+                          <a:spcPts val="0"/>
+                        </a:spcBef>
+                        <a:spcAft>
+                          <a:spcPts val="0"/>
+                        </a:spcAft>
+                        <a:buNone/>
+                      </a:pPr>
+                      <a:r>
+                        <a:t/>
+                      </a:r>
+                      <a:endParaRPr/>
+                    </a:p>
+                  </a:txBody>
+                  <a:tcPr marT="91425" marB="91425" marR="91425" marL="91425">
+                    <a:lnL cap="flat" cmpd="sng" w="9525">
+                      <a:solidFill>
+                        <a:schemeClr val="dk1"/>
+                      </a:solidFill>
+                      <a:prstDash val="solid"/>
+                      <a:round/>
+                      <a:headEnd len="sm" w="sm" type="none"/>
+                      <a:tailEnd len="sm" w="sm" type="none"/>
+                    </a:lnL>
+                    <a:lnR cap="flat" cmpd="sng" w="9525">
+                      <a:solidFill>
+                        <a:schemeClr val="dk1"/>
+                      </a:solidFill>
+                      <a:prstDash val="solid"/>
+                      <a:round/>
+                      <a:headEnd len="sm" w="sm" type="none"/>
+                      <a:tailEnd len="sm" w="sm" type="none"/>
+                    </a:lnR>
+                    <a:lnT cap="flat" cmpd="sng" w="9525">
+                      <a:solidFill>
+                        <a:schemeClr val="dk1"/>
+                      </a:solidFill>
+                      <a:prstDash val="solid"/>
+                      <a:round/>
+                      <a:headEnd len="sm" w="sm" type="none"/>
+                      <a:tailEnd len="sm" w="sm" type="none"/>
+                    </a:lnT>
+                    <a:lnB cap="flat" cmpd="sng" w="9525">
+                      <a:solidFill>
+                        <a:schemeClr val="dk1"/>
+                      </a:solidFill>
+                      <a:prstDash val="solid"/>
+                      <a:round/>
+                      <a:headEnd len="sm" w="sm" type="none"/>
+                      <a:tailEnd len="sm" w="sm" type="none"/>
+                    </a:lnB>
+                    <a:solidFill>
+                      <a:srgbClr val="B6D7A8"/>
+                    </a:solidFill>
+                  </a:tcPr>
+                </a:tc>
+              </a:tr>
+              <a:tr h="897600">
+                <a:tc>
+                  <a:txBody>
+                    <a:bodyPr/>
+                    <a:lstStyle/>
+                    <a:p>
+                      <a:pPr indent="0" lvl="0" marL="0" rtl="0" algn="l">
+                        <a:spcBef>
+                          <a:spcPts val="0"/>
+                        </a:spcBef>
+                        <a:spcAft>
+                          <a:spcPts val="0"/>
+                        </a:spcAft>
+                        <a:buNone/>
+                      </a:pPr>
+                      <a:r>
+                        <a:rPr lang="es">
+                          <a:solidFill>
+                            <a:srgbClr val="6D9EEB"/>
+                          </a:solidFill>
+                        </a:rPr>
+                        <a:t>EJECUCIÓN DE TEST EN PARALELO</a:t>
+                      </a:r>
+                      <a:endParaRPr>
+                        <a:solidFill>
+                          <a:srgbClr val="6D9EEB"/>
+                        </a:solidFill>
+                      </a:endParaRPr>
+                    </a:p>
+                  </a:txBody>
+                  <a:tcPr marT="91425" marB="91425" marR="91425" marL="91425">
+                    <a:lnL cap="flat" cmpd="sng" w="9525">
+                      <a:solidFill>
+                        <a:schemeClr val="dk1"/>
+                      </a:solidFill>
+                      <a:prstDash val="solid"/>
+                      <a:round/>
+                      <a:headEnd len="sm" w="sm" type="none"/>
+                      <a:tailEnd len="sm" w="sm" type="none"/>
+                    </a:lnL>
+                    <a:lnR cap="flat" cmpd="sng" w="9525">
+                      <a:solidFill>
+                        <a:schemeClr val="dk1"/>
+                      </a:solidFill>
+                      <a:prstDash val="solid"/>
+                      <a:round/>
+                      <a:headEnd len="sm" w="sm" type="none"/>
+                      <a:tailEnd len="sm" w="sm" type="none"/>
+                    </a:lnR>
+                    <a:lnT cap="flat" cmpd="sng" w="9525">
+                      <a:solidFill>
+                        <a:schemeClr val="dk1"/>
+                      </a:solidFill>
+                      <a:prstDash val="solid"/>
+                      <a:round/>
+                      <a:headEnd len="sm" w="sm" type="none"/>
+                      <a:tailEnd len="sm" w="sm" type="none"/>
+                    </a:lnT>
+                    <a:lnB cap="flat" cmpd="sng" w="9525">
+                      <a:solidFill>
+                        <a:schemeClr val="dk1"/>
+                      </a:solidFill>
+                      <a:prstDash val="solid"/>
+                      <a:round/>
+                      <a:headEnd len="sm" w="sm" type="none"/>
+                      <a:tailEnd len="sm" w="sm" type="none"/>
+                    </a:lnB>
+                  </a:tcPr>
+                </a:tc>
+                <a:tc>
+                  <a:txBody>
+                    <a:bodyPr/>
+                    <a:lstStyle/>
+                    <a:p>
+                      <a:pPr indent="0" lvl="0" marL="0" rtl="0" algn="l">
+                        <a:spcBef>
+                          <a:spcPts val="0"/>
+                        </a:spcBef>
+                        <a:spcAft>
+                          <a:spcPts val="0"/>
+                        </a:spcAft>
+                        <a:buNone/>
+                      </a:pPr>
+                      <a:r>
+                        <a:t/>
+                      </a:r>
+                      <a:endParaRPr/>
+                    </a:p>
+                  </a:txBody>
+                  <a:tcPr marT="91425" marB="91425" marR="91425" marL="91425">
+                    <a:lnL cap="flat" cmpd="sng" w="9525">
+                      <a:solidFill>
+                        <a:schemeClr val="dk1"/>
+                      </a:solidFill>
+                      <a:prstDash val="solid"/>
+                      <a:round/>
+                      <a:headEnd len="sm" w="sm" type="none"/>
+                      <a:tailEnd len="sm" w="sm" type="none"/>
+                    </a:lnL>
+                    <a:lnR cap="flat" cmpd="sng" w="9525">
+                      <a:solidFill>
+                        <a:schemeClr val="dk1"/>
+                      </a:solidFill>
+                      <a:prstDash val="solid"/>
+                      <a:round/>
+                      <a:headEnd len="sm" w="sm" type="none"/>
+                      <a:tailEnd len="sm" w="sm" type="none"/>
+                    </a:lnR>
+                    <a:lnT cap="flat" cmpd="sng" w="9525">
+                      <a:solidFill>
+                        <a:schemeClr val="dk1"/>
+                      </a:solidFill>
+                      <a:prstDash val="solid"/>
+                      <a:round/>
+                      <a:headEnd len="sm" w="sm" type="none"/>
+                      <a:tailEnd len="sm" w="sm" type="none"/>
+                    </a:lnT>
+                    <a:lnB cap="flat" cmpd="sng" w="9525">
+                      <a:solidFill>
+                        <a:schemeClr val="dk1"/>
+                      </a:solidFill>
+                      <a:prstDash val="solid"/>
+                      <a:round/>
+                      <a:headEnd len="sm" w="sm" type="none"/>
+                      <a:tailEnd len="sm" w="sm" type="none"/>
+                    </a:lnB>
+                    <a:solidFill>
+                      <a:srgbClr val="B6D7A8"/>
+                    </a:solidFill>
+                  </a:tcPr>
+                </a:tc>
+                <a:tc>
+                  <a:txBody>
+                    <a:bodyPr/>
+                    <a:lstStyle/>
+                    <a:p>
+                      <a:pPr indent="0" lvl="0" marL="0" rtl="0" algn="l">
+                        <a:spcBef>
+                          <a:spcPts val="0"/>
+                        </a:spcBef>
+                        <a:spcAft>
+                          <a:spcPts val="0"/>
+                        </a:spcAft>
+                        <a:buNone/>
+                      </a:pPr>
+                      <a:r>
+                        <a:t/>
+                      </a:r>
+                      <a:endParaRPr/>
+                    </a:p>
+                  </a:txBody>
+                  <a:tcPr marT="91425" marB="91425" marR="91425" marL="91425">
+                    <a:lnL cap="flat" cmpd="sng" w="9525">
+                      <a:solidFill>
+                        <a:schemeClr val="dk1"/>
+                      </a:solidFill>
+                      <a:prstDash val="solid"/>
+                      <a:round/>
+                      <a:headEnd len="sm" w="sm" type="none"/>
+                      <a:tailEnd len="sm" w="sm" type="none"/>
+                    </a:lnL>
+                    <a:lnR cap="flat" cmpd="sng" w="9525">
+                      <a:solidFill>
+                        <a:schemeClr val="dk1"/>
+                      </a:solidFill>
+                      <a:prstDash val="solid"/>
+                      <a:round/>
+                      <a:headEnd len="sm" w="sm" type="none"/>
+                      <a:tailEnd len="sm" w="sm" type="none"/>
+                    </a:lnR>
+                    <a:lnT cap="flat" cmpd="sng" w="9525">
+                      <a:solidFill>
+                        <a:schemeClr val="dk1"/>
+                      </a:solidFill>
+                      <a:prstDash val="solid"/>
+                      <a:round/>
+                      <a:headEnd len="sm" w="sm" type="none"/>
+                      <a:tailEnd len="sm" w="sm" type="none"/>
+                    </a:lnT>
+                    <a:lnB cap="flat" cmpd="sng" w="9525">
+                      <a:solidFill>
+                        <a:schemeClr val="dk1"/>
+                      </a:solidFill>
+                      <a:prstDash val="solid"/>
+                      <a:round/>
+                      <a:headEnd len="sm" w="sm" type="none"/>
+                      <a:tailEnd len="sm" w="sm" type="none"/>
+                    </a:lnB>
+                    <a:solidFill>
+                      <a:srgbClr val="B6D7A8"/>
+                    </a:solidFill>
+                  </a:tcPr>
+                </a:tc>
+                <a:tc>
+                  <a:txBody>
+                    <a:bodyPr/>
+                    <a:lstStyle/>
+                    <a:p>
+                      <a:pPr indent="0" lvl="0" marL="0" rtl="0" algn="l">
+                        <a:spcBef>
+                          <a:spcPts val="0"/>
+                        </a:spcBef>
+                        <a:spcAft>
+                          <a:spcPts val="0"/>
+                        </a:spcAft>
+                        <a:buNone/>
+                      </a:pPr>
+                      <a:r>
+                        <a:t/>
+                      </a:r>
+                      <a:endParaRPr/>
+                    </a:p>
+                  </a:txBody>
+                  <a:tcPr marT="91425" marB="91425" marR="91425" marL="91425">
+                    <a:lnL cap="flat" cmpd="sng" w="9525">
+                      <a:solidFill>
+                        <a:schemeClr val="dk1"/>
+                      </a:solidFill>
+                      <a:prstDash val="solid"/>
+                      <a:round/>
+                      <a:headEnd len="sm" w="sm" type="none"/>
+                      <a:tailEnd len="sm" w="sm" type="none"/>
+                    </a:lnL>
+                    <a:lnR cap="flat" cmpd="sng" w="9525">
+                      <a:solidFill>
+                        <a:schemeClr val="dk1"/>
+                      </a:solidFill>
+                      <a:prstDash val="solid"/>
+                      <a:round/>
+                      <a:headEnd len="sm" w="sm" type="none"/>
+                      <a:tailEnd len="sm" w="sm" type="none"/>
+                    </a:lnR>
+                    <a:lnT cap="flat" cmpd="sng" w="9525">
+                      <a:solidFill>
+                        <a:schemeClr val="dk1"/>
+                      </a:solidFill>
+                      <a:prstDash val="solid"/>
+                      <a:round/>
+                      <a:headEnd len="sm" w="sm" type="none"/>
+                      <a:tailEnd len="sm" w="sm" type="none"/>
+                    </a:lnT>
+                    <a:lnB cap="flat" cmpd="sng" w="9525">
+                      <a:solidFill>
+                        <a:schemeClr val="dk1"/>
+                      </a:solidFill>
+                      <a:prstDash val="solid"/>
+                      <a:round/>
+                      <a:headEnd len="sm" w="sm" type="none"/>
+                      <a:tailEnd len="sm" w="sm" type="none"/>
+                    </a:lnB>
+                    <a:solidFill>
+                      <a:srgbClr val="B6D7A8"/>
+                    </a:solidFill>
+                  </a:tcPr>
+                </a:tc>
+              </a:tr>
+            </a:tbl>
+          </a:graphicData>
+        </a:graphic>
+      </p:graphicFrame>
+      <p:graphicFrame>
+        <p:nvGraphicFramePr>
+          <p:cNvPr id="146" name="Google Shape;146;p23"/>
+          <p:cNvGraphicFramePr/>
+          <p:nvPr/>
+        </p:nvGraphicFramePr>
+        <p:xfrm>
+          <a:off x="5753325" y="4079150"/>
+          <a:ext cx="3000000" cy="3000000"/>
+        </p:xfrm>
+        <a:graphic>
+          <a:graphicData uri="http://schemas.openxmlformats.org/drawingml/2006/table">
+            <a:tbl>
+              <a:tblPr>
+                <a:noFill/>
+                <a:tableStyleId>{483911CC-F2D3-4BEC-B8EC-951287A48625}</a:tableStyleId>
+              </a:tblPr>
+              <a:tblGrid>
+                <a:gridCol w="745450"/>
+                <a:gridCol w="1035600"/>
+                <a:gridCol w="578400"/>
+              </a:tblGrid>
+              <a:tr h="398700">
+                <a:tc>
+                  <a:txBody>
+                    <a:bodyPr/>
+                    <a:lstStyle/>
+                    <a:p>
+                      <a:pPr indent="0" lvl="0" marL="0" rtl="0" algn="l">
+                        <a:spcBef>
+                          <a:spcPts val="0"/>
+                        </a:spcBef>
+                        <a:spcAft>
+                          <a:spcPts val="0"/>
+                        </a:spcAft>
+                        <a:buNone/>
+                      </a:pPr>
+                      <a:r>
+                        <a:rPr lang="es"/>
+                        <a:t>Bueno</a:t>
+                      </a:r>
+                      <a:endParaRPr/>
+                    </a:p>
+                  </a:txBody>
+                  <a:tcPr marT="91425" marB="91425" marR="91425" marL="91425">
+                    <a:lnL cap="flat" cmpd="sng" w="9525">
+                      <a:solidFill>
+                        <a:schemeClr val="dk1"/>
+                      </a:solidFill>
+                      <a:prstDash val="solid"/>
+                      <a:round/>
+                      <a:headEnd len="sm" w="sm" type="none"/>
+                      <a:tailEnd len="sm" w="sm" type="none"/>
+                    </a:lnL>
+                    <a:lnR cap="flat" cmpd="sng" w="9525">
+                      <a:solidFill>
+                        <a:schemeClr val="dk1"/>
+                      </a:solidFill>
+                      <a:prstDash val="solid"/>
+                      <a:round/>
+                      <a:headEnd len="sm" w="sm" type="none"/>
+                      <a:tailEnd len="sm" w="sm" type="none"/>
+                    </a:lnR>
+                    <a:lnT cap="flat" cmpd="sng" w="9525">
+                      <a:solidFill>
+                        <a:schemeClr val="dk1"/>
+                      </a:solidFill>
+                      <a:prstDash val="solid"/>
+                      <a:round/>
+                      <a:headEnd len="sm" w="sm" type="none"/>
+                      <a:tailEnd len="sm" w="sm" type="none"/>
+                    </a:lnT>
+                    <a:lnB cap="flat" cmpd="sng" w="9525">
+                      <a:solidFill>
+                        <a:schemeClr val="dk1"/>
+                      </a:solidFill>
+                      <a:prstDash val="solid"/>
+                      <a:round/>
+                      <a:headEnd len="sm" w="sm" type="none"/>
+                      <a:tailEnd len="sm" w="sm" type="none"/>
+                    </a:lnB>
+                  </a:tcPr>
+                </a:tc>
+                <a:tc>
+                  <a:txBody>
+                    <a:bodyPr/>
+                    <a:lstStyle/>
+                    <a:p>
+                      <a:pPr indent="0" lvl="0" marL="0" rtl="0" algn="l">
+                        <a:spcBef>
+                          <a:spcPts val="0"/>
+                        </a:spcBef>
+                        <a:spcAft>
+                          <a:spcPts val="0"/>
+                        </a:spcAft>
+                        <a:buNone/>
+                      </a:pPr>
+                      <a:r>
+                        <a:rPr lang="es"/>
+                        <a:t>Intermedio</a:t>
+                      </a:r>
+                      <a:endParaRPr/>
+                    </a:p>
+                  </a:txBody>
+                  <a:tcPr marT="91425" marB="91425" marR="91425" marL="91425">
+                    <a:lnL cap="flat" cmpd="sng" w="9525">
+                      <a:solidFill>
+                        <a:schemeClr val="dk1"/>
+                      </a:solidFill>
+                      <a:prstDash val="solid"/>
+                      <a:round/>
+                      <a:headEnd len="sm" w="sm" type="none"/>
+                      <a:tailEnd len="sm" w="sm" type="none"/>
+                    </a:lnL>
+                    <a:lnR cap="flat" cmpd="sng" w="9525">
+                      <a:solidFill>
+                        <a:schemeClr val="dk1"/>
+                      </a:solidFill>
+                      <a:prstDash val="solid"/>
+                      <a:round/>
+                      <a:headEnd len="sm" w="sm" type="none"/>
+                      <a:tailEnd len="sm" w="sm" type="none"/>
+                    </a:lnR>
+                    <a:lnT cap="flat" cmpd="sng" w="9525">
+                      <a:solidFill>
+                        <a:schemeClr val="dk1"/>
+                      </a:solidFill>
+                      <a:prstDash val="solid"/>
+                      <a:round/>
+                      <a:headEnd len="sm" w="sm" type="none"/>
+                      <a:tailEnd len="sm" w="sm" type="none"/>
+                    </a:lnT>
+                    <a:lnB cap="flat" cmpd="sng" w="9525">
+                      <a:solidFill>
+                        <a:schemeClr val="dk1"/>
+                      </a:solidFill>
+                      <a:prstDash val="solid"/>
+                      <a:round/>
+                      <a:headEnd len="sm" w="sm" type="none"/>
+                      <a:tailEnd len="sm" w="sm" type="none"/>
+                    </a:lnB>
+                  </a:tcPr>
+                </a:tc>
+                <a:tc>
+                  <a:txBody>
+                    <a:bodyPr/>
+                    <a:lstStyle/>
+                    <a:p>
+                      <a:pPr indent="0" lvl="0" marL="0" rtl="0" algn="l">
+                        <a:spcBef>
+                          <a:spcPts val="0"/>
+                        </a:spcBef>
+                        <a:spcAft>
+                          <a:spcPts val="0"/>
+                        </a:spcAft>
+                        <a:buNone/>
+                      </a:pPr>
+                      <a:r>
+                        <a:rPr lang="es"/>
+                        <a:t>Malo</a:t>
+                      </a:r>
+                      <a:endParaRPr/>
+                    </a:p>
+                  </a:txBody>
+                  <a:tcPr marT="91425" marB="91425" marR="91425" marL="91425">
+                    <a:lnL cap="flat" cmpd="sng" w="9525">
+                      <a:solidFill>
+                        <a:schemeClr val="dk1"/>
+                      </a:solidFill>
+                      <a:prstDash val="solid"/>
+                      <a:round/>
+                      <a:headEnd len="sm" w="sm" type="none"/>
+                      <a:tailEnd len="sm" w="sm" type="none"/>
+                    </a:lnL>
+                    <a:lnR cap="flat" cmpd="sng" w="9525">
+                      <a:solidFill>
+                        <a:schemeClr val="dk1"/>
+                      </a:solidFill>
+                      <a:prstDash val="solid"/>
+                      <a:round/>
+                      <a:headEnd len="sm" w="sm" type="none"/>
+                      <a:tailEnd len="sm" w="sm" type="none"/>
+                    </a:lnR>
+                    <a:lnT cap="flat" cmpd="sng" w="9525">
+                      <a:solidFill>
+                        <a:schemeClr val="dk1"/>
+                      </a:solidFill>
+                      <a:prstDash val="solid"/>
+                      <a:round/>
+                      <a:headEnd len="sm" w="sm" type="none"/>
+                      <a:tailEnd len="sm" w="sm" type="none"/>
+                    </a:lnT>
+                    <a:lnB cap="flat" cmpd="sng" w="9525">
+                      <a:solidFill>
+                        <a:schemeClr val="dk1"/>
+                      </a:solidFill>
+                      <a:prstDash val="solid"/>
+                      <a:round/>
+                      <a:headEnd len="sm" w="sm" type="none"/>
+                      <a:tailEnd len="sm" w="sm" type="none"/>
+                    </a:lnB>
+                  </a:tcPr>
+                </a:tc>
+              </a:tr>
+              <a:tr h="398700">
+                <a:tc>
+                  <a:txBody>
+                    <a:bodyPr/>
+                    <a:lstStyle/>
+                    <a:p>
+                      <a:pPr indent="0" lvl="0" marL="0" rtl="0" algn="l">
+                        <a:spcBef>
+                          <a:spcPts val="0"/>
+                        </a:spcBef>
+                        <a:spcAft>
+                          <a:spcPts val="0"/>
+                        </a:spcAft>
+                        <a:buNone/>
+                      </a:pPr>
+                      <a:r>
+                        <a:t/>
+                      </a:r>
+                      <a:endParaRPr/>
+                    </a:p>
+                  </a:txBody>
+                  <a:tcPr marT="91425" marB="91425" marR="91425" marL="91425">
+                    <a:lnL cap="flat" cmpd="sng" w="9525">
+                      <a:solidFill>
+                        <a:schemeClr val="dk1"/>
+                      </a:solidFill>
+                      <a:prstDash val="solid"/>
+                      <a:round/>
+                      <a:headEnd len="sm" w="sm" type="none"/>
+                      <a:tailEnd len="sm" w="sm" type="none"/>
+                    </a:lnL>
+                    <a:lnR cap="flat" cmpd="sng" w="9525">
+                      <a:solidFill>
+                        <a:schemeClr val="dk1"/>
+                      </a:solidFill>
+                      <a:prstDash val="solid"/>
+                      <a:round/>
+                      <a:headEnd len="sm" w="sm" type="none"/>
+                      <a:tailEnd len="sm" w="sm" type="none"/>
+                    </a:lnR>
+                    <a:lnT cap="flat" cmpd="sng" w="9525">
+                      <a:solidFill>
+                        <a:schemeClr val="dk1"/>
+                      </a:solidFill>
+                      <a:prstDash val="solid"/>
+                      <a:round/>
+                      <a:headEnd len="sm" w="sm" type="none"/>
+                      <a:tailEnd len="sm" w="sm" type="none"/>
+                    </a:lnT>
+                    <a:lnB cap="flat" cmpd="sng" w="9525">
+                      <a:solidFill>
+                        <a:schemeClr val="dk1"/>
+                      </a:solidFill>
+                      <a:prstDash val="solid"/>
+                      <a:round/>
+                      <a:headEnd len="sm" w="sm" type="none"/>
+                      <a:tailEnd len="sm" w="sm" type="none"/>
+                    </a:lnB>
+                    <a:solidFill>
+                      <a:srgbClr val="B6D7A8"/>
+                    </a:solidFill>
+                  </a:tcPr>
+                </a:tc>
+                <a:tc>
+                  <a:txBody>
+                    <a:bodyPr/>
+                    <a:lstStyle/>
+                    <a:p>
+                      <a:pPr indent="0" lvl="0" marL="0" rtl="0" algn="l">
+                        <a:spcBef>
+                          <a:spcPts val="0"/>
+                        </a:spcBef>
+                        <a:spcAft>
+                          <a:spcPts val="0"/>
+                        </a:spcAft>
+                        <a:buNone/>
+                      </a:pPr>
+                      <a:r>
+                        <a:t/>
+                      </a:r>
+                      <a:endParaRPr/>
+                    </a:p>
+                  </a:txBody>
+                  <a:tcPr marT="91425" marB="91425" marR="91425" marL="91425">
+                    <a:lnL cap="flat" cmpd="sng" w="9525">
+                      <a:solidFill>
+                        <a:schemeClr val="dk1"/>
+                      </a:solidFill>
+                      <a:prstDash val="solid"/>
+                      <a:round/>
+                      <a:headEnd len="sm" w="sm" type="none"/>
+                      <a:tailEnd len="sm" w="sm" type="none"/>
+                    </a:lnL>
+                    <a:lnR cap="flat" cmpd="sng" w="9525">
+                      <a:solidFill>
+                        <a:schemeClr val="dk1"/>
+                      </a:solidFill>
+                      <a:prstDash val="solid"/>
+                      <a:round/>
+                      <a:headEnd len="sm" w="sm" type="none"/>
+                      <a:tailEnd len="sm" w="sm" type="none"/>
+                    </a:lnR>
+                    <a:lnT cap="flat" cmpd="sng" w="9525">
+                      <a:solidFill>
+                        <a:schemeClr val="dk1"/>
+                      </a:solidFill>
+                      <a:prstDash val="solid"/>
+                      <a:round/>
+                      <a:headEnd len="sm" w="sm" type="none"/>
+                      <a:tailEnd len="sm" w="sm" type="none"/>
+                    </a:lnT>
+                    <a:lnB cap="flat" cmpd="sng" w="9525">
+                      <a:solidFill>
+                        <a:schemeClr val="dk1"/>
+                      </a:solidFill>
+                      <a:prstDash val="solid"/>
+                      <a:round/>
+                      <a:headEnd len="sm" w="sm" type="none"/>
+                      <a:tailEnd len="sm" w="sm" type="none"/>
+                    </a:lnB>
+                    <a:solidFill>
+                      <a:srgbClr val="F9CB9C"/>
+                    </a:solidFill>
+                  </a:tcPr>
+                </a:tc>
+                <a:tc>
+                  <a:txBody>
+                    <a:bodyPr/>
+                    <a:lstStyle/>
+                    <a:p>
+                      <a:pPr indent="0" lvl="0" marL="0" rtl="0" algn="l">
+                        <a:spcBef>
+                          <a:spcPts val="0"/>
+                        </a:spcBef>
+                        <a:spcAft>
+                          <a:spcPts val="0"/>
+                        </a:spcAft>
+                        <a:buNone/>
+                      </a:pPr>
+                      <a:r>
+                        <a:t/>
+                      </a:r>
+                      <a:endParaRPr/>
+                    </a:p>
+                  </a:txBody>
+                  <a:tcPr marT="91425" marB="91425" marR="91425" marL="91425">
+                    <a:lnL cap="flat" cmpd="sng" w="9525">
+                      <a:solidFill>
+                        <a:schemeClr val="dk1"/>
+                      </a:solidFill>
+                      <a:prstDash val="solid"/>
+                      <a:round/>
+                      <a:headEnd len="sm" w="sm" type="none"/>
+                      <a:tailEnd len="sm" w="sm" type="none"/>
+                    </a:lnL>
+                    <a:lnR cap="flat" cmpd="sng" w="9525">
+                      <a:solidFill>
+                        <a:schemeClr val="dk1"/>
+                      </a:solidFill>
+                      <a:prstDash val="solid"/>
+                      <a:round/>
+                      <a:headEnd len="sm" w="sm" type="none"/>
+                      <a:tailEnd len="sm" w="sm" type="none"/>
+                    </a:lnR>
+                    <a:lnT cap="flat" cmpd="sng" w="9525">
+                      <a:solidFill>
+                        <a:schemeClr val="dk1"/>
+                      </a:solidFill>
+                      <a:prstDash val="solid"/>
+                      <a:round/>
+                      <a:headEnd len="sm" w="sm" type="none"/>
+                      <a:tailEnd len="sm" w="sm" type="none"/>
+                    </a:lnT>
+                    <a:lnB cap="flat" cmpd="sng" w="9525">
+                      <a:solidFill>
+                        <a:schemeClr val="dk1"/>
+                      </a:solidFill>
+                      <a:prstDash val="solid"/>
+                      <a:round/>
+                      <a:headEnd len="sm" w="sm" type="none"/>
+                      <a:tailEnd len="sm" w="sm" type="none"/>
+                    </a:lnB>
+                    <a:solidFill>
+                      <a:srgbClr val="EA9999"/>
+                    </a:solidFill>
+                  </a:tcPr>
+                </a:tc>
+              </a:tr>
+            </a:tbl>
+          </a:graphicData>
+        </a:graphic>
+      </p:graphicFrame>
     </p:spTree>
   </p:cSld>
   <p:clrMapOvr>
@@ -8533,7 +10255,7 @@
   <p:cSld>
     <p:spTree>
       <p:nvGrpSpPr>
-        <p:cNvPr id="151" name="Shape 151"/>
+        <p:cNvPr id="150" name="Shape 150"/>
         <p:cNvGrpSpPr/>
         <p:nvPr/>
       </p:nvGrpSpPr>
@@ -8545,57 +10267,9 @@
           <a:chExt cx="0" cy="0"/>
         </a:xfrm>
       </p:grpSpPr>
-      <p:sp>
-        <p:nvSpPr>
-          <p:cNvPr id="152" name="Google Shape;152;p24"/>
-          <p:cNvSpPr txBox="1"/>
-          <p:nvPr/>
-        </p:nvSpPr>
-        <p:spPr>
-          <a:xfrm>
-            <a:off x="3877975" y="3482700"/>
-            <a:ext cx="1278000" cy="446400"/>
-          </a:xfrm>
-          <a:prstGeom prst="rect">
-            <a:avLst/>
-          </a:prstGeom>
-          <a:solidFill>
-            <a:schemeClr val="lt1"/>
-          </a:solidFill>
-          <a:ln>
-            <a:noFill/>
-          </a:ln>
-        </p:spPr>
-        <p:txBody>
-          <a:bodyPr anchorCtr="0" anchor="t" bIns="91425" lIns="91425" spcFirstLastPara="1" rIns="91425" wrap="square" tIns="91425">
-            <a:spAutoFit/>
-          </a:bodyPr>
-          <a:lstStyle/>
-          <a:p>
-            <a:pPr indent="0" lvl="0" marL="0" rtl="0" algn="l">
-              <a:spcBef>
-                <a:spcPts val="0"/>
-              </a:spcBef>
-              <a:spcAft>
-                <a:spcPts val="0"/>
-              </a:spcAft>
-              <a:buNone/>
-            </a:pPr>
-            <a:r>
-              <a:t/>
-            </a:r>
-            <a:endParaRPr b="1" sz="1700">
-              <a:latin typeface="Open Sans"/>
-              <a:ea typeface="Open Sans"/>
-              <a:cs typeface="Open Sans"/>
-              <a:sym typeface="Open Sans"/>
-            </a:endParaRPr>
-          </a:p>
-        </p:txBody>
-      </p:sp>
       <p:pic>
         <p:nvPicPr>
-          <p:cNvPr id="153" name="Google Shape;153;p24"/>
+          <p:cNvPr id="151" name="Google Shape;151;p24"/>
           <p:cNvPicPr preferRelativeResize="0"/>
           <p:nvPr/>
         </p:nvPicPr>
@@ -8609,8 +10283,473 @@
         </p:blipFill>
         <p:spPr>
           <a:xfrm>
-            <a:off x="784475" y="172675"/>
-            <a:ext cx="7197225" cy="4798150"/>
+            <a:off x="5833455" y="748268"/>
+            <a:ext cx="3093000" cy="3093000"/>
+          </a:xfrm>
+          <a:prstGeom prst="rect">
+            <a:avLst/>
+          </a:prstGeom>
+          <a:noFill/>
+          <a:ln>
+            <a:noFill/>
+          </a:ln>
+        </p:spPr>
+      </p:pic>
+      <p:sp>
+        <p:nvSpPr>
+          <p:cNvPr id="152" name="Google Shape;152;p24"/>
+          <p:cNvSpPr txBox="1"/>
+          <p:nvPr/>
+        </p:nvSpPr>
+        <p:spPr>
+          <a:xfrm>
+            <a:off x="3791550" y="210125"/>
+            <a:ext cx="1575000" cy="492600"/>
+          </a:xfrm>
+          <a:prstGeom prst="rect">
+            <a:avLst/>
+          </a:prstGeom>
+          <a:noFill/>
+          <a:ln cap="flat" cmpd="sng" w="9525">
+            <a:solidFill>
+              <a:srgbClr val="E06666"/>
+            </a:solidFill>
+            <a:prstDash val="solid"/>
+            <a:round/>
+            <a:headEnd len="sm" w="sm" type="none"/>
+            <a:tailEnd len="sm" w="sm" type="none"/>
+          </a:ln>
+        </p:spPr>
+        <p:txBody>
+          <a:bodyPr anchorCtr="0" anchor="t" bIns="91425" lIns="91425" spcFirstLastPara="1" rIns="91425" wrap="square" tIns="91425">
+            <a:spAutoFit/>
+          </a:bodyPr>
+          <a:lstStyle/>
+          <a:p>
+            <a:pPr indent="0" lvl="0" marL="0" rtl="0" algn="l">
+              <a:spcBef>
+                <a:spcPts val="0"/>
+              </a:spcBef>
+              <a:spcAft>
+                <a:spcPts val="0"/>
+              </a:spcAft>
+              <a:buNone/>
+            </a:pPr>
+            <a:r>
+              <a:rPr b="1" lang="es" sz="2000">
+                <a:latin typeface="Open Sans"/>
+                <a:ea typeface="Open Sans"/>
+                <a:cs typeface="Open Sans"/>
+                <a:sym typeface="Open Sans"/>
+              </a:rPr>
+              <a:t>Conclusión</a:t>
+            </a:r>
+            <a:endParaRPr b="1" sz="2000">
+              <a:latin typeface="Open Sans"/>
+              <a:ea typeface="Open Sans"/>
+              <a:cs typeface="Open Sans"/>
+              <a:sym typeface="Open Sans"/>
+            </a:endParaRPr>
+          </a:p>
+        </p:txBody>
+      </p:sp>
+      <p:sp>
+        <p:nvSpPr>
+          <p:cNvPr id="153" name="Google Shape;153;p24"/>
+          <p:cNvSpPr txBox="1"/>
+          <p:nvPr/>
+        </p:nvSpPr>
+        <p:spPr>
+          <a:xfrm>
+            <a:off x="216350" y="748275"/>
+            <a:ext cx="5366700" cy="4233900"/>
+          </a:xfrm>
+          <a:prstGeom prst="rect">
+            <a:avLst/>
+          </a:prstGeom>
+          <a:noFill/>
+          <a:ln>
+            <a:noFill/>
+          </a:ln>
+        </p:spPr>
+        <p:txBody>
+          <a:bodyPr anchorCtr="0" anchor="t" bIns="91425" lIns="91425" spcFirstLastPara="1" rIns="91425" wrap="square" tIns="91425">
+            <a:noAutofit/>
+          </a:bodyPr>
+          <a:lstStyle/>
+          <a:p>
+            <a:pPr indent="0" lvl="0" marL="0" rtl="0" algn="l">
+              <a:spcBef>
+                <a:spcPts val="0"/>
+              </a:spcBef>
+              <a:spcAft>
+                <a:spcPts val="0"/>
+              </a:spcAft>
+              <a:buNone/>
+            </a:pPr>
+            <a:r>
+              <a:rPr lang="es" sz="1800">
+                <a:latin typeface="Open Sans"/>
+                <a:ea typeface="Open Sans"/>
+                <a:cs typeface="Open Sans"/>
+                <a:sym typeface="Open Sans"/>
+              </a:rPr>
+              <a:t>Todas </a:t>
+            </a:r>
+            <a:r>
+              <a:rPr lang="es" sz="1800">
+                <a:latin typeface="Open Sans"/>
+                <a:ea typeface="Open Sans"/>
+                <a:cs typeface="Open Sans"/>
+                <a:sym typeface="Open Sans"/>
+              </a:rPr>
+              <a:t>estas herramientas evolucionan en el tiempo ya que son de código abierto.</a:t>
+            </a:r>
+            <a:endParaRPr sz="1800">
+              <a:latin typeface="Open Sans"/>
+              <a:ea typeface="Open Sans"/>
+              <a:cs typeface="Open Sans"/>
+              <a:sym typeface="Open Sans"/>
+            </a:endParaRPr>
+          </a:p>
+          <a:p>
+            <a:pPr indent="0" lvl="0" marL="0" rtl="0" algn="l">
+              <a:spcBef>
+                <a:spcPts val="0"/>
+              </a:spcBef>
+              <a:spcAft>
+                <a:spcPts val="0"/>
+              </a:spcAft>
+              <a:buNone/>
+            </a:pPr>
+            <a:r>
+              <a:t/>
+            </a:r>
+            <a:endParaRPr sz="1800">
+              <a:latin typeface="Open Sans"/>
+              <a:ea typeface="Open Sans"/>
+              <a:cs typeface="Open Sans"/>
+              <a:sym typeface="Open Sans"/>
+            </a:endParaRPr>
+          </a:p>
+          <a:p>
+            <a:pPr indent="0" lvl="0" marL="0" rtl="0" algn="l">
+              <a:spcBef>
+                <a:spcPts val="0"/>
+              </a:spcBef>
+              <a:spcAft>
+                <a:spcPts val="0"/>
+              </a:spcAft>
+              <a:buNone/>
+            </a:pPr>
+            <a:r>
+              <a:rPr lang="es" sz="1800">
+                <a:latin typeface="Open Sans"/>
+                <a:ea typeface="Open Sans"/>
+                <a:cs typeface="Open Sans"/>
+                <a:sym typeface="Open Sans"/>
+              </a:rPr>
+              <a:t>El creador de XUnit es el mismo que el de NUnit reforzando el primero de estos para que sea más útil a las necesidades de los usuarios.</a:t>
+            </a:r>
+            <a:endParaRPr sz="1800">
+              <a:latin typeface="Open Sans"/>
+              <a:ea typeface="Open Sans"/>
+              <a:cs typeface="Open Sans"/>
+              <a:sym typeface="Open Sans"/>
+            </a:endParaRPr>
+          </a:p>
+          <a:p>
+            <a:pPr indent="0" lvl="0" marL="0" rtl="0" algn="l">
+              <a:spcBef>
+                <a:spcPts val="0"/>
+              </a:spcBef>
+              <a:spcAft>
+                <a:spcPts val="0"/>
+              </a:spcAft>
+              <a:buNone/>
+            </a:pPr>
+            <a:r>
+              <a:t/>
+            </a:r>
+            <a:endParaRPr sz="1800">
+              <a:latin typeface="Open Sans"/>
+              <a:ea typeface="Open Sans"/>
+              <a:cs typeface="Open Sans"/>
+              <a:sym typeface="Open Sans"/>
+            </a:endParaRPr>
+          </a:p>
+          <a:p>
+            <a:pPr indent="0" lvl="0" marL="0" rtl="0" algn="l">
+              <a:spcBef>
+                <a:spcPts val="0"/>
+              </a:spcBef>
+              <a:spcAft>
+                <a:spcPts val="0"/>
+              </a:spcAft>
+              <a:buNone/>
+            </a:pPr>
+            <a:r>
+              <a:rPr lang="es" sz="1800">
+                <a:latin typeface="Open Sans"/>
+                <a:ea typeface="Open Sans"/>
+                <a:cs typeface="Open Sans"/>
+                <a:sym typeface="Open Sans"/>
+              </a:rPr>
+              <a:t>Todas las opciones son viables , pero XUnit presenta una mejor escalabilidad en proyectos de gran tamaño, si se tendría que empezar un proyecto en equipo desde cero , XUnit sería la mejor opción.</a:t>
+            </a:r>
+            <a:endParaRPr sz="1800">
+              <a:latin typeface="Open Sans"/>
+              <a:ea typeface="Open Sans"/>
+              <a:cs typeface="Open Sans"/>
+              <a:sym typeface="Open Sans"/>
+            </a:endParaRPr>
+          </a:p>
+          <a:p>
+            <a:pPr indent="0" lvl="0" marL="0" rtl="0" algn="l">
+              <a:spcBef>
+                <a:spcPts val="0"/>
+              </a:spcBef>
+              <a:spcAft>
+                <a:spcPts val="0"/>
+              </a:spcAft>
+              <a:buNone/>
+            </a:pPr>
+            <a:r>
+              <a:t/>
+            </a:r>
+            <a:endParaRPr sz="1800">
+              <a:latin typeface="Open Sans"/>
+              <a:ea typeface="Open Sans"/>
+              <a:cs typeface="Open Sans"/>
+              <a:sym typeface="Open Sans"/>
+            </a:endParaRPr>
+          </a:p>
+          <a:p>
+            <a:pPr indent="0" lvl="0" marL="0" rtl="0" algn="l">
+              <a:spcBef>
+                <a:spcPts val="0"/>
+              </a:spcBef>
+              <a:spcAft>
+                <a:spcPts val="0"/>
+              </a:spcAft>
+              <a:buNone/>
+            </a:pPr>
+            <a:r>
+              <a:t/>
+            </a:r>
+            <a:endParaRPr>
+              <a:latin typeface="Open Sans"/>
+              <a:ea typeface="Open Sans"/>
+              <a:cs typeface="Open Sans"/>
+              <a:sym typeface="Open Sans"/>
+            </a:endParaRPr>
+          </a:p>
+          <a:p>
+            <a:pPr indent="0" lvl="0" marL="0" rtl="0" algn="l">
+              <a:spcBef>
+                <a:spcPts val="0"/>
+              </a:spcBef>
+              <a:spcAft>
+                <a:spcPts val="0"/>
+              </a:spcAft>
+              <a:buNone/>
+            </a:pPr>
+            <a:r>
+              <a:t/>
+            </a:r>
+            <a:endParaRPr>
+              <a:latin typeface="Open Sans"/>
+              <a:ea typeface="Open Sans"/>
+              <a:cs typeface="Open Sans"/>
+              <a:sym typeface="Open Sans"/>
+            </a:endParaRPr>
+          </a:p>
+          <a:p>
+            <a:pPr indent="0" lvl="0" marL="0" rtl="0" algn="l">
+              <a:spcBef>
+                <a:spcPts val="0"/>
+              </a:spcBef>
+              <a:spcAft>
+                <a:spcPts val="0"/>
+              </a:spcAft>
+              <a:buNone/>
+            </a:pPr>
+            <a:r>
+              <a:t/>
+            </a:r>
+            <a:endParaRPr>
+              <a:latin typeface="Open Sans"/>
+              <a:ea typeface="Open Sans"/>
+              <a:cs typeface="Open Sans"/>
+              <a:sym typeface="Open Sans"/>
+            </a:endParaRPr>
+          </a:p>
+          <a:p>
+            <a:pPr indent="0" lvl="0" marL="0" rtl="0" algn="l">
+              <a:spcBef>
+                <a:spcPts val="0"/>
+              </a:spcBef>
+              <a:spcAft>
+                <a:spcPts val="0"/>
+              </a:spcAft>
+              <a:buNone/>
+            </a:pPr>
+            <a:r>
+              <a:t/>
+            </a:r>
+            <a:endParaRPr>
+              <a:latin typeface="Open Sans"/>
+              <a:ea typeface="Open Sans"/>
+              <a:cs typeface="Open Sans"/>
+              <a:sym typeface="Open Sans"/>
+            </a:endParaRPr>
+          </a:p>
+          <a:p>
+            <a:pPr indent="0" lvl="0" marL="0" rtl="0" algn="l">
+              <a:spcBef>
+                <a:spcPts val="0"/>
+              </a:spcBef>
+              <a:spcAft>
+                <a:spcPts val="0"/>
+              </a:spcAft>
+              <a:buNone/>
+            </a:pPr>
+            <a:r>
+              <a:t/>
+            </a:r>
+            <a:endParaRPr>
+              <a:latin typeface="Open Sans"/>
+              <a:ea typeface="Open Sans"/>
+              <a:cs typeface="Open Sans"/>
+              <a:sym typeface="Open Sans"/>
+            </a:endParaRPr>
+          </a:p>
+          <a:p>
+            <a:pPr indent="0" lvl="0" marL="0" marR="38100" rtl="0" algn="l">
+              <a:lnSpc>
+                <a:spcPct val="128571"/>
+              </a:lnSpc>
+              <a:spcBef>
+                <a:spcPts val="0"/>
+              </a:spcBef>
+              <a:spcAft>
+                <a:spcPts val="0"/>
+              </a:spcAft>
+              <a:buClr>
+                <a:schemeClr val="dk1"/>
+              </a:buClr>
+              <a:buSzPts val="1100"/>
+              <a:buFont typeface="Arial"/>
+              <a:buNone/>
+            </a:pPr>
+            <a:r>
+              <a:t/>
+            </a:r>
+            <a:endParaRPr>
+              <a:solidFill>
+                <a:srgbClr val="202124"/>
+              </a:solidFill>
+              <a:highlight>
+                <a:srgbClr val="F8F9FA"/>
+              </a:highlight>
+            </a:endParaRPr>
+          </a:p>
+          <a:p>
+            <a:pPr indent="0" lvl="0" marL="0" rtl="0" algn="l">
+              <a:spcBef>
+                <a:spcPts val="0"/>
+              </a:spcBef>
+              <a:spcAft>
+                <a:spcPts val="0"/>
+              </a:spcAft>
+              <a:buNone/>
+            </a:pPr>
+            <a:r>
+              <a:t/>
+            </a:r>
+            <a:endParaRPr>
+              <a:latin typeface="Open Sans"/>
+              <a:ea typeface="Open Sans"/>
+              <a:cs typeface="Open Sans"/>
+              <a:sym typeface="Open Sans"/>
+            </a:endParaRPr>
+          </a:p>
+        </p:txBody>
+      </p:sp>
+      <p:pic>
+        <p:nvPicPr>
+          <p:cNvPr id="154" name="Google Shape;154;p24"/>
+          <p:cNvPicPr preferRelativeResize="0"/>
+          <p:nvPr/>
+        </p:nvPicPr>
+        <p:blipFill>
+          <a:blip r:embed="rId4">
+            <a:alphaModFix/>
+          </a:blip>
+          <a:stretch>
+            <a:fillRect/>
+          </a:stretch>
+        </p:blipFill>
+        <p:spPr>
+          <a:xfrm>
+            <a:off x="6089275" y="1962650"/>
+            <a:ext cx="944650" cy="664250"/>
+          </a:xfrm>
+          <a:prstGeom prst="rect">
+            <a:avLst/>
+          </a:prstGeom>
+          <a:noFill/>
+          <a:ln>
+            <a:noFill/>
+          </a:ln>
+        </p:spPr>
+      </p:pic>
+      <p:pic>
+        <p:nvPicPr>
+          <p:cNvPr id="155" name="Google Shape;155;p24"/>
+          <p:cNvPicPr preferRelativeResize="0"/>
+          <p:nvPr/>
+        </p:nvPicPr>
+        <p:blipFill>
+          <a:blip r:embed="rId5">
+            <a:alphaModFix/>
+          </a:blip>
+          <a:stretch>
+            <a:fillRect/>
+          </a:stretch>
+        </p:blipFill>
+        <p:spPr>
+          <a:xfrm>
+            <a:off x="7540149" y="1944975"/>
+            <a:ext cx="1038025" cy="728450"/>
+          </a:xfrm>
+          <a:prstGeom prst="rect">
+            <a:avLst/>
+          </a:prstGeom>
+          <a:noFill/>
+          <a:ln>
+            <a:noFill/>
+          </a:ln>
+        </p:spPr>
+      </p:pic>
+      <p:pic>
+        <p:nvPicPr>
+          <p:cNvPr id="156" name="Google Shape;156;p24"/>
+          <p:cNvPicPr preferRelativeResize="0"/>
+          <p:nvPr/>
+        </p:nvPicPr>
+        <p:blipFill>
+          <a:blip r:embed="rId6">
+            <a:alphaModFix/>
+          </a:blip>
+          <a:stretch>
+            <a:fillRect/>
+          </a:stretch>
+        </p:blipFill>
+        <p:spPr>
+          <a:xfrm>
+            <a:off x="7033925" y="1492150"/>
+            <a:ext cx="659425" cy="659400"/>
           </a:xfrm>
           <a:prstGeom prst="rect">
             <a:avLst/>
@@ -8819,7 +10958,7 @@
         </p:nvSpPr>
         <p:spPr>
           <a:xfrm>
-            <a:off x="244900" y="56150"/>
+            <a:off x="244900" y="155300"/>
             <a:ext cx="8520600" cy="831300"/>
           </a:xfrm>
           <a:prstGeom prst="rect">
@@ -8858,173 +10997,9 @@
           </a:p>
         </p:txBody>
       </p:sp>
-      <p:sp>
-        <p:nvSpPr>
-          <p:cNvPr id="77" name="Google Shape;77;p15"/>
-          <p:cNvSpPr txBox="1"/>
-          <p:nvPr>
-            <p:ph idx="1" type="body"/>
-          </p:nvPr>
-        </p:nvSpPr>
-        <p:spPr>
-          <a:xfrm>
-            <a:off x="4984225" y="887450"/>
-            <a:ext cx="3580800" cy="3911400"/>
-          </a:xfrm>
-          <a:prstGeom prst="rect">
-            <a:avLst/>
-          </a:prstGeom>
-        </p:spPr>
-        <p:txBody>
-          <a:bodyPr anchorCtr="0" anchor="t" bIns="91425" lIns="91425" spcFirstLastPara="1" rIns="91425" wrap="square" tIns="91425">
-            <a:normAutofit fontScale="55000" lnSpcReduction="20000"/>
-          </a:bodyPr>
-          <a:lstStyle/>
-          <a:p>
-            <a:pPr indent="0" lvl="0" marL="0" rtl="0" algn="ctr">
-              <a:lnSpc>
-                <a:spcPct val="150000"/>
-              </a:lnSpc>
-              <a:spcBef>
-                <a:spcPts val="1100"/>
-              </a:spcBef>
-              <a:spcAft>
-                <a:spcPts val="0"/>
-              </a:spcAft>
-              <a:buClr>
-                <a:schemeClr val="dk1"/>
-              </a:buClr>
-              <a:buSzPct val="36736"/>
-              <a:buFont typeface="Arial"/>
-              <a:buNone/>
-            </a:pPr>
-            <a:r>
-              <a:rPr lang="es" sz="2994">
-                <a:solidFill>
-                  <a:srgbClr val="5C6370"/>
-                </a:solidFill>
-                <a:highlight>
-                  <a:srgbClr val="FFFFFF"/>
-                </a:highlight>
-                <a:latin typeface="Montserrat"/>
-                <a:ea typeface="Montserrat"/>
-                <a:cs typeface="Montserrat"/>
-                <a:sym typeface="Montserrat"/>
-              </a:rPr>
-              <a:t>Las </a:t>
-            </a:r>
-            <a:r>
-              <a:rPr b="1" lang="es" sz="2994">
-                <a:solidFill>
-                  <a:srgbClr val="5C6370"/>
-                </a:solidFill>
-                <a:highlight>
-                  <a:srgbClr val="FFFFFF"/>
-                </a:highlight>
-                <a:latin typeface="Montserrat"/>
-                <a:ea typeface="Montserrat"/>
-                <a:cs typeface="Montserrat"/>
-                <a:sym typeface="Montserrat"/>
-              </a:rPr>
-              <a:t>pruebas unitarias o </a:t>
-            </a:r>
-            <a:r>
-              <a:rPr b="1" i="1" lang="es" sz="2994">
-                <a:solidFill>
-                  <a:srgbClr val="5C6370"/>
-                </a:solidFill>
-                <a:highlight>
-                  <a:srgbClr val="FFFFFF"/>
-                </a:highlight>
-                <a:latin typeface="Montserrat"/>
-                <a:ea typeface="Montserrat"/>
-                <a:cs typeface="Montserrat"/>
-                <a:sym typeface="Montserrat"/>
-              </a:rPr>
-              <a:t>unit testing</a:t>
-            </a:r>
-            <a:r>
-              <a:rPr lang="es" sz="2994">
-                <a:solidFill>
-                  <a:srgbClr val="5C6370"/>
-                </a:solidFill>
-                <a:highlight>
-                  <a:srgbClr val="FFFFFF"/>
-                </a:highlight>
-                <a:latin typeface="Montserrat"/>
-                <a:ea typeface="Montserrat"/>
-                <a:cs typeface="Montserrat"/>
-                <a:sym typeface="Montserrat"/>
-              </a:rPr>
-              <a:t> son una forma de comprobar que un fragmento de código funciona correctamente. Es un procedimiento más de los que se llevan a cabo dentro de una metodología ágil de trabajo.</a:t>
-            </a:r>
-            <a:endParaRPr sz="2994">
-              <a:solidFill>
-                <a:srgbClr val="5C6370"/>
-              </a:solidFill>
-              <a:highlight>
-                <a:srgbClr val="FFFFFF"/>
-              </a:highlight>
-              <a:latin typeface="Montserrat"/>
-              <a:ea typeface="Montserrat"/>
-              <a:cs typeface="Montserrat"/>
-              <a:sym typeface="Montserrat"/>
-            </a:endParaRPr>
-          </a:p>
-          <a:p>
-            <a:pPr indent="0" lvl="0" marL="0" rtl="0" algn="l">
-              <a:lnSpc>
-                <a:spcPct val="150000"/>
-              </a:lnSpc>
-              <a:spcBef>
-                <a:spcPts val="2400"/>
-              </a:spcBef>
-              <a:spcAft>
-                <a:spcPts val="0"/>
-              </a:spcAft>
-              <a:buClr>
-                <a:schemeClr val="dk1"/>
-              </a:buClr>
-              <a:buSzPct val="70967"/>
-              <a:buFont typeface="Arial"/>
-              <a:buNone/>
-            </a:pPr>
-            <a:r>
-              <a:t/>
-            </a:r>
-            <a:endParaRPr sz="1550">
-              <a:solidFill>
-                <a:srgbClr val="5C6370"/>
-              </a:solidFill>
-              <a:highlight>
-                <a:srgbClr val="FFFFFF"/>
-              </a:highlight>
-              <a:latin typeface="Montserrat"/>
-              <a:ea typeface="Montserrat"/>
-              <a:cs typeface="Montserrat"/>
-              <a:sym typeface="Montserrat"/>
-            </a:endParaRPr>
-          </a:p>
-          <a:p>
-            <a:pPr indent="0" lvl="0" marL="0" rtl="0" algn="l">
-              <a:spcBef>
-                <a:spcPts val="2400"/>
-              </a:spcBef>
-              <a:spcAft>
-                <a:spcPts val="1200"/>
-              </a:spcAft>
-              <a:buNone/>
-            </a:pPr>
-            <a:r>
-              <a:t/>
-            </a:r>
-            <a:endParaRPr/>
-          </a:p>
-        </p:txBody>
-      </p:sp>
       <p:pic>
         <p:nvPicPr>
-          <p:cNvPr id="78" name="Google Shape;78;p15"/>
+          <p:cNvPr id="77" name="Google Shape;77;p15"/>
           <p:cNvPicPr preferRelativeResize="0"/>
           <p:nvPr/>
         </p:nvPicPr>
@@ -9038,8 +11013,8 @@
         </p:blipFill>
         <p:spPr>
           <a:xfrm>
-            <a:off x="712499" y="1082628"/>
-            <a:ext cx="3700503" cy="3716225"/>
+            <a:off x="5927800" y="1512550"/>
+            <a:ext cx="2991675" cy="3004375"/>
           </a:xfrm>
           <a:prstGeom prst="rect">
             <a:avLst/>
@@ -9050,158 +11025,122 @@
           </a:ln>
         </p:spPr>
       </p:pic>
+      <p:sp>
+        <p:nvSpPr>
+          <p:cNvPr id="78" name="Google Shape;78;p15"/>
+          <p:cNvSpPr txBox="1"/>
+          <p:nvPr/>
+        </p:nvSpPr>
+        <p:spPr>
+          <a:xfrm>
+            <a:off x="244900" y="1100650"/>
+            <a:ext cx="5682900" cy="1908600"/>
+          </a:xfrm>
+          <a:prstGeom prst="rect">
+            <a:avLst/>
+          </a:prstGeom>
+          <a:noFill/>
+          <a:ln>
+            <a:noFill/>
+          </a:ln>
+        </p:spPr>
+        <p:txBody>
+          <a:bodyPr anchorCtr="0" anchor="t" bIns="91425" lIns="91425" spcFirstLastPara="1" rIns="91425" wrap="square" tIns="91425">
+            <a:spAutoFit/>
+          </a:bodyPr>
+          <a:lstStyle/>
+          <a:p>
+            <a:pPr indent="0" lvl="0" marL="0" rtl="0" algn="ctr">
+              <a:lnSpc>
+                <a:spcPct val="150000"/>
+              </a:lnSpc>
+              <a:spcBef>
+                <a:spcPts val="1100"/>
+              </a:spcBef>
+              <a:spcAft>
+                <a:spcPts val="2400"/>
+              </a:spcAft>
+              <a:buClr>
+                <a:schemeClr val="dk1"/>
+              </a:buClr>
+              <a:buSzPts val="1100"/>
+              <a:buFont typeface="Arial"/>
+              <a:buNone/>
+            </a:pPr>
+            <a:r>
+              <a:rPr lang="es" sz="1600">
+                <a:solidFill>
+                  <a:srgbClr val="5C6370"/>
+                </a:solidFill>
+                <a:highlight>
+                  <a:schemeClr val="lt1"/>
+                </a:highlight>
+                <a:latin typeface="Montserrat"/>
+                <a:ea typeface="Montserrat"/>
+                <a:cs typeface="Montserrat"/>
+                <a:sym typeface="Montserrat"/>
+              </a:rPr>
+              <a:t>Las </a:t>
+            </a:r>
+            <a:r>
+              <a:rPr b="1" lang="es" sz="1600">
+                <a:solidFill>
+                  <a:srgbClr val="5C6370"/>
+                </a:solidFill>
+                <a:highlight>
+                  <a:schemeClr val="lt1"/>
+                </a:highlight>
+                <a:latin typeface="Montserrat"/>
+                <a:ea typeface="Montserrat"/>
+                <a:cs typeface="Montserrat"/>
+                <a:sym typeface="Montserrat"/>
+              </a:rPr>
+              <a:t>pruebas unitarias o </a:t>
+            </a:r>
+            <a:r>
+              <a:rPr b="1" i="1" lang="es" sz="1600">
+                <a:solidFill>
+                  <a:srgbClr val="5C6370"/>
+                </a:solidFill>
+                <a:highlight>
+                  <a:schemeClr val="lt1"/>
+                </a:highlight>
+                <a:latin typeface="Montserrat"/>
+                <a:ea typeface="Montserrat"/>
+                <a:cs typeface="Montserrat"/>
+                <a:sym typeface="Montserrat"/>
+              </a:rPr>
+              <a:t>unit testing</a:t>
+            </a:r>
+            <a:r>
+              <a:rPr lang="es" sz="1600">
+                <a:solidFill>
+                  <a:srgbClr val="5C6370"/>
+                </a:solidFill>
+                <a:highlight>
+                  <a:schemeClr val="lt1"/>
+                </a:highlight>
+                <a:latin typeface="Montserrat"/>
+                <a:ea typeface="Montserrat"/>
+                <a:cs typeface="Montserrat"/>
+                <a:sym typeface="Montserrat"/>
+              </a:rPr>
+              <a:t> son una forma de comprobar que un fragmento de código funciona correctamente. Es un procedimiento más de los que se llevan a cabo dentro de una metodología ágil de trabajo.</a:t>
+            </a:r>
+            <a:endParaRPr sz="1600">
+              <a:latin typeface="Open Sans"/>
+              <a:ea typeface="Open Sans"/>
+              <a:cs typeface="Open Sans"/>
+              <a:sym typeface="Open Sans"/>
+            </a:endParaRPr>
+          </a:p>
+        </p:txBody>
+      </p:sp>
     </p:spTree>
   </p:cSld>
   <p:clrMapOvr>
     <a:masterClrMapping/>
   </p:clrMapOvr>
-  <p:timing>
-    <p:tnLst>
-      <p:par>
-        <p:cTn dur="indefinite" nodeType="tmRoot" restart="never">
-          <p:childTnLst>
-            <p:seq concurrent="1" nextAc="seek">
-              <p:cTn dur="indefinite" id="2" nodeType="mainSeq">
-                <p:childTnLst>
-                  <p:par>
-                    <p:cTn fill="hold">
-                      <p:stCondLst>
-                        <p:cond delay="indefinite"/>
-                      </p:stCondLst>
-                      <p:childTnLst>
-                        <p:par>
-                          <p:cTn fill="hold">
-                            <p:stCondLst>
-                              <p:cond delay="0"/>
-                            </p:stCondLst>
-                            <p:childTnLst>
-                              <p:par>
-                                <p:cTn fill="hold" nodeType="clickEffect" presetClass="entr" presetID="1" presetSubtype="0">
-                                  <p:stCondLst>
-                                    <p:cond delay="0"/>
-                                  </p:stCondLst>
-                                  <p:childTnLst>
-                                    <p:set>
-                                      <p:cBhvr>
-                                        <p:cTn dur="1" fill="hold">
-                                          <p:stCondLst>
-                                            <p:cond delay="0"/>
-                                          </p:stCondLst>
-                                        </p:cTn>
-                                        <p:tgtEl>
-                                          <p:spTgt spid="76"/>
-                                        </p:tgtEl>
-                                        <p:attrNameLst>
-                                          <p:attrName>style.visibility</p:attrName>
-                                        </p:attrNameLst>
-                                      </p:cBhvr>
-                                      <p:to>
-                                        <p:strVal val="visible"/>
-                                      </p:to>
-                                    </p:set>
-                                  </p:childTnLst>
-                                </p:cTn>
-                              </p:par>
-                              <p:par>
-                                <p:cTn fill="hold" nodeType="withEffect" presetClass="entr" presetID="1" presetSubtype="0">
-                                  <p:stCondLst>
-                                    <p:cond delay="0"/>
-                                  </p:stCondLst>
-                                  <p:childTnLst>
-                                    <p:set>
-                                      <p:cBhvr>
-                                        <p:cTn dur="1" fill="hold">
-                                          <p:stCondLst>
-                                            <p:cond delay="0"/>
-                                          </p:stCondLst>
-                                        </p:cTn>
-                                        <p:tgtEl>
-                                          <p:spTgt spid="77"/>
-                                        </p:tgtEl>
-                                        <p:attrNameLst>
-                                          <p:attrName>style.visibility</p:attrName>
-                                        </p:attrNameLst>
-                                      </p:cBhvr>
-                                      <p:to>
-                                        <p:strVal val="visible"/>
-                                      </p:to>
-                                    </p:set>
-                                  </p:childTnLst>
-                                </p:cTn>
-                              </p:par>
-                            </p:childTnLst>
-                          </p:cTn>
-                        </p:par>
-                      </p:childTnLst>
-                    </p:cTn>
-                  </p:par>
-                  <p:par>
-                    <p:cTn fill="hold">
-                      <p:stCondLst>
-                        <p:cond delay="indefinite"/>
-                      </p:stCondLst>
-                      <p:childTnLst>
-                        <p:par>
-                          <p:cTn fill="hold">
-                            <p:stCondLst>
-                              <p:cond delay="0"/>
-                            </p:stCondLst>
-                            <p:childTnLst>
-                              <p:par>
-                                <p:cTn fill="hold" nodeType="clickEffect" presetClass="entr" presetID="1" presetSubtype="0">
-                                  <p:stCondLst>
-                                    <p:cond delay="0"/>
-                                  </p:stCondLst>
-                                  <p:childTnLst>
-                                    <p:set>
-                                      <p:cBhvr>
-                                        <p:cTn dur="1" fill="hold">
-                                          <p:stCondLst>
-                                            <p:cond delay="0"/>
-                                          </p:stCondLst>
-                                        </p:cTn>
-                                        <p:tgtEl>
-                                          <p:spTgt spid="78"/>
-                                        </p:tgtEl>
-                                        <p:attrNameLst>
-                                          <p:attrName>style.visibility</p:attrName>
-                                        </p:attrNameLst>
-                                      </p:cBhvr>
-                                      <p:to>
-                                        <p:strVal val="visible"/>
-                                      </p:to>
-                                    </p:set>
-                                  </p:childTnLst>
-                                </p:cTn>
-                              </p:par>
-                            </p:childTnLst>
-                          </p:cTn>
-                        </p:par>
-                      </p:childTnLst>
-                    </p:cTn>
-                  </p:par>
-                </p:childTnLst>
-              </p:cTn>
-              <p:prevCondLst>
-                <p:cond evt="onPrev">
-                  <p:tgtEl>
-                    <p:sldTgt/>
-                  </p:tgtEl>
-                </p:cond>
-              </p:prevCondLst>
-              <p:nextCondLst>
-                <p:cond evt="onNext">
-                  <p:tgtEl>
-                    <p:sldTgt/>
-                  </p:tgtEl>
-                </p:cond>
-              </p:nextCondLst>
-            </p:seq>
-          </p:childTnLst>
-        </p:cTn>
-      </p:par>
-    </p:tnLst>
-  </p:timing>
 </p:sld>
 </file>
 
@@ -9232,7 +11171,7 @@
         </p:nvSpPr>
         <p:spPr>
           <a:xfrm>
-            <a:off x="120700" y="85800"/>
+            <a:off x="232250" y="531975"/>
             <a:ext cx="8520600" cy="831300"/>
           </a:xfrm>
           <a:prstGeom prst="rect">
@@ -9281,8 +11220,8 @@
         </p:nvSpPr>
         <p:spPr>
           <a:xfrm>
-            <a:off x="309700" y="1020750"/>
-            <a:ext cx="8331600" cy="1551000"/>
+            <a:off x="2570050" y="1621200"/>
+            <a:ext cx="3830100" cy="3061500"/>
           </a:xfrm>
           <a:prstGeom prst="rect">
             <a:avLst/>
@@ -9295,43 +11234,127 @@
           </a:bodyPr>
           <a:lstStyle/>
           <a:p>
-            <a:pPr indent="-90600" lvl="0" marL="876300" rtl="0" algn="l">
-              <a:spcBef>
-                <a:spcPts val="0"/>
-              </a:spcBef>
-              <a:spcAft>
-                <a:spcPts val="0"/>
-              </a:spcAft>
-              <a:buClr>
-                <a:schemeClr val="dk1"/>
-              </a:buClr>
+            <a:pPr indent="-342900" lvl="0" marL="457200" rtl="0" algn="l">
+              <a:spcBef>
+                <a:spcPts val="0"/>
+              </a:spcBef>
+              <a:spcAft>
+                <a:spcPts val="0"/>
+              </a:spcAft>
               <a:buSzPts val="1800"/>
-              <a:buFont typeface="Montserrat"/>
               <a:buChar char="●"/>
             </a:pPr>
             <a:r>
-              <a:rPr lang="es">
-                <a:highlight>
-                  <a:srgbClr val="FFFFFF"/>
-                </a:highlight>
-                <a:latin typeface="Montserrat"/>
-                <a:ea typeface="Montserrat"/>
-                <a:cs typeface="Montserrat"/>
-                <a:sym typeface="Montserrat"/>
-              </a:rPr>
-              <a:t> </a:t>
+              <a:rPr lang="es"/>
+              <a:t>Lógica del código </a:t>
             </a:r>
+            <a:endParaRPr/>
+          </a:p>
+          <a:p>
+            <a:pPr indent="-342900" lvl="0" marL="457200" rtl="0" algn="l">
+              <a:spcBef>
+                <a:spcPts val="0"/>
+              </a:spcBef>
+              <a:spcAft>
+                <a:spcPts val="0"/>
+              </a:spcAft>
+              <a:buSzPts val="1800"/>
+              <a:buChar char="●"/>
+            </a:pPr>
             <a:r>
-              <a:rPr lang="es" sz="2100">
-                <a:highlight>
-                  <a:srgbClr val="FFFFFF"/>
-                </a:highlight>
-                <a:latin typeface="Montserrat"/>
-                <a:ea typeface="Montserrat"/>
-                <a:cs typeface="Montserrat"/>
-                <a:sym typeface="Montserrat"/>
-              </a:rPr>
-              <a:t>Lógica del código </a:t>
+              <a:rPr lang="es"/>
+              <a:t>Legibilidad del código       </a:t>
+            </a:r>
+            <a:endParaRPr/>
+          </a:p>
+          <a:p>
+            <a:pPr indent="-342900" lvl="0" marL="457200" rtl="0" algn="l">
+              <a:spcBef>
+                <a:spcPts val="0"/>
+              </a:spcBef>
+              <a:spcAft>
+                <a:spcPts val="0"/>
+              </a:spcAft>
+              <a:buSzPts val="1800"/>
+              <a:buChar char="●"/>
+            </a:pPr>
+            <a:r>
+              <a:rPr lang="es"/>
+              <a:t>Documentación          </a:t>
+            </a:r>
+            <a:endParaRPr/>
+          </a:p>
+          <a:p>
+            <a:pPr indent="-342900" lvl="0" marL="457200" rtl="0" algn="l">
+              <a:spcBef>
+                <a:spcPts val="0"/>
+              </a:spcBef>
+              <a:spcAft>
+                <a:spcPts val="0"/>
+              </a:spcAft>
+              <a:buSzPts val="1800"/>
+              <a:buChar char="●"/>
+            </a:pPr>
+            <a:r>
+              <a:rPr lang="es"/>
+              <a:t>Pocos milisegundos </a:t>
+            </a:r>
+            <a:endParaRPr/>
+          </a:p>
+          <a:p>
+            <a:pPr indent="-342900" lvl="0" marL="457200" rtl="0" algn="l">
+              <a:spcBef>
+                <a:spcPts val="0"/>
+              </a:spcBef>
+              <a:spcAft>
+                <a:spcPts val="0"/>
+              </a:spcAft>
+              <a:buSzPts val="1800"/>
+              <a:buChar char="●"/>
+            </a:pPr>
+            <a:r>
+              <a:rPr lang="es"/>
+              <a:t>Refactorizar el código </a:t>
+            </a:r>
+            <a:endParaRPr/>
+          </a:p>
+          <a:p>
+            <a:pPr indent="-342900" lvl="0" marL="457200" rtl="0" algn="l">
+              <a:spcBef>
+                <a:spcPts val="0"/>
+              </a:spcBef>
+              <a:spcAft>
+                <a:spcPts val="0"/>
+              </a:spcAft>
+              <a:buSzPts val="1800"/>
+              <a:buChar char="●"/>
+            </a:pPr>
+            <a:r>
+              <a:rPr lang="es"/>
+              <a:t>Calidad final del código </a:t>
+            </a:r>
+            <a:endParaRPr sz="2100">
+              <a:highlight>
+                <a:srgbClr val="FFFFFF"/>
+              </a:highlight>
+              <a:latin typeface="Arial"/>
+              <a:ea typeface="Arial"/>
+              <a:cs typeface="Arial"/>
+              <a:sym typeface="Arial"/>
+            </a:endParaRPr>
+          </a:p>
+          <a:p>
+            <a:pPr indent="0" lvl="0" marL="0" rtl="0" algn="l">
+              <a:spcBef>
+                <a:spcPts val="0"/>
+              </a:spcBef>
+              <a:spcAft>
+                <a:spcPts val="3700"/>
+              </a:spcAft>
+              <a:buNone/>
+            </a:pPr>
+            <a:r>
+              <a:t/>
             </a:r>
             <a:endParaRPr sz="2100">
               <a:highlight>
@@ -9343,285 +11366,6 @@
               <a:sym typeface="Montserrat"/>
             </a:endParaRPr>
           </a:p>
-          <a:p>
-            <a:pPr indent="-109650" lvl="0" marL="876300" rtl="0" algn="l">
-              <a:spcBef>
-                <a:spcPts val="0"/>
-              </a:spcBef>
-              <a:spcAft>
-                <a:spcPts val="0"/>
-              </a:spcAft>
-              <a:buClr>
-                <a:schemeClr val="dk1"/>
-              </a:buClr>
-              <a:buSzPts val="2100"/>
-              <a:buFont typeface="Montserrat"/>
-              <a:buChar char="●"/>
-            </a:pPr>
-            <a:r>
-              <a:rPr lang="es" sz="2100">
-                <a:highlight>
-                  <a:srgbClr val="FFFFFF"/>
-                </a:highlight>
-                <a:latin typeface="Montserrat"/>
-                <a:ea typeface="Montserrat"/>
-                <a:cs typeface="Montserrat"/>
-                <a:sym typeface="Montserrat"/>
-              </a:rPr>
-              <a:t>Legibilidad del código       </a:t>
-            </a:r>
-            <a:endParaRPr sz="2100">
-              <a:highlight>
-                <a:srgbClr val="FFFFFF"/>
-              </a:highlight>
-              <a:latin typeface="Montserrat"/>
-              <a:ea typeface="Montserrat"/>
-              <a:cs typeface="Montserrat"/>
-              <a:sym typeface="Montserrat"/>
-            </a:endParaRPr>
-          </a:p>
-          <a:p>
-            <a:pPr indent="-109650" lvl="0" marL="876300" rtl="0" algn="l">
-              <a:spcBef>
-                <a:spcPts val="0"/>
-              </a:spcBef>
-              <a:spcAft>
-                <a:spcPts val="0"/>
-              </a:spcAft>
-              <a:buClr>
-                <a:schemeClr val="dk1"/>
-              </a:buClr>
-              <a:buSzPts val="2100"/>
-              <a:buFont typeface="Montserrat"/>
-              <a:buChar char="●"/>
-            </a:pPr>
-            <a:r>
-              <a:rPr lang="es" sz="2100">
-                <a:highlight>
-                  <a:srgbClr val="FFFFFF"/>
-                </a:highlight>
-                <a:latin typeface="Montserrat"/>
-                <a:ea typeface="Montserrat"/>
-                <a:cs typeface="Montserrat"/>
-                <a:sym typeface="Montserrat"/>
-              </a:rPr>
-              <a:t>Documentación          </a:t>
-            </a:r>
-            <a:endParaRPr sz="2100">
-              <a:highlight>
-                <a:srgbClr val="FFFFFF"/>
-              </a:highlight>
-              <a:latin typeface="Montserrat"/>
-              <a:ea typeface="Montserrat"/>
-              <a:cs typeface="Montserrat"/>
-              <a:sym typeface="Montserrat"/>
-            </a:endParaRPr>
-          </a:p>
-          <a:p>
-            <a:pPr indent="-109650" lvl="0" marL="876300" rtl="0" algn="l">
-              <a:spcBef>
-                <a:spcPts val="0"/>
-              </a:spcBef>
-              <a:spcAft>
-                <a:spcPts val="0"/>
-              </a:spcAft>
-              <a:buClr>
-                <a:schemeClr val="dk1"/>
-              </a:buClr>
-              <a:buSzPts val="2100"/>
-              <a:buFont typeface="Montserrat"/>
-              <a:buChar char="●"/>
-            </a:pPr>
-            <a:r>
-              <a:rPr lang="es" sz="2100">
-                <a:highlight>
-                  <a:srgbClr val="FFFFFF"/>
-                </a:highlight>
-                <a:latin typeface="Montserrat"/>
-                <a:ea typeface="Montserrat"/>
-                <a:cs typeface="Montserrat"/>
-                <a:sym typeface="Montserrat"/>
-              </a:rPr>
-              <a:t>Pocos milisegundos </a:t>
-            </a:r>
-            <a:endParaRPr/>
-          </a:p>
-        </p:txBody>
-      </p:sp>
-      <p:sp>
-        <p:nvSpPr>
-          <p:cNvPr id="85" name="Google Shape;85;p16"/>
-          <p:cNvSpPr txBox="1"/>
-          <p:nvPr/>
-        </p:nvSpPr>
-        <p:spPr>
-          <a:xfrm>
-            <a:off x="309700" y="2735350"/>
-            <a:ext cx="7264800" cy="1251300"/>
-          </a:xfrm>
-          <a:prstGeom prst="rect">
-            <a:avLst/>
-          </a:prstGeom>
-          <a:noFill/>
-          <a:ln>
-            <a:noFill/>
-          </a:ln>
-        </p:spPr>
-        <p:txBody>
-          <a:bodyPr anchorCtr="0" anchor="t" bIns="91425" lIns="91425" spcFirstLastPara="1" rIns="91425" wrap="square" tIns="91425">
-            <a:spAutoFit/>
-          </a:bodyPr>
-          <a:lstStyle/>
-          <a:p>
-            <a:pPr indent="-43350" lvl="0" marL="809999" rtl="0" algn="l">
-              <a:lnSpc>
-                <a:spcPct val="115000"/>
-              </a:lnSpc>
-              <a:spcBef>
-                <a:spcPts val="0"/>
-              </a:spcBef>
-              <a:spcAft>
-                <a:spcPts val="0"/>
-              </a:spcAft>
-              <a:buClr>
-                <a:schemeClr val="dk1"/>
-              </a:buClr>
-              <a:buSzPts val="2100"/>
-              <a:buFont typeface="Montserrat"/>
-              <a:buChar char="●"/>
-            </a:pPr>
-            <a:r>
-              <a:rPr lang="es" sz="2100">
-                <a:solidFill>
-                  <a:schemeClr val="dk1"/>
-                </a:solidFill>
-                <a:highlight>
-                  <a:schemeClr val="lt1"/>
-                </a:highlight>
-                <a:latin typeface="Montserrat"/>
-                <a:ea typeface="Montserrat"/>
-                <a:cs typeface="Montserrat"/>
-                <a:sym typeface="Montserrat"/>
-              </a:rPr>
-              <a:t>         Refactorizar el código </a:t>
-            </a:r>
-            <a:endParaRPr sz="2100">
-              <a:solidFill>
-                <a:schemeClr val="dk1"/>
-              </a:solidFill>
-              <a:highlight>
-                <a:schemeClr val="lt1"/>
-              </a:highlight>
-              <a:latin typeface="Montserrat"/>
-              <a:ea typeface="Montserrat"/>
-              <a:cs typeface="Montserrat"/>
-              <a:sym typeface="Montserrat"/>
-            </a:endParaRPr>
-          </a:p>
-          <a:p>
-            <a:pPr indent="-43350" lvl="0" marL="809999" rtl="0" algn="l">
-              <a:lnSpc>
-                <a:spcPct val="115000"/>
-              </a:lnSpc>
-              <a:spcBef>
-                <a:spcPts val="0"/>
-              </a:spcBef>
-              <a:spcAft>
-                <a:spcPts val="0"/>
-              </a:spcAft>
-              <a:buClr>
-                <a:schemeClr val="dk1"/>
-              </a:buClr>
-              <a:buSzPts val="2100"/>
-              <a:buFont typeface="Montserrat"/>
-              <a:buChar char="●"/>
-            </a:pPr>
-            <a:r>
-              <a:rPr lang="es" sz="2100">
-                <a:solidFill>
-                  <a:schemeClr val="dk1"/>
-                </a:solidFill>
-                <a:highlight>
-                  <a:schemeClr val="lt1"/>
-                </a:highlight>
-                <a:latin typeface="Montserrat"/>
-                <a:ea typeface="Montserrat"/>
-                <a:cs typeface="Montserrat"/>
-                <a:sym typeface="Montserrat"/>
-              </a:rPr>
-              <a:t>         Calidad final del código </a:t>
-            </a:r>
-            <a:endParaRPr sz="2100">
-              <a:solidFill>
-                <a:schemeClr val="dk1"/>
-              </a:solidFill>
-              <a:highlight>
-                <a:schemeClr val="lt1"/>
-              </a:highlight>
-              <a:latin typeface="Montserrat"/>
-              <a:ea typeface="Montserrat"/>
-              <a:cs typeface="Montserrat"/>
-              <a:sym typeface="Montserrat"/>
-            </a:endParaRPr>
-          </a:p>
-          <a:p>
-            <a:pPr indent="-24300" lvl="0" marL="809999" rtl="0" algn="l">
-              <a:lnSpc>
-                <a:spcPct val="115000"/>
-              </a:lnSpc>
-              <a:spcBef>
-                <a:spcPts val="0"/>
-              </a:spcBef>
-              <a:spcAft>
-                <a:spcPts val="0"/>
-              </a:spcAft>
-              <a:buClr>
-                <a:schemeClr val="dk1"/>
-              </a:buClr>
-              <a:buSzPts val="1800"/>
-              <a:buFont typeface="Montserrat"/>
-              <a:buChar char="●"/>
-            </a:pPr>
-            <a:r>
-              <a:rPr lang="es" sz="2100">
-                <a:solidFill>
-                  <a:schemeClr val="dk1"/>
-                </a:solidFill>
-                <a:highlight>
-                  <a:schemeClr val="lt1"/>
-                </a:highlight>
-                <a:latin typeface="Montserrat"/>
-                <a:ea typeface="Montserrat"/>
-                <a:cs typeface="Montserrat"/>
-                <a:sym typeface="Montserrat"/>
-              </a:rPr>
-              <a:t>         Probar distintas partes del proyecto</a:t>
-            </a:r>
-            <a:r>
-              <a:rPr lang="es" sz="1800">
-                <a:solidFill>
-                  <a:schemeClr val="dk1"/>
-                </a:solidFill>
-                <a:highlight>
-                  <a:schemeClr val="lt1"/>
-                </a:highlight>
-                <a:latin typeface="Montserrat"/>
-                <a:ea typeface="Montserrat"/>
-                <a:cs typeface="Montserrat"/>
-                <a:sym typeface="Montserrat"/>
-              </a:rPr>
-              <a:t> </a:t>
-            </a:r>
-            <a:endParaRPr>
-              <a:solidFill>
-                <a:schemeClr val="dk1"/>
-              </a:solidFill>
-              <a:latin typeface="Open Sans"/>
-              <a:ea typeface="Open Sans"/>
-              <a:cs typeface="Open Sans"/>
-              <a:sym typeface="Open Sans"/>
-            </a:endParaRPr>
-          </a:p>
         </p:txBody>
       </p:sp>
     </p:spTree>
@@ -9629,81 +11373,6 @@
   <p:clrMapOvr>
     <a:masterClrMapping/>
   </p:clrMapOvr>
-  <p:timing>
-    <p:tnLst>
-      <p:par>
-        <p:cTn dur="indefinite" nodeType="tmRoot" restart="never">
-          <p:childTnLst>
-            <p:seq concurrent="1" nextAc="seek">
-              <p:cTn dur="indefinite" id="2" nodeType="mainSeq">
-                <p:childTnLst>
-                  <p:par>
-                    <p:cTn fill="hold">
-                      <p:stCondLst>
-                        <p:cond delay="indefinite"/>
-                      </p:stCondLst>
-                      <p:childTnLst>
-                        <p:par>
-                          <p:cTn fill="hold">
-                            <p:stCondLst>
-                              <p:cond delay="0"/>
-                            </p:stCondLst>
-                            <p:childTnLst>
-                              <p:par>
-                                <p:cTn fill="hold" nodeType="clickEffect" presetClass="entr" presetID="1" presetSubtype="0">
-                                  <p:stCondLst>
-                                    <p:cond delay="0"/>
-                                  </p:stCondLst>
-                                  <p:childTnLst>
-                                    <p:set>
-                                      <p:cBhvr>
-                                        <p:cTn dur="1" fill="hold">
-                                          <p:stCondLst>
-                                            <p:cond delay="0"/>
-                                          </p:stCondLst>
-                                        </p:cTn>
-                                        <p:tgtEl>
-                                          <p:spTgt spid="85"/>
-                                        </p:tgtEl>
-                                        <p:attrNameLst>
-                                          <p:attrName>style.visibility</p:attrName>
-                                        </p:attrNameLst>
-                                      </p:cBhvr>
-                                      <p:to>
-                                        <p:strVal val="visible"/>
-                                      </p:to>
-                                    </p:set>
-                                  </p:childTnLst>
-                                </p:cTn>
-                              </p:par>
-                            </p:childTnLst>
-                          </p:cTn>
-                        </p:par>
-                      </p:childTnLst>
-                    </p:cTn>
-                  </p:par>
-                </p:childTnLst>
-              </p:cTn>
-              <p:prevCondLst>
-                <p:cond evt="onPrev">
-                  <p:tgtEl>
-                    <p:sldTgt/>
-                  </p:tgtEl>
-                </p:cond>
-              </p:prevCondLst>
-              <p:nextCondLst>
-                <p:cond evt="onNext">
-                  <p:tgtEl>
-                    <p:sldTgt/>
-                  </p:tgtEl>
-                </p:cond>
-              </p:nextCondLst>
-            </p:seq>
-          </p:childTnLst>
-        </p:cTn>
-      </p:par>
-    </p:tnLst>
-  </p:timing>
 </p:sld>
 </file>
 
@@ -9712,7 +11381,7 @@
   <p:cSld>
     <p:spTree>
       <p:nvGrpSpPr>
-        <p:cNvPr id="89" name="Shape 89"/>
+        <p:cNvPr id="88" name="Shape 88"/>
         <p:cNvGrpSpPr/>
         <p:nvPr/>
       </p:nvGrpSpPr>
@@ -9726,7 +11395,7 @@
       </p:grpSpPr>
       <p:sp>
         <p:nvSpPr>
-          <p:cNvPr id="90" name="Google Shape;90;p17"/>
+          <p:cNvPr id="89" name="Google Shape;89;p17"/>
           <p:cNvSpPr txBox="1"/>
           <p:nvPr>
             <p:ph type="title"/>
@@ -9734,7 +11403,7 @@
         </p:nvSpPr>
         <p:spPr>
           <a:xfrm>
-            <a:off x="244875" y="0"/>
+            <a:off x="311700" y="763375"/>
             <a:ext cx="8520600" cy="831300"/>
           </a:xfrm>
           <a:prstGeom prst="rect">
@@ -9766,7 +11435,7 @@
       </p:sp>
       <p:sp>
         <p:nvSpPr>
-          <p:cNvPr id="91" name="Google Shape;91;p17"/>
+          <p:cNvPr id="90" name="Google Shape;90;p17"/>
           <p:cNvSpPr txBox="1"/>
           <p:nvPr>
             <p:ph idx="1" type="body"/>
@@ -9774,8 +11443,8 @@
         </p:nvSpPr>
         <p:spPr>
           <a:xfrm>
-            <a:off x="79575" y="913525"/>
-            <a:ext cx="8851200" cy="3751500"/>
+            <a:off x="526325" y="2040800"/>
+            <a:ext cx="7299600" cy="1362300"/>
           </a:xfrm>
           <a:prstGeom prst="rect">
             <a:avLst/>
@@ -9824,31 +11493,7 @@
                 <a:cs typeface="Montserrat"/>
                 <a:sym typeface="Montserrat"/>
               </a:rPr>
-              <a:t>. Es el primer paso de las pruebas unitarias. En esta parte se </a:t>
-            </a:r>
-            <a:r>
-              <a:rPr b="1" lang="es" sz="2000">
-                <a:highlight>
-                  <a:srgbClr val="FFFFFF"/>
-                </a:highlight>
-                <a:latin typeface="Montserrat"/>
-                <a:ea typeface="Montserrat"/>
-                <a:cs typeface="Montserrat"/>
-                <a:sym typeface="Montserrat"/>
-              </a:rPr>
-              <a:t>definen los requisitos</a:t>
-            </a:r>
-            <a:r>
-              <a:rPr lang="es" sz="2000">
-                <a:highlight>
-                  <a:srgbClr val="FFFFFF"/>
-                </a:highlight>
-                <a:latin typeface="Montserrat"/>
-                <a:ea typeface="Montserrat"/>
-                <a:cs typeface="Montserrat"/>
-                <a:sym typeface="Montserrat"/>
-              </a:rPr>
-              <a:t> que debe cumplir el código.</a:t>
+              <a:t> </a:t>
             </a:r>
             <a:endParaRPr sz="2000">
               <a:highlight>
@@ -9887,66 +11532,6 @@
               </a:rPr>
               <a:t>Act (actuar)</a:t>
             </a:r>
-            <a:r>
-              <a:rPr lang="es" sz="2000">
-                <a:highlight>
-                  <a:srgbClr val="FFFFFF"/>
-                </a:highlight>
-                <a:latin typeface="Montserrat"/>
-                <a:ea typeface="Montserrat"/>
-                <a:cs typeface="Montserrat"/>
-                <a:sym typeface="Montserrat"/>
-              </a:rPr>
-              <a:t>. Es el paso intermedio de las pruebas, el momento de </a:t>
-            </a:r>
-            <a:r>
-              <a:rPr b="1" lang="es" sz="2000">
-                <a:highlight>
-                  <a:srgbClr val="FFFFFF"/>
-                </a:highlight>
-                <a:latin typeface="Montserrat"/>
-                <a:ea typeface="Montserrat"/>
-                <a:cs typeface="Montserrat"/>
-                <a:sym typeface="Montserrat"/>
-              </a:rPr>
-              <a:t>ejecutar</a:t>
-            </a:r>
-            <a:r>
-              <a:rPr lang="es" sz="2000">
-                <a:highlight>
-                  <a:srgbClr val="FFFFFF"/>
-                </a:highlight>
-                <a:latin typeface="Montserrat"/>
-                <a:ea typeface="Montserrat"/>
-                <a:cs typeface="Montserrat"/>
-                <a:sym typeface="Montserrat"/>
-              </a:rPr>
-              <a:t> el </a:t>
-            </a:r>
-            <a:r>
-              <a:rPr i="1" lang="es" sz="2000">
-                <a:highlight>
-                  <a:srgbClr val="FFFFFF"/>
-                </a:highlight>
-                <a:latin typeface="Montserrat"/>
-                <a:ea typeface="Montserrat"/>
-                <a:cs typeface="Montserrat"/>
-                <a:sym typeface="Montserrat"/>
-              </a:rPr>
-              <a:t>test</a:t>
-            </a:r>
-            <a:r>
-              <a:rPr lang="es" sz="2000">
-                <a:highlight>
-                  <a:srgbClr val="FFFFFF"/>
-                </a:highlight>
-                <a:latin typeface="Montserrat"/>
-                <a:ea typeface="Montserrat"/>
-                <a:cs typeface="Montserrat"/>
-                <a:sym typeface="Montserrat"/>
-              </a:rPr>
-              <a:t> que dará lugar a los resultados que deberás analizar.</a:t>
-            </a:r>
             <a:endParaRPr sz="2000">
               <a:highlight>
                 <a:srgbClr val="FFFFFF"/>
@@ -9984,42 +11569,6 @@
               </a:rPr>
               <a:t>Assert (afirmar)</a:t>
             </a:r>
-            <a:r>
-              <a:rPr lang="es" sz="2000">
-                <a:highlight>
-                  <a:srgbClr val="FFFFFF"/>
-                </a:highlight>
-                <a:latin typeface="Montserrat"/>
-                <a:ea typeface="Montserrat"/>
-                <a:cs typeface="Montserrat"/>
-                <a:sym typeface="Montserrat"/>
-              </a:rPr>
-              <a:t>. En el último paso, es el momento de comprobar si los resultados obtenidos son los que se esperaban. </a:t>
-            </a:r>
-            <a:r>
-              <a:rPr b="1" lang="es" sz="2000">
-                <a:highlight>
-                  <a:srgbClr val="FFFFFF"/>
-                </a:highlight>
-                <a:latin typeface="Montserrat"/>
-                <a:ea typeface="Montserrat"/>
-                <a:cs typeface="Montserrat"/>
-                <a:sym typeface="Montserrat"/>
-              </a:rPr>
-              <a:t>Si es así, se valida y se sigue adelante</a:t>
-            </a:r>
-            <a:r>
-              <a:rPr lang="es" sz="2000">
-                <a:highlight>
-                  <a:srgbClr val="FFFFFF"/>
-                </a:highlight>
-                <a:latin typeface="Montserrat"/>
-                <a:ea typeface="Montserrat"/>
-                <a:cs typeface="Montserrat"/>
-                <a:sym typeface="Montserrat"/>
-              </a:rPr>
-              <a:t>. Si no, se corrige el error hasta que desaparezca.</a:t>
-            </a:r>
             <a:endParaRPr sz="2000">
               <a:highlight>
                 <a:srgbClr val="FFFFFF"/>
@@ -10058,6 +11607,34 @@
           </a:p>
         </p:txBody>
       </p:sp>
+      <p:pic>
+        <p:nvPicPr>
+          <p:cNvPr id="91" name="Google Shape;91;p17"/>
+          <p:cNvPicPr preferRelativeResize="0"/>
+          <p:nvPr/>
+        </p:nvPicPr>
+        <p:blipFill>
+          <a:blip r:embed="rId3">
+            <a:alphaModFix/>
+          </a:blip>
+          <a:stretch>
+            <a:fillRect/>
+          </a:stretch>
+        </p:blipFill>
+        <p:spPr>
+          <a:xfrm>
+            <a:off x="5028873" y="2067448"/>
+            <a:ext cx="2359350" cy="1309000"/>
+          </a:xfrm>
+          <a:prstGeom prst="rect">
+            <a:avLst/>
+          </a:prstGeom>
+          <a:noFill/>
+          <a:ln>
+            <a:noFill/>
+          </a:ln>
+        </p:spPr>
+      </p:pic>
     </p:spTree>
   </p:cSld>
   <p:clrMapOvr>
@@ -10098,7 +11675,7 @@
             <a:avLst/>
           </a:prstGeom>
           <a:solidFill>
-            <a:srgbClr val="B7B7B7"/>
+            <a:srgbClr val="B4A7D6"/>
           </a:solidFill>
           <a:ln cap="flat" cmpd="sng" w="9525">
             <a:solidFill>
@@ -10156,7 +11733,7 @@
             <a:avLst/>
           </a:prstGeom>
           <a:solidFill>
-            <a:srgbClr val="B7B7B7"/>
+            <a:srgbClr val="A4C2F4"/>
           </a:solidFill>
           <a:ln cap="flat" cmpd="sng" w="9525">
             <a:solidFill>
@@ -10214,7 +11791,7 @@
             <a:avLst/>
           </a:prstGeom>
           <a:solidFill>
-            <a:srgbClr val="B7B7B7"/>
+            <a:srgbClr val="93C47D"/>
           </a:solidFill>
           <a:ln cap="flat" cmpd="sng" w="9525">
             <a:solidFill>
@@ -10272,7 +11849,7 @@
             <a:avLst/>
           </a:prstGeom>
           <a:solidFill>
-            <a:srgbClr val="B7B7B7"/>
+            <a:srgbClr val="FFD966"/>
           </a:solidFill>
           <a:ln cap="flat" cmpd="sng" w="9525">
             <a:solidFill>
@@ -10330,7 +11907,7 @@
             <a:avLst/>
           </a:prstGeom>
           <a:solidFill>
-            <a:srgbClr val="B7B7B7"/>
+            <a:srgbClr val="A2C4C9"/>
           </a:solidFill>
           <a:ln cap="flat" cmpd="sng" w="9525">
             <a:solidFill>
@@ -10388,7 +11965,7 @@
             <a:avLst/>
           </a:prstGeom>
           <a:solidFill>
-            <a:srgbClr val="B7B7B7"/>
+            <a:srgbClr val="E06666"/>
           </a:solidFill>
           <a:ln cap="flat" cmpd="sng" w="9525">
             <a:solidFill>
@@ -10464,7 +12041,7 @@
           <a:prstGeom prst="curvedConnector4">
             <a:avLst>
               <a:gd fmla="val -201459" name="adj1"/>
-              <a:gd fmla="val 86020" name="adj2"/>
+              <a:gd fmla="val 90303" name="adj2"/>
             </a:avLst>
           </a:prstGeom>
           <a:noFill/>
@@ -10842,7 +12419,7 @@
         </p:blipFill>
         <p:spPr>
           <a:xfrm>
-            <a:off x="5557250" y="3185750"/>
+            <a:off x="380325" y="353975"/>
             <a:ext cx="3355775" cy="1957750"/>
           </a:xfrm>
           <a:prstGeom prst="rect">
@@ -10862,8 +12439,8 @@
         </p:nvSpPr>
         <p:spPr>
           <a:xfrm>
-            <a:off x="3801600" y="100050"/>
-            <a:ext cx="5277300" cy="2471700"/>
+            <a:off x="3482500" y="1631025"/>
+            <a:ext cx="5277300" cy="3325500"/>
           </a:xfrm>
           <a:prstGeom prst="rect">
             <a:avLst/>
@@ -10879,52 +12456,28 @@
           </a:bodyPr>
           <a:lstStyle/>
           <a:p>
-            <a:pPr indent="-330200" lvl="0" marL="457200" rtl="0" algn="l">
-              <a:spcBef>
-                <a:spcPts val="0"/>
-              </a:spcBef>
-              <a:spcAft>
-                <a:spcPts val="0"/>
-              </a:spcAft>
-              <a:buClr>
-                <a:srgbClr val="202124"/>
-              </a:buClr>
-              <a:buSzPts val="1600"/>
+            <a:pPr indent="-336550" lvl="0" marL="457200" rtl="0" algn="l">
+              <a:spcBef>
+                <a:spcPts val="0"/>
+              </a:spcBef>
+              <a:spcAft>
+                <a:spcPts val="0"/>
+              </a:spcAft>
+              <a:buSzPts val="1700"/>
               <a:buChar char="●"/>
             </a:pPr>
             <a:r>
-              <a:rPr b="1" lang="es" sz="1600">
-                <a:solidFill>
-                  <a:srgbClr val="202124"/>
-                </a:solidFill>
-                <a:highlight>
-                  <a:srgbClr val="F8F9FA"/>
-                </a:highlight>
-              </a:rPr>
+              <a:rPr b="1" lang="es" sz="1700"/>
               <a:t>NUnit</a:t>
             </a:r>
             <a:r>
-              <a:rPr lang="es" sz="1600">
-                <a:solidFill>
-                  <a:srgbClr val="202124"/>
-                </a:solidFill>
-                <a:highlight>
-                  <a:srgbClr val="F8F9FA"/>
-                </a:highlight>
-              </a:rPr>
-              <a:t> facilita las pruebas de automatización con C#, ya que es compatible con marcos de automatización de pruebas populares como Selenium.</a:t>
+              <a:rPr lang="es" sz="1700"/>
+              <a:t> facilita las pruebas de automatización con C#</a:t>
             </a:r>
-            <a:endParaRPr sz="1600">
-              <a:solidFill>
-                <a:srgbClr val="202124"/>
-              </a:solidFill>
-              <a:highlight>
-                <a:srgbClr val="F8F9FA"/>
-              </a:highlight>
-            </a:endParaRPr>
+            <a:endParaRPr sz="1700"/>
           </a:p>
           <a:p>
-            <a:pPr indent="0" lvl="0" marL="457200" rtl="0" algn="l">
+            <a:pPr indent="0" lvl="0" marL="0" rtl="0" algn="l">
               <a:spcBef>
                 <a:spcPts val="0"/>
               </a:spcBef>
@@ -10936,62 +12489,31 @@
             <a:r>
               <a:t/>
             </a:r>
-            <a:endParaRPr sz="1600">
-              <a:solidFill>
-                <a:srgbClr val="202124"/>
-              </a:solidFill>
-              <a:highlight>
-                <a:srgbClr val="F8F9FA"/>
-              </a:highlight>
-            </a:endParaRPr>
+            <a:endParaRPr sz="1700"/>
           </a:p>
           <a:p>
-            <a:pPr indent="-330200" lvl="0" marL="457200" rtl="0" algn="l">
-              <a:spcBef>
-                <a:spcPts val="0"/>
-              </a:spcBef>
-              <a:spcAft>
-                <a:spcPts val="0"/>
-              </a:spcAft>
-              <a:buClr>
-                <a:srgbClr val="202124"/>
-              </a:buClr>
-              <a:buSzPts val="1600"/>
+            <a:pPr indent="-336550" lvl="0" marL="457200" rtl="0" algn="l">
+              <a:spcBef>
+                <a:spcPts val="0"/>
+              </a:spcBef>
+              <a:spcAft>
+                <a:spcPts val="0"/>
+              </a:spcAft>
+              <a:buSzPts val="1700"/>
               <a:buChar char="●"/>
             </a:pPr>
             <a:r>
-              <a:rPr b="1" lang="es" sz="1600">
-                <a:solidFill>
-                  <a:srgbClr val="202124"/>
-                </a:solidFill>
-                <a:highlight>
-                  <a:srgbClr val="F8F9FA"/>
-                </a:highlight>
-              </a:rPr>
-              <a:t>NUnit annotations </a:t>
+              <a:rPr b="1" lang="es" sz="1700"/>
+              <a:t>NUnit annotations (Tags) </a:t>
             </a:r>
             <a:r>
-              <a:rPr lang="es" sz="1600">
-                <a:solidFill>
-                  <a:srgbClr val="202124"/>
-                </a:solidFill>
-                <a:highlight>
-                  <a:srgbClr val="F8F9FA"/>
-                </a:highlight>
-              </a:rPr>
-              <a:t>(Tags) ayuda a acelerar el desarrollo y la ejecución de pruebas, ya que las pruebas se pueden ejecutar con diferentes valores de entrada.</a:t>
+              <a:rPr lang="es" sz="1700"/>
+              <a:t>ayuda a acelerar el desarrollo y la ejecución de pruebas</a:t>
             </a:r>
-            <a:endParaRPr sz="1600">
-              <a:solidFill>
-                <a:srgbClr val="202124"/>
-              </a:solidFill>
-              <a:highlight>
-                <a:srgbClr val="F8F9FA"/>
-              </a:highlight>
-            </a:endParaRPr>
+            <a:endParaRPr sz="1700"/>
           </a:p>
           <a:p>
-            <a:pPr indent="0" lvl="0" marL="457200" rtl="0" algn="l">
+            <a:pPr indent="0" lvl="0" marL="0" rtl="0" algn="l">
               <a:spcBef>
                 <a:spcPts val="0"/>
               </a:spcBef>
@@ -11003,74 +12525,32 @@
             <a:r>
               <a:t/>
             </a:r>
-            <a:endParaRPr sz="1600">
-              <a:solidFill>
-                <a:srgbClr val="202124"/>
-              </a:solidFill>
-              <a:highlight>
-                <a:srgbClr val="F8F9FA"/>
-              </a:highlight>
-            </a:endParaRPr>
+            <a:endParaRPr sz="1700"/>
           </a:p>
           <a:p>
-            <a:pPr indent="-330200" lvl="0" marL="457200" rtl="0" algn="l">
-              <a:spcBef>
-                <a:spcPts val="0"/>
-              </a:spcBef>
-              <a:spcAft>
-                <a:spcPts val="0"/>
-              </a:spcAft>
-              <a:buClr>
-                <a:srgbClr val="202124"/>
-              </a:buClr>
-              <a:buSzPts val="1600"/>
+            <a:pPr indent="-336550" lvl="0" marL="457200" rtl="0" algn="l">
+              <a:spcBef>
+                <a:spcPts val="0"/>
+              </a:spcBef>
+              <a:spcAft>
+                <a:spcPts val="0"/>
+              </a:spcAft>
+              <a:buSzPts val="1700"/>
               <a:buChar char="●"/>
             </a:pPr>
             <a:r>
-              <a:rPr b="1" lang="es" sz="1600">
-                <a:solidFill>
-                  <a:srgbClr val="202124"/>
-                </a:solidFill>
-                <a:highlight>
-                  <a:srgbClr val="F8F9FA"/>
-                </a:highlight>
-              </a:rPr>
-              <a:t>TDD</a:t>
+              <a:rPr lang="es" sz="1700"/>
+              <a:t>Con </a:t>
             </a:r>
             <a:r>
-              <a:rPr lang="es" sz="1600">
-                <a:solidFill>
-                  <a:srgbClr val="202124"/>
-                </a:solidFill>
-                <a:highlight>
-                  <a:srgbClr val="F8F9FA"/>
-                </a:highlight>
-              </a:rPr>
-              <a:t> (Test Driven Development) se utiliza para localizar problemas (o errores) durante las primeras etapas del desarrollo del producto. </a:t>
+              <a:rPr b="1" lang="es" sz="1700"/>
+              <a:t>NUnit</a:t>
             </a:r>
-            <a:endParaRPr sz="1600">
-              <a:solidFill>
-                <a:srgbClr val="202124"/>
-              </a:solidFill>
-              <a:highlight>
-                <a:srgbClr val="F8F9FA"/>
-              </a:highlight>
-            </a:endParaRPr>
-          </a:p>
-          <a:p>
-            <a:pPr indent="0" lvl="0" marL="0" rtl="0" algn="l">
-              <a:spcBef>
-                <a:spcPts val="0"/>
-              </a:spcBef>
-              <a:spcAft>
-                <a:spcPts val="0"/>
-              </a:spcAft>
-              <a:buNone/>
-            </a:pPr>
             <a:r>
-              <a:t/>
+              <a:rPr lang="es" sz="1700"/>
+              <a:t>, puede ejecutar casos de prueba desde  la consola </a:t>
             </a:r>
-            <a:endParaRPr>
+            <a:endParaRPr sz="1700">
               <a:latin typeface="Open Sans"/>
               <a:ea typeface="Open Sans"/>
               <a:cs typeface="Open Sans"/>
@@ -11079,164 +12559,6 @@
           </a:p>
         </p:txBody>
       </p:sp>
-      <p:sp>
-        <p:nvSpPr>
-          <p:cNvPr id="120" name="Google Shape;120;p20"/>
-          <p:cNvSpPr txBox="1"/>
-          <p:nvPr/>
-        </p:nvSpPr>
-        <p:spPr>
-          <a:xfrm>
-            <a:off x="0" y="3009125"/>
-            <a:ext cx="5315100" cy="1759200"/>
-          </a:xfrm>
-          <a:prstGeom prst="rect">
-            <a:avLst/>
-          </a:prstGeom>
-          <a:noFill/>
-          <a:ln>
-            <a:noFill/>
-          </a:ln>
-        </p:spPr>
-        <p:txBody>
-          <a:bodyPr anchorCtr="0" anchor="t" bIns="91425" lIns="91425" spcFirstLastPara="1" rIns="91425" wrap="square" tIns="91425">
-            <a:noAutofit/>
-          </a:bodyPr>
-          <a:lstStyle/>
-          <a:p>
-            <a:pPr indent="0" lvl="0" marL="0" marR="38100" rtl="0" algn="l">
-              <a:lnSpc>
-                <a:spcPct val="128571"/>
-              </a:lnSpc>
-              <a:spcBef>
-                <a:spcPts val="0"/>
-              </a:spcBef>
-              <a:spcAft>
-                <a:spcPts val="0"/>
-              </a:spcAft>
-              <a:buNone/>
-            </a:pPr>
-            <a:r>
-              <a:t/>
-            </a:r>
-            <a:endParaRPr sz="1700">
-              <a:solidFill>
-                <a:srgbClr val="202124"/>
-              </a:solidFill>
-              <a:highlight>
-                <a:srgbClr val="F8F9FA"/>
-              </a:highlight>
-            </a:endParaRPr>
-          </a:p>
-          <a:p>
-            <a:pPr indent="-336550" lvl="0" marL="457200" marR="38100" rtl="0" algn="l">
-              <a:lnSpc>
-                <a:spcPct val="128571"/>
-              </a:lnSpc>
-              <a:spcBef>
-                <a:spcPts val="0"/>
-              </a:spcBef>
-              <a:spcAft>
-                <a:spcPts val="0"/>
-              </a:spcAft>
-              <a:buClr>
-                <a:srgbClr val="202124"/>
-              </a:buClr>
-              <a:buSzPts val="1700"/>
-              <a:buChar char="●"/>
-            </a:pPr>
-            <a:r>
-              <a:rPr lang="es" sz="1700">
-                <a:solidFill>
-                  <a:srgbClr val="202124"/>
-                </a:solidFill>
-                <a:highlight>
-                  <a:srgbClr val="F8F9FA"/>
-                </a:highlight>
-              </a:rPr>
-              <a:t>Con </a:t>
-            </a:r>
-            <a:r>
-              <a:rPr b="1" lang="es" sz="1700">
-                <a:solidFill>
-                  <a:srgbClr val="202124"/>
-                </a:solidFill>
-                <a:highlight>
-                  <a:srgbClr val="F8F9FA"/>
-                </a:highlight>
-              </a:rPr>
-              <a:t>NUnit</a:t>
-            </a:r>
-            <a:r>
-              <a:rPr lang="es" sz="1700">
-                <a:solidFill>
-                  <a:srgbClr val="202124"/>
-                </a:solidFill>
-                <a:highlight>
-                  <a:srgbClr val="F8F9FA"/>
-                </a:highlight>
-              </a:rPr>
-              <a:t>, puede ejecutar casos de prueba desde  la consola a través de una herramienta de prueba de automatización de terceros o el Adaptador de prueba NUnit dentro de Visual Studio</a:t>
-            </a:r>
-            <a:endParaRPr sz="1700">
-              <a:solidFill>
-                <a:srgbClr val="202124"/>
-              </a:solidFill>
-              <a:highlight>
-                <a:srgbClr val="F8F9FA"/>
-              </a:highlight>
-            </a:endParaRPr>
-          </a:p>
-          <a:p>
-            <a:pPr indent="0" lvl="0" marL="0" rtl="0" algn="l">
-              <a:spcBef>
-                <a:spcPts val="0"/>
-              </a:spcBef>
-              <a:spcAft>
-                <a:spcPts val="0"/>
-              </a:spcAft>
-              <a:buNone/>
-            </a:pPr>
-            <a:r>
-              <a:t/>
-            </a:r>
-            <a:endParaRPr>
-              <a:latin typeface="Open Sans"/>
-              <a:ea typeface="Open Sans"/>
-              <a:cs typeface="Open Sans"/>
-              <a:sym typeface="Open Sans"/>
-            </a:endParaRPr>
-          </a:p>
-        </p:txBody>
-      </p:sp>
-      <p:pic>
-        <p:nvPicPr>
-          <p:cNvPr id="121" name="Google Shape;121;p20"/>
-          <p:cNvPicPr preferRelativeResize="0"/>
-          <p:nvPr/>
-        </p:nvPicPr>
-        <p:blipFill>
-          <a:blip r:embed="rId4">
-            <a:alphaModFix/>
-          </a:blip>
-          <a:stretch>
-            <a:fillRect/>
-          </a:stretch>
-        </p:blipFill>
-        <p:spPr>
-          <a:xfrm>
-            <a:off x="77375" y="219300"/>
-            <a:ext cx="3855800" cy="2643225"/>
-          </a:xfrm>
-          <a:prstGeom prst="rect">
-            <a:avLst/>
-          </a:prstGeom>
-          <a:noFill/>
-          <a:ln>
-            <a:noFill/>
-          </a:ln>
-        </p:spPr>
-      </p:pic>
     </p:spTree>
   </p:cSld>
   <p:clrMapOvr>
@@ -11250,7 +12572,7 @@
   <p:cSld>
     <p:spTree>
       <p:nvGrpSpPr>
-        <p:cNvPr id="125" name="Shape 125"/>
+        <p:cNvPr id="123" name="Shape 123"/>
         <p:cNvGrpSpPr/>
         <p:nvPr/>
       </p:nvGrpSpPr>
@@ -11264,7 +12586,7 @@
       </p:grpSpPr>
       <p:pic>
         <p:nvPicPr>
-          <p:cNvPr id="126" name="Google Shape;126;p21"/>
+          <p:cNvPr id="124" name="Google Shape;124;p21"/>
           <p:cNvPicPr preferRelativeResize="0"/>
           <p:nvPr/>
         </p:nvPicPr>
@@ -11278,7 +12600,7 @@
         </p:blipFill>
         <p:spPr>
           <a:xfrm>
-            <a:off x="639725" y="724400"/>
+            <a:off x="464775" y="654425"/>
             <a:ext cx="1669025" cy="1669025"/>
           </a:xfrm>
           <a:prstGeom prst="rect">
@@ -11292,14 +12614,14 @@
       </p:pic>
       <p:sp>
         <p:nvSpPr>
-          <p:cNvPr id="127" name="Google Shape;127;p21"/>
+          <p:cNvPr id="125" name="Google Shape;125;p21"/>
           <p:cNvSpPr txBox="1"/>
           <p:nvPr/>
         </p:nvSpPr>
         <p:spPr>
           <a:xfrm>
-            <a:off x="1008632" y="262700"/>
-            <a:ext cx="931200" cy="461700"/>
+            <a:off x="833702" y="192725"/>
+            <a:ext cx="1248600" cy="554100"/>
           </a:xfrm>
           <a:prstGeom prst="rect">
             <a:avLst/>
@@ -11325,7 +12647,7 @@
               <a:buNone/>
             </a:pPr>
             <a:r>
-              <a:rPr b="1" lang="es" sz="1800">
+              <a:rPr b="1" lang="es" sz="2400">
                 <a:latin typeface="Open Sans"/>
                 <a:ea typeface="Open Sans"/>
                 <a:cs typeface="Open Sans"/>
@@ -11333,7 +12655,7 @@
               </a:rPr>
               <a:t>XUnit</a:t>
             </a:r>
-            <a:endParaRPr b="1" sz="1800">
+            <a:endParaRPr b="1" sz="2400">
               <a:latin typeface="Open Sans"/>
               <a:ea typeface="Open Sans"/>
               <a:cs typeface="Open Sans"/>
@@ -11344,14 +12666,14 @@
       </p:sp>
       <p:sp>
         <p:nvSpPr>
-          <p:cNvPr id="128" name="Google Shape;128;p21"/>
+          <p:cNvPr id="126" name="Google Shape;126;p21"/>
           <p:cNvSpPr txBox="1"/>
           <p:nvPr/>
         </p:nvSpPr>
         <p:spPr>
           <a:xfrm>
-            <a:off x="3206400" y="-86775"/>
-            <a:ext cx="5937600" cy="3914100"/>
+            <a:off x="3116000" y="139438"/>
+            <a:ext cx="5289600" cy="3153300"/>
           </a:xfrm>
           <a:prstGeom prst="rect">
             <a:avLst/>
@@ -11382,7 +12704,7 @@
             <a:r>
               <a:t/>
             </a:r>
-            <a:endParaRPr sz="1600">
+            <a:endParaRPr sz="2000">
               <a:solidFill>
                 <a:srgbClr val="202124"/>
               </a:solidFill>
@@ -11392,102 +12714,44 @@
             </a:endParaRPr>
           </a:p>
           <a:p>
-            <a:pPr indent="-330200" lvl="0" marL="457200" marR="38100" rtl="0" algn="l">
-              <a:lnSpc>
-                <a:spcPct val="128571"/>
-              </a:lnSpc>
-              <a:spcBef>
-                <a:spcPts val="0"/>
-              </a:spcBef>
-              <a:spcAft>
-                <a:spcPts val="0"/>
-              </a:spcAft>
-              <a:buClr>
-                <a:srgbClr val="202124"/>
-              </a:buClr>
-              <a:buSzPts val="1600"/>
+            <a:pPr indent="-355600" lvl="0" marL="457200" rtl="0" algn="l">
+              <a:spcBef>
+                <a:spcPts val="0"/>
+              </a:spcBef>
+              <a:spcAft>
+                <a:spcPts val="0"/>
+              </a:spcAft>
+              <a:buSzPts val="2000"/>
               <a:buChar char="●"/>
             </a:pPr>
             <a:r>
-              <a:rPr lang="es" sz="1600">
-                <a:solidFill>
-                  <a:srgbClr val="202124"/>
-                </a:solidFill>
-                <a:highlight>
-                  <a:srgbClr val="F8F9FA"/>
-                </a:highlight>
-              </a:rPr>
+              <a:rPr lang="es" sz="2000"/>
               <a:t>Versión</a:t>
             </a:r>
             <a:r>
-              <a:rPr lang="es" sz="1600">
-                <a:solidFill>
-                  <a:srgbClr val="202124"/>
-                </a:solidFill>
-                <a:highlight>
-                  <a:srgbClr val="F8F9FA"/>
-                </a:highlight>
-              </a:rPr>
+              <a:rPr lang="es" sz="2000"/>
               <a:t> derivada de NUnit , siendo </a:t>
             </a:r>
             <a:r>
-              <a:rPr lang="es" sz="1600">
-                <a:solidFill>
-                  <a:srgbClr val="202124"/>
-                </a:solidFill>
-                <a:highlight>
-                  <a:srgbClr val="F8F9FA"/>
-                </a:highlight>
-              </a:rPr>
+              <a:rPr lang="es" sz="2000"/>
               <a:t>esta</a:t>
             </a:r>
             <a:r>
-              <a:rPr lang="es" sz="1600">
-                <a:solidFill>
-                  <a:srgbClr val="202124"/>
-                </a:solidFill>
-                <a:highlight>
-                  <a:srgbClr val="F8F9FA"/>
-                </a:highlight>
-              </a:rPr>
+              <a:rPr lang="es" sz="2000"/>
               <a:t> de </a:t>
             </a:r>
             <a:r>
-              <a:rPr lang="es" sz="1600">
-                <a:solidFill>
-                  <a:srgbClr val="202124"/>
-                </a:solidFill>
-                <a:highlight>
-                  <a:srgbClr val="F8F9FA"/>
-                </a:highlight>
-              </a:rPr>
+              <a:rPr lang="es" sz="2000"/>
               <a:t>código</a:t>
             </a:r>
             <a:r>
-              <a:rPr lang="es" sz="1600">
-                <a:solidFill>
-                  <a:srgbClr val="202124"/>
-                </a:solidFill>
-                <a:highlight>
-                  <a:srgbClr val="F8F9FA"/>
-                </a:highlight>
-              </a:rPr>
+              <a:rPr lang="es" sz="2000"/>
               <a:t> abierto</a:t>
             </a:r>
-            <a:endParaRPr sz="1600">
-              <a:solidFill>
-                <a:srgbClr val="202124"/>
-              </a:solidFill>
-              <a:highlight>
-                <a:srgbClr val="F8F9FA"/>
-              </a:highlight>
-            </a:endParaRPr>
+            <a:endParaRPr sz="2000"/>
           </a:p>
           <a:p>
-            <a:pPr indent="0" lvl="0" marL="457200" marR="38100" rtl="0" algn="l">
-              <a:lnSpc>
-                <a:spcPct val="128571"/>
-              </a:lnSpc>
+            <a:pPr indent="0" lvl="0" marL="0" rtl="0" algn="l">
               <a:spcBef>
                 <a:spcPts val="0"/>
               </a:spcBef>
@@ -11499,68 +12763,27 @@
             <a:r>
               <a:t/>
             </a:r>
-            <a:endParaRPr sz="1600">
-              <a:solidFill>
-                <a:srgbClr val="202124"/>
-              </a:solidFill>
-              <a:highlight>
-                <a:srgbClr val="F8F9FA"/>
-              </a:highlight>
-            </a:endParaRPr>
+            <a:endParaRPr sz="2000"/>
           </a:p>
           <a:p>
-            <a:pPr indent="-330200" lvl="0" marL="457200" marR="38100" rtl="0" algn="l">
-              <a:lnSpc>
-                <a:spcPct val="128571"/>
-              </a:lnSpc>
-              <a:spcBef>
-                <a:spcPts val="0"/>
-              </a:spcBef>
-              <a:spcAft>
-                <a:spcPts val="0"/>
-              </a:spcAft>
-              <a:buClr>
-                <a:srgbClr val="202124"/>
-              </a:buClr>
-              <a:buSzPts val="1600"/>
+            <a:pPr indent="-355600" lvl="0" marL="457200" rtl="0" algn="l">
+              <a:spcBef>
+                <a:spcPts val="0"/>
+              </a:spcBef>
+              <a:spcAft>
+                <a:spcPts val="0"/>
+              </a:spcAft>
+              <a:buSzPts val="2000"/>
               <a:buChar char="●"/>
             </a:pPr>
             <a:r>
-              <a:rPr lang="es" sz="1600">
-                <a:solidFill>
-                  <a:srgbClr val="202124"/>
-                </a:solidFill>
-                <a:highlight>
-                  <a:srgbClr val="F8F9FA"/>
-                </a:highlight>
-              </a:rPr>
-              <a:t>Presenta menos Tags que NUnit , haciendo </a:t>
+              <a:rPr lang="es" sz="2000"/>
+              <a:t>Presenta menos Tags que NUnit </a:t>
             </a:r>
-            <a:r>
-              <a:rPr lang="es" sz="1600">
-                <a:solidFill>
-                  <a:srgbClr val="202124"/>
-                </a:solidFill>
-                <a:highlight>
-                  <a:srgbClr val="F8F9FA"/>
-                </a:highlight>
-              </a:rPr>
-              <a:t>más amigable el código y su mantenimiento </a:t>
-            </a:r>
-            <a:endParaRPr sz="1600">
-              <a:solidFill>
-                <a:srgbClr val="202124"/>
-              </a:solidFill>
-              <a:highlight>
-                <a:srgbClr val="F8F9FA"/>
-              </a:highlight>
-            </a:endParaRPr>
+            <a:endParaRPr sz="2000"/>
           </a:p>
           <a:p>
-            <a:pPr indent="0" lvl="0" marL="457200" marR="38100" rtl="0" algn="l">
-              <a:lnSpc>
-                <a:spcPct val="128571"/>
-              </a:lnSpc>
+            <a:pPr indent="0" lvl="0" marL="0" rtl="0" algn="l">
               <a:spcBef>
                 <a:spcPts val="0"/>
               </a:spcBef>
@@ -11572,163 +12795,10 @@
             <a:r>
               <a:t/>
             </a:r>
-            <a:endParaRPr sz="1600">
-              <a:solidFill>
-                <a:srgbClr val="202124"/>
-              </a:solidFill>
-              <a:highlight>
-                <a:srgbClr val="F8F9FA"/>
-              </a:highlight>
-            </a:endParaRPr>
+            <a:endParaRPr/>
           </a:p>
           <a:p>
-            <a:pPr indent="-330200" lvl="0" marL="457200" marR="38100" rtl="0" algn="l">
-              <a:lnSpc>
-                <a:spcPct val="128571"/>
-              </a:lnSpc>
-              <a:spcBef>
-                <a:spcPts val="0"/>
-              </a:spcBef>
-              <a:spcAft>
-                <a:spcPts val="0"/>
-              </a:spcAft>
-              <a:buClr>
-                <a:srgbClr val="202124"/>
-              </a:buClr>
-              <a:buSzPts val="1600"/>
-              <a:buChar char="●"/>
-            </a:pPr>
-            <a:r>
-              <a:rPr lang="es" sz="1600">
-                <a:solidFill>
-                  <a:srgbClr val="202124"/>
-                </a:solidFill>
-                <a:highlight>
-                  <a:srgbClr val="F8F9FA"/>
-                </a:highlight>
-              </a:rPr>
-              <a:t>XUnit </a:t>
-            </a:r>
-            <a:r>
-              <a:rPr lang="es" sz="1600">
-                <a:solidFill>
-                  <a:srgbClr val="202124"/>
-                </a:solidFill>
-                <a:highlight>
-                  <a:srgbClr val="F8F9FA"/>
-                </a:highlight>
-              </a:rPr>
-              <a:t>está</a:t>
-            </a:r>
-            <a:r>
-              <a:rPr lang="es" sz="1600">
-                <a:solidFill>
-                  <a:srgbClr val="202124"/>
-                </a:solidFill>
-                <a:highlight>
-                  <a:srgbClr val="F8F9FA"/>
-                </a:highlight>
-              </a:rPr>
-              <a:t> orientada a trabajos </a:t>
-            </a:r>
-            <a:r>
-              <a:rPr lang="es" sz="1600">
-                <a:solidFill>
-                  <a:srgbClr val="202124"/>
-                </a:solidFill>
-                <a:highlight>
-                  <a:srgbClr val="F8F9FA"/>
-                </a:highlight>
-              </a:rPr>
-              <a:t>más</a:t>
-            </a:r>
-            <a:r>
-              <a:rPr lang="es" sz="1600">
-                <a:solidFill>
-                  <a:srgbClr val="202124"/>
-                </a:solidFill>
-                <a:highlight>
-                  <a:srgbClr val="F8F9FA"/>
-                </a:highlight>
-              </a:rPr>
-              <a:t> complejos </a:t>
-            </a:r>
-            <a:endParaRPr sz="1600" strike="sngStrike">
-              <a:solidFill>
-                <a:srgbClr val="202124"/>
-              </a:solidFill>
-              <a:highlight>
-                <a:srgbClr val="F8F9FA"/>
-              </a:highlight>
-            </a:endParaRPr>
-          </a:p>
-          <a:p>
-            <a:pPr indent="0" lvl="0" marL="457200" marR="38100" rtl="0" algn="l">
-              <a:lnSpc>
-                <a:spcPct val="128571"/>
-              </a:lnSpc>
-              <a:spcBef>
-                <a:spcPts val="0"/>
-              </a:spcBef>
-              <a:spcAft>
-                <a:spcPts val="0"/>
-              </a:spcAft>
-              <a:buNone/>
-            </a:pPr>
-            <a:r>
-              <a:t/>
-            </a:r>
-            <a:endParaRPr sz="1600">
-              <a:solidFill>
-                <a:srgbClr val="202124"/>
-              </a:solidFill>
-              <a:highlight>
-                <a:srgbClr val="F8F9FA"/>
-              </a:highlight>
-            </a:endParaRPr>
-          </a:p>
-          <a:p>
-            <a:pPr indent="-330200" lvl="0" marL="457200" marR="38100" rtl="0" algn="l">
-              <a:lnSpc>
-                <a:spcPct val="128571"/>
-              </a:lnSpc>
-              <a:spcBef>
-                <a:spcPts val="0"/>
-              </a:spcBef>
-              <a:spcAft>
-                <a:spcPts val="0"/>
-              </a:spcAft>
-              <a:buClr>
-                <a:srgbClr val="202124"/>
-              </a:buClr>
-              <a:buSzPts val="1600"/>
-              <a:buChar char="●"/>
-            </a:pPr>
-            <a:r>
-              <a:rPr lang="es" sz="1600">
-                <a:solidFill>
-                  <a:srgbClr val="202124"/>
-                </a:solidFill>
-                <a:highlight>
-                  <a:srgbClr val="F8F9FA"/>
-                </a:highlight>
-              </a:rPr>
-              <a:t>Ofrece una mayor extensibilidad y alcance</a:t>
-            </a:r>
-            <a:endParaRPr sz="1600">
-              <a:solidFill>
-                <a:srgbClr val="202124"/>
-              </a:solidFill>
-              <a:highlight>
-                <a:srgbClr val="F8F9FA"/>
-              </a:highlight>
-            </a:endParaRPr>
-          </a:p>
-          <a:p>
-            <a:pPr indent="0" lvl="0" marL="457200" marR="38100" rtl="0" algn="l">
-              <a:lnSpc>
-                <a:spcPct val="128571"/>
-              </a:lnSpc>
+            <a:pPr indent="0" lvl="0" marL="457200" rtl="0" algn="l">
               <a:spcBef>
                 <a:spcPts val="0"/>
               </a:spcBef>
@@ -11799,34 +12869,8 @@
               </a:highlight>
             </a:endParaRPr>
           </a:p>
-        </p:txBody>
-      </p:sp>
-      <p:sp>
-        <p:nvSpPr>
-          <p:cNvPr id="129" name="Google Shape;129;p21"/>
-          <p:cNvSpPr txBox="1"/>
-          <p:nvPr/>
-        </p:nvSpPr>
-        <p:spPr>
-          <a:xfrm>
-            <a:off x="51075" y="2806375"/>
-            <a:ext cx="5507100" cy="2222400"/>
-          </a:xfrm>
-          <a:prstGeom prst="rect">
-            <a:avLst/>
-          </a:prstGeom>
-          <a:noFill/>
-          <a:ln>
-            <a:noFill/>
-          </a:ln>
-        </p:spPr>
-        <p:txBody>
-          <a:bodyPr anchorCtr="0" anchor="t" bIns="91425" lIns="91425" spcFirstLastPara="1" rIns="91425" wrap="square" tIns="91425">
-            <a:noAutofit/>
-          </a:bodyPr>
-          <a:lstStyle/>
           <a:p>
-            <a:pPr indent="-330200" lvl="0" marL="457200" marR="38100" rtl="0" algn="l">
+            <a:pPr indent="0" lvl="0" marL="457200" marR="38100" rtl="0" algn="l">
               <a:lnSpc>
                 <a:spcPct val="128571"/>
               </a:lnSpc>
@@ -11836,46 +12880,25 @@
               <a:spcAft>
                 <a:spcPts val="0"/>
               </a:spcAft>
-              <a:buClr>
-                <a:srgbClr val="202124"/>
-              </a:buClr>
-              <a:buSzPts val="1600"/>
-              <a:buChar char="●"/>
+              <a:buNone/>
             </a:pPr>
             <a:r>
-              <a:rPr lang="es" sz="1600">
-                <a:solidFill>
-                  <a:srgbClr val="202124"/>
-                </a:solidFill>
-                <a:highlight>
-                  <a:srgbClr val="F8F9FA"/>
-                </a:highlight>
-              </a:rPr>
-              <a:t>En </a:t>
+              <a:t/>
             </a:r>
-            <a:r>
-              <a:rPr lang="es" sz="1600">
-                <a:solidFill>
-                  <a:srgbClr val="202124"/>
-                </a:solidFill>
-                <a:highlight>
-                  <a:srgbClr val="F8F9FA"/>
-                </a:highlight>
-              </a:rPr>
-              <a:t>NUnit y MSTest, la clase que contiene las pruebas está bajo el atributo [TestClass]. Este no fue un enfoque muy robusto, por lo tanto, el atributo [TestClass] también se eliminó en xUnit. En cambio, la inteligencia se construye en el marco xUnit para que pueda ubicar los métodos de prueba, independientemente de la ubicación de las pruebas.</a:t>
-            </a:r>
-            <a:endParaRPr sz="1800">
-              <a:latin typeface="Open Sans"/>
-              <a:ea typeface="Open Sans"/>
-              <a:cs typeface="Open Sans"/>
-              <a:sym typeface="Open Sans"/>
+            <a:endParaRPr sz="1600">
+              <a:solidFill>
+                <a:srgbClr val="202124"/>
+              </a:solidFill>
+              <a:highlight>
+                <a:srgbClr val="F8F9FA"/>
+              </a:highlight>
             </a:endParaRPr>
           </a:p>
         </p:txBody>
       </p:sp>
       <p:pic>
         <p:nvPicPr>
-          <p:cNvPr id="130" name="Google Shape;130;p21"/>
+          <p:cNvPr id="127" name="Google Shape;127;p21"/>
           <p:cNvPicPr preferRelativeResize="0"/>
           <p:nvPr/>
         </p:nvPicPr>
@@ -11889,7 +12912,7 @@
         </p:blipFill>
         <p:spPr>
           <a:xfrm>
-            <a:off x="5860175" y="2806375"/>
+            <a:off x="5781450" y="2736400"/>
             <a:ext cx="2908727" cy="2040450"/>
           </a:xfrm>
           <a:prstGeom prst="rect">
@@ -11901,6 +12924,113 @@
           </a:ln>
         </p:spPr>
       </p:pic>
+      <p:sp>
+        <p:nvSpPr>
+          <p:cNvPr id="128" name="Google Shape;128;p21"/>
+          <p:cNvSpPr txBox="1"/>
+          <p:nvPr/>
+        </p:nvSpPr>
+        <p:spPr>
+          <a:xfrm>
+            <a:off x="483375" y="2825825"/>
+            <a:ext cx="4338000" cy="1723800"/>
+          </a:xfrm>
+          <a:prstGeom prst="rect">
+            <a:avLst/>
+          </a:prstGeom>
+          <a:noFill/>
+          <a:ln>
+            <a:noFill/>
+          </a:ln>
+        </p:spPr>
+        <p:txBody>
+          <a:bodyPr anchorCtr="0" anchor="t" bIns="91425" lIns="91425" spcFirstLastPara="1" rIns="91425" wrap="square" tIns="91425">
+            <a:spAutoFit/>
+          </a:bodyPr>
+          <a:lstStyle/>
+          <a:p>
+            <a:pPr indent="-355600" lvl="0" marL="457200" rtl="0" algn="l">
+              <a:spcBef>
+                <a:spcPts val="0"/>
+              </a:spcBef>
+              <a:spcAft>
+                <a:spcPts val="0"/>
+              </a:spcAft>
+              <a:buClr>
+                <a:schemeClr val="dk1"/>
+              </a:buClr>
+              <a:buSzPts val="2000"/>
+              <a:buChar char="●"/>
+            </a:pPr>
+            <a:r>
+              <a:rPr lang="es" sz="2000">
+                <a:solidFill>
+                  <a:schemeClr val="dk1"/>
+                </a:solidFill>
+              </a:rPr>
+              <a:t>XUnit está orientada a trabajos más complejos </a:t>
+            </a:r>
+            <a:endParaRPr sz="2000">
+              <a:solidFill>
+                <a:schemeClr val="dk1"/>
+              </a:solidFill>
+            </a:endParaRPr>
+          </a:p>
+          <a:p>
+            <a:pPr indent="0" lvl="0" marL="0" rtl="0" algn="l">
+              <a:spcBef>
+                <a:spcPts val="0"/>
+              </a:spcBef>
+              <a:spcAft>
+                <a:spcPts val="0"/>
+              </a:spcAft>
+              <a:buClr>
+                <a:schemeClr val="dk1"/>
+              </a:buClr>
+              <a:buSzPts val="1100"/>
+              <a:buFont typeface="Arial"/>
+              <a:buNone/>
+            </a:pPr>
+            <a:r>
+              <a:t/>
+            </a:r>
+            <a:endParaRPr sz="2000">
+              <a:solidFill>
+                <a:schemeClr val="dk1"/>
+              </a:solidFill>
+            </a:endParaRPr>
+          </a:p>
+          <a:p>
+            <a:pPr indent="-355600" lvl="0" marL="457200" rtl="0" algn="l">
+              <a:spcBef>
+                <a:spcPts val="0"/>
+              </a:spcBef>
+              <a:spcAft>
+                <a:spcPts val="0"/>
+              </a:spcAft>
+              <a:buClr>
+                <a:schemeClr val="dk1"/>
+              </a:buClr>
+              <a:buSzPts val="2000"/>
+              <a:buChar char="●"/>
+            </a:pPr>
+            <a:r>
+              <a:rPr lang="es" sz="2000">
+                <a:solidFill>
+                  <a:schemeClr val="dk1"/>
+                </a:solidFill>
+              </a:rPr>
+              <a:t>Ofrece una mayor extensibilidad y alcance</a:t>
+            </a:r>
+            <a:endParaRPr sz="2000">
+              <a:latin typeface="Open Sans"/>
+              <a:ea typeface="Open Sans"/>
+              <a:cs typeface="Open Sans"/>
+              <a:sym typeface="Open Sans"/>
+            </a:endParaRPr>
+          </a:p>
+        </p:txBody>
+      </p:sp>
     </p:spTree>
   </p:cSld>
   <p:clrMapOvr>

--- a/TPS/Unit Testing.pptx
+++ b/TPS/Unit Testing.pptx
@@ -1,53 +1,53 @@
 
 <file path=ppt/presentation.xml><?xml version="1.0" encoding="utf-8"?>
-<p:presentation xmlns:a="http://schemas.openxmlformats.org/drawingml/2006/main" xmlns:r="http://schemas.openxmlformats.org/officeDocument/2006/relationships" xmlns:mc="http://schemas.openxmlformats.org/markup-compatibility/2006" xmlns:mv="urn:schemas-microsoft-com:mac:vml" xmlns:p="http://schemas.openxmlformats.org/presentationml/2006/main" xmlns:c="http://schemas.openxmlformats.org/drawingml/2006/chart" xmlns:dgm="http://schemas.openxmlformats.org/drawingml/2006/diagram" xmlns:o="urn:schemas-microsoft-com:office:office" xmlns:v="urn:schemas-microsoft-com:vml" xmlns:pvml="urn:schemas-microsoft-com:office:powerpoint" xmlns:com="http://schemas.openxmlformats.org/drawingml/2006/compatibility" xmlns:p14="http://schemas.microsoft.com/office/powerpoint/2010/main" xmlns:p15="http://schemas.microsoft.com/office/powerpoint/2012/main" xmlns:ahyp="http://schemas.microsoft.com/office/drawing/2018/hyperlinkcolor" autoCompressPictures="0" embedTrueTypeFonts="1" strictFirstAndLastChars="0" saveSubsetFonts="1">
+<p:presentation xmlns:a="http://schemas.openxmlformats.org/drawingml/2006/main" xmlns:r="http://schemas.openxmlformats.org/officeDocument/2006/relationships" xmlns:p="http://schemas.openxmlformats.org/presentationml/2006/main" strictFirstAndLastChars="0" embedTrueTypeFonts="1" saveSubsetFonts="1" autoCompressPictures="0">
   <p:sldMasterIdLst>
-    <p:sldMasterId id="2147483659" r:id="rId5"/>
+    <p:sldMasterId id="2147483659" r:id="rId1"/>
   </p:sldMasterIdLst>
   <p:notesMasterIdLst>
-    <p:notesMasterId r:id="rId6"/>
+    <p:notesMasterId r:id="rId14"/>
   </p:notesMasterIdLst>
   <p:sldIdLst>
-    <p:sldId id="256" r:id="rId7"/>
-    <p:sldId id="257" r:id="rId8"/>
-    <p:sldId id="258" r:id="rId9"/>
-    <p:sldId id="259" r:id="rId10"/>
-    <p:sldId id="260" r:id="rId11"/>
-    <p:sldId id="261" r:id="rId12"/>
-    <p:sldId id="262" r:id="rId13"/>
-    <p:sldId id="263" r:id="rId14"/>
-    <p:sldId id="264" r:id="rId15"/>
-    <p:sldId id="265" r:id="rId16"/>
-    <p:sldId id="266" r:id="rId17"/>
-    <p:sldId id="267" r:id="rId18"/>
+    <p:sldId id="256" r:id="rId2"/>
+    <p:sldId id="257" r:id="rId3"/>
+    <p:sldId id="258" r:id="rId4"/>
+    <p:sldId id="259" r:id="rId5"/>
+    <p:sldId id="260" r:id="rId6"/>
+    <p:sldId id="261" r:id="rId7"/>
+    <p:sldId id="262" r:id="rId8"/>
+    <p:sldId id="263" r:id="rId9"/>
+    <p:sldId id="264" r:id="rId10"/>
+    <p:sldId id="265" r:id="rId11"/>
+    <p:sldId id="266" r:id="rId12"/>
+    <p:sldId id="267" r:id="rId13"/>
   </p:sldIdLst>
-  <p:sldSz cy="5143500" cx="9144000"/>
+  <p:sldSz cx="9144000" cy="5143500" type="screen16x9"/>
   <p:notesSz cx="6858000" cy="9144000"/>
   <p:embeddedFontLst>
     <p:embeddedFont>
-      <p:font typeface="Economica"/>
+      <p:font typeface="Economica" panose="020B0604020202020204" charset="0"/>
+      <p:regular r:id="rId15"/>
+      <p:bold r:id="rId16"/>
+      <p:italic r:id="rId17"/>
+      <p:boldItalic r:id="rId18"/>
+    </p:embeddedFont>
+    <p:embeddedFont>
+      <p:font typeface="Open Sans" panose="020B0604020202020204" charset="0"/>
       <p:regular r:id="rId19"/>
       <p:bold r:id="rId20"/>
       <p:italic r:id="rId21"/>
       <p:boldItalic r:id="rId22"/>
     </p:embeddedFont>
     <p:embeddedFont>
-      <p:font typeface="Montserrat"/>
+      <p:font typeface="Montserrat" panose="020B0604020202020204" charset="0"/>
       <p:regular r:id="rId23"/>
       <p:bold r:id="rId24"/>
       <p:italic r:id="rId25"/>
       <p:boldItalic r:id="rId26"/>
     </p:embeddedFont>
-    <p:embeddedFont>
-      <p:font typeface="Open Sans"/>
-      <p:regular r:id="rId27"/>
-      <p:bold r:id="rId28"/>
-      <p:italic r:id="rId29"/>
-      <p:boldItalic r:id="rId30"/>
-    </p:embeddedFont>
   </p:embeddedFontLst>
   <p:defaultTextStyle>
-    <a:defPPr lvl="0" marR="0" rtl="0" algn="l">
+    <a:defPPr marR="0" lvl="0" algn="l" rtl="0">
       <a:lnSpc>
         <a:spcPct val="100000"/>
       </a:lnSpc>
@@ -58,7 +58,7 @@
         <a:spcPts val="0"/>
       </a:spcAft>
     </a:defPPr>
-    <a:lvl1pPr lvl="0" marR="0" rtl="0" algn="l">
+    <a:lvl1pPr marR="0" lvl="0" algn="l" rtl="0">
       <a:lnSpc>
         <a:spcPct val="100000"/>
       </a:lnSpc>
@@ -72,7 +72,7 @@
         <a:srgbClr val="000000"/>
       </a:buClr>
       <a:buFont typeface="Arial"/>
-      <a:defRPr b="0" i="0" sz="1400" u="none" cap="none" strike="noStrike">
+      <a:defRPr sz="1400" b="0" i="0" u="none" strike="noStrike" cap="none">
         <a:solidFill>
           <a:srgbClr val="000000"/>
         </a:solidFill>
@@ -82,7 +82,7 @@
         <a:sym typeface="Arial"/>
       </a:defRPr>
     </a:lvl1pPr>
-    <a:lvl2pPr lvl="1" marR="0" rtl="0" algn="l">
+    <a:lvl2pPr marR="0" lvl="1" algn="l" rtl="0">
       <a:lnSpc>
         <a:spcPct val="100000"/>
       </a:lnSpc>
@@ -96,7 +96,7 @@
         <a:srgbClr val="000000"/>
       </a:buClr>
       <a:buFont typeface="Arial"/>
-      <a:defRPr b="0" i="0" sz="1400" u="none" cap="none" strike="noStrike">
+      <a:defRPr sz="1400" b="0" i="0" u="none" strike="noStrike" cap="none">
         <a:solidFill>
           <a:srgbClr val="000000"/>
         </a:solidFill>
@@ -106,7 +106,7 @@
         <a:sym typeface="Arial"/>
       </a:defRPr>
     </a:lvl2pPr>
-    <a:lvl3pPr lvl="2" marR="0" rtl="0" algn="l">
+    <a:lvl3pPr marR="0" lvl="2" algn="l" rtl="0">
       <a:lnSpc>
         <a:spcPct val="100000"/>
       </a:lnSpc>
@@ -120,7 +120,7 @@
         <a:srgbClr val="000000"/>
       </a:buClr>
       <a:buFont typeface="Arial"/>
-      <a:defRPr b="0" i="0" sz="1400" u="none" cap="none" strike="noStrike">
+      <a:defRPr sz="1400" b="0" i="0" u="none" strike="noStrike" cap="none">
         <a:solidFill>
           <a:srgbClr val="000000"/>
         </a:solidFill>
@@ -130,7 +130,7 @@
         <a:sym typeface="Arial"/>
       </a:defRPr>
     </a:lvl3pPr>
-    <a:lvl4pPr lvl="3" marR="0" rtl="0" algn="l">
+    <a:lvl4pPr marR="0" lvl="3" algn="l" rtl="0">
       <a:lnSpc>
         <a:spcPct val="100000"/>
       </a:lnSpc>
@@ -144,7 +144,7 @@
         <a:srgbClr val="000000"/>
       </a:buClr>
       <a:buFont typeface="Arial"/>
-      <a:defRPr b="0" i="0" sz="1400" u="none" cap="none" strike="noStrike">
+      <a:defRPr sz="1400" b="0" i="0" u="none" strike="noStrike" cap="none">
         <a:solidFill>
           <a:srgbClr val="000000"/>
         </a:solidFill>
@@ -154,7 +154,7 @@
         <a:sym typeface="Arial"/>
       </a:defRPr>
     </a:lvl4pPr>
-    <a:lvl5pPr lvl="4" marR="0" rtl="0" algn="l">
+    <a:lvl5pPr marR="0" lvl="4" algn="l" rtl="0">
       <a:lnSpc>
         <a:spcPct val="100000"/>
       </a:lnSpc>
@@ -168,7 +168,7 @@
         <a:srgbClr val="000000"/>
       </a:buClr>
       <a:buFont typeface="Arial"/>
-      <a:defRPr b="0" i="0" sz="1400" u="none" cap="none" strike="noStrike">
+      <a:defRPr sz="1400" b="0" i="0" u="none" strike="noStrike" cap="none">
         <a:solidFill>
           <a:srgbClr val="000000"/>
         </a:solidFill>
@@ -178,7 +178,7 @@
         <a:sym typeface="Arial"/>
       </a:defRPr>
     </a:lvl5pPr>
-    <a:lvl6pPr lvl="5" marR="0" rtl="0" algn="l">
+    <a:lvl6pPr marR="0" lvl="5" algn="l" rtl="0">
       <a:lnSpc>
         <a:spcPct val="100000"/>
       </a:lnSpc>
@@ -192,7 +192,7 @@
         <a:srgbClr val="000000"/>
       </a:buClr>
       <a:buFont typeface="Arial"/>
-      <a:defRPr b="0" i="0" sz="1400" u="none" cap="none" strike="noStrike">
+      <a:defRPr sz="1400" b="0" i="0" u="none" strike="noStrike" cap="none">
         <a:solidFill>
           <a:srgbClr val="000000"/>
         </a:solidFill>
@@ -202,7 +202,7 @@
         <a:sym typeface="Arial"/>
       </a:defRPr>
     </a:lvl6pPr>
-    <a:lvl7pPr lvl="6" marR="0" rtl="0" algn="l">
+    <a:lvl7pPr marR="0" lvl="6" algn="l" rtl="0">
       <a:lnSpc>
         <a:spcPct val="100000"/>
       </a:lnSpc>
@@ -216,7 +216,7 @@
         <a:srgbClr val="000000"/>
       </a:buClr>
       <a:buFont typeface="Arial"/>
-      <a:defRPr b="0" i="0" sz="1400" u="none" cap="none" strike="noStrike">
+      <a:defRPr sz="1400" b="0" i="0" u="none" strike="noStrike" cap="none">
         <a:solidFill>
           <a:srgbClr val="000000"/>
         </a:solidFill>
@@ -226,7 +226,7 @@
         <a:sym typeface="Arial"/>
       </a:defRPr>
     </a:lvl7pPr>
-    <a:lvl8pPr lvl="7" marR="0" rtl="0" algn="l">
+    <a:lvl8pPr marR="0" lvl="7" algn="l" rtl="0">
       <a:lnSpc>
         <a:spcPct val="100000"/>
       </a:lnSpc>
@@ -240,7 +240,7 @@
         <a:srgbClr val="000000"/>
       </a:buClr>
       <a:buFont typeface="Arial"/>
-      <a:defRPr b="0" i="0" sz="1400" u="none" cap="none" strike="noStrike">
+      <a:defRPr sz="1400" b="0" i="0" u="none" strike="noStrike" cap="none">
         <a:solidFill>
           <a:srgbClr val="000000"/>
         </a:solidFill>
@@ -250,7 +250,7 @@
         <a:sym typeface="Arial"/>
       </a:defRPr>
     </a:lvl8pPr>
-    <a:lvl9pPr lvl="8" marR="0" rtl="0" algn="l">
+    <a:lvl9pPr marR="0" lvl="8" algn="l" rtl="0">
       <a:lnSpc>
         <a:spcPct val="100000"/>
       </a:lnSpc>
@@ -264,7 +264,7 @@
         <a:srgbClr val="000000"/>
       </a:buClr>
       <a:buFont typeface="Arial"/>
-      <a:defRPr b="0" i="0" sz="1400" u="none" cap="none" strike="noStrike">
+      <a:defRPr sz="1400" b="0" i="0" u="none" strike="noStrike" cap="none">
         <a:solidFill>
           <a:srgbClr val="000000"/>
         </a:solidFill>
@@ -277,7 +277,7 @@
   </p:defaultTextStyle>
   <p:extLst>
     <p:ext uri="{EFAFB233-063F-42B5-8137-9DF3F51BA10A}">
-      <p15:sldGuideLst>
+      <p15:sldGuideLst xmlns:p15="http://schemas.microsoft.com/office/powerpoint/2012/main">
         <p15:guide id="1" orient="horz" pos="1620">
           <p15:clr>
             <a:srgbClr val="A4A3A4"/>
@@ -295,11 +295,16 @@
 </file>
 
 <file path=ppt/notesMasters/notesMaster1.xml><?xml version="1.0" encoding="utf-8"?>
-<p:notesMaster xmlns:a="http://schemas.openxmlformats.org/drawingml/2006/main" xmlns:r="http://schemas.openxmlformats.org/officeDocument/2006/relationships" xmlns:mc="http://schemas.openxmlformats.org/markup-compatibility/2006" xmlns:mv="urn:schemas-microsoft-com:mac:vml" xmlns:p="http://schemas.openxmlformats.org/presentationml/2006/main" xmlns:c="http://schemas.openxmlformats.org/drawingml/2006/chart" xmlns:dgm="http://schemas.openxmlformats.org/drawingml/2006/diagram" xmlns:o="urn:schemas-microsoft-com:office:office" xmlns:v="urn:schemas-microsoft-com:vml" xmlns:pvml="urn:schemas-microsoft-com:office:powerpoint" xmlns:com="http://schemas.openxmlformats.org/drawingml/2006/compatibility" xmlns:p14="http://schemas.microsoft.com/office/powerpoint/2010/main" xmlns:p15="http://schemas.microsoft.com/office/powerpoint/2012/main" xmlns:ahyp="http://schemas.microsoft.com/office/drawing/2018/hyperlinkcolor">
+<p:notesMaster xmlns:a="http://schemas.openxmlformats.org/drawingml/2006/main" xmlns:r="http://schemas.openxmlformats.org/officeDocument/2006/relationships" xmlns:p="http://schemas.openxmlformats.org/presentationml/2006/main">
   <p:cSld>
+    <p:bg>
+      <p:bgRef idx="1001">
+        <a:schemeClr val="bg1"/>
+      </p:bgRef>
+    </p:bg>
     <p:spTree>
       <p:nvGrpSpPr>
-        <p:cNvPr id="2" name="Shape 2"/>
+        <p:cNvPr id="1" name="Shape 2"/>
         <p:cNvGrpSpPr/>
         <p:nvPr/>
       </p:nvGrpSpPr>
@@ -314,9 +319,11 @@
       <p:sp>
         <p:nvSpPr>
           <p:cNvPr id="3" name="Google Shape;3;n"/>
-          <p:cNvSpPr/>
+          <p:cNvSpPr>
+            <a:spLocks noGrp="1" noRot="1" noChangeAspect="1"/>
+          </p:cNvSpPr>
           <p:nvPr>
-            <p:ph idx="2" type="sldImg"/>
+            <p:ph type="sldImg" idx="2"/>
           </p:nvPr>
         </p:nvSpPr>
         <p:spPr>
@@ -325,9 +332,13 @@
             <a:ext cx="6096075" cy="3429000"/>
           </a:xfrm>
           <a:custGeom>
-            <a:rect b="b" l="l" r="r" t="t"/>
+            <a:avLst/>
+            <a:gdLst/>
+            <a:ahLst/>
+            <a:cxnLst/>
+            <a:rect l="l" t="t" r="r" b="b"/>
             <a:pathLst>
-              <a:path extrusionOk="0" h="120000" w="120000">
+              <a:path w="120000" h="120000" extrusionOk="0">
                 <a:moveTo>
                   <a:pt x="0" y="0"/>
                 </a:moveTo>
@@ -345,23 +356,25 @@
             </a:pathLst>
           </a:custGeom>
           <a:noFill/>
-          <a:ln cap="flat" cmpd="sng" w="9525">
+          <a:ln w="9525" cap="flat" cmpd="sng">
             <a:solidFill>
               <a:srgbClr val="000000"/>
             </a:solidFill>
             <a:prstDash val="solid"/>
             <a:round/>
-            <a:headEnd len="sm" w="sm" type="none"/>
-            <a:tailEnd len="sm" w="sm" type="none"/>
+            <a:headEnd type="none" w="sm" len="sm"/>
+            <a:tailEnd type="none" w="sm" len="sm"/>
           </a:ln>
         </p:spPr>
       </p:sp>
       <p:sp>
         <p:nvSpPr>
           <p:cNvPr id="4" name="Google Shape;4;n"/>
-          <p:cNvSpPr txBox="1"/>
+          <p:cNvSpPr txBox="1">
+            <a:spLocks noGrp="1"/>
+          </p:cNvSpPr>
           <p:nvPr>
-            <p:ph idx="1" type="body"/>
+            <p:ph type="body" idx="1"/>
           </p:nvPr>
         </p:nvSpPr>
         <p:spPr>
@@ -378,11 +391,11 @@
           </a:ln>
         </p:spPr>
         <p:txBody>
-          <a:bodyPr anchorCtr="0" anchor="t" bIns="91425" lIns="91425" spcFirstLastPara="1" rIns="91425" wrap="square" tIns="91425">
+          <a:bodyPr spcFirstLastPara="1" wrap="square" lIns="91425" tIns="91425" rIns="91425" bIns="91425" anchor="t" anchorCtr="0">
             <a:noAutofit/>
           </a:bodyPr>
           <a:lstStyle>
-            <a:lvl1pPr indent="-298450" lvl="0" marL="457200">
+            <a:lvl1pPr marL="457200" lvl="0" indent="-298450">
               <a:spcBef>
                 <a:spcPts val="0"/>
               </a:spcBef>
@@ -393,7 +406,7 @@
               <a:buChar char="●"/>
               <a:defRPr sz="1100"/>
             </a:lvl1pPr>
-            <a:lvl2pPr indent="-298450" lvl="1" marL="914400">
+            <a:lvl2pPr marL="914400" lvl="1" indent="-298450">
               <a:spcBef>
                 <a:spcPts val="0"/>
               </a:spcBef>
@@ -404,7 +417,7 @@
               <a:buChar char="○"/>
               <a:defRPr sz="1100"/>
             </a:lvl2pPr>
-            <a:lvl3pPr indent="-298450" lvl="2" marL="1371600">
+            <a:lvl3pPr marL="1371600" lvl="2" indent="-298450">
               <a:spcBef>
                 <a:spcPts val="0"/>
               </a:spcBef>
@@ -415,7 +428,7 @@
               <a:buChar char="■"/>
               <a:defRPr sz="1100"/>
             </a:lvl3pPr>
-            <a:lvl4pPr indent="-298450" lvl="3" marL="1828800">
+            <a:lvl4pPr marL="1828800" lvl="3" indent="-298450">
               <a:spcBef>
                 <a:spcPts val="0"/>
               </a:spcBef>
@@ -426,7 +439,7 @@
               <a:buChar char="●"/>
               <a:defRPr sz="1100"/>
             </a:lvl4pPr>
-            <a:lvl5pPr indent="-298450" lvl="4" marL="2286000">
+            <a:lvl5pPr marL="2286000" lvl="4" indent="-298450">
               <a:spcBef>
                 <a:spcPts val="0"/>
               </a:spcBef>
@@ -437,7 +450,7 @@
               <a:buChar char="○"/>
               <a:defRPr sz="1100"/>
             </a:lvl5pPr>
-            <a:lvl6pPr indent="-298450" lvl="5" marL="2743200">
+            <a:lvl6pPr marL="2743200" lvl="5" indent="-298450">
               <a:spcBef>
                 <a:spcPts val="0"/>
               </a:spcBef>
@@ -448,7 +461,7 @@
               <a:buChar char="■"/>
               <a:defRPr sz="1100"/>
             </a:lvl6pPr>
-            <a:lvl7pPr indent="-298450" lvl="6" marL="3200400">
+            <a:lvl7pPr marL="3200400" lvl="6" indent="-298450">
               <a:spcBef>
                 <a:spcPts val="0"/>
               </a:spcBef>
@@ -459,7 +472,7 @@
               <a:buChar char="●"/>
               <a:defRPr sz="1100"/>
             </a:lvl7pPr>
-            <a:lvl8pPr indent="-298450" lvl="7" marL="3657600">
+            <a:lvl8pPr marL="3657600" lvl="7" indent="-298450">
               <a:spcBef>
                 <a:spcPts val="0"/>
               </a:spcBef>
@@ -470,7 +483,7 @@
               <a:buChar char="○"/>
               <a:defRPr sz="1100"/>
             </a:lvl8pPr>
-            <a:lvl9pPr indent="-298450" lvl="8" marL="4114800">
+            <a:lvl9pPr marL="4114800" lvl="8" indent="-298450">
               <a:spcBef>
                 <a:spcPts val="0"/>
               </a:spcBef>
@@ -482,14 +495,16 @@
               <a:defRPr sz="1100"/>
             </a:lvl9pPr>
           </a:lstStyle>
-          <a:p/>
+          <a:p>
+            <a:endParaRPr/>
+          </a:p>
         </p:txBody>
       </p:sp>
     </p:spTree>
   </p:cSld>
-  <p:clrMap accent1="accent1" accent2="accent2" accent3="accent3" accent4="accent4" accent5="accent5" accent6="accent6" bg1="lt1" bg2="dk2" tx1="dk1" tx2="lt2" folHlink="folHlink" hlink="hlink"/>
+  <p:clrMap bg1="lt1" tx1="dk1" bg2="dk2" tx2="lt2" accent1="accent1" accent2="accent2" accent3="accent3" accent4="accent4" accent5="accent5" accent6="accent6" hlink="hlink" folHlink="folHlink"/>
   <p:notesStyle>
-    <a:defPPr lvl="0" marR="0" rtl="0" algn="l">
+    <a:defPPr marR="0" lvl="0" algn="l" rtl="0">
       <a:lnSpc>
         <a:spcPct val="100000"/>
       </a:lnSpc>
@@ -500,7 +515,7 @@
         <a:spcPts val="0"/>
       </a:spcAft>
     </a:defPPr>
-    <a:lvl1pPr lvl="0" marR="0" rtl="0" algn="l">
+    <a:lvl1pPr marR="0" lvl="0" algn="l" rtl="0">
       <a:lnSpc>
         <a:spcPct val="100000"/>
       </a:lnSpc>
@@ -514,7 +529,7 @@
         <a:srgbClr val="000000"/>
       </a:buClr>
       <a:buFont typeface="Arial"/>
-      <a:defRPr b="0" i="0" sz="1400" u="none" cap="none" strike="noStrike">
+      <a:defRPr sz="1400" b="0" i="0" u="none" strike="noStrike" cap="none">
         <a:solidFill>
           <a:srgbClr val="000000"/>
         </a:solidFill>
@@ -524,7 +539,7 @@
         <a:sym typeface="Arial"/>
       </a:defRPr>
     </a:lvl1pPr>
-    <a:lvl2pPr lvl="1" marR="0" rtl="0" algn="l">
+    <a:lvl2pPr marR="0" lvl="1" algn="l" rtl="0">
       <a:lnSpc>
         <a:spcPct val="100000"/>
       </a:lnSpc>
@@ -538,7 +553,7 @@
         <a:srgbClr val="000000"/>
       </a:buClr>
       <a:buFont typeface="Arial"/>
-      <a:defRPr b="0" i="0" sz="1400" u="none" cap="none" strike="noStrike">
+      <a:defRPr sz="1400" b="0" i="0" u="none" strike="noStrike" cap="none">
         <a:solidFill>
           <a:srgbClr val="000000"/>
         </a:solidFill>
@@ -548,7 +563,7 @@
         <a:sym typeface="Arial"/>
       </a:defRPr>
     </a:lvl2pPr>
-    <a:lvl3pPr lvl="2" marR="0" rtl="0" algn="l">
+    <a:lvl3pPr marR="0" lvl="2" algn="l" rtl="0">
       <a:lnSpc>
         <a:spcPct val="100000"/>
       </a:lnSpc>
@@ -562,7 +577,7 @@
         <a:srgbClr val="000000"/>
       </a:buClr>
       <a:buFont typeface="Arial"/>
-      <a:defRPr b="0" i="0" sz="1400" u="none" cap="none" strike="noStrike">
+      <a:defRPr sz="1400" b="0" i="0" u="none" strike="noStrike" cap="none">
         <a:solidFill>
           <a:srgbClr val="000000"/>
         </a:solidFill>
@@ -572,7 +587,7 @@
         <a:sym typeface="Arial"/>
       </a:defRPr>
     </a:lvl3pPr>
-    <a:lvl4pPr lvl="3" marR="0" rtl="0" algn="l">
+    <a:lvl4pPr marR="0" lvl="3" algn="l" rtl="0">
       <a:lnSpc>
         <a:spcPct val="100000"/>
       </a:lnSpc>
@@ -586,7 +601,7 @@
         <a:srgbClr val="000000"/>
       </a:buClr>
       <a:buFont typeface="Arial"/>
-      <a:defRPr b="0" i="0" sz="1400" u="none" cap="none" strike="noStrike">
+      <a:defRPr sz="1400" b="0" i="0" u="none" strike="noStrike" cap="none">
         <a:solidFill>
           <a:srgbClr val="000000"/>
         </a:solidFill>
@@ -596,7 +611,7 @@
         <a:sym typeface="Arial"/>
       </a:defRPr>
     </a:lvl4pPr>
-    <a:lvl5pPr lvl="4" marR="0" rtl="0" algn="l">
+    <a:lvl5pPr marR="0" lvl="4" algn="l" rtl="0">
       <a:lnSpc>
         <a:spcPct val="100000"/>
       </a:lnSpc>
@@ -610,7 +625,7 @@
         <a:srgbClr val="000000"/>
       </a:buClr>
       <a:buFont typeface="Arial"/>
-      <a:defRPr b="0" i="0" sz="1400" u="none" cap="none" strike="noStrike">
+      <a:defRPr sz="1400" b="0" i="0" u="none" strike="noStrike" cap="none">
         <a:solidFill>
           <a:srgbClr val="000000"/>
         </a:solidFill>
@@ -620,7 +635,7 @@
         <a:sym typeface="Arial"/>
       </a:defRPr>
     </a:lvl5pPr>
-    <a:lvl6pPr lvl="5" marR="0" rtl="0" algn="l">
+    <a:lvl6pPr marR="0" lvl="5" algn="l" rtl="0">
       <a:lnSpc>
         <a:spcPct val="100000"/>
       </a:lnSpc>
@@ -634,7 +649,7 @@
         <a:srgbClr val="000000"/>
       </a:buClr>
       <a:buFont typeface="Arial"/>
-      <a:defRPr b="0" i="0" sz="1400" u="none" cap="none" strike="noStrike">
+      <a:defRPr sz="1400" b="0" i="0" u="none" strike="noStrike" cap="none">
         <a:solidFill>
           <a:srgbClr val="000000"/>
         </a:solidFill>
@@ -644,7 +659,7 @@
         <a:sym typeface="Arial"/>
       </a:defRPr>
     </a:lvl6pPr>
-    <a:lvl7pPr lvl="6" marR="0" rtl="0" algn="l">
+    <a:lvl7pPr marR="0" lvl="6" algn="l" rtl="0">
       <a:lnSpc>
         <a:spcPct val="100000"/>
       </a:lnSpc>
@@ -658,7 +673,7 @@
         <a:srgbClr val="000000"/>
       </a:buClr>
       <a:buFont typeface="Arial"/>
-      <a:defRPr b="0" i="0" sz="1400" u="none" cap="none" strike="noStrike">
+      <a:defRPr sz="1400" b="0" i="0" u="none" strike="noStrike" cap="none">
         <a:solidFill>
           <a:srgbClr val="000000"/>
         </a:solidFill>
@@ -668,7 +683,7 @@
         <a:sym typeface="Arial"/>
       </a:defRPr>
     </a:lvl7pPr>
-    <a:lvl8pPr lvl="7" marR="0" rtl="0" algn="l">
+    <a:lvl8pPr marR="0" lvl="7" algn="l" rtl="0">
       <a:lnSpc>
         <a:spcPct val="100000"/>
       </a:lnSpc>
@@ -682,7 +697,7 @@
         <a:srgbClr val="000000"/>
       </a:buClr>
       <a:buFont typeface="Arial"/>
-      <a:defRPr b="0" i="0" sz="1400" u="none" cap="none" strike="noStrike">
+      <a:defRPr sz="1400" b="0" i="0" u="none" strike="noStrike" cap="none">
         <a:solidFill>
           <a:srgbClr val="000000"/>
         </a:solidFill>
@@ -692,7 +707,7 @@
         <a:sym typeface="Arial"/>
       </a:defRPr>
     </a:lvl8pPr>
-    <a:lvl9pPr lvl="8" marR="0" rtl="0" algn="l">
+    <a:lvl9pPr marR="0" lvl="8" algn="l" rtl="0">
       <a:lnSpc>
         <a:spcPct val="100000"/>
       </a:lnSpc>
@@ -706,7 +721,7 @@
         <a:srgbClr val="000000"/>
       </a:buClr>
       <a:buFont typeface="Arial"/>
-      <a:defRPr b="0" i="0" sz="1400" u="none" cap="none" strike="noStrike">
+      <a:defRPr sz="1400" b="0" i="0" u="none" strike="noStrike" cap="none">
         <a:solidFill>
           <a:srgbClr val="000000"/>
         </a:solidFill>
@@ -721,11 +736,11 @@
 </file>
 
 <file path=ppt/notesSlides/notesSlide1.xml><?xml version="1.0" encoding="utf-8"?>
-<p:notes xmlns:a="http://schemas.openxmlformats.org/drawingml/2006/main" xmlns:r="http://schemas.openxmlformats.org/officeDocument/2006/relationships" xmlns:mc="http://schemas.openxmlformats.org/markup-compatibility/2006" xmlns:mv="urn:schemas-microsoft-com:mac:vml" xmlns:p="http://schemas.openxmlformats.org/presentationml/2006/main" xmlns:c="http://schemas.openxmlformats.org/drawingml/2006/chart" xmlns:dgm="http://schemas.openxmlformats.org/drawingml/2006/diagram" xmlns:o="urn:schemas-microsoft-com:office:office" xmlns:v="urn:schemas-microsoft-com:vml" xmlns:pvml="urn:schemas-microsoft-com:office:powerpoint" xmlns:com="http://schemas.openxmlformats.org/drawingml/2006/compatibility" xmlns:p14="http://schemas.microsoft.com/office/powerpoint/2010/main" xmlns:p15="http://schemas.microsoft.com/office/powerpoint/2012/main" xmlns:ahyp="http://schemas.microsoft.com/office/drawing/2018/hyperlinkcolor" showMasterPhAnim="0" showMasterSp="0">
+<p:notes xmlns:a="http://schemas.openxmlformats.org/drawingml/2006/main" xmlns:r="http://schemas.openxmlformats.org/officeDocument/2006/relationships" xmlns:p="http://schemas.openxmlformats.org/presentationml/2006/main" showMasterSp="0" showMasterPhAnim="0">
   <p:cSld>
     <p:spTree>
       <p:nvGrpSpPr>
-        <p:cNvPr id="58" name="Shape 58"/>
+        <p:cNvPr id="1" name="Shape 58"/>
         <p:cNvGrpSpPr/>
         <p:nvPr/>
       </p:nvGrpSpPr>
@@ -740,20 +755,26 @@
       <p:sp>
         <p:nvSpPr>
           <p:cNvPr id="59" name="Google Shape;59;gda7a18c69e_1_28:notes"/>
-          <p:cNvSpPr/>
+          <p:cNvSpPr>
+            <a:spLocks noGrp="1" noRot="1" noChangeAspect="1"/>
+          </p:cNvSpPr>
           <p:nvPr>
-            <p:ph idx="2" type="sldImg"/>
+            <p:ph type="sldImg" idx="2"/>
           </p:nvPr>
         </p:nvSpPr>
         <p:spPr>
           <a:xfrm>
-            <a:off x="381300" y="685800"/>
+            <a:off x="381000" y="685800"/>
             <a:ext cx="6096000" cy="3429000"/>
           </a:xfrm>
           <a:custGeom>
-            <a:rect b="b" l="l" r="r" t="t"/>
+            <a:avLst/>
+            <a:gdLst/>
+            <a:ahLst/>
+            <a:cxnLst/>
+            <a:rect l="l" t="t" r="r" b="b"/>
             <a:pathLst>
-              <a:path extrusionOk="0" h="120000" w="120000">
+              <a:path w="120000" h="120000" extrusionOk="0">
                 <a:moveTo>
                   <a:pt x="0" y="0"/>
                 </a:moveTo>
@@ -775,9 +796,11 @@
       <p:sp>
         <p:nvSpPr>
           <p:cNvPr id="60" name="Google Shape;60;gda7a18c69e_1_28:notes"/>
-          <p:cNvSpPr txBox="1"/>
+          <p:cNvSpPr txBox="1">
+            <a:spLocks noGrp="1"/>
+          </p:cNvSpPr>
           <p:nvPr>
-            <p:ph idx="1" type="body"/>
+            <p:ph type="body" idx="1"/>
           </p:nvPr>
         </p:nvSpPr>
         <p:spPr>
@@ -790,12 +813,12 @@
           </a:prstGeom>
         </p:spPr>
         <p:txBody>
-          <a:bodyPr anchorCtr="0" anchor="t" bIns="91425" lIns="91425" spcFirstLastPara="1" rIns="91425" wrap="square" tIns="91425">
+          <a:bodyPr spcFirstLastPara="1" wrap="square" lIns="91425" tIns="91425" rIns="91425" bIns="91425" anchor="t" anchorCtr="0">
             <a:noAutofit/>
           </a:bodyPr>
           <a:lstStyle/>
           <a:p>
-            <a:pPr indent="0" lvl="0" marL="0" rtl="0" algn="l">
+            <a:pPr marL="0" lvl="0" indent="0" algn="l" rtl="0">
               <a:spcBef>
                 <a:spcPts val="0"/>
               </a:spcBef>
@@ -804,9 +827,6 @@
               </a:spcAft>
               <a:buNone/>
             </a:pPr>
-            <a:r>
-              <a:t/>
-            </a:r>
             <a:endParaRPr/>
           </a:p>
         </p:txBody>
@@ -820,11 +840,11 @@
 </file>
 
 <file path=ppt/notesSlides/notesSlide10.xml><?xml version="1.0" encoding="utf-8"?>
-<p:notes xmlns:a="http://schemas.openxmlformats.org/drawingml/2006/main" xmlns:r="http://schemas.openxmlformats.org/officeDocument/2006/relationships" xmlns:mc="http://schemas.openxmlformats.org/markup-compatibility/2006" xmlns:mv="urn:schemas-microsoft-com:mac:vml" xmlns:p="http://schemas.openxmlformats.org/presentationml/2006/main" xmlns:c="http://schemas.openxmlformats.org/drawingml/2006/chart" xmlns:dgm="http://schemas.openxmlformats.org/drawingml/2006/diagram" xmlns:o="urn:schemas-microsoft-com:office:office" xmlns:v="urn:schemas-microsoft-com:vml" xmlns:pvml="urn:schemas-microsoft-com:office:powerpoint" xmlns:com="http://schemas.openxmlformats.org/drawingml/2006/compatibility" xmlns:p14="http://schemas.microsoft.com/office/powerpoint/2010/main" xmlns:p15="http://schemas.microsoft.com/office/powerpoint/2012/main" xmlns:ahyp="http://schemas.microsoft.com/office/drawing/2018/hyperlinkcolor" showMasterPhAnim="0" showMasterSp="0">
+<p:notes xmlns:a="http://schemas.openxmlformats.org/drawingml/2006/main" xmlns:r="http://schemas.openxmlformats.org/officeDocument/2006/relationships" xmlns:p="http://schemas.openxmlformats.org/presentationml/2006/main" showMasterSp="0" showMasterPhAnim="0">
   <p:cSld>
     <p:spTree>
       <p:nvGrpSpPr>
-        <p:cNvPr id="129" name="Shape 129"/>
+        <p:cNvPr id="1" name="Shape 129"/>
         <p:cNvGrpSpPr/>
         <p:nvPr/>
       </p:nvGrpSpPr>
@@ -839,20 +859,26 @@
       <p:sp>
         <p:nvSpPr>
           <p:cNvPr id="130" name="Google Shape;130;gdb69d6b7fc_1_6:notes"/>
-          <p:cNvSpPr/>
+          <p:cNvSpPr>
+            <a:spLocks noGrp="1" noRot="1" noChangeAspect="1"/>
+          </p:cNvSpPr>
           <p:nvPr>
-            <p:ph idx="2" type="sldImg"/>
+            <p:ph type="sldImg" idx="2"/>
           </p:nvPr>
         </p:nvSpPr>
         <p:spPr>
           <a:xfrm>
-            <a:off x="381300" y="685800"/>
+            <a:off x="381000" y="685800"/>
             <a:ext cx="6096000" cy="3429000"/>
           </a:xfrm>
           <a:custGeom>
-            <a:rect b="b" l="l" r="r" t="t"/>
+            <a:avLst/>
+            <a:gdLst/>
+            <a:ahLst/>
+            <a:cxnLst/>
+            <a:rect l="l" t="t" r="r" b="b"/>
             <a:pathLst>
-              <a:path extrusionOk="0" h="120000" w="120000">
+              <a:path w="120000" h="120000" extrusionOk="0">
                 <a:moveTo>
                   <a:pt x="0" y="0"/>
                 </a:moveTo>
@@ -874,9 +900,11 @@
       <p:sp>
         <p:nvSpPr>
           <p:cNvPr id="131" name="Google Shape;131;gdb69d6b7fc_1_6:notes"/>
-          <p:cNvSpPr txBox="1"/>
+          <p:cNvSpPr txBox="1">
+            <a:spLocks noGrp="1"/>
+          </p:cNvSpPr>
           <p:nvPr>
-            <p:ph idx="1" type="body"/>
+            <p:ph type="body" idx="1"/>
           </p:nvPr>
         </p:nvSpPr>
         <p:spPr>
@@ -889,12 +917,12 @@
           </a:prstGeom>
         </p:spPr>
         <p:txBody>
-          <a:bodyPr anchorCtr="0" anchor="t" bIns="91425" lIns="91425" spcFirstLastPara="1" rIns="91425" wrap="square" tIns="91425">
+          <a:bodyPr spcFirstLastPara="1" wrap="square" lIns="91425" tIns="91425" rIns="91425" bIns="91425" anchor="t" anchorCtr="0">
             <a:noAutofit/>
           </a:bodyPr>
           <a:lstStyle/>
           <a:p>
-            <a:pPr indent="0" lvl="0" marL="0" rtl="0" algn="l">
+            <a:pPr marL="0" lvl="0" indent="0" algn="l" rtl="0">
               <a:spcBef>
                 <a:spcPts val="0"/>
               </a:spcBef>
@@ -903,9 +931,6 @@
               </a:spcAft>
               <a:buNone/>
             </a:pPr>
-            <a:r>
-              <a:t/>
-            </a:r>
             <a:endParaRPr/>
           </a:p>
         </p:txBody>
@@ -919,11 +944,11 @@
 </file>
 
 <file path=ppt/notesSlides/notesSlide11.xml><?xml version="1.0" encoding="utf-8"?>
-<p:notes xmlns:a="http://schemas.openxmlformats.org/drawingml/2006/main" xmlns:r="http://schemas.openxmlformats.org/officeDocument/2006/relationships" xmlns:mc="http://schemas.openxmlformats.org/markup-compatibility/2006" xmlns:mv="urn:schemas-microsoft-com:mac:vml" xmlns:p="http://schemas.openxmlformats.org/presentationml/2006/main" xmlns:c="http://schemas.openxmlformats.org/drawingml/2006/chart" xmlns:dgm="http://schemas.openxmlformats.org/drawingml/2006/diagram" xmlns:o="urn:schemas-microsoft-com:office:office" xmlns:v="urn:schemas-microsoft-com:vml" xmlns:pvml="urn:schemas-microsoft-com:office:powerpoint" xmlns:com="http://schemas.openxmlformats.org/drawingml/2006/compatibility" xmlns:p14="http://schemas.microsoft.com/office/powerpoint/2010/main" xmlns:p15="http://schemas.microsoft.com/office/powerpoint/2012/main" xmlns:ahyp="http://schemas.microsoft.com/office/drawing/2018/hyperlinkcolor" showMasterPhAnim="0" showMasterSp="0">
+<p:notes xmlns:a="http://schemas.openxmlformats.org/drawingml/2006/main" xmlns:r="http://schemas.openxmlformats.org/officeDocument/2006/relationships" xmlns:p="http://schemas.openxmlformats.org/presentationml/2006/main" showMasterSp="0" showMasterPhAnim="0">
   <p:cSld>
     <p:spTree>
       <p:nvGrpSpPr>
-        <p:cNvPr id="141" name="Shape 141"/>
+        <p:cNvPr id="1" name="Shape 141"/>
         <p:cNvGrpSpPr/>
         <p:nvPr/>
       </p:nvGrpSpPr>
@@ -938,20 +963,26 @@
       <p:sp>
         <p:nvSpPr>
           <p:cNvPr id="142" name="Google Shape;142;gd990b60af0_2_2:notes"/>
-          <p:cNvSpPr/>
+          <p:cNvSpPr>
+            <a:spLocks noGrp="1" noRot="1" noChangeAspect="1"/>
+          </p:cNvSpPr>
           <p:nvPr>
-            <p:ph idx="2" type="sldImg"/>
+            <p:ph type="sldImg" idx="2"/>
           </p:nvPr>
         </p:nvSpPr>
         <p:spPr>
           <a:xfrm>
-            <a:off x="381300" y="685800"/>
+            <a:off x="381000" y="685800"/>
             <a:ext cx="6096000" cy="3429000"/>
           </a:xfrm>
           <a:custGeom>
-            <a:rect b="b" l="l" r="r" t="t"/>
+            <a:avLst/>
+            <a:gdLst/>
+            <a:ahLst/>
+            <a:cxnLst/>
+            <a:rect l="l" t="t" r="r" b="b"/>
             <a:pathLst>
-              <a:path extrusionOk="0" h="120000" w="120000">
+              <a:path w="120000" h="120000" extrusionOk="0">
                 <a:moveTo>
                   <a:pt x="0" y="0"/>
                 </a:moveTo>
@@ -973,9 +1004,11 @@
       <p:sp>
         <p:nvSpPr>
           <p:cNvPr id="143" name="Google Shape;143;gd990b60af0_2_2:notes"/>
-          <p:cNvSpPr txBox="1"/>
+          <p:cNvSpPr txBox="1">
+            <a:spLocks noGrp="1"/>
+          </p:cNvSpPr>
           <p:nvPr>
-            <p:ph idx="1" type="body"/>
+            <p:ph type="body" idx="1"/>
           </p:nvPr>
         </p:nvSpPr>
         <p:spPr>
@@ -988,12 +1021,12 @@
           </a:prstGeom>
         </p:spPr>
         <p:txBody>
-          <a:bodyPr anchorCtr="0" anchor="t" bIns="91425" lIns="91425" spcFirstLastPara="1" rIns="91425" wrap="square" tIns="91425">
+          <a:bodyPr spcFirstLastPara="1" wrap="square" lIns="91425" tIns="91425" rIns="91425" bIns="91425" anchor="t" anchorCtr="0">
             <a:noAutofit/>
           </a:bodyPr>
           <a:lstStyle/>
           <a:p>
-            <a:pPr indent="0" lvl="0" marL="0" rtl="0" algn="l">
+            <a:pPr marL="0" lvl="0" indent="0" algn="l" rtl="0">
               <a:spcBef>
                 <a:spcPts val="0"/>
               </a:spcBef>
@@ -1002,13 +1035,10 @@
               </a:spcAft>
               <a:buNone/>
             </a:pPr>
-            <a:r>
-              <a:t/>
-            </a:r>
             <a:endParaRPr/>
           </a:p>
           <a:p>
-            <a:pPr indent="0" lvl="0" marL="0" rtl="0" algn="l">
+            <a:pPr marL="0" lvl="0" indent="0" algn="l" rtl="0">
               <a:spcBef>
                 <a:spcPts val="0"/>
               </a:spcBef>
@@ -1017,9 +1047,6 @@
               </a:spcAft>
               <a:buNone/>
             </a:pPr>
-            <a:r>
-              <a:t/>
-            </a:r>
             <a:endParaRPr/>
           </a:p>
         </p:txBody>
@@ -1033,11 +1060,11 @@
 </file>
 
 <file path=ppt/notesSlides/notesSlide12.xml><?xml version="1.0" encoding="utf-8"?>
-<p:notes xmlns:a="http://schemas.openxmlformats.org/drawingml/2006/main" xmlns:r="http://schemas.openxmlformats.org/officeDocument/2006/relationships" xmlns:mc="http://schemas.openxmlformats.org/markup-compatibility/2006" xmlns:mv="urn:schemas-microsoft-com:mac:vml" xmlns:p="http://schemas.openxmlformats.org/presentationml/2006/main" xmlns:c="http://schemas.openxmlformats.org/drawingml/2006/chart" xmlns:dgm="http://schemas.openxmlformats.org/drawingml/2006/diagram" xmlns:o="urn:schemas-microsoft-com:office:office" xmlns:v="urn:schemas-microsoft-com:vml" xmlns:pvml="urn:schemas-microsoft-com:office:powerpoint" xmlns:com="http://schemas.openxmlformats.org/drawingml/2006/compatibility" xmlns:p14="http://schemas.microsoft.com/office/powerpoint/2010/main" xmlns:p15="http://schemas.microsoft.com/office/powerpoint/2012/main" xmlns:ahyp="http://schemas.microsoft.com/office/drawing/2018/hyperlinkcolor" showMasterPhAnim="0" showMasterSp="0">
+<p:notes xmlns:a="http://schemas.openxmlformats.org/drawingml/2006/main" xmlns:r="http://schemas.openxmlformats.org/officeDocument/2006/relationships" xmlns:p="http://schemas.openxmlformats.org/presentationml/2006/main" showMasterSp="0" showMasterPhAnim="0">
   <p:cSld>
     <p:spTree>
       <p:nvGrpSpPr>
-        <p:cNvPr id="147" name="Shape 147"/>
+        <p:cNvPr id="1" name="Shape 147"/>
         <p:cNvGrpSpPr/>
         <p:nvPr/>
       </p:nvGrpSpPr>
@@ -1052,20 +1079,26 @@
       <p:sp>
         <p:nvSpPr>
           <p:cNvPr id="148" name="Google Shape;148;gd990b60af0_0_0:notes"/>
-          <p:cNvSpPr/>
+          <p:cNvSpPr>
+            <a:spLocks noGrp="1" noRot="1" noChangeAspect="1"/>
+          </p:cNvSpPr>
           <p:nvPr>
-            <p:ph idx="2" type="sldImg"/>
+            <p:ph type="sldImg" idx="2"/>
           </p:nvPr>
         </p:nvSpPr>
         <p:spPr>
           <a:xfrm>
-            <a:off x="381300" y="685800"/>
+            <a:off x="381000" y="685800"/>
             <a:ext cx="6096000" cy="3429000"/>
           </a:xfrm>
           <a:custGeom>
-            <a:rect b="b" l="l" r="r" t="t"/>
+            <a:avLst/>
+            <a:gdLst/>
+            <a:ahLst/>
+            <a:cxnLst/>
+            <a:rect l="l" t="t" r="r" b="b"/>
             <a:pathLst>
-              <a:path extrusionOk="0" h="120000" w="120000">
+              <a:path w="120000" h="120000" extrusionOk="0">
                 <a:moveTo>
                   <a:pt x="0" y="0"/>
                 </a:moveTo>
@@ -1087,9 +1120,11 @@
       <p:sp>
         <p:nvSpPr>
           <p:cNvPr id="149" name="Google Shape;149;gd990b60af0_0_0:notes"/>
-          <p:cNvSpPr txBox="1"/>
+          <p:cNvSpPr txBox="1">
+            <a:spLocks noGrp="1"/>
+          </p:cNvSpPr>
           <p:nvPr>
-            <p:ph idx="1" type="body"/>
+            <p:ph type="body" idx="1"/>
           </p:nvPr>
         </p:nvSpPr>
         <p:spPr>
@@ -1102,12 +1137,12 @@
           </a:prstGeom>
         </p:spPr>
         <p:txBody>
-          <a:bodyPr anchorCtr="0" anchor="t" bIns="91425" lIns="91425" spcFirstLastPara="1" rIns="91425" wrap="square" tIns="91425">
+          <a:bodyPr spcFirstLastPara="1" wrap="square" lIns="91425" tIns="91425" rIns="91425" bIns="91425" anchor="t" anchorCtr="0">
             <a:noAutofit/>
           </a:bodyPr>
           <a:lstStyle/>
           <a:p>
-            <a:pPr indent="0" lvl="0" marL="0" rtl="0" algn="l">
+            <a:pPr marL="0" lvl="0" indent="0" algn="l" rtl="0">
               <a:spcBef>
                 <a:spcPts val="0"/>
               </a:spcBef>
@@ -1116,9 +1151,6 @@
               </a:spcAft>
               <a:buNone/>
             </a:pPr>
-            <a:r>
-              <a:t/>
-            </a:r>
             <a:endParaRPr/>
           </a:p>
         </p:txBody>
@@ -1132,11 +1164,11 @@
 </file>
 
 <file path=ppt/notesSlides/notesSlide2.xml><?xml version="1.0" encoding="utf-8"?>
-<p:notes xmlns:a="http://schemas.openxmlformats.org/drawingml/2006/main" xmlns:r="http://schemas.openxmlformats.org/officeDocument/2006/relationships" xmlns:mc="http://schemas.openxmlformats.org/markup-compatibility/2006" xmlns:mv="urn:schemas-microsoft-com:mac:vml" xmlns:p="http://schemas.openxmlformats.org/presentationml/2006/main" xmlns:c="http://schemas.openxmlformats.org/drawingml/2006/chart" xmlns:dgm="http://schemas.openxmlformats.org/drawingml/2006/diagram" xmlns:o="urn:schemas-microsoft-com:office:office" xmlns:v="urn:schemas-microsoft-com:vml" xmlns:pvml="urn:schemas-microsoft-com:office:powerpoint" xmlns:com="http://schemas.openxmlformats.org/drawingml/2006/compatibility" xmlns:p14="http://schemas.microsoft.com/office/powerpoint/2010/main" xmlns:p15="http://schemas.microsoft.com/office/powerpoint/2012/main" xmlns:ahyp="http://schemas.microsoft.com/office/drawing/2018/hyperlinkcolor" showMasterPhAnim="0" showMasterSp="0">
+<p:notes xmlns:a="http://schemas.openxmlformats.org/drawingml/2006/main" xmlns:r="http://schemas.openxmlformats.org/officeDocument/2006/relationships" xmlns:p="http://schemas.openxmlformats.org/presentationml/2006/main" showMasterSp="0" showMasterPhAnim="0">
   <p:cSld>
     <p:spTree>
       <p:nvGrpSpPr>
-        <p:cNvPr id="66" name="Shape 66"/>
+        <p:cNvPr id="1" name="Shape 66"/>
         <p:cNvGrpSpPr/>
         <p:nvPr/>
       </p:nvGrpSpPr>
@@ -1151,20 +1183,26 @@
       <p:sp>
         <p:nvSpPr>
           <p:cNvPr id="67" name="Google Shape;67;p:notes"/>
-          <p:cNvSpPr/>
+          <p:cNvSpPr>
+            <a:spLocks noGrp="1" noRot="1" noChangeAspect="1"/>
+          </p:cNvSpPr>
           <p:nvPr>
-            <p:ph idx="2" type="sldImg"/>
+            <p:ph type="sldImg" idx="2"/>
           </p:nvPr>
         </p:nvSpPr>
         <p:spPr>
           <a:xfrm>
-            <a:off x="381300" y="685800"/>
-            <a:ext cx="6096075" cy="3429000"/>
+            <a:off x="381000" y="685800"/>
+            <a:ext cx="6096000" cy="3429000"/>
           </a:xfrm>
           <a:custGeom>
-            <a:rect b="b" l="l" r="r" t="t"/>
+            <a:avLst/>
+            <a:gdLst/>
+            <a:ahLst/>
+            <a:cxnLst/>
+            <a:rect l="l" t="t" r="r" b="b"/>
             <a:pathLst>
-              <a:path extrusionOk="0" h="120000" w="120000">
+              <a:path w="120000" h="120000" extrusionOk="0">
                 <a:moveTo>
                   <a:pt x="0" y="0"/>
                 </a:moveTo>
@@ -1186,9 +1224,11 @@
       <p:sp>
         <p:nvSpPr>
           <p:cNvPr id="68" name="Google Shape;68;p:notes"/>
-          <p:cNvSpPr txBox="1"/>
+          <p:cNvSpPr txBox="1">
+            <a:spLocks noGrp="1"/>
+          </p:cNvSpPr>
           <p:nvPr>
-            <p:ph idx="1" type="body"/>
+            <p:ph type="body" idx="1"/>
           </p:nvPr>
         </p:nvSpPr>
         <p:spPr>
@@ -1201,12 +1241,12 @@
           </a:prstGeom>
         </p:spPr>
         <p:txBody>
-          <a:bodyPr anchorCtr="0" anchor="t" bIns="91425" lIns="91425" spcFirstLastPara="1" rIns="91425" wrap="square" tIns="91425">
+          <a:bodyPr spcFirstLastPara="1" wrap="square" lIns="91425" tIns="91425" rIns="91425" bIns="91425" anchor="t" anchorCtr="0">
             <a:noAutofit/>
           </a:bodyPr>
           <a:lstStyle/>
           <a:p>
-            <a:pPr indent="0" lvl="0" marL="0" rtl="0" algn="l">
+            <a:pPr marL="0" lvl="0" indent="0" algn="l" rtl="0">
               <a:spcBef>
                 <a:spcPts val="0"/>
               </a:spcBef>
@@ -1215,9 +1255,6 @@
               </a:spcAft>
               <a:buNone/>
             </a:pPr>
-            <a:r>
-              <a:t/>
-            </a:r>
             <a:endParaRPr/>
           </a:p>
         </p:txBody>
@@ -1231,11 +1268,11 @@
 </file>
 
 <file path=ppt/notesSlides/notesSlide3.xml><?xml version="1.0" encoding="utf-8"?>
-<p:notes xmlns:a="http://schemas.openxmlformats.org/drawingml/2006/main" xmlns:r="http://schemas.openxmlformats.org/officeDocument/2006/relationships" xmlns:mc="http://schemas.openxmlformats.org/markup-compatibility/2006" xmlns:mv="urn:schemas-microsoft-com:mac:vml" xmlns:p="http://schemas.openxmlformats.org/presentationml/2006/main" xmlns:c="http://schemas.openxmlformats.org/drawingml/2006/chart" xmlns:dgm="http://schemas.openxmlformats.org/drawingml/2006/diagram" xmlns:o="urn:schemas-microsoft-com:office:office" xmlns:v="urn:schemas-microsoft-com:vml" xmlns:pvml="urn:schemas-microsoft-com:office:powerpoint" xmlns:com="http://schemas.openxmlformats.org/drawingml/2006/compatibility" xmlns:p14="http://schemas.microsoft.com/office/powerpoint/2010/main" xmlns:p15="http://schemas.microsoft.com/office/powerpoint/2012/main" xmlns:ahyp="http://schemas.microsoft.com/office/drawing/2018/hyperlinkcolor" showMasterPhAnim="0" showMasterSp="0">
+<p:notes xmlns:a="http://schemas.openxmlformats.org/drawingml/2006/main" xmlns:r="http://schemas.openxmlformats.org/officeDocument/2006/relationships" xmlns:p="http://schemas.openxmlformats.org/presentationml/2006/main" showMasterSp="0" showMasterPhAnim="0">
   <p:cSld>
     <p:spTree>
       <p:nvGrpSpPr>
-        <p:cNvPr id="72" name="Shape 72"/>
+        <p:cNvPr id="1" name="Shape 72"/>
         <p:cNvGrpSpPr/>
         <p:nvPr/>
       </p:nvGrpSpPr>
@@ -1250,20 +1287,26 @@
       <p:sp>
         <p:nvSpPr>
           <p:cNvPr id="73" name="Google Shape;73;gd0b47f5ee7_3_0:notes"/>
-          <p:cNvSpPr/>
+          <p:cNvSpPr>
+            <a:spLocks noGrp="1" noRot="1" noChangeAspect="1"/>
+          </p:cNvSpPr>
           <p:nvPr>
-            <p:ph idx="2" type="sldImg"/>
+            <p:ph type="sldImg" idx="2"/>
           </p:nvPr>
         </p:nvSpPr>
         <p:spPr>
           <a:xfrm>
-            <a:off x="381300" y="685800"/>
+            <a:off x="381000" y="685800"/>
             <a:ext cx="6096000" cy="3429000"/>
           </a:xfrm>
           <a:custGeom>
-            <a:rect b="b" l="l" r="r" t="t"/>
+            <a:avLst/>
+            <a:gdLst/>
+            <a:ahLst/>
+            <a:cxnLst/>
+            <a:rect l="l" t="t" r="r" b="b"/>
             <a:pathLst>
-              <a:path extrusionOk="0" h="120000" w="120000">
+              <a:path w="120000" h="120000" extrusionOk="0">
                 <a:moveTo>
                   <a:pt x="0" y="0"/>
                 </a:moveTo>
@@ -1285,9 +1328,11 @@
       <p:sp>
         <p:nvSpPr>
           <p:cNvPr id="74" name="Google Shape;74;gd0b47f5ee7_3_0:notes"/>
-          <p:cNvSpPr txBox="1"/>
+          <p:cNvSpPr txBox="1">
+            <a:spLocks noGrp="1"/>
+          </p:cNvSpPr>
           <p:nvPr>
-            <p:ph idx="1" type="body"/>
+            <p:ph type="body" idx="1"/>
           </p:nvPr>
         </p:nvSpPr>
         <p:spPr>
@@ -1300,12 +1345,12 @@
           </a:prstGeom>
         </p:spPr>
         <p:txBody>
-          <a:bodyPr anchorCtr="0" anchor="t" bIns="91425" lIns="91425" spcFirstLastPara="1" rIns="91425" wrap="square" tIns="91425">
+          <a:bodyPr spcFirstLastPara="1" wrap="square" lIns="91425" tIns="91425" rIns="91425" bIns="91425" anchor="t" anchorCtr="0">
             <a:noAutofit/>
           </a:bodyPr>
           <a:lstStyle/>
           <a:p>
-            <a:pPr indent="0" lvl="0" marL="0" rtl="0" algn="l">
+            <a:pPr marL="0" lvl="0" indent="0" algn="l" rtl="0">
               <a:spcBef>
                 <a:spcPts val="0"/>
               </a:spcBef>
@@ -1314,9 +1359,6 @@
               </a:spcAft>
               <a:buNone/>
             </a:pPr>
-            <a:r>
-              <a:t/>
-            </a:r>
             <a:endParaRPr/>
           </a:p>
         </p:txBody>
@@ -1330,11 +1372,11 @@
 </file>
 
 <file path=ppt/notesSlides/notesSlide4.xml><?xml version="1.0" encoding="utf-8"?>
-<p:notes xmlns:a="http://schemas.openxmlformats.org/drawingml/2006/main" xmlns:r="http://schemas.openxmlformats.org/officeDocument/2006/relationships" xmlns:mc="http://schemas.openxmlformats.org/markup-compatibility/2006" xmlns:mv="urn:schemas-microsoft-com:mac:vml" xmlns:p="http://schemas.openxmlformats.org/presentationml/2006/main" xmlns:c="http://schemas.openxmlformats.org/drawingml/2006/chart" xmlns:dgm="http://schemas.openxmlformats.org/drawingml/2006/diagram" xmlns:o="urn:schemas-microsoft-com:office:office" xmlns:v="urn:schemas-microsoft-com:vml" xmlns:pvml="urn:schemas-microsoft-com:office:powerpoint" xmlns:com="http://schemas.openxmlformats.org/drawingml/2006/compatibility" xmlns:p14="http://schemas.microsoft.com/office/powerpoint/2010/main" xmlns:p15="http://schemas.microsoft.com/office/powerpoint/2012/main" xmlns:ahyp="http://schemas.microsoft.com/office/drawing/2018/hyperlinkcolor" showMasterPhAnim="0" showMasterSp="0">
+<p:notes xmlns:a="http://schemas.openxmlformats.org/drawingml/2006/main" xmlns:r="http://schemas.openxmlformats.org/officeDocument/2006/relationships" xmlns:p="http://schemas.openxmlformats.org/presentationml/2006/main" showMasterSp="0" showMasterPhAnim="0">
   <p:cSld>
     <p:spTree>
       <p:nvGrpSpPr>
-        <p:cNvPr id="79" name="Shape 79"/>
+        <p:cNvPr id="1" name="Shape 79"/>
         <p:cNvGrpSpPr/>
         <p:nvPr/>
       </p:nvGrpSpPr>
@@ -1349,20 +1391,26 @@
       <p:sp>
         <p:nvSpPr>
           <p:cNvPr id="80" name="Google Shape;80;gd0b47f5ee7_3_10:notes"/>
-          <p:cNvSpPr/>
+          <p:cNvSpPr>
+            <a:spLocks noGrp="1" noRot="1" noChangeAspect="1"/>
+          </p:cNvSpPr>
           <p:nvPr>
-            <p:ph idx="2" type="sldImg"/>
+            <p:ph type="sldImg" idx="2"/>
           </p:nvPr>
         </p:nvSpPr>
         <p:spPr>
           <a:xfrm>
-            <a:off x="381300" y="685800"/>
+            <a:off x="381000" y="685800"/>
             <a:ext cx="6096000" cy="3429000"/>
           </a:xfrm>
           <a:custGeom>
-            <a:rect b="b" l="l" r="r" t="t"/>
+            <a:avLst/>
+            <a:gdLst/>
+            <a:ahLst/>
+            <a:cxnLst/>
+            <a:rect l="l" t="t" r="r" b="b"/>
             <a:pathLst>
-              <a:path extrusionOk="0" h="120000" w="120000">
+              <a:path w="120000" h="120000" extrusionOk="0">
                 <a:moveTo>
                   <a:pt x="0" y="0"/>
                 </a:moveTo>
@@ -1384,9 +1432,11 @@
       <p:sp>
         <p:nvSpPr>
           <p:cNvPr id="81" name="Google Shape;81;gd0b47f5ee7_3_10:notes"/>
-          <p:cNvSpPr txBox="1"/>
+          <p:cNvSpPr txBox="1">
+            <a:spLocks noGrp="1"/>
+          </p:cNvSpPr>
           <p:nvPr>
-            <p:ph idx="1" type="body"/>
+            <p:ph type="body" idx="1"/>
           </p:nvPr>
         </p:nvSpPr>
         <p:spPr>
@@ -1399,12 +1449,12 @@
           </a:prstGeom>
         </p:spPr>
         <p:txBody>
-          <a:bodyPr anchorCtr="0" anchor="t" bIns="91425" lIns="91425" spcFirstLastPara="1" rIns="91425" wrap="square" tIns="91425">
+          <a:bodyPr spcFirstLastPara="1" wrap="square" lIns="91425" tIns="91425" rIns="91425" bIns="91425" anchor="t" anchorCtr="0">
             <a:noAutofit/>
           </a:bodyPr>
           <a:lstStyle/>
           <a:p>
-            <a:pPr indent="0" lvl="0" marL="0" rtl="0" algn="l">
+            <a:pPr marL="0" lvl="0" indent="0" algn="l" rtl="0">
               <a:spcBef>
                 <a:spcPts val="0"/>
               </a:spcBef>
@@ -1413,9 +1463,6 @@
               </a:spcAft>
               <a:buNone/>
             </a:pPr>
-            <a:r>
-              <a:t/>
-            </a:r>
             <a:endParaRPr/>
           </a:p>
         </p:txBody>
@@ -1429,11 +1476,11 @@
 </file>
 
 <file path=ppt/notesSlides/notesSlide5.xml><?xml version="1.0" encoding="utf-8"?>
-<p:notes xmlns:a="http://schemas.openxmlformats.org/drawingml/2006/main" xmlns:r="http://schemas.openxmlformats.org/officeDocument/2006/relationships" xmlns:mc="http://schemas.openxmlformats.org/markup-compatibility/2006" xmlns:mv="urn:schemas-microsoft-com:mac:vml" xmlns:p="http://schemas.openxmlformats.org/presentationml/2006/main" xmlns:c="http://schemas.openxmlformats.org/drawingml/2006/chart" xmlns:dgm="http://schemas.openxmlformats.org/drawingml/2006/diagram" xmlns:o="urn:schemas-microsoft-com:office:office" xmlns:v="urn:schemas-microsoft-com:vml" xmlns:pvml="urn:schemas-microsoft-com:office:powerpoint" xmlns:com="http://schemas.openxmlformats.org/drawingml/2006/compatibility" xmlns:p14="http://schemas.microsoft.com/office/powerpoint/2010/main" xmlns:p15="http://schemas.microsoft.com/office/powerpoint/2012/main" xmlns:ahyp="http://schemas.microsoft.com/office/drawing/2018/hyperlinkcolor" showMasterPhAnim="0" showMasterSp="0">
+<p:notes xmlns:a="http://schemas.openxmlformats.org/drawingml/2006/main" xmlns:r="http://schemas.openxmlformats.org/officeDocument/2006/relationships" xmlns:p="http://schemas.openxmlformats.org/presentationml/2006/main" showMasterSp="0" showMasterPhAnim="0">
   <p:cSld>
     <p:spTree>
       <p:nvGrpSpPr>
-        <p:cNvPr id="85" name="Shape 85"/>
+        <p:cNvPr id="1" name="Shape 85"/>
         <p:cNvGrpSpPr/>
         <p:nvPr/>
       </p:nvGrpSpPr>
@@ -1448,20 +1495,26 @@
       <p:sp>
         <p:nvSpPr>
           <p:cNvPr id="86" name="Google Shape;86;gda7a18c69e_3_0:notes"/>
-          <p:cNvSpPr/>
+          <p:cNvSpPr>
+            <a:spLocks noGrp="1" noRot="1" noChangeAspect="1"/>
+          </p:cNvSpPr>
           <p:nvPr>
-            <p:ph idx="2" type="sldImg"/>
+            <p:ph type="sldImg" idx="2"/>
           </p:nvPr>
         </p:nvSpPr>
         <p:spPr>
           <a:xfrm>
-            <a:off x="381300" y="685800"/>
+            <a:off x="381000" y="685800"/>
             <a:ext cx="6096000" cy="3429000"/>
           </a:xfrm>
           <a:custGeom>
-            <a:rect b="b" l="l" r="r" t="t"/>
+            <a:avLst/>
+            <a:gdLst/>
+            <a:ahLst/>
+            <a:cxnLst/>
+            <a:rect l="l" t="t" r="r" b="b"/>
             <a:pathLst>
-              <a:path extrusionOk="0" h="120000" w="120000">
+              <a:path w="120000" h="120000" extrusionOk="0">
                 <a:moveTo>
                   <a:pt x="0" y="0"/>
                 </a:moveTo>
@@ -1483,9 +1536,11 @@
       <p:sp>
         <p:nvSpPr>
           <p:cNvPr id="87" name="Google Shape;87;gda7a18c69e_3_0:notes"/>
-          <p:cNvSpPr txBox="1"/>
+          <p:cNvSpPr txBox="1">
+            <a:spLocks noGrp="1"/>
+          </p:cNvSpPr>
           <p:nvPr>
-            <p:ph idx="1" type="body"/>
+            <p:ph type="body" idx="1"/>
           </p:nvPr>
         </p:nvSpPr>
         <p:spPr>
@@ -1498,12 +1553,12 @@
           </a:prstGeom>
         </p:spPr>
         <p:txBody>
-          <a:bodyPr anchorCtr="0" anchor="t" bIns="91425" lIns="91425" spcFirstLastPara="1" rIns="91425" wrap="square" tIns="91425">
+          <a:bodyPr spcFirstLastPara="1" wrap="square" lIns="91425" tIns="91425" rIns="91425" bIns="91425" anchor="t" anchorCtr="0">
             <a:noAutofit/>
           </a:bodyPr>
           <a:lstStyle/>
           <a:p>
-            <a:pPr indent="0" lvl="0" marL="0" rtl="0" algn="l">
+            <a:pPr marL="0" lvl="0" indent="0" algn="l" rtl="0">
               <a:spcBef>
                 <a:spcPts val="0"/>
               </a:spcBef>
@@ -1512,9 +1567,6 @@
               </a:spcAft>
               <a:buNone/>
             </a:pPr>
-            <a:r>
-              <a:t/>
-            </a:r>
             <a:endParaRPr/>
           </a:p>
         </p:txBody>
@@ -1528,11 +1580,11 @@
 </file>
 
 <file path=ppt/notesSlides/notesSlide6.xml><?xml version="1.0" encoding="utf-8"?>
-<p:notes xmlns:a="http://schemas.openxmlformats.org/drawingml/2006/main" xmlns:r="http://schemas.openxmlformats.org/officeDocument/2006/relationships" xmlns:mc="http://schemas.openxmlformats.org/markup-compatibility/2006" xmlns:mv="urn:schemas-microsoft-com:mac:vml" xmlns:p="http://schemas.openxmlformats.org/presentationml/2006/main" xmlns:c="http://schemas.openxmlformats.org/drawingml/2006/chart" xmlns:dgm="http://schemas.openxmlformats.org/drawingml/2006/diagram" xmlns:o="urn:schemas-microsoft-com:office:office" xmlns:v="urn:schemas-microsoft-com:vml" xmlns:pvml="urn:schemas-microsoft-com:office:powerpoint" xmlns:com="http://schemas.openxmlformats.org/drawingml/2006/compatibility" xmlns:p14="http://schemas.microsoft.com/office/powerpoint/2010/main" xmlns:p15="http://schemas.microsoft.com/office/powerpoint/2012/main" xmlns:ahyp="http://schemas.microsoft.com/office/drawing/2018/hyperlinkcolor" showMasterPhAnim="0" showMasterSp="0">
+<p:notes xmlns:a="http://schemas.openxmlformats.org/drawingml/2006/main" xmlns:r="http://schemas.openxmlformats.org/officeDocument/2006/relationships" xmlns:p="http://schemas.openxmlformats.org/presentationml/2006/main" showMasterSp="0" showMasterPhAnim="0">
   <p:cSld>
     <p:spTree>
       <p:nvGrpSpPr>
-        <p:cNvPr id="92" name="Shape 92"/>
+        <p:cNvPr id="1" name="Shape 92"/>
         <p:cNvGrpSpPr/>
         <p:nvPr/>
       </p:nvGrpSpPr>
@@ -1547,20 +1599,26 @@
       <p:sp>
         <p:nvSpPr>
           <p:cNvPr id="93" name="Google Shape;93;gd0b47f5ee7_3_5:notes"/>
-          <p:cNvSpPr/>
+          <p:cNvSpPr>
+            <a:spLocks noGrp="1" noRot="1" noChangeAspect="1"/>
+          </p:cNvSpPr>
           <p:nvPr>
-            <p:ph idx="2" type="sldImg"/>
+            <p:ph type="sldImg" idx="2"/>
           </p:nvPr>
         </p:nvSpPr>
         <p:spPr>
           <a:xfrm>
-            <a:off x="381300" y="685800"/>
+            <a:off x="381000" y="685800"/>
             <a:ext cx="6096000" cy="3429000"/>
           </a:xfrm>
           <a:custGeom>
-            <a:rect b="b" l="l" r="r" t="t"/>
+            <a:avLst/>
+            <a:gdLst/>
+            <a:ahLst/>
+            <a:cxnLst/>
+            <a:rect l="l" t="t" r="r" b="b"/>
             <a:pathLst>
-              <a:path extrusionOk="0" h="120000" w="120000">
+              <a:path w="120000" h="120000" extrusionOk="0">
                 <a:moveTo>
                   <a:pt x="0" y="0"/>
                 </a:moveTo>
@@ -1582,9 +1640,11 @@
       <p:sp>
         <p:nvSpPr>
           <p:cNvPr id="94" name="Google Shape;94;gd0b47f5ee7_3_5:notes"/>
-          <p:cNvSpPr txBox="1"/>
+          <p:cNvSpPr txBox="1">
+            <a:spLocks noGrp="1"/>
+          </p:cNvSpPr>
           <p:nvPr>
-            <p:ph idx="1" type="body"/>
+            <p:ph type="body" idx="1"/>
           </p:nvPr>
         </p:nvSpPr>
         <p:spPr>
@@ -1597,12 +1657,12 @@
           </a:prstGeom>
         </p:spPr>
         <p:txBody>
-          <a:bodyPr anchorCtr="0" anchor="t" bIns="91425" lIns="91425" spcFirstLastPara="1" rIns="91425" wrap="square" tIns="91425">
+          <a:bodyPr spcFirstLastPara="1" wrap="square" lIns="91425" tIns="91425" rIns="91425" bIns="91425" anchor="t" anchorCtr="0">
             <a:noAutofit/>
           </a:bodyPr>
           <a:lstStyle/>
           <a:p>
-            <a:pPr indent="0" lvl="0" marL="0" rtl="0" algn="l">
+            <a:pPr marL="0" lvl="0" indent="0" algn="l" rtl="0">
               <a:spcBef>
                 <a:spcPts val="0"/>
               </a:spcBef>
@@ -1611,9 +1671,6 @@
               </a:spcAft>
               <a:buNone/>
             </a:pPr>
-            <a:r>
-              <a:t/>
-            </a:r>
             <a:endParaRPr/>
           </a:p>
         </p:txBody>
@@ -1627,11 +1684,11 @@
 </file>
 
 <file path=ppt/notesSlides/notesSlide7.xml><?xml version="1.0" encoding="utf-8"?>
-<p:notes xmlns:a="http://schemas.openxmlformats.org/drawingml/2006/main" xmlns:r="http://schemas.openxmlformats.org/officeDocument/2006/relationships" xmlns:mc="http://schemas.openxmlformats.org/markup-compatibility/2006" xmlns:mv="urn:schemas-microsoft-com:mac:vml" xmlns:p="http://schemas.openxmlformats.org/presentationml/2006/main" xmlns:c="http://schemas.openxmlformats.org/drawingml/2006/chart" xmlns:dgm="http://schemas.openxmlformats.org/drawingml/2006/diagram" xmlns:o="urn:schemas-microsoft-com:office:office" xmlns:v="urn:schemas-microsoft-com:vml" xmlns:pvml="urn:schemas-microsoft-com:office:powerpoint" xmlns:com="http://schemas.openxmlformats.org/drawingml/2006/compatibility" xmlns:p14="http://schemas.microsoft.com/office/powerpoint/2010/main" xmlns:p15="http://schemas.microsoft.com/office/powerpoint/2012/main" xmlns:ahyp="http://schemas.microsoft.com/office/drawing/2018/hyperlinkcolor" showMasterPhAnim="0" showMasterSp="0">
+<p:notes xmlns:a="http://schemas.openxmlformats.org/drawingml/2006/main" xmlns:r="http://schemas.openxmlformats.org/officeDocument/2006/relationships" xmlns:p="http://schemas.openxmlformats.org/presentationml/2006/main" showMasterSp="0" showMasterPhAnim="0">
   <p:cSld>
     <p:spTree>
       <p:nvGrpSpPr>
-        <p:cNvPr id="109" name="Shape 109"/>
+        <p:cNvPr id="1" name="Shape 109"/>
         <p:cNvGrpSpPr/>
         <p:nvPr/>
       </p:nvGrpSpPr>
@@ -1646,20 +1703,26 @@
       <p:sp>
         <p:nvSpPr>
           <p:cNvPr id="110" name="Google Shape;110;gda7a18c69e_1_0:notes"/>
-          <p:cNvSpPr/>
+          <p:cNvSpPr>
+            <a:spLocks noGrp="1" noRot="1" noChangeAspect="1"/>
+          </p:cNvSpPr>
           <p:nvPr>
-            <p:ph idx="2" type="sldImg"/>
+            <p:ph type="sldImg" idx="2"/>
           </p:nvPr>
         </p:nvSpPr>
         <p:spPr>
           <a:xfrm>
-            <a:off x="381300" y="685800"/>
+            <a:off x="381000" y="685800"/>
             <a:ext cx="6096000" cy="3429000"/>
           </a:xfrm>
           <a:custGeom>
-            <a:rect b="b" l="l" r="r" t="t"/>
+            <a:avLst/>
+            <a:gdLst/>
+            <a:ahLst/>
+            <a:cxnLst/>
+            <a:rect l="l" t="t" r="r" b="b"/>
             <a:pathLst>
-              <a:path extrusionOk="0" h="120000" w="120000">
+              <a:path w="120000" h="120000" extrusionOk="0">
                 <a:moveTo>
                   <a:pt x="0" y="0"/>
                 </a:moveTo>
@@ -1681,9 +1744,11 @@
       <p:sp>
         <p:nvSpPr>
           <p:cNvPr id="111" name="Google Shape;111;gda7a18c69e_1_0:notes"/>
-          <p:cNvSpPr txBox="1"/>
+          <p:cNvSpPr txBox="1">
+            <a:spLocks noGrp="1"/>
+          </p:cNvSpPr>
           <p:nvPr>
-            <p:ph idx="1" type="body"/>
+            <p:ph type="body" idx="1"/>
           </p:nvPr>
         </p:nvSpPr>
         <p:spPr>
@@ -1696,12 +1761,12 @@
           </a:prstGeom>
         </p:spPr>
         <p:txBody>
-          <a:bodyPr anchorCtr="0" anchor="t" bIns="91425" lIns="91425" spcFirstLastPara="1" rIns="91425" wrap="square" tIns="91425">
+          <a:bodyPr spcFirstLastPara="1" wrap="square" lIns="91425" tIns="91425" rIns="91425" bIns="91425" anchor="t" anchorCtr="0">
             <a:noAutofit/>
           </a:bodyPr>
           <a:lstStyle/>
           <a:p>
-            <a:pPr indent="0" lvl="0" marL="0" rtl="0" algn="l">
+            <a:pPr marL="0" lvl="0" indent="0" algn="l" rtl="0">
               <a:spcBef>
                 <a:spcPts val="0"/>
               </a:spcBef>
@@ -1710,9 +1775,6 @@
               </a:spcAft>
               <a:buNone/>
             </a:pPr>
-            <a:r>
-              <a:t/>
-            </a:r>
             <a:endParaRPr/>
           </a:p>
         </p:txBody>
@@ -1726,11 +1788,11 @@
 </file>
 
 <file path=ppt/notesSlides/notesSlide8.xml><?xml version="1.0" encoding="utf-8"?>
-<p:notes xmlns:a="http://schemas.openxmlformats.org/drawingml/2006/main" xmlns:r="http://schemas.openxmlformats.org/officeDocument/2006/relationships" xmlns:mc="http://schemas.openxmlformats.org/markup-compatibility/2006" xmlns:mv="urn:schemas-microsoft-com:mac:vml" xmlns:p="http://schemas.openxmlformats.org/presentationml/2006/main" xmlns:c="http://schemas.openxmlformats.org/drawingml/2006/chart" xmlns:dgm="http://schemas.openxmlformats.org/drawingml/2006/diagram" xmlns:o="urn:schemas-microsoft-com:office:office" xmlns:v="urn:schemas-microsoft-com:vml" xmlns:pvml="urn:schemas-microsoft-com:office:powerpoint" xmlns:com="http://schemas.openxmlformats.org/drawingml/2006/compatibility" xmlns:p14="http://schemas.microsoft.com/office/powerpoint/2010/main" xmlns:p15="http://schemas.microsoft.com/office/powerpoint/2012/main" xmlns:ahyp="http://schemas.microsoft.com/office/drawing/2018/hyperlinkcolor" showMasterPhAnim="0" showMasterSp="0">
+<p:notes xmlns:a="http://schemas.openxmlformats.org/drawingml/2006/main" xmlns:r="http://schemas.openxmlformats.org/officeDocument/2006/relationships" xmlns:p="http://schemas.openxmlformats.org/presentationml/2006/main" showMasterSp="0" showMasterPhAnim="0">
   <p:cSld>
     <p:spTree>
       <p:nvGrpSpPr>
-        <p:cNvPr id="114" name="Shape 114"/>
+        <p:cNvPr id="1" name="Shape 114"/>
         <p:cNvGrpSpPr/>
         <p:nvPr/>
       </p:nvGrpSpPr>
@@ -1745,20 +1807,26 @@
       <p:sp>
         <p:nvSpPr>
           <p:cNvPr id="115" name="Google Shape;115;gdb69d6b7fc_0_9:notes"/>
-          <p:cNvSpPr/>
+          <p:cNvSpPr>
+            <a:spLocks noGrp="1" noRot="1" noChangeAspect="1"/>
+          </p:cNvSpPr>
           <p:nvPr>
-            <p:ph idx="2" type="sldImg"/>
+            <p:ph type="sldImg" idx="2"/>
           </p:nvPr>
         </p:nvSpPr>
         <p:spPr>
           <a:xfrm>
-            <a:off x="381300" y="685800"/>
+            <a:off x="381000" y="685800"/>
             <a:ext cx="6096000" cy="3429000"/>
           </a:xfrm>
           <a:custGeom>
-            <a:rect b="b" l="l" r="r" t="t"/>
+            <a:avLst/>
+            <a:gdLst/>
+            <a:ahLst/>
+            <a:cxnLst/>
+            <a:rect l="l" t="t" r="r" b="b"/>
             <a:pathLst>
-              <a:path extrusionOk="0" h="120000" w="120000">
+              <a:path w="120000" h="120000" extrusionOk="0">
                 <a:moveTo>
                   <a:pt x="0" y="0"/>
                 </a:moveTo>
@@ -1780,9 +1848,11 @@
       <p:sp>
         <p:nvSpPr>
           <p:cNvPr id="116" name="Google Shape;116;gdb69d6b7fc_0_9:notes"/>
-          <p:cNvSpPr txBox="1"/>
+          <p:cNvSpPr txBox="1">
+            <a:spLocks noGrp="1"/>
+          </p:cNvSpPr>
           <p:nvPr>
-            <p:ph idx="1" type="body"/>
+            <p:ph type="body" idx="1"/>
           </p:nvPr>
         </p:nvSpPr>
         <p:spPr>
@@ -1795,12 +1865,12 @@
           </a:prstGeom>
         </p:spPr>
         <p:txBody>
-          <a:bodyPr anchorCtr="0" anchor="t" bIns="91425" lIns="91425" spcFirstLastPara="1" rIns="91425" wrap="square" tIns="91425">
+          <a:bodyPr spcFirstLastPara="1" wrap="square" lIns="91425" tIns="91425" rIns="91425" bIns="91425" anchor="t" anchorCtr="0">
             <a:noAutofit/>
           </a:bodyPr>
           <a:lstStyle/>
           <a:p>
-            <a:pPr indent="0" lvl="0" marL="0" rtl="0" algn="l">
+            <a:pPr marL="0" lvl="0" indent="0" algn="l" rtl="0">
               <a:spcBef>
                 <a:spcPts val="0"/>
               </a:spcBef>
@@ -1809,9 +1879,6 @@
               </a:spcAft>
               <a:buNone/>
             </a:pPr>
-            <a:r>
-              <a:t/>
-            </a:r>
             <a:endParaRPr/>
           </a:p>
         </p:txBody>
@@ -1825,11 +1892,11 @@
 </file>
 
 <file path=ppt/notesSlides/notesSlide9.xml><?xml version="1.0" encoding="utf-8"?>
-<p:notes xmlns:a="http://schemas.openxmlformats.org/drawingml/2006/main" xmlns:r="http://schemas.openxmlformats.org/officeDocument/2006/relationships" xmlns:mc="http://schemas.openxmlformats.org/markup-compatibility/2006" xmlns:mv="urn:schemas-microsoft-com:mac:vml" xmlns:p="http://schemas.openxmlformats.org/presentationml/2006/main" xmlns:c="http://schemas.openxmlformats.org/drawingml/2006/chart" xmlns:dgm="http://schemas.openxmlformats.org/drawingml/2006/diagram" xmlns:o="urn:schemas-microsoft-com:office:office" xmlns:v="urn:schemas-microsoft-com:vml" xmlns:pvml="urn:schemas-microsoft-com:office:powerpoint" xmlns:com="http://schemas.openxmlformats.org/drawingml/2006/compatibility" xmlns:p14="http://schemas.microsoft.com/office/powerpoint/2010/main" xmlns:p15="http://schemas.microsoft.com/office/powerpoint/2012/main" xmlns:ahyp="http://schemas.microsoft.com/office/drawing/2018/hyperlinkcolor" showMasterPhAnim="0" showMasterSp="0">
+<p:notes xmlns:a="http://schemas.openxmlformats.org/drawingml/2006/main" xmlns:r="http://schemas.openxmlformats.org/officeDocument/2006/relationships" xmlns:p="http://schemas.openxmlformats.org/presentationml/2006/main" showMasterSp="0" showMasterPhAnim="0">
   <p:cSld>
     <p:spTree>
       <p:nvGrpSpPr>
-        <p:cNvPr id="120" name="Shape 120"/>
+        <p:cNvPr id="1" name="Shape 120"/>
         <p:cNvGrpSpPr/>
         <p:nvPr/>
       </p:nvGrpSpPr>
@@ -1844,20 +1911,26 @@
       <p:sp>
         <p:nvSpPr>
           <p:cNvPr id="121" name="Google Shape;121;gdb69d6b7fc_0_19:notes"/>
-          <p:cNvSpPr/>
+          <p:cNvSpPr>
+            <a:spLocks noGrp="1" noRot="1" noChangeAspect="1"/>
+          </p:cNvSpPr>
           <p:nvPr>
-            <p:ph idx="2" type="sldImg"/>
+            <p:ph type="sldImg" idx="2"/>
           </p:nvPr>
         </p:nvSpPr>
         <p:spPr>
           <a:xfrm>
-            <a:off x="381300" y="685800"/>
+            <a:off x="381000" y="685800"/>
             <a:ext cx="6096000" cy="3429000"/>
           </a:xfrm>
           <a:custGeom>
-            <a:rect b="b" l="l" r="r" t="t"/>
+            <a:avLst/>
+            <a:gdLst/>
+            <a:ahLst/>
+            <a:cxnLst/>
+            <a:rect l="l" t="t" r="r" b="b"/>
             <a:pathLst>
-              <a:path extrusionOk="0" h="120000" w="120000">
+              <a:path w="120000" h="120000" extrusionOk="0">
                 <a:moveTo>
                   <a:pt x="0" y="0"/>
                 </a:moveTo>
@@ -1879,9 +1952,11 @@
       <p:sp>
         <p:nvSpPr>
           <p:cNvPr id="122" name="Google Shape;122;gdb69d6b7fc_0_19:notes"/>
-          <p:cNvSpPr txBox="1"/>
+          <p:cNvSpPr txBox="1">
+            <a:spLocks noGrp="1"/>
+          </p:cNvSpPr>
           <p:nvPr>
-            <p:ph idx="1" type="body"/>
+            <p:ph type="body" idx="1"/>
           </p:nvPr>
         </p:nvSpPr>
         <p:spPr>
@@ -1894,12 +1969,12 @@
           </a:prstGeom>
         </p:spPr>
         <p:txBody>
-          <a:bodyPr anchorCtr="0" anchor="t" bIns="91425" lIns="91425" spcFirstLastPara="1" rIns="91425" wrap="square" tIns="91425">
+          <a:bodyPr spcFirstLastPara="1" wrap="square" lIns="91425" tIns="91425" rIns="91425" bIns="91425" anchor="t" anchorCtr="0">
             <a:noAutofit/>
           </a:bodyPr>
           <a:lstStyle/>
           <a:p>
-            <a:pPr indent="0" lvl="0" marL="0" rtl="0" algn="l">
+            <a:pPr marL="0" lvl="0" indent="0" algn="l" rtl="0">
               <a:spcBef>
                 <a:spcPts val="0"/>
               </a:spcBef>
@@ -1908,9 +1983,6 @@
               </a:spcAft>
               <a:buNone/>
             </a:pPr>
-            <a:r>
-              <a:t/>
-            </a:r>
             <a:endParaRPr/>
           </a:p>
         </p:txBody>
@@ -1924,11 +1996,11 @@
 </file>
 
 <file path=ppt/slideLayouts/slideLayout1.xml><?xml version="1.0" encoding="utf-8"?>
-<p:sldLayout xmlns:a="http://schemas.openxmlformats.org/drawingml/2006/main" xmlns:r="http://schemas.openxmlformats.org/officeDocument/2006/relationships" xmlns:mc="http://schemas.openxmlformats.org/markup-compatibility/2006" xmlns:mv="urn:schemas-microsoft-com:mac:vml" xmlns:p="http://schemas.openxmlformats.org/presentationml/2006/main" xmlns:c="http://schemas.openxmlformats.org/drawingml/2006/chart" xmlns:dgm="http://schemas.openxmlformats.org/drawingml/2006/diagram" xmlns:o="urn:schemas-microsoft-com:office:office" xmlns:v="urn:schemas-microsoft-com:vml" xmlns:pvml="urn:schemas-microsoft-com:office:powerpoint" xmlns:com="http://schemas.openxmlformats.org/drawingml/2006/compatibility" xmlns:p14="http://schemas.microsoft.com/office/powerpoint/2010/main" xmlns:p15="http://schemas.microsoft.com/office/powerpoint/2012/main" xmlns:ahyp="http://schemas.microsoft.com/office/drawing/2018/hyperlinkcolor" matchingName="Title slide" type="title">
+<p:sldLayout xmlns:a="http://schemas.openxmlformats.org/drawingml/2006/main" xmlns:r="http://schemas.openxmlformats.org/officeDocument/2006/relationships" xmlns:p="http://schemas.openxmlformats.org/presentationml/2006/main" matchingName="Title slide" type="title">
   <p:cSld name="TITLE">
     <p:spTree>
       <p:nvGrpSpPr>
-        <p:cNvPr id="9" name="Shape 9"/>
+        <p:cNvPr id="1" name="Shape 9"/>
         <p:cNvGrpSpPr/>
         <p:nvPr/>
       </p:nvGrpSpPr>
@@ -1952,9 +2024,13 @@
             <a:ext cx="1081625" cy="1124950"/>
           </a:xfrm>
           <a:custGeom>
-            <a:rect b="b" l="l" r="r" t="t"/>
+            <a:avLst/>
+            <a:gdLst/>
+            <a:ahLst/>
+            <a:cxnLst/>
+            <a:rect l="l" t="t" r="r" b="b"/>
             <a:pathLst>
-              <a:path extrusionOk="0" h="44998" w="43265">
+              <a:path w="43265" h="44998" extrusionOk="0">
                 <a:moveTo>
                   <a:pt x="0" y="44998"/>
                 </a:moveTo>
@@ -1968,14 +2044,14 @@
             </a:pathLst>
           </a:custGeom>
           <a:noFill/>
-          <a:ln cap="flat" cmpd="sng" w="28575">
+          <a:ln w="28575" cap="flat" cmpd="sng">
             <a:solidFill>
               <a:schemeClr val="lt2"/>
             </a:solidFill>
             <a:prstDash val="solid"/>
             <a:miter lim="8000"/>
-            <a:headEnd len="sm" w="sm" type="none"/>
-            <a:tailEnd len="sm" w="sm" type="none"/>
+            <a:headEnd type="none" w="sm" len="sm"/>
+            <a:tailEnd type="none" w="sm" len="sm"/>
           </a:ln>
         </p:spPr>
       </p:sp>
@@ -1991,9 +2067,13 @@
             <a:ext cx="1081625" cy="1124950"/>
           </a:xfrm>
           <a:custGeom>
-            <a:rect b="b" l="l" r="r" t="t"/>
+            <a:avLst/>
+            <a:gdLst/>
+            <a:ahLst/>
+            <a:cxnLst/>
+            <a:rect l="l" t="t" r="r" b="b"/>
             <a:pathLst>
-              <a:path extrusionOk="0" h="44998" w="43265">
+              <a:path w="43265" h="44998" extrusionOk="0">
                 <a:moveTo>
                   <a:pt x="0" y="44998"/>
                 </a:moveTo>
@@ -2007,21 +2087,23 @@
             </a:pathLst>
           </a:custGeom>
           <a:noFill/>
-          <a:ln cap="flat" cmpd="sng" w="28575">
+          <a:ln w="28575" cap="flat" cmpd="sng">
             <a:solidFill>
               <a:schemeClr val="lt2"/>
             </a:solidFill>
             <a:prstDash val="solid"/>
             <a:miter lim="8000"/>
-            <a:headEnd len="sm" w="sm" type="none"/>
-            <a:tailEnd len="sm" w="sm" type="none"/>
+            <a:headEnd type="none" w="sm" len="sm"/>
+            <a:tailEnd type="none" w="sm" len="sm"/>
           </a:ln>
         </p:spPr>
       </p:sp>
       <p:sp>
         <p:nvSpPr>
           <p:cNvPr id="12" name="Google Shape;12;p2"/>
-          <p:cNvSpPr txBox="1"/>
+          <p:cNvSpPr txBox="1">
+            <a:spLocks noGrp="1"/>
+          </p:cNvSpPr>
           <p:nvPr>
             <p:ph type="ctrTitle"/>
           </p:nvPr>
@@ -2036,7 +2118,7 @@
           </a:prstGeom>
         </p:spPr>
         <p:txBody>
-          <a:bodyPr anchorCtr="0" anchor="b" bIns="91425" lIns="91425" spcFirstLastPara="1" rIns="91425" wrap="square" tIns="91425">
+          <a:bodyPr spcFirstLastPara="1" wrap="square" lIns="91425" tIns="91425" rIns="91425" bIns="91425" anchor="b" anchorCtr="0">
             <a:normAutofit/>
           </a:bodyPr>
           <a:lstStyle>
@@ -2140,15 +2222,19 @@
               <a:defRPr/>
             </a:lvl9pPr>
           </a:lstStyle>
-          <a:p/>
+          <a:p>
+            <a:endParaRPr/>
+          </a:p>
         </p:txBody>
       </p:sp>
       <p:sp>
         <p:nvSpPr>
           <p:cNvPr id="13" name="Google Shape;13;p2"/>
-          <p:cNvSpPr txBox="1"/>
+          <p:cNvSpPr txBox="1">
+            <a:spLocks noGrp="1"/>
+          </p:cNvSpPr>
           <p:nvPr>
-            <p:ph idx="1" type="subTitle"/>
+            <p:ph type="subTitle" idx="1"/>
           </p:nvPr>
         </p:nvSpPr>
         <p:spPr>
@@ -2161,7 +2247,7 @@
           </a:prstGeom>
         </p:spPr>
         <p:txBody>
-          <a:bodyPr anchorCtr="0" anchor="t" bIns="91425" lIns="91425" spcFirstLastPara="1" rIns="91425" wrap="square" tIns="91425">
+          <a:bodyPr spcFirstLastPara="1" wrap="square" lIns="91425" tIns="91425" rIns="91425" bIns="91425" anchor="t" anchorCtr="0">
             <a:normAutofit/>
           </a:bodyPr>
           <a:lstStyle>
@@ -2346,15 +2432,19 @@
               </a:defRPr>
             </a:lvl9pPr>
           </a:lstStyle>
-          <a:p/>
+          <a:p>
+            <a:endParaRPr/>
+          </a:p>
         </p:txBody>
       </p:sp>
       <p:sp>
         <p:nvSpPr>
           <p:cNvPr id="14" name="Google Shape;14;p2"/>
-          <p:cNvSpPr txBox="1"/>
+          <p:cNvSpPr txBox="1">
+            <a:spLocks noGrp="1"/>
+          </p:cNvSpPr>
           <p:nvPr>
-            <p:ph idx="12" type="sldNum"/>
+            <p:ph type="sldNum" idx="12"/>
           </p:nvPr>
         </p:nvSpPr>
         <p:spPr>
@@ -2367,7 +2457,7 @@
           </a:prstGeom>
         </p:spPr>
         <p:txBody>
-          <a:bodyPr anchorCtr="0" anchor="ctr" bIns="91425" lIns="91425" spcFirstLastPara="1" rIns="91425" wrap="square" tIns="91425">
+          <a:bodyPr spcFirstLastPara="1" wrap="square" lIns="91425" tIns="91425" rIns="91425" bIns="91425" anchor="ctr" anchorCtr="0">
             <a:normAutofit/>
           </a:bodyPr>
           <a:lstStyle>
@@ -2409,7 +2499,7 @@
             </a:lvl9pPr>
           </a:lstStyle>
           <a:p>
-            <a:pPr indent="0" lvl="0" marL="0" rtl="0" algn="r">
+            <a:pPr marL="0" lvl="0" indent="0" algn="r" rtl="0">
               <a:spcBef>
                 <a:spcPts val="0"/>
               </a:spcBef>
@@ -2420,7 +2510,7 @@
             </a:pPr>
             <a:fld id="{00000000-1234-1234-1234-123412341234}" type="slidenum">
               <a:rPr lang="es"/>
-              <a:t>‹#›</a:t>
+              <a:t>‹Nº›</a:t>
             </a:fld>
             <a:endParaRPr/>
           </a:p>
@@ -2435,11 +2525,11 @@
 </file>
 
 <file path=ppt/slideLayouts/slideLayout10.xml><?xml version="1.0" encoding="utf-8"?>
-<p:sldLayout xmlns:a="http://schemas.openxmlformats.org/drawingml/2006/main" xmlns:r="http://schemas.openxmlformats.org/officeDocument/2006/relationships" xmlns:mc="http://schemas.openxmlformats.org/markup-compatibility/2006" xmlns:mv="urn:schemas-microsoft-com:mac:vml" xmlns:p="http://schemas.openxmlformats.org/presentationml/2006/main" xmlns:c="http://schemas.openxmlformats.org/drawingml/2006/chart" xmlns:dgm="http://schemas.openxmlformats.org/drawingml/2006/diagram" xmlns:o="urn:schemas-microsoft-com:office:office" xmlns:v="urn:schemas-microsoft-com:vml" xmlns:pvml="urn:schemas-microsoft-com:office:powerpoint" xmlns:com="http://schemas.openxmlformats.org/drawingml/2006/compatibility" xmlns:p14="http://schemas.microsoft.com/office/powerpoint/2010/main" xmlns:p15="http://schemas.microsoft.com/office/powerpoint/2012/main" xmlns:ahyp="http://schemas.microsoft.com/office/drawing/2018/hyperlinkcolor" matchingName="Big number">
+<p:sldLayout xmlns:a="http://schemas.openxmlformats.org/drawingml/2006/main" xmlns:r="http://schemas.openxmlformats.org/officeDocument/2006/relationships" xmlns:p="http://schemas.openxmlformats.org/presentationml/2006/main" matchingName="Big number">
   <p:cSld name="BIG_NUMBER">
     <p:spTree>
       <p:nvGrpSpPr>
-        <p:cNvPr id="51" name="Shape 51"/>
+        <p:cNvPr id="1" name="Shape 51"/>
         <p:cNvGrpSpPr/>
         <p:nvPr/>
       </p:nvGrpSpPr>
@@ -2473,12 +2563,12 @@
           </a:ln>
         </p:spPr>
         <p:txBody>
-          <a:bodyPr anchorCtr="0" anchor="ctr" bIns="91425" lIns="91425" spcFirstLastPara="1" rIns="91425" wrap="square" tIns="91425">
+          <a:bodyPr spcFirstLastPara="1" wrap="square" lIns="91425" tIns="91425" rIns="91425" bIns="91425" anchor="ctr" anchorCtr="0">
             <a:noAutofit/>
           </a:bodyPr>
           <a:lstStyle/>
           <a:p>
-            <a:pPr indent="0" lvl="0" marL="0" rtl="0" algn="l">
+            <a:pPr marL="0" lvl="0" indent="0" algn="l" rtl="0">
               <a:spcBef>
                 <a:spcPts val="0"/>
               </a:spcBef>
@@ -2487,9 +2577,6 @@
               </a:spcAft>
               <a:buNone/>
             </a:pPr>
-            <a:r>
-              <a:t/>
-            </a:r>
             <a:endParaRPr/>
           </a:p>
         </p:txBody>
@@ -2497,9 +2584,11 @@
       <p:sp>
         <p:nvSpPr>
           <p:cNvPr id="53" name="Google Shape;53;p11"/>
-          <p:cNvSpPr txBox="1"/>
+          <p:cNvSpPr txBox="1">
+            <a:spLocks noGrp="1"/>
+          </p:cNvSpPr>
           <p:nvPr>
-            <p:ph hasCustomPrompt="1" type="title"/>
+            <p:ph type="title" hasCustomPrompt="1"/>
           </p:nvPr>
         </p:nvSpPr>
         <p:spPr>
@@ -2512,7 +2601,7 @@
           </a:prstGeom>
         </p:spPr>
         <p:txBody>
-          <a:bodyPr anchorCtr="0" anchor="ctr" bIns="91425" lIns="91425" spcFirstLastPara="1" rIns="91425" wrap="square" tIns="91425">
+          <a:bodyPr spcFirstLastPara="1" wrap="square" lIns="91425" tIns="91425" rIns="91425" bIns="91425" anchor="ctr" anchorCtr="0">
             <a:normAutofit/>
           </a:bodyPr>
           <a:lstStyle>
@@ -2689,9 +2778,11 @@
       <p:sp>
         <p:nvSpPr>
           <p:cNvPr id="54" name="Google Shape;54;p11"/>
-          <p:cNvSpPr txBox="1"/>
+          <p:cNvSpPr txBox="1">
+            <a:spLocks noGrp="1"/>
+          </p:cNvSpPr>
           <p:nvPr>
-            <p:ph idx="1" type="body"/>
+            <p:ph type="body" idx="1"/>
           </p:nvPr>
         </p:nvSpPr>
         <p:spPr>
@@ -2704,11 +2795,11 @@
           </a:prstGeom>
         </p:spPr>
         <p:txBody>
-          <a:bodyPr anchorCtr="0" anchor="t" bIns="91425" lIns="91425" spcFirstLastPara="1" rIns="91425" wrap="square" tIns="91425">
+          <a:bodyPr spcFirstLastPara="1" wrap="square" lIns="91425" tIns="91425" rIns="91425" bIns="91425" anchor="t" anchorCtr="0">
             <a:normAutofit/>
           </a:bodyPr>
           <a:lstStyle>
-            <a:lvl1pPr indent="-342900" lvl="0" marL="457200" algn="ctr">
+            <a:lvl1pPr marL="457200" lvl="0" indent="-342900" algn="ctr">
               <a:spcBef>
                 <a:spcPts val="0"/>
               </a:spcBef>
@@ -2719,7 +2810,7 @@
               <a:buChar char="●"/>
               <a:defRPr/>
             </a:lvl1pPr>
-            <a:lvl2pPr indent="-317500" lvl="1" marL="914400" algn="ctr">
+            <a:lvl2pPr marL="914400" lvl="1" indent="-317500" algn="ctr">
               <a:spcBef>
                 <a:spcPts val="0"/>
               </a:spcBef>
@@ -2730,7 +2821,7 @@
               <a:buChar char="○"/>
               <a:defRPr/>
             </a:lvl2pPr>
-            <a:lvl3pPr indent="-317500" lvl="2" marL="1371600" algn="ctr">
+            <a:lvl3pPr marL="1371600" lvl="2" indent="-317500" algn="ctr">
               <a:spcBef>
                 <a:spcPts val="0"/>
               </a:spcBef>
@@ -2741,7 +2832,7 @@
               <a:buChar char="■"/>
               <a:defRPr/>
             </a:lvl3pPr>
-            <a:lvl4pPr indent="-317500" lvl="3" marL="1828800" algn="ctr">
+            <a:lvl4pPr marL="1828800" lvl="3" indent="-317500" algn="ctr">
               <a:spcBef>
                 <a:spcPts val="0"/>
               </a:spcBef>
@@ -2752,7 +2843,7 @@
               <a:buChar char="●"/>
               <a:defRPr/>
             </a:lvl4pPr>
-            <a:lvl5pPr indent="-317500" lvl="4" marL="2286000" algn="ctr">
+            <a:lvl5pPr marL="2286000" lvl="4" indent="-317500" algn="ctr">
               <a:spcBef>
                 <a:spcPts val="0"/>
               </a:spcBef>
@@ -2763,7 +2854,7 @@
               <a:buChar char="○"/>
               <a:defRPr/>
             </a:lvl5pPr>
-            <a:lvl6pPr indent="-317500" lvl="5" marL="2743200" algn="ctr">
+            <a:lvl6pPr marL="2743200" lvl="5" indent="-317500" algn="ctr">
               <a:spcBef>
                 <a:spcPts val="0"/>
               </a:spcBef>
@@ -2774,7 +2865,7 @@
               <a:buChar char="■"/>
               <a:defRPr/>
             </a:lvl6pPr>
-            <a:lvl7pPr indent="-317500" lvl="6" marL="3200400" algn="ctr">
+            <a:lvl7pPr marL="3200400" lvl="6" indent="-317500" algn="ctr">
               <a:spcBef>
                 <a:spcPts val="0"/>
               </a:spcBef>
@@ -2785,7 +2876,7 @@
               <a:buChar char="●"/>
               <a:defRPr/>
             </a:lvl7pPr>
-            <a:lvl8pPr indent="-317500" lvl="7" marL="3657600" algn="ctr">
+            <a:lvl8pPr marL="3657600" lvl="7" indent="-317500" algn="ctr">
               <a:spcBef>
                 <a:spcPts val="0"/>
               </a:spcBef>
@@ -2796,7 +2887,7 @@
               <a:buChar char="○"/>
               <a:defRPr/>
             </a:lvl8pPr>
-            <a:lvl9pPr indent="-317500" lvl="8" marL="4114800" algn="ctr">
+            <a:lvl9pPr marL="4114800" lvl="8" indent="-317500" algn="ctr">
               <a:spcBef>
                 <a:spcPts val="0"/>
               </a:spcBef>
@@ -2808,15 +2899,19 @@
               <a:defRPr/>
             </a:lvl9pPr>
           </a:lstStyle>
-          <a:p/>
+          <a:p>
+            <a:endParaRPr/>
+          </a:p>
         </p:txBody>
       </p:sp>
       <p:sp>
         <p:nvSpPr>
           <p:cNvPr id="55" name="Google Shape;55;p11"/>
-          <p:cNvSpPr txBox="1"/>
+          <p:cNvSpPr txBox="1">
+            <a:spLocks noGrp="1"/>
+          </p:cNvSpPr>
           <p:nvPr>
-            <p:ph idx="12" type="sldNum"/>
+            <p:ph type="sldNum" idx="12"/>
           </p:nvPr>
         </p:nvSpPr>
         <p:spPr>
@@ -2829,7 +2924,7 @@
           </a:prstGeom>
         </p:spPr>
         <p:txBody>
-          <a:bodyPr anchorCtr="0" anchor="ctr" bIns="91425" lIns="91425" spcFirstLastPara="1" rIns="91425" wrap="square" tIns="91425">
+          <a:bodyPr spcFirstLastPara="1" wrap="square" lIns="91425" tIns="91425" rIns="91425" bIns="91425" anchor="ctr" anchorCtr="0">
             <a:normAutofit/>
           </a:bodyPr>
           <a:lstStyle>
@@ -2871,7 +2966,7 @@
             </a:lvl9pPr>
           </a:lstStyle>
           <a:p>
-            <a:pPr indent="0" lvl="0" marL="0" rtl="0" algn="r">
+            <a:pPr marL="0" lvl="0" indent="0" algn="r" rtl="0">
               <a:spcBef>
                 <a:spcPts val="0"/>
               </a:spcBef>
@@ -2882,7 +2977,7 @@
             </a:pPr>
             <a:fld id="{00000000-1234-1234-1234-123412341234}" type="slidenum">
               <a:rPr lang="es"/>
-              <a:t>‹#›</a:t>
+              <a:t>‹Nº›</a:t>
             </a:fld>
             <a:endParaRPr/>
           </a:p>
@@ -2897,11 +2992,11 @@
 </file>
 
 <file path=ppt/slideLayouts/slideLayout11.xml><?xml version="1.0" encoding="utf-8"?>
-<p:sldLayout xmlns:a="http://schemas.openxmlformats.org/drawingml/2006/main" xmlns:r="http://schemas.openxmlformats.org/officeDocument/2006/relationships" xmlns:mc="http://schemas.openxmlformats.org/markup-compatibility/2006" xmlns:mv="urn:schemas-microsoft-com:mac:vml" xmlns:p="http://schemas.openxmlformats.org/presentationml/2006/main" xmlns:c="http://schemas.openxmlformats.org/drawingml/2006/chart" xmlns:dgm="http://schemas.openxmlformats.org/drawingml/2006/diagram" xmlns:o="urn:schemas-microsoft-com:office:office" xmlns:v="urn:schemas-microsoft-com:vml" xmlns:pvml="urn:schemas-microsoft-com:office:powerpoint" xmlns:com="http://schemas.openxmlformats.org/drawingml/2006/compatibility" xmlns:p14="http://schemas.microsoft.com/office/powerpoint/2010/main" xmlns:p15="http://schemas.microsoft.com/office/powerpoint/2012/main" xmlns:ahyp="http://schemas.microsoft.com/office/drawing/2018/hyperlinkcolor" matchingName="Blank" type="blank">
+<p:sldLayout xmlns:a="http://schemas.openxmlformats.org/drawingml/2006/main" xmlns:r="http://schemas.openxmlformats.org/officeDocument/2006/relationships" xmlns:p="http://schemas.openxmlformats.org/presentationml/2006/main" matchingName="Blank" type="blank">
   <p:cSld name="BLANK">
     <p:spTree>
       <p:nvGrpSpPr>
-        <p:cNvPr id="56" name="Shape 56"/>
+        <p:cNvPr id="1" name="Shape 56"/>
         <p:cNvGrpSpPr/>
         <p:nvPr/>
       </p:nvGrpSpPr>
@@ -2916,9 +3011,11 @@
       <p:sp>
         <p:nvSpPr>
           <p:cNvPr id="57" name="Google Shape;57;p12"/>
-          <p:cNvSpPr txBox="1"/>
+          <p:cNvSpPr txBox="1">
+            <a:spLocks noGrp="1"/>
+          </p:cNvSpPr>
           <p:nvPr>
-            <p:ph idx="12" type="sldNum"/>
+            <p:ph type="sldNum" idx="12"/>
           </p:nvPr>
         </p:nvSpPr>
         <p:spPr>
@@ -2931,7 +3028,7 @@
           </a:prstGeom>
         </p:spPr>
         <p:txBody>
-          <a:bodyPr anchorCtr="0" anchor="ctr" bIns="91425" lIns="91425" spcFirstLastPara="1" rIns="91425" wrap="square" tIns="91425">
+          <a:bodyPr spcFirstLastPara="1" wrap="square" lIns="91425" tIns="91425" rIns="91425" bIns="91425" anchor="ctr" anchorCtr="0">
             <a:normAutofit/>
           </a:bodyPr>
           <a:lstStyle>
@@ -2973,7 +3070,7 @@
             </a:lvl9pPr>
           </a:lstStyle>
           <a:p>
-            <a:pPr indent="0" lvl="0" marL="0" rtl="0" algn="r">
+            <a:pPr marL="0" lvl="0" indent="0" algn="r" rtl="0">
               <a:spcBef>
                 <a:spcPts val="0"/>
               </a:spcBef>
@@ -2984,7 +3081,7 @@
             </a:pPr>
             <a:fld id="{00000000-1234-1234-1234-123412341234}" type="slidenum">
               <a:rPr lang="es"/>
-              <a:t>‹#›</a:t>
+              <a:t>‹Nº›</a:t>
             </a:fld>
             <a:endParaRPr/>
           </a:p>
@@ -2999,11 +3096,11 @@
 </file>
 
 <file path=ppt/slideLayouts/slideLayout2.xml><?xml version="1.0" encoding="utf-8"?>
-<p:sldLayout xmlns:a="http://schemas.openxmlformats.org/drawingml/2006/main" xmlns:r="http://schemas.openxmlformats.org/officeDocument/2006/relationships" xmlns:mc="http://schemas.openxmlformats.org/markup-compatibility/2006" xmlns:mv="urn:schemas-microsoft-com:mac:vml" xmlns:p="http://schemas.openxmlformats.org/presentationml/2006/main" xmlns:c="http://schemas.openxmlformats.org/drawingml/2006/chart" xmlns:dgm="http://schemas.openxmlformats.org/drawingml/2006/diagram" xmlns:o="urn:schemas-microsoft-com:office:office" xmlns:v="urn:schemas-microsoft-com:vml" xmlns:pvml="urn:schemas-microsoft-com:office:powerpoint" xmlns:com="http://schemas.openxmlformats.org/drawingml/2006/compatibility" xmlns:p14="http://schemas.microsoft.com/office/powerpoint/2010/main" xmlns:p15="http://schemas.microsoft.com/office/powerpoint/2012/main" xmlns:ahyp="http://schemas.microsoft.com/office/drawing/2018/hyperlinkcolor" matchingName="Section header" type="secHead">
+<p:sldLayout xmlns:a="http://schemas.openxmlformats.org/drawingml/2006/main" xmlns:r="http://schemas.openxmlformats.org/officeDocument/2006/relationships" xmlns:p="http://schemas.openxmlformats.org/presentationml/2006/main" matchingName="Section header" type="secHead">
   <p:cSld name="SECTION_HEADER">
     <p:spTree>
       <p:nvGrpSpPr>
-        <p:cNvPr id="15" name="Shape 15"/>
+        <p:cNvPr id="1" name="Shape 15"/>
         <p:cNvGrpSpPr/>
         <p:nvPr/>
       </p:nvGrpSpPr>
@@ -3027,9 +3124,13 @@
             <a:ext cx="1081625" cy="1124950"/>
           </a:xfrm>
           <a:custGeom>
-            <a:rect b="b" l="l" r="r" t="t"/>
+            <a:avLst/>
+            <a:gdLst/>
+            <a:ahLst/>
+            <a:cxnLst/>
+            <a:rect l="l" t="t" r="r" b="b"/>
             <a:pathLst>
-              <a:path extrusionOk="0" h="44998" w="43265">
+              <a:path w="43265" h="44998" extrusionOk="0">
                 <a:moveTo>
                   <a:pt x="0" y="44998"/>
                 </a:moveTo>
@@ -3043,14 +3144,14 @@
             </a:pathLst>
           </a:custGeom>
           <a:noFill/>
-          <a:ln cap="flat" cmpd="sng" w="28575">
+          <a:ln w="28575" cap="flat" cmpd="sng">
             <a:solidFill>
               <a:schemeClr val="lt2"/>
             </a:solidFill>
             <a:prstDash val="solid"/>
             <a:miter lim="8000"/>
-            <a:headEnd len="sm" w="sm" type="none"/>
-            <a:tailEnd len="sm" w="sm" type="none"/>
+            <a:headEnd type="none" w="sm" len="sm"/>
+            <a:tailEnd type="none" w="sm" len="sm"/>
           </a:ln>
         </p:spPr>
       </p:sp>
@@ -3061,14 +3162,18 @@
           <p:nvPr/>
         </p:nvSpPr>
         <p:spPr>
-          <a:xfrm flipH="1" rot="10800000">
+          <a:xfrm rot="10800000" flipH="1">
             <a:off x="466425" y="3558325"/>
             <a:ext cx="1081625" cy="1124950"/>
           </a:xfrm>
           <a:custGeom>
-            <a:rect b="b" l="l" r="r" t="t"/>
+            <a:avLst/>
+            <a:gdLst/>
+            <a:ahLst/>
+            <a:cxnLst/>
+            <a:rect l="l" t="t" r="r" b="b"/>
             <a:pathLst>
-              <a:path extrusionOk="0" h="44998" w="43265">
+              <a:path w="43265" h="44998" extrusionOk="0">
                 <a:moveTo>
                   <a:pt x="0" y="44998"/>
                 </a:moveTo>
@@ -3082,21 +3187,23 @@
             </a:pathLst>
           </a:custGeom>
           <a:noFill/>
-          <a:ln cap="flat" cmpd="sng" w="28575">
+          <a:ln w="28575" cap="flat" cmpd="sng">
             <a:solidFill>
               <a:schemeClr val="lt2"/>
             </a:solidFill>
             <a:prstDash val="solid"/>
             <a:miter lim="8000"/>
-            <a:headEnd len="sm" w="sm" type="none"/>
-            <a:tailEnd len="sm" w="sm" type="none"/>
+            <a:headEnd type="none" w="sm" len="sm"/>
+            <a:tailEnd type="none" w="sm" len="sm"/>
           </a:ln>
         </p:spPr>
       </p:sp>
       <p:sp>
         <p:nvSpPr>
           <p:cNvPr id="18" name="Google Shape;18;p3"/>
-          <p:cNvSpPr txBox="1"/>
+          <p:cNvSpPr txBox="1">
+            <a:spLocks noGrp="1"/>
+          </p:cNvSpPr>
           <p:nvPr>
             <p:ph type="title"/>
           </p:nvPr>
@@ -3111,7 +3218,7 @@
           </a:prstGeom>
         </p:spPr>
         <p:txBody>
-          <a:bodyPr anchorCtr="0" anchor="ctr" bIns="91425" lIns="91425" spcFirstLastPara="1" rIns="91425" wrap="square" tIns="91425">
+          <a:bodyPr spcFirstLastPara="1" wrap="square" lIns="91425" tIns="91425" rIns="91425" bIns="91425" anchor="ctr" anchorCtr="0">
             <a:normAutofit/>
           </a:bodyPr>
           <a:lstStyle>
@@ -3215,15 +3322,19 @@
               <a:defRPr/>
             </a:lvl9pPr>
           </a:lstStyle>
-          <a:p/>
+          <a:p>
+            <a:endParaRPr/>
+          </a:p>
         </p:txBody>
       </p:sp>
       <p:sp>
         <p:nvSpPr>
           <p:cNvPr id="19" name="Google Shape;19;p3"/>
-          <p:cNvSpPr txBox="1"/>
+          <p:cNvSpPr txBox="1">
+            <a:spLocks noGrp="1"/>
+          </p:cNvSpPr>
           <p:nvPr>
-            <p:ph idx="12" type="sldNum"/>
+            <p:ph type="sldNum" idx="12"/>
           </p:nvPr>
         </p:nvSpPr>
         <p:spPr>
@@ -3236,7 +3347,7 @@
           </a:prstGeom>
         </p:spPr>
         <p:txBody>
-          <a:bodyPr anchorCtr="0" anchor="ctr" bIns="91425" lIns="91425" spcFirstLastPara="1" rIns="91425" wrap="square" tIns="91425">
+          <a:bodyPr spcFirstLastPara="1" wrap="square" lIns="91425" tIns="91425" rIns="91425" bIns="91425" anchor="ctr" anchorCtr="0">
             <a:normAutofit/>
           </a:bodyPr>
           <a:lstStyle>
@@ -3278,7 +3389,7 @@
             </a:lvl9pPr>
           </a:lstStyle>
           <a:p>
-            <a:pPr indent="0" lvl="0" marL="0" rtl="0" algn="r">
+            <a:pPr marL="0" lvl="0" indent="0" algn="r" rtl="0">
               <a:spcBef>
                 <a:spcPts val="0"/>
               </a:spcBef>
@@ -3289,7 +3400,7 @@
             </a:pPr>
             <a:fld id="{00000000-1234-1234-1234-123412341234}" type="slidenum">
               <a:rPr lang="es"/>
-              <a:t>‹#›</a:t>
+              <a:t>‹Nº›</a:t>
             </a:fld>
             <a:endParaRPr/>
           </a:p>
@@ -3304,11 +3415,11 @@
 </file>
 
 <file path=ppt/slideLayouts/slideLayout3.xml><?xml version="1.0" encoding="utf-8"?>
-<p:sldLayout xmlns:a="http://schemas.openxmlformats.org/drawingml/2006/main" xmlns:r="http://schemas.openxmlformats.org/officeDocument/2006/relationships" xmlns:mc="http://schemas.openxmlformats.org/markup-compatibility/2006" xmlns:mv="urn:schemas-microsoft-com:mac:vml" xmlns:p="http://schemas.openxmlformats.org/presentationml/2006/main" xmlns:c="http://schemas.openxmlformats.org/drawingml/2006/chart" xmlns:dgm="http://schemas.openxmlformats.org/drawingml/2006/diagram" xmlns:o="urn:schemas-microsoft-com:office:office" xmlns:v="urn:schemas-microsoft-com:vml" xmlns:pvml="urn:schemas-microsoft-com:office:powerpoint" xmlns:com="http://schemas.openxmlformats.org/drawingml/2006/compatibility" xmlns:p14="http://schemas.microsoft.com/office/powerpoint/2010/main" xmlns:p15="http://schemas.microsoft.com/office/powerpoint/2012/main" xmlns:ahyp="http://schemas.microsoft.com/office/drawing/2018/hyperlinkcolor" matchingName="Title and body" type="tx">
+<p:sldLayout xmlns:a="http://schemas.openxmlformats.org/drawingml/2006/main" xmlns:r="http://schemas.openxmlformats.org/officeDocument/2006/relationships" xmlns:p="http://schemas.openxmlformats.org/presentationml/2006/main" matchingName="Title and body" type="tx">
   <p:cSld name="TITLE_AND_BODY">
     <p:spTree>
       <p:nvGrpSpPr>
-        <p:cNvPr id="20" name="Shape 20"/>
+        <p:cNvPr id="1" name="Shape 20"/>
         <p:cNvGrpSpPr/>
         <p:nvPr/>
       </p:nvGrpSpPr>
@@ -3342,12 +3453,12 @@
           </a:ln>
         </p:spPr>
         <p:txBody>
-          <a:bodyPr anchorCtr="0" anchor="ctr" bIns="91425" lIns="91425" spcFirstLastPara="1" rIns="91425" wrap="square" tIns="91425">
+          <a:bodyPr spcFirstLastPara="1" wrap="square" lIns="91425" tIns="91425" rIns="91425" bIns="91425" anchor="ctr" anchorCtr="0">
             <a:noAutofit/>
           </a:bodyPr>
           <a:lstStyle/>
           <a:p>
-            <a:pPr indent="0" lvl="0" marL="0" rtl="0" algn="l">
+            <a:pPr marL="0" lvl="0" indent="0" algn="l" rtl="0">
               <a:spcBef>
                 <a:spcPts val="0"/>
               </a:spcBef>
@@ -3356,9 +3467,6 @@
               </a:spcAft>
               <a:buNone/>
             </a:pPr>
-            <a:r>
-              <a:t/>
-            </a:r>
             <a:endParaRPr/>
           </a:p>
         </p:txBody>
@@ -3366,7 +3474,9 @@
       <p:sp>
         <p:nvSpPr>
           <p:cNvPr id="22" name="Google Shape;22;p4"/>
-          <p:cNvSpPr txBox="1"/>
+          <p:cNvSpPr txBox="1">
+            <a:spLocks noGrp="1"/>
+          </p:cNvSpPr>
           <p:nvPr>
             <p:ph type="title"/>
           </p:nvPr>
@@ -3381,7 +3491,7 @@
           </a:prstGeom>
         </p:spPr>
         <p:txBody>
-          <a:bodyPr anchorCtr="0" anchor="b" bIns="91425" lIns="91425" spcFirstLastPara="1" rIns="91425" wrap="square" tIns="91425">
+          <a:bodyPr spcFirstLastPara="1" wrap="square" lIns="91425" tIns="91425" rIns="91425" bIns="91425" anchor="b" anchorCtr="0">
             <a:normAutofit/>
           </a:bodyPr>
           <a:lstStyle>
@@ -3485,15 +3595,19 @@
               <a:defRPr/>
             </a:lvl9pPr>
           </a:lstStyle>
-          <a:p/>
+          <a:p>
+            <a:endParaRPr/>
+          </a:p>
         </p:txBody>
       </p:sp>
       <p:sp>
         <p:nvSpPr>
           <p:cNvPr id="23" name="Google Shape;23;p4"/>
-          <p:cNvSpPr txBox="1"/>
+          <p:cNvSpPr txBox="1">
+            <a:spLocks noGrp="1"/>
+          </p:cNvSpPr>
           <p:nvPr>
-            <p:ph idx="1" type="body"/>
+            <p:ph type="body" idx="1"/>
           </p:nvPr>
         </p:nvSpPr>
         <p:spPr>
@@ -3506,11 +3620,11 @@
           </a:prstGeom>
         </p:spPr>
         <p:txBody>
-          <a:bodyPr anchorCtr="0" anchor="t" bIns="91425" lIns="91425" spcFirstLastPara="1" rIns="91425" wrap="square" tIns="91425">
+          <a:bodyPr spcFirstLastPara="1" wrap="square" lIns="91425" tIns="91425" rIns="91425" bIns="91425" anchor="t" anchorCtr="0">
             <a:normAutofit/>
           </a:bodyPr>
           <a:lstStyle>
-            <a:lvl1pPr indent="-342900" lvl="0" marL="457200">
+            <a:lvl1pPr marL="457200" lvl="0" indent="-342900">
               <a:spcBef>
                 <a:spcPts val="0"/>
               </a:spcBef>
@@ -3521,7 +3635,7 @@
               <a:buChar char="●"/>
               <a:defRPr/>
             </a:lvl1pPr>
-            <a:lvl2pPr indent="-317500" lvl="1" marL="914400">
+            <a:lvl2pPr marL="914400" lvl="1" indent="-317500">
               <a:spcBef>
                 <a:spcPts val="0"/>
               </a:spcBef>
@@ -3532,7 +3646,7 @@
               <a:buChar char="○"/>
               <a:defRPr/>
             </a:lvl2pPr>
-            <a:lvl3pPr indent="-317500" lvl="2" marL="1371600">
+            <a:lvl3pPr marL="1371600" lvl="2" indent="-317500">
               <a:spcBef>
                 <a:spcPts val="0"/>
               </a:spcBef>
@@ -3543,7 +3657,7 @@
               <a:buChar char="■"/>
               <a:defRPr/>
             </a:lvl3pPr>
-            <a:lvl4pPr indent="-317500" lvl="3" marL="1828800">
+            <a:lvl4pPr marL="1828800" lvl="3" indent="-317500">
               <a:spcBef>
                 <a:spcPts val="0"/>
               </a:spcBef>
@@ -3554,7 +3668,7 @@
               <a:buChar char="●"/>
               <a:defRPr/>
             </a:lvl4pPr>
-            <a:lvl5pPr indent="-317500" lvl="4" marL="2286000">
+            <a:lvl5pPr marL="2286000" lvl="4" indent="-317500">
               <a:spcBef>
                 <a:spcPts val="0"/>
               </a:spcBef>
@@ -3565,7 +3679,7 @@
               <a:buChar char="○"/>
               <a:defRPr/>
             </a:lvl5pPr>
-            <a:lvl6pPr indent="-317500" lvl="5" marL="2743200">
+            <a:lvl6pPr marL="2743200" lvl="5" indent="-317500">
               <a:spcBef>
                 <a:spcPts val="0"/>
               </a:spcBef>
@@ -3576,7 +3690,7 @@
               <a:buChar char="■"/>
               <a:defRPr/>
             </a:lvl6pPr>
-            <a:lvl7pPr indent="-317500" lvl="6" marL="3200400">
+            <a:lvl7pPr marL="3200400" lvl="6" indent="-317500">
               <a:spcBef>
                 <a:spcPts val="0"/>
               </a:spcBef>
@@ -3587,7 +3701,7 @@
               <a:buChar char="●"/>
               <a:defRPr/>
             </a:lvl7pPr>
-            <a:lvl8pPr indent="-317500" lvl="7" marL="3657600">
+            <a:lvl8pPr marL="3657600" lvl="7" indent="-317500">
               <a:spcBef>
                 <a:spcPts val="0"/>
               </a:spcBef>
@@ -3598,7 +3712,7 @@
               <a:buChar char="○"/>
               <a:defRPr/>
             </a:lvl8pPr>
-            <a:lvl9pPr indent="-317500" lvl="8" marL="4114800">
+            <a:lvl9pPr marL="4114800" lvl="8" indent="-317500">
               <a:spcBef>
                 <a:spcPts val="0"/>
               </a:spcBef>
@@ -3610,15 +3724,19 @@
               <a:defRPr/>
             </a:lvl9pPr>
           </a:lstStyle>
-          <a:p/>
+          <a:p>
+            <a:endParaRPr/>
+          </a:p>
         </p:txBody>
       </p:sp>
       <p:sp>
         <p:nvSpPr>
           <p:cNvPr id="24" name="Google Shape;24;p4"/>
-          <p:cNvSpPr txBox="1"/>
+          <p:cNvSpPr txBox="1">
+            <a:spLocks noGrp="1"/>
+          </p:cNvSpPr>
           <p:nvPr>
-            <p:ph idx="12" type="sldNum"/>
+            <p:ph type="sldNum" idx="12"/>
           </p:nvPr>
         </p:nvSpPr>
         <p:spPr>
@@ -3631,7 +3749,7 @@
           </a:prstGeom>
         </p:spPr>
         <p:txBody>
-          <a:bodyPr anchorCtr="0" anchor="ctr" bIns="91425" lIns="91425" spcFirstLastPara="1" rIns="91425" wrap="square" tIns="91425">
+          <a:bodyPr spcFirstLastPara="1" wrap="square" lIns="91425" tIns="91425" rIns="91425" bIns="91425" anchor="ctr" anchorCtr="0">
             <a:normAutofit/>
           </a:bodyPr>
           <a:lstStyle>
@@ -3673,7 +3791,7 @@
             </a:lvl9pPr>
           </a:lstStyle>
           <a:p>
-            <a:pPr indent="0" lvl="0" marL="0" rtl="0" algn="r">
+            <a:pPr marL="0" lvl="0" indent="0" algn="r" rtl="0">
               <a:spcBef>
                 <a:spcPts val="0"/>
               </a:spcBef>
@@ -3684,7 +3802,7 @@
             </a:pPr>
             <a:fld id="{00000000-1234-1234-1234-123412341234}" type="slidenum">
               <a:rPr lang="es"/>
-              <a:t>‹#›</a:t>
+              <a:t>‹Nº›</a:t>
             </a:fld>
             <a:endParaRPr/>
           </a:p>
@@ -3699,11 +3817,11 @@
 </file>
 
 <file path=ppt/slideLayouts/slideLayout4.xml><?xml version="1.0" encoding="utf-8"?>
-<p:sldLayout xmlns:a="http://schemas.openxmlformats.org/drawingml/2006/main" xmlns:r="http://schemas.openxmlformats.org/officeDocument/2006/relationships" xmlns:mc="http://schemas.openxmlformats.org/markup-compatibility/2006" xmlns:mv="urn:schemas-microsoft-com:mac:vml" xmlns:p="http://schemas.openxmlformats.org/presentationml/2006/main" xmlns:c="http://schemas.openxmlformats.org/drawingml/2006/chart" xmlns:dgm="http://schemas.openxmlformats.org/drawingml/2006/diagram" xmlns:o="urn:schemas-microsoft-com:office:office" xmlns:v="urn:schemas-microsoft-com:vml" xmlns:pvml="urn:schemas-microsoft-com:office:powerpoint" xmlns:com="http://schemas.openxmlformats.org/drawingml/2006/compatibility" xmlns:p14="http://schemas.microsoft.com/office/powerpoint/2010/main" xmlns:p15="http://schemas.microsoft.com/office/powerpoint/2012/main" xmlns:ahyp="http://schemas.microsoft.com/office/drawing/2018/hyperlinkcolor" matchingName="Title and two columns" type="twoColTx">
+<p:sldLayout xmlns:a="http://schemas.openxmlformats.org/drawingml/2006/main" xmlns:r="http://schemas.openxmlformats.org/officeDocument/2006/relationships" xmlns:p="http://schemas.openxmlformats.org/presentationml/2006/main" matchingName="Title and two columns" type="twoColTx">
   <p:cSld name="TITLE_AND_TWO_COLUMNS">
     <p:spTree>
       <p:nvGrpSpPr>
-        <p:cNvPr id="25" name="Shape 25"/>
+        <p:cNvPr id="1" name="Shape 25"/>
         <p:cNvGrpSpPr/>
         <p:nvPr/>
       </p:nvGrpSpPr>
@@ -3718,7 +3836,9 @@
       <p:sp>
         <p:nvSpPr>
           <p:cNvPr id="26" name="Google Shape;26;p5"/>
-          <p:cNvSpPr txBox="1"/>
+          <p:cNvSpPr txBox="1">
+            <a:spLocks noGrp="1"/>
+          </p:cNvSpPr>
           <p:nvPr>
             <p:ph type="title"/>
           </p:nvPr>
@@ -3733,7 +3853,7 @@
           </a:prstGeom>
         </p:spPr>
         <p:txBody>
-          <a:bodyPr anchorCtr="0" anchor="b" bIns="91425" lIns="91425" spcFirstLastPara="1" rIns="91425" wrap="square" tIns="91425">
+          <a:bodyPr spcFirstLastPara="1" wrap="square" lIns="91425" tIns="91425" rIns="91425" bIns="91425" anchor="b" anchorCtr="0">
             <a:normAutofit/>
           </a:bodyPr>
           <a:lstStyle>
@@ -3837,15 +3957,19 @@
               <a:defRPr/>
             </a:lvl9pPr>
           </a:lstStyle>
-          <a:p/>
+          <a:p>
+            <a:endParaRPr/>
+          </a:p>
         </p:txBody>
       </p:sp>
       <p:sp>
         <p:nvSpPr>
           <p:cNvPr id="27" name="Google Shape;27;p5"/>
-          <p:cNvSpPr txBox="1"/>
+          <p:cNvSpPr txBox="1">
+            <a:spLocks noGrp="1"/>
+          </p:cNvSpPr>
           <p:nvPr>
-            <p:ph idx="1" type="body"/>
+            <p:ph type="body" idx="1"/>
           </p:nvPr>
         </p:nvSpPr>
         <p:spPr>
@@ -3858,11 +3982,11 @@
           </a:prstGeom>
         </p:spPr>
         <p:txBody>
-          <a:bodyPr anchorCtr="0" anchor="t" bIns="91425" lIns="91425" spcFirstLastPara="1" rIns="91425" wrap="square" tIns="91425">
+          <a:bodyPr spcFirstLastPara="1" wrap="square" lIns="91425" tIns="91425" rIns="91425" bIns="91425" anchor="t" anchorCtr="0">
             <a:normAutofit/>
           </a:bodyPr>
           <a:lstStyle>
-            <a:lvl1pPr indent="-317500" lvl="0" marL="457200">
+            <a:lvl1pPr marL="457200" lvl="0" indent="-317500">
               <a:spcBef>
                 <a:spcPts val="0"/>
               </a:spcBef>
@@ -3873,7 +3997,7 @@
               <a:buChar char="●"/>
               <a:defRPr sz="1400"/>
             </a:lvl1pPr>
-            <a:lvl2pPr indent="-304800" lvl="1" marL="914400">
+            <a:lvl2pPr marL="914400" lvl="1" indent="-304800">
               <a:spcBef>
                 <a:spcPts val="0"/>
               </a:spcBef>
@@ -3884,7 +4008,7 @@
               <a:buChar char="○"/>
               <a:defRPr sz="1200"/>
             </a:lvl2pPr>
-            <a:lvl3pPr indent="-304800" lvl="2" marL="1371600">
+            <a:lvl3pPr marL="1371600" lvl="2" indent="-304800">
               <a:spcBef>
                 <a:spcPts val="0"/>
               </a:spcBef>
@@ -3895,7 +4019,7 @@
               <a:buChar char="■"/>
               <a:defRPr sz="1200"/>
             </a:lvl3pPr>
-            <a:lvl4pPr indent="-304800" lvl="3" marL="1828800">
+            <a:lvl4pPr marL="1828800" lvl="3" indent="-304800">
               <a:spcBef>
                 <a:spcPts val="0"/>
               </a:spcBef>
@@ -3906,7 +4030,7 @@
               <a:buChar char="●"/>
               <a:defRPr sz="1200"/>
             </a:lvl4pPr>
-            <a:lvl5pPr indent="-304800" lvl="4" marL="2286000">
+            <a:lvl5pPr marL="2286000" lvl="4" indent="-304800">
               <a:spcBef>
                 <a:spcPts val="0"/>
               </a:spcBef>
@@ -3917,7 +4041,7 @@
               <a:buChar char="○"/>
               <a:defRPr sz="1200"/>
             </a:lvl5pPr>
-            <a:lvl6pPr indent="-304800" lvl="5" marL="2743200">
+            <a:lvl6pPr marL="2743200" lvl="5" indent="-304800">
               <a:spcBef>
                 <a:spcPts val="0"/>
               </a:spcBef>
@@ -3928,7 +4052,7 @@
               <a:buChar char="■"/>
               <a:defRPr sz="1200"/>
             </a:lvl6pPr>
-            <a:lvl7pPr indent="-304800" lvl="6" marL="3200400">
+            <a:lvl7pPr marL="3200400" lvl="6" indent="-304800">
               <a:spcBef>
                 <a:spcPts val="0"/>
               </a:spcBef>
@@ -3939,7 +4063,7 @@
               <a:buChar char="●"/>
               <a:defRPr sz="1200"/>
             </a:lvl7pPr>
-            <a:lvl8pPr indent="-304800" lvl="7" marL="3657600">
+            <a:lvl8pPr marL="3657600" lvl="7" indent="-304800">
               <a:spcBef>
                 <a:spcPts val="0"/>
               </a:spcBef>
@@ -3950,7 +4074,7 @@
               <a:buChar char="○"/>
               <a:defRPr sz="1200"/>
             </a:lvl8pPr>
-            <a:lvl9pPr indent="-304800" lvl="8" marL="4114800">
+            <a:lvl9pPr marL="4114800" lvl="8" indent="-304800">
               <a:spcBef>
                 <a:spcPts val="0"/>
               </a:spcBef>
@@ -3962,15 +4086,19 @@
               <a:defRPr sz="1200"/>
             </a:lvl9pPr>
           </a:lstStyle>
-          <a:p/>
+          <a:p>
+            <a:endParaRPr/>
+          </a:p>
         </p:txBody>
       </p:sp>
       <p:sp>
         <p:nvSpPr>
           <p:cNvPr id="28" name="Google Shape;28;p5"/>
-          <p:cNvSpPr txBox="1"/>
+          <p:cNvSpPr txBox="1">
+            <a:spLocks noGrp="1"/>
+          </p:cNvSpPr>
           <p:nvPr>
-            <p:ph idx="2" type="body"/>
+            <p:ph type="body" idx="2"/>
           </p:nvPr>
         </p:nvSpPr>
         <p:spPr>
@@ -3983,11 +4111,11 @@
           </a:prstGeom>
         </p:spPr>
         <p:txBody>
-          <a:bodyPr anchorCtr="0" anchor="t" bIns="91425" lIns="91425" spcFirstLastPara="1" rIns="91425" wrap="square" tIns="91425">
+          <a:bodyPr spcFirstLastPara="1" wrap="square" lIns="91425" tIns="91425" rIns="91425" bIns="91425" anchor="t" anchorCtr="0">
             <a:normAutofit/>
           </a:bodyPr>
           <a:lstStyle>
-            <a:lvl1pPr indent="-317500" lvl="0" marL="457200">
+            <a:lvl1pPr marL="457200" lvl="0" indent="-317500">
               <a:spcBef>
                 <a:spcPts val="0"/>
               </a:spcBef>
@@ -3998,7 +4126,7 @@
               <a:buChar char="●"/>
               <a:defRPr sz="1400"/>
             </a:lvl1pPr>
-            <a:lvl2pPr indent="-304800" lvl="1" marL="914400">
+            <a:lvl2pPr marL="914400" lvl="1" indent="-304800">
               <a:spcBef>
                 <a:spcPts val="0"/>
               </a:spcBef>
@@ -4009,7 +4137,7 @@
               <a:buChar char="○"/>
               <a:defRPr sz="1200"/>
             </a:lvl2pPr>
-            <a:lvl3pPr indent="-304800" lvl="2" marL="1371600">
+            <a:lvl3pPr marL="1371600" lvl="2" indent="-304800">
               <a:spcBef>
                 <a:spcPts val="0"/>
               </a:spcBef>
@@ -4020,7 +4148,7 @@
               <a:buChar char="■"/>
               <a:defRPr sz="1200"/>
             </a:lvl3pPr>
-            <a:lvl4pPr indent="-304800" lvl="3" marL="1828800">
+            <a:lvl4pPr marL="1828800" lvl="3" indent="-304800">
               <a:spcBef>
                 <a:spcPts val="0"/>
               </a:spcBef>
@@ -4031,7 +4159,7 @@
               <a:buChar char="●"/>
               <a:defRPr sz="1200"/>
             </a:lvl4pPr>
-            <a:lvl5pPr indent="-304800" lvl="4" marL="2286000">
+            <a:lvl5pPr marL="2286000" lvl="4" indent="-304800">
               <a:spcBef>
                 <a:spcPts val="0"/>
               </a:spcBef>
@@ -4042,7 +4170,7 @@
               <a:buChar char="○"/>
               <a:defRPr sz="1200"/>
             </a:lvl5pPr>
-            <a:lvl6pPr indent="-304800" lvl="5" marL="2743200">
+            <a:lvl6pPr marL="2743200" lvl="5" indent="-304800">
               <a:spcBef>
                 <a:spcPts val="0"/>
               </a:spcBef>
@@ -4053,7 +4181,7 @@
               <a:buChar char="■"/>
               <a:defRPr sz="1200"/>
             </a:lvl6pPr>
-            <a:lvl7pPr indent="-304800" lvl="6" marL="3200400">
+            <a:lvl7pPr marL="3200400" lvl="6" indent="-304800">
               <a:spcBef>
                 <a:spcPts val="0"/>
               </a:spcBef>
@@ -4064,7 +4192,7 @@
               <a:buChar char="●"/>
               <a:defRPr sz="1200"/>
             </a:lvl7pPr>
-            <a:lvl8pPr indent="-304800" lvl="7" marL="3657600">
+            <a:lvl8pPr marL="3657600" lvl="7" indent="-304800">
               <a:spcBef>
                 <a:spcPts val="0"/>
               </a:spcBef>
@@ -4075,7 +4203,7 @@
               <a:buChar char="○"/>
               <a:defRPr sz="1200"/>
             </a:lvl8pPr>
-            <a:lvl9pPr indent="-304800" lvl="8" marL="4114800">
+            <a:lvl9pPr marL="4114800" lvl="8" indent="-304800">
               <a:spcBef>
                 <a:spcPts val="0"/>
               </a:spcBef>
@@ -4087,15 +4215,19 @@
               <a:defRPr sz="1200"/>
             </a:lvl9pPr>
           </a:lstStyle>
-          <a:p/>
+          <a:p>
+            <a:endParaRPr/>
+          </a:p>
         </p:txBody>
       </p:sp>
       <p:sp>
         <p:nvSpPr>
           <p:cNvPr id="29" name="Google Shape;29;p5"/>
-          <p:cNvSpPr txBox="1"/>
+          <p:cNvSpPr txBox="1">
+            <a:spLocks noGrp="1"/>
+          </p:cNvSpPr>
           <p:nvPr>
-            <p:ph idx="12" type="sldNum"/>
+            <p:ph type="sldNum" idx="12"/>
           </p:nvPr>
         </p:nvSpPr>
         <p:spPr>
@@ -4108,7 +4240,7 @@
           </a:prstGeom>
         </p:spPr>
         <p:txBody>
-          <a:bodyPr anchorCtr="0" anchor="ctr" bIns="91425" lIns="91425" spcFirstLastPara="1" rIns="91425" wrap="square" tIns="91425">
+          <a:bodyPr spcFirstLastPara="1" wrap="square" lIns="91425" tIns="91425" rIns="91425" bIns="91425" anchor="ctr" anchorCtr="0">
             <a:normAutofit/>
           </a:bodyPr>
           <a:lstStyle>
@@ -4150,7 +4282,7 @@
             </a:lvl9pPr>
           </a:lstStyle>
           <a:p>
-            <a:pPr indent="0" lvl="0" marL="0" rtl="0" algn="r">
+            <a:pPr marL="0" lvl="0" indent="0" algn="r" rtl="0">
               <a:spcBef>
                 <a:spcPts val="0"/>
               </a:spcBef>
@@ -4161,7 +4293,7 @@
             </a:pPr>
             <a:fld id="{00000000-1234-1234-1234-123412341234}" type="slidenum">
               <a:rPr lang="es"/>
-              <a:t>‹#›</a:t>
+              <a:t>‹Nº›</a:t>
             </a:fld>
             <a:endParaRPr/>
           </a:p>
@@ -4176,11 +4308,11 @@
 </file>
 
 <file path=ppt/slideLayouts/slideLayout5.xml><?xml version="1.0" encoding="utf-8"?>
-<p:sldLayout xmlns:a="http://schemas.openxmlformats.org/drawingml/2006/main" xmlns:r="http://schemas.openxmlformats.org/officeDocument/2006/relationships" xmlns:mc="http://schemas.openxmlformats.org/markup-compatibility/2006" xmlns:mv="urn:schemas-microsoft-com:mac:vml" xmlns:p="http://schemas.openxmlformats.org/presentationml/2006/main" xmlns:c="http://schemas.openxmlformats.org/drawingml/2006/chart" xmlns:dgm="http://schemas.openxmlformats.org/drawingml/2006/diagram" xmlns:o="urn:schemas-microsoft-com:office:office" xmlns:v="urn:schemas-microsoft-com:vml" xmlns:pvml="urn:schemas-microsoft-com:office:powerpoint" xmlns:com="http://schemas.openxmlformats.org/drawingml/2006/compatibility" xmlns:p14="http://schemas.microsoft.com/office/powerpoint/2010/main" xmlns:p15="http://schemas.microsoft.com/office/powerpoint/2012/main" xmlns:ahyp="http://schemas.microsoft.com/office/drawing/2018/hyperlinkcolor" matchingName="Title only" type="titleOnly">
+<p:sldLayout xmlns:a="http://schemas.openxmlformats.org/drawingml/2006/main" xmlns:r="http://schemas.openxmlformats.org/officeDocument/2006/relationships" xmlns:p="http://schemas.openxmlformats.org/presentationml/2006/main" matchingName="Title only" type="titleOnly">
   <p:cSld name="TITLE_ONLY">
     <p:spTree>
       <p:nvGrpSpPr>
-        <p:cNvPr id="30" name="Shape 30"/>
+        <p:cNvPr id="1" name="Shape 30"/>
         <p:cNvGrpSpPr/>
         <p:nvPr/>
       </p:nvGrpSpPr>
@@ -4195,7 +4327,9 @@
       <p:sp>
         <p:nvSpPr>
           <p:cNvPr id="31" name="Google Shape;31;p6"/>
-          <p:cNvSpPr txBox="1"/>
+          <p:cNvSpPr txBox="1">
+            <a:spLocks noGrp="1"/>
+          </p:cNvSpPr>
           <p:nvPr>
             <p:ph type="title"/>
           </p:nvPr>
@@ -4210,7 +4344,7 @@
           </a:prstGeom>
         </p:spPr>
         <p:txBody>
-          <a:bodyPr anchorCtr="0" anchor="b" bIns="91425" lIns="91425" spcFirstLastPara="1" rIns="91425" wrap="square" tIns="91425">
+          <a:bodyPr spcFirstLastPara="1" wrap="square" lIns="91425" tIns="91425" rIns="91425" bIns="91425" anchor="b" anchorCtr="0">
             <a:normAutofit/>
           </a:bodyPr>
           <a:lstStyle>
@@ -4314,15 +4448,19 @@
               <a:defRPr/>
             </a:lvl9pPr>
           </a:lstStyle>
-          <a:p/>
+          <a:p>
+            <a:endParaRPr/>
+          </a:p>
         </p:txBody>
       </p:sp>
       <p:sp>
         <p:nvSpPr>
           <p:cNvPr id="32" name="Google Shape;32;p6"/>
-          <p:cNvSpPr txBox="1"/>
+          <p:cNvSpPr txBox="1">
+            <a:spLocks noGrp="1"/>
+          </p:cNvSpPr>
           <p:nvPr>
-            <p:ph idx="12" type="sldNum"/>
+            <p:ph type="sldNum" idx="12"/>
           </p:nvPr>
         </p:nvSpPr>
         <p:spPr>
@@ -4335,7 +4473,7 @@
           </a:prstGeom>
         </p:spPr>
         <p:txBody>
-          <a:bodyPr anchorCtr="0" anchor="ctr" bIns="91425" lIns="91425" spcFirstLastPara="1" rIns="91425" wrap="square" tIns="91425">
+          <a:bodyPr spcFirstLastPara="1" wrap="square" lIns="91425" tIns="91425" rIns="91425" bIns="91425" anchor="ctr" anchorCtr="0">
             <a:normAutofit/>
           </a:bodyPr>
           <a:lstStyle>
@@ -4377,7 +4515,7 @@
             </a:lvl9pPr>
           </a:lstStyle>
           <a:p>
-            <a:pPr indent="0" lvl="0" marL="0" rtl="0" algn="r">
+            <a:pPr marL="0" lvl="0" indent="0" algn="r" rtl="0">
               <a:spcBef>
                 <a:spcPts val="0"/>
               </a:spcBef>
@@ -4388,7 +4526,7 @@
             </a:pPr>
             <a:fld id="{00000000-1234-1234-1234-123412341234}" type="slidenum">
               <a:rPr lang="es"/>
-              <a:t>‹#›</a:t>
+              <a:t>‹Nº›</a:t>
             </a:fld>
             <a:endParaRPr/>
           </a:p>
@@ -4403,11 +4541,11 @@
 </file>
 
 <file path=ppt/slideLayouts/slideLayout6.xml><?xml version="1.0" encoding="utf-8"?>
-<p:sldLayout xmlns:a="http://schemas.openxmlformats.org/drawingml/2006/main" xmlns:r="http://schemas.openxmlformats.org/officeDocument/2006/relationships" xmlns:mc="http://schemas.openxmlformats.org/markup-compatibility/2006" xmlns:mv="urn:schemas-microsoft-com:mac:vml" xmlns:p="http://schemas.openxmlformats.org/presentationml/2006/main" xmlns:c="http://schemas.openxmlformats.org/drawingml/2006/chart" xmlns:dgm="http://schemas.openxmlformats.org/drawingml/2006/diagram" xmlns:o="urn:schemas-microsoft-com:office:office" xmlns:v="urn:schemas-microsoft-com:vml" xmlns:pvml="urn:schemas-microsoft-com:office:powerpoint" xmlns:com="http://schemas.openxmlformats.org/drawingml/2006/compatibility" xmlns:p14="http://schemas.microsoft.com/office/powerpoint/2010/main" xmlns:p15="http://schemas.microsoft.com/office/powerpoint/2012/main" xmlns:ahyp="http://schemas.microsoft.com/office/drawing/2018/hyperlinkcolor" matchingName="One column text">
+<p:sldLayout xmlns:a="http://schemas.openxmlformats.org/drawingml/2006/main" xmlns:r="http://schemas.openxmlformats.org/officeDocument/2006/relationships" xmlns:p="http://schemas.openxmlformats.org/presentationml/2006/main" matchingName="One column text">
   <p:cSld name="ONE_COLUMN_TEXT">
     <p:spTree>
       <p:nvGrpSpPr>
-        <p:cNvPr id="33" name="Shape 33"/>
+        <p:cNvPr id="1" name="Shape 33"/>
         <p:cNvGrpSpPr/>
         <p:nvPr/>
       </p:nvGrpSpPr>
@@ -4422,7 +4560,9 @@
       <p:sp>
         <p:nvSpPr>
           <p:cNvPr id="34" name="Google Shape;34;p7"/>
-          <p:cNvSpPr txBox="1"/>
+          <p:cNvSpPr txBox="1">
+            <a:spLocks noGrp="1"/>
+          </p:cNvSpPr>
           <p:nvPr>
             <p:ph type="title"/>
           </p:nvPr>
@@ -4437,7 +4577,7 @@
           </a:prstGeom>
         </p:spPr>
         <p:txBody>
-          <a:bodyPr anchorCtr="0" anchor="b" bIns="91425" lIns="91425" spcFirstLastPara="1" rIns="91425" wrap="square" tIns="91425">
+          <a:bodyPr spcFirstLastPara="1" wrap="square" lIns="91425" tIns="91425" rIns="91425" bIns="91425" anchor="b" anchorCtr="0">
             <a:normAutofit/>
           </a:bodyPr>
           <a:lstStyle>
@@ -4541,15 +4681,19 @@
               <a:defRPr sz="3000"/>
             </a:lvl9pPr>
           </a:lstStyle>
-          <a:p/>
+          <a:p>
+            <a:endParaRPr/>
+          </a:p>
         </p:txBody>
       </p:sp>
       <p:sp>
         <p:nvSpPr>
           <p:cNvPr id="35" name="Google Shape;35;p7"/>
-          <p:cNvSpPr txBox="1"/>
+          <p:cNvSpPr txBox="1">
+            <a:spLocks noGrp="1"/>
+          </p:cNvSpPr>
           <p:nvPr>
-            <p:ph idx="1" type="body"/>
+            <p:ph type="body" idx="1"/>
           </p:nvPr>
         </p:nvSpPr>
         <p:spPr>
@@ -4562,11 +4706,11 @@
           </a:prstGeom>
         </p:spPr>
         <p:txBody>
-          <a:bodyPr anchorCtr="0" anchor="t" bIns="91425" lIns="91425" spcFirstLastPara="1" rIns="91425" wrap="square" tIns="91425">
+          <a:bodyPr spcFirstLastPara="1" wrap="square" lIns="91425" tIns="91425" rIns="91425" bIns="91425" anchor="t" anchorCtr="0">
             <a:normAutofit/>
           </a:bodyPr>
           <a:lstStyle>
-            <a:lvl1pPr indent="-304800" lvl="0" marL="457200">
+            <a:lvl1pPr marL="457200" lvl="0" indent="-304800">
               <a:spcBef>
                 <a:spcPts val="0"/>
               </a:spcBef>
@@ -4577,7 +4721,7 @@
               <a:buChar char="●"/>
               <a:defRPr sz="1200"/>
             </a:lvl1pPr>
-            <a:lvl2pPr indent="-304800" lvl="1" marL="914400">
+            <a:lvl2pPr marL="914400" lvl="1" indent="-304800">
               <a:spcBef>
                 <a:spcPts val="0"/>
               </a:spcBef>
@@ -4588,7 +4732,7 @@
               <a:buChar char="○"/>
               <a:defRPr sz="1200"/>
             </a:lvl2pPr>
-            <a:lvl3pPr indent="-304800" lvl="2" marL="1371600">
+            <a:lvl3pPr marL="1371600" lvl="2" indent="-304800">
               <a:spcBef>
                 <a:spcPts val="0"/>
               </a:spcBef>
@@ -4599,7 +4743,7 @@
               <a:buChar char="■"/>
               <a:defRPr sz="1200"/>
             </a:lvl3pPr>
-            <a:lvl4pPr indent="-304800" lvl="3" marL="1828800">
+            <a:lvl4pPr marL="1828800" lvl="3" indent="-304800">
               <a:spcBef>
                 <a:spcPts val="0"/>
               </a:spcBef>
@@ -4610,7 +4754,7 @@
               <a:buChar char="●"/>
               <a:defRPr sz="1200"/>
             </a:lvl4pPr>
-            <a:lvl5pPr indent="-304800" lvl="4" marL="2286000">
+            <a:lvl5pPr marL="2286000" lvl="4" indent="-304800">
               <a:spcBef>
                 <a:spcPts val="0"/>
               </a:spcBef>
@@ -4621,7 +4765,7 @@
               <a:buChar char="○"/>
               <a:defRPr sz="1200"/>
             </a:lvl5pPr>
-            <a:lvl6pPr indent="-304800" lvl="5" marL="2743200">
+            <a:lvl6pPr marL="2743200" lvl="5" indent="-304800">
               <a:spcBef>
                 <a:spcPts val="0"/>
               </a:spcBef>
@@ -4632,7 +4776,7 @@
               <a:buChar char="■"/>
               <a:defRPr sz="1200"/>
             </a:lvl6pPr>
-            <a:lvl7pPr indent="-304800" lvl="6" marL="3200400">
+            <a:lvl7pPr marL="3200400" lvl="6" indent="-304800">
               <a:spcBef>
                 <a:spcPts val="0"/>
               </a:spcBef>
@@ -4643,7 +4787,7 @@
               <a:buChar char="●"/>
               <a:defRPr sz="1200"/>
             </a:lvl7pPr>
-            <a:lvl8pPr indent="-304800" lvl="7" marL="3657600">
+            <a:lvl8pPr marL="3657600" lvl="7" indent="-304800">
               <a:spcBef>
                 <a:spcPts val="0"/>
               </a:spcBef>
@@ -4654,7 +4798,7 @@
               <a:buChar char="○"/>
               <a:defRPr sz="1200"/>
             </a:lvl8pPr>
-            <a:lvl9pPr indent="-304800" lvl="8" marL="4114800">
+            <a:lvl9pPr marL="4114800" lvl="8" indent="-304800">
               <a:spcBef>
                 <a:spcPts val="0"/>
               </a:spcBef>
@@ -4666,15 +4810,19 @@
               <a:defRPr sz="1200"/>
             </a:lvl9pPr>
           </a:lstStyle>
-          <a:p/>
+          <a:p>
+            <a:endParaRPr/>
+          </a:p>
         </p:txBody>
       </p:sp>
       <p:sp>
         <p:nvSpPr>
           <p:cNvPr id="36" name="Google Shape;36;p7"/>
-          <p:cNvSpPr txBox="1"/>
+          <p:cNvSpPr txBox="1">
+            <a:spLocks noGrp="1"/>
+          </p:cNvSpPr>
           <p:nvPr>
-            <p:ph idx="12" type="sldNum"/>
+            <p:ph type="sldNum" idx="12"/>
           </p:nvPr>
         </p:nvSpPr>
         <p:spPr>
@@ -4687,7 +4835,7 @@
           </a:prstGeom>
         </p:spPr>
         <p:txBody>
-          <a:bodyPr anchorCtr="0" anchor="ctr" bIns="91425" lIns="91425" spcFirstLastPara="1" rIns="91425" wrap="square" tIns="91425">
+          <a:bodyPr spcFirstLastPara="1" wrap="square" lIns="91425" tIns="91425" rIns="91425" bIns="91425" anchor="ctr" anchorCtr="0">
             <a:normAutofit/>
           </a:bodyPr>
           <a:lstStyle>
@@ -4729,7 +4877,7 @@
             </a:lvl9pPr>
           </a:lstStyle>
           <a:p>
-            <a:pPr indent="0" lvl="0" marL="0" rtl="0" algn="r">
+            <a:pPr marL="0" lvl="0" indent="0" algn="r" rtl="0">
               <a:spcBef>
                 <a:spcPts val="0"/>
               </a:spcBef>
@@ -4740,7 +4888,7 @@
             </a:pPr>
             <a:fld id="{00000000-1234-1234-1234-123412341234}" type="slidenum">
               <a:rPr lang="es"/>
-              <a:t>‹#›</a:t>
+              <a:t>‹Nº›</a:t>
             </a:fld>
             <a:endParaRPr/>
           </a:p>
@@ -4755,11 +4903,11 @@
 </file>
 
 <file path=ppt/slideLayouts/slideLayout7.xml><?xml version="1.0" encoding="utf-8"?>
-<p:sldLayout xmlns:a="http://schemas.openxmlformats.org/drawingml/2006/main" xmlns:r="http://schemas.openxmlformats.org/officeDocument/2006/relationships" xmlns:mc="http://schemas.openxmlformats.org/markup-compatibility/2006" xmlns:mv="urn:schemas-microsoft-com:mac:vml" xmlns:p="http://schemas.openxmlformats.org/presentationml/2006/main" xmlns:c="http://schemas.openxmlformats.org/drawingml/2006/chart" xmlns:dgm="http://schemas.openxmlformats.org/drawingml/2006/diagram" xmlns:o="urn:schemas-microsoft-com:office:office" xmlns:v="urn:schemas-microsoft-com:vml" xmlns:pvml="urn:schemas-microsoft-com:office:powerpoint" xmlns:com="http://schemas.openxmlformats.org/drawingml/2006/compatibility" xmlns:p14="http://schemas.microsoft.com/office/powerpoint/2010/main" xmlns:p15="http://schemas.microsoft.com/office/powerpoint/2012/main" xmlns:ahyp="http://schemas.microsoft.com/office/drawing/2018/hyperlinkcolor" matchingName="Main point">
+<p:sldLayout xmlns:a="http://schemas.openxmlformats.org/drawingml/2006/main" xmlns:r="http://schemas.openxmlformats.org/officeDocument/2006/relationships" xmlns:p="http://schemas.openxmlformats.org/presentationml/2006/main" matchingName="Main point">
   <p:cSld name="MAIN_POINT">
     <p:spTree>
       <p:nvGrpSpPr>
-        <p:cNvPr id="37" name="Shape 37"/>
+        <p:cNvPr id="1" name="Shape 37"/>
         <p:cNvGrpSpPr/>
         <p:nvPr/>
       </p:nvGrpSpPr>
@@ -4793,12 +4941,12 @@
           </a:ln>
         </p:spPr>
         <p:txBody>
-          <a:bodyPr anchorCtr="0" anchor="ctr" bIns="91425" lIns="91425" spcFirstLastPara="1" rIns="91425" wrap="square" tIns="91425">
+          <a:bodyPr spcFirstLastPara="1" wrap="square" lIns="91425" tIns="91425" rIns="91425" bIns="91425" anchor="ctr" anchorCtr="0">
             <a:noAutofit/>
           </a:bodyPr>
           <a:lstStyle/>
           <a:p>
-            <a:pPr indent="0" lvl="0" marL="0" rtl="0" algn="l">
+            <a:pPr marL="0" lvl="0" indent="0" algn="l" rtl="0">
               <a:spcBef>
                 <a:spcPts val="0"/>
               </a:spcBef>
@@ -4807,9 +4955,6 @@
               </a:spcAft>
               <a:buNone/>
             </a:pPr>
-            <a:r>
-              <a:t/>
-            </a:r>
             <a:endParaRPr/>
           </a:p>
         </p:txBody>
@@ -4817,7 +4962,9 @@
       <p:sp>
         <p:nvSpPr>
           <p:cNvPr id="39" name="Google Shape;39;p8"/>
-          <p:cNvSpPr txBox="1"/>
+          <p:cNvSpPr txBox="1">
+            <a:spLocks noGrp="1"/>
+          </p:cNvSpPr>
           <p:nvPr>
             <p:ph type="title"/>
           </p:nvPr>
@@ -4832,7 +4979,7 @@
           </a:prstGeom>
         </p:spPr>
         <p:txBody>
-          <a:bodyPr anchorCtr="0" anchor="ctr" bIns="91425" lIns="91425" spcFirstLastPara="1" rIns="91425" wrap="square" tIns="91425">
+          <a:bodyPr spcFirstLastPara="1" wrap="square" lIns="91425" tIns="91425" rIns="91425" bIns="91425" anchor="ctr" anchorCtr="0">
             <a:normAutofit/>
           </a:bodyPr>
           <a:lstStyle>
@@ -4936,15 +5083,19 @@
               <a:defRPr sz="4800"/>
             </a:lvl9pPr>
           </a:lstStyle>
-          <a:p/>
+          <a:p>
+            <a:endParaRPr/>
+          </a:p>
         </p:txBody>
       </p:sp>
       <p:sp>
         <p:nvSpPr>
           <p:cNvPr id="40" name="Google Shape;40;p8"/>
-          <p:cNvSpPr txBox="1"/>
+          <p:cNvSpPr txBox="1">
+            <a:spLocks noGrp="1"/>
+          </p:cNvSpPr>
           <p:nvPr>
-            <p:ph idx="12" type="sldNum"/>
+            <p:ph type="sldNum" idx="12"/>
           </p:nvPr>
         </p:nvSpPr>
         <p:spPr>
@@ -4957,7 +5108,7 @@
           </a:prstGeom>
         </p:spPr>
         <p:txBody>
-          <a:bodyPr anchorCtr="0" anchor="ctr" bIns="91425" lIns="91425" spcFirstLastPara="1" rIns="91425" wrap="square" tIns="91425">
+          <a:bodyPr spcFirstLastPara="1" wrap="square" lIns="91425" tIns="91425" rIns="91425" bIns="91425" anchor="ctr" anchorCtr="0">
             <a:normAutofit/>
           </a:bodyPr>
           <a:lstStyle>
@@ -4999,7 +5150,7 @@
             </a:lvl9pPr>
           </a:lstStyle>
           <a:p>
-            <a:pPr indent="0" lvl="0" marL="0" rtl="0" algn="r">
+            <a:pPr marL="0" lvl="0" indent="0" algn="r" rtl="0">
               <a:spcBef>
                 <a:spcPts val="0"/>
               </a:spcBef>
@@ -5010,7 +5161,7 @@
             </a:pPr>
             <a:fld id="{00000000-1234-1234-1234-123412341234}" type="slidenum">
               <a:rPr lang="es"/>
-              <a:t>‹#›</a:t>
+              <a:t>‹Nº›</a:t>
             </a:fld>
             <a:endParaRPr/>
           </a:p>
@@ -5025,11 +5176,11 @@
 </file>
 
 <file path=ppt/slideLayouts/slideLayout8.xml><?xml version="1.0" encoding="utf-8"?>
-<p:sldLayout xmlns:a="http://schemas.openxmlformats.org/drawingml/2006/main" xmlns:r="http://schemas.openxmlformats.org/officeDocument/2006/relationships" xmlns:mc="http://schemas.openxmlformats.org/markup-compatibility/2006" xmlns:mv="urn:schemas-microsoft-com:mac:vml" xmlns:p="http://schemas.openxmlformats.org/presentationml/2006/main" xmlns:c="http://schemas.openxmlformats.org/drawingml/2006/chart" xmlns:dgm="http://schemas.openxmlformats.org/drawingml/2006/diagram" xmlns:o="urn:schemas-microsoft-com:office:office" xmlns:v="urn:schemas-microsoft-com:vml" xmlns:pvml="urn:schemas-microsoft-com:office:powerpoint" xmlns:com="http://schemas.openxmlformats.org/drawingml/2006/compatibility" xmlns:p14="http://schemas.microsoft.com/office/powerpoint/2010/main" xmlns:p15="http://schemas.microsoft.com/office/powerpoint/2012/main" xmlns:ahyp="http://schemas.microsoft.com/office/drawing/2018/hyperlinkcolor" matchingName="Section title and description">
+<p:sldLayout xmlns:a="http://schemas.openxmlformats.org/drawingml/2006/main" xmlns:r="http://schemas.openxmlformats.org/officeDocument/2006/relationships" xmlns:p="http://schemas.openxmlformats.org/presentationml/2006/main" matchingName="Section title and description">
   <p:cSld name="SECTION_TITLE_AND_DESCRIPTION">
     <p:spTree>
       <p:nvGrpSpPr>
-        <p:cNvPr id="41" name="Shape 41"/>
+        <p:cNvPr id="1" name="Shape 41"/>
         <p:cNvGrpSpPr/>
         <p:nvPr/>
       </p:nvGrpSpPr>
@@ -5063,12 +5214,12 @@
           </a:ln>
         </p:spPr>
         <p:txBody>
-          <a:bodyPr anchorCtr="0" anchor="ctr" bIns="91425" lIns="91425" spcFirstLastPara="1" rIns="91425" wrap="square" tIns="91425">
+          <a:bodyPr spcFirstLastPara="1" wrap="square" lIns="91425" tIns="91425" rIns="91425" bIns="91425" anchor="ctr" anchorCtr="0">
             <a:noAutofit/>
           </a:bodyPr>
           <a:lstStyle/>
           <a:p>
-            <a:pPr indent="0" lvl="0" marL="0" rtl="0" algn="l">
+            <a:pPr marL="0" lvl="0" indent="0" algn="l" rtl="0">
               <a:spcBef>
                 <a:spcPts val="0"/>
               </a:spcBef>
@@ -5077,9 +5228,6 @@
               </a:spcAft>
               <a:buNone/>
             </a:pPr>
-            <a:r>
-              <a:t/>
-            </a:r>
             <a:endParaRPr/>
           </a:p>
         </p:txBody>
@@ -5099,21 +5247,23 @@
             <a:avLst/>
           </a:prstGeom>
           <a:noFill/>
-          <a:ln cap="flat" cmpd="sng" w="19050">
+          <a:ln w="19050" cap="flat" cmpd="sng">
             <a:solidFill>
               <a:schemeClr val="lt1"/>
             </a:solidFill>
             <a:prstDash val="solid"/>
             <a:round/>
-            <a:headEnd len="sm" w="sm" type="none"/>
-            <a:tailEnd len="sm" w="sm" type="none"/>
+            <a:headEnd type="none" w="sm" len="sm"/>
+            <a:tailEnd type="none" w="sm" len="sm"/>
           </a:ln>
         </p:spPr>
       </p:cxnSp>
       <p:sp>
         <p:nvSpPr>
           <p:cNvPr id="44" name="Google Shape;44;p9"/>
-          <p:cNvSpPr txBox="1"/>
+          <p:cNvSpPr txBox="1">
+            <a:spLocks noGrp="1"/>
+          </p:cNvSpPr>
           <p:nvPr>
             <p:ph type="title"/>
           </p:nvPr>
@@ -5128,7 +5278,7 @@
           </a:prstGeom>
         </p:spPr>
         <p:txBody>
-          <a:bodyPr anchorCtr="0" anchor="b" bIns="91425" lIns="91425" spcFirstLastPara="1" rIns="91425" wrap="square" tIns="91425">
+          <a:bodyPr spcFirstLastPara="1" wrap="square" lIns="91425" tIns="91425" rIns="91425" bIns="91425" anchor="b" anchorCtr="0">
             <a:normAutofit/>
           </a:bodyPr>
           <a:lstStyle>
@@ -5295,15 +5445,19 @@
               </a:defRPr>
             </a:lvl9pPr>
           </a:lstStyle>
-          <a:p/>
+          <a:p>
+            <a:endParaRPr/>
+          </a:p>
         </p:txBody>
       </p:sp>
       <p:sp>
         <p:nvSpPr>
           <p:cNvPr id="45" name="Google Shape;45;p9"/>
-          <p:cNvSpPr txBox="1"/>
+          <p:cNvSpPr txBox="1">
+            <a:spLocks noGrp="1"/>
+          </p:cNvSpPr>
           <p:nvPr>
-            <p:ph idx="1" type="subTitle"/>
+            <p:ph type="subTitle" idx="1"/>
           </p:nvPr>
         </p:nvSpPr>
         <p:spPr>
@@ -5316,7 +5470,7 @@
           </a:prstGeom>
         </p:spPr>
         <p:txBody>
-          <a:bodyPr anchorCtr="0" anchor="t" bIns="91425" lIns="91425" spcFirstLastPara="1" rIns="91425" wrap="square" tIns="91425">
+          <a:bodyPr spcFirstLastPara="1" wrap="square" lIns="91425" tIns="91425" rIns="91425" bIns="91425" anchor="t" anchorCtr="0">
             <a:normAutofit/>
           </a:bodyPr>
           <a:lstStyle>
@@ -5501,15 +5655,19 @@
               </a:defRPr>
             </a:lvl9pPr>
           </a:lstStyle>
-          <a:p/>
+          <a:p>
+            <a:endParaRPr/>
+          </a:p>
         </p:txBody>
       </p:sp>
       <p:sp>
         <p:nvSpPr>
           <p:cNvPr id="46" name="Google Shape;46;p9"/>
-          <p:cNvSpPr txBox="1"/>
+          <p:cNvSpPr txBox="1">
+            <a:spLocks noGrp="1"/>
+          </p:cNvSpPr>
           <p:nvPr>
-            <p:ph idx="2" type="body"/>
+            <p:ph type="body" idx="2"/>
           </p:nvPr>
         </p:nvSpPr>
         <p:spPr>
@@ -5522,11 +5680,11 @@
           </a:prstGeom>
         </p:spPr>
         <p:txBody>
-          <a:bodyPr anchorCtr="0" anchor="ctr" bIns="91425" lIns="91425" spcFirstLastPara="1" rIns="91425" wrap="square" tIns="91425">
+          <a:bodyPr spcFirstLastPara="1" wrap="square" lIns="91425" tIns="91425" rIns="91425" bIns="91425" anchor="ctr" anchorCtr="0">
             <a:normAutofit/>
           </a:bodyPr>
           <a:lstStyle>
-            <a:lvl1pPr indent="-342900" lvl="0" marL="457200">
+            <a:lvl1pPr marL="457200" lvl="0" indent="-342900">
               <a:spcBef>
                 <a:spcPts val="0"/>
               </a:spcBef>
@@ -5544,7 +5702,7 @@
                 </a:solidFill>
               </a:defRPr>
             </a:lvl1pPr>
-            <a:lvl2pPr indent="-317500" lvl="1" marL="914400">
+            <a:lvl2pPr marL="914400" lvl="1" indent="-317500">
               <a:spcBef>
                 <a:spcPts val="0"/>
               </a:spcBef>
@@ -5562,7 +5720,7 @@
                 </a:solidFill>
               </a:defRPr>
             </a:lvl2pPr>
-            <a:lvl3pPr indent="-317500" lvl="2" marL="1371600">
+            <a:lvl3pPr marL="1371600" lvl="2" indent="-317500">
               <a:spcBef>
                 <a:spcPts val="0"/>
               </a:spcBef>
@@ -5580,7 +5738,7 @@
                 </a:solidFill>
               </a:defRPr>
             </a:lvl3pPr>
-            <a:lvl4pPr indent="-317500" lvl="3" marL="1828800">
+            <a:lvl4pPr marL="1828800" lvl="3" indent="-317500">
               <a:spcBef>
                 <a:spcPts val="0"/>
               </a:spcBef>
@@ -5598,7 +5756,7 @@
                 </a:solidFill>
               </a:defRPr>
             </a:lvl4pPr>
-            <a:lvl5pPr indent="-317500" lvl="4" marL="2286000">
+            <a:lvl5pPr marL="2286000" lvl="4" indent="-317500">
               <a:spcBef>
                 <a:spcPts val="0"/>
               </a:spcBef>
@@ -5616,7 +5774,7 @@
                 </a:solidFill>
               </a:defRPr>
             </a:lvl5pPr>
-            <a:lvl6pPr indent="-317500" lvl="5" marL="2743200">
+            <a:lvl6pPr marL="2743200" lvl="5" indent="-317500">
               <a:spcBef>
                 <a:spcPts val="0"/>
               </a:spcBef>
@@ -5634,7 +5792,7 @@
                 </a:solidFill>
               </a:defRPr>
             </a:lvl6pPr>
-            <a:lvl7pPr indent="-317500" lvl="6" marL="3200400">
+            <a:lvl7pPr marL="3200400" lvl="6" indent="-317500">
               <a:spcBef>
                 <a:spcPts val="0"/>
               </a:spcBef>
@@ -5652,7 +5810,7 @@
                 </a:solidFill>
               </a:defRPr>
             </a:lvl7pPr>
-            <a:lvl8pPr indent="-317500" lvl="7" marL="3657600">
+            <a:lvl8pPr marL="3657600" lvl="7" indent="-317500">
               <a:spcBef>
                 <a:spcPts val="0"/>
               </a:spcBef>
@@ -5670,7 +5828,7 @@
                 </a:solidFill>
               </a:defRPr>
             </a:lvl8pPr>
-            <a:lvl9pPr indent="-317500" lvl="8" marL="4114800">
+            <a:lvl9pPr marL="4114800" lvl="8" indent="-317500">
               <a:spcBef>
                 <a:spcPts val="0"/>
               </a:spcBef>
@@ -5689,15 +5847,19 @@
               </a:defRPr>
             </a:lvl9pPr>
           </a:lstStyle>
-          <a:p/>
+          <a:p>
+            <a:endParaRPr/>
+          </a:p>
         </p:txBody>
       </p:sp>
       <p:sp>
         <p:nvSpPr>
           <p:cNvPr id="47" name="Google Shape;47;p9"/>
-          <p:cNvSpPr txBox="1"/>
+          <p:cNvSpPr txBox="1">
+            <a:spLocks noGrp="1"/>
+          </p:cNvSpPr>
           <p:nvPr>
-            <p:ph idx="12" type="sldNum"/>
+            <p:ph type="sldNum" idx="12"/>
           </p:nvPr>
         </p:nvSpPr>
         <p:spPr>
@@ -5710,7 +5872,7 @@
           </a:prstGeom>
         </p:spPr>
         <p:txBody>
-          <a:bodyPr anchorCtr="0" anchor="ctr" bIns="91425" lIns="91425" spcFirstLastPara="1" rIns="91425" wrap="square" tIns="91425">
+          <a:bodyPr spcFirstLastPara="1" wrap="square" lIns="91425" tIns="91425" rIns="91425" bIns="91425" anchor="ctr" anchorCtr="0">
             <a:normAutofit/>
           </a:bodyPr>
           <a:lstStyle>
@@ -5788,7 +5950,7 @@
             </a:lvl9pPr>
           </a:lstStyle>
           <a:p>
-            <a:pPr indent="0" lvl="0" marL="0" rtl="0" algn="r">
+            <a:pPr marL="0" lvl="0" indent="0" algn="r" rtl="0">
               <a:spcBef>
                 <a:spcPts val="0"/>
               </a:spcBef>
@@ -5799,7 +5961,7 @@
             </a:pPr>
             <a:fld id="{00000000-1234-1234-1234-123412341234}" type="slidenum">
               <a:rPr lang="es"/>
-              <a:t>‹#›</a:t>
+              <a:t>‹Nº›</a:t>
             </a:fld>
             <a:endParaRPr/>
           </a:p>
@@ -5814,11 +5976,11 @@
 </file>
 
 <file path=ppt/slideLayouts/slideLayout9.xml><?xml version="1.0" encoding="utf-8"?>
-<p:sldLayout xmlns:a="http://schemas.openxmlformats.org/drawingml/2006/main" xmlns:r="http://schemas.openxmlformats.org/officeDocument/2006/relationships" xmlns:mc="http://schemas.openxmlformats.org/markup-compatibility/2006" xmlns:mv="urn:schemas-microsoft-com:mac:vml" xmlns:p="http://schemas.openxmlformats.org/presentationml/2006/main" xmlns:c="http://schemas.openxmlformats.org/drawingml/2006/chart" xmlns:dgm="http://schemas.openxmlformats.org/drawingml/2006/diagram" xmlns:o="urn:schemas-microsoft-com:office:office" xmlns:v="urn:schemas-microsoft-com:vml" xmlns:pvml="urn:schemas-microsoft-com:office:powerpoint" xmlns:com="http://schemas.openxmlformats.org/drawingml/2006/compatibility" xmlns:p14="http://schemas.microsoft.com/office/powerpoint/2010/main" xmlns:p15="http://schemas.microsoft.com/office/powerpoint/2012/main" xmlns:ahyp="http://schemas.microsoft.com/office/drawing/2018/hyperlinkcolor" matchingName="Caption">
+<p:sldLayout xmlns:a="http://schemas.openxmlformats.org/drawingml/2006/main" xmlns:r="http://schemas.openxmlformats.org/officeDocument/2006/relationships" xmlns:p="http://schemas.openxmlformats.org/presentationml/2006/main" matchingName="Caption">
   <p:cSld name="CAPTION_ONLY">
     <p:spTree>
       <p:nvGrpSpPr>
-        <p:cNvPr id="48" name="Shape 48"/>
+        <p:cNvPr id="1" name="Shape 48"/>
         <p:cNvGrpSpPr/>
         <p:nvPr/>
       </p:nvGrpSpPr>
@@ -5833,9 +5995,11 @@
       <p:sp>
         <p:nvSpPr>
           <p:cNvPr id="49" name="Google Shape;49;p10"/>
-          <p:cNvSpPr txBox="1"/>
+          <p:cNvSpPr txBox="1">
+            <a:spLocks noGrp="1"/>
+          </p:cNvSpPr>
           <p:nvPr>
-            <p:ph idx="1" type="body"/>
+            <p:ph type="body" idx="1"/>
           </p:nvPr>
         </p:nvSpPr>
         <p:spPr>
@@ -5848,11 +6012,11 @@
           </a:prstGeom>
         </p:spPr>
         <p:txBody>
-          <a:bodyPr anchorCtr="0" anchor="ctr" bIns="91425" lIns="91425" spcFirstLastPara="1" rIns="91425" wrap="square" tIns="91425">
+          <a:bodyPr spcFirstLastPara="1" wrap="square" lIns="91425" tIns="91425" rIns="91425" bIns="91425" anchor="ctr" anchorCtr="0">
             <a:normAutofit/>
           </a:bodyPr>
           <a:lstStyle>
-            <a:lvl1pPr indent="-228600" lvl="0" marL="457200">
+            <a:lvl1pPr marL="457200" lvl="0" indent="-228600">
               <a:lnSpc>
                 <a:spcPct val="100000"/>
               </a:lnSpc>
@@ -5873,15 +6037,19 @@
               </a:defRPr>
             </a:lvl1pPr>
           </a:lstStyle>
-          <a:p/>
+          <a:p>
+            <a:endParaRPr/>
+          </a:p>
         </p:txBody>
       </p:sp>
       <p:sp>
         <p:nvSpPr>
           <p:cNvPr id="50" name="Google Shape;50;p10"/>
-          <p:cNvSpPr txBox="1"/>
+          <p:cNvSpPr txBox="1">
+            <a:spLocks noGrp="1"/>
+          </p:cNvSpPr>
           <p:nvPr>
-            <p:ph idx="12" type="sldNum"/>
+            <p:ph type="sldNum" idx="12"/>
           </p:nvPr>
         </p:nvSpPr>
         <p:spPr>
@@ -5894,7 +6062,7 @@
           </a:prstGeom>
         </p:spPr>
         <p:txBody>
-          <a:bodyPr anchorCtr="0" anchor="ctr" bIns="91425" lIns="91425" spcFirstLastPara="1" rIns="91425" wrap="square" tIns="91425">
+          <a:bodyPr spcFirstLastPara="1" wrap="square" lIns="91425" tIns="91425" rIns="91425" bIns="91425" anchor="ctr" anchorCtr="0">
             <a:normAutofit/>
           </a:bodyPr>
           <a:lstStyle>
@@ -5936,7 +6104,7 @@
             </a:lvl9pPr>
           </a:lstStyle>
           <a:p>
-            <a:pPr indent="0" lvl="0" marL="0" rtl="0" algn="r">
+            <a:pPr marL="0" lvl="0" indent="0" algn="r" rtl="0">
               <a:spcBef>
                 <a:spcPts val="0"/>
               </a:spcBef>
@@ -5947,7 +6115,7 @@
             </a:pPr>
             <a:fld id="{00000000-1234-1234-1234-123412341234}" type="slidenum">
               <a:rPr lang="es"/>
-              <a:t>‹#›</a:t>
+              <a:t>‹Nº›</a:t>
             </a:fld>
             <a:endParaRPr/>
           </a:p>
@@ -5962,18 +6130,19 @@
 </file>
 
 <file path=ppt/slideMasters/slideMaster1.xml><?xml version="1.0" encoding="utf-8"?>
-<p:sldMaster xmlns:a="http://schemas.openxmlformats.org/drawingml/2006/main" xmlns:r="http://schemas.openxmlformats.org/officeDocument/2006/relationships" xmlns:mc="http://schemas.openxmlformats.org/markup-compatibility/2006" xmlns:mv="urn:schemas-microsoft-com:mac:vml" xmlns:p="http://schemas.openxmlformats.org/presentationml/2006/main" xmlns:c="http://schemas.openxmlformats.org/drawingml/2006/chart" xmlns:dgm="http://schemas.openxmlformats.org/drawingml/2006/diagram" xmlns:o="urn:schemas-microsoft-com:office:office" xmlns:v="urn:schemas-microsoft-com:vml" xmlns:pvml="urn:schemas-microsoft-com:office:powerpoint" xmlns:com="http://schemas.openxmlformats.org/drawingml/2006/compatibility" xmlns:p14="http://schemas.microsoft.com/office/powerpoint/2010/main" xmlns:p15="http://schemas.microsoft.com/office/powerpoint/2012/main" xmlns:ahyp="http://schemas.microsoft.com/office/drawing/2018/hyperlinkcolor">
+<p:sldMaster xmlns:a="http://schemas.openxmlformats.org/drawingml/2006/main" xmlns:r="http://schemas.openxmlformats.org/officeDocument/2006/relationships" xmlns:p="http://schemas.openxmlformats.org/presentationml/2006/main">
   <p:cSld name="luxe">
     <p:bg>
       <p:bgPr>
         <a:solidFill>
           <a:schemeClr val="lt1"/>
         </a:solidFill>
+        <a:effectLst/>
       </p:bgPr>
     </p:bg>
     <p:spTree>
       <p:nvGrpSpPr>
-        <p:cNvPr id="5" name="Shape 5"/>
+        <p:cNvPr id="1" name="Shape 5"/>
         <p:cNvGrpSpPr/>
         <p:nvPr/>
       </p:nvGrpSpPr>
@@ -5988,7 +6157,9 @@
       <p:sp>
         <p:nvSpPr>
           <p:cNvPr id="6" name="Google Shape;6;p1"/>
-          <p:cNvSpPr txBox="1"/>
+          <p:cNvSpPr txBox="1">
+            <a:spLocks noGrp="1"/>
+          </p:cNvSpPr>
           <p:nvPr>
             <p:ph type="title"/>
           </p:nvPr>
@@ -6007,7 +6178,7 @@
           </a:ln>
         </p:spPr>
         <p:txBody>
-          <a:bodyPr anchorCtr="0" anchor="b" bIns="91425" lIns="91425" spcFirstLastPara="1" rIns="91425" wrap="square" tIns="91425">
+          <a:bodyPr spcFirstLastPara="1" wrap="square" lIns="91425" tIns="91425" rIns="91425" bIns="91425" anchor="b" anchorCtr="0">
             <a:normAutofit/>
           </a:bodyPr>
           <a:lstStyle>
@@ -6219,15 +6390,19 @@
               </a:defRPr>
             </a:lvl9pPr>
           </a:lstStyle>
-          <a:p/>
+          <a:p>
+            <a:endParaRPr/>
+          </a:p>
         </p:txBody>
       </p:sp>
       <p:sp>
         <p:nvSpPr>
           <p:cNvPr id="7" name="Google Shape;7;p1"/>
-          <p:cNvSpPr txBox="1"/>
+          <p:cNvSpPr txBox="1">
+            <a:spLocks noGrp="1"/>
+          </p:cNvSpPr>
           <p:nvPr>
-            <p:ph idx="1" type="body"/>
+            <p:ph type="body" idx="1"/>
           </p:nvPr>
         </p:nvSpPr>
         <p:spPr>
@@ -6244,11 +6419,11 @@
           </a:ln>
         </p:spPr>
         <p:txBody>
-          <a:bodyPr anchorCtr="0" anchor="t" bIns="91425" lIns="91425" spcFirstLastPara="1" rIns="91425" wrap="square" tIns="91425">
+          <a:bodyPr spcFirstLastPara="1" wrap="square" lIns="91425" tIns="91425" rIns="91425" bIns="91425" anchor="t" anchorCtr="0">
             <a:normAutofit/>
           </a:bodyPr>
           <a:lstStyle>
-            <a:lvl1pPr indent="-342900" lvl="0" marL="457200">
+            <a:lvl1pPr marL="457200" lvl="0" indent="-342900">
               <a:lnSpc>
                 <a:spcPct val="115000"/>
               </a:lnSpc>
@@ -6274,7 +6449,7 @@
                 <a:sym typeface="Open Sans"/>
               </a:defRPr>
             </a:lvl1pPr>
-            <a:lvl2pPr indent="-317500" lvl="1" marL="914400">
+            <a:lvl2pPr marL="914400" lvl="1" indent="-317500">
               <a:lnSpc>
                 <a:spcPct val="115000"/>
               </a:lnSpc>
@@ -6300,7 +6475,7 @@
                 <a:sym typeface="Open Sans"/>
               </a:defRPr>
             </a:lvl2pPr>
-            <a:lvl3pPr indent="-317500" lvl="2" marL="1371600">
+            <a:lvl3pPr marL="1371600" lvl="2" indent="-317500">
               <a:lnSpc>
                 <a:spcPct val="115000"/>
               </a:lnSpc>
@@ -6326,7 +6501,7 @@
                 <a:sym typeface="Open Sans"/>
               </a:defRPr>
             </a:lvl3pPr>
-            <a:lvl4pPr indent="-317500" lvl="3" marL="1828800">
+            <a:lvl4pPr marL="1828800" lvl="3" indent="-317500">
               <a:lnSpc>
                 <a:spcPct val="115000"/>
               </a:lnSpc>
@@ -6352,7 +6527,7 @@
                 <a:sym typeface="Open Sans"/>
               </a:defRPr>
             </a:lvl4pPr>
-            <a:lvl5pPr indent="-317500" lvl="4" marL="2286000">
+            <a:lvl5pPr marL="2286000" lvl="4" indent="-317500">
               <a:lnSpc>
                 <a:spcPct val="115000"/>
               </a:lnSpc>
@@ -6378,7 +6553,7 @@
                 <a:sym typeface="Open Sans"/>
               </a:defRPr>
             </a:lvl5pPr>
-            <a:lvl6pPr indent="-317500" lvl="5" marL="2743200">
+            <a:lvl6pPr marL="2743200" lvl="5" indent="-317500">
               <a:lnSpc>
                 <a:spcPct val="115000"/>
               </a:lnSpc>
@@ -6404,7 +6579,7 @@
                 <a:sym typeface="Open Sans"/>
               </a:defRPr>
             </a:lvl6pPr>
-            <a:lvl7pPr indent="-317500" lvl="6" marL="3200400">
+            <a:lvl7pPr marL="3200400" lvl="6" indent="-317500">
               <a:lnSpc>
                 <a:spcPct val="115000"/>
               </a:lnSpc>
@@ -6430,7 +6605,7 @@
                 <a:sym typeface="Open Sans"/>
               </a:defRPr>
             </a:lvl7pPr>
-            <a:lvl8pPr indent="-317500" lvl="7" marL="3657600">
+            <a:lvl8pPr marL="3657600" lvl="7" indent="-317500">
               <a:lnSpc>
                 <a:spcPct val="115000"/>
               </a:lnSpc>
@@ -6456,7 +6631,7 @@
                 <a:sym typeface="Open Sans"/>
               </a:defRPr>
             </a:lvl8pPr>
-            <a:lvl9pPr indent="-317500" lvl="8" marL="4114800">
+            <a:lvl9pPr marL="4114800" lvl="8" indent="-317500">
               <a:lnSpc>
                 <a:spcPct val="115000"/>
               </a:lnSpc>
@@ -6483,15 +6658,19 @@
               </a:defRPr>
             </a:lvl9pPr>
           </a:lstStyle>
-          <a:p/>
+          <a:p>
+            <a:endParaRPr/>
+          </a:p>
         </p:txBody>
       </p:sp>
       <p:sp>
         <p:nvSpPr>
           <p:cNvPr id="8" name="Google Shape;8;p1"/>
-          <p:cNvSpPr txBox="1"/>
+          <p:cNvSpPr txBox="1">
+            <a:spLocks noGrp="1"/>
+          </p:cNvSpPr>
           <p:nvPr>
-            <p:ph idx="12" type="sldNum"/>
+            <p:ph type="sldNum" idx="12"/>
           </p:nvPr>
         </p:nvSpPr>
         <p:spPr>
@@ -6508,7 +6687,7 @@
           </a:ln>
         </p:spPr>
         <p:txBody>
-          <a:bodyPr anchorCtr="0" anchor="ctr" bIns="91425" lIns="91425" spcFirstLastPara="1" rIns="91425" wrap="square" tIns="91425">
+          <a:bodyPr spcFirstLastPara="1" wrap="square" lIns="91425" tIns="91425" rIns="91425" bIns="91425" anchor="ctr" anchorCtr="0">
             <a:normAutofit/>
           </a:bodyPr>
           <a:lstStyle>
@@ -6622,7 +6801,7 @@
             </a:lvl9pPr>
           </a:lstStyle>
           <a:p>
-            <a:pPr indent="0" lvl="0" marL="0" rtl="0" algn="r">
+            <a:pPr marL="0" lvl="0" indent="0" algn="r" rtl="0">
               <a:spcBef>
                 <a:spcPts val="0"/>
               </a:spcBef>
@@ -6633,7 +6812,7 @@
             </a:pPr>
             <a:fld id="{00000000-1234-1234-1234-123412341234}" type="slidenum">
               <a:rPr lang="es"/>
-              <a:t>‹#›</a:t>
+              <a:t>‹Nº›</a:t>
             </a:fld>
             <a:endParaRPr/>
           </a:p>
@@ -6641,7 +6820,7 @@
       </p:sp>
     </p:spTree>
   </p:cSld>
-  <p:clrMap accent1="accent1" accent2="accent2" accent3="accent3" accent4="accent4" accent5="accent5" accent6="accent6" bg1="lt1" bg2="dk2" tx1="dk1" tx2="lt2" folHlink="folHlink" hlink="hlink"/>
+  <p:clrMap bg1="lt1" tx1="dk1" bg2="dk2" tx2="lt2" accent1="accent1" accent2="accent2" accent3="accent3" accent4="accent4" accent5="accent5" accent6="accent6" hlink="hlink" folHlink="folHlink"/>
   <p:sldLayoutIdLst>
     <p:sldLayoutId id="2147483648" r:id="rId1"/>
     <p:sldLayoutId id="2147483649" r:id="rId2"/>
@@ -6655,10 +6834,10 @@
     <p:sldLayoutId id="2147483657" r:id="rId10"/>
     <p:sldLayoutId id="2147483658" r:id="rId11"/>
   </p:sldLayoutIdLst>
-  <p:hf dt="0" ftr="0" hdr="0" sldNum="0"/>
+  <p:hf sldNum="0" hdr="0" ftr="0" dt="0"/>
   <p:txStyles>
     <p:titleStyle>
-      <a:defPPr lvl="0" marR="0" rtl="0" algn="l">
+      <a:defPPr marR="0" lvl="0" algn="l" rtl="0">
         <a:lnSpc>
           <a:spcPct val="100000"/>
         </a:lnSpc>
@@ -6669,7 +6848,7 @@
           <a:spcPts val="0"/>
         </a:spcAft>
       </a:defPPr>
-      <a:lvl1pPr lvl="0" marR="0" rtl="0" algn="l">
+      <a:lvl1pPr marR="0" lvl="0" algn="l" rtl="0">
         <a:lnSpc>
           <a:spcPct val="100000"/>
         </a:lnSpc>
@@ -6683,7 +6862,7 @@
           <a:srgbClr val="000000"/>
         </a:buClr>
         <a:buFont typeface="Arial"/>
-        <a:defRPr b="0" i="0" sz="1400" u="none" cap="none" strike="noStrike">
+        <a:defRPr sz="1400" b="0" i="0" u="none" strike="noStrike" cap="none">
           <a:solidFill>
             <a:srgbClr val="000000"/>
           </a:solidFill>
@@ -6693,7 +6872,7 @@
           <a:sym typeface="Arial"/>
         </a:defRPr>
       </a:lvl1pPr>
-      <a:lvl2pPr lvl="1" marR="0" rtl="0" algn="l">
+      <a:lvl2pPr marR="0" lvl="1" algn="l" rtl="0">
         <a:lnSpc>
           <a:spcPct val="100000"/>
         </a:lnSpc>
@@ -6707,7 +6886,7 @@
           <a:srgbClr val="000000"/>
         </a:buClr>
         <a:buFont typeface="Arial"/>
-        <a:defRPr b="0" i="0" sz="1400" u="none" cap="none" strike="noStrike">
+        <a:defRPr sz="1400" b="0" i="0" u="none" strike="noStrike" cap="none">
           <a:solidFill>
             <a:srgbClr val="000000"/>
           </a:solidFill>
@@ -6717,7 +6896,7 @@
           <a:sym typeface="Arial"/>
         </a:defRPr>
       </a:lvl2pPr>
-      <a:lvl3pPr lvl="2" marR="0" rtl="0" algn="l">
+      <a:lvl3pPr marR="0" lvl="2" algn="l" rtl="0">
         <a:lnSpc>
           <a:spcPct val="100000"/>
         </a:lnSpc>
@@ -6731,7 +6910,7 @@
           <a:srgbClr val="000000"/>
         </a:buClr>
         <a:buFont typeface="Arial"/>
-        <a:defRPr b="0" i="0" sz="1400" u="none" cap="none" strike="noStrike">
+        <a:defRPr sz="1400" b="0" i="0" u="none" strike="noStrike" cap="none">
           <a:solidFill>
             <a:srgbClr val="000000"/>
           </a:solidFill>
@@ -6741,7 +6920,7 @@
           <a:sym typeface="Arial"/>
         </a:defRPr>
       </a:lvl3pPr>
-      <a:lvl4pPr lvl="3" marR="0" rtl="0" algn="l">
+      <a:lvl4pPr marR="0" lvl="3" algn="l" rtl="0">
         <a:lnSpc>
           <a:spcPct val="100000"/>
         </a:lnSpc>
@@ -6755,7 +6934,7 @@
           <a:srgbClr val="000000"/>
         </a:buClr>
         <a:buFont typeface="Arial"/>
-        <a:defRPr b="0" i="0" sz="1400" u="none" cap="none" strike="noStrike">
+        <a:defRPr sz="1400" b="0" i="0" u="none" strike="noStrike" cap="none">
           <a:solidFill>
             <a:srgbClr val="000000"/>
           </a:solidFill>
@@ -6765,7 +6944,7 @@
           <a:sym typeface="Arial"/>
         </a:defRPr>
       </a:lvl4pPr>
-      <a:lvl5pPr lvl="4" marR="0" rtl="0" algn="l">
+      <a:lvl5pPr marR="0" lvl="4" algn="l" rtl="0">
         <a:lnSpc>
           <a:spcPct val="100000"/>
         </a:lnSpc>
@@ -6779,7 +6958,7 @@
           <a:srgbClr val="000000"/>
         </a:buClr>
         <a:buFont typeface="Arial"/>
-        <a:defRPr b="0" i="0" sz="1400" u="none" cap="none" strike="noStrike">
+        <a:defRPr sz="1400" b="0" i="0" u="none" strike="noStrike" cap="none">
           <a:solidFill>
             <a:srgbClr val="000000"/>
           </a:solidFill>
@@ -6789,7 +6968,7 @@
           <a:sym typeface="Arial"/>
         </a:defRPr>
       </a:lvl5pPr>
-      <a:lvl6pPr lvl="5" marR="0" rtl="0" algn="l">
+      <a:lvl6pPr marR="0" lvl="5" algn="l" rtl="0">
         <a:lnSpc>
           <a:spcPct val="100000"/>
         </a:lnSpc>
@@ -6803,7 +6982,7 @@
           <a:srgbClr val="000000"/>
         </a:buClr>
         <a:buFont typeface="Arial"/>
-        <a:defRPr b="0" i="0" sz="1400" u="none" cap="none" strike="noStrike">
+        <a:defRPr sz="1400" b="0" i="0" u="none" strike="noStrike" cap="none">
           <a:solidFill>
             <a:srgbClr val="000000"/>
           </a:solidFill>
@@ -6813,7 +6992,7 @@
           <a:sym typeface="Arial"/>
         </a:defRPr>
       </a:lvl6pPr>
-      <a:lvl7pPr lvl="6" marR="0" rtl="0" algn="l">
+      <a:lvl7pPr marR="0" lvl="6" algn="l" rtl="0">
         <a:lnSpc>
           <a:spcPct val="100000"/>
         </a:lnSpc>
@@ -6827,7 +7006,7 @@
           <a:srgbClr val="000000"/>
         </a:buClr>
         <a:buFont typeface="Arial"/>
-        <a:defRPr b="0" i="0" sz="1400" u="none" cap="none" strike="noStrike">
+        <a:defRPr sz="1400" b="0" i="0" u="none" strike="noStrike" cap="none">
           <a:solidFill>
             <a:srgbClr val="000000"/>
           </a:solidFill>
@@ -6837,7 +7016,7 @@
           <a:sym typeface="Arial"/>
         </a:defRPr>
       </a:lvl7pPr>
-      <a:lvl8pPr lvl="7" marR="0" rtl="0" algn="l">
+      <a:lvl8pPr marR="0" lvl="7" algn="l" rtl="0">
         <a:lnSpc>
           <a:spcPct val="100000"/>
         </a:lnSpc>
@@ -6851,7 +7030,7 @@
           <a:srgbClr val="000000"/>
         </a:buClr>
         <a:buFont typeface="Arial"/>
-        <a:defRPr b="0" i="0" sz="1400" u="none" cap="none" strike="noStrike">
+        <a:defRPr sz="1400" b="0" i="0" u="none" strike="noStrike" cap="none">
           <a:solidFill>
             <a:srgbClr val="000000"/>
           </a:solidFill>
@@ -6861,7 +7040,7 @@
           <a:sym typeface="Arial"/>
         </a:defRPr>
       </a:lvl8pPr>
-      <a:lvl9pPr lvl="8" marR="0" rtl="0" algn="l">
+      <a:lvl9pPr marR="0" lvl="8" algn="l" rtl="0">
         <a:lnSpc>
           <a:spcPct val="100000"/>
         </a:lnSpc>
@@ -6875,7 +7054,7 @@
           <a:srgbClr val="000000"/>
         </a:buClr>
         <a:buFont typeface="Arial"/>
-        <a:defRPr b="0" i="0" sz="1400" u="none" cap="none" strike="noStrike">
+        <a:defRPr sz="1400" b="0" i="0" u="none" strike="noStrike" cap="none">
           <a:solidFill>
             <a:srgbClr val="000000"/>
           </a:solidFill>
@@ -6887,7 +7066,7 @@
       </a:lvl9pPr>
     </p:titleStyle>
     <p:bodyStyle>
-      <a:defPPr lvl="0" marR="0" rtl="0" algn="l">
+      <a:defPPr marR="0" lvl="0" algn="l" rtl="0">
         <a:lnSpc>
           <a:spcPct val="100000"/>
         </a:lnSpc>
@@ -6898,7 +7077,7 @@
           <a:spcPts val="0"/>
         </a:spcAft>
       </a:defPPr>
-      <a:lvl1pPr lvl="0" marR="0" rtl="0" algn="l">
+      <a:lvl1pPr marR="0" lvl="0" algn="l" rtl="0">
         <a:lnSpc>
           <a:spcPct val="100000"/>
         </a:lnSpc>
@@ -6912,7 +7091,7 @@
           <a:srgbClr val="000000"/>
         </a:buClr>
         <a:buFont typeface="Arial"/>
-        <a:defRPr b="0" i="0" sz="1400" u="none" cap="none" strike="noStrike">
+        <a:defRPr sz="1400" b="0" i="0" u="none" strike="noStrike" cap="none">
           <a:solidFill>
             <a:srgbClr val="000000"/>
           </a:solidFill>
@@ -6922,7 +7101,7 @@
           <a:sym typeface="Arial"/>
         </a:defRPr>
       </a:lvl1pPr>
-      <a:lvl2pPr lvl="1" marR="0" rtl="0" algn="l">
+      <a:lvl2pPr marR="0" lvl="1" algn="l" rtl="0">
         <a:lnSpc>
           <a:spcPct val="100000"/>
         </a:lnSpc>
@@ -6936,7 +7115,7 @@
           <a:srgbClr val="000000"/>
         </a:buClr>
         <a:buFont typeface="Arial"/>
-        <a:defRPr b="0" i="0" sz="1400" u="none" cap="none" strike="noStrike">
+        <a:defRPr sz="1400" b="0" i="0" u="none" strike="noStrike" cap="none">
           <a:solidFill>
             <a:srgbClr val="000000"/>
           </a:solidFill>
@@ -6946,7 +7125,7 @@
           <a:sym typeface="Arial"/>
         </a:defRPr>
       </a:lvl2pPr>
-      <a:lvl3pPr lvl="2" marR="0" rtl="0" algn="l">
+      <a:lvl3pPr marR="0" lvl="2" algn="l" rtl="0">
         <a:lnSpc>
           <a:spcPct val="100000"/>
         </a:lnSpc>
@@ -6960,7 +7139,7 @@
           <a:srgbClr val="000000"/>
         </a:buClr>
         <a:buFont typeface="Arial"/>
-        <a:defRPr b="0" i="0" sz="1400" u="none" cap="none" strike="noStrike">
+        <a:defRPr sz="1400" b="0" i="0" u="none" strike="noStrike" cap="none">
           <a:solidFill>
             <a:srgbClr val="000000"/>
           </a:solidFill>
@@ -6970,7 +7149,7 @@
           <a:sym typeface="Arial"/>
         </a:defRPr>
       </a:lvl3pPr>
-      <a:lvl4pPr lvl="3" marR="0" rtl="0" algn="l">
+      <a:lvl4pPr marR="0" lvl="3" algn="l" rtl="0">
         <a:lnSpc>
           <a:spcPct val="100000"/>
         </a:lnSpc>
@@ -6984,7 +7163,7 @@
           <a:srgbClr val="000000"/>
         </a:buClr>
         <a:buFont typeface="Arial"/>
-        <a:defRPr b="0" i="0" sz="1400" u="none" cap="none" strike="noStrike">
+        <a:defRPr sz="1400" b="0" i="0" u="none" strike="noStrike" cap="none">
           <a:solidFill>
             <a:srgbClr val="000000"/>
           </a:solidFill>
@@ -6994,7 +7173,7 @@
           <a:sym typeface="Arial"/>
         </a:defRPr>
       </a:lvl4pPr>
-      <a:lvl5pPr lvl="4" marR="0" rtl="0" algn="l">
+      <a:lvl5pPr marR="0" lvl="4" algn="l" rtl="0">
         <a:lnSpc>
           <a:spcPct val="100000"/>
         </a:lnSpc>
@@ -7008,7 +7187,7 @@
           <a:srgbClr val="000000"/>
         </a:buClr>
         <a:buFont typeface="Arial"/>
-        <a:defRPr b="0" i="0" sz="1400" u="none" cap="none" strike="noStrike">
+        <a:defRPr sz="1400" b="0" i="0" u="none" strike="noStrike" cap="none">
           <a:solidFill>
             <a:srgbClr val="000000"/>
           </a:solidFill>
@@ -7018,7 +7197,7 @@
           <a:sym typeface="Arial"/>
         </a:defRPr>
       </a:lvl5pPr>
-      <a:lvl6pPr lvl="5" marR="0" rtl="0" algn="l">
+      <a:lvl6pPr marR="0" lvl="5" algn="l" rtl="0">
         <a:lnSpc>
           <a:spcPct val="100000"/>
         </a:lnSpc>
@@ -7032,7 +7211,7 @@
           <a:srgbClr val="000000"/>
         </a:buClr>
         <a:buFont typeface="Arial"/>
-        <a:defRPr b="0" i="0" sz="1400" u="none" cap="none" strike="noStrike">
+        <a:defRPr sz="1400" b="0" i="0" u="none" strike="noStrike" cap="none">
           <a:solidFill>
             <a:srgbClr val="000000"/>
           </a:solidFill>
@@ -7042,7 +7221,7 @@
           <a:sym typeface="Arial"/>
         </a:defRPr>
       </a:lvl6pPr>
-      <a:lvl7pPr lvl="6" marR="0" rtl="0" algn="l">
+      <a:lvl7pPr marR="0" lvl="6" algn="l" rtl="0">
         <a:lnSpc>
           <a:spcPct val="100000"/>
         </a:lnSpc>
@@ -7056,7 +7235,7 @@
           <a:srgbClr val="000000"/>
         </a:buClr>
         <a:buFont typeface="Arial"/>
-        <a:defRPr b="0" i="0" sz="1400" u="none" cap="none" strike="noStrike">
+        <a:defRPr sz="1400" b="0" i="0" u="none" strike="noStrike" cap="none">
           <a:solidFill>
             <a:srgbClr val="000000"/>
           </a:solidFill>
@@ -7066,7 +7245,7 @@
           <a:sym typeface="Arial"/>
         </a:defRPr>
       </a:lvl7pPr>
-      <a:lvl8pPr lvl="7" marR="0" rtl="0" algn="l">
+      <a:lvl8pPr marR="0" lvl="7" algn="l" rtl="0">
         <a:lnSpc>
           <a:spcPct val="100000"/>
         </a:lnSpc>
@@ -7080,7 +7259,7 @@
           <a:srgbClr val="000000"/>
         </a:buClr>
         <a:buFont typeface="Arial"/>
-        <a:defRPr b="0" i="0" sz="1400" u="none" cap="none" strike="noStrike">
+        <a:defRPr sz="1400" b="0" i="0" u="none" strike="noStrike" cap="none">
           <a:solidFill>
             <a:srgbClr val="000000"/>
           </a:solidFill>
@@ -7090,7 +7269,7 @@
           <a:sym typeface="Arial"/>
         </a:defRPr>
       </a:lvl8pPr>
-      <a:lvl9pPr lvl="8" marR="0" rtl="0" algn="l">
+      <a:lvl9pPr marR="0" lvl="8" algn="l" rtl="0">
         <a:lnSpc>
           <a:spcPct val="100000"/>
         </a:lnSpc>
@@ -7104,7 +7283,7 @@
           <a:srgbClr val="000000"/>
         </a:buClr>
         <a:buFont typeface="Arial"/>
-        <a:defRPr b="0" i="0" sz="1400" u="none" cap="none" strike="noStrike">
+        <a:defRPr sz="1400" b="0" i="0" u="none" strike="noStrike" cap="none">
           <a:solidFill>
             <a:srgbClr val="000000"/>
           </a:solidFill>
@@ -7116,7 +7295,7 @@
       </a:lvl9pPr>
     </p:bodyStyle>
     <p:otherStyle>
-      <a:defPPr lvl="0" marR="0" rtl="0" algn="l">
+      <a:defPPr marR="0" lvl="0" algn="l" rtl="0">
         <a:lnSpc>
           <a:spcPct val="100000"/>
         </a:lnSpc>
@@ -7127,7 +7306,7 @@
           <a:spcPts val="0"/>
         </a:spcAft>
       </a:defPPr>
-      <a:lvl1pPr lvl="0" marR="0" rtl="0" algn="l">
+      <a:lvl1pPr marR="0" lvl="0" algn="l" rtl="0">
         <a:lnSpc>
           <a:spcPct val="100000"/>
         </a:lnSpc>
@@ -7141,7 +7320,7 @@
           <a:srgbClr val="000000"/>
         </a:buClr>
         <a:buFont typeface="Arial"/>
-        <a:defRPr b="0" i="0" sz="1400" u="none" cap="none" strike="noStrike">
+        <a:defRPr sz="1400" b="0" i="0" u="none" strike="noStrike" cap="none">
           <a:solidFill>
             <a:srgbClr val="000000"/>
           </a:solidFill>
@@ -7151,7 +7330,7 @@
           <a:sym typeface="Arial"/>
         </a:defRPr>
       </a:lvl1pPr>
-      <a:lvl2pPr lvl="1" marR="0" rtl="0" algn="l">
+      <a:lvl2pPr marR="0" lvl="1" algn="l" rtl="0">
         <a:lnSpc>
           <a:spcPct val="100000"/>
         </a:lnSpc>
@@ -7165,7 +7344,7 @@
           <a:srgbClr val="000000"/>
         </a:buClr>
         <a:buFont typeface="Arial"/>
-        <a:defRPr b="0" i="0" sz="1400" u="none" cap="none" strike="noStrike">
+        <a:defRPr sz="1400" b="0" i="0" u="none" strike="noStrike" cap="none">
           <a:solidFill>
             <a:srgbClr val="000000"/>
           </a:solidFill>
@@ -7175,7 +7354,7 @@
           <a:sym typeface="Arial"/>
         </a:defRPr>
       </a:lvl2pPr>
-      <a:lvl3pPr lvl="2" marR="0" rtl="0" algn="l">
+      <a:lvl3pPr marR="0" lvl="2" algn="l" rtl="0">
         <a:lnSpc>
           <a:spcPct val="100000"/>
         </a:lnSpc>
@@ -7189,7 +7368,7 @@
           <a:srgbClr val="000000"/>
         </a:buClr>
         <a:buFont typeface="Arial"/>
-        <a:defRPr b="0" i="0" sz="1400" u="none" cap="none" strike="noStrike">
+        <a:defRPr sz="1400" b="0" i="0" u="none" strike="noStrike" cap="none">
           <a:solidFill>
             <a:srgbClr val="000000"/>
           </a:solidFill>
@@ -7199,7 +7378,7 @@
           <a:sym typeface="Arial"/>
         </a:defRPr>
       </a:lvl3pPr>
-      <a:lvl4pPr lvl="3" marR="0" rtl="0" algn="l">
+      <a:lvl4pPr marR="0" lvl="3" algn="l" rtl="0">
         <a:lnSpc>
           <a:spcPct val="100000"/>
         </a:lnSpc>
@@ -7213,7 +7392,7 @@
           <a:srgbClr val="000000"/>
         </a:buClr>
         <a:buFont typeface="Arial"/>
-        <a:defRPr b="0" i="0" sz="1400" u="none" cap="none" strike="noStrike">
+        <a:defRPr sz="1400" b="0" i="0" u="none" strike="noStrike" cap="none">
           <a:solidFill>
             <a:srgbClr val="000000"/>
           </a:solidFill>
@@ -7223,7 +7402,7 @@
           <a:sym typeface="Arial"/>
         </a:defRPr>
       </a:lvl4pPr>
-      <a:lvl5pPr lvl="4" marR="0" rtl="0" algn="l">
+      <a:lvl5pPr marR="0" lvl="4" algn="l" rtl="0">
         <a:lnSpc>
           <a:spcPct val="100000"/>
         </a:lnSpc>
@@ -7237,7 +7416,7 @@
           <a:srgbClr val="000000"/>
         </a:buClr>
         <a:buFont typeface="Arial"/>
-        <a:defRPr b="0" i="0" sz="1400" u="none" cap="none" strike="noStrike">
+        <a:defRPr sz="1400" b="0" i="0" u="none" strike="noStrike" cap="none">
           <a:solidFill>
             <a:srgbClr val="000000"/>
           </a:solidFill>
@@ -7247,7 +7426,7 @@
           <a:sym typeface="Arial"/>
         </a:defRPr>
       </a:lvl5pPr>
-      <a:lvl6pPr lvl="5" marR="0" rtl="0" algn="l">
+      <a:lvl6pPr marR="0" lvl="5" algn="l" rtl="0">
         <a:lnSpc>
           <a:spcPct val="100000"/>
         </a:lnSpc>
@@ -7261,7 +7440,7 @@
           <a:srgbClr val="000000"/>
         </a:buClr>
         <a:buFont typeface="Arial"/>
-        <a:defRPr b="0" i="0" sz="1400" u="none" cap="none" strike="noStrike">
+        <a:defRPr sz="1400" b="0" i="0" u="none" strike="noStrike" cap="none">
           <a:solidFill>
             <a:srgbClr val="000000"/>
           </a:solidFill>
@@ -7271,7 +7450,7 @@
           <a:sym typeface="Arial"/>
         </a:defRPr>
       </a:lvl6pPr>
-      <a:lvl7pPr lvl="6" marR="0" rtl="0" algn="l">
+      <a:lvl7pPr marR="0" lvl="6" algn="l" rtl="0">
         <a:lnSpc>
           <a:spcPct val="100000"/>
         </a:lnSpc>
@@ -7285,7 +7464,7 @@
           <a:srgbClr val="000000"/>
         </a:buClr>
         <a:buFont typeface="Arial"/>
-        <a:defRPr b="0" i="0" sz="1400" u="none" cap="none" strike="noStrike">
+        <a:defRPr sz="1400" b="0" i="0" u="none" strike="noStrike" cap="none">
           <a:solidFill>
             <a:srgbClr val="000000"/>
           </a:solidFill>
@@ -7295,7 +7474,7 @@
           <a:sym typeface="Arial"/>
         </a:defRPr>
       </a:lvl7pPr>
-      <a:lvl8pPr lvl="7" marR="0" rtl="0" algn="l">
+      <a:lvl8pPr marR="0" lvl="7" algn="l" rtl="0">
         <a:lnSpc>
           <a:spcPct val="100000"/>
         </a:lnSpc>
@@ -7309,7 +7488,7 @@
           <a:srgbClr val="000000"/>
         </a:buClr>
         <a:buFont typeface="Arial"/>
-        <a:defRPr b="0" i="0" sz="1400" u="none" cap="none" strike="noStrike">
+        <a:defRPr sz="1400" b="0" i="0" u="none" strike="noStrike" cap="none">
           <a:solidFill>
             <a:srgbClr val="000000"/>
           </a:solidFill>
@@ -7319,7 +7498,7 @@
           <a:sym typeface="Arial"/>
         </a:defRPr>
       </a:lvl8pPr>
-      <a:lvl9pPr lvl="8" marR="0" rtl="0" algn="l">
+      <a:lvl9pPr marR="0" lvl="8" algn="l" rtl="0">
         <a:lnSpc>
           <a:spcPct val="100000"/>
         </a:lnSpc>
@@ -7333,7 +7512,7 @@
           <a:srgbClr val="000000"/>
         </a:buClr>
         <a:buFont typeface="Arial"/>
-        <a:defRPr b="0" i="0" sz="1400" u="none" cap="none" strike="noStrike">
+        <a:defRPr sz="1400" b="0" i="0" u="none" strike="noStrike" cap="none">
           <a:solidFill>
             <a:srgbClr val="000000"/>
           </a:solidFill>
@@ -7349,11 +7528,11 @@
 </file>
 
 <file path=ppt/slides/slide1.xml><?xml version="1.0" encoding="utf-8"?>
-<p:sld xmlns:a="http://schemas.openxmlformats.org/drawingml/2006/main" xmlns:r="http://schemas.openxmlformats.org/officeDocument/2006/relationships" xmlns:mc="http://schemas.openxmlformats.org/markup-compatibility/2006" xmlns:mv="urn:schemas-microsoft-com:mac:vml" xmlns:p="http://schemas.openxmlformats.org/presentationml/2006/main" xmlns:c="http://schemas.openxmlformats.org/drawingml/2006/chart" xmlns:dgm="http://schemas.openxmlformats.org/drawingml/2006/diagram" xmlns:o="urn:schemas-microsoft-com:office:office" xmlns:v="urn:schemas-microsoft-com:vml" xmlns:pvml="urn:schemas-microsoft-com:office:powerpoint" xmlns:com="http://schemas.openxmlformats.org/drawingml/2006/compatibility" xmlns:p14="http://schemas.microsoft.com/office/powerpoint/2010/main" xmlns:p15="http://schemas.microsoft.com/office/powerpoint/2012/main" xmlns:ahyp="http://schemas.microsoft.com/office/drawing/2018/hyperlinkcolor">
+<p:sld xmlns:a="http://schemas.openxmlformats.org/drawingml/2006/main" xmlns:r="http://schemas.openxmlformats.org/officeDocument/2006/relationships" xmlns:p="http://schemas.openxmlformats.org/presentationml/2006/main">
   <p:cSld>
     <p:spTree>
       <p:nvGrpSpPr>
-        <p:cNvPr id="61" name="Shape 61"/>
+        <p:cNvPr id="1" name="Shape 61"/>
         <p:cNvGrpSpPr/>
         <p:nvPr/>
       </p:nvGrpSpPr>
@@ -7368,7 +7547,9 @@
       <p:sp>
         <p:nvSpPr>
           <p:cNvPr id="62" name="Google Shape;62;p13"/>
-          <p:cNvSpPr txBox="1"/>
+          <p:cNvSpPr txBox="1">
+            <a:spLocks noGrp="1"/>
+          </p:cNvSpPr>
           <p:nvPr>
             <p:ph type="title"/>
           </p:nvPr>
@@ -7383,12 +7564,12 @@
           </a:prstGeom>
         </p:spPr>
         <p:txBody>
-          <a:bodyPr anchorCtr="0" anchor="b" bIns="91425" lIns="91425" spcFirstLastPara="1" rIns="91425" wrap="square" tIns="91425">
+          <a:bodyPr spcFirstLastPara="1" wrap="square" lIns="91425" tIns="91425" rIns="91425" bIns="91425" anchor="b" anchorCtr="0">
             <a:normAutofit/>
           </a:bodyPr>
           <a:lstStyle/>
           <a:p>
-            <a:pPr indent="0" lvl="0" marL="0" rtl="0" algn="ctr">
+            <a:pPr marL="0" lvl="0" indent="0" algn="ctr" rtl="0">
               <a:spcBef>
                 <a:spcPts val="0"/>
               </a:spcBef>
@@ -7408,9 +7589,11 @@
       <p:sp>
         <p:nvSpPr>
           <p:cNvPr id="63" name="Google Shape;63;p13"/>
-          <p:cNvSpPr txBox="1"/>
+          <p:cNvSpPr txBox="1">
+            <a:spLocks noGrp="1"/>
+          </p:cNvSpPr>
           <p:nvPr>
-            <p:ph idx="1" type="body"/>
+            <p:ph type="body" idx="1"/>
           </p:nvPr>
         </p:nvSpPr>
         <p:spPr>
@@ -7423,12 +7606,12 @@
           </a:prstGeom>
         </p:spPr>
         <p:txBody>
-          <a:bodyPr anchorCtr="0" anchor="t" bIns="91425" lIns="91425" spcFirstLastPara="1" rIns="91425" wrap="square" tIns="91425">
-            <a:normAutofit/>
+          <a:bodyPr spcFirstLastPara="1" wrap="square" lIns="91425" tIns="91425" rIns="91425" bIns="91425" anchor="t" anchorCtr="0">
+            <a:normAutofit lnSpcReduction="10000"/>
           </a:bodyPr>
           <a:lstStyle/>
           <a:p>
-            <a:pPr indent="0" lvl="0" marL="0" rtl="0" algn="ctr">
+            <a:pPr marL="0" lvl="0" indent="0" algn="ctr" rtl="0">
               <a:spcBef>
                 <a:spcPts val="0"/>
               </a:spcBef>
@@ -7444,7 +7627,7 @@
             <a:endParaRPr/>
           </a:p>
           <a:p>
-            <a:pPr indent="0" lvl="0" marL="0" rtl="0" algn="l">
+            <a:pPr marL="0" lvl="0" indent="0" algn="l" rtl="0">
               <a:spcBef>
                 <a:spcPts val="1200"/>
               </a:spcBef>
@@ -7509,12 +7692,12 @@
           </a:ln>
         </p:spPr>
         <p:txBody>
-          <a:bodyPr anchorCtr="0" anchor="t" bIns="91425" lIns="91425" spcFirstLastPara="1" rIns="91425" wrap="square" tIns="91425">
+          <a:bodyPr spcFirstLastPara="1" wrap="square" lIns="91425" tIns="91425" rIns="91425" bIns="91425" anchor="t" anchorCtr="0">
             <a:spAutoFit/>
           </a:bodyPr>
           <a:lstStyle/>
           <a:p>
-            <a:pPr indent="0" lvl="0" marL="0" rtl="0" algn="l">
+            <a:pPr marL="0" lvl="0" indent="0" algn="l" rtl="0">
               <a:spcBef>
                 <a:spcPts val="0"/>
               </a:spcBef>
@@ -7524,31 +7707,13 @@
               <a:buNone/>
             </a:pPr>
             <a:r>
-              <a:rPr b="1" lang="es">
+              <a:rPr lang="es" b="1">
                 <a:latin typeface="Open Sans"/>
                 <a:ea typeface="Open Sans"/>
                 <a:cs typeface="Open Sans"/>
                 <a:sym typeface="Open Sans"/>
               </a:rPr>
-              <a:t>TP 1 </a:t>
-            </a:r>
-            <a:r>
-              <a:rPr b="1" lang="es">
-                <a:latin typeface="Open Sans"/>
-                <a:ea typeface="Open Sans"/>
-                <a:cs typeface="Open Sans"/>
-                <a:sym typeface="Open Sans"/>
-              </a:rPr>
-              <a:t>Tecnologías</a:t>
-            </a:r>
-            <a:r>
-              <a:rPr b="1" lang="es">
-                <a:latin typeface="Open Sans"/>
-                <a:ea typeface="Open Sans"/>
-                <a:cs typeface="Open Sans"/>
-                <a:sym typeface="Open Sans"/>
-              </a:rPr>
-              <a:t> de desarrollo de software IDE</a:t>
+              <a:t>TP 1 Tecnologías de desarrollo de software IDE</a:t>
             </a:r>
             <a:endParaRPr b="1">
               <a:latin typeface="Open Sans"/>
@@ -7568,11 +7733,11 @@
 </file>
 
 <file path=ppt/slides/slide10.xml><?xml version="1.0" encoding="utf-8"?>
-<p:sld xmlns:a="http://schemas.openxmlformats.org/drawingml/2006/main" xmlns:r="http://schemas.openxmlformats.org/officeDocument/2006/relationships" xmlns:mc="http://schemas.openxmlformats.org/markup-compatibility/2006" xmlns:mv="urn:schemas-microsoft-com:mac:vml" xmlns:p="http://schemas.openxmlformats.org/presentationml/2006/main" xmlns:c="http://schemas.openxmlformats.org/drawingml/2006/chart" xmlns:dgm="http://schemas.openxmlformats.org/drawingml/2006/diagram" xmlns:o="urn:schemas-microsoft-com:office:office" xmlns:v="urn:schemas-microsoft-com:vml" xmlns:pvml="urn:schemas-microsoft-com:office:powerpoint" xmlns:com="http://schemas.openxmlformats.org/drawingml/2006/compatibility" xmlns:p14="http://schemas.microsoft.com/office/powerpoint/2010/main" xmlns:p15="http://schemas.microsoft.com/office/powerpoint/2012/main" xmlns:ahyp="http://schemas.microsoft.com/office/drawing/2018/hyperlinkcolor">
+<p:sld xmlns:a="http://schemas.openxmlformats.org/drawingml/2006/main" xmlns:r="http://schemas.openxmlformats.org/officeDocument/2006/relationships" xmlns:p="http://schemas.openxmlformats.org/presentationml/2006/main">
   <p:cSld>
     <p:spTree>
       <p:nvGrpSpPr>
-        <p:cNvPr id="132" name="Shape 132"/>
+        <p:cNvPr id="1" name="Shape 132"/>
         <p:cNvGrpSpPr/>
         <p:nvPr/>
       </p:nvGrpSpPr>
@@ -7604,12 +7769,12 @@
           </a:ln>
         </p:spPr>
         <p:txBody>
-          <a:bodyPr anchorCtr="0" anchor="t" bIns="91425" lIns="91425" spcFirstLastPara="1" rIns="91425" wrap="square" tIns="91425">
+          <a:bodyPr spcFirstLastPara="1" wrap="square" lIns="91425" tIns="91425" rIns="91425" bIns="91425" anchor="t" anchorCtr="0">
             <a:spAutoFit/>
           </a:bodyPr>
           <a:lstStyle/>
           <a:p>
-            <a:pPr indent="0" lvl="0" marL="0" rtl="0" algn="l">
+            <a:pPr marL="0" lvl="0" indent="0" algn="l" rtl="0">
               <a:spcBef>
                 <a:spcPts val="0"/>
               </a:spcBef>
@@ -7619,7 +7784,7 @@
               <a:buNone/>
             </a:pPr>
             <a:r>
-              <a:rPr b="1" lang="es" sz="2400">
+              <a:rPr lang="es" sz="2400" b="1">
                 <a:latin typeface="Open Sans"/>
                 <a:ea typeface="Open Sans"/>
                 <a:cs typeface="Open Sans"/>
@@ -7627,7 +7792,7 @@
               </a:rPr>
               <a:t>MSTest</a:t>
             </a:r>
-            <a:endParaRPr b="1" sz="2400">
+            <a:endParaRPr sz="2400" b="1">
               <a:latin typeface="Open Sans"/>
               <a:ea typeface="Open Sans"/>
               <a:cs typeface="Open Sans"/>
@@ -7656,12 +7821,12 @@
           </a:ln>
         </p:spPr>
         <p:txBody>
-          <a:bodyPr anchorCtr="0" anchor="t" bIns="91425" lIns="91425" spcFirstLastPara="1" rIns="91425" wrap="square" tIns="91425">
+          <a:bodyPr spcFirstLastPara="1" wrap="square" lIns="91425" tIns="91425" rIns="91425" bIns="91425" anchor="t" anchorCtr="0">
             <a:spAutoFit/>
           </a:bodyPr>
           <a:lstStyle/>
           <a:p>
-            <a:pPr indent="-342900" lvl="0" marL="457200" rtl="0" algn="l">
+            <a:pPr marL="457200" lvl="0" indent="-342900" algn="l" rtl="0">
               <a:spcBef>
                 <a:spcPts val="0"/>
               </a:spcBef>
@@ -7673,20 +7838,12 @@
             </a:pPr>
             <a:r>
               <a:rPr lang="es" sz="1800"/>
-              <a:t>Es de </a:t>
-            </a:r>
-            <a:r>
-              <a:rPr lang="es" sz="1800"/>
-              <a:t>código</a:t>
-            </a:r>
-            <a:r>
-              <a:rPr lang="es" sz="1800"/>
-              <a:t> abierto </a:t>
+              <a:t>Es de código abierto </a:t>
             </a:r>
             <a:endParaRPr sz="1800"/>
           </a:p>
           <a:p>
-            <a:pPr indent="-342900" lvl="0" marL="457200" rtl="0" algn="l">
+            <a:pPr marL="457200" lvl="0" indent="-342900" algn="l" rtl="0">
               <a:spcBef>
                 <a:spcPts val="0"/>
               </a:spcBef>
@@ -7703,7 +7860,7 @@
             <a:endParaRPr sz="1800"/>
           </a:p>
           <a:p>
-            <a:pPr indent="-342900" lvl="0" marL="457200" rtl="0" algn="l">
+            <a:pPr marL="457200" lvl="0" indent="-342900" algn="l" rtl="0">
               <a:spcBef>
                 <a:spcPts val="0"/>
               </a:spcBef>
@@ -7720,7 +7877,7 @@
             <a:endParaRPr sz="1800"/>
           </a:p>
           <a:p>
-            <a:pPr indent="-342900" lvl="0" marL="457200" rtl="0" algn="l">
+            <a:pPr marL="457200" lvl="0" indent="-342900" algn="l" rtl="0">
               <a:spcBef>
                 <a:spcPts val="0"/>
               </a:spcBef>
@@ -7744,7 +7901,7 @@
             </a:endParaRPr>
           </a:p>
           <a:p>
-            <a:pPr indent="0" lvl="0" marL="0" marR="38100" rtl="0" algn="l">
+            <a:pPr marL="0" marR="38100" lvl="0" indent="0" algn="l" rtl="0">
               <a:lnSpc>
                 <a:spcPct val="128571"/>
               </a:lnSpc>
@@ -7756,9 +7913,6 @@
               </a:spcAft>
               <a:buNone/>
             </a:pPr>
-            <a:r>
-              <a:t/>
-            </a:r>
             <a:endParaRPr sz="1200">
               <a:solidFill>
                 <a:srgbClr val="202124"/>
@@ -7808,7 +7962,7 @@
           <a:blip r:embed="rId4">
             <a:alphaModFix/>
           </a:blip>
-          <a:srcRect b="17190" l="-6030" r="6029" t="-17190"/>
+          <a:srcRect l="-6030" t="-17190" r="6029" b="17190"/>
           <a:stretch/>
         </p:blipFill>
         <p:spPr>
@@ -7901,12 +8055,12 @@
           </a:ln>
         </p:spPr>
         <p:txBody>
-          <a:bodyPr anchorCtr="0" anchor="t" bIns="91425" lIns="91425" spcFirstLastPara="1" rIns="91425" wrap="square" tIns="91425">
+          <a:bodyPr spcFirstLastPara="1" wrap="square" lIns="91425" tIns="91425" rIns="91425" bIns="91425" anchor="t" anchorCtr="0">
             <a:spAutoFit/>
           </a:bodyPr>
           <a:lstStyle/>
           <a:p>
-            <a:pPr indent="0" lvl="0" marL="0" rtl="0" algn="l">
+            <a:pPr marL="0" lvl="0" indent="0" algn="l" rtl="0">
               <a:spcBef>
                 <a:spcPts val="0"/>
               </a:spcBef>
@@ -7916,7 +8070,7 @@
               <a:buNone/>
             </a:pPr>
             <a:r>
-              <a:rPr b="1" lang="es" sz="1800">
+              <a:rPr lang="es" sz="1800" b="1">
                 <a:latin typeface="Open Sans"/>
                 <a:ea typeface="Open Sans"/>
                 <a:cs typeface="Open Sans"/>
@@ -7924,7 +8078,7 @@
               </a:rPr>
               <a:t>MSTest V1</a:t>
             </a:r>
-            <a:endParaRPr b="1" sz="1800">
+            <a:endParaRPr sz="1800" b="1">
               <a:latin typeface="Open Sans"/>
               <a:ea typeface="Open Sans"/>
               <a:cs typeface="Open Sans"/>
@@ -7953,12 +8107,12 @@
           </a:ln>
         </p:spPr>
         <p:txBody>
-          <a:bodyPr anchorCtr="0" anchor="t" bIns="91425" lIns="91425" spcFirstLastPara="1" rIns="91425" wrap="square" tIns="91425">
+          <a:bodyPr spcFirstLastPara="1" wrap="square" lIns="91425" tIns="91425" rIns="91425" bIns="91425" anchor="t" anchorCtr="0">
             <a:spAutoFit/>
           </a:bodyPr>
           <a:lstStyle/>
           <a:p>
-            <a:pPr indent="0" lvl="0" marL="0" rtl="0" algn="l">
+            <a:pPr marL="0" lvl="0" indent="0" algn="l" rtl="0">
               <a:spcBef>
                 <a:spcPts val="0"/>
               </a:spcBef>
@@ -7968,7 +8122,7 @@
               <a:buNone/>
             </a:pPr>
             <a:r>
-              <a:rPr b="1" lang="es" sz="1800">
+              <a:rPr lang="es" sz="1800" b="1">
                 <a:latin typeface="Open Sans"/>
                 <a:ea typeface="Open Sans"/>
                 <a:cs typeface="Open Sans"/>
@@ -7976,7 +8130,7 @@
               </a:rPr>
               <a:t>MSTest V2</a:t>
             </a:r>
-            <a:endParaRPr b="1" sz="1800">
+            <a:endParaRPr sz="1800" b="1">
               <a:latin typeface="Open Sans"/>
               <a:ea typeface="Open Sans"/>
               <a:cs typeface="Open Sans"/>
@@ -7993,32 +8147,32 @@
   <p:timing>
     <p:tnLst>
       <p:par>
-        <p:cTn dur="indefinite" nodeType="tmRoot" restart="never">
+        <p:cTn id="1" dur="indefinite" restart="never" nodeType="tmRoot">
           <p:childTnLst>
             <p:seq concurrent="1" nextAc="seek">
-              <p:cTn dur="indefinite" id="2" nodeType="mainSeq">
+              <p:cTn id="2" dur="indefinite" nodeType="mainSeq">
                 <p:childTnLst>
                   <p:par>
-                    <p:cTn fill="hold">
+                    <p:cTn id="3" fill="hold">
                       <p:stCondLst>
                         <p:cond delay="indefinite"/>
                       </p:stCondLst>
                       <p:childTnLst>
                         <p:par>
-                          <p:cTn fill="hold">
+                          <p:cTn id="4" fill="hold">
                             <p:stCondLst>
                               <p:cond delay="0"/>
                             </p:stCondLst>
                             <p:childTnLst>
                               <p:par>
-                                <p:cTn fill="hold" nodeType="clickEffect" presetClass="entr" presetID="1" presetSubtype="0">
+                                <p:cTn id="5" presetID="1" presetClass="entr" presetSubtype="0" fill="hold" nodeType="clickEffect">
                                   <p:stCondLst>
                                     <p:cond delay="0"/>
                                   </p:stCondLst>
                                   <p:childTnLst>
                                     <p:set>
                                       <p:cBhvr>
-                                        <p:cTn dur="1" fill="hold">
+                                        <p:cTn id="6" dur="1" fill="hold">
                                           <p:stCondLst>
                                             <p:cond delay="0"/>
                                           </p:stCondLst>
@@ -8038,14 +8192,14 @@
                                 </p:cTn>
                               </p:par>
                               <p:par>
-                                <p:cTn fill="hold" nodeType="withEffect" presetClass="entr" presetID="10" presetSubtype="0">
+                                <p:cTn id="7" presetID="10" presetClass="entr" presetSubtype="0" fill="hold" nodeType="withEffect">
                                   <p:stCondLst>
                                     <p:cond delay="0"/>
                                   </p:stCondLst>
                                   <p:childTnLst>
                                     <p:set>
                                       <p:cBhvr>
-                                        <p:cTn dur="1" fill="hold">
+                                        <p:cTn id="8" dur="1" fill="hold">
                                           <p:stCondLst>
                                             <p:cond delay="0"/>
                                           </p:stCondLst>
@@ -8061,9 +8215,9 @@
                                         <p:strVal val="visible"/>
                                       </p:to>
                                     </p:set>
-                                    <p:animEffect filter="fade" transition="in">
+                                    <p:animEffect transition="in" filter="fade">
                                       <p:cBhvr>
-                                        <p:cTn dur="1000"/>
+                                        <p:cTn id="9" dur="1000"/>
                                         <p:tgtEl>
                                           <p:spTgt spid="137"/>
                                         </p:tgtEl>
@@ -8073,14 +8227,14 @@
                                 </p:cTn>
                               </p:par>
                               <p:par>
-                                <p:cTn fill="hold" nodeType="withEffect" presetClass="entr" presetID="10" presetSubtype="0">
+                                <p:cTn id="10" presetID="10" presetClass="entr" presetSubtype="0" fill="hold" nodeType="withEffect">
                                   <p:stCondLst>
                                     <p:cond delay="0"/>
                                   </p:stCondLst>
                                   <p:childTnLst>
                                     <p:set>
                                       <p:cBhvr>
-                                        <p:cTn dur="1" fill="hold">
+                                        <p:cTn id="11" dur="1" fill="hold">
                                           <p:stCondLst>
                                             <p:cond delay="0"/>
                                           </p:stCondLst>
@@ -8096,9 +8250,9 @@
                                         <p:strVal val="visible"/>
                                       </p:to>
                                     </p:set>
-                                    <p:animEffect filter="fade" transition="in">
+                                    <p:animEffect transition="in" filter="fade">
                                       <p:cBhvr>
-                                        <p:cTn dur="1000"/>
+                                        <p:cTn id="12" dur="1000"/>
                                         <p:tgtEl>
                                           <p:spTgt spid="135"/>
                                         </p:tgtEl>
@@ -8114,26 +8268,26 @@
                     </p:cTn>
                   </p:par>
                   <p:par>
-                    <p:cTn fill="hold">
+                    <p:cTn id="13" fill="hold">
                       <p:stCondLst>
                         <p:cond delay="indefinite"/>
                       </p:stCondLst>
                       <p:childTnLst>
                         <p:par>
-                          <p:cTn fill="hold">
+                          <p:cTn id="14" fill="hold">
                             <p:stCondLst>
                               <p:cond delay="0"/>
                             </p:stCondLst>
                             <p:childTnLst>
                               <p:par>
-                                <p:cTn fill="hold" nodeType="clickEffect" presetClass="entr" presetID="1" presetSubtype="0">
+                                <p:cTn id="15" presetID="1" presetClass="entr" presetSubtype="0" fill="hold" nodeType="clickEffect">
                                   <p:stCondLst>
                                     <p:cond delay="0"/>
                                   </p:stCondLst>
                                   <p:childTnLst>
                                     <p:set>
                                       <p:cBhvr>
-                                        <p:cTn dur="1" fill="hold">
+                                        <p:cTn id="16" dur="1" fill="hold">
                                           <p:stCondLst>
                                             <p:cond delay="0"/>
                                           </p:stCondLst>
@@ -8153,14 +8307,14 @@
                                 </p:cTn>
                               </p:par>
                               <p:par>
-                                <p:cTn fill="hold" nodeType="withEffect" presetClass="entr" presetID="10" presetSubtype="0">
+                                <p:cTn id="17" presetID="10" presetClass="entr" presetSubtype="0" fill="hold" nodeType="withEffect">
                                   <p:stCondLst>
                                     <p:cond delay="0"/>
                                   </p:stCondLst>
                                   <p:childTnLst>
                                     <p:set>
                                       <p:cBhvr>
-                                        <p:cTn dur="1" fill="hold">
+                                        <p:cTn id="18" dur="1" fill="hold">
                                           <p:stCondLst>
                                             <p:cond delay="0"/>
                                           </p:stCondLst>
@@ -8176,9 +8330,9 @@
                                         <p:strVal val="visible"/>
                                       </p:to>
                                     </p:set>
-                                    <p:animEffect filter="fade" transition="in">
+                                    <p:animEffect transition="in" filter="fade">
                                       <p:cBhvr>
-                                        <p:cTn dur="1000"/>
+                                        <p:cTn id="19" dur="1000"/>
                                         <p:tgtEl>
                                           <p:spTgt spid="139"/>
                                         </p:tgtEl>
@@ -8188,14 +8342,14 @@
                                 </p:cTn>
                               </p:par>
                               <p:par>
-                                <p:cTn fill="hold" nodeType="withEffect" presetClass="entr" presetID="10" presetSubtype="0">
+                                <p:cTn id="20" presetID="10" presetClass="entr" presetSubtype="0" fill="hold" nodeType="withEffect">
                                   <p:stCondLst>
                                     <p:cond delay="0"/>
                                   </p:stCondLst>
                                   <p:childTnLst>
                                     <p:set>
                                       <p:cBhvr>
-                                        <p:cTn dur="1" fill="hold">
+                                        <p:cTn id="21" dur="1" fill="hold">
                                           <p:stCondLst>
                                             <p:cond delay="0"/>
                                           </p:stCondLst>
@@ -8211,9 +8365,9 @@
                                         <p:strVal val="visible"/>
                                       </p:to>
                                     </p:set>
-                                    <p:animEffect filter="fade" transition="in">
+                                    <p:animEffect transition="in" filter="fade">
                                       <p:cBhvr>
-                                        <p:cTn dur="1000"/>
+                                        <p:cTn id="22" dur="1000"/>
                                         <p:tgtEl>
                                           <p:spTgt spid="140"/>
                                         </p:tgtEl>
@@ -8231,14 +8385,14 @@
                 </p:childTnLst>
               </p:cTn>
               <p:prevCondLst>
-                <p:cond evt="onPrev">
+                <p:cond evt="onPrev" delay="0">
                   <p:tgtEl>
                     <p:sldTgt/>
                   </p:tgtEl>
                 </p:cond>
               </p:prevCondLst>
               <p:nextCondLst>
-                <p:cond evt="onNext">
+                <p:cond evt="onNext" delay="0">
                   <p:tgtEl>
                     <p:sldTgt/>
                   </p:tgtEl>
@@ -8254,11 +8408,11 @@
 </file>
 
 <file path=ppt/slides/slide11.xml><?xml version="1.0" encoding="utf-8"?>
-<p:sld xmlns:a="http://schemas.openxmlformats.org/drawingml/2006/main" xmlns:r="http://schemas.openxmlformats.org/officeDocument/2006/relationships" xmlns:mc="http://schemas.openxmlformats.org/markup-compatibility/2006" xmlns:mv="urn:schemas-microsoft-com:mac:vml" xmlns:p="http://schemas.openxmlformats.org/presentationml/2006/main" xmlns:c="http://schemas.openxmlformats.org/drawingml/2006/chart" xmlns:dgm="http://schemas.openxmlformats.org/drawingml/2006/diagram" xmlns:o="urn:schemas-microsoft-com:office:office" xmlns:v="urn:schemas-microsoft-com:vml" xmlns:pvml="urn:schemas-microsoft-com:office:powerpoint" xmlns:com="http://schemas.openxmlformats.org/drawingml/2006/compatibility" xmlns:p14="http://schemas.microsoft.com/office/powerpoint/2010/main" xmlns:p15="http://schemas.microsoft.com/office/powerpoint/2012/main" xmlns:ahyp="http://schemas.microsoft.com/office/drawing/2018/hyperlinkcolor">
+<p:sld xmlns:a="http://schemas.openxmlformats.org/drawingml/2006/main" xmlns:r="http://schemas.openxmlformats.org/officeDocument/2006/relationships" xmlns:p="http://schemas.openxmlformats.org/presentationml/2006/main">
   <p:cSld>
     <p:spTree>
       <p:nvGrpSpPr>
-        <p:cNvPr id="144" name="Shape 144"/>
+        <p:cNvPr id="1" name="Shape 144"/>
         <p:cNvGrpSpPr/>
         <p:nvPr/>
       </p:nvGrpSpPr>
@@ -8274,11 +8428,17 @@
         <p:nvGraphicFramePr>
           <p:cNvPr id="145" name="Google Shape;145;p23"/>
           <p:cNvGraphicFramePr/>
-          <p:nvPr/>
+          <p:nvPr>
+            <p:extLst>
+              <p:ext uri="{D42A27DB-BD31-4B8C-83A1-F6EECF244321}">
+                <p14:modId xmlns:p14="http://schemas.microsoft.com/office/powerpoint/2010/main" val="2702447090"/>
+              </p:ext>
+            </p:extLst>
+          </p:nvPr>
         </p:nvGraphicFramePr>
         <p:xfrm>
           <a:off x="404300" y="89800"/>
-          <a:ext cx="3000000" cy="3000000"/>
+          <a:ext cx="7708475" cy="3989350"/>
         </p:xfrm>
         <a:graphic>
           <a:graphicData uri="http://schemas.openxmlformats.org/drawingml/2006/table">
@@ -8288,10 +8448,34 @@
                 <a:tableStyleId>{483911CC-F2D3-4BEC-B8EC-951287A48625}</a:tableStyleId>
               </a:tblPr>
               <a:tblGrid>
-                <a:gridCol w="2030125"/>
-                <a:gridCol w="1824100"/>
-                <a:gridCol w="1927125"/>
-                <a:gridCol w="1927125"/>
+                <a:gridCol w="2030125">
+                  <a:extLst>
+                    <a:ext uri="{9D8B030D-6E8A-4147-A177-3AD203B41FA5}">
+                      <a16:colId xmlns:a16="http://schemas.microsoft.com/office/drawing/2014/main" val="20000"/>
+                    </a:ext>
+                  </a:extLst>
+                </a:gridCol>
+                <a:gridCol w="1824100">
+                  <a:extLst>
+                    <a:ext uri="{9D8B030D-6E8A-4147-A177-3AD203B41FA5}">
+                      <a16:colId xmlns:a16="http://schemas.microsoft.com/office/drawing/2014/main" val="20001"/>
+                    </a:ext>
+                  </a:extLst>
+                </a:gridCol>
+                <a:gridCol w="1927125">
+                  <a:extLst>
+                    <a:ext uri="{9D8B030D-6E8A-4147-A177-3AD203B41FA5}">
+                      <a16:colId xmlns:a16="http://schemas.microsoft.com/office/drawing/2014/main" val="20002"/>
+                    </a:ext>
+                  </a:extLst>
+                </a:gridCol>
+                <a:gridCol w="1927125">
+                  <a:extLst>
+                    <a:ext uri="{9D8B030D-6E8A-4147-A177-3AD203B41FA5}">
+                      <a16:colId xmlns:a16="http://schemas.microsoft.com/office/drawing/2014/main" val="20003"/>
+                    </a:ext>
+                  </a:extLst>
+                </a:gridCol>
               </a:tblGrid>
               <a:tr h="432175">
                 <a:tc>
@@ -8299,7 +8483,63 @@
                     <a:bodyPr/>
                     <a:lstStyle/>
                     <a:p>
-                      <a:pPr indent="0" lvl="0" marL="0" rtl="0" algn="l">
+                      <a:pPr marL="0" lvl="0" indent="0" algn="l" rtl="0">
+                        <a:spcBef>
+                          <a:spcPts val="0"/>
+                        </a:spcBef>
+                        <a:spcAft>
+                          <a:spcPts val="0"/>
+                        </a:spcAft>
+                        <a:buNone/>
+                      </a:pPr>
+                      <a:endParaRPr/>
+                    </a:p>
+                  </a:txBody>
+                  <a:tcPr marL="91425" marR="91425" marT="91425" marB="91425">
+                    <a:lnL w="9525" cap="flat" cmpd="sng">
+                      <a:solidFill>
+                        <a:schemeClr val="dk1"/>
+                      </a:solidFill>
+                      <a:prstDash val="solid"/>
+                      <a:round/>
+                      <a:headEnd type="none" w="sm" len="sm"/>
+                      <a:tailEnd type="none" w="sm" len="sm"/>
+                    </a:lnL>
+                    <a:lnR w="9525" cap="flat" cmpd="sng">
+                      <a:solidFill>
+                        <a:schemeClr val="dk1"/>
+                      </a:solidFill>
+                      <a:prstDash val="solid"/>
+                      <a:round/>
+                      <a:headEnd type="none" w="sm" len="sm"/>
+                      <a:tailEnd type="none" w="sm" len="sm"/>
+                    </a:lnR>
+                    <a:lnT w="9525" cap="flat" cmpd="sng">
+                      <a:solidFill>
+                        <a:schemeClr val="dk1"/>
+                      </a:solidFill>
+                      <a:prstDash val="solid"/>
+                      <a:round/>
+                      <a:headEnd type="none" w="sm" len="sm"/>
+                      <a:tailEnd type="none" w="sm" len="sm"/>
+                    </a:lnT>
+                    <a:lnB w="9525" cap="flat" cmpd="sng">
+                      <a:solidFill>
+                        <a:schemeClr val="dk1"/>
+                      </a:solidFill>
+                      <a:prstDash val="solid"/>
+                      <a:round/>
+                      <a:headEnd type="none" w="sm" len="sm"/>
+                      <a:tailEnd type="none" w="sm" len="sm"/>
+                    </a:lnB>
+                  </a:tcPr>
+                </a:tc>
+                <a:tc>
+                  <a:txBody>
+                    <a:bodyPr/>
+                    <a:lstStyle/>
+                    <a:p>
+                      <a:pPr marL="0" lvl="0" indent="0" algn="l" rtl="0">
                         <a:spcBef>
                           <a:spcPts val="0"/>
                         </a:spcBef>
@@ -8309,66 +8549,7 @@
                         <a:buNone/>
                       </a:pPr>
                       <a:r>
-                        <a:t/>
-                      </a:r>
-                      <a:endParaRPr/>
-                    </a:p>
-                  </a:txBody>
-                  <a:tcPr marT="91425" marB="91425" marR="91425" marL="91425">
-                    <a:lnL cap="flat" cmpd="sng" w="9525">
-                      <a:solidFill>
-                        <a:schemeClr val="dk1"/>
-                      </a:solidFill>
-                      <a:prstDash val="solid"/>
-                      <a:round/>
-                      <a:headEnd len="sm" w="sm" type="none"/>
-                      <a:tailEnd len="sm" w="sm" type="none"/>
-                    </a:lnL>
-                    <a:lnR cap="flat" cmpd="sng" w="9525">
-                      <a:solidFill>
-                        <a:schemeClr val="dk1"/>
-                      </a:solidFill>
-                      <a:prstDash val="solid"/>
-                      <a:round/>
-                      <a:headEnd len="sm" w="sm" type="none"/>
-                      <a:tailEnd len="sm" w="sm" type="none"/>
-                    </a:lnR>
-                    <a:lnT cap="flat" cmpd="sng" w="9525">
-                      <a:solidFill>
-                        <a:schemeClr val="dk1"/>
-                      </a:solidFill>
-                      <a:prstDash val="solid"/>
-                      <a:round/>
-                      <a:headEnd len="sm" w="sm" type="none"/>
-                      <a:tailEnd len="sm" w="sm" type="none"/>
-                    </a:lnT>
-                    <a:lnB cap="flat" cmpd="sng" w="9525">
-                      <a:solidFill>
-                        <a:schemeClr val="dk1"/>
-                      </a:solidFill>
-                      <a:prstDash val="solid"/>
-                      <a:round/>
-                      <a:headEnd len="sm" w="sm" type="none"/>
-                      <a:tailEnd len="sm" w="sm" type="none"/>
-                    </a:lnB>
-                  </a:tcPr>
-                </a:tc>
-                <a:tc>
-                  <a:txBody>
-                    <a:bodyPr/>
-                    <a:lstStyle/>
-                    <a:p>
-                      <a:pPr indent="0" lvl="0" marL="0" rtl="0" algn="l">
-                        <a:spcBef>
-                          <a:spcPts val="0"/>
-                        </a:spcBef>
-                        <a:spcAft>
-                          <a:spcPts val="0"/>
-                        </a:spcAft>
-                        <a:buNone/>
-                      </a:pPr>
-                      <a:r>
-                        <a:rPr b="1" lang="es">
+                        <a:rPr lang="es" b="1">
                           <a:solidFill>
                             <a:srgbClr val="6D9EEB"/>
                           </a:solidFill>
@@ -8382,42 +8563,42 @@
                       </a:endParaRPr>
                     </a:p>
                   </a:txBody>
-                  <a:tcPr marT="91425" marB="91425" marR="91425" marL="91425">
-                    <a:lnL cap="flat" cmpd="sng" w="9525">
+                  <a:tcPr marL="91425" marR="91425" marT="91425" marB="91425">
+                    <a:lnL w="9525" cap="flat" cmpd="sng">
                       <a:solidFill>
                         <a:schemeClr val="dk1"/>
                       </a:solidFill>
                       <a:prstDash val="solid"/>
                       <a:round/>
-                      <a:headEnd len="sm" w="sm" type="none"/>
-                      <a:tailEnd len="sm" w="sm" type="none"/>
+                      <a:headEnd type="none" w="sm" len="sm"/>
+                      <a:tailEnd type="none" w="sm" len="sm"/>
                     </a:lnL>
-                    <a:lnR cap="flat" cmpd="sng" w="9525">
+                    <a:lnR w="9525" cap="flat" cmpd="sng">
                       <a:solidFill>
                         <a:schemeClr val="dk1"/>
                       </a:solidFill>
                       <a:prstDash val="solid"/>
                       <a:round/>
-                      <a:headEnd len="sm" w="sm" type="none"/>
-                      <a:tailEnd len="sm" w="sm" type="none"/>
+                      <a:headEnd type="none" w="sm" len="sm"/>
+                      <a:tailEnd type="none" w="sm" len="sm"/>
                     </a:lnR>
-                    <a:lnT cap="flat" cmpd="sng" w="9525">
+                    <a:lnT w="9525" cap="flat" cmpd="sng">
                       <a:solidFill>
                         <a:schemeClr val="dk1"/>
                       </a:solidFill>
                       <a:prstDash val="solid"/>
                       <a:round/>
-                      <a:headEnd len="sm" w="sm" type="none"/>
-                      <a:tailEnd len="sm" w="sm" type="none"/>
+                      <a:headEnd type="none" w="sm" len="sm"/>
+                      <a:tailEnd type="none" w="sm" len="sm"/>
                     </a:lnT>
-                    <a:lnB cap="flat" cmpd="sng" w="9525">
+                    <a:lnB w="9525" cap="flat" cmpd="sng">
                       <a:solidFill>
                         <a:schemeClr val="dk1"/>
                       </a:solidFill>
                       <a:prstDash val="solid"/>
                       <a:round/>
-                      <a:headEnd len="sm" w="sm" type="none"/>
-                      <a:tailEnd len="sm" w="sm" type="none"/>
+                      <a:headEnd type="none" w="sm" len="sm"/>
+                      <a:tailEnd type="none" w="sm" len="sm"/>
                     </a:lnB>
                   </a:tcPr>
                 </a:tc>
@@ -8426,7 +8607,7 @@
                     <a:bodyPr/>
                     <a:lstStyle/>
                     <a:p>
-                      <a:pPr indent="0" lvl="0" marL="0" rtl="0" algn="l">
+                      <a:pPr marL="0" lvl="0" indent="0" algn="l" rtl="0">
                         <a:spcBef>
                           <a:spcPts val="0"/>
                         </a:spcBef>
@@ -8436,7 +8617,7 @@
                         <a:buNone/>
                       </a:pPr>
                       <a:r>
-                        <a:rPr b="1" lang="es">
+                        <a:rPr lang="es" b="1">
                           <a:solidFill>
                             <a:srgbClr val="6D9EEB"/>
                           </a:solidFill>
@@ -8450,42 +8631,42 @@
                       </a:endParaRPr>
                     </a:p>
                   </a:txBody>
-                  <a:tcPr marT="91425" marB="91425" marR="91425" marL="91425">
-                    <a:lnL cap="flat" cmpd="sng" w="9525">
+                  <a:tcPr marL="91425" marR="91425" marT="91425" marB="91425">
+                    <a:lnL w="9525" cap="flat" cmpd="sng">
                       <a:solidFill>
                         <a:schemeClr val="dk1"/>
                       </a:solidFill>
                       <a:prstDash val="solid"/>
                       <a:round/>
-                      <a:headEnd len="sm" w="sm" type="none"/>
-                      <a:tailEnd len="sm" w="sm" type="none"/>
+                      <a:headEnd type="none" w="sm" len="sm"/>
+                      <a:tailEnd type="none" w="sm" len="sm"/>
                     </a:lnL>
-                    <a:lnR cap="flat" cmpd="sng" w="9525">
+                    <a:lnR w="9525" cap="flat" cmpd="sng">
                       <a:solidFill>
                         <a:schemeClr val="dk1"/>
                       </a:solidFill>
                       <a:prstDash val="solid"/>
                       <a:round/>
-                      <a:headEnd len="sm" w="sm" type="none"/>
-                      <a:tailEnd len="sm" w="sm" type="none"/>
+                      <a:headEnd type="none" w="sm" len="sm"/>
+                      <a:tailEnd type="none" w="sm" len="sm"/>
                     </a:lnR>
-                    <a:lnT cap="flat" cmpd="sng" w="9525">
+                    <a:lnT w="9525" cap="flat" cmpd="sng">
                       <a:solidFill>
                         <a:schemeClr val="dk1"/>
                       </a:solidFill>
                       <a:prstDash val="solid"/>
                       <a:round/>
-                      <a:headEnd len="sm" w="sm" type="none"/>
-                      <a:tailEnd len="sm" w="sm" type="none"/>
+                      <a:headEnd type="none" w="sm" len="sm"/>
+                      <a:tailEnd type="none" w="sm" len="sm"/>
                     </a:lnT>
-                    <a:lnB cap="flat" cmpd="sng" w="9525">
+                    <a:lnB w="9525" cap="flat" cmpd="sng">
                       <a:solidFill>
                         <a:schemeClr val="dk1"/>
                       </a:solidFill>
                       <a:prstDash val="solid"/>
                       <a:round/>
-                      <a:headEnd len="sm" w="sm" type="none"/>
-                      <a:tailEnd len="sm" w="sm" type="none"/>
+                      <a:headEnd type="none" w="sm" len="sm"/>
+                      <a:tailEnd type="none" w="sm" len="sm"/>
                     </a:lnB>
                   </a:tcPr>
                 </a:tc>
@@ -8494,7 +8675,7 @@
                     <a:bodyPr/>
                     <a:lstStyle/>
                     <a:p>
-                      <a:pPr indent="0" lvl="0" marL="0" rtl="0" algn="l">
+                      <a:pPr marL="0" lvl="0" indent="0" algn="l" rtl="0">
                         <a:spcBef>
                           <a:spcPts val="0"/>
                         </a:spcBef>
@@ -8504,7 +8685,7 @@
                         <a:buNone/>
                       </a:pPr>
                       <a:r>
-                        <a:rPr b="1" lang="es">
+                        <a:rPr lang="es" b="1">
                           <a:solidFill>
                             <a:srgbClr val="6D9EEB"/>
                           </a:solidFill>
@@ -8518,45 +8699,50 @@
                       </a:endParaRPr>
                     </a:p>
                   </a:txBody>
-                  <a:tcPr marT="91425" marB="91425" marR="91425" marL="91425">
-                    <a:lnL cap="flat" cmpd="sng" w="9525">
+                  <a:tcPr marL="91425" marR="91425" marT="91425" marB="91425">
+                    <a:lnL w="9525" cap="flat" cmpd="sng">
                       <a:solidFill>
                         <a:schemeClr val="dk1"/>
                       </a:solidFill>
                       <a:prstDash val="solid"/>
                       <a:round/>
-                      <a:headEnd len="sm" w="sm" type="none"/>
-                      <a:tailEnd len="sm" w="sm" type="none"/>
+                      <a:headEnd type="none" w="sm" len="sm"/>
+                      <a:tailEnd type="none" w="sm" len="sm"/>
                     </a:lnL>
-                    <a:lnR cap="flat" cmpd="sng" w="9525">
+                    <a:lnR w="9525" cap="flat" cmpd="sng">
                       <a:solidFill>
                         <a:schemeClr val="dk1"/>
                       </a:solidFill>
                       <a:prstDash val="solid"/>
                       <a:round/>
-                      <a:headEnd len="sm" w="sm" type="none"/>
-                      <a:tailEnd len="sm" w="sm" type="none"/>
+                      <a:headEnd type="none" w="sm" len="sm"/>
+                      <a:tailEnd type="none" w="sm" len="sm"/>
                     </a:lnR>
-                    <a:lnT cap="flat" cmpd="sng" w="9525">
+                    <a:lnT w="9525" cap="flat" cmpd="sng">
                       <a:solidFill>
                         <a:schemeClr val="dk1"/>
                       </a:solidFill>
                       <a:prstDash val="solid"/>
                       <a:round/>
-                      <a:headEnd len="sm" w="sm" type="none"/>
-                      <a:tailEnd len="sm" w="sm" type="none"/>
+                      <a:headEnd type="none" w="sm" len="sm"/>
+                      <a:tailEnd type="none" w="sm" len="sm"/>
                     </a:lnT>
-                    <a:lnB cap="flat" cmpd="sng" w="9525">
+                    <a:lnB w="9525" cap="flat" cmpd="sng">
                       <a:solidFill>
                         <a:schemeClr val="dk1"/>
                       </a:solidFill>
                       <a:prstDash val="solid"/>
                       <a:round/>
-                      <a:headEnd len="sm" w="sm" type="none"/>
-                      <a:tailEnd len="sm" w="sm" type="none"/>
+                      <a:headEnd type="none" w="sm" len="sm"/>
+                      <a:tailEnd type="none" w="sm" len="sm"/>
                     </a:lnB>
                   </a:tcPr>
                 </a:tc>
+                <a:extLst>
+                  <a:ext uri="{0D108BD9-81ED-4DB2-BD59-A6C34878D82A}">
+                    <a16:rowId xmlns:a16="http://schemas.microsoft.com/office/drawing/2014/main" val="10000"/>
+                  </a:ext>
+                </a:extLst>
               </a:tr>
               <a:tr h="664900">
                 <a:tc>
@@ -8564,7 +8750,7 @@
                     <a:bodyPr/>
                     <a:lstStyle/>
                     <a:p>
-                      <a:pPr indent="0" lvl="0" marL="0" rtl="0" algn="l">
+                      <a:pPr marL="0" lvl="0" indent="0" algn="l" rtl="0">
                         <a:spcBef>
                           <a:spcPts val="0"/>
                         </a:spcBef>
@@ -8574,56 +8760,72 @@
                         <a:buNone/>
                       </a:pPr>
                       <a:r>
+                        <a:rPr lang="es" smtClean="0">
+                          <a:solidFill>
+                            <a:srgbClr val="6D9EEB"/>
+                          </a:solidFill>
+                        </a:rPr>
+                        <a:t>AISLAMIENTO </a:t>
+                      </a:r>
+                      <a:r>
                         <a:rPr lang="es">
                           <a:solidFill>
                             <a:srgbClr val="6D9EEB"/>
                           </a:solidFill>
                         </a:rPr>
-                        <a:t>ISOLACIÓN DE TEST</a:t>
+                        <a:t>DE </a:t>
                       </a:r>
-                      <a:endParaRPr>
+                      <a:r>
+                        <a:rPr lang="es" smtClean="0">
+                          <a:solidFill>
+                            <a:srgbClr val="6D9EEB"/>
+                          </a:solidFill>
+                        </a:rPr>
+                        <a:t>TEST</a:t>
+                      </a:r>
+                      <a:endParaRPr dirty="0">
                         <a:solidFill>
                           <a:srgbClr val="6D9EEB"/>
                         </a:solidFill>
                       </a:endParaRPr>
                     </a:p>
                   </a:txBody>
-                  <a:tcPr marT="91425" marB="91425" marR="91425" marL="91425">
-                    <a:lnL cap="flat" cmpd="sng" w="9525">
+                  <a:tcPr marL="91425" marR="91425" marT="91425" marB="91425">
+                    <a:lnL w="9525" cap="flat" cmpd="sng">
                       <a:solidFill>
                         <a:schemeClr val="dk1"/>
                       </a:solidFill>
                       <a:prstDash val="solid"/>
                       <a:round/>
-                      <a:headEnd len="sm" w="sm" type="none"/>
-                      <a:tailEnd len="sm" w="sm" type="none"/>
+                      <a:headEnd type="none" w="sm" len="sm"/>
+                      <a:tailEnd type="none" w="sm" len="sm"/>
                     </a:lnL>
-                    <a:lnR cap="flat" cmpd="sng" w="9525">
+                    <a:lnR w="9525" cap="flat" cmpd="sng">
                       <a:solidFill>
                         <a:schemeClr val="dk1"/>
                       </a:solidFill>
                       <a:prstDash val="solid"/>
                       <a:round/>
-                      <a:headEnd len="sm" w="sm" type="none"/>
-                      <a:tailEnd len="sm" w="sm" type="none"/>
+                      <a:headEnd type="none" w="sm" len="sm"/>
+                      <a:tailEnd type="none" w="sm" len="sm"/>
                     </a:lnR>
-                    <a:lnT cap="flat" cmpd="sng" w="9525">
+                    <a:lnT w="9525" cap="flat" cmpd="sng">
                       <a:solidFill>
                         <a:schemeClr val="dk1"/>
                       </a:solidFill>
                       <a:prstDash val="solid"/>
                       <a:round/>
-                      <a:headEnd len="sm" w="sm" type="none"/>
-                      <a:tailEnd len="sm" w="sm" type="none"/>
+                      <a:headEnd type="none" w="sm" len="sm"/>
+                      <a:tailEnd type="none" w="sm" len="sm"/>
                     </a:lnT>
-                    <a:lnB cap="flat" cmpd="sng" w="9525">
+                    <a:lnB w="9525" cap="flat" cmpd="sng">
                       <a:solidFill>
                         <a:schemeClr val="dk1"/>
                       </a:solidFill>
                       <a:prstDash val="solid"/>
                       <a:round/>
-                      <a:headEnd len="sm" w="sm" type="none"/>
-                      <a:tailEnd len="sm" w="sm" type="none"/>
+                      <a:headEnd type="none" w="sm" len="sm"/>
+                      <a:tailEnd type="none" w="sm" len="sm"/>
                     </a:lnB>
                   </a:tcPr>
                 </a:tc>
@@ -8632,7 +8834,7 @@
                     <a:bodyPr/>
                     <a:lstStyle/>
                     <a:p>
-                      <a:pPr indent="0" lvl="0" marL="0" rtl="0" algn="l">
+                      <a:pPr marL="0" lvl="0" indent="0" algn="l" rtl="0">
                         <a:spcBef>
                           <a:spcPts val="0"/>
                         </a:spcBef>
@@ -8641,9 +8843,6 @@
                         </a:spcAft>
                         <a:buNone/>
                       </a:pPr>
-                      <a:r>
-                        <a:t/>
-                      </a:r>
                       <a:endParaRPr>
                         <a:highlight>
                           <a:srgbClr val="F8F9FA"/>
@@ -8651,42 +8850,42 @@
                       </a:endParaRPr>
                     </a:p>
                   </a:txBody>
-                  <a:tcPr marT="91425" marB="91425" marR="91425" marL="91425">
-                    <a:lnL cap="flat" cmpd="sng" w="9525">
+                  <a:tcPr marL="91425" marR="91425" marT="91425" marB="91425">
+                    <a:lnL w="9525" cap="flat" cmpd="sng">
                       <a:solidFill>
                         <a:schemeClr val="dk1"/>
                       </a:solidFill>
                       <a:prstDash val="solid"/>
                       <a:round/>
-                      <a:headEnd len="sm" w="sm" type="none"/>
-                      <a:tailEnd len="sm" w="sm" type="none"/>
+                      <a:headEnd type="none" w="sm" len="sm"/>
+                      <a:tailEnd type="none" w="sm" len="sm"/>
                     </a:lnL>
-                    <a:lnR cap="flat" cmpd="sng" w="9525">
+                    <a:lnR w="9525" cap="flat" cmpd="sng">
                       <a:solidFill>
                         <a:schemeClr val="dk1"/>
                       </a:solidFill>
                       <a:prstDash val="solid"/>
                       <a:round/>
-                      <a:headEnd len="sm" w="sm" type="none"/>
-                      <a:tailEnd len="sm" w="sm" type="none"/>
+                      <a:headEnd type="none" w="sm" len="sm"/>
+                      <a:tailEnd type="none" w="sm" len="sm"/>
                     </a:lnR>
-                    <a:lnT cap="flat" cmpd="sng" w="9525">
+                    <a:lnT w="9525" cap="flat" cmpd="sng">
                       <a:solidFill>
                         <a:schemeClr val="dk1"/>
                       </a:solidFill>
                       <a:prstDash val="solid"/>
                       <a:round/>
-                      <a:headEnd len="sm" w="sm" type="none"/>
-                      <a:tailEnd len="sm" w="sm" type="none"/>
+                      <a:headEnd type="none" w="sm" len="sm"/>
+                      <a:tailEnd type="none" w="sm" len="sm"/>
                     </a:lnT>
-                    <a:lnB cap="flat" cmpd="sng" w="9525">
+                    <a:lnB w="9525" cap="flat" cmpd="sng">
                       <a:solidFill>
                         <a:schemeClr val="dk1"/>
                       </a:solidFill>
                       <a:prstDash val="solid"/>
                       <a:round/>
-                      <a:headEnd len="sm" w="sm" type="none"/>
-                      <a:tailEnd len="sm" w="sm" type="none"/>
+                      <a:headEnd type="none" w="sm" len="sm"/>
+                      <a:tailEnd type="none" w="sm" len="sm"/>
                     </a:lnB>
                     <a:solidFill>
                       <a:srgbClr val="F9CB9C"/>
@@ -8698,7 +8897,7 @@
                     <a:bodyPr/>
                     <a:lstStyle/>
                     <a:p>
-                      <a:pPr indent="0" lvl="0" marL="0" rtl="0" algn="l">
+                      <a:pPr marL="0" lvl="0" indent="0" algn="l" rtl="0">
                         <a:spcBef>
                           <a:spcPts val="0"/>
                         </a:spcBef>
@@ -8707,48 +8906,45 @@
                         </a:spcAft>
                         <a:buNone/>
                       </a:pPr>
-                      <a:r>
-                        <a:t/>
-                      </a:r>
                       <a:endParaRPr/>
                     </a:p>
                   </a:txBody>
-                  <a:tcPr marT="91425" marB="91425" marR="91425" marL="91425">
-                    <a:lnL cap="flat" cmpd="sng" w="9525">
+                  <a:tcPr marL="91425" marR="91425" marT="91425" marB="91425">
+                    <a:lnL w="9525" cap="flat" cmpd="sng">
                       <a:solidFill>
                         <a:schemeClr val="dk1"/>
                       </a:solidFill>
                       <a:prstDash val="solid"/>
                       <a:round/>
-                      <a:headEnd len="sm" w="sm" type="none"/>
-                      <a:tailEnd len="sm" w="sm" type="none"/>
+                      <a:headEnd type="none" w="sm" len="sm"/>
+                      <a:tailEnd type="none" w="sm" len="sm"/>
                     </a:lnL>
-                    <a:lnR cap="flat" cmpd="sng" w="9525">
+                    <a:lnR w="9525" cap="flat" cmpd="sng">
                       <a:solidFill>
                         <a:schemeClr val="dk1"/>
                       </a:solidFill>
                       <a:prstDash val="solid"/>
                       <a:round/>
-                      <a:headEnd len="sm" w="sm" type="none"/>
-                      <a:tailEnd len="sm" w="sm" type="none"/>
+                      <a:headEnd type="none" w="sm" len="sm"/>
+                      <a:tailEnd type="none" w="sm" len="sm"/>
                     </a:lnR>
-                    <a:lnT cap="flat" cmpd="sng" w="9525">
+                    <a:lnT w="9525" cap="flat" cmpd="sng">
                       <a:solidFill>
                         <a:schemeClr val="dk1"/>
                       </a:solidFill>
                       <a:prstDash val="solid"/>
                       <a:round/>
-                      <a:headEnd len="sm" w="sm" type="none"/>
-                      <a:tailEnd len="sm" w="sm" type="none"/>
+                      <a:headEnd type="none" w="sm" len="sm"/>
+                      <a:tailEnd type="none" w="sm" len="sm"/>
                     </a:lnT>
-                    <a:lnB cap="flat" cmpd="sng" w="9525">
+                    <a:lnB w="9525" cap="flat" cmpd="sng">
                       <a:solidFill>
                         <a:schemeClr val="dk1"/>
                       </a:solidFill>
                       <a:prstDash val="solid"/>
                       <a:round/>
-                      <a:headEnd len="sm" w="sm" type="none"/>
-                      <a:tailEnd len="sm" w="sm" type="none"/>
+                      <a:headEnd type="none" w="sm" len="sm"/>
+                      <a:tailEnd type="none" w="sm" len="sm"/>
                     </a:lnB>
                     <a:solidFill>
                       <a:srgbClr val="F9CB9C"/>
@@ -8760,7 +8956,7 @@
                     <a:bodyPr/>
                     <a:lstStyle/>
                     <a:p>
-                      <a:pPr indent="0" lvl="0" marL="0" rtl="0" algn="l">
+                      <a:pPr marL="0" lvl="0" indent="0" algn="l" rtl="0">
                         <a:spcBef>
                           <a:spcPts val="0"/>
                         </a:spcBef>
@@ -8769,54 +8965,56 @@
                         </a:spcAft>
                         <a:buNone/>
                       </a:pPr>
-                      <a:r>
-                        <a:t/>
-                      </a:r>
                       <a:endParaRPr/>
                     </a:p>
                   </a:txBody>
-                  <a:tcPr marT="91425" marB="91425" marR="91425" marL="91425">
-                    <a:lnL cap="flat" cmpd="sng" w="9525">
+                  <a:tcPr marL="91425" marR="91425" marT="91425" marB="91425">
+                    <a:lnL w="9525" cap="flat" cmpd="sng">
                       <a:solidFill>
                         <a:schemeClr val="dk1"/>
                       </a:solidFill>
                       <a:prstDash val="solid"/>
                       <a:round/>
-                      <a:headEnd len="sm" w="sm" type="none"/>
-                      <a:tailEnd len="sm" w="sm" type="none"/>
+                      <a:headEnd type="none" w="sm" len="sm"/>
+                      <a:tailEnd type="none" w="sm" len="sm"/>
                     </a:lnL>
-                    <a:lnR cap="flat" cmpd="sng" w="9525">
+                    <a:lnR w="9525" cap="flat" cmpd="sng">
                       <a:solidFill>
                         <a:schemeClr val="dk1"/>
                       </a:solidFill>
                       <a:prstDash val="solid"/>
                       <a:round/>
-                      <a:headEnd len="sm" w="sm" type="none"/>
-                      <a:tailEnd len="sm" w="sm" type="none"/>
+                      <a:headEnd type="none" w="sm" len="sm"/>
+                      <a:tailEnd type="none" w="sm" len="sm"/>
                     </a:lnR>
-                    <a:lnT cap="flat" cmpd="sng" w="9525">
+                    <a:lnT w="9525" cap="flat" cmpd="sng">
                       <a:solidFill>
                         <a:schemeClr val="dk1"/>
                       </a:solidFill>
                       <a:prstDash val="solid"/>
                       <a:round/>
-                      <a:headEnd len="sm" w="sm" type="none"/>
-                      <a:tailEnd len="sm" w="sm" type="none"/>
+                      <a:headEnd type="none" w="sm" len="sm"/>
+                      <a:tailEnd type="none" w="sm" len="sm"/>
                     </a:lnT>
-                    <a:lnB cap="flat" cmpd="sng" w="9525">
+                    <a:lnB w="9525" cap="flat" cmpd="sng">
                       <a:solidFill>
                         <a:schemeClr val="dk1"/>
                       </a:solidFill>
                       <a:prstDash val="solid"/>
                       <a:round/>
-                      <a:headEnd len="sm" w="sm" type="none"/>
-                      <a:tailEnd len="sm" w="sm" type="none"/>
+                      <a:headEnd type="none" w="sm" len="sm"/>
+                      <a:tailEnd type="none" w="sm" len="sm"/>
                     </a:lnB>
                     <a:solidFill>
                       <a:srgbClr val="B6D7A8"/>
                     </a:solidFill>
                   </a:tcPr>
                 </a:tc>
+                <a:extLst>
+                  <a:ext uri="{0D108BD9-81ED-4DB2-BD59-A6C34878D82A}">
+                    <a16:rowId xmlns:a16="http://schemas.microsoft.com/office/drawing/2014/main" val="10001"/>
+                  </a:ext>
+                </a:extLst>
               </a:tr>
               <a:tr h="432175">
                 <a:tc>
@@ -8824,7 +9022,7 @@
                     <a:bodyPr/>
                     <a:lstStyle/>
                     <a:p>
-                      <a:pPr indent="0" lvl="0" marL="0" rtl="0" algn="l">
+                      <a:pPr marL="0" lvl="0" indent="0" algn="l" rtl="0">
                         <a:spcBef>
                           <a:spcPts val="0"/>
                         </a:spcBef>
@@ -8848,42 +9046,42 @@
                       </a:endParaRPr>
                     </a:p>
                   </a:txBody>
-                  <a:tcPr marT="91425" marB="91425" marR="91425" marL="91425">
-                    <a:lnL cap="flat" cmpd="sng" w="9525">
+                  <a:tcPr marL="91425" marR="91425" marT="91425" marB="91425">
+                    <a:lnL w="9525" cap="flat" cmpd="sng">
                       <a:solidFill>
                         <a:schemeClr val="dk1"/>
                       </a:solidFill>
                       <a:prstDash val="solid"/>
                       <a:round/>
-                      <a:headEnd len="sm" w="sm" type="none"/>
-                      <a:tailEnd len="sm" w="sm" type="none"/>
+                      <a:headEnd type="none" w="sm" len="sm"/>
+                      <a:tailEnd type="none" w="sm" len="sm"/>
                     </a:lnL>
-                    <a:lnR cap="flat" cmpd="sng" w="9525">
+                    <a:lnR w="9525" cap="flat" cmpd="sng">
                       <a:solidFill>
                         <a:schemeClr val="dk1"/>
                       </a:solidFill>
                       <a:prstDash val="solid"/>
                       <a:round/>
-                      <a:headEnd len="sm" w="sm" type="none"/>
-                      <a:tailEnd len="sm" w="sm" type="none"/>
+                      <a:headEnd type="none" w="sm" len="sm"/>
+                      <a:tailEnd type="none" w="sm" len="sm"/>
                     </a:lnR>
-                    <a:lnT cap="flat" cmpd="sng" w="9525">
+                    <a:lnT w="9525" cap="flat" cmpd="sng">
                       <a:solidFill>
                         <a:schemeClr val="dk1"/>
                       </a:solidFill>
                       <a:prstDash val="solid"/>
                       <a:round/>
-                      <a:headEnd len="sm" w="sm" type="none"/>
-                      <a:tailEnd len="sm" w="sm" type="none"/>
+                      <a:headEnd type="none" w="sm" len="sm"/>
+                      <a:tailEnd type="none" w="sm" len="sm"/>
                     </a:lnT>
-                    <a:lnB cap="flat" cmpd="sng" w="9525">
+                    <a:lnB w="9525" cap="flat" cmpd="sng">
                       <a:solidFill>
                         <a:schemeClr val="dk1"/>
                       </a:solidFill>
                       <a:prstDash val="solid"/>
                       <a:round/>
-                      <a:headEnd len="sm" w="sm" type="none"/>
-                      <a:tailEnd len="sm" w="sm" type="none"/>
+                      <a:headEnd type="none" w="sm" len="sm"/>
+                      <a:tailEnd type="none" w="sm" len="sm"/>
                     </a:lnB>
                   </a:tcPr>
                 </a:tc>
@@ -8892,7 +9090,7 @@
                     <a:bodyPr/>
                     <a:lstStyle/>
                     <a:p>
-                      <a:pPr indent="0" lvl="0" marL="0" rtl="0" algn="l">
+                      <a:pPr marL="0" lvl="0" indent="0" algn="l" rtl="0">
                         <a:spcBef>
                           <a:spcPts val="0"/>
                         </a:spcBef>
@@ -8901,48 +9099,45 @@
                         </a:spcAft>
                         <a:buNone/>
                       </a:pPr>
-                      <a:r>
-                        <a:t/>
-                      </a:r>
-                      <a:endParaRPr/>
+                      <a:endParaRPr dirty="0"/>
                     </a:p>
                   </a:txBody>
-                  <a:tcPr marT="91425" marB="91425" marR="91425" marL="91425">
-                    <a:lnL cap="flat" cmpd="sng" w="9525">
+                  <a:tcPr marL="91425" marR="91425" marT="91425" marB="91425">
+                    <a:lnL w="9525" cap="flat" cmpd="sng">
                       <a:solidFill>
                         <a:schemeClr val="dk1"/>
                       </a:solidFill>
                       <a:prstDash val="solid"/>
                       <a:round/>
-                      <a:headEnd len="sm" w="sm" type="none"/>
-                      <a:tailEnd len="sm" w="sm" type="none"/>
+                      <a:headEnd type="none" w="sm" len="sm"/>
+                      <a:tailEnd type="none" w="sm" len="sm"/>
                     </a:lnL>
-                    <a:lnR cap="flat" cmpd="sng" w="9525">
+                    <a:lnR w="9525" cap="flat" cmpd="sng">
                       <a:solidFill>
                         <a:schemeClr val="dk1"/>
                       </a:solidFill>
                       <a:prstDash val="solid"/>
                       <a:round/>
-                      <a:headEnd len="sm" w="sm" type="none"/>
-                      <a:tailEnd len="sm" w="sm" type="none"/>
+                      <a:headEnd type="none" w="sm" len="sm"/>
+                      <a:tailEnd type="none" w="sm" len="sm"/>
                     </a:lnR>
-                    <a:lnT cap="flat" cmpd="sng" w="9525">
+                    <a:lnT w="9525" cap="flat" cmpd="sng">
                       <a:solidFill>
                         <a:schemeClr val="dk1"/>
                       </a:solidFill>
                       <a:prstDash val="solid"/>
                       <a:round/>
-                      <a:headEnd len="sm" w="sm" type="none"/>
-                      <a:tailEnd len="sm" w="sm" type="none"/>
+                      <a:headEnd type="none" w="sm" len="sm"/>
+                      <a:tailEnd type="none" w="sm" len="sm"/>
                     </a:lnT>
-                    <a:lnB cap="flat" cmpd="sng" w="9525">
+                    <a:lnB w="9525" cap="flat" cmpd="sng">
                       <a:solidFill>
                         <a:schemeClr val="dk1"/>
                       </a:solidFill>
                       <a:prstDash val="solid"/>
                       <a:round/>
-                      <a:headEnd len="sm" w="sm" type="none"/>
-                      <a:tailEnd len="sm" w="sm" type="none"/>
+                      <a:headEnd type="none" w="sm" len="sm"/>
+                      <a:tailEnd type="none" w="sm" len="sm"/>
                     </a:lnB>
                     <a:solidFill>
                       <a:srgbClr val="EA9999"/>
@@ -8954,7 +9149,7 @@
                     <a:bodyPr/>
                     <a:lstStyle/>
                     <a:p>
-                      <a:pPr indent="0" lvl="0" marL="0" rtl="0" algn="l">
+                      <a:pPr marL="0" lvl="0" indent="0" algn="l" rtl="0">
                         <a:spcBef>
                           <a:spcPts val="0"/>
                         </a:spcBef>
@@ -8963,48 +9158,45 @@
                         </a:spcAft>
                         <a:buNone/>
                       </a:pPr>
-                      <a:r>
-                        <a:t/>
-                      </a:r>
-                      <a:endParaRPr/>
+                      <a:endParaRPr dirty="0"/>
                     </a:p>
                   </a:txBody>
-                  <a:tcPr marT="91425" marB="91425" marR="91425" marL="91425">
-                    <a:lnL cap="flat" cmpd="sng" w="9525">
+                  <a:tcPr marL="91425" marR="91425" marT="91425" marB="91425">
+                    <a:lnL w="9525" cap="flat" cmpd="sng">
                       <a:solidFill>
                         <a:schemeClr val="dk1"/>
                       </a:solidFill>
                       <a:prstDash val="solid"/>
                       <a:round/>
-                      <a:headEnd len="sm" w="sm" type="none"/>
-                      <a:tailEnd len="sm" w="sm" type="none"/>
+                      <a:headEnd type="none" w="sm" len="sm"/>
+                      <a:tailEnd type="none" w="sm" len="sm"/>
                     </a:lnL>
-                    <a:lnR cap="flat" cmpd="sng" w="9525">
+                    <a:lnR w="9525" cap="flat" cmpd="sng">
                       <a:solidFill>
                         <a:schemeClr val="dk1"/>
                       </a:solidFill>
                       <a:prstDash val="solid"/>
                       <a:round/>
-                      <a:headEnd len="sm" w="sm" type="none"/>
-                      <a:tailEnd len="sm" w="sm" type="none"/>
+                      <a:headEnd type="none" w="sm" len="sm"/>
+                      <a:tailEnd type="none" w="sm" len="sm"/>
                     </a:lnR>
-                    <a:lnT cap="flat" cmpd="sng" w="9525">
+                    <a:lnT w="9525" cap="flat" cmpd="sng">
                       <a:solidFill>
                         <a:schemeClr val="dk1"/>
                       </a:solidFill>
                       <a:prstDash val="solid"/>
                       <a:round/>
-                      <a:headEnd len="sm" w="sm" type="none"/>
-                      <a:tailEnd len="sm" w="sm" type="none"/>
+                      <a:headEnd type="none" w="sm" len="sm"/>
+                      <a:tailEnd type="none" w="sm" len="sm"/>
                     </a:lnT>
-                    <a:lnB cap="flat" cmpd="sng" w="9525">
+                    <a:lnB w="9525" cap="flat" cmpd="sng">
                       <a:solidFill>
                         <a:schemeClr val="dk1"/>
                       </a:solidFill>
                       <a:prstDash val="solid"/>
                       <a:round/>
-                      <a:headEnd len="sm" w="sm" type="none"/>
-                      <a:tailEnd len="sm" w="sm" type="none"/>
+                      <a:headEnd type="none" w="sm" len="sm"/>
+                      <a:tailEnd type="none" w="sm" len="sm"/>
                     </a:lnB>
                     <a:solidFill>
                       <a:srgbClr val="EA9999"/>
@@ -9016,7 +9208,7 @@
                     <a:bodyPr/>
                     <a:lstStyle/>
                     <a:p>
-                      <a:pPr indent="0" lvl="0" marL="0" rtl="0" algn="l">
+                      <a:pPr marL="0" lvl="0" indent="0" algn="l" rtl="0">
                         <a:spcBef>
                           <a:spcPts val="0"/>
                         </a:spcBef>
@@ -9025,54 +9217,56 @@
                         </a:spcAft>
                         <a:buNone/>
                       </a:pPr>
-                      <a:r>
-                        <a:t/>
-                      </a:r>
                       <a:endParaRPr/>
                     </a:p>
                   </a:txBody>
-                  <a:tcPr marT="91425" marB="91425" marR="91425" marL="91425">
-                    <a:lnL cap="flat" cmpd="sng" w="9525">
+                  <a:tcPr marL="91425" marR="91425" marT="91425" marB="91425">
+                    <a:lnL w="9525" cap="flat" cmpd="sng">
                       <a:solidFill>
                         <a:schemeClr val="dk1"/>
                       </a:solidFill>
                       <a:prstDash val="solid"/>
                       <a:round/>
-                      <a:headEnd len="sm" w="sm" type="none"/>
-                      <a:tailEnd len="sm" w="sm" type="none"/>
+                      <a:headEnd type="none" w="sm" len="sm"/>
+                      <a:tailEnd type="none" w="sm" len="sm"/>
                     </a:lnL>
-                    <a:lnR cap="flat" cmpd="sng" w="9525">
+                    <a:lnR w="9525" cap="flat" cmpd="sng">
                       <a:solidFill>
                         <a:schemeClr val="dk1"/>
                       </a:solidFill>
                       <a:prstDash val="solid"/>
                       <a:round/>
-                      <a:headEnd len="sm" w="sm" type="none"/>
-                      <a:tailEnd len="sm" w="sm" type="none"/>
+                      <a:headEnd type="none" w="sm" len="sm"/>
+                      <a:tailEnd type="none" w="sm" len="sm"/>
                     </a:lnR>
-                    <a:lnT cap="flat" cmpd="sng" w="9525">
+                    <a:lnT w="9525" cap="flat" cmpd="sng">
                       <a:solidFill>
                         <a:schemeClr val="dk1"/>
                       </a:solidFill>
                       <a:prstDash val="solid"/>
                       <a:round/>
-                      <a:headEnd len="sm" w="sm" type="none"/>
-                      <a:tailEnd len="sm" w="sm" type="none"/>
+                      <a:headEnd type="none" w="sm" len="sm"/>
+                      <a:tailEnd type="none" w="sm" len="sm"/>
                     </a:lnT>
-                    <a:lnB cap="flat" cmpd="sng" w="9525">
+                    <a:lnB w="9525" cap="flat" cmpd="sng">
                       <a:solidFill>
                         <a:schemeClr val="dk1"/>
                       </a:solidFill>
                       <a:prstDash val="solid"/>
                       <a:round/>
-                      <a:headEnd len="sm" w="sm" type="none"/>
-                      <a:tailEnd len="sm" w="sm" type="none"/>
+                      <a:headEnd type="none" w="sm" len="sm"/>
+                      <a:tailEnd type="none" w="sm" len="sm"/>
                     </a:lnB>
                     <a:solidFill>
                       <a:srgbClr val="B6D7A8"/>
                     </a:solidFill>
                   </a:tcPr>
                 </a:tc>
+                <a:extLst>
+                  <a:ext uri="{0D108BD9-81ED-4DB2-BD59-A6C34878D82A}">
+                    <a16:rowId xmlns:a16="http://schemas.microsoft.com/office/drawing/2014/main" val="10002"/>
+                  </a:ext>
+                </a:extLst>
               </a:tr>
               <a:tr h="897600">
                 <a:tc>
@@ -9080,7 +9274,7 @@
                     <a:bodyPr/>
                     <a:lstStyle/>
                     <a:p>
-                      <a:pPr indent="0" lvl="0" marL="0" rtl="0" algn="l">
+                      <a:pPr marL="0" lvl="0" indent="0" algn="l" rtl="0">
                         <a:spcBef>
                           <a:spcPts val="0"/>
                         </a:spcBef>
@@ -9104,42 +9298,42 @@
                       </a:endParaRPr>
                     </a:p>
                   </a:txBody>
-                  <a:tcPr marT="91425" marB="91425" marR="91425" marL="91425">
-                    <a:lnL cap="flat" cmpd="sng" w="9525">
+                  <a:tcPr marL="91425" marR="91425" marT="91425" marB="91425">
+                    <a:lnL w="9525" cap="flat" cmpd="sng">
                       <a:solidFill>
                         <a:schemeClr val="dk1"/>
                       </a:solidFill>
                       <a:prstDash val="solid"/>
                       <a:round/>
-                      <a:headEnd len="sm" w="sm" type="none"/>
-                      <a:tailEnd len="sm" w="sm" type="none"/>
+                      <a:headEnd type="none" w="sm" len="sm"/>
+                      <a:tailEnd type="none" w="sm" len="sm"/>
                     </a:lnL>
-                    <a:lnR cap="flat" cmpd="sng" w="9525">
+                    <a:lnR w="9525" cap="flat" cmpd="sng">
                       <a:solidFill>
                         <a:schemeClr val="dk1"/>
                       </a:solidFill>
                       <a:prstDash val="solid"/>
                       <a:round/>
-                      <a:headEnd len="sm" w="sm" type="none"/>
-                      <a:tailEnd len="sm" w="sm" type="none"/>
+                      <a:headEnd type="none" w="sm" len="sm"/>
+                      <a:tailEnd type="none" w="sm" len="sm"/>
                     </a:lnR>
-                    <a:lnT cap="flat" cmpd="sng" w="9525">
+                    <a:lnT w="9525" cap="flat" cmpd="sng">
                       <a:solidFill>
                         <a:schemeClr val="dk1"/>
                       </a:solidFill>
                       <a:prstDash val="solid"/>
                       <a:round/>
-                      <a:headEnd len="sm" w="sm" type="none"/>
-                      <a:tailEnd len="sm" w="sm" type="none"/>
+                      <a:headEnd type="none" w="sm" len="sm"/>
+                      <a:tailEnd type="none" w="sm" len="sm"/>
                     </a:lnT>
-                    <a:lnB cap="flat" cmpd="sng" w="9525">
+                    <a:lnB w="9525" cap="flat" cmpd="sng">
                       <a:solidFill>
                         <a:schemeClr val="dk1"/>
                       </a:solidFill>
                       <a:prstDash val="solid"/>
                       <a:round/>
-                      <a:headEnd len="sm" w="sm" type="none"/>
-                      <a:tailEnd len="sm" w="sm" type="none"/>
+                      <a:headEnd type="none" w="sm" len="sm"/>
+                      <a:tailEnd type="none" w="sm" len="sm"/>
                     </a:lnB>
                   </a:tcPr>
                 </a:tc>
@@ -9148,7 +9342,7 @@
                     <a:bodyPr/>
                     <a:lstStyle/>
                     <a:p>
-                      <a:pPr indent="0" lvl="0" marL="0" rtl="0" algn="l">
+                      <a:pPr marL="0" lvl="0" indent="0" algn="l" rtl="0">
                         <a:spcBef>
                           <a:spcPts val="0"/>
                         </a:spcBef>
@@ -9157,48 +9351,45 @@
                         </a:spcAft>
                         <a:buNone/>
                       </a:pPr>
-                      <a:r>
-                        <a:t/>
-                      </a:r>
                       <a:endParaRPr/>
                     </a:p>
                   </a:txBody>
-                  <a:tcPr marT="91425" marB="91425" marR="91425" marL="91425">
-                    <a:lnL cap="flat" cmpd="sng" w="9525">
+                  <a:tcPr marL="91425" marR="91425" marT="91425" marB="91425">
+                    <a:lnL w="9525" cap="flat" cmpd="sng">
                       <a:solidFill>
                         <a:schemeClr val="dk1"/>
                       </a:solidFill>
                       <a:prstDash val="solid"/>
                       <a:round/>
-                      <a:headEnd len="sm" w="sm" type="none"/>
-                      <a:tailEnd len="sm" w="sm" type="none"/>
+                      <a:headEnd type="none" w="sm" len="sm"/>
+                      <a:tailEnd type="none" w="sm" len="sm"/>
                     </a:lnL>
-                    <a:lnR cap="flat" cmpd="sng" w="9525">
+                    <a:lnR w="9525" cap="flat" cmpd="sng">
                       <a:solidFill>
                         <a:schemeClr val="dk1"/>
                       </a:solidFill>
                       <a:prstDash val="solid"/>
                       <a:round/>
-                      <a:headEnd len="sm" w="sm" type="none"/>
-                      <a:tailEnd len="sm" w="sm" type="none"/>
+                      <a:headEnd type="none" w="sm" len="sm"/>
+                      <a:tailEnd type="none" w="sm" len="sm"/>
                     </a:lnR>
-                    <a:lnT cap="flat" cmpd="sng" w="9525">
+                    <a:lnT w="9525" cap="flat" cmpd="sng">
                       <a:solidFill>
                         <a:schemeClr val="dk1"/>
                       </a:solidFill>
                       <a:prstDash val="solid"/>
                       <a:round/>
-                      <a:headEnd len="sm" w="sm" type="none"/>
-                      <a:tailEnd len="sm" w="sm" type="none"/>
+                      <a:headEnd type="none" w="sm" len="sm"/>
+                      <a:tailEnd type="none" w="sm" len="sm"/>
                     </a:lnT>
-                    <a:lnB cap="flat" cmpd="sng" w="9525">
+                    <a:lnB w="9525" cap="flat" cmpd="sng">
                       <a:solidFill>
                         <a:schemeClr val="dk1"/>
                       </a:solidFill>
                       <a:prstDash val="solid"/>
                       <a:round/>
-                      <a:headEnd len="sm" w="sm" type="none"/>
-                      <a:tailEnd len="sm" w="sm" type="none"/>
+                      <a:headEnd type="none" w="sm" len="sm"/>
+                      <a:tailEnd type="none" w="sm" len="sm"/>
                     </a:lnB>
                     <a:solidFill>
                       <a:srgbClr val="EA9999"/>
@@ -9210,7 +9401,7 @@
                     <a:bodyPr/>
                     <a:lstStyle/>
                     <a:p>
-                      <a:pPr indent="0" lvl="0" marL="0" rtl="0" algn="l">
+                      <a:pPr marL="0" lvl="0" indent="0" algn="l" rtl="0">
                         <a:spcBef>
                           <a:spcPts val="0"/>
                         </a:spcBef>
@@ -9219,48 +9410,45 @@
                         </a:spcAft>
                         <a:buNone/>
                       </a:pPr>
-                      <a:r>
-                        <a:t/>
-                      </a:r>
                       <a:endParaRPr/>
                     </a:p>
                   </a:txBody>
-                  <a:tcPr marT="91425" marB="91425" marR="91425" marL="91425">
-                    <a:lnL cap="flat" cmpd="sng" w="9525">
+                  <a:tcPr marL="91425" marR="91425" marT="91425" marB="91425">
+                    <a:lnL w="9525" cap="flat" cmpd="sng">
                       <a:solidFill>
                         <a:schemeClr val="dk1"/>
                       </a:solidFill>
                       <a:prstDash val="solid"/>
                       <a:round/>
-                      <a:headEnd len="sm" w="sm" type="none"/>
-                      <a:tailEnd len="sm" w="sm" type="none"/>
+                      <a:headEnd type="none" w="sm" len="sm"/>
+                      <a:tailEnd type="none" w="sm" len="sm"/>
                     </a:lnL>
-                    <a:lnR cap="flat" cmpd="sng" w="9525">
+                    <a:lnR w="9525" cap="flat" cmpd="sng">
                       <a:solidFill>
                         <a:schemeClr val="dk1"/>
                       </a:solidFill>
                       <a:prstDash val="solid"/>
                       <a:round/>
-                      <a:headEnd len="sm" w="sm" type="none"/>
-                      <a:tailEnd len="sm" w="sm" type="none"/>
+                      <a:headEnd type="none" w="sm" len="sm"/>
+                      <a:tailEnd type="none" w="sm" len="sm"/>
                     </a:lnR>
-                    <a:lnT cap="flat" cmpd="sng" w="9525">
+                    <a:lnT w="9525" cap="flat" cmpd="sng">
                       <a:solidFill>
                         <a:schemeClr val="dk1"/>
                       </a:solidFill>
                       <a:prstDash val="solid"/>
                       <a:round/>
-                      <a:headEnd len="sm" w="sm" type="none"/>
-                      <a:tailEnd len="sm" w="sm" type="none"/>
+                      <a:headEnd type="none" w="sm" len="sm"/>
+                      <a:tailEnd type="none" w="sm" len="sm"/>
                     </a:lnT>
-                    <a:lnB cap="flat" cmpd="sng" w="9525">
+                    <a:lnB w="9525" cap="flat" cmpd="sng">
                       <a:solidFill>
                         <a:schemeClr val="dk1"/>
                       </a:solidFill>
                       <a:prstDash val="solid"/>
                       <a:round/>
-                      <a:headEnd len="sm" w="sm" type="none"/>
-                      <a:tailEnd len="sm" w="sm" type="none"/>
+                      <a:headEnd type="none" w="sm" len="sm"/>
+                      <a:tailEnd type="none" w="sm" len="sm"/>
                     </a:lnB>
                     <a:solidFill>
                       <a:srgbClr val="F9CB9C"/>
@@ -9272,7 +9460,7 @@
                     <a:bodyPr/>
                     <a:lstStyle/>
                     <a:p>
-                      <a:pPr indent="0" lvl="0" marL="0" rtl="0" algn="l">
+                      <a:pPr marL="0" lvl="0" indent="0" algn="l" rtl="0">
                         <a:spcBef>
                           <a:spcPts val="0"/>
                         </a:spcBef>
@@ -9281,54 +9469,56 @@
                         </a:spcAft>
                         <a:buNone/>
                       </a:pPr>
-                      <a:r>
-                        <a:t/>
-                      </a:r>
                       <a:endParaRPr/>
                     </a:p>
                   </a:txBody>
-                  <a:tcPr marT="91425" marB="91425" marR="91425" marL="91425">
-                    <a:lnL cap="flat" cmpd="sng" w="9525">
+                  <a:tcPr marL="91425" marR="91425" marT="91425" marB="91425">
+                    <a:lnL w="9525" cap="flat" cmpd="sng">
                       <a:solidFill>
                         <a:schemeClr val="dk1"/>
                       </a:solidFill>
                       <a:prstDash val="solid"/>
                       <a:round/>
-                      <a:headEnd len="sm" w="sm" type="none"/>
-                      <a:tailEnd len="sm" w="sm" type="none"/>
+                      <a:headEnd type="none" w="sm" len="sm"/>
+                      <a:tailEnd type="none" w="sm" len="sm"/>
                     </a:lnL>
-                    <a:lnR cap="flat" cmpd="sng" w="9525">
+                    <a:lnR w="9525" cap="flat" cmpd="sng">
                       <a:solidFill>
                         <a:schemeClr val="dk1"/>
                       </a:solidFill>
                       <a:prstDash val="solid"/>
                       <a:round/>
-                      <a:headEnd len="sm" w="sm" type="none"/>
-                      <a:tailEnd len="sm" w="sm" type="none"/>
+                      <a:headEnd type="none" w="sm" len="sm"/>
+                      <a:tailEnd type="none" w="sm" len="sm"/>
                     </a:lnR>
-                    <a:lnT cap="flat" cmpd="sng" w="9525">
+                    <a:lnT w="9525" cap="flat" cmpd="sng">
                       <a:solidFill>
                         <a:schemeClr val="dk1"/>
                       </a:solidFill>
                       <a:prstDash val="solid"/>
                       <a:round/>
-                      <a:headEnd len="sm" w="sm" type="none"/>
-                      <a:tailEnd len="sm" w="sm" type="none"/>
+                      <a:headEnd type="none" w="sm" len="sm"/>
+                      <a:tailEnd type="none" w="sm" len="sm"/>
                     </a:lnT>
-                    <a:lnB cap="flat" cmpd="sng" w="9525">
+                    <a:lnB w="9525" cap="flat" cmpd="sng">
                       <a:solidFill>
                         <a:schemeClr val="dk1"/>
                       </a:solidFill>
                       <a:prstDash val="solid"/>
                       <a:round/>
-                      <a:headEnd len="sm" w="sm" type="none"/>
-                      <a:tailEnd len="sm" w="sm" type="none"/>
+                      <a:headEnd type="none" w="sm" len="sm"/>
+                      <a:tailEnd type="none" w="sm" len="sm"/>
                     </a:lnB>
                     <a:solidFill>
                       <a:srgbClr val="B6D7A8"/>
                     </a:solidFill>
                   </a:tcPr>
                 </a:tc>
+                <a:extLst>
+                  <a:ext uri="{0D108BD9-81ED-4DB2-BD59-A6C34878D82A}">
+                    <a16:rowId xmlns:a16="http://schemas.microsoft.com/office/drawing/2014/main" val="10003"/>
+                  </a:ext>
+                </a:extLst>
               </a:tr>
               <a:tr h="664900">
                 <a:tc>
@@ -9336,7 +9526,7 @@
                     <a:bodyPr/>
                     <a:lstStyle/>
                     <a:p>
-                      <a:pPr indent="0" lvl="0" marL="0" rtl="0" algn="l">
+                      <a:pPr marL="0" lvl="0" indent="0" algn="l" rtl="0">
                         <a:spcBef>
                           <a:spcPts val="0"/>
                         </a:spcBef>
@@ -9360,42 +9550,42 @@
                       </a:endParaRPr>
                     </a:p>
                   </a:txBody>
-                  <a:tcPr marT="91425" marB="91425" marR="91425" marL="91425">
-                    <a:lnL cap="flat" cmpd="sng" w="9525">
+                  <a:tcPr marL="91425" marR="91425" marT="91425" marB="91425">
+                    <a:lnL w="9525" cap="flat" cmpd="sng">
                       <a:solidFill>
                         <a:schemeClr val="dk1"/>
                       </a:solidFill>
                       <a:prstDash val="solid"/>
                       <a:round/>
-                      <a:headEnd len="sm" w="sm" type="none"/>
-                      <a:tailEnd len="sm" w="sm" type="none"/>
+                      <a:headEnd type="none" w="sm" len="sm"/>
+                      <a:tailEnd type="none" w="sm" len="sm"/>
                     </a:lnL>
-                    <a:lnR cap="flat" cmpd="sng" w="9525">
+                    <a:lnR w="9525" cap="flat" cmpd="sng">
                       <a:solidFill>
                         <a:schemeClr val="dk1"/>
                       </a:solidFill>
                       <a:prstDash val="solid"/>
                       <a:round/>
-                      <a:headEnd len="sm" w="sm" type="none"/>
-                      <a:tailEnd len="sm" w="sm" type="none"/>
+                      <a:headEnd type="none" w="sm" len="sm"/>
+                      <a:tailEnd type="none" w="sm" len="sm"/>
                     </a:lnR>
-                    <a:lnT cap="flat" cmpd="sng" w="9525">
+                    <a:lnT w="9525" cap="flat" cmpd="sng">
                       <a:solidFill>
                         <a:schemeClr val="dk1"/>
                       </a:solidFill>
                       <a:prstDash val="solid"/>
                       <a:round/>
-                      <a:headEnd len="sm" w="sm" type="none"/>
-                      <a:tailEnd len="sm" w="sm" type="none"/>
+                      <a:headEnd type="none" w="sm" len="sm"/>
+                      <a:tailEnd type="none" w="sm" len="sm"/>
                     </a:lnT>
-                    <a:lnB cap="flat" cmpd="sng" w="9525">
+                    <a:lnB w="9525" cap="flat" cmpd="sng">
                       <a:solidFill>
                         <a:schemeClr val="dk1"/>
                       </a:solidFill>
                       <a:prstDash val="solid"/>
                       <a:round/>
-                      <a:headEnd len="sm" w="sm" type="none"/>
-                      <a:tailEnd len="sm" w="sm" type="none"/>
+                      <a:headEnd type="none" w="sm" len="sm"/>
+                      <a:tailEnd type="none" w="sm" len="sm"/>
                     </a:lnB>
                   </a:tcPr>
                 </a:tc>
@@ -9404,7 +9594,7 @@
                     <a:bodyPr/>
                     <a:lstStyle/>
                     <a:p>
-                      <a:pPr indent="0" lvl="0" marL="0" rtl="0" algn="l">
+                      <a:pPr marL="0" lvl="0" indent="0" algn="l" rtl="0">
                         <a:spcBef>
                           <a:spcPts val="0"/>
                         </a:spcBef>
@@ -9413,48 +9603,45 @@
                         </a:spcAft>
                         <a:buNone/>
                       </a:pPr>
-                      <a:r>
-                        <a:t/>
-                      </a:r>
                       <a:endParaRPr/>
                     </a:p>
                   </a:txBody>
-                  <a:tcPr marT="91425" marB="91425" marR="91425" marL="91425">
-                    <a:lnL cap="flat" cmpd="sng" w="9525">
+                  <a:tcPr marL="91425" marR="91425" marT="91425" marB="91425">
+                    <a:lnL w="9525" cap="flat" cmpd="sng">
                       <a:solidFill>
                         <a:schemeClr val="dk1"/>
                       </a:solidFill>
                       <a:prstDash val="solid"/>
                       <a:round/>
-                      <a:headEnd len="sm" w="sm" type="none"/>
-                      <a:tailEnd len="sm" w="sm" type="none"/>
+                      <a:headEnd type="none" w="sm" len="sm"/>
+                      <a:tailEnd type="none" w="sm" len="sm"/>
                     </a:lnL>
-                    <a:lnR cap="flat" cmpd="sng" w="9525">
+                    <a:lnR w="9525" cap="flat" cmpd="sng">
                       <a:solidFill>
                         <a:schemeClr val="dk1"/>
                       </a:solidFill>
                       <a:prstDash val="solid"/>
                       <a:round/>
-                      <a:headEnd len="sm" w="sm" type="none"/>
-                      <a:tailEnd len="sm" w="sm" type="none"/>
+                      <a:headEnd type="none" w="sm" len="sm"/>
+                      <a:tailEnd type="none" w="sm" len="sm"/>
                     </a:lnR>
-                    <a:lnT cap="flat" cmpd="sng" w="9525">
+                    <a:lnT w="9525" cap="flat" cmpd="sng">
                       <a:solidFill>
                         <a:schemeClr val="dk1"/>
                       </a:solidFill>
                       <a:prstDash val="solid"/>
                       <a:round/>
-                      <a:headEnd len="sm" w="sm" type="none"/>
-                      <a:tailEnd len="sm" w="sm" type="none"/>
+                      <a:headEnd type="none" w="sm" len="sm"/>
+                      <a:tailEnd type="none" w="sm" len="sm"/>
                     </a:lnT>
-                    <a:lnB cap="flat" cmpd="sng" w="9525">
+                    <a:lnB w="9525" cap="flat" cmpd="sng">
                       <a:solidFill>
                         <a:schemeClr val="dk1"/>
                       </a:solidFill>
                       <a:prstDash val="solid"/>
                       <a:round/>
-                      <a:headEnd len="sm" w="sm" type="none"/>
-                      <a:tailEnd len="sm" w="sm" type="none"/>
+                      <a:headEnd type="none" w="sm" len="sm"/>
+                      <a:tailEnd type="none" w="sm" len="sm"/>
                     </a:lnB>
                     <a:solidFill>
                       <a:srgbClr val="F9CB9C"/>
@@ -9466,7 +9653,7 @@
                     <a:bodyPr/>
                     <a:lstStyle/>
                     <a:p>
-                      <a:pPr indent="0" lvl="0" marL="0" rtl="0" algn="l">
+                      <a:pPr marL="0" lvl="0" indent="0" algn="l" rtl="0">
                         <a:spcBef>
                           <a:spcPts val="0"/>
                         </a:spcBef>
@@ -9475,48 +9662,45 @@
                         </a:spcAft>
                         <a:buNone/>
                       </a:pPr>
-                      <a:r>
-                        <a:t/>
-                      </a:r>
                       <a:endParaRPr/>
                     </a:p>
                   </a:txBody>
-                  <a:tcPr marT="91425" marB="91425" marR="91425" marL="91425">
-                    <a:lnL cap="flat" cmpd="sng" w="9525">
+                  <a:tcPr marL="91425" marR="91425" marT="91425" marB="91425">
+                    <a:lnL w="9525" cap="flat" cmpd="sng">
                       <a:solidFill>
                         <a:schemeClr val="dk1"/>
                       </a:solidFill>
                       <a:prstDash val="solid"/>
                       <a:round/>
-                      <a:headEnd len="sm" w="sm" type="none"/>
-                      <a:tailEnd len="sm" w="sm" type="none"/>
+                      <a:headEnd type="none" w="sm" len="sm"/>
+                      <a:tailEnd type="none" w="sm" len="sm"/>
                     </a:lnL>
-                    <a:lnR cap="flat" cmpd="sng" w="9525">
+                    <a:lnR w="9525" cap="flat" cmpd="sng">
                       <a:solidFill>
                         <a:schemeClr val="dk1"/>
                       </a:solidFill>
                       <a:prstDash val="solid"/>
                       <a:round/>
-                      <a:headEnd len="sm" w="sm" type="none"/>
-                      <a:tailEnd len="sm" w="sm" type="none"/>
+                      <a:headEnd type="none" w="sm" len="sm"/>
+                      <a:tailEnd type="none" w="sm" len="sm"/>
                     </a:lnR>
-                    <a:lnT cap="flat" cmpd="sng" w="9525">
+                    <a:lnT w="9525" cap="flat" cmpd="sng">
                       <a:solidFill>
                         <a:schemeClr val="dk1"/>
                       </a:solidFill>
                       <a:prstDash val="solid"/>
                       <a:round/>
-                      <a:headEnd len="sm" w="sm" type="none"/>
-                      <a:tailEnd len="sm" w="sm" type="none"/>
+                      <a:headEnd type="none" w="sm" len="sm"/>
+                      <a:tailEnd type="none" w="sm" len="sm"/>
                     </a:lnT>
-                    <a:lnB cap="flat" cmpd="sng" w="9525">
+                    <a:lnB w="9525" cap="flat" cmpd="sng">
                       <a:solidFill>
                         <a:schemeClr val="dk1"/>
                       </a:solidFill>
                       <a:prstDash val="solid"/>
                       <a:round/>
-                      <a:headEnd len="sm" w="sm" type="none"/>
-                      <a:tailEnd len="sm" w="sm" type="none"/>
+                      <a:headEnd type="none" w="sm" len="sm"/>
+                      <a:tailEnd type="none" w="sm" len="sm"/>
                     </a:lnB>
                     <a:solidFill>
                       <a:srgbClr val="F9CB9C"/>
@@ -9528,7 +9712,7 @@
                     <a:bodyPr/>
                     <a:lstStyle/>
                     <a:p>
-                      <a:pPr indent="0" lvl="0" marL="0" rtl="0" algn="l">
+                      <a:pPr marL="0" lvl="0" indent="0" algn="l" rtl="0">
                         <a:spcBef>
                           <a:spcPts val="0"/>
                         </a:spcBef>
@@ -9537,54 +9721,56 @@
                         </a:spcAft>
                         <a:buNone/>
                       </a:pPr>
-                      <a:r>
-                        <a:t/>
-                      </a:r>
                       <a:endParaRPr/>
                     </a:p>
                   </a:txBody>
-                  <a:tcPr marT="91425" marB="91425" marR="91425" marL="91425">
-                    <a:lnL cap="flat" cmpd="sng" w="9525">
+                  <a:tcPr marL="91425" marR="91425" marT="91425" marB="91425">
+                    <a:lnL w="9525" cap="flat" cmpd="sng">
                       <a:solidFill>
                         <a:schemeClr val="dk1"/>
                       </a:solidFill>
                       <a:prstDash val="solid"/>
                       <a:round/>
-                      <a:headEnd len="sm" w="sm" type="none"/>
-                      <a:tailEnd len="sm" w="sm" type="none"/>
+                      <a:headEnd type="none" w="sm" len="sm"/>
+                      <a:tailEnd type="none" w="sm" len="sm"/>
                     </a:lnL>
-                    <a:lnR cap="flat" cmpd="sng" w="9525">
+                    <a:lnR w="9525" cap="flat" cmpd="sng">
                       <a:solidFill>
                         <a:schemeClr val="dk1"/>
                       </a:solidFill>
                       <a:prstDash val="solid"/>
                       <a:round/>
-                      <a:headEnd len="sm" w="sm" type="none"/>
-                      <a:tailEnd len="sm" w="sm" type="none"/>
+                      <a:headEnd type="none" w="sm" len="sm"/>
+                      <a:tailEnd type="none" w="sm" len="sm"/>
                     </a:lnR>
-                    <a:lnT cap="flat" cmpd="sng" w="9525">
+                    <a:lnT w="9525" cap="flat" cmpd="sng">
                       <a:solidFill>
                         <a:schemeClr val="dk1"/>
                       </a:solidFill>
                       <a:prstDash val="solid"/>
                       <a:round/>
-                      <a:headEnd len="sm" w="sm" type="none"/>
-                      <a:tailEnd len="sm" w="sm" type="none"/>
+                      <a:headEnd type="none" w="sm" len="sm"/>
+                      <a:tailEnd type="none" w="sm" len="sm"/>
                     </a:lnT>
-                    <a:lnB cap="flat" cmpd="sng" w="9525">
+                    <a:lnB w="9525" cap="flat" cmpd="sng">
                       <a:solidFill>
                         <a:schemeClr val="dk1"/>
                       </a:solidFill>
                       <a:prstDash val="solid"/>
                       <a:round/>
-                      <a:headEnd len="sm" w="sm" type="none"/>
-                      <a:tailEnd len="sm" w="sm" type="none"/>
+                      <a:headEnd type="none" w="sm" len="sm"/>
+                      <a:tailEnd type="none" w="sm" len="sm"/>
                     </a:lnB>
                     <a:solidFill>
                       <a:srgbClr val="B6D7A8"/>
                     </a:solidFill>
                   </a:tcPr>
                 </a:tc>
+                <a:extLst>
+                  <a:ext uri="{0D108BD9-81ED-4DB2-BD59-A6C34878D82A}">
+                    <a16:rowId xmlns:a16="http://schemas.microsoft.com/office/drawing/2014/main" val="10004"/>
+                  </a:ext>
+                </a:extLst>
               </a:tr>
               <a:tr h="897600">
                 <a:tc>
@@ -9592,7 +9778,7 @@
                     <a:bodyPr/>
                     <a:lstStyle/>
                     <a:p>
-                      <a:pPr indent="0" lvl="0" marL="0" rtl="0" algn="l">
+                      <a:pPr marL="0" lvl="0" indent="0" algn="l" rtl="0">
                         <a:spcBef>
                           <a:spcPts val="0"/>
                         </a:spcBef>
@@ -9616,42 +9802,42 @@
                       </a:endParaRPr>
                     </a:p>
                   </a:txBody>
-                  <a:tcPr marT="91425" marB="91425" marR="91425" marL="91425">
-                    <a:lnL cap="flat" cmpd="sng" w="9525">
+                  <a:tcPr marL="91425" marR="91425" marT="91425" marB="91425">
+                    <a:lnL w="9525" cap="flat" cmpd="sng">
                       <a:solidFill>
                         <a:schemeClr val="dk1"/>
                       </a:solidFill>
                       <a:prstDash val="solid"/>
                       <a:round/>
-                      <a:headEnd len="sm" w="sm" type="none"/>
-                      <a:tailEnd len="sm" w="sm" type="none"/>
+                      <a:headEnd type="none" w="sm" len="sm"/>
+                      <a:tailEnd type="none" w="sm" len="sm"/>
                     </a:lnL>
-                    <a:lnR cap="flat" cmpd="sng" w="9525">
+                    <a:lnR w="9525" cap="flat" cmpd="sng">
                       <a:solidFill>
                         <a:schemeClr val="dk1"/>
                       </a:solidFill>
                       <a:prstDash val="solid"/>
                       <a:round/>
-                      <a:headEnd len="sm" w="sm" type="none"/>
-                      <a:tailEnd len="sm" w="sm" type="none"/>
+                      <a:headEnd type="none" w="sm" len="sm"/>
+                      <a:tailEnd type="none" w="sm" len="sm"/>
                     </a:lnR>
-                    <a:lnT cap="flat" cmpd="sng" w="9525">
+                    <a:lnT w="9525" cap="flat" cmpd="sng">
                       <a:solidFill>
                         <a:schemeClr val="dk1"/>
                       </a:solidFill>
                       <a:prstDash val="solid"/>
                       <a:round/>
-                      <a:headEnd len="sm" w="sm" type="none"/>
-                      <a:tailEnd len="sm" w="sm" type="none"/>
+                      <a:headEnd type="none" w="sm" len="sm"/>
+                      <a:tailEnd type="none" w="sm" len="sm"/>
                     </a:lnT>
-                    <a:lnB cap="flat" cmpd="sng" w="9525">
+                    <a:lnB w="9525" cap="flat" cmpd="sng">
                       <a:solidFill>
                         <a:schemeClr val="dk1"/>
                       </a:solidFill>
                       <a:prstDash val="solid"/>
                       <a:round/>
-                      <a:headEnd len="sm" w="sm" type="none"/>
-                      <a:tailEnd len="sm" w="sm" type="none"/>
+                      <a:headEnd type="none" w="sm" len="sm"/>
+                      <a:tailEnd type="none" w="sm" len="sm"/>
                     </a:lnB>
                   </a:tcPr>
                 </a:tc>
@@ -9660,7 +9846,7 @@
                     <a:bodyPr/>
                     <a:lstStyle/>
                     <a:p>
-                      <a:pPr indent="0" lvl="0" marL="0" rtl="0" algn="l">
+                      <a:pPr marL="0" lvl="0" indent="0" algn="l" rtl="0">
                         <a:spcBef>
                           <a:spcPts val="0"/>
                         </a:spcBef>
@@ -9669,48 +9855,45 @@
                         </a:spcAft>
                         <a:buNone/>
                       </a:pPr>
-                      <a:r>
-                        <a:t/>
-                      </a:r>
                       <a:endParaRPr/>
                     </a:p>
                   </a:txBody>
-                  <a:tcPr marT="91425" marB="91425" marR="91425" marL="91425">
-                    <a:lnL cap="flat" cmpd="sng" w="9525">
+                  <a:tcPr marL="91425" marR="91425" marT="91425" marB="91425">
+                    <a:lnL w="9525" cap="flat" cmpd="sng">
                       <a:solidFill>
                         <a:schemeClr val="dk1"/>
                       </a:solidFill>
                       <a:prstDash val="solid"/>
                       <a:round/>
-                      <a:headEnd len="sm" w="sm" type="none"/>
-                      <a:tailEnd len="sm" w="sm" type="none"/>
+                      <a:headEnd type="none" w="sm" len="sm"/>
+                      <a:tailEnd type="none" w="sm" len="sm"/>
                     </a:lnL>
-                    <a:lnR cap="flat" cmpd="sng" w="9525">
+                    <a:lnR w="9525" cap="flat" cmpd="sng">
                       <a:solidFill>
                         <a:schemeClr val="dk1"/>
                       </a:solidFill>
                       <a:prstDash val="solid"/>
                       <a:round/>
-                      <a:headEnd len="sm" w="sm" type="none"/>
-                      <a:tailEnd len="sm" w="sm" type="none"/>
+                      <a:headEnd type="none" w="sm" len="sm"/>
+                      <a:tailEnd type="none" w="sm" len="sm"/>
                     </a:lnR>
-                    <a:lnT cap="flat" cmpd="sng" w="9525">
+                    <a:lnT w="9525" cap="flat" cmpd="sng">
                       <a:solidFill>
                         <a:schemeClr val="dk1"/>
                       </a:solidFill>
                       <a:prstDash val="solid"/>
                       <a:round/>
-                      <a:headEnd len="sm" w="sm" type="none"/>
-                      <a:tailEnd len="sm" w="sm" type="none"/>
+                      <a:headEnd type="none" w="sm" len="sm"/>
+                      <a:tailEnd type="none" w="sm" len="sm"/>
                     </a:lnT>
-                    <a:lnB cap="flat" cmpd="sng" w="9525">
+                    <a:lnB w="9525" cap="flat" cmpd="sng">
                       <a:solidFill>
                         <a:schemeClr val="dk1"/>
                       </a:solidFill>
                       <a:prstDash val="solid"/>
                       <a:round/>
-                      <a:headEnd len="sm" w="sm" type="none"/>
-                      <a:tailEnd len="sm" w="sm" type="none"/>
+                      <a:headEnd type="none" w="sm" len="sm"/>
+                      <a:tailEnd type="none" w="sm" len="sm"/>
                     </a:lnB>
                     <a:solidFill>
                       <a:srgbClr val="B6D7A8"/>
@@ -9722,7 +9905,7 @@
                     <a:bodyPr/>
                     <a:lstStyle/>
                     <a:p>
-                      <a:pPr indent="0" lvl="0" marL="0" rtl="0" algn="l">
+                      <a:pPr marL="0" lvl="0" indent="0" algn="l" rtl="0">
                         <a:spcBef>
                           <a:spcPts val="0"/>
                         </a:spcBef>
@@ -9731,48 +9914,45 @@
                         </a:spcAft>
                         <a:buNone/>
                       </a:pPr>
-                      <a:r>
-                        <a:t/>
-                      </a:r>
                       <a:endParaRPr/>
                     </a:p>
                   </a:txBody>
-                  <a:tcPr marT="91425" marB="91425" marR="91425" marL="91425">
-                    <a:lnL cap="flat" cmpd="sng" w="9525">
+                  <a:tcPr marL="91425" marR="91425" marT="91425" marB="91425">
+                    <a:lnL w="9525" cap="flat" cmpd="sng">
                       <a:solidFill>
                         <a:schemeClr val="dk1"/>
                       </a:solidFill>
                       <a:prstDash val="solid"/>
                       <a:round/>
-                      <a:headEnd len="sm" w="sm" type="none"/>
-                      <a:tailEnd len="sm" w="sm" type="none"/>
+                      <a:headEnd type="none" w="sm" len="sm"/>
+                      <a:tailEnd type="none" w="sm" len="sm"/>
                     </a:lnL>
-                    <a:lnR cap="flat" cmpd="sng" w="9525">
+                    <a:lnR w="9525" cap="flat" cmpd="sng">
                       <a:solidFill>
                         <a:schemeClr val="dk1"/>
                       </a:solidFill>
                       <a:prstDash val="solid"/>
                       <a:round/>
-                      <a:headEnd len="sm" w="sm" type="none"/>
-                      <a:tailEnd len="sm" w="sm" type="none"/>
+                      <a:headEnd type="none" w="sm" len="sm"/>
+                      <a:tailEnd type="none" w="sm" len="sm"/>
                     </a:lnR>
-                    <a:lnT cap="flat" cmpd="sng" w="9525">
+                    <a:lnT w="9525" cap="flat" cmpd="sng">
                       <a:solidFill>
                         <a:schemeClr val="dk1"/>
                       </a:solidFill>
                       <a:prstDash val="solid"/>
                       <a:round/>
-                      <a:headEnd len="sm" w="sm" type="none"/>
-                      <a:tailEnd len="sm" w="sm" type="none"/>
+                      <a:headEnd type="none" w="sm" len="sm"/>
+                      <a:tailEnd type="none" w="sm" len="sm"/>
                     </a:lnT>
-                    <a:lnB cap="flat" cmpd="sng" w="9525">
+                    <a:lnB w="9525" cap="flat" cmpd="sng">
                       <a:solidFill>
                         <a:schemeClr val="dk1"/>
                       </a:solidFill>
                       <a:prstDash val="solid"/>
                       <a:round/>
-                      <a:headEnd len="sm" w="sm" type="none"/>
-                      <a:tailEnd len="sm" w="sm" type="none"/>
+                      <a:headEnd type="none" w="sm" len="sm"/>
+                      <a:tailEnd type="none" w="sm" len="sm"/>
                     </a:lnB>
                     <a:solidFill>
                       <a:srgbClr val="B6D7A8"/>
@@ -9784,7 +9964,7 @@
                     <a:bodyPr/>
                     <a:lstStyle/>
                     <a:p>
-                      <a:pPr indent="0" lvl="0" marL="0" rtl="0" algn="l">
+                      <a:pPr marL="0" lvl="0" indent="0" algn="l" rtl="0">
                         <a:spcBef>
                           <a:spcPts val="0"/>
                         </a:spcBef>
@@ -9793,54 +9973,56 @@
                         </a:spcAft>
                         <a:buNone/>
                       </a:pPr>
-                      <a:r>
-                        <a:t/>
-                      </a:r>
-                      <a:endParaRPr/>
+                      <a:endParaRPr dirty="0"/>
                     </a:p>
                   </a:txBody>
-                  <a:tcPr marT="91425" marB="91425" marR="91425" marL="91425">
-                    <a:lnL cap="flat" cmpd="sng" w="9525">
+                  <a:tcPr marL="91425" marR="91425" marT="91425" marB="91425">
+                    <a:lnL w="9525" cap="flat" cmpd="sng">
                       <a:solidFill>
                         <a:schemeClr val="dk1"/>
                       </a:solidFill>
                       <a:prstDash val="solid"/>
                       <a:round/>
-                      <a:headEnd len="sm" w="sm" type="none"/>
-                      <a:tailEnd len="sm" w="sm" type="none"/>
+                      <a:headEnd type="none" w="sm" len="sm"/>
+                      <a:tailEnd type="none" w="sm" len="sm"/>
                     </a:lnL>
-                    <a:lnR cap="flat" cmpd="sng" w="9525">
+                    <a:lnR w="9525" cap="flat" cmpd="sng">
                       <a:solidFill>
                         <a:schemeClr val="dk1"/>
                       </a:solidFill>
                       <a:prstDash val="solid"/>
                       <a:round/>
-                      <a:headEnd len="sm" w="sm" type="none"/>
-                      <a:tailEnd len="sm" w="sm" type="none"/>
+                      <a:headEnd type="none" w="sm" len="sm"/>
+                      <a:tailEnd type="none" w="sm" len="sm"/>
                     </a:lnR>
-                    <a:lnT cap="flat" cmpd="sng" w="9525">
+                    <a:lnT w="9525" cap="flat" cmpd="sng">
                       <a:solidFill>
                         <a:schemeClr val="dk1"/>
                       </a:solidFill>
                       <a:prstDash val="solid"/>
                       <a:round/>
-                      <a:headEnd len="sm" w="sm" type="none"/>
-                      <a:tailEnd len="sm" w="sm" type="none"/>
+                      <a:headEnd type="none" w="sm" len="sm"/>
+                      <a:tailEnd type="none" w="sm" len="sm"/>
                     </a:lnT>
-                    <a:lnB cap="flat" cmpd="sng" w="9525">
+                    <a:lnB w="9525" cap="flat" cmpd="sng">
                       <a:solidFill>
                         <a:schemeClr val="dk1"/>
                       </a:solidFill>
                       <a:prstDash val="solid"/>
                       <a:round/>
-                      <a:headEnd len="sm" w="sm" type="none"/>
-                      <a:tailEnd len="sm" w="sm" type="none"/>
+                      <a:headEnd type="none" w="sm" len="sm"/>
+                      <a:tailEnd type="none" w="sm" len="sm"/>
                     </a:lnB>
                     <a:solidFill>
                       <a:srgbClr val="B6D7A8"/>
                     </a:solidFill>
                   </a:tcPr>
                 </a:tc>
+                <a:extLst>
+                  <a:ext uri="{0D108BD9-81ED-4DB2-BD59-A6C34878D82A}">
+                    <a16:rowId xmlns:a16="http://schemas.microsoft.com/office/drawing/2014/main" val="10005"/>
+                  </a:ext>
+                </a:extLst>
               </a:tr>
             </a:tbl>
           </a:graphicData>
@@ -9854,7 +10036,7 @@
         </p:nvGraphicFramePr>
         <p:xfrm>
           <a:off x="5753325" y="4079150"/>
-          <a:ext cx="3000000" cy="3000000"/>
+          <a:ext cx="2359450" cy="797400"/>
         </p:xfrm>
         <a:graphic>
           <a:graphicData uri="http://schemas.openxmlformats.org/drawingml/2006/table">
@@ -9864,9 +10046,27 @@
                 <a:tableStyleId>{483911CC-F2D3-4BEC-B8EC-951287A48625}</a:tableStyleId>
               </a:tblPr>
               <a:tblGrid>
-                <a:gridCol w="745450"/>
-                <a:gridCol w="1035600"/>
-                <a:gridCol w="578400"/>
+                <a:gridCol w="745450">
+                  <a:extLst>
+                    <a:ext uri="{9D8B030D-6E8A-4147-A177-3AD203B41FA5}">
+                      <a16:colId xmlns:a16="http://schemas.microsoft.com/office/drawing/2014/main" val="20000"/>
+                    </a:ext>
+                  </a:extLst>
+                </a:gridCol>
+                <a:gridCol w="1035600">
+                  <a:extLst>
+                    <a:ext uri="{9D8B030D-6E8A-4147-A177-3AD203B41FA5}">
+                      <a16:colId xmlns:a16="http://schemas.microsoft.com/office/drawing/2014/main" val="20001"/>
+                    </a:ext>
+                  </a:extLst>
+                </a:gridCol>
+                <a:gridCol w="578400">
+                  <a:extLst>
+                    <a:ext uri="{9D8B030D-6E8A-4147-A177-3AD203B41FA5}">
+                      <a16:colId xmlns:a16="http://schemas.microsoft.com/office/drawing/2014/main" val="20002"/>
+                    </a:ext>
+                  </a:extLst>
+                </a:gridCol>
               </a:tblGrid>
               <a:tr h="398700">
                 <a:tc>
@@ -9874,7 +10074,7 @@
                     <a:bodyPr/>
                     <a:lstStyle/>
                     <a:p>
-                      <a:pPr indent="0" lvl="0" marL="0" rtl="0" algn="l">
+                      <a:pPr marL="0" lvl="0" indent="0" algn="l" rtl="0">
                         <a:spcBef>
                           <a:spcPts val="0"/>
                         </a:spcBef>
@@ -9890,42 +10090,42 @@
                       <a:endParaRPr/>
                     </a:p>
                   </a:txBody>
-                  <a:tcPr marT="91425" marB="91425" marR="91425" marL="91425">
-                    <a:lnL cap="flat" cmpd="sng" w="9525">
+                  <a:tcPr marL="91425" marR="91425" marT="91425" marB="91425">
+                    <a:lnL w="9525" cap="flat" cmpd="sng">
                       <a:solidFill>
                         <a:schemeClr val="dk1"/>
                       </a:solidFill>
                       <a:prstDash val="solid"/>
                       <a:round/>
-                      <a:headEnd len="sm" w="sm" type="none"/>
-                      <a:tailEnd len="sm" w="sm" type="none"/>
+                      <a:headEnd type="none" w="sm" len="sm"/>
+                      <a:tailEnd type="none" w="sm" len="sm"/>
                     </a:lnL>
-                    <a:lnR cap="flat" cmpd="sng" w="9525">
+                    <a:lnR w="9525" cap="flat" cmpd="sng">
                       <a:solidFill>
                         <a:schemeClr val="dk1"/>
                       </a:solidFill>
                       <a:prstDash val="solid"/>
                       <a:round/>
-                      <a:headEnd len="sm" w="sm" type="none"/>
-                      <a:tailEnd len="sm" w="sm" type="none"/>
+                      <a:headEnd type="none" w="sm" len="sm"/>
+                      <a:tailEnd type="none" w="sm" len="sm"/>
                     </a:lnR>
-                    <a:lnT cap="flat" cmpd="sng" w="9525">
+                    <a:lnT w="9525" cap="flat" cmpd="sng">
                       <a:solidFill>
                         <a:schemeClr val="dk1"/>
                       </a:solidFill>
                       <a:prstDash val="solid"/>
                       <a:round/>
-                      <a:headEnd len="sm" w="sm" type="none"/>
-                      <a:tailEnd len="sm" w="sm" type="none"/>
+                      <a:headEnd type="none" w="sm" len="sm"/>
+                      <a:tailEnd type="none" w="sm" len="sm"/>
                     </a:lnT>
-                    <a:lnB cap="flat" cmpd="sng" w="9525">
+                    <a:lnB w="9525" cap="flat" cmpd="sng">
                       <a:solidFill>
                         <a:schemeClr val="dk1"/>
                       </a:solidFill>
                       <a:prstDash val="solid"/>
                       <a:round/>
-                      <a:headEnd len="sm" w="sm" type="none"/>
-                      <a:tailEnd len="sm" w="sm" type="none"/>
+                      <a:headEnd type="none" w="sm" len="sm"/>
+                      <a:tailEnd type="none" w="sm" len="sm"/>
                     </a:lnB>
                   </a:tcPr>
                 </a:tc>
@@ -9934,7 +10134,7 @@
                     <a:bodyPr/>
                     <a:lstStyle/>
                     <a:p>
-                      <a:pPr indent="0" lvl="0" marL="0" rtl="0" algn="l">
+                      <a:pPr marL="0" lvl="0" indent="0" algn="l" rtl="0">
                         <a:spcBef>
                           <a:spcPts val="0"/>
                         </a:spcBef>
@@ -9950,42 +10150,42 @@
                       <a:endParaRPr/>
                     </a:p>
                   </a:txBody>
-                  <a:tcPr marT="91425" marB="91425" marR="91425" marL="91425">
-                    <a:lnL cap="flat" cmpd="sng" w="9525">
+                  <a:tcPr marL="91425" marR="91425" marT="91425" marB="91425">
+                    <a:lnL w="9525" cap="flat" cmpd="sng">
                       <a:solidFill>
                         <a:schemeClr val="dk1"/>
                       </a:solidFill>
                       <a:prstDash val="solid"/>
                       <a:round/>
-                      <a:headEnd len="sm" w="sm" type="none"/>
-                      <a:tailEnd len="sm" w="sm" type="none"/>
+                      <a:headEnd type="none" w="sm" len="sm"/>
+                      <a:tailEnd type="none" w="sm" len="sm"/>
                     </a:lnL>
-                    <a:lnR cap="flat" cmpd="sng" w="9525">
+                    <a:lnR w="9525" cap="flat" cmpd="sng">
                       <a:solidFill>
                         <a:schemeClr val="dk1"/>
                       </a:solidFill>
                       <a:prstDash val="solid"/>
                       <a:round/>
-                      <a:headEnd len="sm" w="sm" type="none"/>
-                      <a:tailEnd len="sm" w="sm" type="none"/>
+                      <a:headEnd type="none" w="sm" len="sm"/>
+                      <a:tailEnd type="none" w="sm" len="sm"/>
                     </a:lnR>
-                    <a:lnT cap="flat" cmpd="sng" w="9525">
+                    <a:lnT w="9525" cap="flat" cmpd="sng">
                       <a:solidFill>
                         <a:schemeClr val="dk1"/>
                       </a:solidFill>
                       <a:prstDash val="solid"/>
                       <a:round/>
-                      <a:headEnd len="sm" w="sm" type="none"/>
-                      <a:tailEnd len="sm" w="sm" type="none"/>
+                      <a:headEnd type="none" w="sm" len="sm"/>
+                      <a:tailEnd type="none" w="sm" len="sm"/>
                     </a:lnT>
-                    <a:lnB cap="flat" cmpd="sng" w="9525">
+                    <a:lnB w="9525" cap="flat" cmpd="sng">
                       <a:solidFill>
                         <a:schemeClr val="dk1"/>
                       </a:solidFill>
                       <a:prstDash val="solid"/>
                       <a:round/>
-                      <a:headEnd len="sm" w="sm" type="none"/>
-                      <a:tailEnd len="sm" w="sm" type="none"/>
+                      <a:headEnd type="none" w="sm" len="sm"/>
+                      <a:tailEnd type="none" w="sm" len="sm"/>
                     </a:lnB>
                   </a:tcPr>
                 </a:tc>
@@ -9994,7 +10194,7 @@
                     <a:bodyPr/>
                     <a:lstStyle/>
                     <a:p>
-                      <a:pPr indent="0" lvl="0" marL="0" rtl="0" algn="l">
+                      <a:pPr marL="0" lvl="0" indent="0" algn="l" rtl="0">
                         <a:spcBef>
                           <a:spcPts val="0"/>
                         </a:spcBef>
@@ -10004,51 +10204,56 @@
                         <a:buNone/>
                       </a:pPr>
                       <a:r>
-                        <a:rPr lang="es"/>
+                        <a:rPr lang="es" dirty="0"/>
                         <a:t>Malo</a:t>
                       </a:r>
-                      <a:endParaRPr/>
+                      <a:endParaRPr dirty="0"/>
                     </a:p>
                   </a:txBody>
-                  <a:tcPr marT="91425" marB="91425" marR="91425" marL="91425">
-                    <a:lnL cap="flat" cmpd="sng" w="9525">
+                  <a:tcPr marL="91425" marR="91425" marT="91425" marB="91425">
+                    <a:lnL w="9525" cap="flat" cmpd="sng">
                       <a:solidFill>
                         <a:schemeClr val="dk1"/>
                       </a:solidFill>
                       <a:prstDash val="solid"/>
                       <a:round/>
-                      <a:headEnd len="sm" w="sm" type="none"/>
-                      <a:tailEnd len="sm" w="sm" type="none"/>
+                      <a:headEnd type="none" w="sm" len="sm"/>
+                      <a:tailEnd type="none" w="sm" len="sm"/>
                     </a:lnL>
-                    <a:lnR cap="flat" cmpd="sng" w="9525">
+                    <a:lnR w="9525" cap="flat" cmpd="sng">
                       <a:solidFill>
                         <a:schemeClr val="dk1"/>
                       </a:solidFill>
                       <a:prstDash val="solid"/>
                       <a:round/>
-                      <a:headEnd len="sm" w="sm" type="none"/>
-                      <a:tailEnd len="sm" w="sm" type="none"/>
+                      <a:headEnd type="none" w="sm" len="sm"/>
+                      <a:tailEnd type="none" w="sm" len="sm"/>
                     </a:lnR>
-                    <a:lnT cap="flat" cmpd="sng" w="9525">
+                    <a:lnT w="9525" cap="flat" cmpd="sng">
                       <a:solidFill>
                         <a:schemeClr val="dk1"/>
                       </a:solidFill>
                       <a:prstDash val="solid"/>
                       <a:round/>
-                      <a:headEnd len="sm" w="sm" type="none"/>
-                      <a:tailEnd len="sm" w="sm" type="none"/>
+                      <a:headEnd type="none" w="sm" len="sm"/>
+                      <a:tailEnd type="none" w="sm" len="sm"/>
                     </a:lnT>
-                    <a:lnB cap="flat" cmpd="sng" w="9525">
+                    <a:lnB w="9525" cap="flat" cmpd="sng">
                       <a:solidFill>
                         <a:schemeClr val="dk1"/>
                       </a:solidFill>
                       <a:prstDash val="solid"/>
                       <a:round/>
-                      <a:headEnd len="sm" w="sm" type="none"/>
-                      <a:tailEnd len="sm" w="sm" type="none"/>
+                      <a:headEnd type="none" w="sm" len="sm"/>
+                      <a:tailEnd type="none" w="sm" len="sm"/>
                     </a:lnB>
                   </a:tcPr>
                 </a:tc>
+                <a:extLst>
+                  <a:ext uri="{0D108BD9-81ED-4DB2-BD59-A6C34878D82A}">
+                    <a16:rowId xmlns:a16="http://schemas.microsoft.com/office/drawing/2014/main" val="10000"/>
+                  </a:ext>
+                </a:extLst>
               </a:tr>
               <a:tr h="398700">
                 <a:tc>
@@ -10056,7 +10261,7 @@
                     <a:bodyPr/>
                     <a:lstStyle/>
                     <a:p>
-                      <a:pPr indent="0" lvl="0" marL="0" rtl="0" algn="l">
+                      <a:pPr marL="0" lvl="0" indent="0" algn="l" rtl="0">
                         <a:spcBef>
                           <a:spcPts val="0"/>
                         </a:spcBef>
@@ -10065,48 +10270,45 @@
                         </a:spcAft>
                         <a:buNone/>
                       </a:pPr>
-                      <a:r>
-                        <a:t/>
-                      </a:r>
                       <a:endParaRPr/>
                     </a:p>
                   </a:txBody>
-                  <a:tcPr marT="91425" marB="91425" marR="91425" marL="91425">
-                    <a:lnL cap="flat" cmpd="sng" w="9525">
+                  <a:tcPr marL="91425" marR="91425" marT="91425" marB="91425">
+                    <a:lnL w="9525" cap="flat" cmpd="sng">
                       <a:solidFill>
                         <a:schemeClr val="dk1"/>
                       </a:solidFill>
                       <a:prstDash val="solid"/>
                       <a:round/>
-                      <a:headEnd len="sm" w="sm" type="none"/>
-                      <a:tailEnd len="sm" w="sm" type="none"/>
+                      <a:headEnd type="none" w="sm" len="sm"/>
+                      <a:tailEnd type="none" w="sm" len="sm"/>
                     </a:lnL>
-                    <a:lnR cap="flat" cmpd="sng" w="9525">
+                    <a:lnR w="9525" cap="flat" cmpd="sng">
                       <a:solidFill>
                         <a:schemeClr val="dk1"/>
                       </a:solidFill>
                       <a:prstDash val="solid"/>
                       <a:round/>
-                      <a:headEnd len="sm" w="sm" type="none"/>
-                      <a:tailEnd len="sm" w="sm" type="none"/>
+                      <a:headEnd type="none" w="sm" len="sm"/>
+                      <a:tailEnd type="none" w="sm" len="sm"/>
                     </a:lnR>
-                    <a:lnT cap="flat" cmpd="sng" w="9525">
+                    <a:lnT w="9525" cap="flat" cmpd="sng">
                       <a:solidFill>
                         <a:schemeClr val="dk1"/>
                       </a:solidFill>
                       <a:prstDash val="solid"/>
                       <a:round/>
-                      <a:headEnd len="sm" w="sm" type="none"/>
-                      <a:tailEnd len="sm" w="sm" type="none"/>
+                      <a:headEnd type="none" w="sm" len="sm"/>
+                      <a:tailEnd type="none" w="sm" len="sm"/>
                     </a:lnT>
-                    <a:lnB cap="flat" cmpd="sng" w="9525">
+                    <a:lnB w="9525" cap="flat" cmpd="sng">
                       <a:solidFill>
                         <a:schemeClr val="dk1"/>
                       </a:solidFill>
                       <a:prstDash val="solid"/>
                       <a:round/>
-                      <a:headEnd len="sm" w="sm" type="none"/>
-                      <a:tailEnd len="sm" w="sm" type="none"/>
+                      <a:headEnd type="none" w="sm" len="sm"/>
+                      <a:tailEnd type="none" w="sm" len="sm"/>
                     </a:lnB>
                     <a:solidFill>
                       <a:srgbClr val="B6D7A8"/>
@@ -10118,7 +10320,7 @@
                     <a:bodyPr/>
                     <a:lstStyle/>
                     <a:p>
-                      <a:pPr indent="0" lvl="0" marL="0" rtl="0" algn="l">
+                      <a:pPr marL="0" lvl="0" indent="0" algn="l" rtl="0">
                         <a:spcBef>
                           <a:spcPts val="0"/>
                         </a:spcBef>
@@ -10127,48 +10329,45 @@
                         </a:spcAft>
                         <a:buNone/>
                       </a:pPr>
-                      <a:r>
-                        <a:t/>
-                      </a:r>
                       <a:endParaRPr/>
                     </a:p>
                   </a:txBody>
-                  <a:tcPr marT="91425" marB="91425" marR="91425" marL="91425">
-                    <a:lnL cap="flat" cmpd="sng" w="9525">
+                  <a:tcPr marL="91425" marR="91425" marT="91425" marB="91425">
+                    <a:lnL w="9525" cap="flat" cmpd="sng">
                       <a:solidFill>
                         <a:schemeClr val="dk1"/>
                       </a:solidFill>
                       <a:prstDash val="solid"/>
                       <a:round/>
-                      <a:headEnd len="sm" w="sm" type="none"/>
-                      <a:tailEnd len="sm" w="sm" type="none"/>
+                      <a:headEnd type="none" w="sm" len="sm"/>
+                      <a:tailEnd type="none" w="sm" len="sm"/>
                     </a:lnL>
-                    <a:lnR cap="flat" cmpd="sng" w="9525">
+                    <a:lnR w="9525" cap="flat" cmpd="sng">
                       <a:solidFill>
                         <a:schemeClr val="dk1"/>
                       </a:solidFill>
                       <a:prstDash val="solid"/>
                       <a:round/>
-                      <a:headEnd len="sm" w="sm" type="none"/>
-                      <a:tailEnd len="sm" w="sm" type="none"/>
+                      <a:headEnd type="none" w="sm" len="sm"/>
+                      <a:tailEnd type="none" w="sm" len="sm"/>
                     </a:lnR>
-                    <a:lnT cap="flat" cmpd="sng" w="9525">
+                    <a:lnT w="9525" cap="flat" cmpd="sng">
                       <a:solidFill>
                         <a:schemeClr val="dk1"/>
                       </a:solidFill>
                       <a:prstDash val="solid"/>
                       <a:round/>
-                      <a:headEnd len="sm" w="sm" type="none"/>
-                      <a:tailEnd len="sm" w="sm" type="none"/>
+                      <a:headEnd type="none" w="sm" len="sm"/>
+                      <a:tailEnd type="none" w="sm" len="sm"/>
                     </a:lnT>
-                    <a:lnB cap="flat" cmpd="sng" w="9525">
+                    <a:lnB w="9525" cap="flat" cmpd="sng">
                       <a:solidFill>
                         <a:schemeClr val="dk1"/>
                       </a:solidFill>
                       <a:prstDash val="solid"/>
                       <a:round/>
-                      <a:headEnd len="sm" w="sm" type="none"/>
-                      <a:tailEnd len="sm" w="sm" type="none"/>
+                      <a:headEnd type="none" w="sm" len="sm"/>
+                      <a:tailEnd type="none" w="sm" len="sm"/>
                     </a:lnB>
                     <a:solidFill>
                       <a:srgbClr val="F9CB9C"/>
@@ -10180,7 +10379,7 @@
                     <a:bodyPr/>
                     <a:lstStyle/>
                     <a:p>
-                      <a:pPr indent="0" lvl="0" marL="0" rtl="0" algn="l">
+                      <a:pPr marL="0" lvl="0" indent="0" algn="l" rtl="0">
                         <a:spcBef>
                           <a:spcPts val="0"/>
                         </a:spcBef>
@@ -10189,54 +10388,56 @@
                         </a:spcAft>
                         <a:buNone/>
                       </a:pPr>
-                      <a:r>
-                        <a:t/>
-                      </a:r>
-                      <a:endParaRPr/>
+                      <a:endParaRPr dirty="0"/>
                     </a:p>
                   </a:txBody>
-                  <a:tcPr marT="91425" marB="91425" marR="91425" marL="91425">
-                    <a:lnL cap="flat" cmpd="sng" w="9525">
+                  <a:tcPr marL="91425" marR="91425" marT="91425" marB="91425">
+                    <a:lnL w="9525" cap="flat" cmpd="sng">
                       <a:solidFill>
                         <a:schemeClr val="dk1"/>
                       </a:solidFill>
                       <a:prstDash val="solid"/>
                       <a:round/>
-                      <a:headEnd len="sm" w="sm" type="none"/>
-                      <a:tailEnd len="sm" w="sm" type="none"/>
+                      <a:headEnd type="none" w="sm" len="sm"/>
+                      <a:tailEnd type="none" w="sm" len="sm"/>
                     </a:lnL>
-                    <a:lnR cap="flat" cmpd="sng" w="9525">
+                    <a:lnR w="9525" cap="flat" cmpd="sng">
                       <a:solidFill>
                         <a:schemeClr val="dk1"/>
                       </a:solidFill>
                       <a:prstDash val="solid"/>
                       <a:round/>
-                      <a:headEnd len="sm" w="sm" type="none"/>
-                      <a:tailEnd len="sm" w="sm" type="none"/>
+                      <a:headEnd type="none" w="sm" len="sm"/>
+                      <a:tailEnd type="none" w="sm" len="sm"/>
                     </a:lnR>
-                    <a:lnT cap="flat" cmpd="sng" w="9525">
+                    <a:lnT w="9525" cap="flat" cmpd="sng">
                       <a:solidFill>
                         <a:schemeClr val="dk1"/>
                       </a:solidFill>
                       <a:prstDash val="solid"/>
                       <a:round/>
-                      <a:headEnd len="sm" w="sm" type="none"/>
-                      <a:tailEnd len="sm" w="sm" type="none"/>
+                      <a:headEnd type="none" w="sm" len="sm"/>
+                      <a:tailEnd type="none" w="sm" len="sm"/>
                     </a:lnT>
-                    <a:lnB cap="flat" cmpd="sng" w="9525">
+                    <a:lnB w="9525" cap="flat" cmpd="sng">
                       <a:solidFill>
                         <a:schemeClr val="dk1"/>
                       </a:solidFill>
                       <a:prstDash val="solid"/>
                       <a:round/>
-                      <a:headEnd len="sm" w="sm" type="none"/>
-                      <a:tailEnd len="sm" w="sm" type="none"/>
+                      <a:headEnd type="none" w="sm" len="sm"/>
+                      <a:tailEnd type="none" w="sm" len="sm"/>
                     </a:lnB>
                     <a:solidFill>
                       <a:srgbClr val="EA9999"/>
                     </a:solidFill>
                   </a:tcPr>
                 </a:tc>
+                <a:extLst>
+                  <a:ext uri="{0D108BD9-81ED-4DB2-BD59-A6C34878D82A}">
+                    <a16:rowId xmlns:a16="http://schemas.microsoft.com/office/drawing/2014/main" val="10001"/>
+                  </a:ext>
+                </a:extLst>
               </a:tr>
             </a:tbl>
           </a:graphicData>
@@ -10247,15 +10448,22 @@
   <p:clrMapOvr>
     <a:masterClrMapping/>
   </p:clrMapOvr>
+  <p:timing>
+    <p:tnLst>
+      <p:par>
+        <p:cTn id="1" dur="indefinite" restart="never" nodeType="tmRoot"/>
+      </p:par>
+    </p:tnLst>
+  </p:timing>
 </p:sld>
 </file>
 
 <file path=ppt/slides/slide12.xml><?xml version="1.0" encoding="utf-8"?>
-<p:sld xmlns:a="http://schemas.openxmlformats.org/drawingml/2006/main" xmlns:r="http://schemas.openxmlformats.org/officeDocument/2006/relationships" xmlns:mc="http://schemas.openxmlformats.org/markup-compatibility/2006" xmlns:mv="urn:schemas-microsoft-com:mac:vml" xmlns:p="http://schemas.openxmlformats.org/presentationml/2006/main" xmlns:c="http://schemas.openxmlformats.org/drawingml/2006/chart" xmlns:dgm="http://schemas.openxmlformats.org/drawingml/2006/diagram" xmlns:o="urn:schemas-microsoft-com:office:office" xmlns:v="urn:schemas-microsoft-com:vml" xmlns:pvml="urn:schemas-microsoft-com:office:powerpoint" xmlns:com="http://schemas.openxmlformats.org/drawingml/2006/compatibility" xmlns:p14="http://schemas.microsoft.com/office/powerpoint/2010/main" xmlns:p15="http://schemas.microsoft.com/office/powerpoint/2012/main" xmlns:ahyp="http://schemas.microsoft.com/office/drawing/2018/hyperlinkcolor">
+<p:sld xmlns:a="http://schemas.openxmlformats.org/drawingml/2006/main" xmlns:r="http://schemas.openxmlformats.org/officeDocument/2006/relationships" xmlns:p="http://schemas.openxmlformats.org/presentationml/2006/main">
   <p:cSld>
     <p:spTree>
       <p:nvGrpSpPr>
-        <p:cNvPr id="150" name="Shape 150"/>
+        <p:cNvPr id="1" name="Shape 150"/>
         <p:cNvGrpSpPr/>
         <p:nvPr/>
       </p:nvGrpSpPr>
@@ -10283,8 +10491,8 @@
         </p:blipFill>
         <p:spPr>
           <a:xfrm>
-            <a:off x="5833455" y="748268"/>
-            <a:ext cx="3093000" cy="3093000"/>
+            <a:off x="2092729" y="841786"/>
+            <a:ext cx="4775662" cy="3782167"/>
           </a:xfrm>
           <a:prstGeom prst="rect">
             <a:avLst/>
@@ -10303,30 +10511,30 @@
         </p:nvSpPr>
         <p:spPr>
           <a:xfrm>
-            <a:off x="3791550" y="210125"/>
+            <a:off x="3693060" y="200490"/>
             <a:ext cx="1575000" cy="492600"/>
           </a:xfrm>
           <a:prstGeom prst="rect">
             <a:avLst/>
           </a:prstGeom>
           <a:noFill/>
-          <a:ln cap="flat" cmpd="sng" w="9525">
+          <a:ln w="9525" cap="flat" cmpd="sng">
             <a:solidFill>
               <a:srgbClr val="E06666"/>
             </a:solidFill>
             <a:prstDash val="solid"/>
             <a:round/>
-            <a:headEnd len="sm" w="sm" type="none"/>
-            <a:tailEnd len="sm" w="sm" type="none"/>
+            <a:headEnd type="none" w="sm" len="sm"/>
+            <a:tailEnd type="none" w="sm" len="sm"/>
           </a:ln>
         </p:spPr>
         <p:txBody>
-          <a:bodyPr anchorCtr="0" anchor="t" bIns="91425" lIns="91425" spcFirstLastPara="1" rIns="91425" wrap="square" tIns="91425">
+          <a:bodyPr spcFirstLastPara="1" wrap="square" lIns="91425" tIns="91425" rIns="91425" bIns="91425" anchor="t" anchorCtr="0">
             <a:spAutoFit/>
           </a:bodyPr>
           <a:lstStyle/>
           <a:p>
-            <a:pPr indent="0" lvl="0" marL="0" rtl="0" algn="l">
+            <a:pPr marL="0" lvl="0" indent="0" algn="l" rtl="0">
               <a:spcBef>
                 <a:spcPts val="0"/>
               </a:spcBef>
@@ -10336,7 +10544,7 @@
               <a:buNone/>
             </a:pPr>
             <a:r>
-              <a:rPr b="1" lang="es" sz="2000">
+              <a:rPr lang="es" sz="2000" b="1" dirty="0">
                 <a:latin typeface="Open Sans"/>
                 <a:ea typeface="Open Sans"/>
                 <a:cs typeface="Open Sans"/>
@@ -10344,330 +10552,7 @@
               </a:rPr>
               <a:t>Conclusión</a:t>
             </a:r>
-            <a:endParaRPr b="1" sz="2000">
-              <a:latin typeface="Open Sans"/>
-              <a:ea typeface="Open Sans"/>
-              <a:cs typeface="Open Sans"/>
-              <a:sym typeface="Open Sans"/>
-            </a:endParaRPr>
-          </a:p>
-        </p:txBody>
-      </p:sp>
-      <p:sp>
-        <p:nvSpPr>
-          <p:cNvPr id="153" name="Google Shape;153;p24"/>
-          <p:cNvSpPr txBox="1"/>
-          <p:nvPr/>
-        </p:nvSpPr>
-        <p:spPr>
-          <a:xfrm>
-            <a:off x="216350" y="748275"/>
-            <a:ext cx="5366700" cy="4233900"/>
-          </a:xfrm>
-          <a:prstGeom prst="rect">
-            <a:avLst/>
-          </a:prstGeom>
-          <a:noFill/>
-          <a:ln>
-            <a:noFill/>
-          </a:ln>
-        </p:spPr>
-        <p:txBody>
-          <a:bodyPr anchorCtr="0" anchor="t" bIns="91425" lIns="91425" spcFirstLastPara="1" rIns="91425" wrap="square" tIns="91425">
-            <a:noAutofit/>
-          </a:bodyPr>
-          <a:lstStyle/>
-          <a:p>
-            <a:pPr indent="0" lvl="0" marL="0" rtl="0" algn="l">
-              <a:spcBef>
-                <a:spcPts val="0"/>
-              </a:spcBef>
-              <a:spcAft>
-                <a:spcPts val="0"/>
-              </a:spcAft>
-              <a:buNone/>
-            </a:pPr>
-            <a:r>
-              <a:rPr lang="es" sz="1800">
-                <a:latin typeface="Open Sans"/>
-                <a:ea typeface="Open Sans"/>
-                <a:cs typeface="Open Sans"/>
-                <a:sym typeface="Open Sans"/>
-              </a:rPr>
-              <a:t>Todas </a:t>
-            </a:r>
-            <a:r>
-              <a:rPr lang="es" sz="1800">
-                <a:latin typeface="Open Sans"/>
-                <a:ea typeface="Open Sans"/>
-                <a:cs typeface="Open Sans"/>
-                <a:sym typeface="Open Sans"/>
-              </a:rPr>
-              <a:t>estas herramientas evolucionan en el tiempo ya que son de código abierto.</a:t>
-            </a:r>
-            <a:endParaRPr sz="1800">
-              <a:latin typeface="Open Sans"/>
-              <a:ea typeface="Open Sans"/>
-              <a:cs typeface="Open Sans"/>
-              <a:sym typeface="Open Sans"/>
-            </a:endParaRPr>
-          </a:p>
-          <a:p>
-            <a:pPr indent="0" lvl="0" marL="0" rtl="0" algn="l">
-              <a:spcBef>
-                <a:spcPts val="0"/>
-              </a:spcBef>
-              <a:spcAft>
-                <a:spcPts val="0"/>
-              </a:spcAft>
-              <a:buNone/>
-            </a:pPr>
-            <a:r>
-              <a:t/>
-            </a:r>
-            <a:endParaRPr sz="1800">
-              <a:latin typeface="Open Sans"/>
-              <a:ea typeface="Open Sans"/>
-              <a:cs typeface="Open Sans"/>
-              <a:sym typeface="Open Sans"/>
-            </a:endParaRPr>
-          </a:p>
-          <a:p>
-            <a:pPr indent="0" lvl="0" marL="0" rtl="0" algn="l">
-              <a:spcBef>
-                <a:spcPts val="0"/>
-              </a:spcBef>
-              <a:spcAft>
-                <a:spcPts val="0"/>
-              </a:spcAft>
-              <a:buNone/>
-            </a:pPr>
-            <a:r>
-              <a:rPr lang="es" sz="1800">
-                <a:latin typeface="Open Sans"/>
-                <a:ea typeface="Open Sans"/>
-                <a:cs typeface="Open Sans"/>
-                <a:sym typeface="Open Sans"/>
-              </a:rPr>
-              <a:t>El creador de XUnit es el mismo que el de NUnit reforzando el primero de estos para que sea más útil a las necesidades de los usuarios.</a:t>
-            </a:r>
-            <a:endParaRPr sz="1800">
-              <a:latin typeface="Open Sans"/>
-              <a:ea typeface="Open Sans"/>
-              <a:cs typeface="Open Sans"/>
-              <a:sym typeface="Open Sans"/>
-            </a:endParaRPr>
-          </a:p>
-          <a:p>
-            <a:pPr indent="0" lvl="0" marL="0" rtl="0" algn="l">
-              <a:spcBef>
-                <a:spcPts val="0"/>
-              </a:spcBef>
-              <a:spcAft>
-                <a:spcPts val="0"/>
-              </a:spcAft>
-              <a:buNone/>
-            </a:pPr>
-            <a:r>
-              <a:t/>
-            </a:r>
-            <a:endParaRPr sz="1800">
-              <a:latin typeface="Open Sans"/>
-              <a:ea typeface="Open Sans"/>
-              <a:cs typeface="Open Sans"/>
-              <a:sym typeface="Open Sans"/>
-            </a:endParaRPr>
-          </a:p>
-          <a:p>
-            <a:pPr indent="0" lvl="0" marL="0" rtl="0" algn="l">
-              <a:spcBef>
-                <a:spcPts val="0"/>
-              </a:spcBef>
-              <a:spcAft>
-                <a:spcPts val="0"/>
-              </a:spcAft>
-              <a:buNone/>
-            </a:pPr>
-            <a:r>
-              <a:rPr lang="es" sz="1800">
-                <a:latin typeface="Open Sans"/>
-                <a:ea typeface="Open Sans"/>
-                <a:cs typeface="Open Sans"/>
-                <a:sym typeface="Open Sans"/>
-              </a:rPr>
-              <a:t>Todas las opciones son viables , pero XUnit presenta una mejor escalabilidad en proyectos de gran tamaño, si se tendría que empezar un proyecto en equipo desde cero , XUnit sería la mejor opción.</a:t>
-            </a:r>
-            <a:endParaRPr sz="1800">
-              <a:latin typeface="Open Sans"/>
-              <a:ea typeface="Open Sans"/>
-              <a:cs typeface="Open Sans"/>
-              <a:sym typeface="Open Sans"/>
-            </a:endParaRPr>
-          </a:p>
-          <a:p>
-            <a:pPr indent="0" lvl="0" marL="0" rtl="0" algn="l">
-              <a:spcBef>
-                <a:spcPts val="0"/>
-              </a:spcBef>
-              <a:spcAft>
-                <a:spcPts val="0"/>
-              </a:spcAft>
-              <a:buNone/>
-            </a:pPr>
-            <a:r>
-              <a:t/>
-            </a:r>
-            <a:endParaRPr sz="1800">
-              <a:latin typeface="Open Sans"/>
-              <a:ea typeface="Open Sans"/>
-              <a:cs typeface="Open Sans"/>
-              <a:sym typeface="Open Sans"/>
-            </a:endParaRPr>
-          </a:p>
-          <a:p>
-            <a:pPr indent="0" lvl="0" marL="0" rtl="0" algn="l">
-              <a:spcBef>
-                <a:spcPts val="0"/>
-              </a:spcBef>
-              <a:spcAft>
-                <a:spcPts val="0"/>
-              </a:spcAft>
-              <a:buNone/>
-            </a:pPr>
-            <a:r>
-              <a:t/>
-            </a:r>
-            <a:endParaRPr>
-              <a:latin typeface="Open Sans"/>
-              <a:ea typeface="Open Sans"/>
-              <a:cs typeface="Open Sans"/>
-              <a:sym typeface="Open Sans"/>
-            </a:endParaRPr>
-          </a:p>
-          <a:p>
-            <a:pPr indent="0" lvl="0" marL="0" rtl="0" algn="l">
-              <a:spcBef>
-                <a:spcPts val="0"/>
-              </a:spcBef>
-              <a:spcAft>
-                <a:spcPts val="0"/>
-              </a:spcAft>
-              <a:buNone/>
-            </a:pPr>
-            <a:r>
-              <a:t/>
-            </a:r>
-            <a:endParaRPr>
-              <a:latin typeface="Open Sans"/>
-              <a:ea typeface="Open Sans"/>
-              <a:cs typeface="Open Sans"/>
-              <a:sym typeface="Open Sans"/>
-            </a:endParaRPr>
-          </a:p>
-          <a:p>
-            <a:pPr indent="0" lvl="0" marL="0" rtl="0" algn="l">
-              <a:spcBef>
-                <a:spcPts val="0"/>
-              </a:spcBef>
-              <a:spcAft>
-                <a:spcPts val="0"/>
-              </a:spcAft>
-              <a:buNone/>
-            </a:pPr>
-            <a:r>
-              <a:t/>
-            </a:r>
-            <a:endParaRPr>
-              <a:latin typeface="Open Sans"/>
-              <a:ea typeface="Open Sans"/>
-              <a:cs typeface="Open Sans"/>
-              <a:sym typeface="Open Sans"/>
-            </a:endParaRPr>
-          </a:p>
-          <a:p>
-            <a:pPr indent="0" lvl="0" marL="0" rtl="0" algn="l">
-              <a:spcBef>
-                <a:spcPts val="0"/>
-              </a:spcBef>
-              <a:spcAft>
-                <a:spcPts val="0"/>
-              </a:spcAft>
-              <a:buNone/>
-            </a:pPr>
-            <a:r>
-              <a:t/>
-            </a:r>
-            <a:endParaRPr>
-              <a:latin typeface="Open Sans"/>
-              <a:ea typeface="Open Sans"/>
-              <a:cs typeface="Open Sans"/>
-              <a:sym typeface="Open Sans"/>
-            </a:endParaRPr>
-          </a:p>
-          <a:p>
-            <a:pPr indent="0" lvl="0" marL="0" rtl="0" algn="l">
-              <a:spcBef>
-                <a:spcPts val="0"/>
-              </a:spcBef>
-              <a:spcAft>
-                <a:spcPts val="0"/>
-              </a:spcAft>
-              <a:buNone/>
-            </a:pPr>
-            <a:r>
-              <a:t/>
-            </a:r>
-            <a:endParaRPr>
-              <a:latin typeface="Open Sans"/>
-              <a:ea typeface="Open Sans"/>
-              <a:cs typeface="Open Sans"/>
-              <a:sym typeface="Open Sans"/>
-            </a:endParaRPr>
-          </a:p>
-          <a:p>
-            <a:pPr indent="0" lvl="0" marL="0" marR="38100" rtl="0" algn="l">
-              <a:lnSpc>
-                <a:spcPct val="128571"/>
-              </a:lnSpc>
-              <a:spcBef>
-                <a:spcPts val="0"/>
-              </a:spcBef>
-              <a:spcAft>
-                <a:spcPts val="0"/>
-              </a:spcAft>
-              <a:buClr>
-                <a:schemeClr val="dk1"/>
-              </a:buClr>
-              <a:buSzPts val="1100"/>
-              <a:buFont typeface="Arial"/>
-              <a:buNone/>
-            </a:pPr>
-            <a:r>
-              <a:t/>
-            </a:r>
-            <a:endParaRPr>
-              <a:solidFill>
-                <a:srgbClr val="202124"/>
-              </a:solidFill>
-              <a:highlight>
-                <a:srgbClr val="F8F9FA"/>
-              </a:highlight>
-            </a:endParaRPr>
-          </a:p>
-          <a:p>
-            <a:pPr indent="0" lvl="0" marL="0" rtl="0" algn="l">
-              <a:spcBef>
-                <a:spcPts val="0"/>
-              </a:spcBef>
-              <a:spcAft>
-                <a:spcPts val="0"/>
-              </a:spcAft>
-              <a:buNone/>
-            </a:pPr>
-            <a:r>
-              <a:t/>
-            </a:r>
-            <a:endParaRPr>
+            <a:endParaRPr sz="2000" b="1" dirty="0">
               <a:latin typeface="Open Sans"/>
               <a:ea typeface="Open Sans"/>
               <a:cs typeface="Open Sans"/>
@@ -10692,7 +10577,7 @@
         </p:blipFill>
         <p:spPr>
           <a:xfrm>
-            <a:off x="6089275" y="1962650"/>
+            <a:off x="2940822" y="2298267"/>
             <a:ext cx="944650" cy="664250"/>
           </a:xfrm>
           <a:prstGeom prst="rect">
@@ -10720,7 +10605,7 @@
         </p:blipFill>
         <p:spPr>
           <a:xfrm>
-            <a:off x="7540149" y="1944975"/>
+            <a:off x="5034282" y="2486479"/>
             <a:ext cx="1038025" cy="728450"/>
           </a:xfrm>
           <a:prstGeom prst="rect">
@@ -10748,8 +10633,8 @@
         </p:blipFill>
         <p:spPr>
           <a:xfrm>
-            <a:off x="7033925" y="1492150"/>
-            <a:ext cx="659425" cy="659400"/>
+            <a:off x="4059825" y="1861926"/>
+            <a:ext cx="851063" cy="872682"/>
           </a:xfrm>
           <a:prstGeom prst="rect">
             <a:avLst/>
@@ -10760,20 +10645,85 @@
           </a:ln>
         </p:spPr>
       </p:pic>
+      <p:sp>
+        <p:nvSpPr>
+          <p:cNvPr id="9" name="Google Shape;152;p24"/>
+          <p:cNvSpPr txBox="1"/>
+          <p:nvPr/>
+        </p:nvSpPr>
+        <p:spPr>
+          <a:xfrm>
+            <a:off x="3952599" y="1476659"/>
+            <a:ext cx="1055922" cy="492412"/>
+          </a:xfrm>
+          <a:prstGeom prst="rect">
+            <a:avLst/>
+          </a:prstGeom>
+          <a:noFill/>
+          <a:ln w="9525" cap="flat" cmpd="sng">
+            <a:solidFill>
+              <a:srgbClr val="E06666"/>
+            </a:solidFill>
+            <a:prstDash val="solid"/>
+            <a:round/>
+            <a:headEnd type="none" w="sm" len="sm"/>
+            <a:tailEnd type="none" w="sm" len="sm"/>
+          </a:ln>
+        </p:spPr>
+        <p:txBody>
+          <a:bodyPr spcFirstLastPara="1" wrap="square" lIns="91425" tIns="91425" rIns="91425" bIns="91425" anchor="t" anchorCtr="0">
+            <a:spAutoFit/>
+          </a:bodyPr>
+          <a:lstStyle/>
+          <a:p>
+            <a:pPr marL="0" lvl="0" indent="0" algn="l" rtl="0">
+              <a:spcBef>
+                <a:spcPts val="0"/>
+              </a:spcBef>
+              <a:spcAft>
+                <a:spcPts val="0"/>
+              </a:spcAft>
+              <a:buNone/>
+            </a:pPr>
+            <a:r>
+              <a:rPr lang="es" sz="2000" b="1" dirty="0" smtClean="0">
+                <a:latin typeface="Open Sans"/>
+                <a:ea typeface="Open Sans"/>
+                <a:cs typeface="Open Sans"/>
+                <a:sym typeface="Open Sans"/>
+              </a:rPr>
+              <a:t>XUnit</a:t>
+            </a:r>
+            <a:endParaRPr sz="2000" b="1" dirty="0">
+              <a:latin typeface="Open Sans"/>
+              <a:ea typeface="Open Sans"/>
+              <a:cs typeface="Open Sans"/>
+              <a:sym typeface="Open Sans"/>
+            </a:endParaRPr>
+          </a:p>
+        </p:txBody>
+      </p:sp>
     </p:spTree>
   </p:cSld>
   <p:clrMapOvr>
     <a:masterClrMapping/>
   </p:clrMapOvr>
+  <p:timing>
+    <p:tnLst>
+      <p:par>
+        <p:cTn id="1" dur="indefinite" restart="never" nodeType="tmRoot"/>
+      </p:par>
+    </p:tnLst>
+  </p:timing>
 </p:sld>
 </file>
 
 <file path=ppt/slides/slide2.xml><?xml version="1.0" encoding="utf-8"?>
-<p:sld xmlns:a="http://schemas.openxmlformats.org/drawingml/2006/main" xmlns:r="http://schemas.openxmlformats.org/officeDocument/2006/relationships" xmlns:mc="http://schemas.openxmlformats.org/markup-compatibility/2006" xmlns:mv="urn:schemas-microsoft-com:mac:vml" xmlns:p="http://schemas.openxmlformats.org/presentationml/2006/main" xmlns:c="http://schemas.openxmlformats.org/drawingml/2006/chart" xmlns:dgm="http://schemas.openxmlformats.org/drawingml/2006/diagram" xmlns:o="urn:schemas-microsoft-com:office:office" xmlns:v="urn:schemas-microsoft-com:vml" xmlns:pvml="urn:schemas-microsoft-com:office:powerpoint" xmlns:com="http://schemas.openxmlformats.org/drawingml/2006/compatibility" xmlns:p14="http://schemas.microsoft.com/office/powerpoint/2010/main" xmlns:p15="http://schemas.microsoft.com/office/powerpoint/2012/main" xmlns:ahyp="http://schemas.microsoft.com/office/drawing/2018/hyperlinkcolor">
+<p:sld xmlns:a="http://schemas.openxmlformats.org/drawingml/2006/main" xmlns:r="http://schemas.openxmlformats.org/officeDocument/2006/relationships" xmlns:p="http://schemas.openxmlformats.org/presentationml/2006/main">
   <p:cSld>
     <p:spTree>
       <p:nvGrpSpPr>
-        <p:cNvPr id="69" name="Shape 69"/>
+        <p:cNvPr id="1" name="Shape 69"/>
         <p:cNvGrpSpPr/>
         <p:nvPr/>
       </p:nvGrpSpPr>
@@ -10788,7 +10738,9 @@
       <p:sp>
         <p:nvSpPr>
           <p:cNvPr id="70" name="Google Shape;70;p14"/>
-          <p:cNvSpPr txBox="1"/>
+          <p:cNvSpPr txBox="1">
+            <a:spLocks noGrp="1"/>
+          </p:cNvSpPr>
           <p:nvPr>
             <p:ph type="ctrTitle"/>
           </p:nvPr>
@@ -10803,12 +10755,12 @@
           </a:prstGeom>
         </p:spPr>
         <p:txBody>
-          <a:bodyPr anchorCtr="0" anchor="b" bIns="91425" lIns="91425" spcFirstLastPara="1" rIns="91425" wrap="square" tIns="91425">
+          <a:bodyPr spcFirstLastPara="1" wrap="square" lIns="91425" tIns="91425" rIns="91425" bIns="91425" anchor="b" anchorCtr="0">
             <a:normAutofit fontScale="90000"/>
           </a:bodyPr>
           <a:lstStyle/>
           <a:p>
-            <a:pPr indent="0" lvl="0" marL="0" rtl="0" algn="l">
+            <a:pPr marL="0" lvl="0" indent="0" algn="l" rtl="0">
               <a:spcBef>
                 <a:spcPts val="0"/>
               </a:spcBef>
@@ -10818,21 +10770,21 @@
               <a:buNone/>
             </a:pPr>
             <a:r>
-              <a:rPr b="1" lang="es" sz="6844">
+              <a:rPr lang="es" sz="6844" b="1">
                 <a:solidFill>
                   <a:schemeClr val="accent1"/>
                 </a:solidFill>
               </a:rPr>
               <a:t>Unit Testing</a:t>
             </a:r>
-            <a:endParaRPr b="1" sz="6844">
+            <a:endParaRPr sz="6844" b="1">
               <a:solidFill>
                 <a:schemeClr val="accent1"/>
               </a:solidFill>
             </a:endParaRPr>
           </a:p>
           <a:p>
-            <a:pPr indent="0" lvl="0" marL="0" rtl="0" algn="l">
+            <a:pPr marL="0" lvl="0" indent="0" algn="l" rtl="0">
               <a:spcBef>
                 <a:spcPts val="0"/>
               </a:spcBef>
@@ -10841,17 +10793,14 @@
               </a:spcAft>
               <a:buNone/>
             </a:pPr>
-            <a:r>
-              <a:t/>
-            </a:r>
-            <a:endParaRPr b="1" sz="1100">
+            <a:endParaRPr sz="1100" b="1">
               <a:solidFill>
                 <a:srgbClr val="EA9999"/>
               </a:solidFill>
             </a:endParaRPr>
           </a:p>
           <a:p>
-            <a:pPr indent="0" lvl="0" marL="0" rtl="0" algn="l">
+            <a:pPr marL="0" lvl="0" indent="0" algn="l" rtl="0">
               <a:spcBef>
                 <a:spcPts val="0"/>
               </a:spcBef>
@@ -10860,10 +10809,7 @@
               </a:spcAft>
               <a:buNone/>
             </a:pPr>
-            <a:r>
-              <a:t/>
-            </a:r>
-            <a:endParaRPr b="1" sz="1100">
+            <a:endParaRPr sz="1100" b="1">
               <a:solidFill>
                 <a:srgbClr val="EA9999"/>
               </a:solidFill>
@@ -10874,9 +10820,11 @@
       <p:sp>
         <p:nvSpPr>
           <p:cNvPr id="71" name="Google Shape;71;p14"/>
-          <p:cNvSpPr txBox="1"/>
+          <p:cNvSpPr txBox="1">
+            <a:spLocks noGrp="1"/>
+          </p:cNvSpPr>
           <p:nvPr>
-            <p:ph idx="1" type="subTitle"/>
+            <p:ph type="subTitle" idx="1"/>
           </p:nvPr>
         </p:nvSpPr>
         <p:spPr>
@@ -10889,12 +10837,12 @@
           </a:prstGeom>
         </p:spPr>
         <p:txBody>
-          <a:bodyPr anchorCtr="0" anchor="t" bIns="91425" lIns="91425" spcFirstLastPara="1" rIns="91425" wrap="square" tIns="91425">
+          <a:bodyPr spcFirstLastPara="1" wrap="square" lIns="91425" tIns="91425" rIns="91425" bIns="91425" anchor="t" anchorCtr="0">
             <a:normAutofit/>
           </a:bodyPr>
           <a:lstStyle/>
           <a:p>
-            <a:pPr indent="0" lvl="0" marL="0" rtl="0" algn="ctr">
+            <a:pPr marL="0" lvl="0" indent="0" algn="ctr" rtl="0">
               <a:spcBef>
                 <a:spcPts val="0"/>
               </a:spcBef>
@@ -10932,11 +10880,11 @@
 </file>
 
 <file path=ppt/slides/slide3.xml><?xml version="1.0" encoding="utf-8"?>
-<p:sld xmlns:a="http://schemas.openxmlformats.org/drawingml/2006/main" xmlns:r="http://schemas.openxmlformats.org/officeDocument/2006/relationships" xmlns:mc="http://schemas.openxmlformats.org/markup-compatibility/2006" xmlns:mv="urn:schemas-microsoft-com:mac:vml" xmlns:p="http://schemas.openxmlformats.org/presentationml/2006/main" xmlns:c="http://schemas.openxmlformats.org/drawingml/2006/chart" xmlns:dgm="http://schemas.openxmlformats.org/drawingml/2006/diagram" xmlns:o="urn:schemas-microsoft-com:office:office" xmlns:v="urn:schemas-microsoft-com:vml" xmlns:pvml="urn:schemas-microsoft-com:office:powerpoint" xmlns:com="http://schemas.openxmlformats.org/drawingml/2006/compatibility" xmlns:p14="http://schemas.microsoft.com/office/powerpoint/2010/main" xmlns:p15="http://schemas.microsoft.com/office/powerpoint/2012/main" xmlns:ahyp="http://schemas.microsoft.com/office/drawing/2018/hyperlinkcolor">
+<p:sld xmlns:a="http://schemas.openxmlformats.org/drawingml/2006/main" xmlns:r="http://schemas.openxmlformats.org/officeDocument/2006/relationships" xmlns:p="http://schemas.openxmlformats.org/presentationml/2006/main">
   <p:cSld>
     <p:spTree>
       <p:nvGrpSpPr>
-        <p:cNvPr id="75" name="Shape 75"/>
+        <p:cNvPr id="1" name="Shape 75"/>
         <p:cNvGrpSpPr/>
         <p:nvPr/>
       </p:nvGrpSpPr>
@@ -10951,7 +10899,9 @@
       <p:sp>
         <p:nvSpPr>
           <p:cNvPr id="76" name="Google Shape;76;p15"/>
-          <p:cNvSpPr txBox="1"/>
+          <p:cNvSpPr txBox="1">
+            <a:spLocks noGrp="1"/>
+          </p:cNvSpPr>
           <p:nvPr>
             <p:ph type="title"/>
           </p:nvPr>
@@ -10964,23 +10914,23 @@
           <a:prstGeom prst="rect">
             <a:avLst/>
           </a:prstGeom>
-          <a:ln cap="flat" cmpd="sng" w="9525">
+          <a:ln w="9525" cap="flat" cmpd="sng">
             <a:solidFill>
               <a:srgbClr val="A4C2F4"/>
             </a:solidFill>
             <a:prstDash val="solid"/>
             <a:round/>
-            <a:headEnd len="sm" w="sm" type="none"/>
-            <a:tailEnd len="sm" w="sm" type="none"/>
+            <a:headEnd type="none" w="sm" len="sm"/>
+            <a:tailEnd type="none" w="sm" len="sm"/>
           </a:ln>
         </p:spPr>
         <p:txBody>
-          <a:bodyPr anchorCtr="0" anchor="b" bIns="91425" lIns="91425" spcFirstLastPara="1" rIns="91425" wrap="square" tIns="91425">
+          <a:bodyPr spcFirstLastPara="1" wrap="square" lIns="91425" tIns="91425" rIns="91425" bIns="91425" anchor="b" anchorCtr="0">
             <a:normAutofit/>
           </a:bodyPr>
           <a:lstStyle/>
           <a:p>
-            <a:pPr indent="0" lvl="0" marL="0" rtl="0" algn="ctr">
+            <a:pPr marL="0" lvl="0" indent="0" algn="ctr" rtl="0">
               <a:spcBef>
                 <a:spcPts val="0"/>
               </a:spcBef>
@@ -11045,12 +10995,12 @@
           </a:ln>
         </p:spPr>
         <p:txBody>
-          <a:bodyPr anchorCtr="0" anchor="t" bIns="91425" lIns="91425" spcFirstLastPara="1" rIns="91425" wrap="square" tIns="91425">
+          <a:bodyPr spcFirstLastPara="1" wrap="square" lIns="91425" tIns="91425" rIns="91425" bIns="91425" anchor="t" anchorCtr="0">
             <a:spAutoFit/>
           </a:bodyPr>
           <a:lstStyle/>
           <a:p>
-            <a:pPr indent="0" lvl="0" marL="0" rtl="0" algn="ctr">
+            <a:pPr marL="0" lvl="0" indent="0" algn="ctr" rtl="0">
               <a:lnSpc>
                 <a:spcPct val="150000"/>
               </a:lnSpc>
@@ -11083,7 +11033,7 @@
               <a:t>Las </a:t>
             </a:r>
             <a:r>
-              <a:rPr b="1" lang="es" sz="1600">
+              <a:rPr lang="es" sz="1600" b="1">
                 <a:solidFill>
                   <a:srgbClr val="5C6370"/>
                 </a:solidFill>
@@ -11098,7 +11048,7 @@
               <a:t>pruebas unitarias o </a:t>
             </a:r>
             <a:r>
-              <a:rPr b="1" i="1" lang="es" sz="1600">
+              <a:rPr lang="es" sz="1600" b="1" i="1">
                 <a:solidFill>
                   <a:srgbClr val="5C6370"/>
                 </a:solidFill>
@@ -11145,11 +11095,11 @@
 </file>
 
 <file path=ppt/slides/slide4.xml><?xml version="1.0" encoding="utf-8"?>
-<p:sld xmlns:a="http://schemas.openxmlformats.org/drawingml/2006/main" xmlns:r="http://schemas.openxmlformats.org/officeDocument/2006/relationships" xmlns:mc="http://schemas.openxmlformats.org/markup-compatibility/2006" xmlns:mv="urn:schemas-microsoft-com:mac:vml" xmlns:p="http://schemas.openxmlformats.org/presentationml/2006/main" xmlns:c="http://schemas.openxmlformats.org/drawingml/2006/chart" xmlns:dgm="http://schemas.openxmlformats.org/drawingml/2006/diagram" xmlns:o="urn:schemas-microsoft-com:office:office" xmlns:v="urn:schemas-microsoft-com:vml" xmlns:pvml="urn:schemas-microsoft-com:office:powerpoint" xmlns:com="http://schemas.openxmlformats.org/drawingml/2006/compatibility" xmlns:p14="http://schemas.microsoft.com/office/powerpoint/2010/main" xmlns:p15="http://schemas.microsoft.com/office/powerpoint/2012/main" xmlns:ahyp="http://schemas.microsoft.com/office/drawing/2018/hyperlinkcolor">
+<p:sld xmlns:a="http://schemas.openxmlformats.org/drawingml/2006/main" xmlns:r="http://schemas.openxmlformats.org/officeDocument/2006/relationships" xmlns:p="http://schemas.openxmlformats.org/presentationml/2006/main">
   <p:cSld>
     <p:spTree>
       <p:nvGrpSpPr>
-        <p:cNvPr id="82" name="Shape 82"/>
+        <p:cNvPr id="1" name="Shape 82"/>
         <p:cNvGrpSpPr/>
         <p:nvPr/>
       </p:nvGrpSpPr>
@@ -11164,7 +11114,9 @@
       <p:sp>
         <p:nvSpPr>
           <p:cNvPr id="83" name="Google Shape;83;p16"/>
-          <p:cNvSpPr txBox="1"/>
+          <p:cNvSpPr txBox="1">
+            <a:spLocks noGrp="1"/>
+          </p:cNvSpPr>
           <p:nvPr>
             <p:ph type="title"/>
           </p:nvPr>
@@ -11177,23 +11129,23 @@
           <a:prstGeom prst="rect">
             <a:avLst/>
           </a:prstGeom>
-          <a:ln cap="flat" cmpd="sng" w="9525">
+          <a:ln w="9525" cap="flat" cmpd="sng">
             <a:solidFill>
               <a:srgbClr val="EA9999"/>
             </a:solidFill>
             <a:prstDash val="solid"/>
             <a:round/>
-            <a:headEnd len="sm" w="sm" type="none"/>
-            <a:tailEnd len="sm" w="sm" type="none"/>
+            <a:headEnd type="none" w="sm" len="sm"/>
+            <a:tailEnd type="none" w="sm" len="sm"/>
           </a:ln>
         </p:spPr>
         <p:txBody>
-          <a:bodyPr anchorCtr="0" anchor="b" bIns="91425" lIns="91425" spcFirstLastPara="1" rIns="91425" wrap="square" tIns="91425">
+          <a:bodyPr spcFirstLastPara="1" wrap="square" lIns="91425" tIns="91425" rIns="91425" bIns="91425" anchor="b" anchorCtr="0">
             <a:normAutofit/>
           </a:bodyPr>
           <a:lstStyle/>
           <a:p>
-            <a:pPr indent="0" lvl="0" marL="0" rtl="0" algn="ctr">
+            <a:pPr marL="0" lvl="0" indent="0" algn="ctr" rtl="0">
               <a:spcBef>
                 <a:spcPts val="0"/>
               </a:spcBef>
@@ -11213,9 +11165,11 @@
       <p:sp>
         <p:nvSpPr>
           <p:cNvPr id="84" name="Google Shape;84;p16"/>
-          <p:cNvSpPr txBox="1"/>
+          <p:cNvSpPr txBox="1">
+            <a:spLocks noGrp="1"/>
+          </p:cNvSpPr>
           <p:nvPr>
-            <p:ph idx="1" type="body"/>
+            <p:ph type="body" idx="1"/>
           </p:nvPr>
         </p:nvSpPr>
         <p:spPr>
@@ -11229,12 +11183,12 @@
           <a:noFill/>
         </p:spPr>
         <p:txBody>
-          <a:bodyPr anchorCtr="0" anchor="t" bIns="91425" lIns="91425" spcFirstLastPara="1" rIns="91425" wrap="square" tIns="91425">
+          <a:bodyPr spcFirstLastPara="1" wrap="square" lIns="91425" tIns="91425" rIns="91425" bIns="91425" anchor="t" anchorCtr="0">
             <a:noAutofit/>
           </a:bodyPr>
           <a:lstStyle/>
           <a:p>
-            <a:pPr indent="-342900" lvl="0" marL="457200" rtl="0" algn="l">
+            <a:pPr marL="457200" lvl="0" indent="-342900" algn="l" rtl="0">
               <a:spcBef>
                 <a:spcPts val="0"/>
               </a:spcBef>
@@ -11251,7 +11205,7 @@
             <a:endParaRPr/>
           </a:p>
           <a:p>
-            <a:pPr indent="-342900" lvl="0" marL="457200" rtl="0" algn="l">
+            <a:pPr marL="457200" lvl="0" indent="-342900" algn="l" rtl="0">
               <a:spcBef>
                 <a:spcPts val="0"/>
               </a:spcBef>
@@ -11268,7 +11222,7 @@
             <a:endParaRPr/>
           </a:p>
           <a:p>
-            <a:pPr indent="-342900" lvl="0" marL="457200" rtl="0" algn="l">
+            <a:pPr marL="457200" lvl="0" indent="-342900" algn="l" rtl="0">
               <a:spcBef>
                 <a:spcPts val="0"/>
               </a:spcBef>
@@ -11285,7 +11239,7 @@
             <a:endParaRPr/>
           </a:p>
           <a:p>
-            <a:pPr indent="-342900" lvl="0" marL="457200" rtl="0" algn="l">
+            <a:pPr marL="457200" lvl="0" indent="-342900" algn="l" rtl="0">
               <a:spcBef>
                 <a:spcPts val="0"/>
               </a:spcBef>
@@ -11302,7 +11256,7 @@
             <a:endParaRPr/>
           </a:p>
           <a:p>
-            <a:pPr indent="-342900" lvl="0" marL="457200" rtl="0" algn="l">
+            <a:pPr marL="457200" lvl="0" indent="-342900" algn="l" rtl="0">
               <a:spcBef>
                 <a:spcPts val="0"/>
               </a:spcBef>
@@ -11319,7 +11273,7 @@
             <a:endParaRPr/>
           </a:p>
           <a:p>
-            <a:pPr indent="-342900" lvl="0" marL="457200" rtl="0" algn="l">
+            <a:pPr marL="457200" lvl="0" indent="-342900" algn="l" rtl="0">
               <a:spcBef>
                 <a:spcPts val="0"/>
               </a:spcBef>
@@ -11344,7 +11298,7 @@
             </a:endParaRPr>
           </a:p>
           <a:p>
-            <a:pPr indent="0" lvl="0" marL="0" rtl="0" algn="l">
+            <a:pPr marL="0" lvl="0" indent="0" algn="l" rtl="0">
               <a:spcBef>
                 <a:spcPts val="0"/>
               </a:spcBef>
@@ -11353,9 +11307,6 @@
               </a:spcAft>
               <a:buNone/>
             </a:pPr>
-            <a:r>
-              <a:t/>
-            </a:r>
             <a:endParaRPr sz="2100">
               <a:highlight>
                 <a:srgbClr val="FFFFFF"/>
@@ -11377,11 +11328,11 @@
 </file>
 
 <file path=ppt/slides/slide5.xml><?xml version="1.0" encoding="utf-8"?>
-<p:sld xmlns:a="http://schemas.openxmlformats.org/drawingml/2006/main" xmlns:r="http://schemas.openxmlformats.org/officeDocument/2006/relationships" xmlns:mc="http://schemas.openxmlformats.org/markup-compatibility/2006" xmlns:mv="urn:schemas-microsoft-com:mac:vml" xmlns:p="http://schemas.openxmlformats.org/presentationml/2006/main" xmlns:c="http://schemas.openxmlformats.org/drawingml/2006/chart" xmlns:dgm="http://schemas.openxmlformats.org/drawingml/2006/diagram" xmlns:o="urn:schemas-microsoft-com:office:office" xmlns:v="urn:schemas-microsoft-com:vml" xmlns:pvml="urn:schemas-microsoft-com:office:powerpoint" xmlns:com="http://schemas.openxmlformats.org/drawingml/2006/compatibility" xmlns:p14="http://schemas.microsoft.com/office/powerpoint/2010/main" xmlns:p15="http://schemas.microsoft.com/office/powerpoint/2012/main" xmlns:ahyp="http://schemas.microsoft.com/office/drawing/2018/hyperlinkcolor">
+<p:sld xmlns:a="http://schemas.openxmlformats.org/drawingml/2006/main" xmlns:r="http://schemas.openxmlformats.org/officeDocument/2006/relationships" xmlns:p="http://schemas.openxmlformats.org/presentationml/2006/main">
   <p:cSld>
     <p:spTree>
       <p:nvGrpSpPr>
-        <p:cNvPr id="88" name="Shape 88"/>
+        <p:cNvPr id="1" name="Shape 88"/>
         <p:cNvGrpSpPr/>
         <p:nvPr/>
       </p:nvGrpSpPr>
@@ -11396,7 +11347,9 @@
       <p:sp>
         <p:nvSpPr>
           <p:cNvPr id="89" name="Google Shape;89;p17"/>
-          <p:cNvSpPr txBox="1"/>
+          <p:cNvSpPr txBox="1">
+            <a:spLocks noGrp="1"/>
+          </p:cNvSpPr>
           <p:nvPr>
             <p:ph type="title"/>
           </p:nvPr>
@@ -11411,12 +11364,12 @@
           </a:prstGeom>
         </p:spPr>
         <p:txBody>
-          <a:bodyPr anchorCtr="0" anchor="b" bIns="91425" lIns="91425" spcFirstLastPara="1" rIns="91425" wrap="square" tIns="91425">
+          <a:bodyPr spcFirstLastPara="1" wrap="square" lIns="91425" tIns="91425" rIns="91425" bIns="91425" anchor="b" anchorCtr="0">
             <a:normAutofit/>
           </a:bodyPr>
           <a:lstStyle/>
           <a:p>
-            <a:pPr indent="0" lvl="0" marL="0" rtl="0" algn="ctr">
+            <a:pPr marL="0" lvl="0" indent="0" algn="ctr" rtl="0">
               <a:spcBef>
                 <a:spcPts val="0"/>
               </a:spcBef>
@@ -11436,9 +11389,11 @@
       <p:sp>
         <p:nvSpPr>
           <p:cNvPr id="90" name="Google Shape;90;p17"/>
-          <p:cNvSpPr txBox="1"/>
+          <p:cNvSpPr txBox="1">
+            <a:spLocks noGrp="1"/>
+          </p:cNvSpPr>
           <p:nvPr>
-            <p:ph idx="1" type="body"/>
+            <p:ph type="body" idx="1"/>
           </p:nvPr>
         </p:nvSpPr>
         <p:spPr>
@@ -11452,12 +11407,12 @@
           <a:noFill/>
         </p:spPr>
         <p:txBody>
-          <a:bodyPr anchorCtr="0" anchor="t" bIns="91425" lIns="91425" spcFirstLastPara="1" rIns="91425" wrap="square" tIns="91425">
+          <a:bodyPr spcFirstLastPara="1" wrap="square" lIns="91425" tIns="91425" rIns="91425" bIns="91425" anchor="t" anchorCtr="0">
             <a:noAutofit/>
           </a:bodyPr>
           <a:lstStyle/>
           <a:p>
-            <a:pPr indent="-355600" lvl="0" marL="1371600" rtl="0" algn="l">
+            <a:pPr marL="1371600" lvl="0" indent="-355600" algn="l" rtl="0">
               <a:spcBef>
                 <a:spcPts val="0"/>
               </a:spcBef>
@@ -11506,7 +11461,7 @@
             </a:endParaRPr>
           </a:p>
           <a:p>
-            <a:pPr indent="-355600" lvl="0" marL="1371600" rtl="0" algn="l">
+            <a:pPr marL="1371600" lvl="0" indent="-355600" algn="l" rtl="0">
               <a:spcBef>
                 <a:spcPts val="0"/>
               </a:spcBef>
@@ -11543,7 +11498,7 @@
             </a:endParaRPr>
           </a:p>
           <a:p>
-            <a:pPr indent="-355600" lvl="0" marL="1371600" rtl="0" algn="l">
+            <a:pPr marL="1371600" lvl="0" indent="-355600" algn="l" rtl="0">
               <a:spcBef>
                 <a:spcPts val="0"/>
               </a:spcBef>
@@ -11580,7 +11535,7 @@
             </a:endParaRPr>
           </a:p>
           <a:p>
-            <a:pPr indent="0" lvl="0" marL="457200" rtl="0" algn="l">
+            <a:pPr marL="457200" lvl="0" indent="0" algn="l" rtl="0">
               <a:spcBef>
                 <a:spcPts val="3700"/>
               </a:spcBef>
@@ -11589,9 +11544,6 @@
               </a:spcAft>
               <a:buNone/>
             </a:pPr>
-            <a:r>
-              <a:t/>
-            </a:r>
             <a:endParaRPr>
               <a:solidFill>
                 <a:srgbClr val="404040"/>
@@ -11644,11 +11596,11 @@
 </file>
 
 <file path=ppt/slides/slide6.xml><?xml version="1.0" encoding="utf-8"?>
-<p:sld xmlns:a="http://schemas.openxmlformats.org/drawingml/2006/main" xmlns:r="http://schemas.openxmlformats.org/officeDocument/2006/relationships" xmlns:mc="http://schemas.openxmlformats.org/markup-compatibility/2006" xmlns:mv="urn:schemas-microsoft-com:mac:vml" xmlns:p="http://schemas.openxmlformats.org/presentationml/2006/main" xmlns:c="http://schemas.openxmlformats.org/drawingml/2006/chart" xmlns:dgm="http://schemas.openxmlformats.org/drawingml/2006/diagram" xmlns:o="urn:schemas-microsoft-com:office:office" xmlns:v="urn:schemas-microsoft-com:vml" xmlns:pvml="urn:schemas-microsoft-com:office:powerpoint" xmlns:com="http://schemas.openxmlformats.org/drawingml/2006/compatibility" xmlns:p14="http://schemas.microsoft.com/office/powerpoint/2010/main" xmlns:p15="http://schemas.microsoft.com/office/powerpoint/2012/main" xmlns:ahyp="http://schemas.microsoft.com/office/drawing/2018/hyperlinkcolor">
+<p:sld xmlns:a="http://schemas.openxmlformats.org/drawingml/2006/main" xmlns:r="http://schemas.openxmlformats.org/officeDocument/2006/relationships" xmlns:p="http://schemas.openxmlformats.org/presentationml/2006/main">
   <p:cSld>
     <p:spTree>
       <p:nvGrpSpPr>
-        <p:cNvPr id="95" name="Shape 95"/>
+        <p:cNvPr id="1" name="Shape 95"/>
         <p:cNvGrpSpPr/>
         <p:nvPr/>
       </p:nvGrpSpPr>
@@ -11677,23 +11629,23 @@
           <a:solidFill>
             <a:srgbClr val="B4A7D6"/>
           </a:solidFill>
-          <a:ln cap="flat" cmpd="sng" w="9525">
+          <a:ln w="9525" cap="flat" cmpd="sng">
             <a:solidFill>
               <a:schemeClr val="dk2"/>
             </a:solidFill>
             <a:prstDash val="solid"/>
             <a:round/>
-            <a:headEnd len="sm" w="sm" type="none"/>
-            <a:tailEnd len="sm" w="sm" type="none"/>
+            <a:headEnd type="none" w="sm" len="sm"/>
+            <a:tailEnd type="none" w="sm" len="sm"/>
           </a:ln>
         </p:spPr>
         <p:txBody>
-          <a:bodyPr anchorCtr="0" anchor="ctr" bIns="91425" lIns="91425" spcFirstLastPara="1" rIns="91425" wrap="square" tIns="91425">
+          <a:bodyPr spcFirstLastPara="1" wrap="square" lIns="91425" tIns="91425" rIns="91425" bIns="91425" anchor="ctr" anchorCtr="0">
             <a:noAutofit/>
           </a:bodyPr>
           <a:lstStyle/>
           <a:p>
-            <a:pPr indent="0" lvl="0" marL="0" rtl="0" algn="ctr">
+            <a:pPr marL="0" lvl="0" indent="0" algn="ctr" rtl="0">
               <a:spcBef>
                 <a:spcPts val="0"/>
               </a:spcBef>
@@ -11735,23 +11687,23 @@
           <a:solidFill>
             <a:srgbClr val="A4C2F4"/>
           </a:solidFill>
-          <a:ln cap="flat" cmpd="sng" w="9525">
+          <a:ln w="9525" cap="flat" cmpd="sng">
             <a:solidFill>
               <a:schemeClr val="dk2"/>
             </a:solidFill>
             <a:prstDash val="solid"/>
             <a:round/>
-            <a:headEnd len="sm" w="sm" type="none"/>
-            <a:tailEnd len="sm" w="sm" type="none"/>
+            <a:headEnd type="none" w="sm" len="sm"/>
+            <a:tailEnd type="none" w="sm" len="sm"/>
           </a:ln>
         </p:spPr>
         <p:txBody>
-          <a:bodyPr anchorCtr="0" anchor="ctr" bIns="91425" lIns="91425" spcFirstLastPara="1" rIns="91425" wrap="square" tIns="91425">
+          <a:bodyPr spcFirstLastPara="1" wrap="square" lIns="91425" tIns="91425" rIns="91425" bIns="91425" anchor="ctr" anchorCtr="0">
             <a:noAutofit/>
           </a:bodyPr>
           <a:lstStyle/>
           <a:p>
-            <a:pPr indent="0" lvl="0" marL="0" rtl="0" algn="ctr">
+            <a:pPr marL="0" lvl="0" indent="0" algn="ctr" rtl="0">
               <a:spcBef>
                 <a:spcPts val="0"/>
               </a:spcBef>
@@ -11793,23 +11745,23 @@
           <a:solidFill>
             <a:srgbClr val="93C47D"/>
           </a:solidFill>
-          <a:ln cap="flat" cmpd="sng" w="9525">
+          <a:ln w="9525" cap="flat" cmpd="sng">
             <a:solidFill>
               <a:schemeClr val="dk2"/>
             </a:solidFill>
             <a:prstDash val="solid"/>
             <a:round/>
-            <a:headEnd len="sm" w="sm" type="none"/>
-            <a:tailEnd len="sm" w="sm" type="none"/>
+            <a:headEnd type="none" w="sm" len="sm"/>
+            <a:tailEnd type="none" w="sm" len="sm"/>
           </a:ln>
         </p:spPr>
         <p:txBody>
-          <a:bodyPr anchorCtr="0" anchor="ctr" bIns="91425" lIns="91425" spcFirstLastPara="1" rIns="91425" wrap="square" tIns="91425">
+          <a:bodyPr spcFirstLastPara="1" wrap="square" lIns="91425" tIns="91425" rIns="91425" bIns="91425" anchor="ctr" anchorCtr="0">
             <a:noAutofit/>
           </a:bodyPr>
           <a:lstStyle/>
           <a:p>
-            <a:pPr indent="0" lvl="0" marL="0" rtl="0" algn="ctr">
+            <a:pPr marL="0" lvl="0" indent="0" algn="ctr" rtl="0">
               <a:spcBef>
                 <a:spcPts val="0"/>
               </a:spcBef>
@@ -11851,23 +11803,23 @@
           <a:solidFill>
             <a:srgbClr val="FFD966"/>
           </a:solidFill>
-          <a:ln cap="flat" cmpd="sng" w="9525">
+          <a:ln w="9525" cap="flat" cmpd="sng">
             <a:solidFill>
               <a:schemeClr val="dk2"/>
             </a:solidFill>
             <a:prstDash val="solid"/>
             <a:round/>
-            <a:headEnd len="sm" w="sm" type="none"/>
-            <a:tailEnd len="sm" w="sm" type="none"/>
+            <a:headEnd type="none" w="sm" len="sm"/>
+            <a:tailEnd type="none" w="sm" len="sm"/>
           </a:ln>
         </p:spPr>
         <p:txBody>
-          <a:bodyPr anchorCtr="0" anchor="ctr" bIns="91425" lIns="91425" spcFirstLastPara="1" rIns="91425" wrap="square" tIns="91425">
+          <a:bodyPr spcFirstLastPara="1" wrap="square" lIns="91425" tIns="91425" rIns="91425" bIns="91425" anchor="ctr" anchorCtr="0">
             <a:noAutofit/>
           </a:bodyPr>
           <a:lstStyle/>
           <a:p>
-            <a:pPr indent="0" lvl="0" marL="0" rtl="0" algn="ctr">
+            <a:pPr marL="0" lvl="0" indent="0" algn="ctr" rtl="0">
               <a:spcBef>
                 <a:spcPts val="0"/>
               </a:spcBef>
@@ -11909,23 +11861,23 @@
           <a:solidFill>
             <a:srgbClr val="A2C4C9"/>
           </a:solidFill>
-          <a:ln cap="flat" cmpd="sng" w="9525">
+          <a:ln w="9525" cap="flat" cmpd="sng">
             <a:solidFill>
               <a:schemeClr val="dk2"/>
             </a:solidFill>
             <a:prstDash val="solid"/>
             <a:round/>
-            <a:headEnd len="sm" w="sm" type="none"/>
-            <a:tailEnd len="sm" w="sm" type="none"/>
+            <a:headEnd type="none" w="sm" len="sm"/>
+            <a:tailEnd type="none" w="sm" len="sm"/>
           </a:ln>
         </p:spPr>
         <p:txBody>
-          <a:bodyPr anchorCtr="0" anchor="ctr" bIns="91425" lIns="91425" spcFirstLastPara="1" rIns="91425" wrap="square" tIns="91425">
+          <a:bodyPr spcFirstLastPara="1" wrap="square" lIns="91425" tIns="91425" rIns="91425" bIns="91425" anchor="ctr" anchorCtr="0">
             <a:noAutofit/>
           </a:bodyPr>
           <a:lstStyle/>
           <a:p>
-            <a:pPr indent="0" lvl="0" marL="0" rtl="0" algn="ctr">
+            <a:pPr marL="0" lvl="0" indent="0" algn="ctr" rtl="0">
               <a:spcBef>
                 <a:spcPts val="0"/>
               </a:spcBef>
@@ -11935,14 +11887,14 @@
               <a:buNone/>
             </a:pPr>
             <a:r>
-              <a:rPr b="1" lang="es" sz="1200">
+              <a:rPr lang="es" sz="1200" b="1">
                 <a:solidFill>
                   <a:schemeClr val="dk1"/>
                 </a:solidFill>
               </a:rPr>
               <a:t>Ejecutar Unit Testing</a:t>
             </a:r>
-            <a:endParaRPr b="1" sz="1200">
+            <a:endParaRPr sz="1200" b="1">
               <a:solidFill>
                 <a:schemeClr val="dk1"/>
               </a:solidFill>
@@ -11967,23 +11919,23 @@
           <a:solidFill>
             <a:srgbClr val="E06666"/>
           </a:solidFill>
-          <a:ln cap="flat" cmpd="sng" w="9525">
+          <a:ln w="9525" cap="flat" cmpd="sng">
             <a:solidFill>
               <a:schemeClr val="dk2"/>
             </a:solidFill>
             <a:prstDash val="solid"/>
             <a:round/>
-            <a:headEnd len="sm" w="sm" type="none"/>
-            <a:tailEnd len="sm" w="sm" type="none"/>
+            <a:headEnd type="none" w="sm" len="sm"/>
+            <a:tailEnd type="none" w="sm" len="sm"/>
           </a:ln>
         </p:spPr>
         <p:txBody>
-          <a:bodyPr anchorCtr="0" anchor="ctr" bIns="91425" lIns="91425" spcFirstLastPara="1" rIns="91425" wrap="square" tIns="91425">
+          <a:bodyPr spcFirstLastPara="1" wrap="square" lIns="91425" tIns="91425" rIns="91425" bIns="91425" anchor="ctr" anchorCtr="0">
             <a:noAutofit/>
           </a:bodyPr>
           <a:lstStyle/>
           <a:p>
-            <a:pPr indent="0" lvl="0" marL="0" rtl="0" algn="ctr">
+            <a:pPr marL="0" lvl="0" indent="0" algn="ctr" rtl="0">
               <a:spcBef>
                 <a:spcPts val="0"/>
               </a:spcBef>
@@ -11998,23 +11950,7 @@
                   <a:schemeClr val="dk1"/>
                 </a:solidFill>
               </a:rPr>
-              <a:t>Push del </a:t>
-            </a:r>
-            <a:r>
-              <a:rPr lang="es" sz="1200">
-                <a:solidFill>
-                  <a:schemeClr val="dk1"/>
-                </a:solidFill>
-              </a:rPr>
-              <a:t>código</a:t>
-            </a:r>
-            <a:r>
-              <a:rPr lang="es" sz="1200">
-                <a:solidFill>
-                  <a:schemeClr val="dk1"/>
-                </a:solidFill>
-              </a:rPr>
-              <a:t> al repositorio</a:t>
+              <a:t>Push del código al repositorio</a:t>
             </a:r>
             <a:endParaRPr sz="1200">
               <a:solidFill>
@@ -12040,19 +11976,19 @@
           </a:xfrm>
           <a:prstGeom prst="curvedConnector4">
             <a:avLst>
-              <a:gd fmla="val -201459" name="adj1"/>
-              <a:gd fmla="val 90303" name="adj2"/>
+              <a:gd name="adj1" fmla="val -201459"/>
+              <a:gd name="adj2" fmla="val 90303"/>
             </a:avLst>
           </a:prstGeom>
           <a:noFill/>
-          <a:ln cap="flat" cmpd="sng" w="28575">
+          <a:ln w="28575" cap="flat" cmpd="sng">
             <a:solidFill>
               <a:srgbClr val="DD7E6B"/>
             </a:solidFill>
             <a:prstDash val="solid"/>
             <a:round/>
-            <a:headEnd len="med" w="med" type="none"/>
-            <a:tailEnd len="med" w="med" type="stealth"/>
+            <a:headEnd type="none" w="med" len="med"/>
+            <a:tailEnd type="stealth" w="med" len="med"/>
           </a:ln>
         </p:spPr>
       </p:cxnSp>
@@ -12072,18 +12008,18 @@
           </a:xfrm>
           <a:prstGeom prst="curvedConnector3">
             <a:avLst>
-              <a:gd fmla="val 102574" name="adj1"/>
+              <a:gd name="adj1" fmla="val 102574"/>
             </a:avLst>
           </a:prstGeom>
           <a:noFill/>
-          <a:ln cap="flat" cmpd="sng" w="28575">
+          <a:ln w="28575" cap="flat" cmpd="sng">
             <a:solidFill>
               <a:srgbClr val="DD7E6B"/>
             </a:solidFill>
             <a:prstDash val="solid"/>
             <a:round/>
-            <a:headEnd len="med" w="med" type="none"/>
-            <a:tailEnd len="med" w="med" type="stealth"/>
+            <a:headEnd type="none" w="med" len="med"/>
+            <a:tailEnd type="stealth" w="med" len="med"/>
           </a:ln>
         </p:spPr>
       </p:cxnSp>
@@ -12097,24 +12033,24 @@
           <p:nvPr/>
         </p:nvCxnSpPr>
         <p:spPr>
-          <a:xfrm flipH="1" rot="10800000">
+          <a:xfrm rot="10800000" flipH="1">
             <a:off x="2068900" y="1550850"/>
             <a:ext cx="161700" cy="1677000"/>
           </a:xfrm>
           <a:prstGeom prst="curvedConnector3">
             <a:avLst>
-              <a:gd fmla="val -147263" name="adj1"/>
+              <a:gd name="adj1" fmla="val -147263"/>
             </a:avLst>
           </a:prstGeom>
           <a:noFill/>
-          <a:ln cap="flat" cmpd="sng" w="28575">
+          <a:ln w="28575" cap="flat" cmpd="sng">
             <a:solidFill>
               <a:srgbClr val="DD7E6B"/>
             </a:solidFill>
             <a:prstDash val="solid"/>
             <a:round/>
-            <a:headEnd len="med" w="med" type="none"/>
-            <a:tailEnd len="med" w="med" type="stealth"/>
+            <a:headEnd type="none" w="med" len="med"/>
+            <a:tailEnd type="stealth" w="med" len="med"/>
           </a:ln>
         </p:spPr>
       </p:cxnSp>
@@ -12134,18 +12070,18 @@
           </a:xfrm>
           <a:prstGeom prst="curvedConnector3">
             <a:avLst>
-              <a:gd fmla="val 125880" name="adj1"/>
+              <a:gd name="adj1" fmla="val 125880"/>
             </a:avLst>
           </a:prstGeom>
           <a:noFill/>
-          <a:ln cap="flat" cmpd="sng" w="28575">
+          <a:ln w="28575" cap="flat" cmpd="sng">
             <a:solidFill>
               <a:srgbClr val="E06666"/>
             </a:solidFill>
             <a:prstDash val="solid"/>
             <a:round/>
-            <a:headEnd len="med" w="med" type="none"/>
-            <a:tailEnd len="med" w="med" type="stealth"/>
+            <a:headEnd type="none" w="med" len="med"/>
+            <a:tailEnd type="stealth" w="med" len="med"/>
           </a:ln>
         </p:spPr>
       </p:cxnSp>
@@ -12166,23 +12102,23 @@
           <a:solidFill>
             <a:schemeClr val="lt2"/>
           </a:solidFill>
-          <a:ln cap="flat" cmpd="sng" w="9525">
+          <a:ln w="9525" cap="flat" cmpd="sng">
             <a:solidFill>
               <a:schemeClr val="dk2"/>
             </a:solidFill>
             <a:prstDash val="solid"/>
             <a:round/>
-            <a:headEnd len="sm" w="sm" type="none"/>
-            <a:tailEnd len="sm" w="sm" type="none"/>
+            <a:headEnd type="none" w="sm" len="sm"/>
+            <a:tailEnd type="none" w="sm" len="sm"/>
           </a:ln>
         </p:spPr>
         <p:txBody>
-          <a:bodyPr anchorCtr="0" anchor="ctr" bIns="91425" lIns="91425" spcFirstLastPara="1" rIns="91425" wrap="square" tIns="91425">
+          <a:bodyPr spcFirstLastPara="1" wrap="square" lIns="91425" tIns="91425" rIns="91425" bIns="91425" anchor="ctr" anchorCtr="0">
             <a:noAutofit/>
           </a:bodyPr>
           <a:lstStyle/>
           <a:p>
-            <a:pPr indent="0" lvl="0" marL="0" rtl="0" algn="ctr">
+            <a:pPr marL="0" lvl="0" indent="0" algn="ctr" rtl="0">
               <a:spcBef>
                 <a:spcPts val="0"/>
               </a:spcBef>
@@ -12196,9 +12132,6 @@
               <a:buFont typeface="Arial"/>
               <a:buNone/>
             </a:pPr>
-            <a:r>
-              <a:t/>
-            </a:r>
             <a:endParaRPr>
               <a:solidFill>
                 <a:schemeClr val="dk1"/>
@@ -12206,7 +12139,7 @@
             </a:endParaRPr>
           </a:p>
           <a:p>
-            <a:pPr indent="0" lvl="0" marL="0" rtl="0" algn="ctr">
+            <a:pPr marL="0" lvl="0" indent="0" algn="ctr" rtl="0">
               <a:spcBef>
                 <a:spcPts val="0"/>
               </a:spcBef>
@@ -12231,7 +12164,7 @@
             <a:endParaRPr/>
           </a:p>
           <a:p>
-            <a:pPr indent="0" lvl="0" marL="0" rtl="0" algn="ctr">
+            <a:pPr marL="0" lvl="0" indent="0" algn="ctr" rtl="0">
               <a:spcBef>
                 <a:spcPts val="0"/>
               </a:spcBef>
@@ -12247,7 +12180,7 @@
             <a:endParaRPr/>
           </a:p>
           <a:p>
-            <a:pPr indent="0" lvl="0" marL="0" rtl="0" algn="l">
+            <a:pPr marL="0" lvl="0" indent="0" algn="l" rtl="0">
               <a:spcBef>
                 <a:spcPts val="0"/>
               </a:spcBef>
@@ -12256,9 +12189,6 @@
               </a:spcAft>
               <a:buNone/>
             </a:pPr>
-            <a:r>
-              <a:t/>
-            </a:r>
             <a:endParaRPr/>
           </a:p>
         </p:txBody>
@@ -12273,24 +12203,24 @@
           <p:nvPr/>
         </p:nvCxnSpPr>
         <p:spPr>
-          <a:xfrm flipH="1" rot="5400000">
+          <a:xfrm rot="5400000" flipH="1">
             <a:off x="3028724" y="3567033"/>
             <a:ext cx="778800" cy="1412700"/>
           </a:xfrm>
           <a:prstGeom prst="curvedConnector3">
             <a:avLst>
-              <a:gd fmla="val 4463" name="adj1"/>
+              <a:gd name="adj1" fmla="val 4463"/>
             </a:avLst>
           </a:prstGeom>
           <a:noFill/>
-          <a:ln cap="flat" cmpd="sng" w="28575">
+          <a:ln w="28575" cap="flat" cmpd="sng">
             <a:solidFill>
               <a:srgbClr val="DD7E6B"/>
             </a:solidFill>
             <a:prstDash val="solid"/>
             <a:round/>
-            <a:headEnd len="med" w="med" type="none"/>
-            <a:tailEnd len="med" w="med" type="stealth"/>
+            <a:headEnd type="none" w="med" len="med"/>
+            <a:tailEnd type="stealth" w="med" len="med"/>
           </a:ln>
         </p:spPr>
       </p:cxnSp>
@@ -12304,24 +12234,24 @@
           <p:nvPr/>
         </p:nvCxnSpPr>
         <p:spPr>
-          <a:xfrm flipH="1" rot="-5400000">
+          <a:xfrm rot="-5400000" flipH="1">
             <a:off x="5367399" y="-8683"/>
             <a:ext cx="562500" cy="1244100"/>
           </a:xfrm>
           <a:prstGeom prst="curvedConnector3">
             <a:avLst>
-              <a:gd fmla="val -5541" name="adj1"/>
+              <a:gd name="adj1" fmla="val -5541"/>
             </a:avLst>
           </a:prstGeom>
           <a:noFill/>
-          <a:ln cap="flat" cmpd="sng" w="28575">
+          <a:ln w="28575" cap="flat" cmpd="sng">
             <a:solidFill>
               <a:srgbClr val="DD7E6B"/>
             </a:solidFill>
             <a:prstDash val="solid"/>
             <a:round/>
-            <a:headEnd len="med" w="med" type="none"/>
-            <a:tailEnd len="med" w="med" type="stealth"/>
+            <a:headEnd type="none" w="med" len="med"/>
+            <a:tailEnd type="stealth" w="med" len="med"/>
           </a:ln>
         </p:spPr>
       </p:cxnSp>
@@ -12334,11 +12264,11 @@
 </file>
 
 <file path=ppt/slides/slide7.xml><?xml version="1.0" encoding="utf-8"?>
-<p:sld xmlns:a="http://schemas.openxmlformats.org/drawingml/2006/main" xmlns:r="http://schemas.openxmlformats.org/officeDocument/2006/relationships" xmlns:mc="http://schemas.openxmlformats.org/markup-compatibility/2006" xmlns:mv="urn:schemas-microsoft-com:mac:vml" xmlns:p="http://schemas.openxmlformats.org/presentationml/2006/main" xmlns:c="http://schemas.openxmlformats.org/drawingml/2006/chart" xmlns:dgm="http://schemas.openxmlformats.org/drawingml/2006/diagram" xmlns:o="urn:schemas-microsoft-com:office:office" xmlns:v="urn:schemas-microsoft-com:vml" xmlns:pvml="urn:schemas-microsoft-com:office:powerpoint" xmlns:com="http://schemas.openxmlformats.org/drawingml/2006/compatibility" xmlns:p14="http://schemas.microsoft.com/office/powerpoint/2010/main" xmlns:p15="http://schemas.microsoft.com/office/powerpoint/2012/main" xmlns:ahyp="http://schemas.microsoft.com/office/drawing/2018/hyperlinkcolor">
+<p:sld xmlns:a="http://schemas.openxmlformats.org/drawingml/2006/main" xmlns:r="http://schemas.openxmlformats.org/officeDocument/2006/relationships" xmlns:p="http://schemas.openxmlformats.org/presentationml/2006/main">
   <p:cSld>
     <p:spTree>
       <p:nvGrpSpPr>
-        <p:cNvPr id="112" name="Shape 112"/>
+        <p:cNvPr id="1" name="Shape 112"/>
         <p:cNvGrpSpPr/>
         <p:nvPr/>
       </p:nvGrpSpPr>
@@ -12387,11 +12317,11 @@
 </file>
 
 <file path=ppt/slides/slide8.xml><?xml version="1.0" encoding="utf-8"?>
-<p:sld xmlns:a="http://schemas.openxmlformats.org/drawingml/2006/main" xmlns:r="http://schemas.openxmlformats.org/officeDocument/2006/relationships" xmlns:mc="http://schemas.openxmlformats.org/markup-compatibility/2006" xmlns:mv="urn:schemas-microsoft-com:mac:vml" xmlns:p="http://schemas.openxmlformats.org/presentationml/2006/main" xmlns:c="http://schemas.openxmlformats.org/drawingml/2006/chart" xmlns:dgm="http://schemas.openxmlformats.org/drawingml/2006/diagram" xmlns:o="urn:schemas-microsoft-com:office:office" xmlns:v="urn:schemas-microsoft-com:vml" xmlns:pvml="urn:schemas-microsoft-com:office:powerpoint" xmlns:com="http://schemas.openxmlformats.org/drawingml/2006/compatibility" xmlns:p14="http://schemas.microsoft.com/office/powerpoint/2010/main" xmlns:p15="http://schemas.microsoft.com/office/powerpoint/2012/main" xmlns:ahyp="http://schemas.microsoft.com/office/drawing/2018/hyperlinkcolor">
+<p:sld xmlns:a="http://schemas.openxmlformats.org/drawingml/2006/main" xmlns:r="http://schemas.openxmlformats.org/officeDocument/2006/relationships" xmlns:p="http://schemas.openxmlformats.org/presentationml/2006/main">
   <p:cSld>
     <p:spTree>
       <p:nvGrpSpPr>
-        <p:cNvPr id="117" name="Shape 117"/>
+        <p:cNvPr id="1" name="Shape 117"/>
         <p:cNvGrpSpPr/>
         <p:nvPr/>
       </p:nvGrpSpPr>
@@ -12451,12 +12381,12 @@
           </a:ln>
         </p:spPr>
         <p:txBody>
-          <a:bodyPr anchorCtr="0" anchor="t" bIns="91425" lIns="91425" spcFirstLastPara="1" rIns="91425" wrap="square" tIns="91425">
+          <a:bodyPr spcFirstLastPara="1" wrap="square" lIns="91425" tIns="91425" rIns="91425" bIns="91425" anchor="t" anchorCtr="0">
             <a:noAutofit/>
           </a:bodyPr>
           <a:lstStyle/>
           <a:p>
-            <a:pPr indent="-336550" lvl="0" marL="457200" rtl="0" algn="l">
+            <a:pPr marL="457200" lvl="0" indent="-336550" algn="l" rtl="0">
               <a:spcBef>
                 <a:spcPts val="0"/>
               </a:spcBef>
@@ -12467,7 +12397,7 @@
               <a:buChar char="●"/>
             </a:pPr>
             <a:r>
-              <a:rPr b="1" lang="es" sz="1700"/>
+              <a:rPr lang="es" sz="1700" b="1"/>
               <a:t>NUnit</a:t>
             </a:r>
             <a:r>
@@ -12477,7 +12407,7 @@
             <a:endParaRPr sz="1700"/>
           </a:p>
           <a:p>
-            <a:pPr indent="0" lvl="0" marL="0" rtl="0" algn="l">
+            <a:pPr marL="0" lvl="0" indent="0" algn="l" rtl="0">
               <a:spcBef>
                 <a:spcPts val="0"/>
               </a:spcBef>
@@ -12486,13 +12416,10 @@
               </a:spcAft>
               <a:buNone/>
             </a:pPr>
-            <a:r>
-              <a:t/>
-            </a:r>
             <a:endParaRPr sz="1700"/>
           </a:p>
           <a:p>
-            <a:pPr indent="-336550" lvl="0" marL="457200" rtl="0" algn="l">
+            <a:pPr marL="457200" lvl="0" indent="-336550" algn="l" rtl="0">
               <a:spcBef>
                 <a:spcPts val="0"/>
               </a:spcBef>
@@ -12503,7 +12430,7 @@
               <a:buChar char="●"/>
             </a:pPr>
             <a:r>
-              <a:rPr b="1" lang="es" sz="1700"/>
+              <a:rPr lang="es" sz="1700" b="1"/>
               <a:t>NUnit annotations (Tags) </a:t>
             </a:r>
             <a:r>
@@ -12513,7 +12440,7 @@
             <a:endParaRPr sz="1700"/>
           </a:p>
           <a:p>
-            <a:pPr indent="0" lvl="0" marL="0" rtl="0" algn="l">
+            <a:pPr marL="0" lvl="0" indent="0" algn="l" rtl="0">
               <a:spcBef>
                 <a:spcPts val="0"/>
               </a:spcBef>
@@ -12522,13 +12449,10 @@
               </a:spcAft>
               <a:buNone/>
             </a:pPr>
-            <a:r>
-              <a:t/>
-            </a:r>
             <a:endParaRPr sz="1700"/>
           </a:p>
           <a:p>
-            <a:pPr indent="-336550" lvl="0" marL="457200" rtl="0" algn="l">
+            <a:pPr marL="457200" lvl="0" indent="-336550" algn="l" rtl="0">
               <a:spcBef>
                 <a:spcPts val="0"/>
               </a:spcBef>
@@ -12543,7 +12467,7 @@
               <a:t>Con </a:t>
             </a:r>
             <a:r>
-              <a:rPr b="1" lang="es" sz="1700"/>
+              <a:rPr lang="es" sz="1700" b="1"/>
               <a:t>NUnit</a:t>
             </a:r>
             <a:r>
@@ -12568,11 +12492,11 @@
 </file>
 
 <file path=ppt/slides/slide9.xml><?xml version="1.0" encoding="utf-8"?>
-<p:sld xmlns:a="http://schemas.openxmlformats.org/drawingml/2006/main" xmlns:r="http://schemas.openxmlformats.org/officeDocument/2006/relationships" xmlns:mc="http://schemas.openxmlformats.org/markup-compatibility/2006" xmlns:mv="urn:schemas-microsoft-com:mac:vml" xmlns:p="http://schemas.openxmlformats.org/presentationml/2006/main" xmlns:c="http://schemas.openxmlformats.org/drawingml/2006/chart" xmlns:dgm="http://schemas.openxmlformats.org/drawingml/2006/diagram" xmlns:o="urn:schemas-microsoft-com:office:office" xmlns:v="urn:schemas-microsoft-com:vml" xmlns:pvml="urn:schemas-microsoft-com:office:powerpoint" xmlns:com="http://schemas.openxmlformats.org/drawingml/2006/compatibility" xmlns:p14="http://schemas.microsoft.com/office/powerpoint/2010/main" xmlns:p15="http://schemas.microsoft.com/office/powerpoint/2012/main" xmlns:ahyp="http://schemas.microsoft.com/office/drawing/2018/hyperlinkcolor">
+<p:sld xmlns:a="http://schemas.openxmlformats.org/drawingml/2006/main" xmlns:r="http://schemas.openxmlformats.org/officeDocument/2006/relationships" xmlns:p="http://schemas.openxmlformats.org/presentationml/2006/main">
   <p:cSld>
     <p:spTree>
       <p:nvGrpSpPr>
-        <p:cNvPr id="123" name="Shape 123"/>
+        <p:cNvPr id="1" name="Shape 123"/>
         <p:cNvGrpSpPr/>
         <p:nvPr/>
       </p:nvGrpSpPr>
@@ -12632,12 +12556,12 @@
           </a:ln>
         </p:spPr>
         <p:txBody>
-          <a:bodyPr anchorCtr="0" anchor="t" bIns="91425" lIns="91425" spcFirstLastPara="1" rIns="91425" wrap="square" tIns="91425">
+          <a:bodyPr spcFirstLastPara="1" wrap="square" lIns="91425" tIns="91425" rIns="91425" bIns="91425" anchor="t" anchorCtr="0">
             <a:spAutoFit/>
           </a:bodyPr>
           <a:lstStyle/>
           <a:p>
-            <a:pPr indent="0" lvl="0" marL="0" rtl="0" algn="l">
+            <a:pPr marL="0" lvl="0" indent="0" algn="l" rtl="0">
               <a:spcBef>
                 <a:spcPts val="0"/>
               </a:spcBef>
@@ -12647,7 +12571,7 @@
               <a:buNone/>
             </a:pPr>
             <a:r>
-              <a:rPr b="1" lang="es" sz="2400">
+              <a:rPr lang="es" sz="2400" b="1">
                 <a:latin typeface="Open Sans"/>
                 <a:ea typeface="Open Sans"/>
                 <a:cs typeface="Open Sans"/>
@@ -12655,7 +12579,7 @@
               </a:rPr>
               <a:t>XUnit</a:t>
             </a:r>
-            <a:endParaRPr b="1" sz="2400">
+            <a:endParaRPr sz="2400" b="1">
               <a:latin typeface="Open Sans"/>
               <a:ea typeface="Open Sans"/>
               <a:cs typeface="Open Sans"/>
@@ -12684,12 +12608,12 @@
           </a:ln>
         </p:spPr>
         <p:txBody>
-          <a:bodyPr anchorCtr="0" anchor="t" bIns="91425" lIns="91425" spcFirstLastPara="1" rIns="91425" wrap="square" tIns="91425">
+          <a:bodyPr spcFirstLastPara="1" wrap="square" lIns="91425" tIns="91425" rIns="91425" bIns="91425" anchor="t" anchorCtr="0">
             <a:spAutoFit/>
           </a:bodyPr>
           <a:lstStyle/>
           <a:p>
-            <a:pPr indent="0" lvl="0" marL="457200" marR="38100" rtl="0" algn="l">
+            <a:pPr marL="457200" marR="38100" lvl="0" indent="0" algn="l" rtl="0">
               <a:lnSpc>
                 <a:spcPct val="128571"/>
               </a:lnSpc>
@@ -12701,9 +12625,6 @@
               </a:spcAft>
               <a:buNone/>
             </a:pPr>
-            <a:r>
-              <a:t/>
-            </a:r>
             <a:endParaRPr sz="2000">
               <a:solidFill>
                 <a:srgbClr val="202124"/>
@@ -12714,7 +12635,7 @@
             </a:endParaRPr>
           </a:p>
           <a:p>
-            <a:pPr indent="-355600" lvl="0" marL="457200" rtl="0" algn="l">
+            <a:pPr marL="457200" lvl="0" indent="-355600" algn="l" rtl="0">
               <a:spcBef>
                 <a:spcPts val="0"/>
               </a:spcBef>
@@ -12726,32 +12647,12 @@
             </a:pPr>
             <a:r>
               <a:rPr lang="es" sz="2000"/>
-              <a:t>Versión</a:t>
-            </a:r>
-            <a:r>
-              <a:rPr lang="es" sz="2000"/>
-              <a:t> derivada de NUnit , siendo </a:t>
-            </a:r>
-            <a:r>
-              <a:rPr lang="es" sz="2000"/>
-              <a:t>esta</a:t>
-            </a:r>
-            <a:r>
-              <a:rPr lang="es" sz="2000"/>
-              <a:t> de </a:t>
-            </a:r>
-            <a:r>
-              <a:rPr lang="es" sz="2000"/>
-              <a:t>código</a:t>
-            </a:r>
-            <a:r>
-              <a:rPr lang="es" sz="2000"/>
-              <a:t> abierto</a:t>
+              <a:t>Versión derivada de NUnit , siendo esta de código abierto</a:t>
             </a:r>
             <a:endParaRPr sz="2000"/>
           </a:p>
           <a:p>
-            <a:pPr indent="0" lvl="0" marL="0" rtl="0" algn="l">
+            <a:pPr marL="0" lvl="0" indent="0" algn="l" rtl="0">
               <a:spcBef>
                 <a:spcPts val="0"/>
               </a:spcBef>
@@ -12760,13 +12661,10 @@
               </a:spcAft>
               <a:buNone/>
             </a:pPr>
-            <a:r>
-              <a:t/>
-            </a:r>
             <a:endParaRPr sz="2000"/>
           </a:p>
           <a:p>
-            <a:pPr indent="-355600" lvl="0" marL="457200" rtl="0" algn="l">
+            <a:pPr marL="457200" lvl="0" indent="-355600" algn="l" rtl="0">
               <a:spcBef>
                 <a:spcPts val="0"/>
               </a:spcBef>
@@ -12783,7 +12681,7 @@
             <a:endParaRPr sz="2000"/>
           </a:p>
           <a:p>
-            <a:pPr indent="0" lvl="0" marL="0" rtl="0" algn="l">
+            <a:pPr marL="0" lvl="0" indent="0" algn="l" rtl="0">
               <a:spcBef>
                 <a:spcPts val="0"/>
               </a:spcBef>
@@ -12792,13 +12690,10 @@
               </a:spcAft>
               <a:buNone/>
             </a:pPr>
-            <a:r>
-              <a:t/>
-            </a:r>
             <a:endParaRPr/>
           </a:p>
           <a:p>
-            <a:pPr indent="0" lvl="0" marL="457200" rtl="0" algn="l">
+            <a:pPr marL="457200" lvl="0" indent="0" algn="l" rtl="0">
               <a:spcBef>
                 <a:spcPts val="0"/>
               </a:spcBef>
@@ -12807,9 +12702,6 @@
               </a:spcAft>
               <a:buNone/>
             </a:pPr>
-            <a:r>
-              <a:t/>
-            </a:r>
             <a:endParaRPr sz="1600">
               <a:solidFill>
                 <a:srgbClr val="202124"/>
@@ -12820,7 +12712,7 @@
             </a:endParaRPr>
           </a:p>
           <a:p>
-            <a:pPr indent="0" lvl="0" marL="457200" marR="38100" rtl="0" algn="l">
+            <a:pPr marL="457200" marR="38100" lvl="0" indent="0" algn="l" rtl="0">
               <a:lnSpc>
                 <a:spcPct val="128571"/>
               </a:lnSpc>
@@ -12832,9 +12724,6 @@
               </a:spcAft>
               <a:buNone/>
             </a:pPr>
-            <a:r>
-              <a:t/>
-            </a:r>
             <a:endParaRPr sz="1600">
               <a:solidFill>
                 <a:srgbClr val="202124"/>
@@ -12845,7 +12734,7 @@
             </a:endParaRPr>
           </a:p>
           <a:p>
-            <a:pPr indent="0" lvl="0" marL="457200" marR="38100" rtl="0" algn="l">
+            <a:pPr marL="457200" marR="38100" lvl="0" indent="0" algn="l" rtl="0">
               <a:lnSpc>
                 <a:spcPct val="128571"/>
               </a:lnSpc>
@@ -12857,9 +12746,6 @@
               </a:spcAft>
               <a:buNone/>
             </a:pPr>
-            <a:r>
-              <a:t/>
-            </a:r>
             <a:endParaRPr sz="1600">
               <a:solidFill>
                 <a:srgbClr val="202124"/>
@@ -12870,7 +12756,7 @@
             </a:endParaRPr>
           </a:p>
           <a:p>
-            <a:pPr indent="0" lvl="0" marL="457200" marR="38100" rtl="0" algn="l">
+            <a:pPr marL="457200" marR="38100" lvl="0" indent="0" algn="l" rtl="0">
               <a:lnSpc>
                 <a:spcPct val="128571"/>
               </a:lnSpc>
@@ -12882,9 +12768,6 @@
               </a:spcAft>
               <a:buNone/>
             </a:pPr>
-            <a:r>
-              <a:t/>
-            </a:r>
             <a:endParaRPr sz="1600">
               <a:solidFill>
                 <a:srgbClr val="202124"/>
@@ -12944,12 +12827,12 @@
           </a:ln>
         </p:spPr>
         <p:txBody>
-          <a:bodyPr anchorCtr="0" anchor="t" bIns="91425" lIns="91425" spcFirstLastPara="1" rIns="91425" wrap="square" tIns="91425">
+          <a:bodyPr spcFirstLastPara="1" wrap="square" lIns="91425" tIns="91425" rIns="91425" bIns="91425" anchor="t" anchorCtr="0">
             <a:spAutoFit/>
           </a:bodyPr>
           <a:lstStyle/>
           <a:p>
-            <a:pPr indent="-355600" lvl="0" marL="457200" rtl="0" algn="l">
+            <a:pPr marL="457200" lvl="0" indent="-355600" algn="l" rtl="0">
               <a:spcBef>
                 <a:spcPts val="0"/>
               </a:spcBef>
@@ -12977,7 +12860,7 @@
             </a:endParaRPr>
           </a:p>
           <a:p>
-            <a:pPr indent="0" lvl="0" marL="0" rtl="0" algn="l">
+            <a:pPr marL="0" lvl="0" indent="0" algn="l" rtl="0">
               <a:spcBef>
                 <a:spcPts val="0"/>
               </a:spcBef>
@@ -12991,9 +12874,6 @@
               <a:buFont typeface="Arial"/>
               <a:buNone/>
             </a:pPr>
-            <a:r>
-              <a:t/>
-            </a:r>
             <a:endParaRPr sz="2000">
               <a:solidFill>
                 <a:schemeClr val="dk1"/>
@@ -13001,7 +12881,7 @@
             </a:endParaRPr>
           </a:p>
           <a:p>
-            <a:pPr indent="-355600" lvl="0" marL="457200" rtl="0" algn="l">
+            <a:pPr marL="457200" lvl="0" indent="-355600" algn="l" rtl="0">
               <a:spcBef>
                 <a:spcPts val="0"/>
               </a:spcBef>
@@ -13040,7 +12920,288 @@
 </file>
 
 <file path=ppt/theme/theme1.xml><?xml version="1.0" encoding="utf-8"?>
-<a:theme xmlns:a="http://schemas.openxmlformats.org/drawingml/2006/main" xmlns:r="http://schemas.openxmlformats.org/officeDocument/2006/relationships">
+<a:theme xmlns:a="http://schemas.openxmlformats.org/drawingml/2006/main" name="Luxe">
+  <a:themeElements>
+    <a:clrScheme name="Luxe">
+      <a:dk1>
+        <a:srgbClr val="000000"/>
+      </a:dk1>
+      <a:lt1>
+        <a:srgbClr val="FFFFFF"/>
+      </a:lt1>
+      <a:dk2>
+        <a:srgbClr val="B7B7B7"/>
+      </a:dk2>
+      <a:lt2>
+        <a:srgbClr val="CCA677"/>
+      </a:lt2>
+      <a:accent1>
+        <a:srgbClr val="5D4037"/>
+      </a:accent1>
+      <a:accent2>
+        <a:srgbClr val="455A64"/>
+      </a:accent2>
+      <a:accent3>
+        <a:srgbClr val="57BB8A"/>
+      </a:accent3>
+      <a:accent4>
+        <a:srgbClr val="78909C"/>
+      </a:accent4>
+      <a:accent5>
+        <a:srgbClr val="607D8B"/>
+      </a:accent5>
+      <a:accent6>
+        <a:srgbClr val="DCE755"/>
+      </a:accent6>
+      <a:hlink>
+        <a:srgbClr val="607D8B"/>
+      </a:hlink>
+      <a:folHlink>
+        <a:srgbClr val="607D8B"/>
+      </a:folHlink>
+    </a:clrScheme>
+    <a:fontScheme name="Office">
+      <a:majorFont>
+        <a:latin typeface="Arial"/>
+        <a:ea typeface=""/>
+        <a:cs typeface=""/>
+        <a:font script="Jpan" typeface="ＭＳ Ｐゴシック"/>
+        <a:font script="Hang" typeface="맑은 고딕"/>
+        <a:font script="Hans" typeface="宋体"/>
+        <a:font script="Hant" typeface="新細明體"/>
+        <a:font script="Arab" typeface="Times New Roman"/>
+        <a:font script="Hebr" typeface="Times New Roman"/>
+        <a:font script="Thai" typeface="Angsana New"/>
+        <a:font script="Ethi" typeface="Nyala"/>
+        <a:font script="Beng" typeface="Vrinda"/>
+        <a:font script="Gujr" typeface="Shruti"/>
+        <a:font script="Khmr" typeface="MoolBoran"/>
+        <a:font script="Knda" typeface="Tunga"/>
+        <a:font script="Guru" typeface="Raavi"/>
+        <a:font script="Cans" typeface="Euphemia"/>
+        <a:font script="Cher" typeface="Plantagenet Cherokee"/>
+        <a:font script="Yiii" typeface="Microsoft Yi Baiti"/>
+        <a:font script="Tibt" typeface="Microsoft Himalaya"/>
+        <a:font script="Thaa" typeface="MV Boli"/>
+        <a:font script="Deva" typeface="Mangal"/>
+        <a:font script="Telu" typeface="Gautami"/>
+        <a:font script="Taml" typeface="Latha"/>
+        <a:font script="Syrc" typeface="Estrangelo Edessa"/>
+        <a:font script="Orya" typeface="Kalinga"/>
+        <a:font script="Mlym" typeface="Kartika"/>
+        <a:font script="Laoo" typeface="DokChampa"/>
+        <a:font script="Sinh" typeface="Iskoola Pota"/>
+        <a:font script="Mong" typeface="Mongolian Baiti"/>
+        <a:font script="Viet" typeface="Times New Roman"/>
+        <a:font script="Uigh" typeface="Microsoft Uighur"/>
+        <a:font script="Geor" typeface="Sylfaen"/>
+      </a:majorFont>
+      <a:minorFont>
+        <a:latin typeface="Arial"/>
+        <a:ea typeface=""/>
+        <a:cs typeface=""/>
+        <a:font script="Jpan" typeface="ＭＳ Ｐゴシック"/>
+        <a:font script="Hang" typeface="맑은 고딕"/>
+        <a:font script="Hans" typeface="宋体"/>
+        <a:font script="Hant" typeface="新細明體"/>
+        <a:font script="Arab" typeface="Arial"/>
+        <a:font script="Hebr" typeface="Arial"/>
+        <a:font script="Thai" typeface="Cordia New"/>
+        <a:font script="Ethi" typeface="Nyala"/>
+        <a:font script="Beng" typeface="Vrinda"/>
+        <a:font script="Gujr" typeface="Shruti"/>
+        <a:font script="Khmr" typeface="DaunPenh"/>
+        <a:font script="Knda" typeface="Tunga"/>
+        <a:font script="Guru" typeface="Raavi"/>
+        <a:font script="Cans" typeface="Euphemia"/>
+        <a:font script="Cher" typeface="Plantagenet Cherokee"/>
+        <a:font script="Yiii" typeface="Microsoft Yi Baiti"/>
+        <a:font script="Tibt" typeface="Microsoft Himalaya"/>
+        <a:font script="Thaa" typeface="MV Boli"/>
+        <a:font script="Deva" typeface="Mangal"/>
+        <a:font script="Telu" typeface="Gautami"/>
+        <a:font script="Taml" typeface="Latha"/>
+        <a:font script="Syrc" typeface="Estrangelo Edessa"/>
+        <a:font script="Orya" typeface="Kalinga"/>
+        <a:font script="Mlym" typeface="Kartika"/>
+        <a:font script="Laoo" typeface="DokChampa"/>
+        <a:font script="Sinh" typeface="Iskoola Pota"/>
+        <a:font script="Mong" typeface="Mongolian Baiti"/>
+        <a:font script="Viet" typeface="Arial"/>
+        <a:font script="Uigh" typeface="Microsoft Uighur"/>
+        <a:font script="Geor" typeface="Sylfaen"/>
+      </a:minorFont>
+    </a:fontScheme>
+    <a:fmtScheme name="Office">
+      <a:fillStyleLst>
+        <a:solidFill>
+          <a:schemeClr val="phClr"/>
+        </a:solidFill>
+        <a:gradFill rotWithShape="1">
+          <a:gsLst>
+            <a:gs pos="0">
+              <a:schemeClr val="phClr">
+                <a:tint val="50000"/>
+                <a:satMod val="300000"/>
+              </a:schemeClr>
+            </a:gs>
+            <a:gs pos="35000">
+              <a:schemeClr val="phClr">
+                <a:tint val="37000"/>
+                <a:satMod val="300000"/>
+              </a:schemeClr>
+            </a:gs>
+            <a:gs pos="100000">
+              <a:schemeClr val="phClr">
+                <a:tint val="15000"/>
+                <a:satMod val="350000"/>
+              </a:schemeClr>
+            </a:gs>
+          </a:gsLst>
+          <a:lin ang="16200000" scaled="1"/>
+        </a:gradFill>
+        <a:gradFill rotWithShape="1">
+          <a:gsLst>
+            <a:gs pos="0">
+              <a:schemeClr val="phClr">
+                <a:tint val="100000"/>
+                <a:shade val="100000"/>
+                <a:satMod val="130000"/>
+              </a:schemeClr>
+            </a:gs>
+            <a:gs pos="100000">
+              <a:schemeClr val="phClr">
+                <a:tint val="50000"/>
+                <a:shade val="100000"/>
+                <a:satMod val="350000"/>
+              </a:schemeClr>
+            </a:gs>
+          </a:gsLst>
+          <a:lin ang="16200000" scaled="0"/>
+        </a:gradFill>
+      </a:fillStyleLst>
+      <a:lnStyleLst>
+        <a:ln w="9525" cap="flat" cmpd="sng" algn="ctr">
+          <a:solidFill>
+            <a:schemeClr val="phClr">
+              <a:shade val="95000"/>
+              <a:satMod val="105000"/>
+            </a:schemeClr>
+          </a:solidFill>
+          <a:prstDash val="solid"/>
+        </a:ln>
+        <a:ln w="25400" cap="flat" cmpd="sng" algn="ctr">
+          <a:solidFill>
+            <a:schemeClr val="phClr"/>
+          </a:solidFill>
+          <a:prstDash val="solid"/>
+        </a:ln>
+        <a:ln w="38100" cap="flat" cmpd="sng" algn="ctr">
+          <a:solidFill>
+            <a:schemeClr val="phClr"/>
+          </a:solidFill>
+          <a:prstDash val="solid"/>
+        </a:ln>
+      </a:lnStyleLst>
+      <a:effectStyleLst>
+        <a:effectStyle>
+          <a:effectLst>
+            <a:outerShdw blurRad="40000" dist="20000" dir="5400000" rotWithShape="0">
+              <a:srgbClr val="000000">
+                <a:alpha val="38000"/>
+              </a:srgbClr>
+            </a:outerShdw>
+          </a:effectLst>
+        </a:effectStyle>
+        <a:effectStyle>
+          <a:effectLst>
+            <a:outerShdw blurRad="40000" dist="23000" dir="5400000" rotWithShape="0">
+              <a:srgbClr val="000000">
+                <a:alpha val="35000"/>
+              </a:srgbClr>
+            </a:outerShdw>
+          </a:effectLst>
+        </a:effectStyle>
+        <a:effectStyle>
+          <a:effectLst>
+            <a:outerShdw blurRad="40000" dist="23000" dir="5400000" rotWithShape="0">
+              <a:srgbClr val="000000">
+                <a:alpha val="35000"/>
+              </a:srgbClr>
+            </a:outerShdw>
+          </a:effectLst>
+          <a:scene3d>
+            <a:camera prst="orthographicFront">
+              <a:rot lat="0" lon="0" rev="0"/>
+            </a:camera>
+            <a:lightRig rig="threePt" dir="t">
+              <a:rot lat="0" lon="0" rev="1200000"/>
+            </a:lightRig>
+          </a:scene3d>
+          <a:sp3d>
+            <a:bevelT w="63500" h="25400"/>
+          </a:sp3d>
+        </a:effectStyle>
+      </a:effectStyleLst>
+      <a:bgFillStyleLst>
+        <a:solidFill>
+          <a:schemeClr val="phClr"/>
+        </a:solidFill>
+        <a:gradFill rotWithShape="1">
+          <a:gsLst>
+            <a:gs pos="0">
+              <a:schemeClr val="phClr">
+                <a:tint val="40000"/>
+                <a:satMod val="350000"/>
+              </a:schemeClr>
+            </a:gs>
+            <a:gs pos="40000">
+              <a:schemeClr val="phClr">
+                <a:tint val="45000"/>
+                <a:shade val="99000"/>
+                <a:satMod val="350000"/>
+              </a:schemeClr>
+            </a:gs>
+            <a:gs pos="100000">
+              <a:schemeClr val="phClr">
+                <a:shade val="20000"/>
+                <a:satMod val="255000"/>
+              </a:schemeClr>
+            </a:gs>
+          </a:gsLst>
+          <a:path path="circle">
+            <a:fillToRect l="50000" t="-80000" r="50000" b="180000"/>
+          </a:path>
+        </a:gradFill>
+        <a:gradFill rotWithShape="1">
+          <a:gsLst>
+            <a:gs pos="0">
+              <a:schemeClr val="phClr">
+                <a:tint val="80000"/>
+                <a:satMod val="300000"/>
+              </a:schemeClr>
+            </a:gs>
+            <a:gs pos="100000">
+              <a:schemeClr val="phClr">
+                <a:shade val="30000"/>
+                <a:satMod val="200000"/>
+              </a:schemeClr>
+            </a:gs>
+          </a:gsLst>
+          <a:path path="circle">
+            <a:fillToRect l="50000" t="50000" r="50000" b="50000"/>
+          </a:path>
+        </a:gradFill>
+      </a:bgFillStyleLst>
+    </a:fmtScheme>
+  </a:themeElements>
+  <a:objectDefaults/>
+  <a:extraClrSchemeLst/>
+</a:theme>
+</file>
+
+<file path=ppt/theme/theme2.xml><?xml version="1.0" encoding="utf-8"?>
+<a:theme xmlns:a="http://schemas.openxmlformats.org/drawingml/2006/main">
   <a:themeElements>
     <a:clrScheme name="Default">
       <a:dk1>
@@ -13315,284 +13476,7 @@
       </a:bgFillStyleLst>
     </a:fmtScheme>
   </a:themeElements>
-</a:theme>
-</file>
-
-<file path=ppt/theme/theme2.xml><?xml version="1.0" encoding="utf-8"?>
-<a:theme xmlns:a="http://schemas.openxmlformats.org/drawingml/2006/main" xmlns:r="http://schemas.openxmlformats.org/officeDocument/2006/relationships" name="Luxe">
-  <a:themeElements>
-    <a:clrScheme name="Luxe">
-      <a:dk1>
-        <a:srgbClr val="000000"/>
-      </a:dk1>
-      <a:lt1>
-        <a:srgbClr val="FFFFFF"/>
-      </a:lt1>
-      <a:dk2>
-        <a:srgbClr val="B7B7B7"/>
-      </a:dk2>
-      <a:lt2>
-        <a:srgbClr val="CCA677"/>
-      </a:lt2>
-      <a:accent1>
-        <a:srgbClr val="5D4037"/>
-      </a:accent1>
-      <a:accent2>
-        <a:srgbClr val="455A64"/>
-      </a:accent2>
-      <a:accent3>
-        <a:srgbClr val="57BB8A"/>
-      </a:accent3>
-      <a:accent4>
-        <a:srgbClr val="78909C"/>
-      </a:accent4>
-      <a:accent5>
-        <a:srgbClr val="607D8B"/>
-      </a:accent5>
-      <a:accent6>
-        <a:srgbClr val="DCE755"/>
-      </a:accent6>
-      <a:hlink>
-        <a:srgbClr val="607D8B"/>
-      </a:hlink>
-      <a:folHlink>
-        <a:srgbClr val="607D8B"/>
-      </a:folHlink>
-    </a:clrScheme>
-    <a:fontScheme name="Office">
-      <a:majorFont>
-        <a:latin typeface="Arial"/>
-        <a:ea typeface=""/>
-        <a:cs typeface=""/>
-        <a:font script="Jpan" typeface="ＭＳ Ｐゴシック"/>
-        <a:font script="Hang" typeface="맑은 고딕"/>
-        <a:font script="Hans" typeface="宋体"/>
-        <a:font script="Hant" typeface="新細明體"/>
-        <a:font script="Arab" typeface="Times New Roman"/>
-        <a:font script="Hebr" typeface="Times New Roman"/>
-        <a:font script="Thai" typeface="Angsana New"/>
-        <a:font script="Ethi" typeface="Nyala"/>
-        <a:font script="Beng" typeface="Vrinda"/>
-        <a:font script="Gujr" typeface="Shruti"/>
-        <a:font script="Khmr" typeface="MoolBoran"/>
-        <a:font script="Knda" typeface="Tunga"/>
-        <a:font script="Guru" typeface="Raavi"/>
-        <a:font script="Cans" typeface="Euphemia"/>
-        <a:font script="Cher" typeface="Plantagenet Cherokee"/>
-        <a:font script="Yiii" typeface="Microsoft Yi Baiti"/>
-        <a:font script="Tibt" typeface="Microsoft Himalaya"/>
-        <a:font script="Thaa" typeface="MV Boli"/>
-        <a:font script="Deva" typeface="Mangal"/>
-        <a:font script="Telu" typeface="Gautami"/>
-        <a:font script="Taml" typeface="Latha"/>
-        <a:font script="Syrc" typeface="Estrangelo Edessa"/>
-        <a:font script="Orya" typeface="Kalinga"/>
-        <a:font script="Mlym" typeface="Kartika"/>
-        <a:font script="Laoo" typeface="DokChampa"/>
-        <a:font script="Sinh" typeface="Iskoola Pota"/>
-        <a:font script="Mong" typeface="Mongolian Baiti"/>
-        <a:font script="Viet" typeface="Times New Roman"/>
-        <a:font script="Uigh" typeface="Microsoft Uighur"/>
-        <a:font script="Geor" typeface="Sylfaen"/>
-      </a:majorFont>
-      <a:minorFont>
-        <a:latin typeface="Arial"/>
-        <a:ea typeface=""/>
-        <a:cs typeface=""/>
-        <a:font script="Jpan" typeface="ＭＳ Ｐゴシック"/>
-        <a:font script="Hang" typeface="맑은 고딕"/>
-        <a:font script="Hans" typeface="宋体"/>
-        <a:font script="Hant" typeface="新細明體"/>
-        <a:font script="Arab" typeface="Arial"/>
-        <a:font script="Hebr" typeface="Arial"/>
-        <a:font script="Thai" typeface="Cordia New"/>
-        <a:font script="Ethi" typeface="Nyala"/>
-        <a:font script="Beng" typeface="Vrinda"/>
-        <a:font script="Gujr" typeface="Shruti"/>
-        <a:font script="Khmr" typeface="DaunPenh"/>
-        <a:font script="Knda" typeface="Tunga"/>
-        <a:font script="Guru" typeface="Raavi"/>
-        <a:font script="Cans" typeface="Euphemia"/>
-        <a:font script="Cher" typeface="Plantagenet Cherokee"/>
-        <a:font script="Yiii" typeface="Microsoft Yi Baiti"/>
-        <a:font script="Tibt" typeface="Microsoft Himalaya"/>
-        <a:font script="Thaa" typeface="MV Boli"/>
-        <a:font script="Deva" typeface="Mangal"/>
-        <a:font script="Telu" typeface="Gautami"/>
-        <a:font script="Taml" typeface="Latha"/>
-        <a:font script="Syrc" typeface="Estrangelo Edessa"/>
-        <a:font script="Orya" typeface="Kalinga"/>
-        <a:font script="Mlym" typeface="Kartika"/>
-        <a:font script="Laoo" typeface="DokChampa"/>
-        <a:font script="Sinh" typeface="Iskoola Pota"/>
-        <a:font script="Mong" typeface="Mongolian Baiti"/>
-        <a:font script="Viet" typeface="Arial"/>
-        <a:font script="Uigh" typeface="Microsoft Uighur"/>
-        <a:font script="Geor" typeface="Sylfaen"/>
-      </a:minorFont>
-    </a:fontScheme>
-    <a:fmtScheme name="Office">
-      <a:fillStyleLst>
-        <a:solidFill>
-          <a:schemeClr val="phClr"/>
-        </a:solidFill>
-        <a:gradFill rotWithShape="1">
-          <a:gsLst>
-            <a:gs pos="0">
-              <a:schemeClr val="phClr">
-                <a:tint val="50000"/>
-                <a:satMod val="300000"/>
-              </a:schemeClr>
-            </a:gs>
-            <a:gs pos="35000">
-              <a:schemeClr val="phClr">
-                <a:tint val="37000"/>
-                <a:satMod val="300000"/>
-              </a:schemeClr>
-            </a:gs>
-            <a:gs pos="100000">
-              <a:schemeClr val="phClr">
-                <a:tint val="15000"/>
-                <a:satMod val="350000"/>
-              </a:schemeClr>
-            </a:gs>
-          </a:gsLst>
-          <a:lin ang="16200000" scaled="1"/>
-        </a:gradFill>
-        <a:gradFill rotWithShape="1">
-          <a:gsLst>
-            <a:gs pos="0">
-              <a:schemeClr val="phClr">
-                <a:tint val="100000"/>
-                <a:shade val="100000"/>
-                <a:satMod val="130000"/>
-              </a:schemeClr>
-            </a:gs>
-            <a:gs pos="100000">
-              <a:schemeClr val="phClr">
-                <a:tint val="50000"/>
-                <a:shade val="100000"/>
-                <a:satMod val="350000"/>
-              </a:schemeClr>
-            </a:gs>
-          </a:gsLst>
-          <a:lin ang="16200000" scaled="0"/>
-        </a:gradFill>
-      </a:fillStyleLst>
-      <a:lnStyleLst>
-        <a:ln w="9525" cap="flat" cmpd="sng" algn="ctr">
-          <a:solidFill>
-            <a:schemeClr val="phClr">
-              <a:shade val="95000"/>
-              <a:satMod val="105000"/>
-            </a:schemeClr>
-          </a:solidFill>
-          <a:prstDash val="solid"/>
-        </a:ln>
-        <a:ln w="25400" cap="flat" cmpd="sng" algn="ctr">
-          <a:solidFill>
-            <a:schemeClr val="phClr"/>
-          </a:solidFill>
-          <a:prstDash val="solid"/>
-        </a:ln>
-        <a:ln w="38100" cap="flat" cmpd="sng" algn="ctr">
-          <a:solidFill>
-            <a:schemeClr val="phClr"/>
-          </a:solidFill>
-          <a:prstDash val="solid"/>
-        </a:ln>
-      </a:lnStyleLst>
-      <a:effectStyleLst>
-        <a:effectStyle>
-          <a:effectLst>
-            <a:outerShdw blurRad="40000" dist="20000" dir="5400000" rotWithShape="0">
-              <a:srgbClr val="000000">
-                <a:alpha val="38000"/>
-              </a:srgbClr>
-            </a:outerShdw>
-          </a:effectLst>
-        </a:effectStyle>
-        <a:effectStyle>
-          <a:effectLst>
-            <a:outerShdw blurRad="40000" dist="23000" dir="5400000" rotWithShape="0">
-              <a:srgbClr val="000000">
-                <a:alpha val="35000"/>
-              </a:srgbClr>
-            </a:outerShdw>
-          </a:effectLst>
-        </a:effectStyle>
-        <a:effectStyle>
-          <a:effectLst>
-            <a:outerShdw blurRad="40000" dist="23000" dir="5400000" rotWithShape="0">
-              <a:srgbClr val="000000">
-                <a:alpha val="35000"/>
-              </a:srgbClr>
-            </a:outerShdw>
-          </a:effectLst>
-          <a:scene3d>
-            <a:camera prst="orthographicFront">
-              <a:rot lat="0" lon="0" rev="0"/>
-            </a:camera>
-            <a:lightRig rig="threePt" dir="t">
-              <a:rot lat="0" lon="0" rev="1200000"/>
-            </a:lightRig>
-          </a:scene3d>
-          <a:sp3d>
-            <a:bevelT w="63500" h="25400"/>
-          </a:sp3d>
-        </a:effectStyle>
-      </a:effectStyleLst>
-      <a:bgFillStyleLst>
-        <a:solidFill>
-          <a:schemeClr val="phClr"/>
-        </a:solidFill>
-        <a:gradFill rotWithShape="1">
-          <a:gsLst>
-            <a:gs pos="0">
-              <a:schemeClr val="phClr">
-                <a:tint val="40000"/>
-                <a:satMod val="350000"/>
-              </a:schemeClr>
-            </a:gs>
-            <a:gs pos="40000">
-              <a:schemeClr val="phClr">
-                <a:tint val="45000"/>
-                <a:shade val="99000"/>
-                <a:satMod val="350000"/>
-              </a:schemeClr>
-            </a:gs>
-            <a:gs pos="100000">
-              <a:schemeClr val="phClr">
-                <a:shade val="20000"/>
-                <a:satMod val="255000"/>
-              </a:schemeClr>
-            </a:gs>
-          </a:gsLst>
-          <a:path path="circle">
-            <a:fillToRect l="50000" t="-80000" r="50000" b="180000"/>
-          </a:path>
-        </a:gradFill>
-        <a:gradFill rotWithShape="1">
-          <a:gsLst>
-            <a:gs pos="0">
-              <a:schemeClr val="phClr">
-                <a:tint val="80000"/>
-                <a:satMod val="300000"/>
-              </a:schemeClr>
-            </a:gs>
-            <a:gs pos="100000">
-              <a:schemeClr val="phClr">
-                <a:shade val="30000"/>
-                <a:satMod val="200000"/>
-              </a:schemeClr>
-            </a:gs>
-          </a:gsLst>
-          <a:path path="circle">
-            <a:fillToRect l="50000" t="50000" r="50000" b="50000"/>
-          </a:path>
-        </a:gradFill>
-      </a:bgFillStyleLst>
-    </a:fmtScheme>
-  </a:themeElements>
+  <a:objectDefaults/>
+  <a:extraClrSchemeLst/>
 </a:theme>
 </file>
--- a/TPS/Unit Testing.pptx
+++ b/TPS/Unit Testing.pptx
@@ -1,53 +1,53 @@
 
 <file path=ppt/presentation.xml><?xml version="1.0" encoding="utf-8"?>
-<p:presentation xmlns:a="http://schemas.openxmlformats.org/drawingml/2006/main" xmlns:r="http://schemas.openxmlformats.org/officeDocument/2006/relationships" xmlns:p="http://schemas.openxmlformats.org/presentationml/2006/main" strictFirstAndLastChars="0" embedTrueTypeFonts="1" saveSubsetFonts="1" autoCompressPictures="0">
+<p:presentation xmlns:a="http://schemas.openxmlformats.org/drawingml/2006/main" xmlns:r="http://schemas.openxmlformats.org/officeDocument/2006/relationships" xmlns:mc="http://schemas.openxmlformats.org/markup-compatibility/2006" xmlns:mv="urn:schemas-microsoft-com:mac:vml" xmlns:p="http://schemas.openxmlformats.org/presentationml/2006/main" xmlns:c="http://schemas.openxmlformats.org/drawingml/2006/chart" xmlns:dgm="http://schemas.openxmlformats.org/drawingml/2006/diagram" xmlns:o="urn:schemas-microsoft-com:office:office" xmlns:v="urn:schemas-microsoft-com:vml" xmlns:pvml="urn:schemas-microsoft-com:office:powerpoint" xmlns:com="http://schemas.openxmlformats.org/drawingml/2006/compatibility" xmlns:p14="http://schemas.microsoft.com/office/powerpoint/2010/main" xmlns:p15="http://schemas.microsoft.com/office/powerpoint/2012/main" xmlns:ahyp="http://schemas.microsoft.com/office/drawing/2018/hyperlinkcolor" autoCompressPictures="0" embedTrueTypeFonts="1" strictFirstAndLastChars="0" saveSubsetFonts="1">
   <p:sldMasterIdLst>
-    <p:sldMasterId id="2147483659" r:id="rId1"/>
+    <p:sldMasterId id="2147483659" r:id="rId5"/>
   </p:sldMasterIdLst>
   <p:notesMasterIdLst>
-    <p:notesMasterId r:id="rId14"/>
+    <p:notesMasterId r:id="rId6"/>
   </p:notesMasterIdLst>
   <p:sldIdLst>
-    <p:sldId id="256" r:id="rId2"/>
-    <p:sldId id="257" r:id="rId3"/>
-    <p:sldId id="258" r:id="rId4"/>
-    <p:sldId id="259" r:id="rId5"/>
-    <p:sldId id="260" r:id="rId6"/>
-    <p:sldId id="261" r:id="rId7"/>
-    <p:sldId id="262" r:id="rId8"/>
-    <p:sldId id="263" r:id="rId9"/>
-    <p:sldId id="264" r:id="rId10"/>
-    <p:sldId id="265" r:id="rId11"/>
-    <p:sldId id="266" r:id="rId12"/>
-    <p:sldId id="267" r:id="rId13"/>
+    <p:sldId id="256" r:id="rId7"/>
+    <p:sldId id="257" r:id="rId8"/>
+    <p:sldId id="258" r:id="rId9"/>
+    <p:sldId id="259" r:id="rId10"/>
+    <p:sldId id="260" r:id="rId11"/>
+    <p:sldId id="261" r:id="rId12"/>
+    <p:sldId id="262" r:id="rId13"/>
+    <p:sldId id="263" r:id="rId14"/>
+    <p:sldId id="264" r:id="rId15"/>
+    <p:sldId id="265" r:id="rId16"/>
+    <p:sldId id="266" r:id="rId17"/>
+    <p:sldId id="267" r:id="rId18"/>
   </p:sldIdLst>
-  <p:sldSz cx="9144000" cy="5143500" type="screen16x9"/>
+  <p:sldSz cy="5143500" cx="9144000"/>
   <p:notesSz cx="6858000" cy="9144000"/>
   <p:embeddedFontLst>
     <p:embeddedFont>
-      <p:font typeface="Economica" panose="020B0604020202020204" charset="0"/>
-      <p:regular r:id="rId15"/>
-      <p:bold r:id="rId16"/>
-      <p:italic r:id="rId17"/>
-      <p:boldItalic r:id="rId18"/>
-    </p:embeddedFont>
-    <p:embeddedFont>
-      <p:font typeface="Open Sans" panose="020B0604020202020204" charset="0"/>
+      <p:font typeface="Economica"/>
       <p:regular r:id="rId19"/>
       <p:bold r:id="rId20"/>
       <p:italic r:id="rId21"/>
       <p:boldItalic r:id="rId22"/>
     </p:embeddedFont>
     <p:embeddedFont>
-      <p:font typeface="Montserrat" panose="020B0604020202020204" charset="0"/>
+      <p:font typeface="Montserrat"/>
       <p:regular r:id="rId23"/>
       <p:bold r:id="rId24"/>
       <p:italic r:id="rId25"/>
       <p:boldItalic r:id="rId26"/>
     </p:embeddedFont>
+    <p:embeddedFont>
+      <p:font typeface="Open Sans"/>
+      <p:regular r:id="rId27"/>
+      <p:bold r:id="rId28"/>
+      <p:italic r:id="rId29"/>
+      <p:boldItalic r:id="rId30"/>
+    </p:embeddedFont>
   </p:embeddedFontLst>
   <p:defaultTextStyle>
-    <a:defPPr marR="0" lvl="0" algn="l" rtl="0">
+    <a:defPPr lvl="0" marR="0" rtl="0" algn="l">
       <a:lnSpc>
         <a:spcPct val="100000"/>
       </a:lnSpc>
@@ -58,7 +58,7 @@
         <a:spcPts val="0"/>
       </a:spcAft>
     </a:defPPr>
-    <a:lvl1pPr marR="0" lvl="0" algn="l" rtl="0">
+    <a:lvl1pPr lvl="0" marR="0" rtl="0" algn="l">
       <a:lnSpc>
         <a:spcPct val="100000"/>
       </a:lnSpc>
@@ -72,7 +72,7 @@
         <a:srgbClr val="000000"/>
       </a:buClr>
       <a:buFont typeface="Arial"/>
-      <a:defRPr sz="1400" b="0" i="0" u="none" strike="noStrike" cap="none">
+      <a:defRPr b="0" i="0" sz="1400" u="none" cap="none" strike="noStrike">
         <a:solidFill>
           <a:srgbClr val="000000"/>
         </a:solidFill>
@@ -82,7 +82,7 @@
         <a:sym typeface="Arial"/>
       </a:defRPr>
     </a:lvl1pPr>
-    <a:lvl2pPr marR="0" lvl="1" algn="l" rtl="0">
+    <a:lvl2pPr lvl="1" marR="0" rtl="0" algn="l">
       <a:lnSpc>
         <a:spcPct val="100000"/>
       </a:lnSpc>
@@ -96,7 +96,7 @@
         <a:srgbClr val="000000"/>
       </a:buClr>
       <a:buFont typeface="Arial"/>
-      <a:defRPr sz="1400" b="0" i="0" u="none" strike="noStrike" cap="none">
+      <a:defRPr b="0" i="0" sz="1400" u="none" cap="none" strike="noStrike">
         <a:solidFill>
           <a:srgbClr val="000000"/>
         </a:solidFill>
@@ -106,7 +106,7 @@
         <a:sym typeface="Arial"/>
       </a:defRPr>
     </a:lvl2pPr>
-    <a:lvl3pPr marR="0" lvl="2" algn="l" rtl="0">
+    <a:lvl3pPr lvl="2" marR="0" rtl="0" algn="l">
       <a:lnSpc>
         <a:spcPct val="100000"/>
       </a:lnSpc>
@@ -120,7 +120,7 @@
         <a:srgbClr val="000000"/>
       </a:buClr>
       <a:buFont typeface="Arial"/>
-      <a:defRPr sz="1400" b="0" i="0" u="none" strike="noStrike" cap="none">
+      <a:defRPr b="0" i="0" sz="1400" u="none" cap="none" strike="noStrike">
         <a:solidFill>
           <a:srgbClr val="000000"/>
         </a:solidFill>
@@ -130,7 +130,7 @@
         <a:sym typeface="Arial"/>
       </a:defRPr>
     </a:lvl3pPr>
-    <a:lvl4pPr marR="0" lvl="3" algn="l" rtl="0">
+    <a:lvl4pPr lvl="3" marR="0" rtl="0" algn="l">
       <a:lnSpc>
         <a:spcPct val="100000"/>
       </a:lnSpc>
@@ -144,7 +144,7 @@
         <a:srgbClr val="000000"/>
       </a:buClr>
       <a:buFont typeface="Arial"/>
-      <a:defRPr sz="1400" b="0" i="0" u="none" strike="noStrike" cap="none">
+      <a:defRPr b="0" i="0" sz="1400" u="none" cap="none" strike="noStrike">
         <a:solidFill>
           <a:srgbClr val="000000"/>
         </a:solidFill>
@@ -154,7 +154,7 @@
         <a:sym typeface="Arial"/>
       </a:defRPr>
     </a:lvl4pPr>
-    <a:lvl5pPr marR="0" lvl="4" algn="l" rtl="0">
+    <a:lvl5pPr lvl="4" marR="0" rtl="0" algn="l">
       <a:lnSpc>
         <a:spcPct val="100000"/>
       </a:lnSpc>
@@ -168,7 +168,7 @@
         <a:srgbClr val="000000"/>
       </a:buClr>
       <a:buFont typeface="Arial"/>
-      <a:defRPr sz="1400" b="0" i="0" u="none" strike="noStrike" cap="none">
+      <a:defRPr b="0" i="0" sz="1400" u="none" cap="none" strike="noStrike">
         <a:solidFill>
           <a:srgbClr val="000000"/>
         </a:solidFill>
@@ -178,7 +178,7 @@
         <a:sym typeface="Arial"/>
       </a:defRPr>
     </a:lvl5pPr>
-    <a:lvl6pPr marR="0" lvl="5" algn="l" rtl="0">
+    <a:lvl6pPr lvl="5" marR="0" rtl="0" algn="l">
       <a:lnSpc>
         <a:spcPct val="100000"/>
       </a:lnSpc>
@@ -192,7 +192,7 @@
         <a:srgbClr val="000000"/>
       </a:buClr>
       <a:buFont typeface="Arial"/>
-      <a:defRPr sz="1400" b="0" i="0" u="none" strike="noStrike" cap="none">
+      <a:defRPr b="0" i="0" sz="1400" u="none" cap="none" strike="noStrike">
         <a:solidFill>
           <a:srgbClr val="000000"/>
         </a:solidFill>
@@ -202,7 +202,7 @@
         <a:sym typeface="Arial"/>
       </a:defRPr>
     </a:lvl6pPr>
-    <a:lvl7pPr marR="0" lvl="6" algn="l" rtl="0">
+    <a:lvl7pPr lvl="6" marR="0" rtl="0" algn="l">
       <a:lnSpc>
         <a:spcPct val="100000"/>
       </a:lnSpc>
@@ -216,7 +216,7 @@
         <a:srgbClr val="000000"/>
       </a:buClr>
       <a:buFont typeface="Arial"/>
-      <a:defRPr sz="1400" b="0" i="0" u="none" strike="noStrike" cap="none">
+      <a:defRPr b="0" i="0" sz="1400" u="none" cap="none" strike="noStrike">
         <a:solidFill>
           <a:srgbClr val="000000"/>
         </a:solidFill>
@@ -226,7 +226,7 @@
         <a:sym typeface="Arial"/>
       </a:defRPr>
     </a:lvl7pPr>
-    <a:lvl8pPr marR="0" lvl="7" algn="l" rtl="0">
+    <a:lvl8pPr lvl="7" marR="0" rtl="0" algn="l">
       <a:lnSpc>
         <a:spcPct val="100000"/>
       </a:lnSpc>
@@ -240,7 +240,7 @@
         <a:srgbClr val="000000"/>
       </a:buClr>
       <a:buFont typeface="Arial"/>
-      <a:defRPr sz="1400" b="0" i="0" u="none" strike="noStrike" cap="none">
+      <a:defRPr b="0" i="0" sz="1400" u="none" cap="none" strike="noStrike">
         <a:solidFill>
           <a:srgbClr val="000000"/>
         </a:solidFill>
@@ -250,7 +250,7 @@
         <a:sym typeface="Arial"/>
       </a:defRPr>
     </a:lvl8pPr>
-    <a:lvl9pPr marR="0" lvl="8" algn="l" rtl="0">
+    <a:lvl9pPr lvl="8" marR="0" rtl="0" algn="l">
       <a:lnSpc>
         <a:spcPct val="100000"/>
       </a:lnSpc>
@@ -264,7 +264,7 @@
         <a:srgbClr val="000000"/>
       </a:buClr>
       <a:buFont typeface="Arial"/>
-      <a:defRPr sz="1400" b="0" i="0" u="none" strike="noStrike" cap="none">
+      <a:defRPr b="0" i="0" sz="1400" u="none" cap="none" strike="noStrike">
         <a:solidFill>
           <a:srgbClr val="000000"/>
         </a:solidFill>
@@ -277,7 +277,7 @@
   </p:defaultTextStyle>
   <p:extLst>
     <p:ext uri="{EFAFB233-063F-42B5-8137-9DF3F51BA10A}">
-      <p15:sldGuideLst xmlns:p15="http://schemas.microsoft.com/office/powerpoint/2012/main">
+      <p15:sldGuideLst>
         <p15:guide id="1" orient="horz" pos="1620">
           <p15:clr>
             <a:srgbClr val="A4A3A4"/>
@@ -295,16 +295,11 @@
 </file>
 
 <file path=ppt/notesMasters/notesMaster1.xml><?xml version="1.0" encoding="utf-8"?>
-<p:notesMaster xmlns:a="http://schemas.openxmlformats.org/drawingml/2006/main" xmlns:r="http://schemas.openxmlformats.org/officeDocument/2006/relationships" xmlns:p="http://schemas.openxmlformats.org/presentationml/2006/main">
+<p:notesMaster xmlns:a="http://schemas.openxmlformats.org/drawingml/2006/main" xmlns:r="http://schemas.openxmlformats.org/officeDocument/2006/relationships" xmlns:mc="http://schemas.openxmlformats.org/markup-compatibility/2006" xmlns:mv="urn:schemas-microsoft-com:mac:vml" xmlns:p="http://schemas.openxmlformats.org/presentationml/2006/main" xmlns:c="http://schemas.openxmlformats.org/drawingml/2006/chart" xmlns:dgm="http://schemas.openxmlformats.org/drawingml/2006/diagram" xmlns:o="urn:schemas-microsoft-com:office:office" xmlns:v="urn:schemas-microsoft-com:vml" xmlns:pvml="urn:schemas-microsoft-com:office:powerpoint" xmlns:com="http://schemas.openxmlformats.org/drawingml/2006/compatibility" xmlns:p14="http://schemas.microsoft.com/office/powerpoint/2010/main" xmlns:p15="http://schemas.microsoft.com/office/powerpoint/2012/main" xmlns:ahyp="http://schemas.microsoft.com/office/drawing/2018/hyperlinkcolor">
   <p:cSld>
-    <p:bg>
-      <p:bgRef idx="1001">
-        <a:schemeClr val="bg1"/>
-      </p:bgRef>
-    </p:bg>
     <p:spTree>
       <p:nvGrpSpPr>
-        <p:cNvPr id="1" name="Shape 2"/>
+        <p:cNvPr id="2" name="Shape 2"/>
         <p:cNvGrpSpPr/>
         <p:nvPr/>
       </p:nvGrpSpPr>
@@ -319,11 +314,9 @@
       <p:sp>
         <p:nvSpPr>
           <p:cNvPr id="3" name="Google Shape;3;n"/>
-          <p:cNvSpPr>
-            <a:spLocks noGrp="1" noRot="1" noChangeAspect="1"/>
-          </p:cNvSpPr>
+          <p:cNvSpPr/>
           <p:nvPr>
-            <p:ph type="sldImg" idx="2"/>
+            <p:ph idx="2" type="sldImg"/>
           </p:nvPr>
         </p:nvSpPr>
         <p:spPr>
@@ -332,13 +325,9 @@
             <a:ext cx="6096075" cy="3429000"/>
           </a:xfrm>
           <a:custGeom>
-            <a:avLst/>
-            <a:gdLst/>
-            <a:ahLst/>
-            <a:cxnLst/>
-            <a:rect l="l" t="t" r="r" b="b"/>
+            <a:rect b="b" l="l" r="r" t="t"/>
             <a:pathLst>
-              <a:path w="120000" h="120000" extrusionOk="0">
+              <a:path extrusionOk="0" h="120000" w="120000">
                 <a:moveTo>
                   <a:pt x="0" y="0"/>
                 </a:moveTo>
@@ -356,25 +345,23 @@
             </a:pathLst>
           </a:custGeom>
           <a:noFill/>
-          <a:ln w="9525" cap="flat" cmpd="sng">
+          <a:ln cap="flat" cmpd="sng" w="9525">
             <a:solidFill>
               <a:srgbClr val="000000"/>
             </a:solidFill>
             <a:prstDash val="solid"/>
             <a:round/>
-            <a:headEnd type="none" w="sm" len="sm"/>
-            <a:tailEnd type="none" w="sm" len="sm"/>
+            <a:headEnd len="sm" w="sm" type="none"/>
+            <a:tailEnd len="sm" w="sm" type="none"/>
           </a:ln>
         </p:spPr>
       </p:sp>
       <p:sp>
         <p:nvSpPr>
           <p:cNvPr id="4" name="Google Shape;4;n"/>
-          <p:cNvSpPr txBox="1">
-            <a:spLocks noGrp="1"/>
-          </p:cNvSpPr>
+          <p:cNvSpPr txBox="1"/>
           <p:nvPr>
-            <p:ph type="body" idx="1"/>
+            <p:ph idx="1" type="body"/>
           </p:nvPr>
         </p:nvSpPr>
         <p:spPr>
@@ -391,11 +378,11 @@
           </a:ln>
         </p:spPr>
         <p:txBody>
-          <a:bodyPr spcFirstLastPara="1" wrap="square" lIns="91425" tIns="91425" rIns="91425" bIns="91425" anchor="t" anchorCtr="0">
+          <a:bodyPr anchorCtr="0" anchor="t" bIns="91425" lIns="91425" spcFirstLastPara="1" rIns="91425" wrap="square" tIns="91425">
             <a:noAutofit/>
           </a:bodyPr>
           <a:lstStyle>
-            <a:lvl1pPr marL="457200" lvl="0" indent="-298450">
+            <a:lvl1pPr indent="-298450" lvl="0" marL="457200">
               <a:spcBef>
                 <a:spcPts val="0"/>
               </a:spcBef>
@@ -406,7 +393,7 @@
               <a:buChar char="●"/>
               <a:defRPr sz="1100"/>
             </a:lvl1pPr>
-            <a:lvl2pPr marL="914400" lvl="1" indent="-298450">
+            <a:lvl2pPr indent="-298450" lvl="1" marL="914400">
               <a:spcBef>
                 <a:spcPts val="0"/>
               </a:spcBef>
@@ -417,7 +404,7 @@
               <a:buChar char="○"/>
               <a:defRPr sz="1100"/>
             </a:lvl2pPr>
-            <a:lvl3pPr marL="1371600" lvl="2" indent="-298450">
+            <a:lvl3pPr indent="-298450" lvl="2" marL="1371600">
               <a:spcBef>
                 <a:spcPts val="0"/>
               </a:spcBef>
@@ -428,7 +415,7 @@
               <a:buChar char="■"/>
               <a:defRPr sz="1100"/>
             </a:lvl3pPr>
-            <a:lvl4pPr marL="1828800" lvl="3" indent="-298450">
+            <a:lvl4pPr indent="-298450" lvl="3" marL="1828800">
               <a:spcBef>
                 <a:spcPts val="0"/>
               </a:spcBef>
@@ -439,7 +426,7 @@
               <a:buChar char="●"/>
               <a:defRPr sz="1100"/>
             </a:lvl4pPr>
-            <a:lvl5pPr marL="2286000" lvl="4" indent="-298450">
+            <a:lvl5pPr indent="-298450" lvl="4" marL="2286000">
               <a:spcBef>
                 <a:spcPts val="0"/>
               </a:spcBef>
@@ -450,7 +437,7 @@
               <a:buChar char="○"/>
               <a:defRPr sz="1100"/>
             </a:lvl5pPr>
-            <a:lvl6pPr marL="2743200" lvl="5" indent="-298450">
+            <a:lvl6pPr indent="-298450" lvl="5" marL="2743200">
               <a:spcBef>
                 <a:spcPts val="0"/>
               </a:spcBef>
@@ -461,7 +448,7 @@
               <a:buChar char="■"/>
               <a:defRPr sz="1100"/>
             </a:lvl6pPr>
-            <a:lvl7pPr marL="3200400" lvl="6" indent="-298450">
+            <a:lvl7pPr indent="-298450" lvl="6" marL="3200400">
               <a:spcBef>
                 <a:spcPts val="0"/>
               </a:spcBef>
@@ -472,7 +459,7 @@
               <a:buChar char="●"/>
               <a:defRPr sz="1100"/>
             </a:lvl7pPr>
-            <a:lvl8pPr marL="3657600" lvl="7" indent="-298450">
+            <a:lvl8pPr indent="-298450" lvl="7" marL="3657600">
               <a:spcBef>
                 <a:spcPts val="0"/>
               </a:spcBef>
@@ -483,7 +470,7 @@
               <a:buChar char="○"/>
               <a:defRPr sz="1100"/>
             </a:lvl8pPr>
-            <a:lvl9pPr marL="4114800" lvl="8" indent="-298450">
+            <a:lvl9pPr indent="-298450" lvl="8" marL="4114800">
               <a:spcBef>
                 <a:spcPts val="0"/>
               </a:spcBef>
@@ -495,16 +482,14 @@
               <a:defRPr sz="1100"/>
             </a:lvl9pPr>
           </a:lstStyle>
-          <a:p>
-            <a:endParaRPr/>
-          </a:p>
+          <a:p/>
         </p:txBody>
       </p:sp>
     </p:spTree>
   </p:cSld>
-  <p:clrMap bg1="lt1" tx1="dk1" bg2="dk2" tx2="lt2" accent1="accent1" accent2="accent2" accent3="accent3" accent4="accent4" accent5="accent5" accent6="accent6" hlink="hlink" folHlink="folHlink"/>
+  <p:clrMap accent1="accent1" accent2="accent2" accent3="accent3" accent4="accent4" accent5="accent5" accent6="accent6" bg1="lt1" bg2="dk2" tx1="dk1" tx2="lt2" folHlink="folHlink" hlink="hlink"/>
   <p:notesStyle>
-    <a:defPPr marR="0" lvl="0" algn="l" rtl="0">
+    <a:defPPr lvl="0" marR="0" rtl="0" algn="l">
       <a:lnSpc>
         <a:spcPct val="100000"/>
       </a:lnSpc>
@@ -515,7 +500,7 @@
         <a:spcPts val="0"/>
       </a:spcAft>
     </a:defPPr>
-    <a:lvl1pPr marR="0" lvl="0" algn="l" rtl="0">
+    <a:lvl1pPr lvl="0" marR="0" rtl="0" algn="l">
       <a:lnSpc>
         <a:spcPct val="100000"/>
       </a:lnSpc>
@@ -529,7 +514,7 @@
         <a:srgbClr val="000000"/>
       </a:buClr>
       <a:buFont typeface="Arial"/>
-      <a:defRPr sz="1400" b="0" i="0" u="none" strike="noStrike" cap="none">
+      <a:defRPr b="0" i="0" sz="1400" u="none" cap="none" strike="noStrike">
         <a:solidFill>
           <a:srgbClr val="000000"/>
         </a:solidFill>
@@ -539,7 +524,7 @@
         <a:sym typeface="Arial"/>
       </a:defRPr>
     </a:lvl1pPr>
-    <a:lvl2pPr marR="0" lvl="1" algn="l" rtl="0">
+    <a:lvl2pPr lvl="1" marR="0" rtl="0" algn="l">
       <a:lnSpc>
         <a:spcPct val="100000"/>
       </a:lnSpc>
@@ -553,7 +538,7 @@
         <a:srgbClr val="000000"/>
       </a:buClr>
       <a:buFont typeface="Arial"/>
-      <a:defRPr sz="1400" b="0" i="0" u="none" strike="noStrike" cap="none">
+      <a:defRPr b="0" i="0" sz="1400" u="none" cap="none" strike="noStrike">
         <a:solidFill>
           <a:srgbClr val="000000"/>
         </a:solidFill>
@@ -563,7 +548,7 @@
         <a:sym typeface="Arial"/>
       </a:defRPr>
     </a:lvl2pPr>
-    <a:lvl3pPr marR="0" lvl="2" algn="l" rtl="0">
+    <a:lvl3pPr lvl="2" marR="0" rtl="0" algn="l">
       <a:lnSpc>
         <a:spcPct val="100000"/>
       </a:lnSpc>
@@ -577,7 +562,7 @@
         <a:srgbClr val="000000"/>
       </a:buClr>
       <a:buFont typeface="Arial"/>
-      <a:defRPr sz="1400" b="0" i="0" u="none" strike="noStrike" cap="none">
+      <a:defRPr b="0" i="0" sz="1400" u="none" cap="none" strike="noStrike">
         <a:solidFill>
           <a:srgbClr val="000000"/>
         </a:solidFill>
@@ -587,7 +572,7 @@
         <a:sym typeface="Arial"/>
       </a:defRPr>
     </a:lvl3pPr>
-    <a:lvl4pPr marR="0" lvl="3" algn="l" rtl="0">
+    <a:lvl4pPr lvl="3" marR="0" rtl="0" algn="l">
       <a:lnSpc>
         <a:spcPct val="100000"/>
       </a:lnSpc>
@@ -601,7 +586,7 @@
         <a:srgbClr val="000000"/>
       </a:buClr>
       <a:buFont typeface="Arial"/>
-      <a:defRPr sz="1400" b="0" i="0" u="none" strike="noStrike" cap="none">
+      <a:defRPr b="0" i="0" sz="1400" u="none" cap="none" strike="noStrike">
         <a:solidFill>
           <a:srgbClr val="000000"/>
         </a:solidFill>
@@ -611,7 +596,7 @@
         <a:sym typeface="Arial"/>
       </a:defRPr>
     </a:lvl4pPr>
-    <a:lvl5pPr marR="0" lvl="4" algn="l" rtl="0">
+    <a:lvl5pPr lvl="4" marR="0" rtl="0" algn="l">
       <a:lnSpc>
         <a:spcPct val="100000"/>
       </a:lnSpc>
@@ -625,7 +610,7 @@
         <a:srgbClr val="000000"/>
       </a:buClr>
       <a:buFont typeface="Arial"/>
-      <a:defRPr sz="1400" b="0" i="0" u="none" strike="noStrike" cap="none">
+      <a:defRPr b="0" i="0" sz="1400" u="none" cap="none" strike="noStrike">
         <a:solidFill>
           <a:srgbClr val="000000"/>
         </a:solidFill>
@@ -635,7 +620,7 @@
         <a:sym typeface="Arial"/>
       </a:defRPr>
     </a:lvl5pPr>
-    <a:lvl6pPr marR="0" lvl="5" algn="l" rtl="0">
+    <a:lvl6pPr lvl="5" marR="0" rtl="0" algn="l">
       <a:lnSpc>
         <a:spcPct val="100000"/>
       </a:lnSpc>
@@ -649,7 +634,7 @@
         <a:srgbClr val="000000"/>
       </a:buClr>
       <a:buFont typeface="Arial"/>
-      <a:defRPr sz="1400" b="0" i="0" u="none" strike="noStrike" cap="none">
+      <a:defRPr b="0" i="0" sz="1400" u="none" cap="none" strike="noStrike">
         <a:solidFill>
           <a:srgbClr val="000000"/>
         </a:solidFill>
@@ -659,7 +644,7 @@
         <a:sym typeface="Arial"/>
       </a:defRPr>
     </a:lvl6pPr>
-    <a:lvl7pPr marR="0" lvl="6" algn="l" rtl="0">
+    <a:lvl7pPr lvl="6" marR="0" rtl="0" algn="l">
       <a:lnSpc>
         <a:spcPct val="100000"/>
       </a:lnSpc>
@@ -673,7 +658,7 @@
         <a:srgbClr val="000000"/>
       </a:buClr>
       <a:buFont typeface="Arial"/>
-      <a:defRPr sz="1400" b="0" i="0" u="none" strike="noStrike" cap="none">
+      <a:defRPr b="0" i="0" sz="1400" u="none" cap="none" strike="noStrike">
         <a:solidFill>
           <a:srgbClr val="000000"/>
         </a:solidFill>
@@ -683,7 +668,7 @@
         <a:sym typeface="Arial"/>
       </a:defRPr>
     </a:lvl7pPr>
-    <a:lvl8pPr marR="0" lvl="7" algn="l" rtl="0">
+    <a:lvl8pPr lvl="7" marR="0" rtl="0" algn="l">
       <a:lnSpc>
         <a:spcPct val="100000"/>
       </a:lnSpc>
@@ -697,7 +682,7 @@
         <a:srgbClr val="000000"/>
       </a:buClr>
       <a:buFont typeface="Arial"/>
-      <a:defRPr sz="1400" b="0" i="0" u="none" strike="noStrike" cap="none">
+      <a:defRPr b="0" i="0" sz="1400" u="none" cap="none" strike="noStrike">
         <a:solidFill>
           <a:srgbClr val="000000"/>
         </a:solidFill>
@@ -707,7 +692,7 @@
         <a:sym typeface="Arial"/>
       </a:defRPr>
     </a:lvl8pPr>
-    <a:lvl9pPr marR="0" lvl="8" algn="l" rtl="0">
+    <a:lvl9pPr lvl="8" marR="0" rtl="0" algn="l">
       <a:lnSpc>
         <a:spcPct val="100000"/>
       </a:lnSpc>
@@ -721,7 +706,7 @@
         <a:srgbClr val="000000"/>
       </a:buClr>
       <a:buFont typeface="Arial"/>
-      <a:defRPr sz="1400" b="0" i="0" u="none" strike="noStrike" cap="none">
+      <a:defRPr b="0" i="0" sz="1400" u="none" cap="none" strike="noStrike">
         <a:solidFill>
           <a:srgbClr val="000000"/>
         </a:solidFill>
@@ -736,11 +721,11 @@
 </file>
 
 <file path=ppt/notesSlides/notesSlide1.xml><?xml version="1.0" encoding="utf-8"?>
-<p:notes xmlns:a="http://schemas.openxmlformats.org/drawingml/2006/main" xmlns:r="http://schemas.openxmlformats.org/officeDocument/2006/relationships" xmlns:p="http://schemas.openxmlformats.org/presentationml/2006/main" showMasterSp="0" showMasterPhAnim="0">
+<p:notes xmlns:a="http://schemas.openxmlformats.org/drawingml/2006/main" xmlns:r="http://schemas.openxmlformats.org/officeDocument/2006/relationships" xmlns:mc="http://schemas.openxmlformats.org/markup-compatibility/2006" xmlns:mv="urn:schemas-microsoft-com:mac:vml" xmlns:p="http://schemas.openxmlformats.org/presentationml/2006/main" xmlns:c="http://schemas.openxmlformats.org/drawingml/2006/chart" xmlns:dgm="http://schemas.openxmlformats.org/drawingml/2006/diagram" xmlns:o="urn:schemas-microsoft-com:office:office" xmlns:v="urn:schemas-microsoft-com:vml" xmlns:pvml="urn:schemas-microsoft-com:office:powerpoint" xmlns:com="http://schemas.openxmlformats.org/drawingml/2006/compatibility" xmlns:p14="http://schemas.microsoft.com/office/powerpoint/2010/main" xmlns:p15="http://schemas.microsoft.com/office/powerpoint/2012/main" xmlns:ahyp="http://schemas.microsoft.com/office/drawing/2018/hyperlinkcolor" showMasterPhAnim="0" showMasterSp="0">
   <p:cSld>
     <p:spTree>
       <p:nvGrpSpPr>
-        <p:cNvPr id="1" name="Shape 58"/>
+        <p:cNvPr id="58" name="Shape 58"/>
         <p:cNvGrpSpPr/>
         <p:nvPr/>
       </p:nvGrpSpPr>
@@ -755,26 +740,20 @@
       <p:sp>
         <p:nvSpPr>
           <p:cNvPr id="59" name="Google Shape;59;gda7a18c69e_1_28:notes"/>
-          <p:cNvSpPr>
-            <a:spLocks noGrp="1" noRot="1" noChangeAspect="1"/>
-          </p:cNvSpPr>
+          <p:cNvSpPr/>
           <p:nvPr>
-            <p:ph type="sldImg" idx="2"/>
+            <p:ph idx="2" type="sldImg"/>
           </p:nvPr>
         </p:nvSpPr>
         <p:spPr>
           <a:xfrm>
-            <a:off x="381000" y="685800"/>
+            <a:off x="381300" y="685800"/>
             <a:ext cx="6096000" cy="3429000"/>
           </a:xfrm>
           <a:custGeom>
-            <a:avLst/>
-            <a:gdLst/>
-            <a:ahLst/>
-            <a:cxnLst/>
-            <a:rect l="l" t="t" r="r" b="b"/>
+            <a:rect b="b" l="l" r="r" t="t"/>
             <a:pathLst>
-              <a:path w="120000" h="120000" extrusionOk="0">
+              <a:path extrusionOk="0" h="120000" w="120000">
                 <a:moveTo>
                   <a:pt x="0" y="0"/>
                 </a:moveTo>
@@ -796,11 +775,9 @@
       <p:sp>
         <p:nvSpPr>
           <p:cNvPr id="60" name="Google Shape;60;gda7a18c69e_1_28:notes"/>
-          <p:cNvSpPr txBox="1">
-            <a:spLocks noGrp="1"/>
-          </p:cNvSpPr>
+          <p:cNvSpPr txBox="1"/>
           <p:nvPr>
-            <p:ph type="body" idx="1"/>
+            <p:ph idx="1" type="body"/>
           </p:nvPr>
         </p:nvSpPr>
         <p:spPr>
@@ -813,12 +790,12 @@
           </a:prstGeom>
         </p:spPr>
         <p:txBody>
-          <a:bodyPr spcFirstLastPara="1" wrap="square" lIns="91425" tIns="91425" rIns="91425" bIns="91425" anchor="t" anchorCtr="0">
+          <a:bodyPr anchorCtr="0" anchor="t" bIns="91425" lIns="91425" spcFirstLastPara="1" rIns="91425" wrap="square" tIns="91425">
             <a:noAutofit/>
           </a:bodyPr>
           <a:lstStyle/>
           <a:p>
-            <a:pPr marL="0" lvl="0" indent="0" algn="l" rtl="0">
+            <a:pPr indent="0" lvl="0" marL="0" rtl="0" algn="l">
               <a:spcBef>
                 <a:spcPts val="0"/>
               </a:spcBef>
@@ -827,6 +804,9 @@
               </a:spcAft>
               <a:buNone/>
             </a:pPr>
+            <a:r>
+              <a:t/>
+            </a:r>
             <a:endParaRPr/>
           </a:p>
         </p:txBody>
@@ -840,11 +820,11 @@
 </file>
 
 <file path=ppt/notesSlides/notesSlide10.xml><?xml version="1.0" encoding="utf-8"?>
-<p:notes xmlns:a="http://schemas.openxmlformats.org/drawingml/2006/main" xmlns:r="http://schemas.openxmlformats.org/officeDocument/2006/relationships" xmlns:p="http://schemas.openxmlformats.org/presentationml/2006/main" showMasterSp="0" showMasterPhAnim="0">
+<p:notes xmlns:a="http://schemas.openxmlformats.org/drawingml/2006/main" xmlns:r="http://schemas.openxmlformats.org/officeDocument/2006/relationships" xmlns:mc="http://schemas.openxmlformats.org/markup-compatibility/2006" xmlns:mv="urn:schemas-microsoft-com:mac:vml" xmlns:p="http://schemas.openxmlformats.org/presentationml/2006/main" xmlns:c="http://schemas.openxmlformats.org/drawingml/2006/chart" xmlns:dgm="http://schemas.openxmlformats.org/drawingml/2006/diagram" xmlns:o="urn:schemas-microsoft-com:office:office" xmlns:v="urn:schemas-microsoft-com:vml" xmlns:pvml="urn:schemas-microsoft-com:office:powerpoint" xmlns:com="http://schemas.openxmlformats.org/drawingml/2006/compatibility" xmlns:p14="http://schemas.microsoft.com/office/powerpoint/2010/main" xmlns:p15="http://schemas.microsoft.com/office/powerpoint/2012/main" xmlns:ahyp="http://schemas.microsoft.com/office/drawing/2018/hyperlinkcolor" showMasterPhAnim="0" showMasterSp="0">
   <p:cSld>
     <p:spTree>
       <p:nvGrpSpPr>
-        <p:cNvPr id="1" name="Shape 129"/>
+        <p:cNvPr id="129" name="Shape 129"/>
         <p:cNvGrpSpPr/>
         <p:nvPr/>
       </p:nvGrpSpPr>
@@ -859,26 +839,20 @@
       <p:sp>
         <p:nvSpPr>
           <p:cNvPr id="130" name="Google Shape;130;gdb69d6b7fc_1_6:notes"/>
-          <p:cNvSpPr>
-            <a:spLocks noGrp="1" noRot="1" noChangeAspect="1"/>
-          </p:cNvSpPr>
+          <p:cNvSpPr/>
           <p:nvPr>
-            <p:ph type="sldImg" idx="2"/>
+            <p:ph idx="2" type="sldImg"/>
           </p:nvPr>
         </p:nvSpPr>
         <p:spPr>
           <a:xfrm>
-            <a:off x="381000" y="685800"/>
+            <a:off x="381300" y="685800"/>
             <a:ext cx="6096000" cy="3429000"/>
           </a:xfrm>
           <a:custGeom>
-            <a:avLst/>
-            <a:gdLst/>
-            <a:ahLst/>
-            <a:cxnLst/>
-            <a:rect l="l" t="t" r="r" b="b"/>
+            <a:rect b="b" l="l" r="r" t="t"/>
             <a:pathLst>
-              <a:path w="120000" h="120000" extrusionOk="0">
+              <a:path extrusionOk="0" h="120000" w="120000">
                 <a:moveTo>
                   <a:pt x="0" y="0"/>
                 </a:moveTo>
@@ -900,11 +874,9 @@
       <p:sp>
         <p:nvSpPr>
           <p:cNvPr id="131" name="Google Shape;131;gdb69d6b7fc_1_6:notes"/>
-          <p:cNvSpPr txBox="1">
-            <a:spLocks noGrp="1"/>
-          </p:cNvSpPr>
+          <p:cNvSpPr txBox="1"/>
           <p:nvPr>
-            <p:ph type="body" idx="1"/>
+            <p:ph idx="1" type="body"/>
           </p:nvPr>
         </p:nvSpPr>
         <p:spPr>
@@ -917,12 +889,12 @@
           </a:prstGeom>
         </p:spPr>
         <p:txBody>
-          <a:bodyPr spcFirstLastPara="1" wrap="square" lIns="91425" tIns="91425" rIns="91425" bIns="91425" anchor="t" anchorCtr="0">
+          <a:bodyPr anchorCtr="0" anchor="t" bIns="91425" lIns="91425" spcFirstLastPara="1" rIns="91425" wrap="square" tIns="91425">
             <a:noAutofit/>
           </a:bodyPr>
           <a:lstStyle/>
           <a:p>
-            <a:pPr marL="0" lvl="0" indent="0" algn="l" rtl="0">
+            <a:pPr indent="0" lvl="0" marL="0" rtl="0" algn="l">
               <a:spcBef>
                 <a:spcPts val="0"/>
               </a:spcBef>
@@ -931,6 +903,9 @@
               </a:spcAft>
               <a:buNone/>
             </a:pPr>
+            <a:r>
+              <a:t/>
+            </a:r>
             <a:endParaRPr/>
           </a:p>
         </p:txBody>
@@ -944,11 +919,11 @@
 </file>
 
 <file path=ppt/notesSlides/notesSlide11.xml><?xml version="1.0" encoding="utf-8"?>
-<p:notes xmlns:a="http://schemas.openxmlformats.org/drawingml/2006/main" xmlns:r="http://schemas.openxmlformats.org/officeDocument/2006/relationships" xmlns:p="http://schemas.openxmlformats.org/presentationml/2006/main" showMasterSp="0" showMasterPhAnim="0">
+<p:notes xmlns:a="http://schemas.openxmlformats.org/drawingml/2006/main" xmlns:r="http://schemas.openxmlformats.org/officeDocument/2006/relationships" xmlns:mc="http://schemas.openxmlformats.org/markup-compatibility/2006" xmlns:mv="urn:schemas-microsoft-com:mac:vml" xmlns:p="http://schemas.openxmlformats.org/presentationml/2006/main" xmlns:c="http://schemas.openxmlformats.org/drawingml/2006/chart" xmlns:dgm="http://schemas.openxmlformats.org/drawingml/2006/diagram" xmlns:o="urn:schemas-microsoft-com:office:office" xmlns:v="urn:schemas-microsoft-com:vml" xmlns:pvml="urn:schemas-microsoft-com:office:powerpoint" xmlns:com="http://schemas.openxmlformats.org/drawingml/2006/compatibility" xmlns:p14="http://schemas.microsoft.com/office/powerpoint/2010/main" xmlns:p15="http://schemas.microsoft.com/office/powerpoint/2012/main" xmlns:ahyp="http://schemas.microsoft.com/office/drawing/2018/hyperlinkcolor" showMasterPhAnim="0" showMasterSp="0">
   <p:cSld>
     <p:spTree>
       <p:nvGrpSpPr>
-        <p:cNvPr id="1" name="Shape 141"/>
+        <p:cNvPr id="141" name="Shape 141"/>
         <p:cNvGrpSpPr/>
         <p:nvPr/>
       </p:nvGrpSpPr>
@@ -963,26 +938,20 @@
       <p:sp>
         <p:nvSpPr>
           <p:cNvPr id="142" name="Google Shape;142;gd990b60af0_2_2:notes"/>
-          <p:cNvSpPr>
-            <a:spLocks noGrp="1" noRot="1" noChangeAspect="1"/>
-          </p:cNvSpPr>
+          <p:cNvSpPr/>
           <p:nvPr>
-            <p:ph type="sldImg" idx="2"/>
+            <p:ph idx="2" type="sldImg"/>
           </p:nvPr>
         </p:nvSpPr>
         <p:spPr>
           <a:xfrm>
-            <a:off x="381000" y="685800"/>
+            <a:off x="381300" y="685800"/>
             <a:ext cx="6096000" cy="3429000"/>
           </a:xfrm>
           <a:custGeom>
-            <a:avLst/>
-            <a:gdLst/>
-            <a:ahLst/>
-            <a:cxnLst/>
-            <a:rect l="l" t="t" r="r" b="b"/>
+            <a:rect b="b" l="l" r="r" t="t"/>
             <a:pathLst>
-              <a:path w="120000" h="120000" extrusionOk="0">
+              <a:path extrusionOk="0" h="120000" w="120000">
                 <a:moveTo>
                   <a:pt x="0" y="0"/>
                 </a:moveTo>
@@ -1004,11 +973,9 @@
       <p:sp>
         <p:nvSpPr>
           <p:cNvPr id="143" name="Google Shape;143;gd990b60af0_2_2:notes"/>
-          <p:cNvSpPr txBox="1">
-            <a:spLocks noGrp="1"/>
-          </p:cNvSpPr>
+          <p:cNvSpPr txBox="1"/>
           <p:nvPr>
-            <p:ph type="body" idx="1"/>
+            <p:ph idx="1" type="body"/>
           </p:nvPr>
         </p:nvSpPr>
         <p:spPr>
@@ -1021,12 +988,12 @@
           </a:prstGeom>
         </p:spPr>
         <p:txBody>
-          <a:bodyPr spcFirstLastPara="1" wrap="square" lIns="91425" tIns="91425" rIns="91425" bIns="91425" anchor="t" anchorCtr="0">
+          <a:bodyPr anchorCtr="0" anchor="t" bIns="91425" lIns="91425" spcFirstLastPara="1" rIns="91425" wrap="square" tIns="91425">
             <a:noAutofit/>
           </a:bodyPr>
           <a:lstStyle/>
           <a:p>
-            <a:pPr marL="0" lvl="0" indent="0" algn="l" rtl="0">
+            <a:pPr indent="0" lvl="0" marL="0" rtl="0" algn="l">
               <a:spcBef>
                 <a:spcPts val="0"/>
               </a:spcBef>
@@ -1035,10 +1002,13 @@
               </a:spcAft>
               <a:buNone/>
             </a:pPr>
+            <a:r>
+              <a:t/>
+            </a:r>
             <a:endParaRPr/>
           </a:p>
           <a:p>
-            <a:pPr marL="0" lvl="0" indent="0" algn="l" rtl="0">
+            <a:pPr indent="0" lvl="0" marL="0" rtl="0" algn="l">
               <a:spcBef>
                 <a:spcPts val="0"/>
               </a:spcBef>
@@ -1047,6 +1017,9 @@
               </a:spcAft>
               <a:buNone/>
             </a:pPr>
+            <a:r>
+              <a:t/>
+            </a:r>
             <a:endParaRPr/>
           </a:p>
         </p:txBody>
@@ -1060,11 +1033,11 @@
 </file>
 
 <file path=ppt/notesSlides/notesSlide12.xml><?xml version="1.0" encoding="utf-8"?>
-<p:notes xmlns:a="http://schemas.openxmlformats.org/drawingml/2006/main" xmlns:r="http://schemas.openxmlformats.org/officeDocument/2006/relationships" xmlns:p="http://schemas.openxmlformats.org/presentationml/2006/main" showMasterSp="0" showMasterPhAnim="0">
+<p:notes xmlns:a="http://schemas.openxmlformats.org/drawingml/2006/main" xmlns:r="http://schemas.openxmlformats.org/officeDocument/2006/relationships" xmlns:mc="http://schemas.openxmlformats.org/markup-compatibility/2006" xmlns:mv="urn:schemas-microsoft-com:mac:vml" xmlns:p="http://schemas.openxmlformats.org/presentationml/2006/main" xmlns:c="http://schemas.openxmlformats.org/drawingml/2006/chart" xmlns:dgm="http://schemas.openxmlformats.org/drawingml/2006/diagram" xmlns:o="urn:schemas-microsoft-com:office:office" xmlns:v="urn:schemas-microsoft-com:vml" xmlns:pvml="urn:schemas-microsoft-com:office:powerpoint" xmlns:com="http://schemas.openxmlformats.org/drawingml/2006/compatibility" xmlns:p14="http://schemas.microsoft.com/office/powerpoint/2010/main" xmlns:p15="http://schemas.microsoft.com/office/powerpoint/2012/main" xmlns:ahyp="http://schemas.microsoft.com/office/drawing/2018/hyperlinkcolor" showMasterPhAnim="0" showMasterSp="0">
   <p:cSld>
     <p:spTree>
       <p:nvGrpSpPr>
-        <p:cNvPr id="1" name="Shape 147"/>
+        <p:cNvPr id="147" name="Shape 147"/>
         <p:cNvGrpSpPr/>
         <p:nvPr/>
       </p:nvGrpSpPr>
@@ -1079,26 +1052,20 @@
       <p:sp>
         <p:nvSpPr>
           <p:cNvPr id="148" name="Google Shape;148;gd990b60af0_0_0:notes"/>
-          <p:cNvSpPr>
-            <a:spLocks noGrp="1" noRot="1" noChangeAspect="1"/>
-          </p:cNvSpPr>
+          <p:cNvSpPr/>
           <p:nvPr>
-            <p:ph type="sldImg" idx="2"/>
+            <p:ph idx="2" type="sldImg"/>
           </p:nvPr>
         </p:nvSpPr>
         <p:spPr>
           <a:xfrm>
-            <a:off x="381000" y="685800"/>
+            <a:off x="381300" y="685800"/>
             <a:ext cx="6096000" cy="3429000"/>
           </a:xfrm>
           <a:custGeom>
-            <a:avLst/>
-            <a:gdLst/>
-            <a:ahLst/>
-            <a:cxnLst/>
-            <a:rect l="l" t="t" r="r" b="b"/>
+            <a:rect b="b" l="l" r="r" t="t"/>
             <a:pathLst>
-              <a:path w="120000" h="120000" extrusionOk="0">
+              <a:path extrusionOk="0" h="120000" w="120000">
                 <a:moveTo>
                   <a:pt x="0" y="0"/>
                 </a:moveTo>
@@ -1120,11 +1087,9 @@
       <p:sp>
         <p:nvSpPr>
           <p:cNvPr id="149" name="Google Shape;149;gd990b60af0_0_0:notes"/>
-          <p:cNvSpPr txBox="1">
-            <a:spLocks noGrp="1"/>
-          </p:cNvSpPr>
+          <p:cNvSpPr txBox="1"/>
           <p:nvPr>
-            <p:ph type="body" idx="1"/>
+            <p:ph idx="1" type="body"/>
           </p:nvPr>
         </p:nvSpPr>
         <p:spPr>
@@ -1137,12 +1102,12 @@
           </a:prstGeom>
         </p:spPr>
         <p:txBody>
-          <a:bodyPr spcFirstLastPara="1" wrap="square" lIns="91425" tIns="91425" rIns="91425" bIns="91425" anchor="t" anchorCtr="0">
+          <a:bodyPr anchorCtr="0" anchor="t" bIns="91425" lIns="91425" spcFirstLastPara="1" rIns="91425" wrap="square" tIns="91425">
             <a:noAutofit/>
           </a:bodyPr>
           <a:lstStyle/>
           <a:p>
-            <a:pPr marL="0" lvl="0" indent="0" algn="l" rtl="0">
+            <a:pPr indent="0" lvl="0" marL="0" rtl="0" algn="l">
               <a:spcBef>
                 <a:spcPts val="0"/>
               </a:spcBef>
@@ -1151,6 +1116,9 @@
               </a:spcAft>
               <a:buNone/>
             </a:pPr>
+            <a:r>
+              <a:t/>
+            </a:r>
             <a:endParaRPr/>
           </a:p>
         </p:txBody>
@@ -1164,11 +1132,11 @@
 </file>
 
 <file path=ppt/notesSlides/notesSlide2.xml><?xml version="1.0" encoding="utf-8"?>
-<p:notes xmlns:a="http://schemas.openxmlformats.org/drawingml/2006/main" xmlns:r="http://schemas.openxmlformats.org/officeDocument/2006/relationships" xmlns:p="http://schemas.openxmlformats.org/presentationml/2006/main" showMasterSp="0" showMasterPhAnim="0">
+<p:notes xmlns:a="http://schemas.openxmlformats.org/drawingml/2006/main" xmlns:r="http://schemas.openxmlformats.org/officeDocument/2006/relationships" xmlns:mc="http://schemas.openxmlformats.org/markup-compatibility/2006" xmlns:mv="urn:schemas-microsoft-com:mac:vml" xmlns:p="http://schemas.openxmlformats.org/presentationml/2006/main" xmlns:c="http://schemas.openxmlformats.org/drawingml/2006/chart" xmlns:dgm="http://schemas.openxmlformats.org/drawingml/2006/diagram" xmlns:o="urn:schemas-microsoft-com:office:office" xmlns:v="urn:schemas-microsoft-com:vml" xmlns:pvml="urn:schemas-microsoft-com:office:powerpoint" xmlns:com="http://schemas.openxmlformats.org/drawingml/2006/compatibility" xmlns:p14="http://schemas.microsoft.com/office/powerpoint/2010/main" xmlns:p15="http://schemas.microsoft.com/office/powerpoint/2012/main" xmlns:ahyp="http://schemas.microsoft.com/office/drawing/2018/hyperlinkcolor" showMasterPhAnim="0" showMasterSp="0">
   <p:cSld>
     <p:spTree>
       <p:nvGrpSpPr>
-        <p:cNvPr id="1" name="Shape 66"/>
+        <p:cNvPr id="66" name="Shape 66"/>
         <p:cNvGrpSpPr/>
         <p:nvPr/>
       </p:nvGrpSpPr>
@@ -1183,26 +1151,20 @@
       <p:sp>
         <p:nvSpPr>
           <p:cNvPr id="67" name="Google Shape;67;p:notes"/>
-          <p:cNvSpPr>
-            <a:spLocks noGrp="1" noRot="1" noChangeAspect="1"/>
-          </p:cNvSpPr>
+          <p:cNvSpPr/>
           <p:nvPr>
-            <p:ph type="sldImg" idx="2"/>
+            <p:ph idx="2" type="sldImg"/>
           </p:nvPr>
         </p:nvSpPr>
         <p:spPr>
           <a:xfrm>
-            <a:off x="381000" y="685800"/>
-            <a:ext cx="6096000" cy="3429000"/>
+            <a:off x="381300" y="685800"/>
+            <a:ext cx="6096075" cy="3429000"/>
           </a:xfrm>
           <a:custGeom>
-            <a:avLst/>
-            <a:gdLst/>
-            <a:ahLst/>
-            <a:cxnLst/>
-            <a:rect l="l" t="t" r="r" b="b"/>
+            <a:rect b="b" l="l" r="r" t="t"/>
             <a:pathLst>
-              <a:path w="120000" h="120000" extrusionOk="0">
+              <a:path extrusionOk="0" h="120000" w="120000">
                 <a:moveTo>
                   <a:pt x="0" y="0"/>
                 </a:moveTo>
@@ -1224,11 +1186,9 @@
       <p:sp>
         <p:nvSpPr>
           <p:cNvPr id="68" name="Google Shape;68;p:notes"/>
-          <p:cNvSpPr txBox="1">
-            <a:spLocks noGrp="1"/>
-          </p:cNvSpPr>
+          <p:cNvSpPr txBox="1"/>
           <p:nvPr>
-            <p:ph type="body" idx="1"/>
+            <p:ph idx="1" type="body"/>
           </p:nvPr>
         </p:nvSpPr>
         <p:spPr>
@@ -1241,12 +1201,12 @@
           </a:prstGeom>
         </p:spPr>
         <p:txBody>
-          <a:bodyPr spcFirstLastPara="1" wrap="square" lIns="91425" tIns="91425" rIns="91425" bIns="91425" anchor="t" anchorCtr="0">
+          <a:bodyPr anchorCtr="0" anchor="t" bIns="91425" lIns="91425" spcFirstLastPara="1" rIns="91425" wrap="square" tIns="91425">
             <a:noAutofit/>
           </a:bodyPr>
           <a:lstStyle/>
           <a:p>
-            <a:pPr marL="0" lvl="0" indent="0" algn="l" rtl="0">
+            <a:pPr indent="0" lvl="0" marL="0" rtl="0" algn="l">
               <a:spcBef>
                 <a:spcPts val="0"/>
               </a:spcBef>
@@ -1255,6 +1215,9 @@
               </a:spcAft>
               <a:buNone/>
             </a:pPr>
+            <a:r>
+              <a:t/>
+            </a:r>
             <a:endParaRPr/>
           </a:p>
         </p:txBody>
@@ -1268,11 +1231,11 @@
 </file>
 
 <file path=ppt/notesSlides/notesSlide3.xml><?xml version="1.0" encoding="utf-8"?>
-<p:notes xmlns:a="http://schemas.openxmlformats.org/drawingml/2006/main" xmlns:r="http://schemas.openxmlformats.org/officeDocument/2006/relationships" xmlns:p="http://schemas.openxmlformats.org/presentationml/2006/main" showMasterSp="0" showMasterPhAnim="0">
+<p:notes xmlns:a="http://schemas.openxmlformats.org/drawingml/2006/main" xmlns:r="http://schemas.openxmlformats.org/officeDocument/2006/relationships" xmlns:mc="http://schemas.openxmlformats.org/markup-compatibility/2006" xmlns:mv="urn:schemas-microsoft-com:mac:vml" xmlns:p="http://schemas.openxmlformats.org/presentationml/2006/main" xmlns:c="http://schemas.openxmlformats.org/drawingml/2006/chart" xmlns:dgm="http://schemas.openxmlformats.org/drawingml/2006/diagram" xmlns:o="urn:schemas-microsoft-com:office:office" xmlns:v="urn:schemas-microsoft-com:vml" xmlns:pvml="urn:schemas-microsoft-com:office:powerpoint" xmlns:com="http://schemas.openxmlformats.org/drawingml/2006/compatibility" xmlns:p14="http://schemas.microsoft.com/office/powerpoint/2010/main" xmlns:p15="http://schemas.microsoft.com/office/powerpoint/2012/main" xmlns:ahyp="http://schemas.microsoft.com/office/drawing/2018/hyperlinkcolor" showMasterPhAnim="0" showMasterSp="0">
   <p:cSld>
     <p:spTree>
       <p:nvGrpSpPr>
-        <p:cNvPr id="1" name="Shape 72"/>
+        <p:cNvPr id="72" name="Shape 72"/>
         <p:cNvGrpSpPr/>
         <p:nvPr/>
       </p:nvGrpSpPr>
@@ -1287,26 +1250,20 @@
       <p:sp>
         <p:nvSpPr>
           <p:cNvPr id="73" name="Google Shape;73;gd0b47f5ee7_3_0:notes"/>
-          <p:cNvSpPr>
-            <a:spLocks noGrp="1" noRot="1" noChangeAspect="1"/>
-          </p:cNvSpPr>
+          <p:cNvSpPr/>
           <p:nvPr>
-            <p:ph type="sldImg" idx="2"/>
+            <p:ph idx="2" type="sldImg"/>
           </p:nvPr>
         </p:nvSpPr>
         <p:spPr>
           <a:xfrm>
-            <a:off x="381000" y="685800"/>
+            <a:off x="381300" y="685800"/>
             <a:ext cx="6096000" cy="3429000"/>
           </a:xfrm>
           <a:custGeom>
-            <a:avLst/>
-            <a:gdLst/>
-            <a:ahLst/>
-            <a:cxnLst/>
-            <a:rect l="l" t="t" r="r" b="b"/>
+            <a:rect b="b" l="l" r="r" t="t"/>
             <a:pathLst>
-              <a:path w="120000" h="120000" extrusionOk="0">
+              <a:path extrusionOk="0" h="120000" w="120000">
                 <a:moveTo>
                   <a:pt x="0" y="0"/>
                 </a:moveTo>
@@ -1328,11 +1285,9 @@
       <p:sp>
         <p:nvSpPr>
           <p:cNvPr id="74" name="Google Shape;74;gd0b47f5ee7_3_0:notes"/>
-          <p:cNvSpPr txBox="1">
-            <a:spLocks noGrp="1"/>
-          </p:cNvSpPr>
+          <p:cNvSpPr txBox="1"/>
           <p:nvPr>
-            <p:ph type="body" idx="1"/>
+            <p:ph idx="1" type="body"/>
           </p:nvPr>
         </p:nvSpPr>
         <p:spPr>
@@ -1345,12 +1300,12 @@
           </a:prstGeom>
         </p:spPr>
         <p:txBody>
-          <a:bodyPr spcFirstLastPara="1" wrap="square" lIns="91425" tIns="91425" rIns="91425" bIns="91425" anchor="t" anchorCtr="0">
+          <a:bodyPr anchorCtr="0" anchor="t" bIns="91425" lIns="91425" spcFirstLastPara="1" rIns="91425" wrap="square" tIns="91425">
             <a:noAutofit/>
           </a:bodyPr>
           <a:lstStyle/>
           <a:p>
-            <a:pPr marL="0" lvl="0" indent="0" algn="l" rtl="0">
+            <a:pPr indent="0" lvl="0" marL="0" rtl="0" algn="l">
               <a:spcBef>
                 <a:spcPts val="0"/>
               </a:spcBef>
@@ -1359,6 +1314,9 @@
               </a:spcAft>
               <a:buNone/>
             </a:pPr>
+            <a:r>
+              <a:t/>
+            </a:r>
             <a:endParaRPr/>
           </a:p>
         </p:txBody>
@@ -1372,11 +1330,11 @@
 </file>
 
 <file path=ppt/notesSlides/notesSlide4.xml><?xml version="1.0" encoding="utf-8"?>
-<p:notes xmlns:a="http://schemas.openxmlformats.org/drawingml/2006/main" xmlns:r="http://schemas.openxmlformats.org/officeDocument/2006/relationships" xmlns:p="http://schemas.openxmlformats.org/presentationml/2006/main" showMasterSp="0" showMasterPhAnim="0">
+<p:notes xmlns:a="http://schemas.openxmlformats.org/drawingml/2006/main" xmlns:r="http://schemas.openxmlformats.org/officeDocument/2006/relationships" xmlns:mc="http://schemas.openxmlformats.org/markup-compatibility/2006" xmlns:mv="urn:schemas-microsoft-com:mac:vml" xmlns:p="http://schemas.openxmlformats.org/presentationml/2006/main" xmlns:c="http://schemas.openxmlformats.org/drawingml/2006/chart" xmlns:dgm="http://schemas.openxmlformats.org/drawingml/2006/diagram" xmlns:o="urn:schemas-microsoft-com:office:office" xmlns:v="urn:schemas-microsoft-com:vml" xmlns:pvml="urn:schemas-microsoft-com:office:powerpoint" xmlns:com="http://schemas.openxmlformats.org/drawingml/2006/compatibility" xmlns:p14="http://schemas.microsoft.com/office/powerpoint/2010/main" xmlns:p15="http://schemas.microsoft.com/office/powerpoint/2012/main" xmlns:ahyp="http://schemas.microsoft.com/office/drawing/2018/hyperlinkcolor" showMasterPhAnim="0" showMasterSp="0">
   <p:cSld>
     <p:spTree>
       <p:nvGrpSpPr>
-        <p:cNvPr id="1" name="Shape 79"/>
+        <p:cNvPr id="79" name="Shape 79"/>
         <p:cNvGrpSpPr/>
         <p:nvPr/>
       </p:nvGrpSpPr>
@@ -1391,26 +1349,20 @@
       <p:sp>
         <p:nvSpPr>
           <p:cNvPr id="80" name="Google Shape;80;gd0b47f5ee7_3_10:notes"/>
-          <p:cNvSpPr>
-            <a:spLocks noGrp="1" noRot="1" noChangeAspect="1"/>
-          </p:cNvSpPr>
+          <p:cNvSpPr/>
           <p:nvPr>
-            <p:ph type="sldImg" idx="2"/>
+            <p:ph idx="2" type="sldImg"/>
           </p:nvPr>
         </p:nvSpPr>
         <p:spPr>
           <a:xfrm>
-            <a:off x="381000" y="685800"/>
+            <a:off x="381300" y="685800"/>
             <a:ext cx="6096000" cy="3429000"/>
           </a:xfrm>
           <a:custGeom>
-            <a:avLst/>
-            <a:gdLst/>
-            <a:ahLst/>
-            <a:cxnLst/>
-            <a:rect l="l" t="t" r="r" b="b"/>
+            <a:rect b="b" l="l" r="r" t="t"/>
             <a:pathLst>
-              <a:path w="120000" h="120000" extrusionOk="0">
+              <a:path extrusionOk="0" h="120000" w="120000">
                 <a:moveTo>
                   <a:pt x="0" y="0"/>
                 </a:moveTo>
@@ -1432,11 +1384,9 @@
       <p:sp>
         <p:nvSpPr>
           <p:cNvPr id="81" name="Google Shape;81;gd0b47f5ee7_3_10:notes"/>
-          <p:cNvSpPr txBox="1">
-            <a:spLocks noGrp="1"/>
-          </p:cNvSpPr>
+          <p:cNvSpPr txBox="1"/>
           <p:nvPr>
-            <p:ph type="body" idx="1"/>
+            <p:ph idx="1" type="body"/>
           </p:nvPr>
         </p:nvSpPr>
         <p:spPr>
@@ -1449,12 +1399,12 @@
           </a:prstGeom>
         </p:spPr>
         <p:txBody>
-          <a:bodyPr spcFirstLastPara="1" wrap="square" lIns="91425" tIns="91425" rIns="91425" bIns="91425" anchor="t" anchorCtr="0">
+          <a:bodyPr anchorCtr="0" anchor="t" bIns="91425" lIns="91425" spcFirstLastPara="1" rIns="91425" wrap="square" tIns="91425">
             <a:noAutofit/>
           </a:bodyPr>
           <a:lstStyle/>
           <a:p>
-            <a:pPr marL="0" lvl="0" indent="0" algn="l" rtl="0">
+            <a:pPr indent="0" lvl="0" marL="0" rtl="0" algn="l">
               <a:spcBef>
                 <a:spcPts val="0"/>
               </a:spcBef>
@@ -1463,6 +1413,9 @@
               </a:spcAft>
               <a:buNone/>
             </a:pPr>
+            <a:r>
+              <a:t/>
+            </a:r>
             <a:endParaRPr/>
           </a:p>
         </p:txBody>
@@ -1476,11 +1429,11 @@
 </file>
 
 <file path=ppt/notesSlides/notesSlide5.xml><?xml version="1.0" encoding="utf-8"?>
-<p:notes xmlns:a="http://schemas.openxmlformats.org/drawingml/2006/main" xmlns:r="http://schemas.openxmlformats.org/officeDocument/2006/relationships" xmlns:p="http://schemas.openxmlformats.org/presentationml/2006/main" showMasterSp="0" showMasterPhAnim="0">
+<p:notes xmlns:a="http://schemas.openxmlformats.org/drawingml/2006/main" xmlns:r="http://schemas.openxmlformats.org/officeDocument/2006/relationships" xmlns:mc="http://schemas.openxmlformats.org/markup-compatibility/2006" xmlns:mv="urn:schemas-microsoft-com:mac:vml" xmlns:p="http://schemas.openxmlformats.org/presentationml/2006/main" xmlns:c="http://schemas.openxmlformats.org/drawingml/2006/chart" xmlns:dgm="http://schemas.openxmlformats.org/drawingml/2006/diagram" xmlns:o="urn:schemas-microsoft-com:office:office" xmlns:v="urn:schemas-microsoft-com:vml" xmlns:pvml="urn:schemas-microsoft-com:office:powerpoint" xmlns:com="http://schemas.openxmlformats.org/drawingml/2006/compatibility" xmlns:p14="http://schemas.microsoft.com/office/powerpoint/2010/main" xmlns:p15="http://schemas.microsoft.com/office/powerpoint/2012/main" xmlns:ahyp="http://schemas.microsoft.com/office/drawing/2018/hyperlinkcolor" showMasterPhAnim="0" showMasterSp="0">
   <p:cSld>
     <p:spTree>
       <p:nvGrpSpPr>
-        <p:cNvPr id="1" name="Shape 85"/>
+        <p:cNvPr id="85" name="Shape 85"/>
         <p:cNvGrpSpPr/>
         <p:nvPr/>
       </p:nvGrpSpPr>
@@ -1495,26 +1448,20 @@
       <p:sp>
         <p:nvSpPr>
           <p:cNvPr id="86" name="Google Shape;86;gda7a18c69e_3_0:notes"/>
-          <p:cNvSpPr>
-            <a:spLocks noGrp="1" noRot="1" noChangeAspect="1"/>
-          </p:cNvSpPr>
+          <p:cNvSpPr/>
           <p:nvPr>
-            <p:ph type="sldImg" idx="2"/>
+            <p:ph idx="2" type="sldImg"/>
           </p:nvPr>
         </p:nvSpPr>
         <p:spPr>
           <a:xfrm>
-            <a:off x="381000" y="685800"/>
+            <a:off x="381300" y="685800"/>
             <a:ext cx="6096000" cy="3429000"/>
           </a:xfrm>
           <a:custGeom>
-            <a:avLst/>
-            <a:gdLst/>
-            <a:ahLst/>
-            <a:cxnLst/>
-            <a:rect l="l" t="t" r="r" b="b"/>
+            <a:rect b="b" l="l" r="r" t="t"/>
             <a:pathLst>
-              <a:path w="120000" h="120000" extrusionOk="0">
+              <a:path extrusionOk="0" h="120000" w="120000">
                 <a:moveTo>
                   <a:pt x="0" y="0"/>
                 </a:moveTo>
@@ -1536,11 +1483,9 @@
       <p:sp>
         <p:nvSpPr>
           <p:cNvPr id="87" name="Google Shape;87;gda7a18c69e_3_0:notes"/>
-          <p:cNvSpPr txBox="1">
-            <a:spLocks noGrp="1"/>
-          </p:cNvSpPr>
+          <p:cNvSpPr txBox="1"/>
           <p:nvPr>
-            <p:ph type="body" idx="1"/>
+            <p:ph idx="1" type="body"/>
           </p:nvPr>
         </p:nvSpPr>
         <p:spPr>
@@ -1553,12 +1498,12 @@
           </a:prstGeom>
         </p:spPr>
         <p:txBody>
-          <a:bodyPr spcFirstLastPara="1" wrap="square" lIns="91425" tIns="91425" rIns="91425" bIns="91425" anchor="t" anchorCtr="0">
+          <a:bodyPr anchorCtr="0" anchor="t" bIns="91425" lIns="91425" spcFirstLastPara="1" rIns="91425" wrap="square" tIns="91425">
             <a:noAutofit/>
           </a:bodyPr>
           <a:lstStyle/>
           <a:p>
-            <a:pPr marL="0" lvl="0" indent="0" algn="l" rtl="0">
+            <a:pPr indent="0" lvl="0" marL="0" rtl="0" algn="l">
               <a:spcBef>
                 <a:spcPts val="0"/>
               </a:spcBef>
@@ -1567,6 +1512,9 @@
               </a:spcAft>
               <a:buNone/>
             </a:pPr>
+            <a:r>
+              <a:t/>
+            </a:r>
             <a:endParaRPr/>
           </a:p>
         </p:txBody>
@@ -1580,11 +1528,11 @@
 </file>
 
 <file path=ppt/notesSlides/notesSlide6.xml><?xml version="1.0" encoding="utf-8"?>
-<p:notes xmlns:a="http://schemas.openxmlformats.org/drawingml/2006/main" xmlns:r="http://schemas.openxmlformats.org/officeDocument/2006/relationships" xmlns:p="http://schemas.openxmlformats.org/presentationml/2006/main" showMasterSp="0" showMasterPhAnim="0">
+<p:notes xmlns:a="http://schemas.openxmlformats.org/drawingml/2006/main" xmlns:r="http://schemas.openxmlformats.org/officeDocument/2006/relationships" xmlns:mc="http://schemas.openxmlformats.org/markup-compatibility/2006" xmlns:mv="urn:schemas-microsoft-com:mac:vml" xmlns:p="http://schemas.openxmlformats.org/presentationml/2006/main" xmlns:c="http://schemas.openxmlformats.org/drawingml/2006/chart" xmlns:dgm="http://schemas.openxmlformats.org/drawingml/2006/diagram" xmlns:o="urn:schemas-microsoft-com:office:office" xmlns:v="urn:schemas-microsoft-com:vml" xmlns:pvml="urn:schemas-microsoft-com:office:powerpoint" xmlns:com="http://schemas.openxmlformats.org/drawingml/2006/compatibility" xmlns:p14="http://schemas.microsoft.com/office/powerpoint/2010/main" xmlns:p15="http://schemas.microsoft.com/office/powerpoint/2012/main" xmlns:ahyp="http://schemas.microsoft.com/office/drawing/2018/hyperlinkcolor" showMasterPhAnim="0" showMasterSp="0">
   <p:cSld>
     <p:spTree>
       <p:nvGrpSpPr>
-        <p:cNvPr id="1" name="Shape 92"/>
+        <p:cNvPr id="92" name="Shape 92"/>
         <p:cNvGrpSpPr/>
         <p:nvPr/>
       </p:nvGrpSpPr>
@@ -1599,26 +1547,20 @@
       <p:sp>
         <p:nvSpPr>
           <p:cNvPr id="93" name="Google Shape;93;gd0b47f5ee7_3_5:notes"/>
-          <p:cNvSpPr>
-            <a:spLocks noGrp="1" noRot="1" noChangeAspect="1"/>
-          </p:cNvSpPr>
+          <p:cNvSpPr/>
           <p:nvPr>
-            <p:ph type="sldImg" idx="2"/>
+            <p:ph idx="2" type="sldImg"/>
           </p:nvPr>
         </p:nvSpPr>
         <p:spPr>
           <a:xfrm>
-            <a:off x="381000" y="685800"/>
+            <a:off x="381300" y="685800"/>
             <a:ext cx="6096000" cy="3429000"/>
           </a:xfrm>
           <a:custGeom>
-            <a:avLst/>
-            <a:gdLst/>
-            <a:ahLst/>
-            <a:cxnLst/>
-            <a:rect l="l" t="t" r="r" b="b"/>
+            <a:rect b="b" l="l" r="r" t="t"/>
             <a:pathLst>
-              <a:path w="120000" h="120000" extrusionOk="0">
+              <a:path extrusionOk="0" h="120000" w="120000">
                 <a:moveTo>
                   <a:pt x="0" y="0"/>
                 </a:moveTo>
@@ -1640,11 +1582,9 @@
       <p:sp>
         <p:nvSpPr>
           <p:cNvPr id="94" name="Google Shape;94;gd0b47f5ee7_3_5:notes"/>
-          <p:cNvSpPr txBox="1">
-            <a:spLocks noGrp="1"/>
-          </p:cNvSpPr>
+          <p:cNvSpPr txBox="1"/>
           <p:nvPr>
-            <p:ph type="body" idx="1"/>
+            <p:ph idx="1" type="body"/>
           </p:nvPr>
         </p:nvSpPr>
         <p:spPr>
@@ -1657,12 +1597,12 @@
           </a:prstGeom>
         </p:spPr>
         <p:txBody>
-          <a:bodyPr spcFirstLastPara="1" wrap="square" lIns="91425" tIns="91425" rIns="91425" bIns="91425" anchor="t" anchorCtr="0">
+          <a:bodyPr anchorCtr="0" anchor="t" bIns="91425" lIns="91425" spcFirstLastPara="1" rIns="91425" wrap="square" tIns="91425">
             <a:noAutofit/>
           </a:bodyPr>
           <a:lstStyle/>
           <a:p>
-            <a:pPr marL="0" lvl="0" indent="0" algn="l" rtl="0">
+            <a:pPr indent="0" lvl="0" marL="0" rtl="0" algn="l">
               <a:spcBef>
                 <a:spcPts val="0"/>
               </a:spcBef>
@@ -1671,6 +1611,9 @@
               </a:spcAft>
               <a:buNone/>
             </a:pPr>
+            <a:r>
+              <a:t/>
+            </a:r>
             <a:endParaRPr/>
           </a:p>
         </p:txBody>
@@ -1684,11 +1627,11 @@
 </file>
 
 <file path=ppt/notesSlides/notesSlide7.xml><?xml version="1.0" encoding="utf-8"?>
-<p:notes xmlns:a="http://schemas.openxmlformats.org/drawingml/2006/main" xmlns:r="http://schemas.openxmlformats.org/officeDocument/2006/relationships" xmlns:p="http://schemas.openxmlformats.org/presentationml/2006/main" showMasterSp="0" showMasterPhAnim="0">
+<p:notes xmlns:a="http://schemas.openxmlformats.org/drawingml/2006/main" xmlns:r="http://schemas.openxmlformats.org/officeDocument/2006/relationships" xmlns:mc="http://schemas.openxmlformats.org/markup-compatibility/2006" xmlns:mv="urn:schemas-microsoft-com:mac:vml" xmlns:p="http://schemas.openxmlformats.org/presentationml/2006/main" xmlns:c="http://schemas.openxmlformats.org/drawingml/2006/chart" xmlns:dgm="http://schemas.openxmlformats.org/drawingml/2006/diagram" xmlns:o="urn:schemas-microsoft-com:office:office" xmlns:v="urn:schemas-microsoft-com:vml" xmlns:pvml="urn:schemas-microsoft-com:office:powerpoint" xmlns:com="http://schemas.openxmlformats.org/drawingml/2006/compatibility" xmlns:p14="http://schemas.microsoft.com/office/powerpoint/2010/main" xmlns:p15="http://schemas.microsoft.com/office/powerpoint/2012/main" xmlns:ahyp="http://schemas.microsoft.com/office/drawing/2018/hyperlinkcolor" showMasterPhAnim="0" showMasterSp="0">
   <p:cSld>
     <p:spTree>
       <p:nvGrpSpPr>
-        <p:cNvPr id="1" name="Shape 109"/>
+        <p:cNvPr id="109" name="Shape 109"/>
         <p:cNvGrpSpPr/>
         <p:nvPr/>
       </p:nvGrpSpPr>
@@ -1703,26 +1646,20 @@
       <p:sp>
         <p:nvSpPr>
           <p:cNvPr id="110" name="Google Shape;110;gda7a18c69e_1_0:notes"/>
-          <p:cNvSpPr>
-            <a:spLocks noGrp="1" noRot="1" noChangeAspect="1"/>
-          </p:cNvSpPr>
+          <p:cNvSpPr/>
           <p:nvPr>
-            <p:ph type="sldImg" idx="2"/>
+            <p:ph idx="2" type="sldImg"/>
           </p:nvPr>
         </p:nvSpPr>
         <p:spPr>
           <a:xfrm>
-            <a:off x="381000" y="685800"/>
+            <a:off x="381300" y="685800"/>
             <a:ext cx="6096000" cy="3429000"/>
           </a:xfrm>
           <a:custGeom>
-            <a:avLst/>
-            <a:gdLst/>
-            <a:ahLst/>
-            <a:cxnLst/>
-            <a:rect l="l" t="t" r="r" b="b"/>
+            <a:rect b="b" l="l" r="r" t="t"/>
             <a:pathLst>
-              <a:path w="120000" h="120000" extrusionOk="0">
+              <a:path extrusionOk="0" h="120000" w="120000">
                 <a:moveTo>
                   <a:pt x="0" y="0"/>
                 </a:moveTo>
@@ -1744,11 +1681,9 @@
       <p:sp>
         <p:nvSpPr>
           <p:cNvPr id="111" name="Google Shape;111;gda7a18c69e_1_0:notes"/>
-          <p:cNvSpPr txBox="1">
-            <a:spLocks noGrp="1"/>
-          </p:cNvSpPr>
+          <p:cNvSpPr txBox="1"/>
           <p:nvPr>
-            <p:ph type="body" idx="1"/>
+            <p:ph idx="1" type="body"/>
           </p:nvPr>
         </p:nvSpPr>
         <p:spPr>
@@ -1761,12 +1696,12 @@
           </a:prstGeom>
         </p:spPr>
         <p:txBody>
-          <a:bodyPr spcFirstLastPara="1" wrap="square" lIns="91425" tIns="91425" rIns="91425" bIns="91425" anchor="t" anchorCtr="0">
+          <a:bodyPr anchorCtr="0" anchor="t" bIns="91425" lIns="91425" spcFirstLastPara="1" rIns="91425" wrap="square" tIns="91425">
             <a:noAutofit/>
           </a:bodyPr>
           <a:lstStyle/>
           <a:p>
-            <a:pPr marL="0" lvl="0" indent="0" algn="l" rtl="0">
+            <a:pPr indent="0" lvl="0" marL="0" rtl="0" algn="l">
               <a:spcBef>
                 <a:spcPts val="0"/>
               </a:spcBef>
@@ -1775,6 +1710,9 @@
               </a:spcAft>
               <a:buNone/>
             </a:pPr>
+            <a:r>
+              <a:t/>
+            </a:r>
             <a:endParaRPr/>
           </a:p>
         </p:txBody>
@@ -1788,11 +1726,11 @@
 </file>
 
 <file path=ppt/notesSlides/notesSlide8.xml><?xml version="1.0" encoding="utf-8"?>
-<p:notes xmlns:a="http://schemas.openxmlformats.org/drawingml/2006/main" xmlns:r="http://schemas.openxmlformats.org/officeDocument/2006/relationships" xmlns:p="http://schemas.openxmlformats.org/presentationml/2006/main" showMasterSp="0" showMasterPhAnim="0">
+<p:notes xmlns:a="http://schemas.openxmlformats.org/drawingml/2006/main" xmlns:r="http://schemas.openxmlformats.org/officeDocument/2006/relationships" xmlns:mc="http://schemas.openxmlformats.org/markup-compatibility/2006" xmlns:mv="urn:schemas-microsoft-com:mac:vml" xmlns:p="http://schemas.openxmlformats.org/presentationml/2006/main" xmlns:c="http://schemas.openxmlformats.org/drawingml/2006/chart" xmlns:dgm="http://schemas.openxmlformats.org/drawingml/2006/diagram" xmlns:o="urn:schemas-microsoft-com:office:office" xmlns:v="urn:schemas-microsoft-com:vml" xmlns:pvml="urn:schemas-microsoft-com:office:powerpoint" xmlns:com="http://schemas.openxmlformats.org/drawingml/2006/compatibility" xmlns:p14="http://schemas.microsoft.com/office/powerpoint/2010/main" xmlns:p15="http://schemas.microsoft.com/office/powerpoint/2012/main" xmlns:ahyp="http://schemas.microsoft.com/office/drawing/2018/hyperlinkcolor" showMasterPhAnim="0" showMasterSp="0">
   <p:cSld>
     <p:spTree>
       <p:nvGrpSpPr>
-        <p:cNvPr id="1" name="Shape 114"/>
+        <p:cNvPr id="114" name="Shape 114"/>
         <p:cNvGrpSpPr/>
         <p:nvPr/>
       </p:nvGrpSpPr>
@@ -1807,26 +1745,20 @@
       <p:sp>
         <p:nvSpPr>
           <p:cNvPr id="115" name="Google Shape;115;gdb69d6b7fc_0_9:notes"/>
-          <p:cNvSpPr>
-            <a:spLocks noGrp="1" noRot="1" noChangeAspect="1"/>
-          </p:cNvSpPr>
+          <p:cNvSpPr/>
           <p:nvPr>
-            <p:ph type="sldImg" idx="2"/>
+            <p:ph idx="2" type="sldImg"/>
           </p:nvPr>
         </p:nvSpPr>
         <p:spPr>
           <a:xfrm>
-            <a:off x="381000" y="685800"/>
+            <a:off x="381300" y="685800"/>
             <a:ext cx="6096000" cy="3429000"/>
           </a:xfrm>
           <a:custGeom>
-            <a:avLst/>
-            <a:gdLst/>
-            <a:ahLst/>
-            <a:cxnLst/>
-            <a:rect l="l" t="t" r="r" b="b"/>
+            <a:rect b="b" l="l" r="r" t="t"/>
             <a:pathLst>
-              <a:path w="120000" h="120000" extrusionOk="0">
+              <a:path extrusionOk="0" h="120000" w="120000">
                 <a:moveTo>
                   <a:pt x="0" y="0"/>
                 </a:moveTo>
@@ -1848,11 +1780,9 @@
       <p:sp>
         <p:nvSpPr>
           <p:cNvPr id="116" name="Google Shape;116;gdb69d6b7fc_0_9:notes"/>
-          <p:cNvSpPr txBox="1">
-            <a:spLocks noGrp="1"/>
-          </p:cNvSpPr>
+          <p:cNvSpPr txBox="1"/>
           <p:nvPr>
-            <p:ph type="body" idx="1"/>
+            <p:ph idx="1" type="body"/>
           </p:nvPr>
         </p:nvSpPr>
         <p:spPr>
@@ -1865,12 +1795,12 @@
           </a:prstGeom>
         </p:spPr>
         <p:txBody>
-          <a:bodyPr spcFirstLastPara="1" wrap="square" lIns="91425" tIns="91425" rIns="91425" bIns="91425" anchor="t" anchorCtr="0">
+          <a:bodyPr anchorCtr="0" anchor="t" bIns="91425" lIns="91425" spcFirstLastPara="1" rIns="91425" wrap="square" tIns="91425">
             <a:noAutofit/>
           </a:bodyPr>
           <a:lstStyle/>
           <a:p>
-            <a:pPr marL="0" lvl="0" indent="0" algn="l" rtl="0">
+            <a:pPr indent="0" lvl="0" marL="0" rtl="0" algn="l">
               <a:spcBef>
                 <a:spcPts val="0"/>
               </a:spcBef>
@@ -1879,6 +1809,9 @@
               </a:spcAft>
               <a:buNone/>
             </a:pPr>
+            <a:r>
+              <a:t/>
+            </a:r>
             <a:endParaRPr/>
           </a:p>
         </p:txBody>
@@ -1892,11 +1825,11 @@
 </file>
 
 <file path=ppt/notesSlides/notesSlide9.xml><?xml version="1.0" encoding="utf-8"?>
-<p:notes xmlns:a="http://schemas.openxmlformats.org/drawingml/2006/main" xmlns:r="http://schemas.openxmlformats.org/officeDocument/2006/relationships" xmlns:p="http://schemas.openxmlformats.org/presentationml/2006/main" showMasterSp="0" showMasterPhAnim="0">
+<p:notes xmlns:a="http://schemas.openxmlformats.org/drawingml/2006/main" xmlns:r="http://schemas.openxmlformats.org/officeDocument/2006/relationships" xmlns:mc="http://schemas.openxmlformats.org/markup-compatibility/2006" xmlns:mv="urn:schemas-microsoft-com:mac:vml" xmlns:p="http://schemas.openxmlformats.org/presentationml/2006/main" xmlns:c="http://schemas.openxmlformats.org/drawingml/2006/chart" xmlns:dgm="http://schemas.openxmlformats.org/drawingml/2006/diagram" xmlns:o="urn:schemas-microsoft-com:office:office" xmlns:v="urn:schemas-microsoft-com:vml" xmlns:pvml="urn:schemas-microsoft-com:office:powerpoint" xmlns:com="http://schemas.openxmlformats.org/drawingml/2006/compatibility" xmlns:p14="http://schemas.microsoft.com/office/powerpoint/2010/main" xmlns:p15="http://schemas.microsoft.com/office/powerpoint/2012/main" xmlns:ahyp="http://schemas.microsoft.com/office/drawing/2018/hyperlinkcolor" showMasterPhAnim="0" showMasterSp="0">
   <p:cSld>
     <p:spTree>
       <p:nvGrpSpPr>
-        <p:cNvPr id="1" name="Shape 120"/>
+        <p:cNvPr id="120" name="Shape 120"/>
         <p:cNvGrpSpPr/>
         <p:nvPr/>
       </p:nvGrpSpPr>
@@ -1911,26 +1844,20 @@
       <p:sp>
         <p:nvSpPr>
           <p:cNvPr id="121" name="Google Shape;121;gdb69d6b7fc_0_19:notes"/>
-          <p:cNvSpPr>
-            <a:spLocks noGrp="1" noRot="1" noChangeAspect="1"/>
-          </p:cNvSpPr>
+          <p:cNvSpPr/>
           <p:nvPr>
-            <p:ph type="sldImg" idx="2"/>
+            <p:ph idx="2" type="sldImg"/>
           </p:nvPr>
         </p:nvSpPr>
         <p:spPr>
           <a:xfrm>
-            <a:off x="381000" y="685800"/>
+            <a:off x="381300" y="685800"/>
             <a:ext cx="6096000" cy="3429000"/>
           </a:xfrm>
           <a:custGeom>
-            <a:avLst/>
-            <a:gdLst/>
-            <a:ahLst/>
-            <a:cxnLst/>
-            <a:rect l="l" t="t" r="r" b="b"/>
+            <a:rect b="b" l="l" r="r" t="t"/>
             <a:pathLst>
-              <a:path w="120000" h="120000" extrusionOk="0">
+              <a:path extrusionOk="0" h="120000" w="120000">
                 <a:moveTo>
                   <a:pt x="0" y="0"/>
                 </a:moveTo>
@@ -1952,11 +1879,9 @@
       <p:sp>
         <p:nvSpPr>
           <p:cNvPr id="122" name="Google Shape;122;gdb69d6b7fc_0_19:notes"/>
-          <p:cNvSpPr txBox="1">
-            <a:spLocks noGrp="1"/>
-          </p:cNvSpPr>
+          <p:cNvSpPr txBox="1"/>
           <p:nvPr>
-            <p:ph type="body" idx="1"/>
+            <p:ph idx="1" type="body"/>
           </p:nvPr>
         </p:nvSpPr>
         <p:spPr>
@@ -1969,12 +1894,12 @@
           </a:prstGeom>
         </p:spPr>
         <p:txBody>
-          <a:bodyPr spcFirstLastPara="1" wrap="square" lIns="91425" tIns="91425" rIns="91425" bIns="91425" anchor="t" anchorCtr="0">
+          <a:bodyPr anchorCtr="0" anchor="t" bIns="91425" lIns="91425" spcFirstLastPara="1" rIns="91425" wrap="square" tIns="91425">
             <a:noAutofit/>
           </a:bodyPr>
           <a:lstStyle/>
           <a:p>
-            <a:pPr marL="0" lvl="0" indent="0" algn="l" rtl="0">
+            <a:pPr indent="0" lvl="0" marL="0" rtl="0" algn="l">
               <a:spcBef>
                 <a:spcPts val="0"/>
               </a:spcBef>
@@ -1983,6 +1908,9 @@
               </a:spcAft>
               <a:buNone/>
             </a:pPr>
+            <a:r>
+              <a:t/>
+            </a:r>
             <a:endParaRPr/>
           </a:p>
         </p:txBody>
@@ -1996,11 +1924,11 @@
 </file>
 
 <file path=ppt/slideLayouts/slideLayout1.xml><?xml version="1.0" encoding="utf-8"?>
-<p:sldLayout xmlns:a="http://schemas.openxmlformats.org/drawingml/2006/main" xmlns:r="http://schemas.openxmlformats.org/officeDocument/2006/relationships" xmlns:p="http://schemas.openxmlformats.org/presentationml/2006/main" matchingName="Title slide" type="title">
+<p:sldLayout xmlns:a="http://schemas.openxmlformats.org/drawingml/2006/main" xmlns:r="http://schemas.openxmlformats.org/officeDocument/2006/relationships" xmlns:mc="http://schemas.openxmlformats.org/markup-compatibility/2006" xmlns:mv="urn:schemas-microsoft-com:mac:vml" xmlns:p="http://schemas.openxmlformats.org/presentationml/2006/main" xmlns:c="http://schemas.openxmlformats.org/drawingml/2006/chart" xmlns:dgm="http://schemas.openxmlformats.org/drawingml/2006/diagram" xmlns:o="urn:schemas-microsoft-com:office:office" xmlns:v="urn:schemas-microsoft-com:vml" xmlns:pvml="urn:schemas-microsoft-com:office:powerpoint" xmlns:com="http://schemas.openxmlformats.org/drawingml/2006/compatibility" xmlns:p14="http://schemas.microsoft.com/office/powerpoint/2010/main" xmlns:p15="http://schemas.microsoft.com/office/powerpoint/2012/main" xmlns:ahyp="http://schemas.microsoft.com/office/drawing/2018/hyperlinkcolor" matchingName="Title slide" type="title">
   <p:cSld name="TITLE">
     <p:spTree>
       <p:nvGrpSpPr>
-        <p:cNvPr id="1" name="Shape 9"/>
+        <p:cNvPr id="9" name="Shape 9"/>
         <p:cNvGrpSpPr/>
         <p:nvPr/>
       </p:nvGrpSpPr>
@@ -2024,13 +1952,9 @@
             <a:ext cx="1081625" cy="1124950"/>
           </a:xfrm>
           <a:custGeom>
-            <a:avLst/>
-            <a:gdLst/>
-            <a:ahLst/>
-            <a:cxnLst/>
-            <a:rect l="l" t="t" r="r" b="b"/>
+            <a:rect b="b" l="l" r="r" t="t"/>
             <a:pathLst>
-              <a:path w="43265" h="44998" extrusionOk="0">
+              <a:path extrusionOk="0" h="44998" w="43265">
                 <a:moveTo>
                   <a:pt x="0" y="44998"/>
                 </a:moveTo>
@@ -2044,14 +1968,14 @@
             </a:pathLst>
           </a:custGeom>
           <a:noFill/>
-          <a:ln w="28575" cap="flat" cmpd="sng">
+          <a:ln cap="flat" cmpd="sng" w="28575">
             <a:solidFill>
               <a:schemeClr val="lt2"/>
             </a:solidFill>
             <a:prstDash val="solid"/>
             <a:miter lim="8000"/>
-            <a:headEnd type="none" w="sm" len="sm"/>
-            <a:tailEnd type="none" w="sm" len="sm"/>
+            <a:headEnd len="sm" w="sm" type="none"/>
+            <a:tailEnd len="sm" w="sm" type="none"/>
           </a:ln>
         </p:spPr>
       </p:sp>
@@ -2067,13 +1991,9 @@
             <a:ext cx="1081625" cy="1124950"/>
           </a:xfrm>
           <a:custGeom>
-            <a:avLst/>
-            <a:gdLst/>
-            <a:ahLst/>
-            <a:cxnLst/>
-            <a:rect l="l" t="t" r="r" b="b"/>
+            <a:rect b="b" l="l" r="r" t="t"/>
             <a:pathLst>
-              <a:path w="43265" h="44998" extrusionOk="0">
+              <a:path extrusionOk="0" h="44998" w="43265">
                 <a:moveTo>
                   <a:pt x="0" y="44998"/>
                 </a:moveTo>
@@ -2087,23 +2007,21 @@
             </a:pathLst>
           </a:custGeom>
           <a:noFill/>
-          <a:ln w="28575" cap="flat" cmpd="sng">
+          <a:ln cap="flat" cmpd="sng" w="28575">
             <a:solidFill>
               <a:schemeClr val="lt2"/>
             </a:solidFill>
             <a:prstDash val="solid"/>
             <a:miter lim="8000"/>
-            <a:headEnd type="none" w="sm" len="sm"/>
-            <a:tailEnd type="none" w="sm" len="sm"/>
+            <a:headEnd len="sm" w="sm" type="none"/>
+            <a:tailEnd len="sm" w="sm" type="none"/>
           </a:ln>
         </p:spPr>
       </p:sp>
       <p:sp>
         <p:nvSpPr>
           <p:cNvPr id="12" name="Google Shape;12;p2"/>
-          <p:cNvSpPr txBox="1">
-            <a:spLocks noGrp="1"/>
-          </p:cNvSpPr>
+          <p:cNvSpPr txBox="1"/>
           <p:nvPr>
             <p:ph type="ctrTitle"/>
           </p:nvPr>
@@ -2118,7 +2036,7 @@
           </a:prstGeom>
         </p:spPr>
         <p:txBody>
-          <a:bodyPr spcFirstLastPara="1" wrap="square" lIns="91425" tIns="91425" rIns="91425" bIns="91425" anchor="b" anchorCtr="0">
+          <a:bodyPr anchorCtr="0" anchor="b" bIns="91425" lIns="91425" spcFirstLastPara="1" rIns="91425" wrap="square" tIns="91425">
             <a:normAutofit/>
           </a:bodyPr>
           <a:lstStyle>
@@ -2222,19 +2140,15 @@
               <a:defRPr/>
             </a:lvl9pPr>
           </a:lstStyle>
-          <a:p>
-            <a:endParaRPr/>
-          </a:p>
+          <a:p/>
         </p:txBody>
       </p:sp>
       <p:sp>
         <p:nvSpPr>
           <p:cNvPr id="13" name="Google Shape;13;p2"/>
-          <p:cNvSpPr txBox="1">
-            <a:spLocks noGrp="1"/>
-          </p:cNvSpPr>
+          <p:cNvSpPr txBox="1"/>
           <p:nvPr>
-            <p:ph type="subTitle" idx="1"/>
+            <p:ph idx="1" type="subTitle"/>
           </p:nvPr>
         </p:nvSpPr>
         <p:spPr>
@@ -2247,7 +2161,7 @@
           </a:prstGeom>
         </p:spPr>
         <p:txBody>
-          <a:bodyPr spcFirstLastPara="1" wrap="square" lIns="91425" tIns="91425" rIns="91425" bIns="91425" anchor="t" anchorCtr="0">
+          <a:bodyPr anchorCtr="0" anchor="t" bIns="91425" lIns="91425" spcFirstLastPara="1" rIns="91425" wrap="square" tIns="91425">
             <a:normAutofit/>
           </a:bodyPr>
           <a:lstStyle>
@@ -2432,19 +2346,15 @@
               </a:defRPr>
             </a:lvl9pPr>
           </a:lstStyle>
-          <a:p>
-            <a:endParaRPr/>
-          </a:p>
+          <a:p/>
         </p:txBody>
       </p:sp>
       <p:sp>
         <p:nvSpPr>
           <p:cNvPr id="14" name="Google Shape;14;p2"/>
-          <p:cNvSpPr txBox="1">
-            <a:spLocks noGrp="1"/>
-          </p:cNvSpPr>
+          <p:cNvSpPr txBox="1"/>
           <p:nvPr>
-            <p:ph type="sldNum" idx="12"/>
+            <p:ph idx="12" type="sldNum"/>
           </p:nvPr>
         </p:nvSpPr>
         <p:spPr>
@@ -2457,7 +2367,7 @@
           </a:prstGeom>
         </p:spPr>
         <p:txBody>
-          <a:bodyPr spcFirstLastPara="1" wrap="square" lIns="91425" tIns="91425" rIns="91425" bIns="91425" anchor="ctr" anchorCtr="0">
+          <a:bodyPr anchorCtr="0" anchor="ctr" bIns="91425" lIns="91425" spcFirstLastPara="1" rIns="91425" wrap="square" tIns="91425">
             <a:normAutofit/>
           </a:bodyPr>
           <a:lstStyle>
@@ -2499,7 +2409,7 @@
             </a:lvl9pPr>
           </a:lstStyle>
           <a:p>
-            <a:pPr marL="0" lvl="0" indent="0" algn="r" rtl="0">
+            <a:pPr indent="0" lvl="0" marL="0" rtl="0" algn="r">
               <a:spcBef>
                 <a:spcPts val="0"/>
               </a:spcBef>
@@ -2510,7 +2420,7 @@
             </a:pPr>
             <a:fld id="{00000000-1234-1234-1234-123412341234}" type="slidenum">
               <a:rPr lang="es"/>
-              <a:t>‹Nº›</a:t>
+              <a:t>‹#›</a:t>
             </a:fld>
             <a:endParaRPr/>
           </a:p>
@@ -2525,11 +2435,11 @@
 </file>
 
 <file path=ppt/slideLayouts/slideLayout10.xml><?xml version="1.0" encoding="utf-8"?>
-<p:sldLayout xmlns:a="http://schemas.openxmlformats.org/drawingml/2006/main" xmlns:r="http://schemas.openxmlformats.org/officeDocument/2006/relationships" xmlns:p="http://schemas.openxmlformats.org/presentationml/2006/main" matchingName="Big number">
+<p:sldLayout xmlns:a="http://schemas.openxmlformats.org/drawingml/2006/main" xmlns:r="http://schemas.openxmlformats.org/officeDocument/2006/relationships" xmlns:mc="http://schemas.openxmlformats.org/markup-compatibility/2006" xmlns:mv="urn:schemas-microsoft-com:mac:vml" xmlns:p="http://schemas.openxmlformats.org/presentationml/2006/main" xmlns:c="http://schemas.openxmlformats.org/drawingml/2006/chart" xmlns:dgm="http://schemas.openxmlformats.org/drawingml/2006/diagram" xmlns:o="urn:schemas-microsoft-com:office:office" xmlns:v="urn:schemas-microsoft-com:vml" xmlns:pvml="urn:schemas-microsoft-com:office:powerpoint" xmlns:com="http://schemas.openxmlformats.org/drawingml/2006/compatibility" xmlns:p14="http://schemas.microsoft.com/office/powerpoint/2010/main" xmlns:p15="http://schemas.microsoft.com/office/powerpoint/2012/main" xmlns:ahyp="http://schemas.microsoft.com/office/drawing/2018/hyperlinkcolor" matchingName="Big number">
   <p:cSld name="BIG_NUMBER">
     <p:spTree>
       <p:nvGrpSpPr>
-        <p:cNvPr id="1" name="Shape 51"/>
+        <p:cNvPr id="51" name="Shape 51"/>
         <p:cNvGrpSpPr/>
         <p:nvPr/>
       </p:nvGrpSpPr>
@@ -2563,12 +2473,12 @@
           </a:ln>
         </p:spPr>
         <p:txBody>
-          <a:bodyPr spcFirstLastPara="1" wrap="square" lIns="91425" tIns="91425" rIns="91425" bIns="91425" anchor="ctr" anchorCtr="0">
+          <a:bodyPr anchorCtr="0" anchor="ctr" bIns="91425" lIns="91425" spcFirstLastPara="1" rIns="91425" wrap="square" tIns="91425">
             <a:noAutofit/>
           </a:bodyPr>
           <a:lstStyle/>
           <a:p>
-            <a:pPr marL="0" lvl="0" indent="0" algn="l" rtl="0">
+            <a:pPr indent="0" lvl="0" marL="0" rtl="0" algn="l">
               <a:spcBef>
                 <a:spcPts val="0"/>
               </a:spcBef>
@@ -2577,6 +2487,9 @@
               </a:spcAft>
               <a:buNone/>
             </a:pPr>
+            <a:r>
+              <a:t/>
+            </a:r>
             <a:endParaRPr/>
           </a:p>
         </p:txBody>
@@ -2584,11 +2497,9 @@
       <p:sp>
         <p:nvSpPr>
           <p:cNvPr id="53" name="Google Shape;53;p11"/>
-          <p:cNvSpPr txBox="1">
-            <a:spLocks noGrp="1"/>
-          </p:cNvSpPr>
+          <p:cNvSpPr txBox="1"/>
           <p:nvPr>
-            <p:ph type="title" hasCustomPrompt="1"/>
+            <p:ph hasCustomPrompt="1" type="title"/>
           </p:nvPr>
         </p:nvSpPr>
         <p:spPr>
@@ -2601,7 +2512,7 @@
           </a:prstGeom>
         </p:spPr>
         <p:txBody>
-          <a:bodyPr spcFirstLastPara="1" wrap="square" lIns="91425" tIns="91425" rIns="91425" bIns="91425" anchor="ctr" anchorCtr="0">
+          <a:bodyPr anchorCtr="0" anchor="ctr" bIns="91425" lIns="91425" spcFirstLastPara="1" rIns="91425" wrap="square" tIns="91425">
             <a:normAutofit/>
           </a:bodyPr>
           <a:lstStyle>
@@ -2778,11 +2689,9 @@
       <p:sp>
         <p:nvSpPr>
           <p:cNvPr id="54" name="Google Shape;54;p11"/>
-          <p:cNvSpPr txBox="1">
-            <a:spLocks noGrp="1"/>
-          </p:cNvSpPr>
+          <p:cNvSpPr txBox="1"/>
           <p:nvPr>
-            <p:ph type="body" idx="1"/>
+            <p:ph idx="1" type="body"/>
           </p:nvPr>
         </p:nvSpPr>
         <p:spPr>
@@ -2795,11 +2704,11 @@
           </a:prstGeom>
         </p:spPr>
         <p:txBody>
-          <a:bodyPr spcFirstLastPara="1" wrap="square" lIns="91425" tIns="91425" rIns="91425" bIns="91425" anchor="t" anchorCtr="0">
+          <a:bodyPr anchorCtr="0" anchor="t" bIns="91425" lIns="91425" spcFirstLastPara="1" rIns="91425" wrap="square" tIns="91425">
             <a:normAutofit/>
           </a:bodyPr>
           <a:lstStyle>
-            <a:lvl1pPr marL="457200" lvl="0" indent="-342900" algn="ctr">
+            <a:lvl1pPr indent="-342900" lvl="0" marL="457200" algn="ctr">
               <a:spcBef>
                 <a:spcPts val="0"/>
               </a:spcBef>
@@ -2810,7 +2719,7 @@
               <a:buChar char="●"/>
               <a:defRPr/>
             </a:lvl1pPr>
-            <a:lvl2pPr marL="914400" lvl="1" indent="-317500" algn="ctr">
+            <a:lvl2pPr indent="-317500" lvl="1" marL="914400" algn="ctr">
               <a:spcBef>
                 <a:spcPts val="0"/>
               </a:spcBef>
@@ -2821,7 +2730,7 @@
               <a:buChar char="○"/>
               <a:defRPr/>
             </a:lvl2pPr>
-            <a:lvl3pPr marL="1371600" lvl="2" indent="-317500" algn="ctr">
+            <a:lvl3pPr indent="-317500" lvl="2" marL="1371600" algn="ctr">
               <a:spcBef>
                 <a:spcPts val="0"/>
               </a:spcBef>
@@ -2832,7 +2741,7 @@
               <a:buChar char="■"/>
               <a:defRPr/>
             </a:lvl3pPr>
-            <a:lvl4pPr marL="1828800" lvl="3" indent="-317500" algn="ctr">
+            <a:lvl4pPr indent="-317500" lvl="3" marL="1828800" algn="ctr">
               <a:spcBef>
                 <a:spcPts val="0"/>
               </a:spcBef>
@@ -2843,7 +2752,7 @@
               <a:buChar char="●"/>
               <a:defRPr/>
             </a:lvl4pPr>
-            <a:lvl5pPr marL="2286000" lvl="4" indent="-317500" algn="ctr">
+            <a:lvl5pPr indent="-317500" lvl="4" marL="2286000" algn="ctr">
               <a:spcBef>
                 <a:spcPts val="0"/>
               </a:spcBef>
@@ -2854,7 +2763,7 @@
               <a:buChar char="○"/>
               <a:defRPr/>
             </a:lvl5pPr>
-            <a:lvl6pPr marL="2743200" lvl="5" indent="-317500" algn="ctr">
+            <a:lvl6pPr indent="-317500" lvl="5" marL="2743200" algn="ctr">
               <a:spcBef>
                 <a:spcPts val="0"/>
               </a:spcBef>
@@ -2865,7 +2774,7 @@
               <a:buChar char="■"/>
               <a:defRPr/>
             </a:lvl6pPr>
-            <a:lvl7pPr marL="3200400" lvl="6" indent="-317500" algn="ctr">
+            <a:lvl7pPr indent="-317500" lvl="6" marL="3200400" algn="ctr">
               <a:spcBef>
                 <a:spcPts val="0"/>
               </a:spcBef>
@@ -2876,7 +2785,7 @@
               <a:buChar char="●"/>
               <a:defRPr/>
             </a:lvl7pPr>
-            <a:lvl8pPr marL="3657600" lvl="7" indent="-317500" algn="ctr">
+            <a:lvl8pPr indent="-317500" lvl="7" marL="3657600" algn="ctr">
               <a:spcBef>
                 <a:spcPts val="0"/>
               </a:spcBef>
@@ -2887,7 +2796,7 @@
               <a:buChar char="○"/>
               <a:defRPr/>
             </a:lvl8pPr>
-            <a:lvl9pPr marL="4114800" lvl="8" indent="-317500" algn="ctr">
+            <a:lvl9pPr indent="-317500" lvl="8" marL="4114800" algn="ctr">
               <a:spcBef>
                 <a:spcPts val="0"/>
               </a:spcBef>
@@ -2899,19 +2808,15 @@
               <a:defRPr/>
             </a:lvl9pPr>
           </a:lstStyle>
-          <a:p>
-            <a:endParaRPr/>
-          </a:p>
+          <a:p/>
         </p:txBody>
       </p:sp>
       <p:sp>
         <p:nvSpPr>
           <p:cNvPr id="55" name="Google Shape;55;p11"/>
-          <p:cNvSpPr txBox="1">
-            <a:spLocks noGrp="1"/>
-          </p:cNvSpPr>
+          <p:cNvSpPr txBox="1"/>
           <p:nvPr>
-            <p:ph type="sldNum" idx="12"/>
+            <p:ph idx="12" type="sldNum"/>
           </p:nvPr>
         </p:nvSpPr>
         <p:spPr>
@@ -2924,7 +2829,7 @@
           </a:prstGeom>
         </p:spPr>
         <p:txBody>
-          <a:bodyPr spcFirstLastPara="1" wrap="square" lIns="91425" tIns="91425" rIns="91425" bIns="91425" anchor="ctr" anchorCtr="0">
+          <a:bodyPr anchorCtr="0" anchor="ctr" bIns="91425" lIns="91425" spcFirstLastPara="1" rIns="91425" wrap="square" tIns="91425">
             <a:normAutofit/>
           </a:bodyPr>
           <a:lstStyle>
@@ -2966,7 +2871,7 @@
             </a:lvl9pPr>
           </a:lstStyle>
           <a:p>
-            <a:pPr marL="0" lvl="0" indent="0" algn="r" rtl="0">
+            <a:pPr indent="0" lvl="0" marL="0" rtl="0" algn="r">
               <a:spcBef>
                 <a:spcPts val="0"/>
               </a:spcBef>
@@ -2977,7 +2882,7 @@
             </a:pPr>
             <a:fld id="{00000000-1234-1234-1234-123412341234}" type="slidenum">
               <a:rPr lang="es"/>
-              <a:t>‹Nº›</a:t>
+              <a:t>‹#›</a:t>
             </a:fld>
             <a:endParaRPr/>
           </a:p>
@@ -2992,11 +2897,11 @@
 </file>
 
 <file path=ppt/slideLayouts/slideLayout11.xml><?xml version="1.0" encoding="utf-8"?>
-<p:sldLayout xmlns:a="http://schemas.openxmlformats.org/drawingml/2006/main" xmlns:r="http://schemas.openxmlformats.org/officeDocument/2006/relationships" xmlns:p="http://schemas.openxmlformats.org/presentationml/2006/main" matchingName="Blank" type="blank">
+<p:sldLayout xmlns:a="http://schemas.openxmlformats.org/drawingml/2006/main" xmlns:r="http://schemas.openxmlformats.org/officeDocument/2006/relationships" xmlns:mc="http://schemas.openxmlformats.org/markup-compatibility/2006" xmlns:mv="urn:schemas-microsoft-com:mac:vml" xmlns:p="http://schemas.openxmlformats.org/presentationml/2006/main" xmlns:c="http://schemas.openxmlformats.org/drawingml/2006/chart" xmlns:dgm="http://schemas.openxmlformats.org/drawingml/2006/diagram" xmlns:o="urn:schemas-microsoft-com:office:office" xmlns:v="urn:schemas-microsoft-com:vml" xmlns:pvml="urn:schemas-microsoft-com:office:powerpoint" xmlns:com="http://schemas.openxmlformats.org/drawingml/2006/compatibility" xmlns:p14="http://schemas.microsoft.com/office/powerpoint/2010/main" xmlns:p15="http://schemas.microsoft.com/office/powerpoint/2012/main" xmlns:ahyp="http://schemas.microsoft.com/office/drawing/2018/hyperlinkcolor" matchingName="Blank" type="blank">
   <p:cSld name="BLANK">
     <p:spTree>
       <p:nvGrpSpPr>
-        <p:cNvPr id="1" name="Shape 56"/>
+        <p:cNvPr id="56" name="Shape 56"/>
         <p:cNvGrpSpPr/>
         <p:nvPr/>
       </p:nvGrpSpPr>
@@ -3011,11 +2916,9 @@
       <p:sp>
         <p:nvSpPr>
           <p:cNvPr id="57" name="Google Shape;57;p12"/>
-          <p:cNvSpPr txBox="1">
-            <a:spLocks noGrp="1"/>
-          </p:cNvSpPr>
+          <p:cNvSpPr txBox="1"/>
           <p:nvPr>
-            <p:ph type="sldNum" idx="12"/>
+            <p:ph idx="12" type="sldNum"/>
           </p:nvPr>
         </p:nvSpPr>
         <p:spPr>
@@ -3028,7 +2931,7 @@
           </a:prstGeom>
         </p:spPr>
         <p:txBody>
-          <a:bodyPr spcFirstLastPara="1" wrap="square" lIns="91425" tIns="91425" rIns="91425" bIns="91425" anchor="ctr" anchorCtr="0">
+          <a:bodyPr anchorCtr="0" anchor="ctr" bIns="91425" lIns="91425" spcFirstLastPara="1" rIns="91425" wrap="square" tIns="91425">
             <a:normAutofit/>
           </a:bodyPr>
           <a:lstStyle>
@@ -3070,7 +2973,7 @@
             </a:lvl9pPr>
           </a:lstStyle>
           <a:p>
-            <a:pPr marL="0" lvl="0" indent="0" algn="r" rtl="0">
+            <a:pPr indent="0" lvl="0" marL="0" rtl="0" algn="r">
               <a:spcBef>
                 <a:spcPts val="0"/>
               </a:spcBef>
@@ -3081,7 +2984,7 @@
             </a:pPr>
             <a:fld id="{00000000-1234-1234-1234-123412341234}" type="slidenum">
               <a:rPr lang="es"/>
-              <a:t>‹Nº›</a:t>
+              <a:t>‹#›</a:t>
             </a:fld>
             <a:endParaRPr/>
           </a:p>
@@ -3096,11 +2999,11 @@
 </file>
 
 <file path=ppt/slideLayouts/slideLayout2.xml><?xml version="1.0" encoding="utf-8"?>
-<p:sldLayout xmlns:a="http://schemas.openxmlformats.org/drawingml/2006/main" xmlns:r="http://schemas.openxmlformats.org/officeDocument/2006/relationships" xmlns:p="http://schemas.openxmlformats.org/presentationml/2006/main" matchingName="Section header" type="secHead">
+<p:sldLayout xmlns:a="http://schemas.openxmlformats.org/drawingml/2006/main" xmlns:r="http://schemas.openxmlformats.org/officeDocument/2006/relationships" xmlns:mc="http://schemas.openxmlformats.org/markup-compatibility/2006" xmlns:mv="urn:schemas-microsoft-com:mac:vml" xmlns:p="http://schemas.openxmlformats.org/presentationml/2006/main" xmlns:c="http://schemas.openxmlformats.org/drawingml/2006/chart" xmlns:dgm="http://schemas.openxmlformats.org/drawingml/2006/diagram" xmlns:o="urn:schemas-microsoft-com:office:office" xmlns:v="urn:schemas-microsoft-com:vml" xmlns:pvml="urn:schemas-microsoft-com:office:powerpoint" xmlns:com="http://schemas.openxmlformats.org/drawingml/2006/compatibility" xmlns:p14="http://schemas.microsoft.com/office/powerpoint/2010/main" xmlns:p15="http://schemas.microsoft.com/office/powerpoint/2012/main" xmlns:ahyp="http://schemas.microsoft.com/office/drawing/2018/hyperlinkcolor" matchingName="Section header" type="secHead">
   <p:cSld name="SECTION_HEADER">
     <p:spTree>
       <p:nvGrpSpPr>
-        <p:cNvPr id="1" name="Shape 15"/>
+        <p:cNvPr id="15" name="Shape 15"/>
         <p:cNvGrpSpPr/>
         <p:nvPr/>
       </p:nvGrpSpPr>
@@ -3124,13 +3027,9 @@
             <a:ext cx="1081625" cy="1124950"/>
           </a:xfrm>
           <a:custGeom>
-            <a:avLst/>
-            <a:gdLst/>
-            <a:ahLst/>
-            <a:cxnLst/>
-            <a:rect l="l" t="t" r="r" b="b"/>
+            <a:rect b="b" l="l" r="r" t="t"/>
             <a:pathLst>
-              <a:path w="43265" h="44998" extrusionOk="0">
+              <a:path extrusionOk="0" h="44998" w="43265">
                 <a:moveTo>
                   <a:pt x="0" y="44998"/>
                 </a:moveTo>
@@ -3144,14 +3043,14 @@
             </a:pathLst>
           </a:custGeom>
           <a:noFill/>
-          <a:ln w="28575" cap="flat" cmpd="sng">
+          <a:ln cap="flat" cmpd="sng" w="28575">
             <a:solidFill>
               <a:schemeClr val="lt2"/>
             </a:solidFill>
             <a:prstDash val="solid"/>
             <a:miter lim="8000"/>
-            <a:headEnd type="none" w="sm" len="sm"/>
-            <a:tailEnd type="none" w="sm" len="sm"/>
+            <a:headEnd len="sm" w="sm" type="none"/>
+            <a:tailEnd len="sm" w="sm" type="none"/>
           </a:ln>
         </p:spPr>
       </p:sp>
@@ -3162,18 +3061,14 @@
           <p:nvPr/>
         </p:nvSpPr>
         <p:spPr>
-          <a:xfrm rot="10800000" flipH="1">
+          <a:xfrm flipH="1" rot="10800000">
             <a:off x="466425" y="3558325"/>
             <a:ext cx="1081625" cy="1124950"/>
           </a:xfrm>
           <a:custGeom>
-            <a:avLst/>
-            <a:gdLst/>
-            <a:ahLst/>
-            <a:cxnLst/>
-            <a:rect l="l" t="t" r="r" b="b"/>
+            <a:rect b="b" l="l" r="r" t="t"/>
             <a:pathLst>
-              <a:path w="43265" h="44998" extrusionOk="0">
+              <a:path extrusionOk="0" h="44998" w="43265">
                 <a:moveTo>
                   <a:pt x="0" y="44998"/>
                 </a:moveTo>
@@ -3187,23 +3082,21 @@
             </a:pathLst>
           </a:custGeom>
           <a:noFill/>
-          <a:ln w="28575" cap="flat" cmpd="sng">
+          <a:ln cap="flat" cmpd="sng" w="28575">
             <a:solidFill>
               <a:schemeClr val="lt2"/>
             </a:solidFill>
             <a:prstDash val="solid"/>
             <a:miter lim="8000"/>
-            <a:headEnd type="none" w="sm" len="sm"/>
-            <a:tailEnd type="none" w="sm" len="sm"/>
+            <a:headEnd len="sm" w="sm" type="none"/>
+            <a:tailEnd len="sm" w="sm" type="none"/>
           </a:ln>
         </p:spPr>
       </p:sp>
       <p:sp>
         <p:nvSpPr>
           <p:cNvPr id="18" name="Google Shape;18;p3"/>
-          <p:cNvSpPr txBox="1">
-            <a:spLocks noGrp="1"/>
-          </p:cNvSpPr>
+          <p:cNvSpPr txBox="1"/>
           <p:nvPr>
             <p:ph type="title"/>
           </p:nvPr>
@@ -3218,7 +3111,7 @@
           </a:prstGeom>
         </p:spPr>
         <p:txBody>
-          <a:bodyPr spcFirstLastPara="1" wrap="square" lIns="91425" tIns="91425" rIns="91425" bIns="91425" anchor="ctr" anchorCtr="0">
+          <a:bodyPr anchorCtr="0" anchor="ctr" bIns="91425" lIns="91425" spcFirstLastPara="1" rIns="91425" wrap="square" tIns="91425">
             <a:normAutofit/>
           </a:bodyPr>
           <a:lstStyle>
@@ -3322,19 +3215,15 @@
               <a:defRPr/>
             </a:lvl9pPr>
           </a:lstStyle>
-          <a:p>
-            <a:endParaRPr/>
-          </a:p>
+          <a:p/>
         </p:txBody>
       </p:sp>
       <p:sp>
         <p:nvSpPr>
           <p:cNvPr id="19" name="Google Shape;19;p3"/>
-          <p:cNvSpPr txBox="1">
-            <a:spLocks noGrp="1"/>
-          </p:cNvSpPr>
+          <p:cNvSpPr txBox="1"/>
           <p:nvPr>
-            <p:ph type="sldNum" idx="12"/>
+            <p:ph idx="12" type="sldNum"/>
           </p:nvPr>
         </p:nvSpPr>
         <p:spPr>
@@ -3347,7 +3236,7 @@
           </a:prstGeom>
         </p:spPr>
         <p:txBody>
-          <a:bodyPr spcFirstLastPara="1" wrap="square" lIns="91425" tIns="91425" rIns="91425" bIns="91425" anchor="ctr" anchorCtr="0">
+          <a:bodyPr anchorCtr="0" anchor="ctr" bIns="91425" lIns="91425" spcFirstLastPara="1" rIns="91425" wrap="square" tIns="91425">
             <a:normAutofit/>
           </a:bodyPr>
           <a:lstStyle>
@@ -3389,7 +3278,7 @@
             </a:lvl9pPr>
           </a:lstStyle>
           <a:p>
-            <a:pPr marL="0" lvl="0" indent="0" algn="r" rtl="0">
+            <a:pPr indent="0" lvl="0" marL="0" rtl="0" algn="r">
               <a:spcBef>
                 <a:spcPts val="0"/>
               </a:spcBef>
@@ -3400,7 +3289,7 @@
             </a:pPr>
             <a:fld id="{00000000-1234-1234-1234-123412341234}" type="slidenum">
               <a:rPr lang="es"/>
-              <a:t>‹Nº›</a:t>
+              <a:t>‹#›</a:t>
             </a:fld>
             <a:endParaRPr/>
           </a:p>
@@ -3415,11 +3304,11 @@
 </file>
 
 <file path=ppt/slideLayouts/slideLayout3.xml><?xml version="1.0" encoding="utf-8"?>
-<p:sldLayout xmlns:a="http://schemas.openxmlformats.org/drawingml/2006/main" xmlns:r="http://schemas.openxmlformats.org/officeDocument/2006/relationships" xmlns:p="http://schemas.openxmlformats.org/presentationml/2006/main" matchingName="Title and body" type="tx">
+<p:sldLayout xmlns:a="http://schemas.openxmlformats.org/drawingml/2006/main" xmlns:r="http://schemas.openxmlformats.org/officeDocument/2006/relationships" xmlns:mc="http://schemas.openxmlformats.org/markup-compatibility/2006" xmlns:mv="urn:schemas-microsoft-com:mac:vml" xmlns:p="http://schemas.openxmlformats.org/presentationml/2006/main" xmlns:c="http://schemas.openxmlformats.org/drawingml/2006/chart" xmlns:dgm="http://schemas.openxmlformats.org/drawingml/2006/diagram" xmlns:o="urn:schemas-microsoft-com:office:office" xmlns:v="urn:schemas-microsoft-com:vml" xmlns:pvml="urn:schemas-microsoft-com:office:powerpoint" xmlns:com="http://schemas.openxmlformats.org/drawingml/2006/compatibility" xmlns:p14="http://schemas.microsoft.com/office/powerpoint/2010/main" xmlns:p15="http://schemas.microsoft.com/office/powerpoint/2012/main" xmlns:ahyp="http://schemas.microsoft.com/office/drawing/2018/hyperlinkcolor" matchingName="Title and body" type="tx">
   <p:cSld name="TITLE_AND_BODY">
     <p:spTree>
       <p:nvGrpSpPr>
-        <p:cNvPr id="1" name="Shape 20"/>
+        <p:cNvPr id="20" name="Shape 20"/>
         <p:cNvGrpSpPr/>
         <p:nvPr/>
       </p:nvGrpSpPr>
@@ -3453,12 +3342,12 @@
           </a:ln>
         </p:spPr>
         <p:txBody>
-          <a:bodyPr spcFirstLastPara="1" wrap="square" lIns="91425" tIns="91425" rIns="91425" bIns="91425" anchor="ctr" anchorCtr="0">
+          <a:bodyPr anchorCtr="0" anchor="ctr" bIns="91425" lIns="91425" spcFirstLastPara="1" rIns="91425" wrap="square" tIns="91425">
             <a:noAutofit/>
           </a:bodyPr>
           <a:lstStyle/>
           <a:p>
-            <a:pPr marL="0" lvl="0" indent="0" algn="l" rtl="0">
+            <a:pPr indent="0" lvl="0" marL="0" rtl="0" algn="l">
               <a:spcBef>
                 <a:spcPts val="0"/>
               </a:spcBef>
@@ -3467,6 +3356,9 @@
               </a:spcAft>
               <a:buNone/>
             </a:pPr>
+            <a:r>
+              <a:t/>
+            </a:r>
             <a:endParaRPr/>
           </a:p>
         </p:txBody>
@@ -3474,9 +3366,7 @@
       <p:sp>
         <p:nvSpPr>
           <p:cNvPr id="22" name="Google Shape;22;p4"/>
-          <p:cNvSpPr txBox="1">
-            <a:spLocks noGrp="1"/>
-          </p:cNvSpPr>
+          <p:cNvSpPr txBox="1"/>
           <p:nvPr>
             <p:ph type="title"/>
           </p:nvPr>
@@ -3491,7 +3381,7 @@
           </a:prstGeom>
         </p:spPr>
         <p:txBody>
-          <a:bodyPr spcFirstLastPara="1" wrap="square" lIns="91425" tIns="91425" rIns="91425" bIns="91425" anchor="b" anchorCtr="0">
+          <a:bodyPr anchorCtr="0" anchor="b" bIns="91425" lIns="91425" spcFirstLastPara="1" rIns="91425" wrap="square" tIns="91425">
             <a:normAutofit/>
           </a:bodyPr>
           <a:lstStyle>
@@ -3595,19 +3485,15 @@
               <a:defRPr/>
             </a:lvl9pPr>
           </a:lstStyle>
-          <a:p>
-            <a:endParaRPr/>
-          </a:p>
+          <a:p/>
         </p:txBody>
       </p:sp>
       <p:sp>
         <p:nvSpPr>
           <p:cNvPr id="23" name="Google Shape;23;p4"/>
-          <p:cNvSpPr txBox="1">
-            <a:spLocks noGrp="1"/>
-          </p:cNvSpPr>
+          <p:cNvSpPr txBox="1"/>
           <p:nvPr>
-            <p:ph type="body" idx="1"/>
+            <p:ph idx="1" type="body"/>
           </p:nvPr>
         </p:nvSpPr>
         <p:spPr>
@@ -3620,11 +3506,11 @@
           </a:prstGeom>
         </p:spPr>
         <p:txBody>
-          <a:bodyPr spcFirstLastPara="1" wrap="square" lIns="91425" tIns="91425" rIns="91425" bIns="91425" anchor="t" anchorCtr="0">
+          <a:bodyPr anchorCtr="0" anchor="t" bIns="91425" lIns="91425" spcFirstLastPara="1" rIns="91425" wrap="square" tIns="91425">
             <a:normAutofit/>
           </a:bodyPr>
           <a:lstStyle>
-            <a:lvl1pPr marL="457200" lvl="0" indent="-342900">
+            <a:lvl1pPr indent="-342900" lvl="0" marL="457200">
               <a:spcBef>
                 <a:spcPts val="0"/>
               </a:spcBef>
@@ -3635,7 +3521,7 @@
               <a:buChar char="●"/>
               <a:defRPr/>
             </a:lvl1pPr>
-            <a:lvl2pPr marL="914400" lvl="1" indent="-317500">
+            <a:lvl2pPr indent="-317500" lvl="1" marL="914400">
               <a:spcBef>
                 <a:spcPts val="0"/>
               </a:spcBef>
@@ -3646,7 +3532,7 @@
               <a:buChar char="○"/>
               <a:defRPr/>
             </a:lvl2pPr>
-            <a:lvl3pPr marL="1371600" lvl="2" indent="-317500">
+            <a:lvl3pPr indent="-317500" lvl="2" marL="1371600">
               <a:spcBef>
                 <a:spcPts val="0"/>
               </a:spcBef>
@@ -3657,7 +3543,7 @@
               <a:buChar char="■"/>
               <a:defRPr/>
             </a:lvl3pPr>
-            <a:lvl4pPr marL="1828800" lvl="3" indent="-317500">
+            <a:lvl4pPr indent="-317500" lvl="3" marL="1828800">
               <a:spcBef>
                 <a:spcPts val="0"/>
               </a:spcBef>
@@ -3668,7 +3554,7 @@
               <a:buChar char="●"/>
               <a:defRPr/>
             </a:lvl4pPr>
-            <a:lvl5pPr marL="2286000" lvl="4" indent="-317500">
+            <a:lvl5pPr indent="-317500" lvl="4" marL="2286000">
               <a:spcBef>
                 <a:spcPts val="0"/>
               </a:spcBef>
@@ -3679,7 +3565,7 @@
               <a:buChar char="○"/>
               <a:defRPr/>
             </a:lvl5pPr>
-            <a:lvl6pPr marL="2743200" lvl="5" indent="-317500">
+            <a:lvl6pPr indent="-317500" lvl="5" marL="2743200">
               <a:spcBef>
                 <a:spcPts val="0"/>
               </a:spcBef>
@@ -3690,7 +3576,7 @@
               <a:buChar char="■"/>
               <a:defRPr/>
             </a:lvl6pPr>
-            <a:lvl7pPr marL="3200400" lvl="6" indent="-317500">
+            <a:lvl7pPr indent="-317500" lvl="6" marL="3200400">
               <a:spcBef>
                 <a:spcPts val="0"/>
               </a:spcBef>
@@ -3701,7 +3587,7 @@
               <a:buChar char="●"/>
               <a:defRPr/>
             </a:lvl7pPr>
-            <a:lvl8pPr marL="3657600" lvl="7" indent="-317500">
+            <a:lvl8pPr indent="-317500" lvl="7" marL="3657600">
               <a:spcBef>
                 <a:spcPts val="0"/>
               </a:spcBef>
@@ -3712,7 +3598,7 @@
               <a:buChar char="○"/>
               <a:defRPr/>
             </a:lvl8pPr>
-            <a:lvl9pPr marL="4114800" lvl="8" indent="-317500">
+            <a:lvl9pPr indent="-317500" lvl="8" marL="4114800">
               <a:spcBef>
                 <a:spcPts val="0"/>
               </a:spcBef>
@@ -3724,19 +3610,15 @@
               <a:defRPr/>
             </a:lvl9pPr>
           </a:lstStyle>
-          <a:p>
-            <a:endParaRPr/>
-          </a:p>
+          <a:p/>
         </p:txBody>
       </p:sp>
       <p:sp>
         <p:nvSpPr>
           <p:cNvPr id="24" name="Google Shape;24;p4"/>
-          <p:cNvSpPr txBox="1">
-            <a:spLocks noGrp="1"/>
-          </p:cNvSpPr>
+          <p:cNvSpPr txBox="1"/>
           <p:nvPr>
-            <p:ph type="sldNum" idx="12"/>
+            <p:ph idx="12" type="sldNum"/>
           </p:nvPr>
         </p:nvSpPr>
         <p:spPr>
@@ -3749,7 +3631,7 @@
           </a:prstGeom>
         </p:spPr>
         <p:txBody>
-          <a:bodyPr spcFirstLastPara="1" wrap="square" lIns="91425" tIns="91425" rIns="91425" bIns="91425" anchor="ctr" anchorCtr="0">
+          <a:bodyPr anchorCtr="0" anchor="ctr" bIns="91425" lIns="91425" spcFirstLastPara="1" rIns="91425" wrap="square" tIns="91425">
             <a:normAutofit/>
           </a:bodyPr>
           <a:lstStyle>
@@ -3791,7 +3673,7 @@
             </a:lvl9pPr>
           </a:lstStyle>
           <a:p>
-            <a:pPr marL="0" lvl="0" indent="0" algn="r" rtl="0">
+            <a:pPr indent="0" lvl="0" marL="0" rtl="0" algn="r">
               <a:spcBef>
                 <a:spcPts val="0"/>
               </a:spcBef>
@@ -3802,7 +3684,7 @@
             </a:pPr>
             <a:fld id="{00000000-1234-1234-1234-123412341234}" type="slidenum">
               <a:rPr lang="es"/>
-              <a:t>‹Nº›</a:t>
+              <a:t>‹#›</a:t>
             </a:fld>
             <a:endParaRPr/>
           </a:p>
@@ -3817,11 +3699,11 @@
 </file>
 
 <file path=ppt/slideLayouts/slideLayout4.xml><?xml version="1.0" encoding="utf-8"?>
-<p:sldLayout xmlns:a="http://schemas.openxmlformats.org/drawingml/2006/main" xmlns:r="http://schemas.openxmlformats.org/officeDocument/2006/relationships" xmlns:p="http://schemas.openxmlformats.org/presentationml/2006/main" matchingName="Title and two columns" type="twoColTx">
+<p:sldLayout xmlns:a="http://schemas.openxmlformats.org/drawingml/2006/main" xmlns:r="http://schemas.openxmlformats.org/officeDocument/2006/relationships" xmlns:mc="http://schemas.openxmlformats.org/markup-compatibility/2006" xmlns:mv="urn:schemas-microsoft-com:mac:vml" xmlns:p="http://schemas.openxmlformats.org/presentationml/2006/main" xmlns:c="http://schemas.openxmlformats.org/drawingml/2006/chart" xmlns:dgm="http://schemas.openxmlformats.org/drawingml/2006/diagram" xmlns:o="urn:schemas-microsoft-com:office:office" xmlns:v="urn:schemas-microsoft-com:vml" xmlns:pvml="urn:schemas-microsoft-com:office:powerpoint" xmlns:com="http://schemas.openxmlformats.org/drawingml/2006/compatibility" xmlns:p14="http://schemas.microsoft.com/office/powerpoint/2010/main" xmlns:p15="http://schemas.microsoft.com/office/powerpoint/2012/main" xmlns:ahyp="http://schemas.microsoft.com/office/drawing/2018/hyperlinkcolor" matchingName="Title and two columns" type="twoColTx">
   <p:cSld name="TITLE_AND_TWO_COLUMNS">
     <p:spTree>
       <p:nvGrpSpPr>
-        <p:cNvPr id="1" name="Shape 25"/>
+        <p:cNvPr id="25" name="Shape 25"/>
         <p:cNvGrpSpPr/>
         <p:nvPr/>
       </p:nvGrpSpPr>
@@ -3836,9 +3718,7 @@
       <p:sp>
         <p:nvSpPr>
           <p:cNvPr id="26" name="Google Shape;26;p5"/>
-          <p:cNvSpPr txBox="1">
-            <a:spLocks noGrp="1"/>
-          </p:cNvSpPr>
+          <p:cNvSpPr txBox="1"/>
           <p:nvPr>
             <p:ph type="title"/>
           </p:nvPr>
@@ -3853,7 +3733,7 @@
           </a:prstGeom>
         </p:spPr>
         <p:txBody>
-          <a:bodyPr spcFirstLastPara="1" wrap="square" lIns="91425" tIns="91425" rIns="91425" bIns="91425" anchor="b" anchorCtr="0">
+          <a:bodyPr anchorCtr="0" anchor="b" bIns="91425" lIns="91425" spcFirstLastPara="1" rIns="91425" wrap="square" tIns="91425">
             <a:normAutofit/>
           </a:bodyPr>
           <a:lstStyle>
@@ -3957,19 +3837,15 @@
               <a:defRPr/>
             </a:lvl9pPr>
           </a:lstStyle>
-          <a:p>
-            <a:endParaRPr/>
-          </a:p>
+          <a:p/>
         </p:txBody>
       </p:sp>
       <p:sp>
         <p:nvSpPr>
           <p:cNvPr id="27" name="Google Shape;27;p5"/>
-          <p:cNvSpPr txBox="1">
-            <a:spLocks noGrp="1"/>
-          </p:cNvSpPr>
+          <p:cNvSpPr txBox="1"/>
           <p:nvPr>
-            <p:ph type="body" idx="1"/>
+            <p:ph idx="1" type="body"/>
           </p:nvPr>
         </p:nvSpPr>
         <p:spPr>
@@ -3982,11 +3858,11 @@
           </a:prstGeom>
         </p:spPr>
         <p:txBody>
-          <a:bodyPr spcFirstLastPara="1" wrap="square" lIns="91425" tIns="91425" rIns="91425" bIns="91425" anchor="t" anchorCtr="0">
+          <a:bodyPr anchorCtr="0" anchor="t" bIns="91425" lIns="91425" spcFirstLastPara="1" rIns="91425" wrap="square" tIns="91425">
             <a:normAutofit/>
           </a:bodyPr>
           <a:lstStyle>
-            <a:lvl1pPr marL="457200" lvl="0" indent="-317500">
+            <a:lvl1pPr indent="-317500" lvl="0" marL="457200">
               <a:spcBef>
                 <a:spcPts val="0"/>
               </a:spcBef>
@@ -3997,7 +3873,7 @@
               <a:buChar char="●"/>
               <a:defRPr sz="1400"/>
             </a:lvl1pPr>
-            <a:lvl2pPr marL="914400" lvl="1" indent="-304800">
+            <a:lvl2pPr indent="-304800" lvl="1" marL="914400">
               <a:spcBef>
                 <a:spcPts val="0"/>
               </a:spcBef>
@@ -4008,7 +3884,7 @@
               <a:buChar char="○"/>
               <a:defRPr sz="1200"/>
             </a:lvl2pPr>
-            <a:lvl3pPr marL="1371600" lvl="2" indent="-304800">
+            <a:lvl3pPr indent="-304800" lvl="2" marL="1371600">
               <a:spcBef>
                 <a:spcPts val="0"/>
               </a:spcBef>
@@ -4019,7 +3895,7 @@
               <a:buChar char="■"/>
               <a:defRPr sz="1200"/>
             </a:lvl3pPr>
-            <a:lvl4pPr marL="1828800" lvl="3" indent="-304800">
+            <a:lvl4pPr indent="-304800" lvl="3" marL="1828800">
               <a:spcBef>
                 <a:spcPts val="0"/>
               </a:spcBef>
@@ -4030,7 +3906,7 @@
               <a:buChar char="●"/>
               <a:defRPr sz="1200"/>
             </a:lvl4pPr>
-            <a:lvl5pPr marL="2286000" lvl="4" indent="-304800">
+            <a:lvl5pPr indent="-304800" lvl="4" marL="2286000">
               <a:spcBef>
                 <a:spcPts val="0"/>
               </a:spcBef>
@@ -4041,7 +3917,7 @@
               <a:buChar char="○"/>
               <a:defRPr sz="1200"/>
             </a:lvl5pPr>
-            <a:lvl6pPr marL="2743200" lvl="5" indent="-304800">
+            <a:lvl6pPr indent="-304800" lvl="5" marL="2743200">
               <a:spcBef>
                 <a:spcPts val="0"/>
               </a:spcBef>
@@ -4052,7 +3928,7 @@
               <a:buChar char="■"/>
               <a:defRPr sz="1200"/>
             </a:lvl6pPr>
-            <a:lvl7pPr marL="3200400" lvl="6" indent="-304800">
+            <a:lvl7pPr indent="-304800" lvl="6" marL="3200400">
               <a:spcBef>
                 <a:spcPts val="0"/>
               </a:spcBef>
@@ -4063,7 +3939,7 @@
               <a:buChar char="●"/>
               <a:defRPr sz="1200"/>
             </a:lvl7pPr>
-            <a:lvl8pPr marL="3657600" lvl="7" indent="-304800">
+            <a:lvl8pPr indent="-304800" lvl="7" marL="3657600">
               <a:spcBef>
                 <a:spcPts val="0"/>
               </a:spcBef>
@@ -4074,7 +3950,7 @@
               <a:buChar char="○"/>
               <a:defRPr sz="1200"/>
             </a:lvl8pPr>
-            <a:lvl9pPr marL="4114800" lvl="8" indent="-304800">
+            <a:lvl9pPr indent="-304800" lvl="8" marL="4114800">
               <a:spcBef>
                 <a:spcPts val="0"/>
               </a:spcBef>
@@ -4086,19 +3962,15 @@
               <a:defRPr sz="1200"/>
             </a:lvl9pPr>
           </a:lstStyle>
-          <a:p>
-            <a:endParaRPr/>
-          </a:p>
+          <a:p/>
         </p:txBody>
       </p:sp>
       <p:sp>
         <p:nvSpPr>
           <p:cNvPr id="28" name="Google Shape;28;p5"/>
-          <p:cNvSpPr txBox="1">
-            <a:spLocks noGrp="1"/>
-          </p:cNvSpPr>
+          <p:cNvSpPr txBox="1"/>
           <p:nvPr>
-            <p:ph type="body" idx="2"/>
+            <p:ph idx="2" type="body"/>
           </p:nvPr>
         </p:nvSpPr>
         <p:spPr>
@@ -4111,11 +3983,11 @@
           </a:prstGeom>
         </p:spPr>
         <p:txBody>
-          <a:bodyPr spcFirstLastPara="1" wrap="square" lIns="91425" tIns="91425" rIns="91425" bIns="91425" anchor="t" anchorCtr="0">
+          <a:bodyPr anchorCtr="0" anchor="t" bIns="91425" lIns="91425" spcFirstLastPara="1" rIns="91425" wrap="square" tIns="91425">
             <a:normAutofit/>
           </a:bodyPr>
           <a:lstStyle>
-            <a:lvl1pPr marL="457200" lvl="0" indent="-317500">
+            <a:lvl1pPr indent="-317500" lvl="0" marL="457200">
               <a:spcBef>
                 <a:spcPts val="0"/>
               </a:spcBef>
@@ -4126,7 +3998,7 @@
               <a:buChar char="●"/>
               <a:defRPr sz="1400"/>
             </a:lvl1pPr>
-            <a:lvl2pPr marL="914400" lvl="1" indent="-304800">
+            <a:lvl2pPr indent="-304800" lvl="1" marL="914400">
               <a:spcBef>
                 <a:spcPts val="0"/>
               </a:spcBef>
@@ -4137,7 +4009,7 @@
               <a:buChar char="○"/>
               <a:defRPr sz="1200"/>
             </a:lvl2pPr>
-            <a:lvl3pPr marL="1371600" lvl="2" indent="-304800">
+            <a:lvl3pPr indent="-304800" lvl="2" marL="1371600">
               <a:spcBef>
                 <a:spcPts val="0"/>
               </a:spcBef>
@@ -4148,7 +4020,7 @@
               <a:buChar char="■"/>
               <a:defRPr sz="1200"/>
             </a:lvl3pPr>
-            <a:lvl4pPr marL="1828800" lvl="3" indent="-304800">
+            <a:lvl4pPr indent="-304800" lvl="3" marL="1828800">
               <a:spcBef>
                 <a:spcPts val="0"/>
               </a:spcBef>
@@ -4159,7 +4031,7 @@
               <a:buChar char="●"/>
               <a:defRPr sz="1200"/>
             </a:lvl4pPr>
-            <a:lvl5pPr marL="2286000" lvl="4" indent="-304800">
+            <a:lvl5pPr indent="-304800" lvl="4" marL="2286000">
               <a:spcBef>
                 <a:spcPts val="0"/>
               </a:spcBef>
@@ -4170,7 +4042,7 @@
               <a:buChar char="○"/>
               <a:defRPr sz="1200"/>
             </a:lvl5pPr>
-            <a:lvl6pPr marL="2743200" lvl="5" indent="-304800">
+            <a:lvl6pPr indent="-304800" lvl="5" marL="2743200">
               <a:spcBef>
                 <a:spcPts val="0"/>
               </a:spcBef>
@@ -4181,7 +4053,7 @@
               <a:buChar char="■"/>
               <a:defRPr sz="1200"/>
             </a:lvl6pPr>
-            <a:lvl7pPr marL="3200400" lvl="6" indent="-304800">
+            <a:lvl7pPr indent="-304800" lvl="6" marL="3200400">
               <a:spcBef>
                 <a:spcPts val="0"/>
               </a:spcBef>
@@ -4192,7 +4064,7 @@
               <a:buChar char="●"/>
               <a:defRPr sz="1200"/>
             </a:lvl7pPr>
-            <a:lvl8pPr marL="3657600" lvl="7" indent="-304800">
+            <a:lvl8pPr indent="-304800" lvl="7" marL="3657600">
               <a:spcBef>
                 <a:spcPts val="0"/>
               </a:spcBef>
@@ -4203,7 +4075,7 @@
               <a:buChar char="○"/>
               <a:defRPr sz="1200"/>
             </a:lvl8pPr>
-            <a:lvl9pPr marL="4114800" lvl="8" indent="-304800">
+            <a:lvl9pPr indent="-304800" lvl="8" marL="4114800">
               <a:spcBef>
                 <a:spcPts val="0"/>
               </a:spcBef>
@@ -4215,19 +4087,15 @@
               <a:defRPr sz="1200"/>
             </a:lvl9pPr>
           </a:lstStyle>
-          <a:p>
-            <a:endParaRPr/>
-          </a:p>
+          <a:p/>
         </p:txBody>
       </p:sp>
       <p:sp>
         <p:nvSpPr>
           <p:cNvPr id="29" name="Google Shape;29;p5"/>
-          <p:cNvSpPr txBox="1">
-            <a:spLocks noGrp="1"/>
-          </p:cNvSpPr>
+          <p:cNvSpPr txBox="1"/>
           <p:nvPr>
-            <p:ph type="sldNum" idx="12"/>
+            <p:ph idx="12" type="sldNum"/>
           </p:nvPr>
         </p:nvSpPr>
         <p:spPr>
@@ -4240,7 +4108,7 @@
           </a:prstGeom>
         </p:spPr>
         <p:txBody>
-          <a:bodyPr spcFirstLastPara="1" wrap="square" lIns="91425" tIns="91425" rIns="91425" bIns="91425" anchor="ctr" anchorCtr="0">
+          <a:bodyPr anchorCtr="0" anchor="ctr" bIns="91425" lIns="91425" spcFirstLastPara="1" rIns="91425" wrap="square" tIns="91425">
             <a:normAutofit/>
           </a:bodyPr>
           <a:lstStyle>
@@ -4282,7 +4150,7 @@
             </a:lvl9pPr>
           </a:lstStyle>
           <a:p>
-            <a:pPr marL="0" lvl="0" indent="0" algn="r" rtl="0">
+            <a:pPr indent="0" lvl="0" marL="0" rtl="0" algn="r">
               <a:spcBef>
                 <a:spcPts val="0"/>
               </a:spcBef>
@@ -4293,7 +4161,7 @@
             </a:pPr>
             <a:fld id="{00000000-1234-1234-1234-123412341234}" type="slidenum">
               <a:rPr lang="es"/>
-              <a:t>‹Nº›</a:t>
+              <a:t>‹#›</a:t>
             </a:fld>
             <a:endParaRPr/>
           </a:p>
@@ -4308,11 +4176,11 @@
 </file>
 
 <file path=ppt/slideLayouts/slideLayout5.xml><?xml version="1.0" encoding="utf-8"?>
-<p:sldLayout xmlns:a="http://schemas.openxmlformats.org/drawingml/2006/main" xmlns:r="http://schemas.openxmlformats.org/officeDocument/2006/relationships" xmlns:p="http://schemas.openxmlformats.org/presentationml/2006/main" matchingName="Title only" type="titleOnly">
+<p:sldLayout xmlns:a="http://schemas.openxmlformats.org/drawingml/2006/main" xmlns:r="http://schemas.openxmlformats.org/officeDocument/2006/relationships" xmlns:mc="http://schemas.openxmlformats.org/markup-compatibility/2006" xmlns:mv="urn:schemas-microsoft-com:mac:vml" xmlns:p="http://schemas.openxmlformats.org/presentationml/2006/main" xmlns:c="http://schemas.openxmlformats.org/drawingml/2006/chart" xmlns:dgm="http://schemas.openxmlformats.org/drawingml/2006/diagram" xmlns:o="urn:schemas-microsoft-com:office:office" xmlns:v="urn:schemas-microsoft-com:vml" xmlns:pvml="urn:schemas-microsoft-com:office:powerpoint" xmlns:com="http://schemas.openxmlformats.org/drawingml/2006/compatibility" xmlns:p14="http://schemas.microsoft.com/office/powerpoint/2010/main" xmlns:p15="http://schemas.microsoft.com/office/powerpoint/2012/main" xmlns:ahyp="http://schemas.microsoft.com/office/drawing/2018/hyperlinkcolor" matchingName="Title only" type="titleOnly">
   <p:cSld name="TITLE_ONLY">
     <p:spTree>
       <p:nvGrpSpPr>
-        <p:cNvPr id="1" name="Shape 30"/>
+        <p:cNvPr id="30" name="Shape 30"/>
         <p:cNvGrpSpPr/>
         <p:nvPr/>
       </p:nvGrpSpPr>
@@ -4327,9 +4195,7 @@
       <p:sp>
         <p:nvSpPr>
           <p:cNvPr id="31" name="Google Shape;31;p6"/>
-          <p:cNvSpPr txBox="1">
-            <a:spLocks noGrp="1"/>
-          </p:cNvSpPr>
+          <p:cNvSpPr txBox="1"/>
           <p:nvPr>
             <p:ph type="title"/>
           </p:nvPr>
@@ -4344,7 +4210,7 @@
           </a:prstGeom>
         </p:spPr>
         <p:txBody>
-          <a:bodyPr spcFirstLastPara="1" wrap="square" lIns="91425" tIns="91425" rIns="91425" bIns="91425" anchor="b" anchorCtr="0">
+          <a:bodyPr anchorCtr="0" anchor="b" bIns="91425" lIns="91425" spcFirstLastPara="1" rIns="91425" wrap="square" tIns="91425">
             <a:normAutofit/>
           </a:bodyPr>
           <a:lstStyle>
@@ -4448,19 +4314,15 @@
               <a:defRPr/>
             </a:lvl9pPr>
           </a:lstStyle>
-          <a:p>
-            <a:endParaRPr/>
-          </a:p>
+          <a:p/>
         </p:txBody>
       </p:sp>
       <p:sp>
         <p:nvSpPr>
           <p:cNvPr id="32" name="Google Shape;32;p6"/>
-          <p:cNvSpPr txBox="1">
-            <a:spLocks noGrp="1"/>
-          </p:cNvSpPr>
+          <p:cNvSpPr txBox="1"/>
           <p:nvPr>
-            <p:ph type="sldNum" idx="12"/>
+            <p:ph idx="12" type="sldNum"/>
           </p:nvPr>
         </p:nvSpPr>
         <p:spPr>
@@ -4473,7 +4335,7 @@
           </a:prstGeom>
         </p:spPr>
         <p:txBody>
-          <a:bodyPr spcFirstLastPara="1" wrap="square" lIns="91425" tIns="91425" rIns="91425" bIns="91425" anchor="ctr" anchorCtr="0">
+          <a:bodyPr anchorCtr="0" anchor="ctr" bIns="91425" lIns="91425" spcFirstLastPara="1" rIns="91425" wrap="square" tIns="91425">
             <a:normAutofit/>
           </a:bodyPr>
           <a:lstStyle>
@@ -4515,7 +4377,7 @@
             </a:lvl9pPr>
           </a:lstStyle>
           <a:p>
-            <a:pPr marL="0" lvl="0" indent="0" algn="r" rtl="0">
+            <a:pPr indent="0" lvl="0" marL="0" rtl="0" algn="r">
               <a:spcBef>
                 <a:spcPts val="0"/>
               </a:spcBef>
@@ -4526,7 +4388,7 @@
             </a:pPr>
             <a:fld id="{00000000-1234-1234-1234-123412341234}" type="slidenum">
               <a:rPr lang="es"/>
-              <a:t>‹Nº›</a:t>
+              <a:t>‹#›</a:t>
             </a:fld>
             <a:endParaRPr/>
           </a:p>
@@ -4541,11 +4403,11 @@
 </file>
 
 <file path=ppt/slideLayouts/slideLayout6.xml><?xml version="1.0" encoding="utf-8"?>
-<p:sldLayout xmlns:a="http://schemas.openxmlformats.org/drawingml/2006/main" xmlns:r="http://schemas.openxmlformats.org/officeDocument/2006/relationships" xmlns:p="http://schemas.openxmlformats.org/presentationml/2006/main" matchingName="One column text">
+<p:sldLayout xmlns:a="http://schemas.openxmlformats.org/drawingml/2006/main" xmlns:r="http://schemas.openxmlformats.org/officeDocument/2006/relationships" xmlns:mc="http://schemas.openxmlformats.org/markup-compatibility/2006" xmlns:mv="urn:schemas-microsoft-com:mac:vml" xmlns:p="http://schemas.openxmlformats.org/presentationml/2006/main" xmlns:c="http://schemas.openxmlformats.org/drawingml/2006/chart" xmlns:dgm="http://schemas.openxmlformats.org/drawingml/2006/diagram" xmlns:o="urn:schemas-microsoft-com:office:office" xmlns:v="urn:schemas-microsoft-com:vml" xmlns:pvml="urn:schemas-microsoft-com:office:powerpoint" xmlns:com="http://schemas.openxmlformats.org/drawingml/2006/compatibility" xmlns:p14="http://schemas.microsoft.com/office/powerpoint/2010/main" xmlns:p15="http://schemas.microsoft.com/office/powerpoint/2012/main" xmlns:ahyp="http://schemas.microsoft.com/office/drawing/2018/hyperlinkcolor" matchingName="One column text">
   <p:cSld name="ONE_COLUMN_TEXT">
     <p:spTree>
       <p:nvGrpSpPr>
-        <p:cNvPr id="1" name="Shape 33"/>
+        <p:cNvPr id="33" name="Shape 33"/>
         <p:cNvGrpSpPr/>
         <p:nvPr/>
       </p:nvGrpSpPr>
@@ -4560,9 +4422,7 @@
       <p:sp>
         <p:nvSpPr>
           <p:cNvPr id="34" name="Google Shape;34;p7"/>
-          <p:cNvSpPr txBox="1">
-            <a:spLocks noGrp="1"/>
-          </p:cNvSpPr>
+          <p:cNvSpPr txBox="1"/>
           <p:nvPr>
             <p:ph type="title"/>
           </p:nvPr>
@@ -4577,7 +4437,7 @@
           </a:prstGeom>
         </p:spPr>
         <p:txBody>
-          <a:bodyPr spcFirstLastPara="1" wrap="square" lIns="91425" tIns="91425" rIns="91425" bIns="91425" anchor="b" anchorCtr="0">
+          <a:bodyPr anchorCtr="0" anchor="b" bIns="91425" lIns="91425" spcFirstLastPara="1" rIns="91425" wrap="square" tIns="91425">
             <a:normAutofit/>
           </a:bodyPr>
           <a:lstStyle>
@@ -4681,19 +4541,15 @@
               <a:defRPr sz="3000"/>
             </a:lvl9pPr>
           </a:lstStyle>
-          <a:p>
-            <a:endParaRPr/>
-          </a:p>
+          <a:p/>
         </p:txBody>
       </p:sp>
       <p:sp>
         <p:nvSpPr>
           <p:cNvPr id="35" name="Google Shape;35;p7"/>
-          <p:cNvSpPr txBox="1">
-            <a:spLocks noGrp="1"/>
-          </p:cNvSpPr>
+          <p:cNvSpPr txBox="1"/>
           <p:nvPr>
-            <p:ph type="body" idx="1"/>
+            <p:ph idx="1" type="body"/>
           </p:nvPr>
         </p:nvSpPr>
         <p:spPr>
@@ -4706,11 +4562,11 @@
           </a:prstGeom>
         </p:spPr>
         <p:txBody>
-          <a:bodyPr spcFirstLastPara="1" wrap="square" lIns="91425" tIns="91425" rIns="91425" bIns="91425" anchor="t" anchorCtr="0">
+          <a:bodyPr anchorCtr="0" anchor="t" bIns="91425" lIns="91425" spcFirstLastPara="1" rIns="91425" wrap="square" tIns="91425">
             <a:normAutofit/>
           </a:bodyPr>
           <a:lstStyle>
-            <a:lvl1pPr marL="457200" lvl="0" indent="-304800">
+            <a:lvl1pPr indent="-304800" lvl="0" marL="457200">
               <a:spcBef>
                 <a:spcPts val="0"/>
               </a:spcBef>
@@ -4721,7 +4577,7 @@
               <a:buChar char="●"/>
               <a:defRPr sz="1200"/>
             </a:lvl1pPr>
-            <a:lvl2pPr marL="914400" lvl="1" indent="-304800">
+            <a:lvl2pPr indent="-304800" lvl="1" marL="914400">
               <a:spcBef>
                 <a:spcPts val="0"/>
               </a:spcBef>
@@ -4732,7 +4588,7 @@
               <a:buChar char="○"/>
               <a:defRPr sz="1200"/>
             </a:lvl2pPr>
-            <a:lvl3pPr marL="1371600" lvl="2" indent="-304800">
+            <a:lvl3pPr indent="-304800" lvl="2" marL="1371600">
               <a:spcBef>
                 <a:spcPts val="0"/>
               </a:spcBef>
@@ -4743,7 +4599,7 @@
               <a:buChar char="■"/>
               <a:defRPr sz="1200"/>
             </a:lvl3pPr>
-            <a:lvl4pPr marL="1828800" lvl="3" indent="-304800">
+            <a:lvl4pPr indent="-304800" lvl="3" marL="1828800">
               <a:spcBef>
                 <a:spcPts val="0"/>
               </a:spcBef>
@@ -4754,7 +4610,7 @@
               <a:buChar char="●"/>
               <a:defRPr sz="1200"/>
             </a:lvl4pPr>
-            <a:lvl5pPr marL="2286000" lvl="4" indent="-304800">
+            <a:lvl5pPr indent="-304800" lvl="4" marL="2286000">
               <a:spcBef>
                 <a:spcPts val="0"/>
               </a:spcBef>
@@ -4765,7 +4621,7 @@
               <a:buChar char="○"/>
               <a:defRPr sz="1200"/>
             </a:lvl5pPr>
-            <a:lvl6pPr marL="2743200" lvl="5" indent="-304800">
+            <a:lvl6pPr indent="-304800" lvl="5" marL="2743200">
               <a:spcBef>
                 <a:spcPts val="0"/>
               </a:spcBef>
@@ -4776,7 +4632,7 @@
               <a:buChar char="■"/>
               <a:defRPr sz="1200"/>
             </a:lvl6pPr>
-            <a:lvl7pPr marL="3200400" lvl="6" indent="-304800">
+            <a:lvl7pPr indent="-304800" lvl="6" marL="3200400">
               <a:spcBef>
                 <a:spcPts val="0"/>
               </a:spcBef>
@@ -4787,7 +4643,7 @@
               <a:buChar char="●"/>
               <a:defRPr sz="1200"/>
             </a:lvl7pPr>
-            <a:lvl8pPr marL="3657600" lvl="7" indent="-304800">
+            <a:lvl8pPr indent="-304800" lvl="7" marL="3657600">
               <a:spcBef>
                 <a:spcPts val="0"/>
               </a:spcBef>
@@ -4798,7 +4654,7 @@
               <a:buChar char="○"/>
               <a:defRPr sz="1200"/>
             </a:lvl8pPr>
-            <a:lvl9pPr marL="4114800" lvl="8" indent="-304800">
+            <a:lvl9pPr indent="-304800" lvl="8" marL="4114800">
               <a:spcBef>
                 <a:spcPts val="0"/>
               </a:spcBef>
@@ -4810,19 +4666,15 @@
               <a:defRPr sz="1200"/>
             </a:lvl9pPr>
           </a:lstStyle>
-          <a:p>
-            <a:endParaRPr/>
-          </a:p>
+          <a:p/>
         </p:txBody>
       </p:sp>
       <p:sp>
         <p:nvSpPr>
           <p:cNvPr id="36" name="Google Shape;36;p7"/>
-          <p:cNvSpPr txBox="1">
-            <a:spLocks noGrp="1"/>
-          </p:cNvSpPr>
+          <p:cNvSpPr txBox="1"/>
           <p:nvPr>
-            <p:ph type="sldNum" idx="12"/>
+            <p:ph idx="12" type="sldNum"/>
           </p:nvPr>
         </p:nvSpPr>
         <p:spPr>
@@ -4835,7 +4687,7 @@
           </a:prstGeom>
         </p:spPr>
         <p:txBody>
-          <a:bodyPr spcFirstLastPara="1" wrap="square" lIns="91425" tIns="91425" rIns="91425" bIns="91425" anchor="ctr" anchorCtr="0">
+          <a:bodyPr anchorCtr="0" anchor="ctr" bIns="91425" lIns="91425" spcFirstLastPara="1" rIns="91425" wrap="square" tIns="91425">
             <a:normAutofit/>
           </a:bodyPr>
           <a:lstStyle>
@@ -4877,7 +4729,7 @@
             </a:lvl9pPr>
           </a:lstStyle>
           <a:p>
-            <a:pPr marL="0" lvl="0" indent="0" algn="r" rtl="0">
+            <a:pPr indent="0" lvl="0" marL="0" rtl="0" algn="r">
               <a:spcBef>
                 <a:spcPts val="0"/>
               </a:spcBef>
@@ -4888,7 +4740,7 @@
             </a:pPr>
             <a:fld id="{00000000-1234-1234-1234-123412341234}" type="slidenum">
               <a:rPr lang="es"/>
-              <a:t>‹Nº›</a:t>
+              <a:t>‹#›</a:t>
             </a:fld>
             <a:endParaRPr/>
           </a:p>
@@ -4903,11 +4755,11 @@
 </file>
 
 <file path=ppt/slideLayouts/slideLayout7.xml><?xml version="1.0" encoding="utf-8"?>
-<p:sldLayout xmlns:a="http://schemas.openxmlformats.org/drawingml/2006/main" xmlns:r="http://schemas.openxmlformats.org/officeDocument/2006/relationships" xmlns:p="http://schemas.openxmlformats.org/presentationml/2006/main" matchingName="Main point">
+<p:sldLayout xmlns:a="http://schemas.openxmlformats.org/drawingml/2006/main" xmlns:r="http://schemas.openxmlformats.org/officeDocument/2006/relationships" xmlns:mc="http://schemas.openxmlformats.org/markup-compatibility/2006" xmlns:mv="urn:schemas-microsoft-com:mac:vml" xmlns:p="http://schemas.openxmlformats.org/presentationml/2006/main" xmlns:c="http://schemas.openxmlformats.org/drawingml/2006/chart" xmlns:dgm="http://schemas.openxmlformats.org/drawingml/2006/diagram" xmlns:o="urn:schemas-microsoft-com:office:office" xmlns:v="urn:schemas-microsoft-com:vml" xmlns:pvml="urn:schemas-microsoft-com:office:powerpoint" xmlns:com="http://schemas.openxmlformats.org/drawingml/2006/compatibility" xmlns:p14="http://schemas.microsoft.com/office/powerpoint/2010/main" xmlns:p15="http://schemas.microsoft.com/office/powerpoint/2012/main" xmlns:ahyp="http://schemas.microsoft.com/office/drawing/2018/hyperlinkcolor" matchingName="Main point">
   <p:cSld name="MAIN_POINT">
     <p:spTree>
       <p:nvGrpSpPr>
-        <p:cNvPr id="1" name="Shape 37"/>
+        <p:cNvPr id="37" name="Shape 37"/>
         <p:cNvGrpSpPr/>
         <p:nvPr/>
       </p:nvGrpSpPr>
@@ -4941,12 +4793,12 @@
           </a:ln>
         </p:spPr>
         <p:txBody>
-          <a:bodyPr spcFirstLastPara="1" wrap="square" lIns="91425" tIns="91425" rIns="91425" bIns="91425" anchor="ctr" anchorCtr="0">
+          <a:bodyPr anchorCtr="0" anchor="ctr" bIns="91425" lIns="91425" spcFirstLastPara="1" rIns="91425" wrap="square" tIns="91425">
             <a:noAutofit/>
           </a:bodyPr>
           <a:lstStyle/>
           <a:p>
-            <a:pPr marL="0" lvl="0" indent="0" algn="l" rtl="0">
+            <a:pPr indent="0" lvl="0" marL="0" rtl="0" algn="l">
               <a:spcBef>
                 <a:spcPts val="0"/>
               </a:spcBef>
@@ -4955,6 +4807,9 @@
               </a:spcAft>
               <a:buNone/>
             </a:pPr>
+            <a:r>
+              <a:t/>
+            </a:r>
             <a:endParaRPr/>
           </a:p>
         </p:txBody>
@@ -4962,9 +4817,7 @@
       <p:sp>
         <p:nvSpPr>
           <p:cNvPr id="39" name="Google Shape;39;p8"/>
-          <p:cNvSpPr txBox="1">
-            <a:spLocks noGrp="1"/>
-          </p:cNvSpPr>
+          <p:cNvSpPr txBox="1"/>
           <p:nvPr>
             <p:ph type="title"/>
           </p:nvPr>
@@ -4979,7 +4832,7 @@
           </a:prstGeom>
         </p:spPr>
         <p:txBody>
-          <a:bodyPr spcFirstLastPara="1" wrap="square" lIns="91425" tIns="91425" rIns="91425" bIns="91425" anchor="ctr" anchorCtr="0">
+          <a:bodyPr anchorCtr="0" anchor="ctr" bIns="91425" lIns="91425" spcFirstLastPara="1" rIns="91425" wrap="square" tIns="91425">
             <a:normAutofit/>
           </a:bodyPr>
           <a:lstStyle>
@@ -5083,19 +4936,15 @@
               <a:defRPr sz="4800"/>
             </a:lvl9pPr>
           </a:lstStyle>
-          <a:p>
-            <a:endParaRPr/>
-          </a:p>
+          <a:p/>
         </p:txBody>
       </p:sp>
       <p:sp>
         <p:nvSpPr>
           <p:cNvPr id="40" name="Google Shape;40;p8"/>
-          <p:cNvSpPr txBox="1">
-            <a:spLocks noGrp="1"/>
-          </p:cNvSpPr>
+          <p:cNvSpPr txBox="1"/>
           <p:nvPr>
-            <p:ph type="sldNum" idx="12"/>
+            <p:ph idx="12" type="sldNum"/>
           </p:nvPr>
         </p:nvSpPr>
         <p:spPr>
@@ -5108,7 +4957,7 @@
           </a:prstGeom>
         </p:spPr>
         <p:txBody>
-          <a:bodyPr spcFirstLastPara="1" wrap="square" lIns="91425" tIns="91425" rIns="91425" bIns="91425" anchor="ctr" anchorCtr="0">
+          <a:bodyPr anchorCtr="0" anchor="ctr" bIns="91425" lIns="91425" spcFirstLastPara="1" rIns="91425" wrap="square" tIns="91425">
             <a:normAutofit/>
           </a:bodyPr>
           <a:lstStyle>
@@ -5150,7 +4999,7 @@
             </a:lvl9pPr>
           </a:lstStyle>
           <a:p>
-            <a:pPr marL="0" lvl="0" indent="0" algn="r" rtl="0">
+            <a:pPr indent="0" lvl="0" marL="0" rtl="0" algn="r">
               <a:spcBef>
                 <a:spcPts val="0"/>
               </a:spcBef>
@@ -5161,7 +5010,7 @@
             </a:pPr>
             <a:fld id="{00000000-1234-1234-1234-123412341234}" type="slidenum">
               <a:rPr lang="es"/>
-              <a:t>‹Nº›</a:t>
+              <a:t>‹#›</a:t>
             </a:fld>
             <a:endParaRPr/>
           </a:p>
@@ -5176,11 +5025,11 @@
 </file>
 
 <file path=ppt/slideLayouts/slideLayout8.xml><?xml version="1.0" encoding="utf-8"?>
-<p:sldLayout xmlns:a="http://schemas.openxmlformats.org/drawingml/2006/main" xmlns:r="http://schemas.openxmlformats.org/officeDocument/2006/relationships" xmlns:p="http://schemas.openxmlformats.org/presentationml/2006/main" matchingName="Section title and description">
+<p:sldLayout xmlns:a="http://schemas.openxmlformats.org/drawingml/2006/main" xmlns:r="http://schemas.openxmlformats.org/officeDocument/2006/relationships" xmlns:mc="http://schemas.openxmlformats.org/markup-compatibility/2006" xmlns:mv="urn:schemas-microsoft-com:mac:vml" xmlns:p="http://schemas.openxmlformats.org/presentationml/2006/main" xmlns:c="http://schemas.openxmlformats.org/drawingml/2006/chart" xmlns:dgm="http://schemas.openxmlformats.org/drawingml/2006/diagram" xmlns:o="urn:schemas-microsoft-com:office:office" xmlns:v="urn:schemas-microsoft-com:vml" xmlns:pvml="urn:schemas-microsoft-com:office:powerpoint" xmlns:com="http://schemas.openxmlformats.org/drawingml/2006/compatibility" xmlns:p14="http://schemas.microsoft.com/office/powerpoint/2010/main" xmlns:p15="http://schemas.microsoft.com/office/powerpoint/2012/main" xmlns:ahyp="http://schemas.microsoft.com/office/drawing/2018/hyperlinkcolor" matchingName="Section title and description">
   <p:cSld name="SECTION_TITLE_AND_DESCRIPTION">
     <p:spTree>
       <p:nvGrpSpPr>
-        <p:cNvPr id="1" name="Shape 41"/>
+        <p:cNvPr id="41" name="Shape 41"/>
         <p:cNvGrpSpPr/>
         <p:nvPr/>
       </p:nvGrpSpPr>
@@ -5214,12 +5063,12 @@
           </a:ln>
         </p:spPr>
         <p:txBody>
-          <a:bodyPr spcFirstLastPara="1" wrap="square" lIns="91425" tIns="91425" rIns="91425" bIns="91425" anchor="ctr" anchorCtr="0">
+          <a:bodyPr anchorCtr="0" anchor="ctr" bIns="91425" lIns="91425" spcFirstLastPara="1" rIns="91425" wrap="square" tIns="91425">
             <a:noAutofit/>
           </a:bodyPr>
           <a:lstStyle/>
           <a:p>
-            <a:pPr marL="0" lvl="0" indent="0" algn="l" rtl="0">
+            <a:pPr indent="0" lvl="0" marL="0" rtl="0" algn="l">
               <a:spcBef>
                 <a:spcPts val="0"/>
               </a:spcBef>
@@ -5228,6 +5077,9 @@
               </a:spcAft>
               <a:buNone/>
             </a:pPr>
+            <a:r>
+              <a:t/>
+            </a:r>
             <a:endParaRPr/>
           </a:p>
         </p:txBody>
@@ -5247,23 +5099,21 @@
             <a:avLst/>
           </a:prstGeom>
           <a:noFill/>
-          <a:ln w="19050" cap="flat" cmpd="sng">
+          <a:ln cap="flat" cmpd="sng" w="19050">
             <a:solidFill>
               <a:schemeClr val="lt1"/>
             </a:solidFill>
             <a:prstDash val="solid"/>
             <a:round/>
-            <a:headEnd type="none" w="sm" len="sm"/>
-            <a:tailEnd type="none" w="sm" len="sm"/>
+            <a:headEnd len="sm" w="sm" type="none"/>
+            <a:tailEnd len="sm" w="sm" type="none"/>
           </a:ln>
         </p:spPr>
       </p:cxnSp>
       <p:sp>
         <p:nvSpPr>
           <p:cNvPr id="44" name="Google Shape;44;p9"/>
-          <p:cNvSpPr txBox="1">
-            <a:spLocks noGrp="1"/>
-          </p:cNvSpPr>
+          <p:cNvSpPr txBox="1"/>
           <p:nvPr>
             <p:ph type="title"/>
           </p:nvPr>
@@ -5278,7 +5128,7 @@
           </a:prstGeom>
         </p:spPr>
         <p:txBody>
-          <a:bodyPr spcFirstLastPara="1" wrap="square" lIns="91425" tIns="91425" rIns="91425" bIns="91425" anchor="b" anchorCtr="0">
+          <a:bodyPr anchorCtr="0" anchor="b" bIns="91425" lIns="91425" spcFirstLastPara="1" rIns="91425" wrap="square" tIns="91425">
             <a:normAutofit/>
           </a:bodyPr>
           <a:lstStyle>
@@ -5445,19 +5295,15 @@
               </a:defRPr>
             </a:lvl9pPr>
           </a:lstStyle>
-          <a:p>
-            <a:endParaRPr/>
-          </a:p>
+          <a:p/>
         </p:txBody>
       </p:sp>
       <p:sp>
         <p:nvSpPr>
           <p:cNvPr id="45" name="Google Shape;45;p9"/>
-          <p:cNvSpPr txBox="1">
-            <a:spLocks noGrp="1"/>
-          </p:cNvSpPr>
+          <p:cNvSpPr txBox="1"/>
           <p:nvPr>
-            <p:ph type="subTitle" idx="1"/>
+            <p:ph idx="1" type="subTitle"/>
           </p:nvPr>
         </p:nvSpPr>
         <p:spPr>
@@ -5470,7 +5316,7 @@
           </a:prstGeom>
         </p:spPr>
         <p:txBody>
-          <a:bodyPr spcFirstLastPara="1" wrap="square" lIns="91425" tIns="91425" rIns="91425" bIns="91425" anchor="t" anchorCtr="0">
+          <a:bodyPr anchorCtr="0" anchor="t" bIns="91425" lIns="91425" spcFirstLastPara="1" rIns="91425" wrap="square" tIns="91425">
             <a:normAutofit/>
           </a:bodyPr>
           <a:lstStyle>
@@ -5655,19 +5501,15 @@
               </a:defRPr>
             </a:lvl9pPr>
           </a:lstStyle>
-          <a:p>
-            <a:endParaRPr/>
-          </a:p>
+          <a:p/>
         </p:txBody>
       </p:sp>
       <p:sp>
         <p:nvSpPr>
           <p:cNvPr id="46" name="Google Shape;46;p9"/>
-          <p:cNvSpPr txBox="1">
-            <a:spLocks noGrp="1"/>
-          </p:cNvSpPr>
+          <p:cNvSpPr txBox="1"/>
           <p:nvPr>
-            <p:ph type="body" idx="2"/>
+            <p:ph idx="2" type="body"/>
           </p:nvPr>
         </p:nvSpPr>
         <p:spPr>
@@ -5680,11 +5522,11 @@
           </a:prstGeom>
         </p:spPr>
         <p:txBody>
-          <a:bodyPr spcFirstLastPara="1" wrap="square" lIns="91425" tIns="91425" rIns="91425" bIns="91425" anchor="ctr" anchorCtr="0">
+          <a:bodyPr anchorCtr="0" anchor="ctr" bIns="91425" lIns="91425" spcFirstLastPara="1" rIns="91425" wrap="square" tIns="91425">
             <a:normAutofit/>
           </a:bodyPr>
           <a:lstStyle>
-            <a:lvl1pPr marL="457200" lvl="0" indent="-342900">
+            <a:lvl1pPr indent="-342900" lvl="0" marL="457200">
               <a:spcBef>
                 <a:spcPts val="0"/>
               </a:spcBef>
@@ -5702,7 +5544,7 @@
                 </a:solidFill>
               </a:defRPr>
             </a:lvl1pPr>
-            <a:lvl2pPr marL="914400" lvl="1" indent="-317500">
+            <a:lvl2pPr indent="-317500" lvl="1" marL="914400">
               <a:spcBef>
                 <a:spcPts val="0"/>
               </a:spcBef>
@@ -5720,7 +5562,7 @@
                 </a:solidFill>
               </a:defRPr>
             </a:lvl2pPr>
-            <a:lvl3pPr marL="1371600" lvl="2" indent="-317500">
+            <a:lvl3pPr indent="-317500" lvl="2" marL="1371600">
               <a:spcBef>
                 <a:spcPts val="0"/>
               </a:spcBef>
@@ -5738,7 +5580,7 @@
                 </a:solidFill>
               </a:defRPr>
             </a:lvl3pPr>
-            <a:lvl4pPr marL="1828800" lvl="3" indent="-317500">
+            <a:lvl4pPr indent="-317500" lvl="3" marL="1828800">
               <a:spcBef>
                 <a:spcPts val="0"/>
               </a:spcBef>
@@ -5756,7 +5598,7 @@
                 </a:solidFill>
               </a:defRPr>
             </a:lvl4pPr>
-            <a:lvl5pPr marL="2286000" lvl="4" indent="-317500">
+            <a:lvl5pPr indent="-317500" lvl="4" marL="2286000">
               <a:spcBef>
                 <a:spcPts val="0"/>
               </a:spcBef>
@@ -5774,7 +5616,7 @@
                 </a:solidFill>
               </a:defRPr>
             </a:lvl5pPr>
-            <a:lvl6pPr marL="2743200" lvl="5" indent="-317500">
+            <a:lvl6pPr indent="-317500" lvl="5" marL="2743200">
               <a:spcBef>
                 <a:spcPts val="0"/>
               </a:spcBef>
@@ -5792,7 +5634,7 @@
                 </a:solidFill>
               </a:defRPr>
             </a:lvl6pPr>
-            <a:lvl7pPr marL="3200400" lvl="6" indent="-317500">
+            <a:lvl7pPr indent="-317500" lvl="6" marL="3200400">
               <a:spcBef>
                 <a:spcPts val="0"/>
               </a:spcBef>
@@ -5810,7 +5652,7 @@
                 </a:solidFill>
               </a:defRPr>
             </a:lvl7pPr>
-            <a:lvl8pPr marL="3657600" lvl="7" indent="-317500">
+            <a:lvl8pPr indent="-317500" lvl="7" marL="3657600">
               <a:spcBef>
                 <a:spcPts val="0"/>
               </a:spcBef>
@@ -5828,7 +5670,7 @@
                 </a:solidFill>
               </a:defRPr>
             </a:lvl8pPr>
-            <a:lvl9pPr marL="4114800" lvl="8" indent="-317500">
+            <a:lvl9pPr indent="-317500" lvl="8" marL="4114800">
               <a:spcBef>
                 <a:spcPts val="0"/>
               </a:spcBef>
@@ -5847,19 +5689,15 @@
               </a:defRPr>
             </a:lvl9pPr>
           </a:lstStyle>
-          <a:p>
-            <a:endParaRPr/>
-          </a:p>
+          <a:p/>
         </p:txBody>
       </p:sp>
       <p:sp>
         <p:nvSpPr>
           <p:cNvPr id="47" name="Google Shape;47;p9"/>
-          <p:cNvSpPr txBox="1">
-            <a:spLocks noGrp="1"/>
-          </p:cNvSpPr>
+          <p:cNvSpPr txBox="1"/>
           <p:nvPr>
-            <p:ph type="sldNum" idx="12"/>
+            <p:ph idx="12" type="sldNum"/>
           </p:nvPr>
         </p:nvSpPr>
         <p:spPr>
@@ -5872,7 +5710,7 @@
           </a:prstGeom>
         </p:spPr>
         <p:txBody>
-          <a:bodyPr spcFirstLastPara="1" wrap="square" lIns="91425" tIns="91425" rIns="91425" bIns="91425" anchor="ctr" anchorCtr="0">
+          <a:bodyPr anchorCtr="0" anchor="ctr" bIns="91425" lIns="91425" spcFirstLastPara="1" rIns="91425" wrap="square" tIns="91425">
             <a:normAutofit/>
           </a:bodyPr>
           <a:lstStyle>
@@ -5950,7 +5788,7 @@
             </a:lvl9pPr>
           </a:lstStyle>
           <a:p>
-            <a:pPr marL="0" lvl="0" indent="0" algn="r" rtl="0">
+            <a:pPr indent="0" lvl="0" marL="0" rtl="0" algn="r">
               <a:spcBef>
                 <a:spcPts val="0"/>
               </a:spcBef>
@@ -5961,7 +5799,7 @@
             </a:pPr>
             <a:fld id="{00000000-1234-1234-1234-123412341234}" type="slidenum">
               <a:rPr lang="es"/>
-              <a:t>‹Nº›</a:t>
+              <a:t>‹#›</a:t>
             </a:fld>
             <a:endParaRPr/>
           </a:p>
@@ -5976,11 +5814,11 @@
 </file>
 
 <file path=ppt/slideLayouts/slideLayout9.xml><?xml version="1.0" encoding="utf-8"?>
-<p:sldLayout xmlns:a="http://schemas.openxmlformats.org/drawingml/2006/main" xmlns:r="http://schemas.openxmlformats.org/officeDocument/2006/relationships" xmlns:p="http://schemas.openxmlformats.org/presentationml/2006/main" matchingName="Caption">
+<p:sldLayout xmlns:a="http://schemas.openxmlformats.org/drawingml/2006/main" xmlns:r="http://schemas.openxmlformats.org/officeDocument/2006/relationships" xmlns:mc="http://schemas.openxmlformats.org/markup-compatibility/2006" xmlns:mv="urn:schemas-microsoft-com:mac:vml" xmlns:p="http://schemas.openxmlformats.org/presentationml/2006/main" xmlns:c="http://schemas.openxmlformats.org/drawingml/2006/chart" xmlns:dgm="http://schemas.openxmlformats.org/drawingml/2006/diagram" xmlns:o="urn:schemas-microsoft-com:office:office" xmlns:v="urn:schemas-microsoft-com:vml" xmlns:pvml="urn:schemas-microsoft-com:office:powerpoint" xmlns:com="http://schemas.openxmlformats.org/drawingml/2006/compatibility" xmlns:p14="http://schemas.microsoft.com/office/powerpoint/2010/main" xmlns:p15="http://schemas.microsoft.com/office/powerpoint/2012/main" xmlns:ahyp="http://schemas.microsoft.com/office/drawing/2018/hyperlinkcolor" matchingName="Caption">
   <p:cSld name="CAPTION_ONLY">
     <p:spTree>
       <p:nvGrpSpPr>
-        <p:cNvPr id="1" name="Shape 48"/>
+        <p:cNvPr id="48" name="Shape 48"/>
         <p:cNvGrpSpPr/>
         <p:nvPr/>
       </p:nvGrpSpPr>
@@ -5995,11 +5833,9 @@
       <p:sp>
         <p:nvSpPr>
           <p:cNvPr id="49" name="Google Shape;49;p10"/>
-          <p:cNvSpPr txBox="1">
-            <a:spLocks noGrp="1"/>
-          </p:cNvSpPr>
+          <p:cNvSpPr txBox="1"/>
           <p:nvPr>
-            <p:ph type="body" idx="1"/>
+            <p:ph idx="1" type="body"/>
           </p:nvPr>
         </p:nvSpPr>
         <p:spPr>
@@ -6012,11 +5848,11 @@
           </a:prstGeom>
         </p:spPr>
         <p:txBody>
-          <a:bodyPr spcFirstLastPara="1" wrap="square" lIns="91425" tIns="91425" rIns="91425" bIns="91425" anchor="ctr" anchorCtr="0">
+          <a:bodyPr anchorCtr="0" anchor="ctr" bIns="91425" lIns="91425" spcFirstLastPara="1" rIns="91425" wrap="square" tIns="91425">
             <a:normAutofit/>
           </a:bodyPr>
           <a:lstStyle>
-            <a:lvl1pPr marL="457200" lvl="0" indent="-228600">
+            <a:lvl1pPr indent="-228600" lvl="0" marL="457200">
               <a:lnSpc>
                 <a:spcPct val="100000"/>
               </a:lnSpc>
@@ -6037,19 +5873,15 @@
               </a:defRPr>
             </a:lvl1pPr>
           </a:lstStyle>
-          <a:p>
-            <a:endParaRPr/>
-          </a:p>
+          <a:p/>
         </p:txBody>
       </p:sp>
       <p:sp>
         <p:nvSpPr>
           <p:cNvPr id="50" name="Google Shape;50;p10"/>
-          <p:cNvSpPr txBox="1">
-            <a:spLocks noGrp="1"/>
-          </p:cNvSpPr>
+          <p:cNvSpPr txBox="1"/>
           <p:nvPr>
-            <p:ph type="sldNum" idx="12"/>
+            <p:ph idx="12" type="sldNum"/>
           </p:nvPr>
         </p:nvSpPr>
         <p:spPr>
@@ -6062,7 +5894,7 @@
           </a:prstGeom>
         </p:spPr>
         <p:txBody>
-          <a:bodyPr spcFirstLastPara="1" wrap="square" lIns="91425" tIns="91425" rIns="91425" bIns="91425" anchor="ctr" anchorCtr="0">
+          <a:bodyPr anchorCtr="0" anchor="ctr" bIns="91425" lIns="91425" spcFirstLastPara="1" rIns="91425" wrap="square" tIns="91425">
             <a:normAutofit/>
           </a:bodyPr>
           <a:lstStyle>
@@ -6104,7 +5936,7 @@
             </a:lvl9pPr>
           </a:lstStyle>
           <a:p>
-            <a:pPr marL="0" lvl="0" indent="0" algn="r" rtl="0">
+            <a:pPr indent="0" lvl="0" marL="0" rtl="0" algn="r">
               <a:spcBef>
                 <a:spcPts val="0"/>
               </a:spcBef>
@@ -6115,7 +5947,7 @@
             </a:pPr>
             <a:fld id="{00000000-1234-1234-1234-123412341234}" type="slidenum">
               <a:rPr lang="es"/>
-              <a:t>‹Nº›</a:t>
+              <a:t>‹#›</a:t>
             </a:fld>
             <a:endParaRPr/>
           </a:p>
@@ -6130,19 +5962,18 @@
 </file>
 
 <file path=ppt/slideMasters/slideMaster1.xml><?xml version="1.0" encoding="utf-8"?>
-<p:sldMaster xmlns:a="http://schemas.openxmlformats.org/drawingml/2006/main" xmlns:r="http://schemas.openxmlformats.org/officeDocument/2006/relationships" xmlns:p="http://schemas.openxmlformats.org/presentationml/2006/main">
+<p:sldMaster xmlns:a="http://schemas.openxmlformats.org/drawingml/2006/main" xmlns:r="http://schemas.openxmlformats.org/officeDocument/2006/relationships" xmlns:mc="http://schemas.openxmlformats.org/markup-compatibility/2006" xmlns:mv="urn:schemas-microsoft-com:mac:vml" xmlns:p="http://schemas.openxmlformats.org/presentationml/2006/main" xmlns:c="http://schemas.openxmlformats.org/drawingml/2006/chart" xmlns:dgm="http://schemas.openxmlformats.org/drawingml/2006/diagram" xmlns:o="urn:schemas-microsoft-com:office:office" xmlns:v="urn:schemas-microsoft-com:vml" xmlns:pvml="urn:schemas-microsoft-com:office:powerpoint" xmlns:com="http://schemas.openxmlformats.org/drawingml/2006/compatibility" xmlns:p14="http://schemas.microsoft.com/office/powerpoint/2010/main" xmlns:p15="http://schemas.microsoft.com/office/powerpoint/2012/main" xmlns:ahyp="http://schemas.microsoft.com/office/drawing/2018/hyperlinkcolor">
   <p:cSld name="luxe">
     <p:bg>
       <p:bgPr>
         <a:solidFill>
           <a:schemeClr val="lt1"/>
         </a:solidFill>
-        <a:effectLst/>
       </p:bgPr>
     </p:bg>
     <p:spTree>
       <p:nvGrpSpPr>
-        <p:cNvPr id="1" name="Shape 5"/>
+        <p:cNvPr id="5" name="Shape 5"/>
         <p:cNvGrpSpPr/>
         <p:nvPr/>
       </p:nvGrpSpPr>
@@ -6157,9 +5988,7 @@
       <p:sp>
         <p:nvSpPr>
           <p:cNvPr id="6" name="Google Shape;6;p1"/>
-          <p:cNvSpPr txBox="1">
-            <a:spLocks noGrp="1"/>
-          </p:cNvSpPr>
+          <p:cNvSpPr txBox="1"/>
           <p:nvPr>
             <p:ph type="title"/>
           </p:nvPr>
@@ -6178,7 +6007,7 @@
           </a:ln>
         </p:spPr>
         <p:txBody>
-          <a:bodyPr spcFirstLastPara="1" wrap="square" lIns="91425" tIns="91425" rIns="91425" bIns="91425" anchor="b" anchorCtr="0">
+          <a:bodyPr anchorCtr="0" anchor="b" bIns="91425" lIns="91425" spcFirstLastPara="1" rIns="91425" wrap="square" tIns="91425">
             <a:normAutofit/>
           </a:bodyPr>
           <a:lstStyle>
@@ -6390,19 +6219,15 @@
               </a:defRPr>
             </a:lvl9pPr>
           </a:lstStyle>
-          <a:p>
-            <a:endParaRPr/>
-          </a:p>
+          <a:p/>
         </p:txBody>
       </p:sp>
       <p:sp>
         <p:nvSpPr>
           <p:cNvPr id="7" name="Google Shape;7;p1"/>
-          <p:cNvSpPr txBox="1">
-            <a:spLocks noGrp="1"/>
-          </p:cNvSpPr>
+          <p:cNvSpPr txBox="1"/>
           <p:nvPr>
-            <p:ph type="body" idx="1"/>
+            <p:ph idx="1" type="body"/>
           </p:nvPr>
         </p:nvSpPr>
         <p:spPr>
@@ -6419,11 +6244,11 @@
           </a:ln>
         </p:spPr>
         <p:txBody>
-          <a:bodyPr spcFirstLastPara="1" wrap="square" lIns="91425" tIns="91425" rIns="91425" bIns="91425" anchor="t" anchorCtr="0">
+          <a:bodyPr anchorCtr="0" anchor="t" bIns="91425" lIns="91425" spcFirstLastPara="1" rIns="91425" wrap="square" tIns="91425">
             <a:normAutofit/>
           </a:bodyPr>
           <a:lstStyle>
-            <a:lvl1pPr marL="457200" lvl="0" indent="-342900">
+            <a:lvl1pPr indent="-342900" lvl="0" marL="457200">
               <a:lnSpc>
                 <a:spcPct val="115000"/>
               </a:lnSpc>
@@ -6449,7 +6274,7 @@
                 <a:sym typeface="Open Sans"/>
               </a:defRPr>
             </a:lvl1pPr>
-            <a:lvl2pPr marL="914400" lvl="1" indent="-317500">
+            <a:lvl2pPr indent="-317500" lvl="1" marL="914400">
               <a:lnSpc>
                 <a:spcPct val="115000"/>
               </a:lnSpc>
@@ -6475,7 +6300,7 @@
                 <a:sym typeface="Open Sans"/>
               </a:defRPr>
             </a:lvl2pPr>
-            <a:lvl3pPr marL="1371600" lvl="2" indent="-317500">
+            <a:lvl3pPr indent="-317500" lvl="2" marL="1371600">
               <a:lnSpc>
                 <a:spcPct val="115000"/>
               </a:lnSpc>
@@ -6501,7 +6326,7 @@
                 <a:sym typeface="Open Sans"/>
               </a:defRPr>
             </a:lvl3pPr>
-            <a:lvl4pPr marL="1828800" lvl="3" indent="-317500">
+            <a:lvl4pPr indent="-317500" lvl="3" marL="1828800">
               <a:lnSpc>
                 <a:spcPct val="115000"/>
               </a:lnSpc>
@@ -6527,7 +6352,7 @@
                 <a:sym typeface="Open Sans"/>
               </a:defRPr>
             </a:lvl4pPr>
-            <a:lvl5pPr marL="2286000" lvl="4" indent="-317500">
+            <a:lvl5pPr indent="-317500" lvl="4" marL="2286000">
               <a:lnSpc>
                 <a:spcPct val="115000"/>
               </a:lnSpc>
@@ -6553,7 +6378,7 @@
                 <a:sym typeface="Open Sans"/>
               </a:defRPr>
             </a:lvl5pPr>
-            <a:lvl6pPr marL="2743200" lvl="5" indent="-317500">
+            <a:lvl6pPr indent="-317500" lvl="5" marL="2743200">
               <a:lnSpc>
                 <a:spcPct val="115000"/>
               </a:lnSpc>
@@ -6579,7 +6404,7 @@
                 <a:sym typeface="Open Sans"/>
               </a:defRPr>
             </a:lvl6pPr>
-            <a:lvl7pPr marL="3200400" lvl="6" indent="-317500">
+            <a:lvl7pPr indent="-317500" lvl="6" marL="3200400">
               <a:lnSpc>
                 <a:spcPct val="115000"/>
               </a:lnSpc>
@@ -6605,7 +6430,7 @@
                 <a:sym typeface="Open Sans"/>
               </a:defRPr>
             </a:lvl7pPr>
-            <a:lvl8pPr marL="3657600" lvl="7" indent="-317500">
+            <a:lvl8pPr indent="-317500" lvl="7" marL="3657600">
               <a:lnSpc>
                 <a:spcPct val="115000"/>
               </a:lnSpc>
@@ -6631,7 +6456,7 @@
                 <a:sym typeface="Open Sans"/>
               </a:defRPr>
             </a:lvl8pPr>
-            <a:lvl9pPr marL="4114800" lvl="8" indent="-317500">
+            <a:lvl9pPr indent="-317500" lvl="8" marL="4114800">
               <a:lnSpc>
                 <a:spcPct val="115000"/>
               </a:lnSpc>
@@ -6658,19 +6483,15 @@
               </a:defRPr>
             </a:lvl9pPr>
           </a:lstStyle>
-          <a:p>
-            <a:endParaRPr/>
-          </a:p>
+          <a:p/>
         </p:txBody>
       </p:sp>
       <p:sp>
         <p:nvSpPr>
           <p:cNvPr id="8" name="Google Shape;8;p1"/>
-          <p:cNvSpPr txBox="1">
-            <a:spLocks noGrp="1"/>
-          </p:cNvSpPr>
+          <p:cNvSpPr txBox="1"/>
           <p:nvPr>
-            <p:ph type="sldNum" idx="12"/>
+            <p:ph idx="12" type="sldNum"/>
           </p:nvPr>
         </p:nvSpPr>
         <p:spPr>
@@ -6687,7 +6508,7 @@
           </a:ln>
         </p:spPr>
         <p:txBody>
-          <a:bodyPr spcFirstLastPara="1" wrap="square" lIns="91425" tIns="91425" rIns="91425" bIns="91425" anchor="ctr" anchorCtr="0">
+          <a:bodyPr anchorCtr="0" anchor="ctr" bIns="91425" lIns="91425" spcFirstLastPara="1" rIns="91425" wrap="square" tIns="91425">
             <a:normAutofit/>
           </a:bodyPr>
           <a:lstStyle>
@@ -6801,7 +6622,7 @@
             </a:lvl9pPr>
           </a:lstStyle>
           <a:p>
-            <a:pPr marL="0" lvl="0" indent="0" algn="r" rtl="0">
+            <a:pPr indent="0" lvl="0" marL="0" rtl="0" algn="r">
               <a:spcBef>
                 <a:spcPts val="0"/>
               </a:spcBef>
@@ -6812,7 +6633,7 @@
             </a:pPr>
             <a:fld id="{00000000-1234-1234-1234-123412341234}" type="slidenum">
               <a:rPr lang="es"/>
-              <a:t>‹Nº›</a:t>
+              <a:t>‹#›</a:t>
             </a:fld>
             <a:endParaRPr/>
           </a:p>
@@ -6820,7 +6641,7 @@
       </p:sp>
     </p:spTree>
   </p:cSld>
-  <p:clrMap bg1="lt1" tx1="dk1" bg2="dk2" tx2="lt2" accent1="accent1" accent2="accent2" accent3="accent3" accent4="accent4" accent5="accent5" accent6="accent6" hlink="hlink" folHlink="folHlink"/>
+  <p:clrMap accent1="accent1" accent2="accent2" accent3="accent3" accent4="accent4" accent5="accent5" accent6="accent6" bg1="lt1" bg2="dk2" tx1="dk1" tx2="lt2" folHlink="folHlink" hlink="hlink"/>
   <p:sldLayoutIdLst>
     <p:sldLayoutId id="2147483648" r:id="rId1"/>
     <p:sldLayoutId id="2147483649" r:id="rId2"/>
@@ -6834,10 +6655,10 @@
     <p:sldLayoutId id="2147483657" r:id="rId10"/>
     <p:sldLayoutId id="2147483658" r:id="rId11"/>
   </p:sldLayoutIdLst>
-  <p:hf sldNum="0" hdr="0" ftr="0" dt="0"/>
+  <p:hf dt="0" ftr="0" hdr="0" sldNum="0"/>
   <p:txStyles>
     <p:titleStyle>
-      <a:defPPr marR="0" lvl="0" algn="l" rtl="0">
+      <a:defPPr lvl="0" marR="0" rtl="0" algn="l">
         <a:lnSpc>
           <a:spcPct val="100000"/>
         </a:lnSpc>
@@ -6848,7 +6669,7 @@
           <a:spcPts val="0"/>
         </a:spcAft>
       </a:defPPr>
-      <a:lvl1pPr marR="0" lvl="0" algn="l" rtl="0">
+      <a:lvl1pPr lvl="0" marR="0" rtl="0" algn="l">
         <a:lnSpc>
           <a:spcPct val="100000"/>
         </a:lnSpc>
@@ -6862,7 +6683,7 @@
           <a:srgbClr val="000000"/>
         </a:buClr>
         <a:buFont typeface="Arial"/>
-        <a:defRPr sz="1400" b="0" i="0" u="none" strike="noStrike" cap="none">
+        <a:defRPr b="0" i="0" sz="1400" u="none" cap="none" strike="noStrike">
           <a:solidFill>
             <a:srgbClr val="000000"/>
           </a:solidFill>
@@ -6872,7 +6693,7 @@
           <a:sym typeface="Arial"/>
         </a:defRPr>
       </a:lvl1pPr>
-      <a:lvl2pPr marR="0" lvl="1" algn="l" rtl="0">
+      <a:lvl2pPr lvl="1" marR="0" rtl="0" algn="l">
         <a:lnSpc>
           <a:spcPct val="100000"/>
         </a:lnSpc>
@@ -6886,7 +6707,7 @@
           <a:srgbClr val="000000"/>
         </a:buClr>
         <a:buFont typeface="Arial"/>
-        <a:defRPr sz="1400" b="0" i="0" u="none" strike="noStrike" cap="none">
+        <a:defRPr b="0" i="0" sz="1400" u="none" cap="none" strike="noStrike">
           <a:solidFill>
             <a:srgbClr val="000000"/>
           </a:solidFill>
@@ -6896,7 +6717,7 @@
           <a:sym typeface="Arial"/>
         </a:defRPr>
       </a:lvl2pPr>
-      <a:lvl3pPr marR="0" lvl="2" algn="l" rtl="0">
+      <a:lvl3pPr lvl="2" marR="0" rtl="0" algn="l">
         <a:lnSpc>
           <a:spcPct val="100000"/>
         </a:lnSpc>
@@ -6910,7 +6731,7 @@
           <a:srgbClr val="000000"/>
         </a:buClr>
         <a:buFont typeface="Arial"/>
-        <a:defRPr sz="1400" b="0" i="0" u="none" strike="noStrike" cap="none">
+        <a:defRPr b="0" i="0" sz="1400" u="none" cap="none" strike="noStrike">
           <a:solidFill>
             <a:srgbClr val="000000"/>
           </a:solidFill>
@@ -6920,7 +6741,7 @@
           <a:sym typeface="Arial"/>
         </a:defRPr>
       </a:lvl3pPr>
-      <a:lvl4pPr marR="0" lvl="3" algn="l" rtl="0">
+      <a:lvl4pPr lvl="3" marR="0" rtl="0" algn="l">
         <a:lnSpc>
           <a:spcPct val="100000"/>
         </a:lnSpc>
@@ -6934,7 +6755,7 @@
           <a:srgbClr val="000000"/>
         </a:buClr>
         <a:buFont typeface="Arial"/>
-        <a:defRPr sz="1400" b="0" i="0" u="none" strike="noStrike" cap="none">
+        <a:defRPr b="0" i="0" sz="1400" u="none" cap="none" strike="noStrike">
           <a:solidFill>
             <a:srgbClr val="000000"/>
           </a:solidFill>
@@ -6944,7 +6765,7 @@
           <a:sym typeface="Arial"/>
         </a:defRPr>
       </a:lvl4pPr>
-      <a:lvl5pPr marR="0" lvl="4" algn="l" rtl="0">
+      <a:lvl5pPr lvl="4" marR="0" rtl="0" algn="l">
         <a:lnSpc>
           <a:spcPct val="100000"/>
         </a:lnSpc>
@@ -6958,7 +6779,7 @@
           <a:srgbClr val="000000"/>
         </a:buClr>
         <a:buFont typeface="Arial"/>
-        <a:defRPr sz="1400" b="0" i="0" u="none" strike="noStrike" cap="none">
+        <a:defRPr b="0" i="0" sz="1400" u="none" cap="none" strike="noStrike">
           <a:solidFill>
             <a:srgbClr val="000000"/>
           </a:solidFill>
@@ -6968,7 +6789,7 @@
           <a:sym typeface="Arial"/>
         </a:defRPr>
       </a:lvl5pPr>
-      <a:lvl6pPr marR="0" lvl="5" algn="l" rtl="0">
+      <a:lvl6pPr lvl="5" marR="0" rtl="0" algn="l">
         <a:lnSpc>
           <a:spcPct val="100000"/>
         </a:lnSpc>
@@ -6982,7 +6803,7 @@
           <a:srgbClr val="000000"/>
         </a:buClr>
         <a:buFont typeface="Arial"/>
-        <a:defRPr sz="1400" b="0" i="0" u="none" strike="noStrike" cap="none">
+        <a:defRPr b="0" i="0" sz="1400" u="none" cap="none" strike="noStrike">
           <a:solidFill>
             <a:srgbClr val="000000"/>
           </a:solidFill>
@@ -6992,7 +6813,7 @@
           <a:sym typeface="Arial"/>
         </a:defRPr>
       </a:lvl6pPr>
-      <a:lvl7pPr marR="0" lvl="6" algn="l" rtl="0">
+      <a:lvl7pPr lvl="6" marR="0" rtl="0" algn="l">
         <a:lnSpc>
           <a:spcPct val="100000"/>
         </a:lnSpc>
@@ -7006,7 +6827,7 @@
           <a:srgbClr val="000000"/>
         </a:buClr>
         <a:buFont typeface="Arial"/>
-        <a:defRPr sz="1400" b="0" i="0" u="none" strike="noStrike" cap="none">
+        <a:defRPr b="0" i="0" sz="1400" u="none" cap="none" strike="noStrike">
           <a:solidFill>
             <a:srgbClr val="000000"/>
           </a:solidFill>
@@ -7016,7 +6837,7 @@
           <a:sym typeface="Arial"/>
         </a:defRPr>
       </a:lvl7pPr>
-      <a:lvl8pPr marR="0" lvl="7" algn="l" rtl="0">
+      <a:lvl8pPr lvl="7" marR="0" rtl="0" algn="l">
         <a:lnSpc>
           <a:spcPct val="100000"/>
         </a:lnSpc>
@@ -7030,7 +6851,7 @@
           <a:srgbClr val="000000"/>
         </a:buClr>
         <a:buFont typeface="Arial"/>
-        <a:defRPr sz="1400" b="0" i="0" u="none" strike="noStrike" cap="none">
+        <a:defRPr b="0" i="0" sz="1400" u="none" cap="none" strike="noStrike">
           <a:solidFill>
             <a:srgbClr val="000000"/>
           </a:solidFill>
@@ -7040,7 +6861,7 @@
           <a:sym typeface="Arial"/>
         </a:defRPr>
       </a:lvl8pPr>
-      <a:lvl9pPr marR="0" lvl="8" algn="l" rtl="0">
+      <a:lvl9pPr lvl="8" marR="0" rtl="0" algn="l">
         <a:lnSpc>
           <a:spcPct val="100000"/>
         </a:lnSpc>
@@ -7054,7 +6875,7 @@
           <a:srgbClr val="000000"/>
         </a:buClr>
         <a:buFont typeface="Arial"/>
-        <a:defRPr sz="1400" b="0" i="0" u="none" strike="noStrike" cap="none">
+        <a:defRPr b="0" i="0" sz="1400" u="none" cap="none" strike="noStrike">
           <a:solidFill>
             <a:srgbClr val="000000"/>
           </a:solidFill>
@@ -7066,7 +6887,7 @@
       </a:lvl9pPr>
     </p:titleStyle>
     <p:bodyStyle>
-      <a:defPPr marR="0" lvl="0" algn="l" rtl="0">
+      <a:defPPr lvl="0" marR="0" rtl="0" algn="l">
         <a:lnSpc>
           <a:spcPct val="100000"/>
         </a:lnSpc>
@@ -7077,7 +6898,7 @@
           <a:spcPts val="0"/>
         </a:spcAft>
       </a:defPPr>
-      <a:lvl1pPr marR="0" lvl="0" algn="l" rtl="0">
+      <a:lvl1pPr lvl="0" marR="0" rtl="0" algn="l">
         <a:lnSpc>
           <a:spcPct val="100000"/>
         </a:lnSpc>
@@ -7091,7 +6912,7 @@
           <a:srgbClr val="000000"/>
         </a:buClr>
         <a:buFont typeface="Arial"/>
-        <a:defRPr sz="1400" b="0" i="0" u="none" strike="noStrike" cap="none">
+        <a:defRPr b="0" i="0" sz="1400" u="none" cap="none" strike="noStrike">
           <a:solidFill>
             <a:srgbClr val="000000"/>
           </a:solidFill>
@@ -7101,7 +6922,7 @@
           <a:sym typeface="Arial"/>
         </a:defRPr>
       </a:lvl1pPr>
-      <a:lvl2pPr marR="0" lvl="1" algn="l" rtl="0">
+      <a:lvl2pPr lvl="1" marR="0" rtl="0" algn="l">
         <a:lnSpc>
           <a:spcPct val="100000"/>
         </a:lnSpc>
@@ -7115,7 +6936,7 @@
           <a:srgbClr val="000000"/>
         </a:buClr>
         <a:buFont typeface="Arial"/>
-        <a:defRPr sz="1400" b="0" i="0" u="none" strike="noStrike" cap="none">
+        <a:defRPr b="0" i="0" sz="1400" u="none" cap="none" strike="noStrike">
           <a:solidFill>
             <a:srgbClr val="000000"/>
           </a:solidFill>
@@ -7125,7 +6946,7 @@
           <a:sym typeface="Arial"/>
         </a:defRPr>
       </a:lvl2pPr>
-      <a:lvl3pPr marR="0" lvl="2" algn="l" rtl="0">
+      <a:lvl3pPr lvl="2" marR="0" rtl="0" algn="l">
         <a:lnSpc>
           <a:spcPct val="100000"/>
         </a:lnSpc>
@@ -7139,7 +6960,7 @@
           <a:srgbClr val="000000"/>
         </a:buClr>
         <a:buFont typeface="Arial"/>
-        <a:defRPr sz="1400" b="0" i="0" u="none" strike="noStrike" cap="none">
+        <a:defRPr b="0" i="0" sz="1400" u="none" cap="none" strike="noStrike">
           <a:solidFill>
             <a:srgbClr val="000000"/>
           </a:solidFill>
@@ -7149,7 +6970,7 @@
           <a:sym typeface="Arial"/>
         </a:defRPr>
       </a:lvl3pPr>
-      <a:lvl4pPr marR="0" lvl="3" algn="l" rtl="0">
+      <a:lvl4pPr lvl="3" marR="0" rtl="0" algn="l">
         <a:lnSpc>
           <a:spcPct val="100000"/>
         </a:lnSpc>
@@ -7163,7 +6984,7 @@
           <a:srgbClr val="000000"/>
         </a:buClr>
         <a:buFont typeface="Arial"/>
-        <a:defRPr sz="1400" b="0" i="0" u="none" strike="noStrike" cap="none">
+        <a:defRPr b="0" i="0" sz="1400" u="none" cap="none" strike="noStrike">
           <a:solidFill>
             <a:srgbClr val="000000"/>
           </a:solidFill>
@@ -7173,7 +6994,7 @@
           <a:sym typeface="Arial"/>
         </a:defRPr>
       </a:lvl4pPr>
-      <a:lvl5pPr marR="0" lvl="4" algn="l" rtl="0">
+      <a:lvl5pPr lvl="4" marR="0" rtl="0" algn="l">
         <a:lnSpc>
           <a:spcPct val="100000"/>
         </a:lnSpc>
@@ -7187,7 +7008,7 @@
           <a:srgbClr val="000000"/>
         </a:buClr>
         <a:buFont typeface="Arial"/>
-        <a:defRPr sz="1400" b="0" i="0" u="none" strike="noStrike" cap="none">
+        <a:defRPr b="0" i="0" sz="1400" u="none" cap="none" strike="noStrike">
           <a:solidFill>
             <a:srgbClr val="000000"/>
           </a:solidFill>
@@ -7197,7 +7018,7 @@
           <a:sym typeface="Arial"/>
         </a:defRPr>
       </a:lvl5pPr>
-      <a:lvl6pPr marR="0" lvl="5" algn="l" rtl="0">
+      <a:lvl6pPr lvl="5" marR="0" rtl="0" algn="l">
         <a:lnSpc>
           <a:spcPct val="100000"/>
         </a:lnSpc>
@@ -7211,7 +7032,7 @@
           <a:srgbClr val="000000"/>
         </a:buClr>
         <a:buFont typeface="Arial"/>
-        <a:defRPr sz="1400" b="0" i="0" u="none" strike="noStrike" cap="none">
+        <a:defRPr b="0" i="0" sz="1400" u="none" cap="none" strike="noStrike">
           <a:solidFill>
             <a:srgbClr val="000000"/>
           </a:solidFill>
@@ -7221,7 +7042,7 @@
           <a:sym typeface="Arial"/>
         </a:defRPr>
       </a:lvl6pPr>
-      <a:lvl7pPr marR="0" lvl="6" algn="l" rtl="0">
+      <a:lvl7pPr lvl="6" marR="0" rtl="0" algn="l">
         <a:lnSpc>
           <a:spcPct val="100000"/>
         </a:lnSpc>
@@ -7235,7 +7056,7 @@
           <a:srgbClr val="000000"/>
         </a:buClr>
         <a:buFont typeface="Arial"/>
-        <a:defRPr sz="1400" b="0" i="0" u="none" strike="noStrike" cap="none">
+        <a:defRPr b="0" i="0" sz="1400" u="none" cap="none" strike="noStrike">
           <a:solidFill>
             <a:srgbClr val="000000"/>
           </a:solidFill>
@@ -7245,7 +7066,7 @@
           <a:sym typeface="Arial"/>
         </a:defRPr>
       </a:lvl7pPr>
-      <a:lvl8pPr marR="0" lvl="7" algn="l" rtl="0">
+      <a:lvl8pPr lvl="7" marR="0" rtl="0" algn="l">
         <a:lnSpc>
           <a:spcPct val="100000"/>
         </a:lnSpc>
@@ -7259,7 +7080,7 @@
           <a:srgbClr val="000000"/>
         </a:buClr>
         <a:buFont typeface="Arial"/>
-        <a:defRPr sz="1400" b="0" i="0" u="none" strike="noStrike" cap="none">
+        <a:defRPr b="0" i="0" sz="1400" u="none" cap="none" strike="noStrike">
           <a:solidFill>
             <a:srgbClr val="000000"/>
           </a:solidFill>
@@ -7269,7 +7090,7 @@
           <a:sym typeface="Arial"/>
         </a:defRPr>
       </a:lvl8pPr>
-      <a:lvl9pPr marR="0" lvl="8" algn="l" rtl="0">
+      <a:lvl9pPr lvl="8" marR="0" rtl="0" algn="l">
         <a:lnSpc>
           <a:spcPct val="100000"/>
         </a:lnSpc>
@@ -7283,7 +7104,7 @@
           <a:srgbClr val="000000"/>
         </a:buClr>
         <a:buFont typeface="Arial"/>
-        <a:defRPr sz="1400" b="0" i="0" u="none" strike="noStrike" cap="none">
+        <a:defRPr b="0" i="0" sz="1400" u="none" cap="none" strike="noStrike">
           <a:solidFill>
             <a:srgbClr val="000000"/>
           </a:solidFill>
@@ -7295,7 +7116,7 @@
       </a:lvl9pPr>
     </p:bodyStyle>
     <p:otherStyle>
-      <a:defPPr marR="0" lvl="0" algn="l" rtl="0">
+      <a:defPPr lvl="0" marR="0" rtl="0" algn="l">
         <a:lnSpc>
           <a:spcPct val="100000"/>
         </a:lnSpc>
@@ -7306,7 +7127,7 @@
           <a:spcPts val="0"/>
         </a:spcAft>
       </a:defPPr>
-      <a:lvl1pPr marR="0" lvl="0" algn="l" rtl="0">
+      <a:lvl1pPr lvl="0" marR="0" rtl="0" algn="l">
         <a:lnSpc>
           <a:spcPct val="100000"/>
         </a:lnSpc>
@@ -7320,7 +7141,7 @@
           <a:srgbClr val="000000"/>
         </a:buClr>
         <a:buFont typeface="Arial"/>
-        <a:defRPr sz="1400" b="0" i="0" u="none" strike="noStrike" cap="none">
+        <a:defRPr b="0" i="0" sz="1400" u="none" cap="none" strike="noStrike">
           <a:solidFill>
             <a:srgbClr val="000000"/>
           </a:solidFill>
@@ -7330,7 +7151,7 @@
           <a:sym typeface="Arial"/>
         </a:defRPr>
       </a:lvl1pPr>
-      <a:lvl2pPr marR="0" lvl="1" algn="l" rtl="0">
+      <a:lvl2pPr lvl="1" marR="0" rtl="0" algn="l">
         <a:lnSpc>
           <a:spcPct val="100000"/>
         </a:lnSpc>
@@ -7344,7 +7165,7 @@
           <a:srgbClr val="000000"/>
         </a:buClr>
         <a:buFont typeface="Arial"/>
-        <a:defRPr sz="1400" b="0" i="0" u="none" strike="noStrike" cap="none">
+        <a:defRPr b="0" i="0" sz="1400" u="none" cap="none" strike="noStrike">
           <a:solidFill>
             <a:srgbClr val="000000"/>
           </a:solidFill>
@@ -7354,7 +7175,7 @@
           <a:sym typeface="Arial"/>
         </a:defRPr>
       </a:lvl2pPr>
-      <a:lvl3pPr marR="0" lvl="2" algn="l" rtl="0">
+      <a:lvl3pPr lvl="2" marR="0" rtl="0" algn="l">
         <a:lnSpc>
           <a:spcPct val="100000"/>
         </a:lnSpc>
@@ -7368,7 +7189,7 @@
           <a:srgbClr val="000000"/>
         </a:buClr>
         <a:buFont typeface="Arial"/>
-        <a:defRPr sz="1400" b="0" i="0" u="none" strike="noStrike" cap="none">
+        <a:defRPr b="0" i="0" sz="1400" u="none" cap="none" strike="noStrike">
           <a:solidFill>
             <a:srgbClr val="000000"/>
           </a:solidFill>
@@ -7378,7 +7199,7 @@
           <a:sym typeface="Arial"/>
         </a:defRPr>
       </a:lvl3pPr>
-      <a:lvl4pPr marR="0" lvl="3" algn="l" rtl="0">
+      <a:lvl4pPr lvl="3" marR="0" rtl="0" algn="l">
         <a:lnSpc>
           <a:spcPct val="100000"/>
         </a:lnSpc>
@@ -7392,7 +7213,7 @@
           <a:srgbClr val="000000"/>
         </a:buClr>
         <a:buFont typeface="Arial"/>
-        <a:defRPr sz="1400" b="0" i="0" u="none" strike="noStrike" cap="none">
+        <a:defRPr b="0" i="0" sz="1400" u="none" cap="none" strike="noStrike">
           <a:solidFill>
             <a:srgbClr val="000000"/>
           </a:solidFill>
@@ -7402,7 +7223,7 @@
           <a:sym typeface="Arial"/>
         </a:defRPr>
       </a:lvl4pPr>
-      <a:lvl5pPr marR="0" lvl="4" algn="l" rtl="0">
+      <a:lvl5pPr lvl="4" marR="0" rtl="0" algn="l">
         <a:lnSpc>
           <a:spcPct val="100000"/>
         </a:lnSpc>
@@ -7416,7 +7237,7 @@
           <a:srgbClr val="000000"/>
         </a:buClr>
         <a:buFont typeface="Arial"/>
-        <a:defRPr sz="1400" b="0" i="0" u="none" strike="noStrike" cap="none">
+        <a:defRPr b="0" i="0" sz="1400" u="none" cap="none" strike="noStrike">
           <a:solidFill>
             <a:srgbClr val="000000"/>
           </a:solidFill>
@@ -7426,7 +7247,7 @@
           <a:sym typeface="Arial"/>
         </a:defRPr>
       </a:lvl5pPr>
-      <a:lvl6pPr marR="0" lvl="5" algn="l" rtl="0">
+      <a:lvl6pPr lvl="5" marR="0" rtl="0" algn="l">
         <a:lnSpc>
           <a:spcPct val="100000"/>
         </a:lnSpc>
@@ -7440,7 +7261,7 @@
           <a:srgbClr val="000000"/>
         </a:buClr>
         <a:buFont typeface="Arial"/>
-        <a:defRPr sz="1400" b="0" i="0" u="none" strike="noStrike" cap="none">
+        <a:defRPr b="0" i="0" sz="1400" u="none" cap="none" strike="noStrike">
           <a:solidFill>
             <a:srgbClr val="000000"/>
           </a:solidFill>
@@ -7450,7 +7271,7 @@
           <a:sym typeface="Arial"/>
         </a:defRPr>
       </a:lvl6pPr>
-      <a:lvl7pPr marR="0" lvl="6" algn="l" rtl="0">
+      <a:lvl7pPr lvl="6" marR="0" rtl="0" algn="l">
         <a:lnSpc>
           <a:spcPct val="100000"/>
         </a:lnSpc>
@@ -7464,7 +7285,7 @@
           <a:srgbClr val="000000"/>
         </a:buClr>
         <a:buFont typeface="Arial"/>
-        <a:defRPr sz="1400" b="0" i="0" u="none" strike="noStrike" cap="none">
+        <a:defRPr b="0" i="0" sz="1400" u="none" cap="none" strike="noStrike">
           <a:solidFill>
             <a:srgbClr val="000000"/>
           </a:solidFill>
@@ -7474,7 +7295,7 @@
           <a:sym typeface="Arial"/>
         </a:defRPr>
       </a:lvl7pPr>
-      <a:lvl8pPr marR="0" lvl="7" algn="l" rtl="0">
+      <a:lvl8pPr lvl="7" marR="0" rtl="0" algn="l">
         <a:lnSpc>
           <a:spcPct val="100000"/>
         </a:lnSpc>
@@ -7488,7 +7309,7 @@
           <a:srgbClr val="000000"/>
         </a:buClr>
         <a:buFont typeface="Arial"/>
-        <a:defRPr sz="1400" b="0" i="0" u="none" strike="noStrike" cap="none">
+        <a:defRPr b="0" i="0" sz="1400" u="none" cap="none" strike="noStrike">
           <a:solidFill>
             <a:srgbClr val="000000"/>
           </a:solidFill>
@@ -7498,7 +7319,7 @@
           <a:sym typeface="Arial"/>
         </a:defRPr>
       </a:lvl8pPr>
-      <a:lvl9pPr marR="0" lvl="8" algn="l" rtl="0">
+      <a:lvl9pPr lvl="8" marR="0" rtl="0" algn="l">
         <a:lnSpc>
           <a:spcPct val="100000"/>
         </a:lnSpc>
@@ -7512,7 +7333,7 @@
           <a:srgbClr val="000000"/>
         </a:buClr>
         <a:buFont typeface="Arial"/>
-        <a:defRPr sz="1400" b="0" i="0" u="none" strike="noStrike" cap="none">
+        <a:defRPr b="0" i="0" sz="1400" u="none" cap="none" strike="noStrike">
           <a:solidFill>
             <a:srgbClr val="000000"/>
           </a:solidFill>
@@ -7528,11 +7349,11 @@
 </file>
 
 <file path=ppt/slides/slide1.xml><?xml version="1.0" encoding="utf-8"?>
-<p:sld xmlns:a="http://schemas.openxmlformats.org/drawingml/2006/main" xmlns:r="http://schemas.openxmlformats.org/officeDocument/2006/relationships" xmlns:p="http://schemas.openxmlformats.org/presentationml/2006/main">
+<p:sld xmlns:a="http://schemas.openxmlformats.org/drawingml/2006/main" xmlns:r="http://schemas.openxmlformats.org/officeDocument/2006/relationships" xmlns:mc="http://schemas.openxmlformats.org/markup-compatibility/2006" xmlns:mv="urn:schemas-microsoft-com:mac:vml" xmlns:p="http://schemas.openxmlformats.org/presentationml/2006/main" xmlns:c="http://schemas.openxmlformats.org/drawingml/2006/chart" xmlns:dgm="http://schemas.openxmlformats.org/drawingml/2006/diagram" xmlns:o="urn:schemas-microsoft-com:office:office" xmlns:v="urn:schemas-microsoft-com:vml" xmlns:pvml="urn:schemas-microsoft-com:office:powerpoint" xmlns:com="http://schemas.openxmlformats.org/drawingml/2006/compatibility" xmlns:p14="http://schemas.microsoft.com/office/powerpoint/2010/main" xmlns:p15="http://schemas.microsoft.com/office/powerpoint/2012/main" xmlns:ahyp="http://schemas.microsoft.com/office/drawing/2018/hyperlinkcolor">
   <p:cSld>
     <p:spTree>
       <p:nvGrpSpPr>
-        <p:cNvPr id="1" name="Shape 61"/>
+        <p:cNvPr id="61" name="Shape 61"/>
         <p:cNvGrpSpPr/>
         <p:nvPr/>
       </p:nvGrpSpPr>
@@ -7547,9 +7368,7 @@
       <p:sp>
         <p:nvSpPr>
           <p:cNvPr id="62" name="Google Shape;62;p13"/>
-          <p:cNvSpPr txBox="1">
-            <a:spLocks noGrp="1"/>
-          </p:cNvSpPr>
+          <p:cNvSpPr txBox="1"/>
           <p:nvPr>
             <p:ph type="title"/>
           </p:nvPr>
@@ -7564,12 +7383,12 @@
           </a:prstGeom>
         </p:spPr>
         <p:txBody>
-          <a:bodyPr spcFirstLastPara="1" wrap="square" lIns="91425" tIns="91425" rIns="91425" bIns="91425" anchor="b" anchorCtr="0">
+          <a:bodyPr anchorCtr="0" anchor="b" bIns="91425" lIns="91425" spcFirstLastPara="1" rIns="91425" wrap="square" tIns="91425">
             <a:normAutofit/>
           </a:bodyPr>
           <a:lstStyle/>
           <a:p>
-            <a:pPr marL="0" lvl="0" indent="0" algn="ctr" rtl="0">
+            <a:pPr indent="0" lvl="0" marL="0" rtl="0" algn="ctr">
               <a:spcBef>
                 <a:spcPts val="0"/>
               </a:spcBef>
@@ -7589,11 +7408,9 @@
       <p:sp>
         <p:nvSpPr>
           <p:cNvPr id="63" name="Google Shape;63;p13"/>
-          <p:cNvSpPr txBox="1">
-            <a:spLocks noGrp="1"/>
-          </p:cNvSpPr>
+          <p:cNvSpPr txBox="1"/>
           <p:nvPr>
-            <p:ph type="body" idx="1"/>
+            <p:ph idx="1" type="body"/>
           </p:nvPr>
         </p:nvSpPr>
         <p:spPr>
@@ -7606,12 +7423,12 @@
           </a:prstGeom>
         </p:spPr>
         <p:txBody>
-          <a:bodyPr spcFirstLastPara="1" wrap="square" lIns="91425" tIns="91425" rIns="91425" bIns="91425" anchor="t" anchorCtr="0">
-            <a:normAutofit lnSpcReduction="10000"/>
+          <a:bodyPr anchorCtr="0" anchor="t" bIns="91425" lIns="91425" spcFirstLastPara="1" rIns="91425" wrap="square" tIns="91425">
+            <a:normAutofit/>
           </a:bodyPr>
           <a:lstStyle/>
           <a:p>
-            <a:pPr marL="0" lvl="0" indent="0" algn="ctr" rtl="0">
+            <a:pPr indent="0" lvl="0" marL="0" rtl="0" algn="ctr">
               <a:spcBef>
                 <a:spcPts val="0"/>
               </a:spcBef>
@@ -7627,7 +7444,7 @@
             <a:endParaRPr/>
           </a:p>
           <a:p>
-            <a:pPr marL="0" lvl="0" indent="0" algn="l" rtl="0">
+            <a:pPr indent="0" lvl="0" marL="0" rtl="0" algn="l">
               <a:spcBef>
                 <a:spcPts val="1200"/>
               </a:spcBef>
@@ -7692,12 +7509,12 @@
           </a:ln>
         </p:spPr>
         <p:txBody>
-          <a:bodyPr spcFirstLastPara="1" wrap="square" lIns="91425" tIns="91425" rIns="91425" bIns="91425" anchor="t" anchorCtr="0">
+          <a:bodyPr anchorCtr="0" anchor="t" bIns="91425" lIns="91425" spcFirstLastPara="1" rIns="91425" wrap="square" tIns="91425">
             <a:spAutoFit/>
           </a:bodyPr>
           <a:lstStyle/>
           <a:p>
-            <a:pPr marL="0" lvl="0" indent="0" algn="l" rtl="0">
+            <a:pPr indent="0" lvl="0" marL="0" rtl="0" algn="l">
               <a:spcBef>
                 <a:spcPts val="0"/>
               </a:spcBef>
@@ -7707,13 +7524,31 @@
               <a:buNone/>
             </a:pPr>
             <a:r>
-              <a:rPr lang="es" b="1">
+              <a:rPr b="1" lang="es">
                 <a:latin typeface="Open Sans"/>
                 <a:ea typeface="Open Sans"/>
                 <a:cs typeface="Open Sans"/>
                 <a:sym typeface="Open Sans"/>
               </a:rPr>
-              <a:t>TP 1 Tecnologías de desarrollo de software IDE</a:t>
+              <a:t>TP 1 </a:t>
+            </a:r>
+            <a:r>
+              <a:rPr b="1" lang="es">
+                <a:latin typeface="Open Sans"/>
+                <a:ea typeface="Open Sans"/>
+                <a:cs typeface="Open Sans"/>
+                <a:sym typeface="Open Sans"/>
+              </a:rPr>
+              <a:t>Tecnologías</a:t>
+            </a:r>
+            <a:r>
+              <a:rPr b="1" lang="es">
+                <a:latin typeface="Open Sans"/>
+                <a:ea typeface="Open Sans"/>
+                <a:cs typeface="Open Sans"/>
+                <a:sym typeface="Open Sans"/>
+              </a:rPr>
+              <a:t> de desarrollo de software IDE</a:t>
             </a:r>
             <a:endParaRPr b="1">
               <a:latin typeface="Open Sans"/>
@@ -7733,11 +7568,11 @@
 </file>
 
 <file path=ppt/slides/slide10.xml><?xml version="1.0" encoding="utf-8"?>
-<p:sld xmlns:a="http://schemas.openxmlformats.org/drawingml/2006/main" xmlns:r="http://schemas.openxmlformats.org/officeDocument/2006/relationships" xmlns:p="http://schemas.openxmlformats.org/presentationml/2006/main">
+<p:sld xmlns:a="http://schemas.openxmlformats.org/drawingml/2006/main" xmlns:r="http://schemas.openxmlformats.org/officeDocument/2006/relationships" xmlns:mc="http://schemas.openxmlformats.org/markup-compatibility/2006" xmlns:mv="urn:schemas-microsoft-com:mac:vml" xmlns:p="http://schemas.openxmlformats.org/presentationml/2006/main" xmlns:c="http://schemas.openxmlformats.org/drawingml/2006/chart" xmlns:dgm="http://schemas.openxmlformats.org/drawingml/2006/diagram" xmlns:o="urn:schemas-microsoft-com:office:office" xmlns:v="urn:schemas-microsoft-com:vml" xmlns:pvml="urn:schemas-microsoft-com:office:powerpoint" xmlns:com="http://schemas.openxmlformats.org/drawingml/2006/compatibility" xmlns:p14="http://schemas.microsoft.com/office/powerpoint/2010/main" xmlns:p15="http://schemas.microsoft.com/office/powerpoint/2012/main" xmlns:ahyp="http://schemas.microsoft.com/office/drawing/2018/hyperlinkcolor">
   <p:cSld>
     <p:spTree>
       <p:nvGrpSpPr>
-        <p:cNvPr id="1" name="Shape 132"/>
+        <p:cNvPr id="132" name="Shape 132"/>
         <p:cNvGrpSpPr/>
         <p:nvPr/>
       </p:nvGrpSpPr>
@@ -7757,59 +7592,7 @@
         </p:nvSpPr>
         <p:spPr>
           <a:xfrm>
-            <a:off x="540975" y="255800"/>
-            <a:ext cx="1357800" cy="554100"/>
-          </a:xfrm>
-          <a:prstGeom prst="rect">
-            <a:avLst/>
-          </a:prstGeom>
-          <a:noFill/>
-          <a:ln>
-            <a:noFill/>
-          </a:ln>
-        </p:spPr>
-        <p:txBody>
-          <a:bodyPr spcFirstLastPara="1" wrap="square" lIns="91425" tIns="91425" rIns="91425" bIns="91425" anchor="t" anchorCtr="0">
-            <a:spAutoFit/>
-          </a:bodyPr>
-          <a:lstStyle/>
-          <a:p>
-            <a:pPr marL="0" lvl="0" indent="0" algn="l" rtl="0">
-              <a:spcBef>
-                <a:spcPts val="0"/>
-              </a:spcBef>
-              <a:spcAft>
-                <a:spcPts val="0"/>
-              </a:spcAft>
-              <a:buNone/>
-            </a:pPr>
-            <a:r>
-              <a:rPr lang="es" sz="2400" b="1">
-                <a:latin typeface="Open Sans"/>
-                <a:ea typeface="Open Sans"/>
-                <a:cs typeface="Open Sans"/>
-                <a:sym typeface="Open Sans"/>
-              </a:rPr>
-              <a:t>MSTest</a:t>
-            </a:r>
-            <a:endParaRPr sz="2400" b="1">
-              <a:latin typeface="Open Sans"/>
-              <a:ea typeface="Open Sans"/>
-              <a:cs typeface="Open Sans"/>
-              <a:sym typeface="Open Sans"/>
-            </a:endParaRPr>
-          </a:p>
-        </p:txBody>
-      </p:sp>
-      <p:sp>
-        <p:nvSpPr>
-          <p:cNvPr id="134" name="Google Shape;134;p22"/>
-          <p:cNvSpPr txBox="1"/>
-          <p:nvPr/>
-        </p:nvSpPr>
-        <p:spPr>
-          <a:xfrm>
-            <a:off x="0" y="798350"/>
+            <a:off x="0" y="932725"/>
             <a:ext cx="5151600" cy="2031900"/>
           </a:xfrm>
           <a:prstGeom prst="rect">
@@ -7821,12 +7604,12 @@
           </a:ln>
         </p:spPr>
         <p:txBody>
-          <a:bodyPr spcFirstLastPara="1" wrap="square" lIns="91425" tIns="91425" rIns="91425" bIns="91425" anchor="t" anchorCtr="0">
+          <a:bodyPr anchorCtr="0" anchor="t" bIns="91425" lIns="91425" spcFirstLastPara="1" rIns="91425" wrap="square" tIns="91425">
             <a:spAutoFit/>
           </a:bodyPr>
           <a:lstStyle/>
           <a:p>
-            <a:pPr marL="457200" lvl="0" indent="-342900" algn="l" rtl="0">
+            <a:pPr indent="-342900" lvl="0" marL="457200" rtl="0" algn="l">
               <a:spcBef>
                 <a:spcPts val="0"/>
               </a:spcBef>
@@ -7838,12 +7621,20 @@
             </a:pPr>
             <a:r>
               <a:rPr lang="es" sz="1800"/>
-              <a:t>Es de código abierto </a:t>
+              <a:t>Es de </a:t>
+            </a:r>
+            <a:r>
+              <a:rPr lang="es" sz="1800"/>
+              <a:t>código</a:t>
+            </a:r>
+            <a:r>
+              <a:rPr lang="es" sz="1800"/>
+              <a:t> abierto </a:t>
             </a:r>
             <a:endParaRPr sz="1800"/>
           </a:p>
           <a:p>
-            <a:pPr marL="457200" lvl="0" indent="-342900" algn="l" rtl="0">
+            <a:pPr indent="-342900" lvl="0" marL="457200" rtl="0" algn="l">
               <a:spcBef>
                 <a:spcPts val="0"/>
               </a:spcBef>
@@ -7860,7 +7651,7 @@
             <a:endParaRPr sz="1800"/>
           </a:p>
           <a:p>
-            <a:pPr marL="457200" lvl="0" indent="-342900" algn="l" rtl="0">
+            <a:pPr indent="-342900" lvl="0" marL="457200" rtl="0" algn="l">
               <a:spcBef>
                 <a:spcPts val="0"/>
               </a:spcBef>
@@ -7877,7 +7668,7 @@
             <a:endParaRPr sz="1800"/>
           </a:p>
           <a:p>
-            <a:pPr marL="457200" lvl="0" indent="-342900" algn="l" rtl="0">
+            <a:pPr indent="-342900" lvl="0" marL="457200" rtl="0" algn="l">
               <a:spcBef>
                 <a:spcPts val="0"/>
               </a:spcBef>
@@ -7901,7 +7692,7 @@
             </a:endParaRPr>
           </a:p>
           <a:p>
-            <a:pPr marL="0" marR="38100" lvl="0" indent="0" algn="l" rtl="0">
+            <a:pPr indent="0" lvl="0" marL="0" marR="38100" rtl="0" algn="l">
               <a:lnSpc>
                 <a:spcPct val="128571"/>
               </a:lnSpc>
@@ -7913,6 +7704,9 @@
               </a:spcAft>
               <a:buNone/>
             </a:pPr>
+            <a:r>
+              <a:t/>
+            </a:r>
             <a:endParaRPr sz="1200">
               <a:solidFill>
                 <a:srgbClr val="202124"/>
@@ -7926,7 +7720,7 @@
       </p:sp>
       <p:pic>
         <p:nvPicPr>
-          <p:cNvPr id="135" name="Google Shape;135;p22"/>
+          <p:cNvPr id="134" name="Google Shape;134;p22"/>
           <p:cNvPicPr preferRelativeResize="0"/>
           <p:nvPr/>
         </p:nvPicPr>
@@ -7954,7 +7748,7 @@
       </p:pic>
       <p:pic>
         <p:nvPicPr>
-          <p:cNvPr id="136" name="Google Shape;136;p22"/>
+          <p:cNvPr id="135" name="Google Shape;135;p22"/>
           <p:cNvPicPr preferRelativeResize="0"/>
           <p:nvPr/>
         </p:nvPicPr>
@@ -7962,7 +7756,7 @@
           <a:blip r:embed="rId4">
             <a:alphaModFix/>
           </a:blip>
-          <a:srcRect l="-6030" t="-17190" r="6029" b="17190"/>
+          <a:srcRect b="17190" l="-6030" r="6029" t="-17190"/>
           <a:stretch/>
         </p:blipFill>
         <p:spPr>
@@ -7981,7 +7775,7 @@
       </p:pic>
       <p:pic>
         <p:nvPicPr>
-          <p:cNvPr id="137" name="Google Shape;137;p22"/>
+          <p:cNvPr id="136" name="Google Shape;136;p22"/>
           <p:cNvPicPr preferRelativeResize="0"/>
           <p:nvPr/>
         </p:nvPicPr>
@@ -8009,7 +7803,7 @@
       </p:pic>
       <p:pic>
         <p:nvPicPr>
-          <p:cNvPr id="138" name="Google Shape;138;p22"/>
+          <p:cNvPr id="137" name="Google Shape;137;p22"/>
           <p:cNvPicPr preferRelativeResize="0"/>
           <p:nvPr/>
         </p:nvPicPr>
@@ -8037,7 +7831,7 @@
       </p:pic>
       <p:sp>
         <p:nvSpPr>
-          <p:cNvPr id="139" name="Google Shape;139;p22"/>
+          <p:cNvPr id="138" name="Google Shape;138;p22"/>
           <p:cNvSpPr txBox="1"/>
           <p:nvPr/>
         </p:nvSpPr>
@@ -8055,12 +7849,12 @@
           </a:ln>
         </p:spPr>
         <p:txBody>
-          <a:bodyPr spcFirstLastPara="1" wrap="square" lIns="91425" tIns="91425" rIns="91425" bIns="91425" anchor="t" anchorCtr="0">
+          <a:bodyPr anchorCtr="0" anchor="t" bIns="91425" lIns="91425" spcFirstLastPara="1" rIns="91425" wrap="square" tIns="91425">
             <a:spAutoFit/>
           </a:bodyPr>
           <a:lstStyle/>
           <a:p>
-            <a:pPr marL="0" lvl="0" indent="0" algn="l" rtl="0">
+            <a:pPr indent="0" lvl="0" marL="0" rtl="0" algn="l">
               <a:spcBef>
                 <a:spcPts val="0"/>
               </a:spcBef>
@@ -8070,7 +7864,7 @@
               <a:buNone/>
             </a:pPr>
             <a:r>
-              <a:rPr lang="es" sz="1800" b="1">
+              <a:rPr b="1" lang="es" sz="1800">
                 <a:latin typeface="Open Sans"/>
                 <a:ea typeface="Open Sans"/>
                 <a:cs typeface="Open Sans"/>
@@ -8078,7 +7872,7 @@
               </a:rPr>
               <a:t>MSTest V1</a:t>
             </a:r>
-            <a:endParaRPr sz="1800" b="1">
+            <a:endParaRPr b="1" sz="1800">
               <a:latin typeface="Open Sans"/>
               <a:ea typeface="Open Sans"/>
               <a:cs typeface="Open Sans"/>
@@ -8089,7 +7883,7 @@
       </p:sp>
       <p:sp>
         <p:nvSpPr>
-          <p:cNvPr id="140" name="Google Shape;140;p22"/>
+          <p:cNvPr id="139" name="Google Shape;139;p22"/>
           <p:cNvSpPr txBox="1"/>
           <p:nvPr/>
         </p:nvSpPr>
@@ -8107,12 +7901,12 @@
           </a:ln>
         </p:spPr>
         <p:txBody>
-          <a:bodyPr spcFirstLastPara="1" wrap="square" lIns="91425" tIns="91425" rIns="91425" bIns="91425" anchor="t" anchorCtr="0">
+          <a:bodyPr anchorCtr="0" anchor="t" bIns="91425" lIns="91425" spcFirstLastPara="1" rIns="91425" wrap="square" tIns="91425">
             <a:spAutoFit/>
           </a:bodyPr>
           <a:lstStyle/>
           <a:p>
-            <a:pPr marL="0" lvl="0" indent="0" algn="l" rtl="0">
+            <a:pPr indent="0" lvl="0" marL="0" rtl="0" algn="l">
               <a:spcBef>
                 <a:spcPts val="0"/>
               </a:spcBef>
@@ -8122,7 +7916,7 @@
               <a:buNone/>
             </a:pPr>
             <a:r>
-              <a:rPr lang="es" sz="1800" b="1">
+              <a:rPr b="1" lang="es" sz="1800">
                 <a:latin typeface="Open Sans"/>
                 <a:ea typeface="Open Sans"/>
                 <a:cs typeface="Open Sans"/>
@@ -8130,7 +7924,7 @@
               </a:rPr>
               <a:t>MSTest V2</a:t>
             </a:r>
-            <a:endParaRPr sz="1800" b="1">
+            <a:endParaRPr b="1" sz="1800">
               <a:latin typeface="Open Sans"/>
               <a:ea typeface="Open Sans"/>
               <a:cs typeface="Open Sans"/>
@@ -8139,6 +7933,34 @@
           </a:p>
         </p:txBody>
       </p:sp>
+      <p:pic>
+        <p:nvPicPr>
+          <p:cNvPr id="140" name="Google Shape;140;p22"/>
+          <p:cNvPicPr preferRelativeResize="0"/>
+          <p:nvPr/>
+        </p:nvPicPr>
+        <p:blipFill>
+          <a:blip r:embed="rId7">
+            <a:alphaModFix/>
+          </a:blip>
+          <a:stretch>
+            <a:fillRect/>
+          </a:stretch>
+        </p:blipFill>
+        <p:spPr>
+          <a:xfrm>
+            <a:off x="762175" y="1"/>
+            <a:ext cx="2015700" cy="1062775"/>
+          </a:xfrm>
+          <a:prstGeom prst="rect">
+            <a:avLst/>
+          </a:prstGeom>
+          <a:noFill/>
+          <a:ln>
+            <a:noFill/>
+          </a:ln>
+        </p:spPr>
+      </p:pic>
     </p:spTree>
   </p:cSld>
   <p:clrMapOvr>
@@ -8147,32 +7969,59 @@
   <p:timing>
     <p:tnLst>
       <p:par>
-        <p:cTn id="1" dur="indefinite" restart="never" nodeType="tmRoot">
+        <p:cTn dur="indefinite" nodeType="tmRoot" restart="never">
           <p:childTnLst>
             <p:seq concurrent="1" nextAc="seek">
-              <p:cTn id="2" dur="indefinite" nodeType="mainSeq">
+              <p:cTn dur="indefinite" id="2" nodeType="mainSeq">
                 <p:childTnLst>
                   <p:par>
-                    <p:cTn id="3" fill="hold">
+                    <p:cTn fill="hold">
                       <p:stCondLst>
                         <p:cond delay="indefinite"/>
                       </p:stCondLst>
                       <p:childTnLst>
                         <p:par>
-                          <p:cTn id="4" fill="hold">
+                          <p:cTn fill="hold">
                             <p:stCondLst>
                               <p:cond delay="0"/>
                             </p:stCondLst>
                             <p:childTnLst>
                               <p:par>
-                                <p:cTn id="5" presetID="1" presetClass="entr" presetSubtype="0" fill="hold" nodeType="clickEffect">
+                                <p:cTn fill="hold" nodeType="clickEffect" presetClass="entr" presetID="1" presetSubtype="0">
                                   <p:stCondLst>
                                     <p:cond delay="0"/>
                                   </p:stCondLst>
                                   <p:childTnLst>
                                     <p:set>
                                       <p:cBhvr>
-                                        <p:cTn id="6" dur="1" fill="hold">
+                                        <p:cTn dur="1" fill="hold">
+                                          <p:stCondLst>
+                                            <p:cond delay="0"/>
+                                          </p:stCondLst>
+                                        </p:cTn>
+                                        <p:tgtEl>
+                                          <p:spTgt spid="135"/>
+                                        </p:tgtEl>
+                                        <p:attrNameLst>
+                                          <p:attrName>style.visibility</p:attrName>
+                                        </p:attrNameLst>
+                                      </p:cBhvr>
+                                      <p:to>
+                                        <p:strVal val="visible"/>
+                                      </p:to>
+                                    </p:set>
+                                  </p:childTnLst>
+                                </p:cTn>
+                              </p:par>
+                              <p:par>
+                                <p:cTn fill="hold" nodeType="withEffect" presetClass="entr" presetID="10" presetSubtype="0">
+                                  <p:stCondLst>
+                                    <p:cond delay="0"/>
+                                  </p:stCondLst>
+                                  <p:childTnLst>
+                                    <p:set>
+                                      <p:cBhvr>
+                                        <p:cTn dur="1" fill="hold">
                                           <p:stCondLst>
                                             <p:cond delay="0"/>
                                           </p:stCondLst>
@@ -8188,18 +8037,79 @@
                                         <p:strVal val="visible"/>
                                       </p:to>
                                     </p:set>
+                                    <p:animEffect filter="fade" transition="in">
+                                      <p:cBhvr>
+                                        <p:cTn dur="1000"/>
+                                        <p:tgtEl>
+                                          <p:spTgt spid="136"/>
+                                        </p:tgtEl>
+                                      </p:cBhvr>
+                                    </p:animEffect>
                                   </p:childTnLst>
                                 </p:cTn>
                               </p:par>
                               <p:par>
-                                <p:cTn id="7" presetID="10" presetClass="entr" presetSubtype="0" fill="hold" nodeType="withEffect">
+                                <p:cTn fill="hold" nodeType="withEffect" presetClass="entr" presetID="10" presetSubtype="0">
                                   <p:stCondLst>
                                     <p:cond delay="0"/>
                                   </p:stCondLst>
                                   <p:childTnLst>
                                     <p:set>
                                       <p:cBhvr>
-                                        <p:cTn id="8" dur="1" fill="hold">
+                                        <p:cTn dur="1" fill="hold">
+                                          <p:stCondLst>
+                                            <p:cond delay="0"/>
+                                          </p:stCondLst>
+                                        </p:cTn>
+                                        <p:tgtEl>
+                                          <p:spTgt spid="134"/>
+                                        </p:tgtEl>
+                                        <p:attrNameLst>
+                                          <p:attrName>style.visibility</p:attrName>
+                                        </p:attrNameLst>
+                                      </p:cBhvr>
+                                      <p:to>
+                                        <p:strVal val="visible"/>
+                                      </p:to>
+                                    </p:set>
+                                    <p:animEffect filter="fade" transition="in">
+                                      <p:cBhvr>
+                                        <p:cTn dur="1000"/>
+                                        <p:tgtEl>
+                                          <p:spTgt spid="134"/>
+                                        </p:tgtEl>
+                                      </p:cBhvr>
+                                    </p:animEffect>
+                                  </p:childTnLst>
+                                </p:cTn>
+                              </p:par>
+                            </p:childTnLst>
+                          </p:cTn>
+                        </p:par>
+                      </p:childTnLst>
+                    </p:cTn>
+                  </p:par>
+                  <p:par>
+                    <p:cTn fill="hold">
+                      <p:stCondLst>
+                        <p:cond delay="indefinite"/>
+                      </p:stCondLst>
+                      <p:childTnLst>
+                        <p:par>
+                          <p:cTn fill="hold">
+                            <p:stCondLst>
+                              <p:cond delay="0"/>
+                            </p:stCondLst>
+                            <p:childTnLst>
+                              <p:par>
+                                <p:cTn fill="hold" nodeType="clickEffect" presetClass="entr" presetID="1" presetSubtype="0">
+                                  <p:stCondLst>
+                                    <p:cond delay="0"/>
+                                  </p:stCondLst>
+                                  <p:childTnLst>
+                                    <p:set>
+                                      <p:cBhvr>
+                                        <p:cTn dur="1" fill="hold">
                                           <p:stCondLst>
                                             <p:cond delay="0"/>
                                           </p:stCondLst>
@@ -8215,79 +8125,18 @@
                                         <p:strVal val="visible"/>
                                       </p:to>
                                     </p:set>
-                                    <p:animEffect transition="in" filter="fade">
-                                      <p:cBhvr>
-                                        <p:cTn id="9" dur="1000"/>
-                                        <p:tgtEl>
-                                          <p:spTgt spid="137"/>
-                                        </p:tgtEl>
-                                      </p:cBhvr>
-                                    </p:animEffect>
                                   </p:childTnLst>
                                 </p:cTn>
                               </p:par>
                               <p:par>
-                                <p:cTn id="10" presetID="10" presetClass="entr" presetSubtype="0" fill="hold" nodeType="withEffect">
+                                <p:cTn fill="hold" nodeType="withEffect" presetClass="entr" presetID="10" presetSubtype="0">
                                   <p:stCondLst>
                                     <p:cond delay="0"/>
                                   </p:stCondLst>
                                   <p:childTnLst>
                                     <p:set>
                                       <p:cBhvr>
-                                        <p:cTn id="11" dur="1" fill="hold">
-                                          <p:stCondLst>
-                                            <p:cond delay="0"/>
-                                          </p:stCondLst>
-                                        </p:cTn>
-                                        <p:tgtEl>
-                                          <p:spTgt spid="135"/>
-                                        </p:tgtEl>
-                                        <p:attrNameLst>
-                                          <p:attrName>style.visibility</p:attrName>
-                                        </p:attrNameLst>
-                                      </p:cBhvr>
-                                      <p:to>
-                                        <p:strVal val="visible"/>
-                                      </p:to>
-                                    </p:set>
-                                    <p:animEffect transition="in" filter="fade">
-                                      <p:cBhvr>
-                                        <p:cTn id="12" dur="1000"/>
-                                        <p:tgtEl>
-                                          <p:spTgt spid="135"/>
-                                        </p:tgtEl>
-                                      </p:cBhvr>
-                                    </p:animEffect>
-                                  </p:childTnLst>
-                                </p:cTn>
-                              </p:par>
-                            </p:childTnLst>
-                          </p:cTn>
-                        </p:par>
-                      </p:childTnLst>
-                    </p:cTn>
-                  </p:par>
-                  <p:par>
-                    <p:cTn id="13" fill="hold">
-                      <p:stCondLst>
-                        <p:cond delay="indefinite"/>
-                      </p:stCondLst>
-                      <p:childTnLst>
-                        <p:par>
-                          <p:cTn id="14" fill="hold">
-                            <p:stCondLst>
-                              <p:cond delay="0"/>
-                            </p:stCondLst>
-                            <p:childTnLst>
-                              <p:par>
-                                <p:cTn id="15" presetID="1" presetClass="entr" presetSubtype="0" fill="hold" nodeType="clickEffect">
-                                  <p:stCondLst>
-                                    <p:cond delay="0"/>
-                                  </p:stCondLst>
-                                  <p:childTnLst>
-                                    <p:set>
-                                      <p:cBhvr>
-                                        <p:cTn id="16" dur="1" fill="hold">
+                                        <p:cTn dur="1" fill="hold">
                                           <p:stCondLst>
                                             <p:cond delay="0"/>
                                           </p:stCondLst>
@@ -8303,18 +8152,26 @@
                                         <p:strVal val="visible"/>
                                       </p:to>
                                     </p:set>
+                                    <p:animEffect filter="fade" transition="in">
+                                      <p:cBhvr>
+                                        <p:cTn dur="1000"/>
+                                        <p:tgtEl>
+                                          <p:spTgt spid="138"/>
+                                        </p:tgtEl>
+                                      </p:cBhvr>
+                                    </p:animEffect>
                                   </p:childTnLst>
                                 </p:cTn>
                               </p:par>
                               <p:par>
-                                <p:cTn id="17" presetID="10" presetClass="entr" presetSubtype="0" fill="hold" nodeType="withEffect">
+                                <p:cTn fill="hold" nodeType="withEffect" presetClass="entr" presetID="10" presetSubtype="0">
                                   <p:stCondLst>
                                     <p:cond delay="0"/>
                                   </p:stCondLst>
                                   <p:childTnLst>
                                     <p:set>
                                       <p:cBhvr>
-                                        <p:cTn id="18" dur="1" fill="hold">
+                                        <p:cTn dur="1" fill="hold">
                                           <p:stCondLst>
                                             <p:cond delay="0"/>
                                           </p:stCondLst>
@@ -8330,46 +8187,11 @@
                                         <p:strVal val="visible"/>
                                       </p:to>
                                     </p:set>
-                                    <p:animEffect transition="in" filter="fade">
+                                    <p:animEffect filter="fade" transition="in">
                                       <p:cBhvr>
-                                        <p:cTn id="19" dur="1000"/>
+                                        <p:cTn dur="1000"/>
                                         <p:tgtEl>
                                           <p:spTgt spid="139"/>
-                                        </p:tgtEl>
-                                      </p:cBhvr>
-                                    </p:animEffect>
-                                  </p:childTnLst>
-                                </p:cTn>
-                              </p:par>
-                              <p:par>
-                                <p:cTn id="20" presetID="10" presetClass="entr" presetSubtype="0" fill="hold" nodeType="withEffect">
-                                  <p:stCondLst>
-                                    <p:cond delay="0"/>
-                                  </p:stCondLst>
-                                  <p:childTnLst>
-                                    <p:set>
-                                      <p:cBhvr>
-                                        <p:cTn id="21" dur="1" fill="hold">
-                                          <p:stCondLst>
-                                            <p:cond delay="0"/>
-                                          </p:stCondLst>
-                                        </p:cTn>
-                                        <p:tgtEl>
-                                          <p:spTgt spid="140"/>
-                                        </p:tgtEl>
-                                        <p:attrNameLst>
-                                          <p:attrName>style.visibility</p:attrName>
-                                        </p:attrNameLst>
-                                      </p:cBhvr>
-                                      <p:to>
-                                        <p:strVal val="visible"/>
-                                      </p:to>
-                                    </p:set>
-                                    <p:animEffect transition="in" filter="fade">
-                                      <p:cBhvr>
-                                        <p:cTn id="22" dur="1000"/>
-                                        <p:tgtEl>
-                                          <p:spTgt spid="140"/>
                                         </p:tgtEl>
                                       </p:cBhvr>
                                     </p:animEffect>
@@ -8385,14 +8207,14 @@
                 </p:childTnLst>
               </p:cTn>
               <p:prevCondLst>
-                <p:cond evt="onPrev" delay="0">
+                <p:cond evt="onPrev">
                   <p:tgtEl>
                     <p:sldTgt/>
                   </p:tgtEl>
                 </p:cond>
               </p:prevCondLst>
               <p:nextCondLst>
-                <p:cond evt="onNext" delay="0">
+                <p:cond evt="onNext">
                   <p:tgtEl>
                     <p:sldTgt/>
                   </p:tgtEl>
@@ -8408,11 +8230,11 @@
 </file>
 
 <file path=ppt/slides/slide11.xml><?xml version="1.0" encoding="utf-8"?>
-<p:sld xmlns:a="http://schemas.openxmlformats.org/drawingml/2006/main" xmlns:r="http://schemas.openxmlformats.org/officeDocument/2006/relationships" xmlns:p="http://schemas.openxmlformats.org/presentationml/2006/main">
+<p:sld xmlns:a="http://schemas.openxmlformats.org/drawingml/2006/main" xmlns:r="http://schemas.openxmlformats.org/officeDocument/2006/relationships" xmlns:mc="http://schemas.openxmlformats.org/markup-compatibility/2006" xmlns:mv="urn:schemas-microsoft-com:mac:vml" xmlns:p="http://schemas.openxmlformats.org/presentationml/2006/main" xmlns:c="http://schemas.openxmlformats.org/drawingml/2006/chart" xmlns:dgm="http://schemas.openxmlformats.org/drawingml/2006/diagram" xmlns:o="urn:schemas-microsoft-com:office:office" xmlns:v="urn:schemas-microsoft-com:vml" xmlns:pvml="urn:schemas-microsoft-com:office:powerpoint" xmlns:com="http://schemas.openxmlformats.org/drawingml/2006/compatibility" xmlns:p14="http://schemas.microsoft.com/office/powerpoint/2010/main" xmlns:p15="http://schemas.microsoft.com/office/powerpoint/2012/main" xmlns:ahyp="http://schemas.microsoft.com/office/drawing/2018/hyperlinkcolor">
   <p:cSld>
     <p:spTree>
       <p:nvGrpSpPr>
-        <p:cNvPr id="1" name="Shape 144"/>
+        <p:cNvPr id="144" name="Shape 144"/>
         <p:cNvGrpSpPr/>
         <p:nvPr/>
       </p:nvGrpSpPr>
@@ -8428,54 +8250,24 @@
         <p:nvGraphicFramePr>
           <p:cNvPr id="145" name="Google Shape;145;p23"/>
           <p:cNvGraphicFramePr/>
-          <p:nvPr>
-            <p:extLst>
-              <p:ext uri="{D42A27DB-BD31-4B8C-83A1-F6EECF244321}">
-                <p14:modId xmlns:p14="http://schemas.microsoft.com/office/powerpoint/2010/main" val="2702447090"/>
-              </p:ext>
-            </p:extLst>
-          </p:nvPr>
+          <p:nvPr/>
         </p:nvGraphicFramePr>
         <p:xfrm>
           <a:off x="404300" y="89800"/>
-          <a:ext cx="7708475" cy="3989350"/>
+          <a:ext cx="3000000" cy="3000000"/>
         </p:xfrm>
         <a:graphic>
           <a:graphicData uri="http://schemas.openxmlformats.org/drawingml/2006/table">
             <a:tbl>
               <a:tblPr>
                 <a:noFill/>
-                <a:tableStyleId>{483911CC-F2D3-4BEC-B8EC-951287A48625}</a:tableStyleId>
+                <a:tableStyleId>{8ABED122-745F-4913-8A8B-6211815F3588}</a:tableStyleId>
               </a:tblPr>
               <a:tblGrid>
-                <a:gridCol w="2030125">
-                  <a:extLst>
-                    <a:ext uri="{9D8B030D-6E8A-4147-A177-3AD203B41FA5}">
-                      <a16:colId xmlns:a16="http://schemas.microsoft.com/office/drawing/2014/main" val="20000"/>
-                    </a:ext>
-                  </a:extLst>
-                </a:gridCol>
-                <a:gridCol w="1824100">
-                  <a:extLst>
-                    <a:ext uri="{9D8B030D-6E8A-4147-A177-3AD203B41FA5}">
-                      <a16:colId xmlns:a16="http://schemas.microsoft.com/office/drawing/2014/main" val="20001"/>
-                    </a:ext>
-                  </a:extLst>
-                </a:gridCol>
-                <a:gridCol w="1927125">
-                  <a:extLst>
-                    <a:ext uri="{9D8B030D-6E8A-4147-A177-3AD203B41FA5}">
-                      <a16:colId xmlns:a16="http://schemas.microsoft.com/office/drawing/2014/main" val="20002"/>
-                    </a:ext>
-                  </a:extLst>
-                </a:gridCol>
-                <a:gridCol w="1927125">
-                  <a:extLst>
-                    <a:ext uri="{9D8B030D-6E8A-4147-A177-3AD203B41FA5}">
-                      <a16:colId xmlns:a16="http://schemas.microsoft.com/office/drawing/2014/main" val="20003"/>
-                    </a:ext>
-                  </a:extLst>
-                </a:gridCol>
+                <a:gridCol w="2030125"/>
+                <a:gridCol w="1824100"/>
+                <a:gridCol w="1927125"/>
+                <a:gridCol w="1927125"/>
               </a:tblGrid>
               <a:tr h="432175">
                 <a:tc>
@@ -8483,63 +8275,7 @@
                     <a:bodyPr/>
                     <a:lstStyle/>
                     <a:p>
-                      <a:pPr marL="0" lvl="0" indent="0" algn="l" rtl="0">
-                        <a:spcBef>
-                          <a:spcPts val="0"/>
-                        </a:spcBef>
-                        <a:spcAft>
-                          <a:spcPts val="0"/>
-                        </a:spcAft>
-                        <a:buNone/>
-                      </a:pPr>
-                      <a:endParaRPr/>
-                    </a:p>
-                  </a:txBody>
-                  <a:tcPr marL="91425" marR="91425" marT="91425" marB="91425">
-                    <a:lnL w="9525" cap="flat" cmpd="sng">
-                      <a:solidFill>
-                        <a:schemeClr val="dk1"/>
-                      </a:solidFill>
-                      <a:prstDash val="solid"/>
-                      <a:round/>
-                      <a:headEnd type="none" w="sm" len="sm"/>
-                      <a:tailEnd type="none" w="sm" len="sm"/>
-                    </a:lnL>
-                    <a:lnR w="9525" cap="flat" cmpd="sng">
-                      <a:solidFill>
-                        <a:schemeClr val="dk1"/>
-                      </a:solidFill>
-                      <a:prstDash val="solid"/>
-                      <a:round/>
-                      <a:headEnd type="none" w="sm" len="sm"/>
-                      <a:tailEnd type="none" w="sm" len="sm"/>
-                    </a:lnR>
-                    <a:lnT w="9525" cap="flat" cmpd="sng">
-                      <a:solidFill>
-                        <a:schemeClr val="dk1"/>
-                      </a:solidFill>
-                      <a:prstDash val="solid"/>
-                      <a:round/>
-                      <a:headEnd type="none" w="sm" len="sm"/>
-                      <a:tailEnd type="none" w="sm" len="sm"/>
-                    </a:lnT>
-                    <a:lnB w="9525" cap="flat" cmpd="sng">
-                      <a:solidFill>
-                        <a:schemeClr val="dk1"/>
-                      </a:solidFill>
-                      <a:prstDash val="solid"/>
-                      <a:round/>
-                      <a:headEnd type="none" w="sm" len="sm"/>
-                      <a:tailEnd type="none" w="sm" len="sm"/>
-                    </a:lnB>
-                  </a:tcPr>
-                </a:tc>
-                <a:tc>
-                  <a:txBody>
-                    <a:bodyPr/>
-                    <a:lstStyle/>
-                    <a:p>
-                      <a:pPr marL="0" lvl="0" indent="0" algn="l" rtl="0">
+                      <a:pPr indent="0" lvl="0" marL="0" rtl="0" algn="l">
                         <a:spcBef>
                           <a:spcPts val="0"/>
                         </a:spcBef>
@@ -8549,7 +8285,66 @@
                         <a:buNone/>
                       </a:pPr>
                       <a:r>
-                        <a:rPr lang="es" b="1">
+                        <a:t/>
+                      </a:r>
+                      <a:endParaRPr/>
+                    </a:p>
+                  </a:txBody>
+                  <a:tcPr marT="91425" marB="91425" marR="91425" marL="91425">
+                    <a:lnL cap="flat" cmpd="sng" w="9525">
+                      <a:solidFill>
+                        <a:schemeClr val="dk1"/>
+                      </a:solidFill>
+                      <a:prstDash val="solid"/>
+                      <a:round/>
+                      <a:headEnd len="sm" w="sm" type="none"/>
+                      <a:tailEnd len="sm" w="sm" type="none"/>
+                    </a:lnL>
+                    <a:lnR cap="flat" cmpd="sng" w="9525">
+                      <a:solidFill>
+                        <a:schemeClr val="dk1"/>
+                      </a:solidFill>
+                      <a:prstDash val="solid"/>
+                      <a:round/>
+                      <a:headEnd len="sm" w="sm" type="none"/>
+                      <a:tailEnd len="sm" w="sm" type="none"/>
+                    </a:lnR>
+                    <a:lnT cap="flat" cmpd="sng" w="9525">
+                      <a:solidFill>
+                        <a:schemeClr val="dk1"/>
+                      </a:solidFill>
+                      <a:prstDash val="solid"/>
+                      <a:round/>
+                      <a:headEnd len="sm" w="sm" type="none"/>
+                      <a:tailEnd len="sm" w="sm" type="none"/>
+                    </a:lnT>
+                    <a:lnB cap="flat" cmpd="sng" w="9525">
+                      <a:solidFill>
+                        <a:schemeClr val="dk1"/>
+                      </a:solidFill>
+                      <a:prstDash val="solid"/>
+                      <a:round/>
+                      <a:headEnd len="sm" w="sm" type="none"/>
+                      <a:tailEnd len="sm" w="sm" type="none"/>
+                    </a:lnB>
+                  </a:tcPr>
+                </a:tc>
+                <a:tc>
+                  <a:txBody>
+                    <a:bodyPr/>
+                    <a:lstStyle/>
+                    <a:p>
+                      <a:pPr indent="0" lvl="0" marL="0" rtl="0" algn="l">
+                        <a:spcBef>
+                          <a:spcPts val="0"/>
+                        </a:spcBef>
+                        <a:spcAft>
+                          <a:spcPts val="0"/>
+                        </a:spcAft>
+                        <a:buNone/>
+                      </a:pPr>
+                      <a:r>
+                        <a:rPr b="1" lang="es">
                           <a:solidFill>
                             <a:srgbClr val="6D9EEB"/>
                           </a:solidFill>
@@ -8563,42 +8358,42 @@
                       </a:endParaRPr>
                     </a:p>
                   </a:txBody>
-                  <a:tcPr marL="91425" marR="91425" marT="91425" marB="91425">
-                    <a:lnL w="9525" cap="flat" cmpd="sng">
+                  <a:tcPr marT="91425" marB="91425" marR="91425" marL="91425">
+                    <a:lnL cap="flat" cmpd="sng" w="9525">
                       <a:solidFill>
                         <a:schemeClr val="dk1"/>
                       </a:solidFill>
                       <a:prstDash val="solid"/>
                       <a:round/>
-                      <a:headEnd type="none" w="sm" len="sm"/>
-                      <a:tailEnd type="none" w="sm" len="sm"/>
+                      <a:headEnd len="sm" w="sm" type="none"/>
+                      <a:tailEnd len="sm" w="sm" type="none"/>
                     </a:lnL>
-                    <a:lnR w="9525" cap="flat" cmpd="sng">
+                    <a:lnR cap="flat" cmpd="sng" w="9525">
                       <a:solidFill>
                         <a:schemeClr val="dk1"/>
                       </a:solidFill>
                       <a:prstDash val="solid"/>
                       <a:round/>
-                      <a:headEnd type="none" w="sm" len="sm"/>
-                      <a:tailEnd type="none" w="sm" len="sm"/>
+                      <a:headEnd len="sm" w="sm" type="none"/>
+                      <a:tailEnd len="sm" w="sm" type="none"/>
                     </a:lnR>
-                    <a:lnT w="9525" cap="flat" cmpd="sng">
+                    <a:lnT cap="flat" cmpd="sng" w="9525">
                       <a:solidFill>
                         <a:schemeClr val="dk1"/>
                       </a:solidFill>
                       <a:prstDash val="solid"/>
                       <a:round/>
-                      <a:headEnd type="none" w="sm" len="sm"/>
-                      <a:tailEnd type="none" w="sm" len="sm"/>
+                      <a:headEnd len="sm" w="sm" type="none"/>
+                      <a:tailEnd len="sm" w="sm" type="none"/>
                     </a:lnT>
-                    <a:lnB w="9525" cap="flat" cmpd="sng">
+                    <a:lnB cap="flat" cmpd="sng" w="9525">
                       <a:solidFill>
                         <a:schemeClr val="dk1"/>
                       </a:solidFill>
                       <a:prstDash val="solid"/>
                       <a:round/>
-                      <a:headEnd type="none" w="sm" len="sm"/>
-                      <a:tailEnd type="none" w="sm" len="sm"/>
+                      <a:headEnd len="sm" w="sm" type="none"/>
+                      <a:tailEnd len="sm" w="sm" type="none"/>
                     </a:lnB>
                   </a:tcPr>
                 </a:tc>
@@ -8607,7 +8402,7 @@
                     <a:bodyPr/>
                     <a:lstStyle/>
                     <a:p>
-                      <a:pPr marL="0" lvl="0" indent="0" algn="l" rtl="0">
+                      <a:pPr indent="0" lvl="0" marL="0" rtl="0" algn="l">
                         <a:spcBef>
                           <a:spcPts val="0"/>
                         </a:spcBef>
@@ -8617,7 +8412,7 @@
                         <a:buNone/>
                       </a:pPr>
                       <a:r>
-                        <a:rPr lang="es" b="1">
+                        <a:rPr b="1" lang="es">
                           <a:solidFill>
                             <a:srgbClr val="6D9EEB"/>
                           </a:solidFill>
@@ -8631,42 +8426,42 @@
                       </a:endParaRPr>
                     </a:p>
                   </a:txBody>
-                  <a:tcPr marL="91425" marR="91425" marT="91425" marB="91425">
-                    <a:lnL w="9525" cap="flat" cmpd="sng">
+                  <a:tcPr marT="91425" marB="91425" marR="91425" marL="91425">
+                    <a:lnL cap="flat" cmpd="sng" w="9525">
                       <a:solidFill>
                         <a:schemeClr val="dk1"/>
                       </a:solidFill>
                       <a:prstDash val="solid"/>
                       <a:round/>
-                      <a:headEnd type="none" w="sm" len="sm"/>
-                      <a:tailEnd type="none" w="sm" len="sm"/>
+                      <a:headEnd len="sm" w="sm" type="none"/>
+                      <a:tailEnd len="sm" w="sm" type="none"/>
                     </a:lnL>
-                    <a:lnR w="9525" cap="flat" cmpd="sng">
+                    <a:lnR cap="flat" cmpd="sng" w="9525">
                       <a:solidFill>
                         <a:schemeClr val="dk1"/>
                       </a:solidFill>
                       <a:prstDash val="solid"/>
                       <a:round/>
-                      <a:headEnd type="none" w="sm" len="sm"/>
-                      <a:tailEnd type="none" w="sm" len="sm"/>
+                      <a:headEnd len="sm" w="sm" type="none"/>
+                      <a:tailEnd len="sm" w="sm" type="none"/>
                     </a:lnR>
-                    <a:lnT w="9525" cap="flat" cmpd="sng">
+                    <a:lnT cap="flat" cmpd="sng" w="9525">
                       <a:solidFill>
                         <a:schemeClr val="dk1"/>
                       </a:solidFill>
                       <a:prstDash val="solid"/>
                       <a:round/>
-                      <a:headEnd type="none" w="sm" len="sm"/>
-                      <a:tailEnd type="none" w="sm" len="sm"/>
+                      <a:headEnd len="sm" w="sm" type="none"/>
+                      <a:tailEnd len="sm" w="sm" type="none"/>
                     </a:lnT>
-                    <a:lnB w="9525" cap="flat" cmpd="sng">
+                    <a:lnB cap="flat" cmpd="sng" w="9525">
                       <a:solidFill>
                         <a:schemeClr val="dk1"/>
                       </a:solidFill>
                       <a:prstDash val="solid"/>
                       <a:round/>
-                      <a:headEnd type="none" w="sm" len="sm"/>
-                      <a:tailEnd type="none" w="sm" len="sm"/>
+                      <a:headEnd len="sm" w="sm" type="none"/>
+                      <a:tailEnd len="sm" w="sm" type="none"/>
                     </a:lnB>
                   </a:tcPr>
                 </a:tc>
@@ -8675,7 +8470,7 @@
                     <a:bodyPr/>
                     <a:lstStyle/>
                     <a:p>
-                      <a:pPr marL="0" lvl="0" indent="0" algn="l" rtl="0">
+                      <a:pPr indent="0" lvl="0" marL="0" rtl="0" algn="l">
                         <a:spcBef>
                           <a:spcPts val="0"/>
                         </a:spcBef>
@@ -8685,7 +8480,7 @@
                         <a:buNone/>
                       </a:pPr>
                       <a:r>
-                        <a:rPr lang="es" b="1">
+                        <a:rPr b="1" lang="es">
                           <a:solidFill>
                             <a:srgbClr val="6D9EEB"/>
                           </a:solidFill>
@@ -8699,50 +8494,45 @@
                       </a:endParaRPr>
                     </a:p>
                   </a:txBody>
-                  <a:tcPr marL="91425" marR="91425" marT="91425" marB="91425">
-                    <a:lnL w="9525" cap="flat" cmpd="sng">
+                  <a:tcPr marT="91425" marB="91425" marR="91425" marL="91425">
+                    <a:lnL cap="flat" cmpd="sng" w="9525">
                       <a:solidFill>
                         <a:schemeClr val="dk1"/>
                       </a:solidFill>
                       <a:prstDash val="solid"/>
                       <a:round/>
-                      <a:headEnd type="none" w="sm" len="sm"/>
-                      <a:tailEnd type="none" w="sm" len="sm"/>
+                      <a:headEnd len="sm" w="sm" type="none"/>
+                      <a:tailEnd len="sm" w="sm" type="none"/>
                     </a:lnL>
-                    <a:lnR w="9525" cap="flat" cmpd="sng">
+                    <a:lnR cap="flat" cmpd="sng" w="9525">
                       <a:solidFill>
                         <a:schemeClr val="dk1"/>
                       </a:solidFill>
                       <a:prstDash val="solid"/>
                       <a:round/>
-                      <a:headEnd type="none" w="sm" len="sm"/>
-                      <a:tailEnd type="none" w="sm" len="sm"/>
+                      <a:headEnd len="sm" w="sm" type="none"/>
+                      <a:tailEnd len="sm" w="sm" type="none"/>
                     </a:lnR>
-                    <a:lnT w="9525" cap="flat" cmpd="sng">
+                    <a:lnT cap="flat" cmpd="sng" w="9525">
                       <a:solidFill>
                         <a:schemeClr val="dk1"/>
                       </a:solidFill>
                       <a:prstDash val="solid"/>
                       <a:round/>
-                      <a:headEnd type="none" w="sm" len="sm"/>
-                      <a:tailEnd type="none" w="sm" len="sm"/>
+                      <a:headEnd len="sm" w="sm" type="none"/>
+                      <a:tailEnd len="sm" w="sm" type="none"/>
                     </a:lnT>
-                    <a:lnB w="9525" cap="flat" cmpd="sng">
+                    <a:lnB cap="flat" cmpd="sng" w="9525">
                       <a:solidFill>
                         <a:schemeClr val="dk1"/>
                       </a:solidFill>
                       <a:prstDash val="solid"/>
                       <a:round/>
-                      <a:headEnd type="none" w="sm" len="sm"/>
-                      <a:tailEnd type="none" w="sm" len="sm"/>
+                      <a:headEnd len="sm" w="sm" type="none"/>
+                      <a:tailEnd len="sm" w="sm" type="none"/>
                     </a:lnB>
                   </a:tcPr>
                 </a:tc>
-                <a:extLst>
-                  <a:ext uri="{0D108BD9-81ED-4DB2-BD59-A6C34878D82A}">
-                    <a16:rowId xmlns:a16="http://schemas.microsoft.com/office/drawing/2014/main" val="10000"/>
-                  </a:ext>
-                </a:extLst>
               </a:tr>
               <a:tr h="664900">
                 <a:tc>
@@ -8750,7 +8540,7 @@
                     <a:bodyPr/>
                     <a:lstStyle/>
                     <a:p>
-                      <a:pPr marL="0" lvl="0" indent="0" algn="l" rtl="0">
+                      <a:pPr indent="0" lvl="0" marL="0" rtl="0" algn="l">
                         <a:spcBef>
                           <a:spcPts val="0"/>
                         </a:spcBef>
@@ -8760,7 +8550,7 @@
                         <a:buNone/>
                       </a:pPr>
                       <a:r>
-                        <a:rPr lang="es" smtClean="0">
+                        <a:rPr lang="es">
                           <a:solidFill>
                             <a:srgbClr val="6D9EEB"/>
                           </a:solidFill>
@@ -8773,59 +8563,51 @@
                             <a:srgbClr val="6D9EEB"/>
                           </a:solidFill>
                         </a:rPr>
-                        <a:t>DE </a:t>
+                        <a:t>DE TEST</a:t>
                       </a:r>
-                      <a:r>
-                        <a:rPr lang="es" smtClean="0">
-                          <a:solidFill>
-                            <a:srgbClr val="6D9EEB"/>
-                          </a:solidFill>
-                        </a:rPr>
-                        <a:t>TEST</a:t>
-                      </a:r>
-                      <a:endParaRPr dirty="0">
+                      <a:endParaRPr>
                         <a:solidFill>
                           <a:srgbClr val="6D9EEB"/>
                         </a:solidFill>
                       </a:endParaRPr>
                     </a:p>
                   </a:txBody>
-                  <a:tcPr marL="91425" marR="91425" marT="91425" marB="91425">
-                    <a:lnL w="9525" cap="flat" cmpd="sng">
+                  <a:tcPr marT="91425" marB="91425" marR="91425" marL="91425">
+                    <a:lnL cap="flat" cmpd="sng" w="9525">
                       <a:solidFill>
                         <a:schemeClr val="dk1"/>
                       </a:solidFill>
                       <a:prstDash val="solid"/>
                       <a:round/>
-                      <a:headEnd type="none" w="sm" len="sm"/>
-                      <a:tailEnd type="none" w="sm" len="sm"/>
+                      <a:headEnd len="sm" w="sm" type="none"/>
+                      <a:tailEnd len="sm" w="sm" type="none"/>
                     </a:lnL>
-                    <a:lnR w="9525" cap="flat" cmpd="sng">
+                    <a:lnR cap="flat" cmpd="sng" w="9525">
                       <a:solidFill>
                         <a:schemeClr val="dk1"/>
                       </a:solidFill>
                       <a:prstDash val="solid"/>
                       <a:round/>
-                      <a:headEnd type="none" w="sm" len="sm"/>
-                      <a:tailEnd type="none" w="sm" len="sm"/>
+                      <a:headEnd len="sm" w="sm" type="none"/>
+                      <a:tailEnd len="sm" w="sm" type="none"/>
                     </a:lnR>
-                    <a:lnT w="9525" cap="flat" cmpd="sng">
+                    <a:lnT cap="flat" cmpd="sng" w="9525">
                       <a:solidFill>
                         <a:schemeClr val="dk1"/>
                       </a:solidFill>
                       <a:prstDash val="solid"/>
                       <a:round/>
-                      <a:headEnd type="none" w="sm" len="sm"/>
-                      <a:tailEnd type="none" w="sm" len="sm"/>
+                      <a:headEnd len="sm" w="sm" type="none"/>
+                      <a:tailEnd len="sm" w="sm" type="none"/>
                     </a:lnT>
-                    <a:lnB w="9525" cap="flat" cmpd="sng">
+                    <a:lnB cap="flat" cmpd="sng" w="9525">
                       <a:solidFill>
                         <a:schemeClr val="dk1"/>
                       </a:solidFill>
                       <a:prstDash val="solid"/>
                       <a:round/>
-                      <a:headEnd type="none" w="sm" len="sm"/>
-                      <a:tailEnd type="none" w="sm" len="sm"/>
+                      <a:headEnd len="sm" w="sm" type="none"/>
+                      <a:tailEnd len="sm" w="sm" type="none"/>
                     </a:lnB>
                   </a:tcPr>
                 </a:tc>
@@ -8834,7 +8616,7 @@
                     <a:bodyPr/>
                     <a:lstStyle/>
                     <a:p>
-                      <a:pPr marL="0" lvl="0" indent="0" algn="l" rtl="0">
+                      <a:pPr indent="0" lvl="0" marL="0" rtl="0" algn="l">
                         <a:spcBef>
                           <a:spcPts val="0"/>
                         </a:spcBef>
@@ -8843,6 +8625,9 @@
                         </a:spcAft>
                         <a:buNone/>
                       </a:pPr>
+                      <a:r>
+                        <a:t/>
+                      </a:r>
                       <a:endParaRPr>
                         <a:highlight>
                           <a:srgbClr val="F8F9FA"/>
@@ -8850,42 +8635,42 @@
                       </a:endParaRPr>
                     </a:p>
                   </a:txBody>
-                  <a:tcPr marL="91425" marR="91425" marT="91425" marB="91425">
-                    <a:lnL w="9525" cap="flat" cmpd="sng">
+                  <a:tcPr marT="91425" marB="91425" marR="91425" marL="91425">
+                    <a:lnL cap="flat" cmpd="sng" w="9525">
                       <a:solidFill>
                         <a:schemeClr val="dk1"/>
                       </a:solidFill>
                       <a:prstDash val="solid"/>
                       <a:round/>
-                      <a:headEnd type="none" w="sm" len="sm"/>
-                      <a:tailEnd type="none" w="sm" len="sm"/>
+                      <a:headEnd len="sm" w="sm" type="none"/>
+                      <a:tailEnd len="sm" w="sm" type="none"/>
                     </a:lnL>
-                    <a:lnR w="9525" cap="flat" cmpd="sng">
+                    <a:lnR cap="flat" cmpd="sng" w="9525">
                       <a:solidFill>
                         <a:schemeClr val="dk1"/>
                       </a:solidFill>
                       <a:prstDash val="solid"/>
                       <a:round/>
-                      <a:headEnd type="none" w="sm" len="sm"/>
-                      <a:tailEnd type="none" w="sm" len="sm"/>
+                      <a:headEnd len="sm" w="sm" type="none"/>
+                      <a:tailEnd len="sm" w="sm" type="none"/>
                     </a:lnR>
-                    <a:lnT w="9525" cap="flat" cmpd="sng">
+                    <a:lnT cap="flat" cmpd="sng" w="9525">
                       <a:solidFill>
                         <a:schemeClr val="dk1"/>
                       </a:solidFill>
                       <a:prstDash val="solid"/>
                       <a:round/>
-                      <a:headEnd type="none" w="sm" len="sm"/>
-                      <a:tailEnd type="none" w="sm" len="sm"/>
+                      <a:headEnd len="sm" w="sm" type="none"/>
+                      <a:tailEnd len="sm" w="sm" type="none"/>
                     </a:lnT>
-                    <a:lnB w="9525" cap="flat" cmpd="sng">
+                    <a:lnB cap="flat" cmpd="sng" w="9525">
                       <a:solidFill>
                         <a:schemeClr val="dk1"/>
                       </a:solidFill>
                       <a:prstDash val="solid"/>
                       <a:round/>
-                      <a:headEnd type="none" w="sm" len="sm"/>
-                      <a:tailEnd type="none" w="sm" len="sm"/>
+                      <a:headEnd len="sm" w="sm" type="none"/>
+                      <a:tailEnd len="sm" w="sm" type="none"/>
                     </a:lnB>
                     <a:solidFill>
                       <a:srgbClr val="F9CB9C"/>
@@ -8897,7 +8682,7 @@
                     <a:bodyPr/>
                     <a:lstStyle/>
                     <a:p>
-                      <a:pPr marL="0" lvl="0" indent="0" algn="l" rtl="0">
+                      <a:pPr indent="0" lvl="0" marL="0" rtl="0" algn="l">
                         <a:spcBef>
                           <a:spcPts val="0"/>
                         </a:spcBef>
@@ -8906,45 +8691,48 @@
                         </a:spcAft>
                         <a:buNone/>
                       </a:pPr>
+                      <a:r>
+                        <a:t/>
+                      </a:r>
                       <a:endParaRPr/>
                     </a:p>
                   </a:txBody>
-                  <a:tcPr marL="91425" marR="91425" marT="91425" marB="91425">
-                    <a:lnL w="9525" cap="flat" cmpd="sng">
+                  <a:tcPr marT="91425" marB="91425" marR="91425" marL="91425">
+                    <a:lnL cap="flat" cmpd="sng" w="9525">
                       <a:solidFill>
                         <a:schemeClr val="dk1"/>
                       </a:solidFill>
                       <a:prstDash val="solid"/>
                       <a:round/>
-                      <a:headEnd type="none" w="sm" len="sm"/>
-                      <a:tailEnd type="none" w="sm" len="sm"/>
+                      <a:headEnd len="sm" w="sm" type="none"/>
+                      <a:tailEnd len="sm" w="sm" type="none"/>
                     </a:lnL>
-                    <a:lnR w="9525" cap="flat" cmpd="sng">
+                    <a:lnR cap="flat" cmpd="sng" w="9525">
                       <a:solidFill>
                         <a:schemeClr val="dk1"/>
                       </a:solidFill>
                       <a:prstDash val="solid"/>
                       <a:round/>
-                      <a:headEnd type="none" w="sm" len="sm"/>
-                      <a:tailEnd type="none" w="sm" len="sm"/>
+                      <a:headEnd len="sm" w="sm" type="none"/>
+                      <a:tailEnd len="sm" w="sm" type="none"/>
                     </a:lnR>
-                    <a:lnT w="9525" cap="flat" cmpd="sng">
+                    <a:lnT cap="flat" cmpd="sng" w="9525">
                       <a:solidFill>
                         <a:schemeClr val="dk1"/>
                       </a:solidFill>
                       <a:prstDash val="solid"/>
                       <a:round/>
-                      <a:headEnd type="none" w="sm" len="sm"/>
-                      <a:tailEnd type="none" w="sm" len="sm"/>
+                      <a:headEnd len="sm" w="sm" type="none"/>
+                      <a:tailEnd len="sm" w="sm" type="none"/>
                     </a:lnT>
-                    <a:lnB w="9525" cap="flat" cmpd="sng">
+                    <a:lnB cap="flat" cmpd="sng" w="9525">
                       <a:solidFill>
                         <a:schemeClr val="dk1"/>
                       </a:solidFill>
                       <a:prstDash val="solid"/>
                       <a:round/>
-                      <a:headEnd type="none" w="sm" len="sm"/>
-                      <a:tailEnd type="none" w="sm" len="sm"/>
+                      <a:headEnd len="sm" w="sm" type="none"/>
+                      <a:tailEnd len="sm" w="sm" type="none"/>
                     </a:lnB>
                     <a:solidFill>
                       <a:srgbClr val="F9CB9C"/>
@@ -8956,7 +8744,7 @@
                     <a:bodyPr/>
                     <a:lstStyle/>
                     <a:p>
-                      <a:pPr marL="0" lvl="0" indent="0" algn="l" rtl="0">
+                      <a:pPr indent="0" lvl="0" marL="0" rtl="0" algn="l">
                         <a:spcBef>
                           <a:spcPts val="0"/>
                         </a:spcBef>
@@ -8965,56 +8753,54 @@
                         </a:spcAft>
                         <a:buNone/>
                       </a:pPr>
+                      <a:r>
+                        <a:t/>
+                      </a:r>
                       <a:endParaRPr/>
                     </a:p>
                   </a:txBody>
-                  <a:tcPr marL="91425" marR="91425" marT="91425" marB="91425">
-                    <a:lnL w="9525" cap="flat" cmpd="sng">
+                  <a:tcPr marT="91425" marB="91425" marR="91425" marL="91425">
+                    <a:lnL cap="flat" cmpd="sng" w="9525">
                       <a:solidFill>
                         <a:schemeClr val="dk1"/>
                       </a:solidFill>
                       <a:prstDash val="solid"/>
                       <a:round/>
-                      <a:headEnd type="none" w="sm" len="sm"/>
-                      <a:tailEnd type="none" w="sm" len="sm"/>
+                      <a:headEnd len="sm" w="sm" type="none"/>
+                      <a:tailEnd len="sm" w="sm" type="none"/>
                     </a:lnL>
-                    <a:lnR w="9525" cap="flat" cmpd="sng">
+                    <a:lnR cap="flat" cmpd="sng" w="9525">
                       <a:solidFill>
                         <a:schemeClr val="dk1"/>
                       </a:solidFill>
                       <a:prstDash val="solid"/>
                       <a:round/>
-                      <a:headEnd type="none" w="sm" len="sm"/>
-                      <a:tailEnd type="none" w="sm" len="sm"/>
+                      <a:headEnd len="sm" w="sm" type="none"/>
+                      <a:tailEnd len="sm" w="sm" type="none"/>
                     </a:lnR>
-                    <a:lnT w="9525" cap="flat" cmpd="sng">
+                    <a:lnT cap="flat" cmpd="sng" w="9525">
                       <a:solidFill>
                         <a:schemeClr val="dk1"/>
                       </a:solidFill>
                       <a:prstDash val="solid"/>
                       <a:round/>
-                      <a:headEnd type="none" w="sm" len="sm"/>
-                      <a:tailEnd type="none" w="sm" len="sm"/>
+                      <a:headEnd len="sm" w="sm" type="none"/>
+                      <a:tailEnd len="sm" w="sm" type="none"/>
                     </a:lnT>
-                    <a:lnB w="9525" cap="flat" cmpd="sng">
+                    <a:lnB cap="flat" cmpd="sng" w="9525">
                       <a:solidFill>
                         <a:schemeClr val="dk1"/>
                       </a:solidFill>
                       <a:prstDash val="solid"/>
                       <a:round/>
-                      <a:headEnd type="none" w="sm" len="sm"/>
-                      <a:tailEnd type="none" w="sm" len="sm"/>
+                      <a:headEnd len="sm" w="sm" type="none"/>
+                      <a:tailEnd len="sm" w="sm" type="none"/>
                     </a:lnB>
                     <a:solidFill>
                       <a:srgbClr val="B6D7A8"/>
                     </a:solidFill>
                   </a:tcPr>
                 </a:tc>
-                <a:extLst>
-                  <a:ext uri="{0D108BD9-81ED-4DB2-BD59-A6C34878D82A}">
-                    <a16:rowId xmlns:a16="http://schemas.microsoft.com/office/drawing/2014/main" val="10001"/>
-                  </a:ext>
-                </a:extLst>
               </a:tr>
               <a:tr h="432175">
                 <a:tc>
@@ -9022,7 +8808,7 @@
                     <a:bodyPr/>
                     <a:lstStyle/>
                     <a:p>
-                      <a:pPr marL="0" lvl="0" indent="0" algn="l" rtl="0">
+                      <a:pPr indent="0" lvl="0" marL="0" rtl="0" algn="l">
                         <a:spcBef>
                           <a:spcPts val="0"/>
                         </a:spcBef>
@@ -9046,42 +8832,42 @@
                       </a:endParaRPr>
                     </a:p>
                   </a:txBody>
-                  <a:tcPr marL="91425" marR="91425" marT="91425" marB="91425">
-                    <a:lnL w="9525" cap="flat" cmpd="sng">
+                  <a:tcPr marT="91425" marB="91425" marR="91425" marL="91425">
+                    <a:lnL cap="flat" cmpd="sng" w="9525">
                       <a:solidFill>
                         <a:schemeClr val="dk1"/>
                       </a:solidFill>
                       <a:prstDash val="solid"/>
                       <a:round/>
-                      <a:headEnd type="none" w="sm" len="sm"/>
-                      <a:tailEnd type="none" w="sm" len="sm"/>
+                      <a:headEnd len="sm" w="sm" type="none"/>
+                      <a:tailEnd len="sm" w="sm" type="none"/>
                     </a:lnL>
-                    <a:lnR w="9525" cap="flat" cmpd="sng">
+                    <a:lnR cap="flat" cmpd="sng" w="9525">
                       <a:solidFill>
                         <a:schemeClr val="dk1"/>
                       </a:solidFill>
                       <a:prstDash val="solid"/>
                       <a:round/>
-                      <a:headEnd type="none" w="sm" len="sm"/>
-                      <a:tailEnd type="none" w="sm" len="sm"/>
+                      <a:headEnd len="sm" w="sm" type="none"/>
+                      <a:tailEnd len="sm" w="sm" type="none"/>
                     </a:lnR>
-                    <a:lnT w="9525" cap="flat" cmpd="sng">
+                    <a:lnT cap="flat" cmpd="sng" w="9525">
                       <a:solidFill>
                         <a:schemeClr val="dk1"/>
                       </a:solidFill>
                       <a:prstDash val="solid"/>
                       <a:round/>
-                      <a:headEnd type="none" w="sm" len="sm"/>
-                      <a:tailEnd type="none" w="sm" len="sm"/>
+                      <a:headEnd len="sm" w="sm" type="none"/>
+                      <a:tailEnd len="sm" w="sm" type="none"/>
                     </a:lnT>
-                    <a:lnB w="9525" cap="flat" cmpd="sng">
+                    <a:lnB cap="flat" cmpd="sng" w="9525">
                       <a:solidFill>
                         <a:schemeClr val="dk1"/>
                       </a:solidFill>
                       <a:prstDash val="solid"/>
                       <a:round/>
-                      <a:headEnd type="none" w="sm" len="sm"/>
-                      <a:tailEnd type="none" w="sm" len="sm"/>
+                      <a:headEnd len="sm" w="sm" type="none"/>
+                      <a:tailEnd len="sm" w="sm" type="none"/>
                     </a:lnB>
                   </a:tcPr>
                 </a:tc>
@@ -9090,7 +8876,7 @@
                     <a:bodyPr/>
                     <a:lstStyle/>
                     <a:p>
-                      <a:pPr marL="0" lvl="0" indent="0" algn="l" rtl="0">
+                      <a:pPr indent="0" lvl="0" marL="0" rtl="0" algn="l">
                         <a:spcBef>
                           <a:spcPts val="0"/>
                         </a:spcBef>
@@ -9099,48 +8885,51 @@
                         </a:spcAft>
                         <a:buNone/>
                       </a:pPr>
-                      <a:endParaRPr dirty="0"/>
+                      <a:r>
+                        <a:t/>
+                      </a:r>
+                      <a:endParaRPr/>
                     </a:p>
                   </a:txBody>
-                  <a:tcPr marL="91425" marR="91425" marT="91425" marB="91425">
-                    <a:lnL w="9525" cap="flat" cmpd="sng">
+                  <a:tcPr marT="91425" marB="91425" marR="91425" marL="91425">
+                    <a:lnL cap="flat" cmpd="sng" w="9525">
                       <a:solidFill>
                         <a:schemeClr val="dk1"/>
                       </a:solidFill>
                       <a:prstDash val="solid"/>
                       <a:round/>
-                      <a:headEnd type="none" w="sm" len="sm"/>
-                      <a:tailEnd type="none" w="sm" len="sm"/>
+                      <a:headEnd len="sm" w="sm" type="none"/>
+                      <a:tailEnd len="sm" w="sm" type="none"/>
                     </a:lnL>
-                    <a:lnR w="9525" cap="flat" cmpd="sng">
+                    <a:lnR cap="flat" cmpd="sng" w="9525">
                       <a:solidFill>
                         <a:schemeClr val="dk1"/>
                       </a:solidFill>
                       <a:prstDash val="solid"/>
                       <a:round/>
-                      <a:headEnd type="none" w="sm" len="sm"/>
-                      <a:tailEnd type="none" w="sm" len="sm"/>
+                      <a:headEnd len="sm" w="sm" type="none"/>
+                      <a:tailEnd len="sm" w="sm" type="none"/>
                     </a:lnR>
-                    <a:lnT w="9525" cap="flat" cmpd="sng">
+                    <a:lnT cap="flat" cmpd="sng" w="9525">
                       <a:solidFill>
                         <a:schemeClr val="dk1"/>
                       </a:solidFill>
                       <a:prstDash val="solid"/>
                       <a:round/>
-                      <a:headEnd type="none" w="sm" len="sm"/>
-                      <a:tailEnd type="none" w="sm" len="sm"/>
+                      <a:headEnd len="sm" w="sm" type="none"/>
+                      <a:tailEnd len="sm" w="sm" type="none"/>
                     </a:lnT>
-                    <a:lnB w="9525" cap="flat" cmpd="sng">
+                    <a:lnB cap="flat" cmpd="sng" w="9525">
                       <a:solidFill>
                         <a:schemeClr val="dk1"/>
                       </a:solidFill>
                       <a:prstDash val="solid"/>
                       <a:round/>
-                      <a:headEnd type="none" w="sm" len="sm"/>
-                      <a:tailEnd type="none" w="sm" len="sm"/>
+                      <a:headEnd len="sm" w="sm" type="none"/>
+                      <a:tailEnd len="sm" w="sm" type="none"/>
                     </a:lnB>
                     <a:solidFill>
-                      <a:srgbClr val="EA9999"/>
+                      <a:srgbClr val="F9CB9C"/>
                     </a:solidFill>
                   </a:tcPr>
                 </a:tc>
@@ -9149,7 +8938,7 @@
                     <a:bodyPr/>
                     <a:lstStyle/>
                     <a:p>
-                      <a:pPr marL="0" lvl="0" indent="0" algn="l" rtl="0">
+                      <a:pPr indent="0" lvl="0" marL="0" rtl="0" algn="l">
                         <a:spcBef>
                           <a:spcPts val="0"/>
                         </a:spcBef>
@@ -9158,48 +8947,51 @@
                         </a:spcAft>
                         <a:buNone/>
                       </a:pPr>
-                      <a:endParaRPr dirty="0"/>
+                      <a:r>
+                        <a:t/>
+                      </a:r>
+                      <a:endParaRPr/>
                     </a:p>
                   </a:txBody>
-                  <a:tcPr marL="91425" marR="91425" marT="91425" marB="91425">
-                    <a:lnL w="9525" cap="flat" cmpd="sng">
+                  <a:tcPr marT="91425" marB="91425" marR="91425" marL="91425">
+                    <a:lnL cap="flat" cmpd="sng" w="9525">
                       <a:solidFill>
                         <a:schemeClr val="dk1"/>
                       </a:solidFill>
                       <a:prstDash val="solid"/>
                       <a:round/>
-                      <a:headEnd type="none" w="sm" len="sm"/>
-                      <a:tailEnd type="none" w="sm" len="sm"/>
+                      <a:headEnd len="sm" w="sm" type="none"/>
+                      <a:tailEnd len="sm" w="sm" type="none"/>
                     </a:lnL>
-                    <a:lnR w="9525" cap="flat" cmpd="sng">
+                    <a:lnR cap="flat" cmpd="sng" w="9525">
                       <a:solidFill>
                         <a:schemeClr val="dk1"/>
                       </a:solidFill>
                       <a:prstDash val="solid"/>
                       <a:round/>
-                      <a:headEnd type="none" w="sm" len="sm"/>
-                      <a:tailEnd type="none" w="sm" len="sm"/>
+                      <a:headEnd len="sm" w="sm" type="none"/>
+                      <a:tailEnd len="sm" w="sm" type="none"/>
                     </a:lnR>
-                    <a:lnT w="9525" cap="flat" cmpd="sng">
+                    <a:lnT cap="flat" cmpd="sng" w="9525">
                       <a:solidFill>
                         <a:schemeClr val="dk1"/>
                       </a:solidFill>
                       <a:prstDash val="solid"/>
                       <a:round/>
-                      <a:headEnd type="none" w="sm" len="sm"/>
-                      <a:tailEnd type="none" w="sm" len="sm"/>
+                      <a:headEnd len="sm" w="sm" type="none"/>
+                      <a:tailEnd len="sm" w="sm" type="none"/>
                     </a:lnT>
-                    <a:lnB w="9525" cap="flat" cmpd="sng">
+                    <a:lnB cap="flat" cmpd="sng" w="9525">
                       <a:solidFill>
                         <a:schemeClr val="dk1"/>
                       </a:solidFill>
                       <a:prstDash val="solid"/>
                       <a:round/>
-                      <a:headEnd type="none" w="sm" len="sm"/>
-                      <a:tailEnd type="none" w="sm" len="sm"/>
+                      <a:headEnd len="sm" w="sm" type="none"/>
+                      <a:tailEnd len="sm" w="sm" type="none"/>
                     </a:lnB>
                     <a:solidFill>
-                      <a:srgbClr val="EA9999"/>
+                      <a:srgbClr val="F9CB9C"/>
                     </a:solidFill>
                   </a:tcPr>
                 </a:tc>
@@ -9208,7 +9000,7 @@
                     <a:bodyPr/>
                     <a:lstStyle/>
                     <a:p>
-                      <a:pPr marL="0" lvl="0" indent="0" algn="l" rtl="0">
+                      <a:pPr indent="0" lvl="0" marL="0" rtl="0" algn="l">
                         <a:spcBef>
                           <a:spcPts val="0"/>
                         </a:spcBef>
@@ -9217,56 +9009,54 @@
                         </a:spcAft>
                         <a:buNone/>
                       </a:pPr>
+                      <a:r>
+                        <a:t/>
+                      </a:r>
                       <a:endParaRPr/>
                     </a:p>
                   </a:txBody>
-                  <a:tcPr marL="91425" marR="91425" marT="91425" marB="91425">
-                    <a:lnL w="9525" cap="flat" cmpd="sng">
+                  <a:tcPr marT="91425" marB="91425" marR="91425" marL="91425">
+                    <a:lnL cap="flat" cmpd="sng" w="9525">
                       <a:solidFill>
                         <a:schemeClr val="dk1"/>
                       </a:solidFill>
                       <a:prstDash val="solid"/>
                       <a:round/>
-                      <a:headEnd type="none" w="sm" len="sm"/>
-                      <a:tailEnd type="none" w="sm" len="sm"/>
+                      <a:headEnd len="sm" w="sm" type="none"/>
+                      <a:tailEnd len="sm" w="sm" type="none"/>
                     </a:lnL>
-                    <a:lnR w="9525" cap="flat" cmpd="sng">
+                    <a:lnR cap="flat" cmpd="sng" w="9525">
                       <a:solidFill>
                         <a:schemeClr val="dk1"/>
                       </a:solidFill>
                       <a:prstDash val="solid"/>
                       <a:round/>
-                      <a:headEnd type="none" w="sm" len="sm"/>
-                      <a:tailEnd type="none" w="sm" len="sm"/>
+                      <a:headEnd len="sm" w="sm" type="none"/>
+                      <a:tailEnd len="sm" w="sm" type="none"/>
                     </a:lnR>
-                    <a:lnT w="9525" cap="flat" cmpd="sng">
+                    <a:lnT cap="flat" cmpd="sng" w="9525">
                       <a:solidFill>
                         <a:schemeClr val="dk1"/>
                       </a:solidFill>
                       <a:prstDash val="solid"/>
                       <a:round/>
-                      <a:headEnd type="none" w="sm" len="sm"/>
-                      <a:tailEnd type="none" w="sm" len="sm"/>
+                      <a:headEnd len="sm" w="sm" type="none"/>
+                      <a:tailEnd len="sm" w="sm" type="none"/>
                     </a:lnT>
-                    <a:lnB w="9525" cap="flat" cmpd="sng">
+                    <a:lnB cap="flat" cmpd="sng" w="9525">
                       <a:solidFill>
                         <a:schemeClr val="dk1"/>
                       </a:solidFill>
                       <a:prstDash val="solid"/>
                       <a:round/>
-                      <a:headEnd type="none" w="sm" len="sm"/>
-                      <a:tailEnd type="none" w="sm" len="sm"/>
+                      <a:headEnd len="sm" w="sm" type="none"/>
+                      <a:tailEnd len="sm" w="sm" type="none"/>
                     </a:lnB>
                     <a:solidFill>
                       <a:srgbClr val="B6D7A8"/>
                     </a:solidFill>
                   </a:tcPr>
                 </a:tc>
-                <a:extLst>
-                  <a:ext uri="{0D108BD9-81ED-4DB2-BD59-A6C34878D82A}">
-                    <a16:rowId xmlns:a16="http://schemas.microsoft.com/office/drawing/2014/main" val="10002"/>
-                  </a:ext>
-                </a:extLst>
               </a:tr>
               <a:tr h="897600">
                 <a:tc>
@@ -9274,7 +9064,7 @@
                     <a:bodyPr/>
                     <a:lstStyle/>
                     <a:p>
-                      <a:pPr marL="0" lvl="0" indent="0" algn="l" rtl="0">
+                      <a:pPr indent="0" lvl="0" marL="0" rtl="0" algn="l">
                         <a:spcBef>
                           <a:spcPts val="0"/>
                         </a:spcBef>
@@ -9298,42 +9088,42 @@
                       </a:endParaRPr>
                     </a:p>
                   </a:txBody>
-                  <a:tcPr marL="91425" marR="91425" marT="91425" marB="91425">
-                    <a:lnL w="9525" cap="flat" cmpd="sng">
+                  <a:tcPr marT="91425" marB="91425" marR="91425" marL="91425">
+                    <a:lnL cap="flat" cmpd="sng" w="9525">
                       <a:solidFill>
                         <a:schemeClr val="dk1"/>
                       </a:solidFill>
                       <a:prstDash val="solid"/>
                       <a:round/>
-                      <a:headEnd type="none" w="sm" len="sm"/>
-                      <a:tailEnd type="none" w="sm" len="sm"/>
+                      <a:headEnd len="sm" w="sm" type="none"/>
+                      <a:tailEnd len="sm" w="sm" type="none"/>
                     </a:lnL>
-                    <a:lnR w="9525" cap="flat" cmpd="sng">
+                    <a:lnR cap="flat" cmpd="sng" w="9525">
                       <a:solidFill>
                         <a:schemeClr val="dk1"/>
                       </a:solidFill>
                       <a:prstDash val="solid"/>
                       <a:round/>
-                      <a:headEnd type="none" w="sm" len="sm"/>
-                      <a:tailEnd type="none" w="sm" len="sm"/>
+                      <a:headEnd len="sm" w="sm" type="none"/>
+                      <a:tailEnd len="sm" w="sm" type="none"/>
                     </a:lnR>
-                    <a:lnT w="9525" cap="flat" cmpd="sng">
+                    <a:lnT cap="flat" cmpd="sng" w="9525">
                       <a:solidFill>
                         <a:schemeClr val="dk1"/>
                       </a:solidFill>
                       <a:prstDash val="solid"/>
                       <a:round/>
-                      <a:headEnd type="none" w="sm" len="sm"/>
-                      <a:tailEnd type="none" w="sm" len="sm"/>
+                      <a:headEnd len="sm" w="sm" type="none"/>
+                      <a:tailEnd len="sm" w="sm" type="none"/>
                     </a:lnT>
-                    <a:lnB w="9525" cap="flat" cmpd="sng">
+                    <a:lnB cap="flat" cmpd="sng" w="9525">
                       <a:solidFill>
                         <a:schemeClr val="dk1"/>
                       </a:solidFill>
                       <a:prstDash val="solid"/>
                       <a:round/>
-                      <a:headEnd type="none" w="sm" len="sm"/>
-                      <a:tailEnd type="none" w="sm" len="sm"/>
+                      <a:headEnd len="sm" w="sm" type="none"/>
+                      <a:tailEnd len="sm" w="sm" type="none"/>
                     </a:lnB>
                   </a:tcPr>
                 </a:tc>
@@ -9342,7 +9132,7 @@
                     <a:bodyPr/>
                     <a:lstStyle/>
                     <a:p>
-                      <a:pPr marL="0" lvl="0" indent="0" algn="l" rtl="0">
+                      <a:pPr indent="0" lvl="0" marL="0" rtl="0" algn="l">
                         <a:spcBef>
                           <a:spcPts val="0"/>
                         </a:spcBef>
@@ -9351,104 +9141,48 @@
                         </a:spcAft>
                         <a:buNone/>
                       </a:pPr>
+                      <a:r>
+                        <a:t/>
+                      </a:r>
                       <a:endParaRPr/>
                     </a:p>
                   </a:txBody>
-                  <a:tcPr marL="91425" marR="91425" marT="91425" marB="91425">
-                    <a:lnL w="9525" cap="flat" cmpd="sng">
+                  <a:tcPr marT="91425" marB="91425" marR="91425" marL="91425">
+                    <a:lnL cap="flat" cmpd="sng" w="9525">
                       <a:solidFill>
                         <a:schemeClr val="dk1"/>
                       </a:solidFill>
                       <a:prstDash val="solid"/>
                       <a:round/>
-                      <a:headEnd type="none" w="sm" len="sm"/>
-                      <a:tailEnd type="none" w="sm" len="sm"/>
+                      <a:headEnd len="sm" w="sm" type="none"/>
+                      <a:tailEnd len="sm" w="sm" type="none"/>
                     </a:lnL>
-                    <a:lnR w="9525" cap="flat" cmpd="sng">
+                    <a:lnR cap="flat" cmpd="sng" w="9525">
                       <a:solidFill>
                         <a:schemeClr val="dk1"/>
                       </a:solidFill>
                       <a:prstDash val="solid"/>
                       <a:round/>
-                      <a:headEnd type="none" w="sm" len="sm"/>
-                      <a:tailEnd type="none" w="sm" len="sm"/>
+                      <a:headEnd len="sm" w="sm" type="none"/>
+                      <a:tailEnd len="sm" w="sm" type="none"/>
                     </a:lnR>
-                    <a:lnT w="9525" cap="flat" cmpd="sng">
+                    <a:lnT cap="flat" cmpd="sng" w="9525">
                       <a:solidFill>
                         <a:schemeClr val="dk1"/>
                       </a:solidFill>
                       <a:prstDash val="solid"/>
                       <a:round/>
-                      <a:headEnd type="none" w="sm" len="sm"/>
-                      <a:tailEnd type="none" w="sm" len="sm"/>
+                      <a:headEnd len="sm" w="sm" type="none"/>
+                      <a:tailEnd len="sm" w="sm" type="none"/>
                     </a:lnT>
-                    <a:lnB w="9525" cap="flat" cmpd="sng">
+                    <a:lnB cap="flat" cmpd="sng" w="9525">
                       <a:solidFill>
                         <a:schemeClr val="dk1"/>
                       </a:solidFill>
                       <a:prstDash val="solid"/>
                       <a:round/>
-                      <a:headEnd type="none" w="sm" len="sm"/>
-                      <a:tailEnd type="none" w="sm" len="sm"/>
-                    </a:lnB>
-                    <a:solidFill>
-                      <a:srgbClr val="EA9999"/>
-                    </a:solidFill>
-                  </a:tcPr>
-                </a:tc>
-                <a:tc>
-                  <a:txBody>
-                    <a:bodyPr/>
-                    <a:lstStyle/>
-                    <a:p>
-                      <a:pPr marL="0" lvl="0" indent="0" algn="l" rtl="0">
-                        <a:spcBef>
-                          <a:spcPts val="0"/>
-                        </a:spcBef>
-                        <a:spcAft>
-                          <a:spcPts val="0"/>
-                        </a:spcAft>
-                        <a:buNone/>
-                      </a:pPr>
-                      <a:endParaRPr/>
-                    </a:p>
-                  </a:txBody>
-                  <a:tcPr marL="91425" marR="91425" marT="91425" marB="91425">
-                    <a:lnL w="9525" cap="flat" cmpd="sng">
-                      <a:solidFill>
-                        <a:schemeClr val="dk1"/>
-                      </a:solidFill>
-                      <a:prstDash val="solid"/>
-                      <a:round/>
-                      <a:headEnd type="none" w="sm" len="sm"/>
-                      <a:tailEnd type="none" w="sm" len="sm"/>
-                    </a:lnL>
-                    <a:lnR w="9525" cap="flat" cmpd="sng">
-                      <a:solidFill>
-                        <a:schemeClr val="dk1"/>
-                      </a:solidFill>
-                      <a:prstDash val="solid"/>
-                      <a:round/>
-                      <a:headEnd type="none" w="sm" len="sm"/>
-                      <a:tailEnd type="none" w="sm" len="sm"/>
-                    </a:lnR>
-                    <a:lnT w="9525" cap="flat" cmpd="sng">
-                      <a:solidFill>
-                        <a:schemeClr val="dk1"/>
-                      </a:solidFill>
-                      <a:prstDash val="solid"/>
-                      <a:round/>
-                      <a:headEnd type="none" w="sm" len="sm"/>
-                      <a:tailEnd type="none" w="sm" len="sm"/>
-                    </a:lnT>
-                    <a:lnB w="9525" cap="flat" cmpd="sng">
-                      <a:solidFill>
-                        <a:schemeClr val="dk1"/>
-                      </a:solidFill>
-                      <a:prstDash val="solid"/>
-                      <a:round/>
-                      <a:headEnd type="none" w="sm" len="sm"/>
-                      <a:tailEnd type="none" w="sm" len="sm"/>
+                      <a:headEnd len="sm" w="sm" type="none"/>
+                      <a:tailEnd len="sm" w="sm" type="none"/>
                     </a:lnB>
                     <a:solidFill>
                       <a:srgbClr val="F9CB9C"/>
@@ -9460,73 +9194,7 @@
                     <a:bodyPr/>
                     <a:lstStyle/>
                     <a:p>
-                      <a:pPr marL="0" lvl="0" indent="0" algn="l" rtl="0">
-                        <a:spcBef>
-                          <a:spcPts val="0"/>
-                        </a:spcBef>
-                        <a:spcAft>
-                          <a:spcPts val="0"/>
-                        </a:spcAft>
-                        <a:buNone/>
-                      </a:pPr>
-                      <a:endParaRPr/>
-                    </a:p>
-                  </a:txBody>
-                  <a:tcPr marL="91425" marR="91425" marT="91425" marB="91425">
-                    <a:lnL w="9525" cap="flat" cmpd="sng">
-                      <a:solidFill>
-                        <a:schemeClr val="dk1"/>
-                      </a:solidFill>
-                      <a:prstDash val="solid"/>
-                      <a:round/>
-                      <a:headEnd type="none" w="sm" len="sm"/>
-                      <a:tailEnd type="none" w="sm" len="sm"/>
-                    </a:lnL>
-                    <a:lnR w="9525" cap="flat" cmpd="sng">
-                      <a:solidFill>
-                        <a:schemeClr val="dk1"/>
-                      </a:solidFill>
-                      <a:prstDash val="solid"/>
-                      <a:round/>
-                      <a:headEnd type="none" w="sm" len="sm"/>
-                      <a:tailEnd type="none" w="sm" len="sm"/>
-                    </a:lnR>
-                    <a:lnT w="9525" cap="flat" cmpd="sng">
-                      <a:solidFill>
-                        <a:schemeClr val="dk1"/>
-                      </a:solidFill>
-                      <a:prstDash val="solid"/>
-                      <a:round/>
-                      <a:headEnd type="none" w="sm" len="sm"/>
-                      <a:tailEnd type="none" w="sm" len="sm"/>
-                    </a:lnT>
-                    <a:lnB w="9525" cap="flat" cmpd="sng">
-                      <a:solidFill>
-                        <a:schemeClr val="dk1"/>
-                      </a:solidFill>
-                      <a:prstDash val="solid"/>
-                      <a:round/>
-                      <a:headEnd type="none" w="sm" len="sm"/>
-                      <a:tailEnd type="none" w="sm" len="sm"/>
-                    </a:lnB>
-                    <a:solidFill>
-                      <a:srgbClr val="B6D7A8"/>
-                    </a:solidFill>
-                  </a:tcPr>
-                </a:tc>
-                <a:extLst>
-                  <a:ext uri="{0D108BD9-81ED-4DB2-BD59-A6C34878D82A}">
-                    <a16:rowId xmlns:a16="http://schemas.microsoft.com/office/drawing/2014/main" val="10003"/>
-                  </a:ext>
-                </a:extLst>
-              </a:tr>
-              <a:tr h="664900">
-                <a:tc>
-                  <a:txBody>
-                    <a:bodyPr/>
-                    <a:lstStyle/>
-                    <a:p>
-                      <a:pPr marL="0" lvl="0" indent="0" algn="l" rtl="0">
+                      <a:pPr indent="0" lvl="0" marL="0" rtl="0" algn="l">
                         <a:spcBef>
                           <a:spcPts val="0"/>
                         </a:spcBef>
@@ -9536,112 +9204,47 @@
                         <a:buNone/>
                       </a:pPr>
                       <a:r>
-                        <a:rPr lang="es">
-                          <a:solidFill>
-                            <a:srgbClr val="6D9EEB"/>
-                          </a:solidFill>
-                        </a:rPr>
-                        <a:t>MECANISMO DE ASSERT</a:t>
+                        <a:t/>
                       </a:r>
-                      <a:endParaRPr>
-                        <a:solidFill>
-                          <a:srgbClr val="6D9EEB"/>
-                        </a:solidFill>
-                      </a:endParaRPr>
+                      <a:endParaRPr/>
                     </a:p>
                   </a:txBody>
-                  <a:tcPr marL="91425" marR="91425" marT="91425" marB="91425">
-                    <a:lnL w="9525" cap="flat" cmpd="sng">
+                  <a:tcPr marT="91425" marB="91425" marR="91425" marL="91425">
+                    <a:lnL cap="flat" cmpd="sng" w="9525">
                       <a:solidFill>
                         <a:schemeClr val="dk1"/>
                       </a:solidFill>
                       <a:prstDash val="solid"/>
                       <a:round/>
-                      <a:headEnd type="none" w="sm" len="sm"/>
-                      <a:tailEnd type="none" w="sm" len="sm"/>
+                      <a:headEnd len="sm" w="sm" type="none"/>
+                      <a:tailEnd len="sm" w="sm" type="none"/>
                     </a:lnL>
-                    <a:lnR w="9525" cap="flat" cmpd="sng">
+                    <a:lnR cap="flat" cmpd="sng" w="9525">
                       <a:solidFill>
                         <a:schemeClr val="dk1"/>
                       </a:solidFill>
                       <a:prstDash val="solid"/>
                       <a:round/>
-                      <a:headEnd type="none" w="sm" len="sm"/>
-                      <a:tailEnd type="none" w="sm" len="sm"/>
+                      <a:headEnd len="sm" w="sm" type="none"/>
+                      <a:tailEnd len="sm" w="sm" type="none"/>
                     </a:lnR>
-                    <a:lnT w="9525" cap="flat" cmpd="sng">
+                    <a:lnT cap="flat" cmpd="sng" w="9525">
                       <a:solidFill>
                         <a:schemeClr val="dk1"/>
                       </a:solidFill>
                       <a:prstDash val="solid"/>
                       <a:round/>
-                      <a:headEnd type="none" w="sm" len="sm"/>
-                      <a:tailEnd type="none" w="sm" len="sm"/>
+                      <a:headEnd len="sm" w="sm" type="none"/>
+                      <a:tailEnd len="sm" w="sm" type="none"/>
                     </a:lnT>
-                    <a:lnB w="9525" cap="flat" cmpd="sng">
+                    <a:lnB cap="flat" cmpd="sng" w="9525">
                       <a:solidFill>
                         <a:schemeClr val="dk1"/>
                       </a:solidFill>
                       <a:prstDash val="solid"/>
                       <a:round/>
-                      <a:headEnd type="none" w="sm" len="sm"/>
-                      <a:tailEnd type="none" w="sm" len="sm"/>
-                    </a:lnB>
-                  </a:tcPr>
-                </a:tc>
-                <a:tc>
-                  <a:txBody>
-                    <a:bodyPr/>
-                    <a:lstStyle/>
-                    <a:p>
-                      <a:pPr marL="0" lvl="0" indent="0" algn="l" rtl="0">
-                        <a:spcBef>
-                          <a:spcPts val="0"/>
-                        </a:spcBef>
-                        <a:spcAft>
-                          <a:spcPts val="0"/>
-                        </a:spcAft>
-                        <a:buNone/>
-                      </a:pPr>
-                      <a:endParaRPr/>
-                    </a:p>
-                  </a:txBody>
-                  <a:tcPr marL="91425" marR="91425" marT="91425" marB="91425">
-                    <a:lnL w="9525" cap="flat" cmpd="sng">
-                      <a:solidFill>
-                        <a:schemeClr val="dk1"/>
-                      </a:solidFill>
-                      <a:prstDash val="solid"/>
-                      <a:round/>
-                      <a:headEnd type="none" w="sm" len="sm"/>
-                      <a:tailEnd type="none" w="sm" len="sm"/>
-                    </a:lnL>
-                    <a:lnR w="9525" cap="flat" cmpd="sng">
-                      <a:solidFill>
-                        <a:schemeClr val="dk1"/>
-                      </a:solidFill>
-                      <a:prstDash val="solid"/>
-                      <a:round/>
-                      <a:headEnd type="none" w="sm" len="sm"/>
-                      <a:tailEnd type="none" w="sm" len="sm"/>
-                    </a:lnR>
-                    <a:lnT w="9525" cap="flat" cmpd="sng">
-                      <a:solidFill>
-                        <a:schemeClr val="dk1"/>
-                      </a:solidFill>
-                      <a:prstDash val="solid"/>
-                      <a:round/>
-                      <a:headEnd type="none" w="sm" len="sm"/>
-                      <a:tailEnd type="none" w="sm" len="sm"/>
-                    </a:lnT>
-                    <a:lnB w="9525" cap="flat" cmpd="sng">
-                      <a:solidFill>
-                        <a:schemeClr val="dk1"/>
-                      </a:solidFill>
-                      <a:prstDash val="solid"/>
-                      <a:round/>
-                      <a:headEnd type="none" w="sm" len="sm"/>
-                      <a:tailEnd type="none" w="sm" len="sm"/>
+                      <a:headEnd len="sm" w="sm" type="none"/>
+                      <a:tailEnd len="sm" w="sm" type="none"/>
                     </a:lnB>
                     <a:solidFill>
                       <a:srgbClr val="F9CB9C"/>
@@ -9653,7 +9256,7 @@
                     <a:bodyPr/>
                     <a:lstStyle/>
                     <a:p>
-                      <a:pPr marL="0" lvl="0" indent="0" algn="l" rtl="0">
+                      <a:pPr indent="0" lvl="0" marL="0" rtl="0" algn="l">
                         <a:spcBef>
                           <a:spcPts val="0"/>
                         </a:spcBef>
@@ -9662,115 +9265,54 @@
                         </a:spcAft>
                         <a:buNone/>
                       </a:pPr>
+                      <a:r>
+                        <a:t/>
+                      </a:r>
                       <a:endParaRPr/>
                     </a:p>
                   </a:txBody>
-                  <a:tcPr marL="91425" marR="91425" marT="91425" marB="91425">
-                    <a:lnL w="9525" cap="flat" cmpd="sng">
+                  <a:tcPr marT="91425" marB="91425" marR="91425" marL="91425">
+                    <a:lnL cap="flat" cmpd="sng" w="9525">
                       <a:solidFill>
                         <a:schemeClr val="dk1"/>
                       </a:solidFill>
                       <a:prstDash val="solid"/>
                       <a:round/>
-                      <a:headEnd type="none" w="sm" len="sm"/>
-                      <a:tailEnd type="none" w="sm" len="sm"/>
+                      <a:headEnd len="sm" w="sm" type="none"/>
+                      <a:tailEnd len="sm" w="sm" type="none"/>
                     </a:lnL>
-                    <a:lnR w="9525" cap="flat" cmpd="sng">
+                    <a:lnR cap="flat" cmpd="sng" w="9525">
                       <a:solidFill>
                         <a:schemeClr val="dk1"/>
                       </a:solidFill>
                       <a:prstDash val="solid"/>
                       <a:round/>
-                      <a:headEnd type="none" w="sm" len="sm"/>
-                      <a:tailEnd type="none" w="sm" len="sm"/>
+                      <a:headEnd len="sm" w="sm" type="none"/>
+                      <a:tailEnd len="sm" w="sm" type="none"/>
                     </a:lnR>
-                    <a:lnT w="9525" cap="flat" cmpd="sng">
+                    <a:lnT cap="flat" cmpd="sng" w="9525">
                       <a:solidFill>
                         <a:schemeClr val="dk1"/>
                       </a:solidFill>
                       <a:prstDash val="solid"/>
                       <a:round/>
-                      <a:headEnd type="none" w="sm" len="sm"/>
-                      <a:tailEnd type="none" w="sm" len="sm"/>
+                      <a:headEnd len="sm" w="sm" type="none"/>
+                      <a:tailEnd len="sm" w="sm" type="none"/>
                     </a:lnT>
-                    <a:lnB w="9525" cap="flat" cmpd="sng">
+                    <a:lnB cap="flat" cmpd="sng" w="9525">
                       <a:solidFill>
                         <a:schemeClr val="dk1"/>
                       </a:solidFill>
                       <a:prstDash val="solid"/>
                       <a:round/>
-                      <a:headEnd type="none" w="sm" len="sm"/>
-                      <a:tailEnd type="none" w="sm" len="sm"/>
-                    </a:lnB>
-                    <a:solidFill>
-                      <a:srgbClr val="F9CB9C"/>
-                    </a:solidFill>
-                  </a:tcPr>
-                </a:tc>
-                <a:tc>
-                  <a:txBody>
-                    <a:bodyPr/>
-                    <a:lstStyle/>
-                    <a:p>
-                      <a:pPr marL="0" lvl="0" indent="0" algn="l" rtl="0">
-                        <a:spcBef>
-                          <a:spcPts val="0"/>
-                        </a:spcBef>
-                        <a:spcAft>
-                          <a:spcPts val="0"/>
-                        </a:spcAft>
-                        <a:buNone/>
-                      </a:pPr>
-                      <a:endParaRPr/>
-                    </a:p>
-                  </a:txBody>
-                  <a:tcPr marL="91425" marR="91425" marT="91425" marB="91425">
-                    <a:lnL w="9525" cap="flat" cmpd="sng">
-                      <a:solidFill>
-                        <a:schemeClr val="dk1"/>
-                      </a:solidFill>
-                      <a:prstDash val="solid"/>
-                      <a:round/>
-                      <a:headEnd type="none" w="sm" len="sm"/>
-                      <a:tailEnd type="none" w="sm" len="sm"/>
-                    </a:lnL>
-                    <a:lnR w="9525" cap="flat" cmpd="sng">
-                      <a:solidFill>
-                        <a:schemeClr val="dk1"/>
-                      </a:solidFill>
-                      <a:prstDash val="solid"/>
-                      <a:round/>
-                      <a:headEnd type="none" w="sm" len="sm"/>
-                      <a:tailEnd type="none" w="sm" len="sm"/>
-                    </a:lnR>
-                    <a:lnT w="9525" cap="flat" cmpd="sng">
-                      <a:solidFill>
-                        <a:schemeClr val="dk1"/>
-                      </a:solidFill>
-                      <a:prstDash val="solid"/>
-                      <a:round/>
-                      <a:headEnd type="none" w="sm" len="sm"/>
-                      <a:tailEnd type="none" w="sm" len="sm"/>
-                    </a:lnT>
-                    <a:lnB w="9525" cap="flat" cmpd="sng">
-                      <a:solidFill>
-                        <a:schemeClr val="dk1"/>
-                      </a:solidFill>
-                      <a:prstDash val="solid"/>
-                      <a:round/>
-                      <a:headEnd type="none" w="sm" len="sm"/>
-                      <a:tailEnd type="none" w="sm" len="sm"/>
+                      <a:headEnd len="sm" w="sm" type="none"/>
+                      <a:tailEnd len="sm" w="sm" type="none"/>
                     </a:lnB>
                     <a:solidFill>
                       <a:srgbClr val="B6D7A8"/>
                     </a:solidFill>
                   </a:tcPr>
                 </a:tc>
-                <a:extLst>
-                  <a:ext uri="{0D108BD9-81ED-4DB2-BD59-A6C34878D82A}">
-                    <a16:rowId xmlns:a16="http://schemas.microsoft.com/office/drawing/2014/main" val="10004"/>
-                  </a:ext>
-                </a:extLst>
               </a:tr>
               <a:tr h="897600">
                 <a:tc>
@@ -9778,7 +9320,7 @@
                     <a:bodyPr/>
                     <a:lstStyle/>
                     <a:p>
-                      <a:pPr marL="0" lvl="0" indent="0" algn="l" rtl="0">
+                      <a:pPr indent="0" lvl="0" marL="0" rtl="0" algn="l">
                         <a:spcBef>
                           <a:spcPts val="0"/>
                         </a:spcBef>
@@ -9802,42 +9344,42 @@
                       </a:endParaRPr>
                     </a:p>
                   </a:txBody>
-                  <a:tcPr marL="91425" marR="91425" marT="91425" marB="91425">
-                    <a:lnL w="9525" cap="flat" cmpd="sng">
+                  <a:tcPr marT="91425" marB="91425" marR="91425" marL="91425">
+                    <a:lnL cap="flat" cmpd="sng" w="9525">
                       <a:solidFill>
                         <a:schemeClr val="dk1"/>
                       </a:solidFill>
                       <a:prstDash val="solid"/>
                       <a:round/>
-                      <a:headEnd type="none" w="sm" len="sm"/>
-                      <a:tailEnd type="none" w="sm" len="sm"/>
+                      <a:headEnd len="sm" w="sm" type="none"/>
+                      <a:tailEnd len="sm" w="sm" type="none"/>
                     </a:lnL>
-                    <a:lnR w="9525" cap="flat" cmpd="sng">
+                    <a:lnR cap="flat" cmpd="sng" w="9525">
                       <a:solidFill>
                         <a:schemeClr val="dk1"/>
                       </a:solidFill>
                       <a:prstDash val="solid"/>
                       <a:round/>
-                      <a:headEnd type="none" w="sm" len="sm"/>
-                      <a:tailEnd type="none" w="sm" len="sm"/>
+                      <a:headEnd len="sm" w="sm" type="none"/>
+                      <a:tailEnd len="sm" w="sm" type="none"/>
                     </a:lnR>
-                    <a:lnT w="9525" cap="flat" cmpd="sng">
+                    <a:lnT cap="flat" cmpd="sng" w="9525">
                       <a:solidFill>
                         <a:schemeClr val="dk1"/>
                       </a:solidFill>
                       <a:prstDash val="solid"/>
                       <a:round/>
-                      <a:headEnd type="none" w="sm" len="sm"/>
-                      <a:tailEnd type="none" w="sm" len="sm"/>
+                      <a:headEnd len="sm" w="sm" type="none"/>
+                      <a:tailEnd len="sm" w="sm" type="none"/>
                     </a:lnT>
-                    <a:lnB w="9525" cap="flat" cmpd="sng">
+                    <a:lnB cap="flat" cmpd="sng" w="9525">
                       <a:solidFill>
                         <a:schemeClr val="dk1"/>
                       </a:solidFill>
                       <a:prstDash val="solid"/>
                       <a:round/>
-                      <a:headEnd type="none" w="sm" len="sm"/>
-                      <a:tailEnd type="none" w="sm" len="sm"/>
+                      <a:headEnd len="sm" w="sm" type="none"/>
+                      <a:tailEnd len="sm" w="sm" type="none"/>
                     </a:lnB>
                   </a:tcPr>
                 </a:tc>
@@ -9846,7 +9388,7 @@
                     <a:bodyPr/>
                     <a:lstStyle/>
                     <a:p>
-                      <a:pPr marL="0" lvl="0" indent="0" algn="l" rtl="0">
+                      <a:pPr indent="0" lvl="0" marL="0" rtl="0" algn="l">
                         <a:spcBef>
                           <a:spcPts val="0"/>
                         </a:spcBef>
@@ -9855,45 +9397,48 @@
                         </a:spcAft>
                         <a:buNone/>
                       </a:pPr>
+                      <a:r>
+                        <a:t/>
+                      </a:r>
                       <a:endParaRPr/>
                     </a:p>
                   </a:txBody>
-                  <a:tcPr marL="91425" marR="91425" marT="91425" marB="91425">
-                    <a:lnL w="9525" cap="flat" cmpd="sng">
+                  <a:tcPr marT="91425" marB="91425" marR="91425" marL="91425">
+                    <a:lnL cap="flat" cmpd="sng" w="9525">
                       <a:solidFill>
                         <a:schemeClr val="dk1"/>
                       </a:solidFill>
                       <a:prstDash val="solid"/>
                       <a:round/>
-                      <a:headEnd type="none" w="sm" len="sm"/>
-                      <a:tailEnd type="none" w="sm" len="sm"/>
+                      <a:headEnd len="sm" w="sm" type="none"/>
+                      <a:tailEnd len="sm" w="sm" type="none"/>
                     </a:lnL>
-                    <a:lnR w="9525" cap="flat" cmpd="sng">
+                    <a:lnR cap="flat" cmpd="sng" w="9525">
                       <a:solidFill>
                         <a:schemeClr val="dk1"/>
                       </a:solidFill>
                       <a:prstDash val="solid"/>
                       <a:round/>
-                      <a:headEnd type="none" w="sm" len="sm"/>
-                      <a:tailEnd type="none" w="sm" len="sm"/>
+                      <a:headEnd len="sm" w="sm" type="none"/>
+                      <a:tailEnd len="sm" w="sm" type="none"/>
                     </a:lnR>
-                    <a:lnT w="9525" cap="flat" cmpd="sng">
+                    <a:lnT cap="flat" cmpd="sng" w="9525">
                       <a:solidFill>
                         <a:schemeClr val="dk1"/>
                       </a:solidFill>
                       <a:prstDash val="solid"/>
                       <a:round/>
-                      <a:headEnd type="none" w="sm" len="sm"/>
-                      <a:tailEnd type="none" w="sm" len="sm"/>
+                      <a:headEnd len="sm" w="sm" type="none"/>
+                      <a:tailEnd len="sm" w="sm" type="none"/>
                     </a:lnT>
-                    <a:lnB w="9525" cap="flat" cmpd="sng">
+                    <a:lnB cap="flat" cmpd="sng" w="9525">
                       <a:solidFill>
                         <a:schemeClr val="dk1"/>
                       </a:solidFill>
                       <a:prstDash val="solid"/>
                       <a:round/>
-                      <a:headEnd type="none" w="sm" len="sm"/>
-                      <a:tailEnd type="none" w="sm" len="sm"/>
+                      <a:headEnd len="sm" w="sm" type="none"/>
+                      <a:tailEnd len="sm" w="sm" type="none"/>
                     </a:lnB>
                     <a:solidFill>
                       <a:srgbClr val="B6D7A8"/>
@@ -9905,7 +9450,7 @@
                     <a:bodyPr/>
                     <a:lstStyle/>
                     <a:p>
-                      <a:pPr marL="0" lvl="0" indent="0" algn="l" rtl="0">
+                      <a:pPr indent="0" lvl="0" marL="0" rtl="0" algn="l">
                         <a:spcBef>
                           <a:spcPts val="0"/>
                         </a:spcBef>
@@ -9914,45 +9459,48 @@
                         </a:spcAft>
                         <a:buNone/>
                       </a:pPr>
+                      <a:r>
+                        <a:t/>
+                      </a:r>
                       <a:endParaRPr/>
                     </a:p>
                   </a:txBody>
-                  <a:tcPr marL="91425" marR="91425" marT="91425" marB="91425">
-                    <a:lnL w="9525" cap="flat" cmpd="sng">
+                  <a:tcPr marT="91425" marB="91425" marR="91425" marL="91425">
+                    <a:lnL cap="flat" cmpd="sng" w="9525">
                       <a:solidFill>
                         <a:schemeClr val="dk1"/>
                       </a:solidFill>
                       <a:prstDash val="solid"/>
                       <a:round/>
-                      <a:headEnd type="none" w="sm" len="sm"/>
-                      <a:tailEnd type="none" w="sm" len="sm"/>
+                      <a:headEnd len="sm" w="sm" type="none"/>
+                      <a:tailEnd len="sm" w="sm" type="none"/>
                     </a:lnL>
-                    <a:lnR w="9525" cap="flat" cmpd="sng">
+                    <a:lnR cap="flat" cmpd="sng" w="9525">
                       <a:solidFill>
                         <a:schemeClr val="dk1"/>
                       </a:solidFill>
                       <a:prstDash val="solid"/>
                       <a:round/>
-                      <a:headEnd type="none" w="sm" len="sm"/>
-                      <a:tailEnd type="none" w="sm" len="sm"/>
+                      <a:headEnd len="sm" w="sm" type="none"/>
+                      <a:tailEnd len="sm" w="sm" type="none"/>
                     </a:lnR>
-                    <a:lnT w="9525" cap="flat" cmpd="sng">
+                    <a:lnT cap="flat" cmpd="sng" w="9525">
                       <a:solidFill>
                         <a:schemeClr val="dk1"/>
                       </a:solidFill>
                       <a:prstDash val="solid"/>
                       <a:round/>
-                      <a:headEnd type="none" w="sm" len="sm"/>
-                      <a:tailEnd type="none" w="sm" len="sm"/>
+                      <a:headEnd len="sm" w="sm" type="none"/>
+                      <a:tailEnd len="sm" w="sm" type="none"/>
                     </a:lnT>
-                    <a:lnB w="9525" cap="flat" cmpd="sng">
+                    <a:lnB cap="flat" cmpd="sng" w="9525">
                       <a:solidFill>
                         <a:schemeClr val="dk1"/>
                       </a:solidFill>
                       <a:prstDash val="solid"/>
                       <a:round/>
-                      <a:headEnd type="none" w="sm" len="sm"/>
-                      <a:tailEnd type="none" w="sm" len="sm"/>
+                      <a:headEnd len="sm" w="sm" type="none"/>
+                      <a:tailEnd len="sm" w="sm" type="none"/>
                     </a:lnB>
                     <a:solidFill>
                       <a:srgbClr val="B6D7A8"/>
@@ -9964,7 +9512,7 @@
                     <a:bodyPr/>
                     <a:lstStyle/>
                     <a:p>
-                      <a:pPr marL="0" lvl="0" indent="0" algn="l" rtl="0">
+                      <a:pPr indent="0" lvl="0" marL="0" rtl="0" algn="l">
                         <a:spcBef>
                           <a:spcPts val="0"/>
                         </a:spcBef>
@@ -9973,56 +9521,54 @@
                         </a:spcAft>
                         <a:buNone/>
                       </a:pPr>
-                      <a:endParaRPr dirty="0"/>
+                      <a:r>
+                        <a:t/>
+                      </a:r>
+                      <a:endParaRPr/>
                     </a:p>
                   </a:txBody>
-                  <a:tcPr marL="91425" marR="91425" marT="91425" marB="91425">
-                    <a:lnL w="9525" cap="flat" cmpd="sng">
+                  <a:tcPr marT="91425" marB="91425" marR="91425" marL="91425">
+                    <a:lnL cap="flat" cmpd="sng" w="9525">
                       <a:solidFill>
                         <a:schemeClr val="dk1"/>
                       </a:solidFill>
                       <a:prstDash val="solid"/>
                       <a:round/>
-                      <a:headEnd type="none" w="sm" len="sm"/>
-                      <a:tailEnd type="none" w="sm" len="sm"/>
+                      <a:headEnd len="sm" w="sm" type="none"/>
+                      <a:tailEnd len="sm" w="sm" type="none"/>
                     </a:lnL>
-                    <a:lnR w="9525" cap="flat" cmpd="sng">
+                    <a:lnR cap="flat" cmpd="sng" w="9525">
                       <a:solidFill>
                         <a:schemeClr val="dk1"/>
                       </a:solidFill>
                       <a:prstDash val="solid"/>
                       <a:round/>
-                      <a:headEnd type="none" w="sm" len="sm"/>
-                      <a:tailEnd type="none" w="sm" len="sm"/>
+                      <a:headEnd len="sm" w="sm" type="none"/>
+                      <a:tailEnd len="sm" w="sm" type="none"/>
                     </a:lnR>
-                    <a:lnT w="9525" cap="flat" cmpd="sng">
+                    <a:lnT cap="flat" cmpd="sng" w="9525">
                       <a:solidFill>
                         <a:schemeClr val="dk1"/>
                       </a:solidFill>
                       <a:prstDash val="solid"/>
                       <a:round/>
-                      <a:headEnd type="none" w="sm" len="sm"/>
-                      <a:tailEnd type="none" w="sm" len="sm"/>
+                      <a:headEnd len="sm" w="sm" type="none"/>
+                      <a:tailEnd len="sm" w="sm" type="none"/>
                     </a:lnT>
-                    <a:lnB w="9525" cap="flat" cmpd="sng">
+                    <a:lnB cap="flat" cmpd="sng" w="9525">
                       <a:solidFill>
                         <a:schemeClr val="dk1"/>
                       </a:solidFill>
                       <a:prstDash val="solid"/>
                       <a:round/>
-                      <a:headEnd type="none" w="sm" len="sm"/>
-                      <a:tailEnd type="none" w="sm" len="sm"/>
+                      <a:headEnd len="sm" w="sm" type="none"/>
+                      <a:tailEnd len="sm" w="sm" type="none"/>
                     </a:lnB>
                     <a:solidFill>
                       <a:srgbClr val="B6D7A8"/>
                     </a:solidFill>
                   </a:tcPr>
                 </a:tc>
-                <a:extLst>
-                  <a:ext uri="{0D108BD9-81ED-4DB2-BD59-A6C34878D82A}">
-                    <a16:rowId xmlns:a16="http://schemas.microsoft.com/office/drawing/2014/main" val="10005"/>
-                  </a:ext>
-                </a:extLst>
               </a:tr>
             </a:tbl>
           </a:graphicData>
@@ -10035,46 +9581,28 @@
           <p:nvPr/>
         </p:nvGraphicFramePr>
         <p:xfrm>
-          <a:off x="5753325" y="4079150"/>
-          <a:ext cx="2359450" cy="797400"/>
+          <a:off x="5578000" y="3414250"/>
+          <a:ext cx="3000000" cy="3000000"/>
         </p:xfrm>
         <a:graphic>
           <a:graphicData uri="http://schemas.openxmlformats.org/drawingml/2006/table">
             <a:tbl>
               <a:tblPr>
                 <a:noFill/>
-                <a:tableStyleId>{483911CC-F2D3-4BEC-B8EC-951287A48625}</a:tableStyleId>
+                <a:tableStyleId>{8ABED122-745F-4913-8A8B-6211815F3588}</a:tableStyleId>
               </a:tblPr>
               <a:tblGrid>
-                <a:gridCol w="745450">
-                  <a:extLst>
-                    <a:ext uri="{9D8B030D-6E8A-4147-A177-3AD203B41FA5}">
-                      <a16:colId xmlns:a16="http://schemas.microsoft.com/office/drawing/2014/main" val="20000"/>
-                    </a:ext>
-                  </a:extLst>
-                </a:gridCol>
-                <a:gridCol w="1035600">
-                  <a:extLst>
-                    <a:ext uri="{9D8B030D-6E8A-4147-A177-3AD203B41FA5}">
-                      <a16:colId xmlns:a16="http://schemas.microsoft.com/office/drawing/2014/main" val="20001"/>
-                    </a:ext>
-                  </a:extLst>
-                </a:gridCol>
-                <a:gridCol w="578400">
-                  <a:extLst>
-                    <a:ext uri="{9D8B030D-6E8A-4147-A177-3AD203B41FA5}">
-                      <a16:colId xmlns:a16="http://schemas.microsoft.com/office/drawing/2014/main" val="20002"/>
-                    </a:ext>
-                  </a:extLst>
-                </a:gridCol>
+                <a:gridCol w="800850"/>
+                <a:gridCol w="1112550"/>
+                <a:gridCol w="621375"/>
               </a:tblGrid>
-              <a:tr h="398700">
+              <a:tr h="506875">
                 <a:tc>
                   <a:txBody>
                     <a:bodyPr/>
                     <a:lstStyle/>
                     <a:p>
-                      <a:pPr marL="0" lvl="0" indent="0" algn="l" rtl="0">
+                      <a:pPr indent="0" lvl="0" marL="0" rtl="0" algn="l">
                         <a:spcBef>
                           <a:spcPts val="0"/>
                         </a:spcBef>
@@ -10090,42 +9618,42 @@
                       <a:endParaRPr/>
                     </a:p>
                   </a:txBody>
-                  <a:tcPr marL="91425" marR="91425" marT="91425" marB="91425">
-                    <a:lnL w="9525" cap="flat" cmpd="sng">
+                  <a:tcPr marT="91425" marB="91425" marR="91425" marL="91425">
+                    <a:lnL cap="flat" cmpd="sng" w="9525">
                       <a:solidFill>
                         <a:schemeClr val="dk1"/>
                       </a:solidFill>
                       <a:prstDash val="solid"/>
                       <a:round/>
-                      <a:headEnd type="none" w="sm" len="sm"/>
-                      <a:tailEnd type="none" w="sm" len="sm"/>
+                      <a:headEnd len="sm" w="sm" type="none"/>
+                      <a:tailEnd len="sm" w="sm" type="none"/>
                     </a:lnL>
-                    <a:lnR w="9525" cap="flat" cmpd="sng">
+                    <a:lnR cap="flat" cmpd="sng" w="9525">
                       <a:solidFill>
                         <a:schemeClr val="dk1"/>
                       </a:solidFill>
                       <a:prstDash val="solid"/>
                       <a:round/>
-                      <a:headEnd type="none" w="sm" len="sm"/>
-                      <a:tailEnd type="none" w="sm" len="sm"/>
+                      <a:headEnd len="sm" w="sm" type="none"/>
+                      <a:tailEnd len="sm" w="sm" type="none"/>
                     </a:lnR>
-                    <a:lnT w="9525" cap="flat" cmpd="sng">
+                    <a:lnT cap="flat" cmpd="sng" w="9525">
                       <a:solidFill>
                         <a:schemeClr val="dk1"/>
                       </a:solidFill>
                       <a:prstDash val="solid"/>
                       <a:round/>
-                      <a:headEnd type="none" w="sm" len="sm"/>
-                      <a:tailEnd type="none" w="sm" len="sm"/>
+                      <a:headEnd len="sm" w="sm" type="none"/>
+                      <a:tailEnd len="sm" w="sm" type="none"/>
                     </a:lnT>
-                    <a:lnB w="9525" cap="flat" cmpd="sng">
+                    <a:lnB cap="flat" cmpd="sng" w="9525">
                       <a:solidFill>
                         <a:schemeClr val="dk1"/>
                       </a:solidFill>
                       <a:prstDash val="solid"/>
                       <a:round/>
-                      <a:headEnd type="none" w="sm" len="sm"/>
-                      <a:tailEnd type="none" w="sm" len="sm"/>
+                      <a:headEnd len="sm" w="sm" type="none"/>
+                      <a:tailEnd len="sm" w="sm" type="none"/>
                     </a:lnB>
                   </a:tcPr>
                 </a:tc>
@@ -10134,7 +9662,7 @@
                     <a:bodyPr/>
                     <a:lstStyle/>
                     <a:p>
-                      <a:pPr marL="0" lvl="0" indent="0" algn="l" rtl="0">
+                      <a:pPr indent="0" lvl="0" marL="0" rtl="0" algn="l">
                         <a:spcBef>
                           <a:spcPts val="0"/>
                         </a:spcBef>
@@ -10150,42 +9678,42 @@
                       <a:endParaRPr/>
                     </a:p>
                   </a:txBody>
-                  <a:tcPr marL="91425" marR="91425" marT="91425" marB="91425">
-                    <a:lnL w="9525" cap="flat" cmpd="sng">
+                  <a:tcPr marT="91425" marB="91425" marR="91425" marL="91425">
+                    <a:lnL cap="flat" cmpd="sng" w="9525">
                       <a:solidFill>
                         <a:schemeClr val="dk1"/>
                       </a:solidFill>
                       <a:prstDash val="solid"/>
                       <a:round/>
-                      <a:headEnd type="none" w="sm" len="sm"/>
-                      <a:tailEnd type="none" w="sm" len="sm"/>
+                      <a:headEnd len="sm" w="sm" type="none"/>
+                      <a:tailEnd len="sm" w="sm" type="none"/>
                     </a:lnL>
-                    <a:lnR w="9525" cap="flat" cmpd="sng">
+                    <a:lnR cap="flat" cmpd="sng" w="9525">
                       <a:solidFill>
                         <a:schemeClr val="dk1"/>
                       </a:solidFill>
                       <a:prstDash val="solid"/>
                       <a:round/>
-                      <a:headEnd type="none" w="sm" len="sm"/>
-                      <a:tailEnd type="none" w="sm" len="sm"/>
+                      <a:headEnd len="sm" w="sm" type="none"/>
+                      <a:tailEnd len="sm" w="sm" type="none"/>
                     </a:lnR>
-                    <a:lnT w="9525" cap="flat" cmpd="sng">
+                    <a:lnT cap="flat" cmpd="sng" w="9525">
                       <a:solidFill>
                         <a:schemeClr val="dk1"/>
                       </a:solidFill>
                       <a:prstDash val="solid"/>
                       <a:round/>
-                      <a:headEnd type="none" w="sm" len="sm"/>
-                      <a:tailEnd type="none" w="sm" len="sm"/>
+                      <a:headEnd len="sm" w="sm" type="none"/>
+                      <a:tailEnd len="sm" w="sm" type="none"/>
                     </a:lnT>
-                    <a:lnB w="9525" cap="flat" cmpd="sng">
+                    <a:lnB cap="flat" cmpd="sng" w="9525">
                       <a:solidFill>
                         <a:schemeClr val="dk1"/>
                       </a:solidFill>
                       <a:prstDash val="solid"/>
                       <a:round/>
-                      <a:headEnd type="none" w="sm" len="sm"/>
-                      <a:tailEnd type="none" w="sm" len="sm"/>
+                      <a:headEnd len="sm" w="sm" type="none"/>
+                      <a:tailEnd len="sm" w="sm" type="none"/>
                     </a:lnB>
                   </a:tcPr>
                 </a:tc>
@@ -10194,7 +9722,7 @@
                     <a:bodyPr/>
                     <a:lstStyle/>
                     <a:p>
-                      <a:pPr marL="0" lvl="0" indent="0" algn="l" rtl="0">
+                      <a:pPr indent="0" lvl="0" marL="0" rtl="0" algn="l">
                         <a:spcBef>
                           <a:spcPts val="0"/>
                         </a:spcBef>
@@ -10204,64 +9732,59 @@
                         <a:buNone/>
                       </a:pPr>
                       <a:r>
-                        <a:rPr lang="es" dirty="0"/>
+                        <a:rPr lang="es"/>
                         <a:t>Malo</a:t>
                       </a:r>
-                      <a:endParaRPr dirty="0"/>
+                      <a:endParaRPr/>
                     </a:p>
                   </a:txBody>
-                  <a:tcPr marL="91425" marR="91425" marT="91425" marB="91425">
-                    <a:lnL w="9525" cap="flat" cmpd="sng">
+                  <a:tcPr marT="91425" marB="91425" marR="91425" marL="91425">
+                    <a:lnL cap="flat" cmpd="sng" w="9525">
                       <a:solidFill>
                         <a:schemeClr val="dk1"/>
                       </a:solidFill>
                       <a:prstDash val="solid"/>
                       <a:round/>
-                      <a:headEnd type="none" w="sm" len="sm"/>
-                      <a:tailEnd type="none" w="sm" len="sm"/>
+                      <a:headEnd len="sm" w="sm" type="none"/>
+                      <a:tailEnd len="sm" w="sm" type="none"/>
                     </a:lnL>
-                    <a:lnR w="9525" cap="flat" cmpd="sng">
+                    <a:lnR cap="flat" cmpd="sng" w="9525">
                       <a:solidFill>
                         <a:schemeClr val="dk1"/>
                       </a:solidFill>
                       <a:prstDash val="solid"/>
                       <a:round/>
-                      <a:headEnd type="none" w="sm" len="sm"/>
-                      <a:tailEnd type="none" w="sm" len="sm"/>
+                      <a:headEnd len="sm" w="sm" type="none"/>
+                      <a:tailEnd len="sm" w="sm" type="none"/>
                     </a:lnR>
-                    <a:lnT w="9525" cap="flat" cmpd="sng">
+                    <a:lnT cap="flat" cmpd="sng" w="9525">
                       <a:solidFill>
                         <a:schemeClr val="dk1"/>
                       </a:solidFill>
                       <a:prstDash val="solid"/>
                       <a:round/>
-                      <a:headEnd type="none" w="sm" len="sm"/>
-                      <a:tailEnd type="none" w="sm" len="sm"/>
+                      <a:headEnd len="sm" w="sm" type="none"/>
+                      <a:tailEnd len="sm" w="sm" type="none"/>
                     </a:lnT>
-                    <a:lnB w="9525" cap="flat" cmpd="sng">
+                    <a:lnB cap="flat" cmpd="sng" w="9525">
                       <a:solidFill>
                         <a:schemeClr val="dk1"/>
                       </a:solidFill>
                       <a:prstDash val="solid"/>
                       <a:round/>
-                      <a:headEnd type="none" w="sm" len="sm"/>
-                      <a:tailEnd type="none" w="sm" len="sm"/>
+                      <a:headEnd len="sm" w="sm" type="none"/>
+                      <a:tailEnd len="sm" w="sm" type="none"/>
                     </a:lnB>
                   </a:tcPr>
                 </a:tc>
-                <a:extLst>
-                  <a:ext uri="{0D108BD9-81ED-4DB2-BD59-A6C34878D82A}">
-                    <a16:rowId xmlns:a16="http://schemas.microsoft.com/office/drawing/2014/main" val="10000"/>
-                  </a:ext>
-                </a:extLst>
               </a:tr>
-              <a:tr h="398700">
+              <a:tr h="506875">
                 <a:tc>
                   <a:txBody>
                     <a:bodyPr/>
                     <a:lstStyle/>
                     <a:p>
-                      <a:pPr marL="0" lvl="0" indent="0" algn="l" rtl="0">
+                      <a:pPr indent="0" lvl="0" marL="0" rtl="0" algn="l">
                         <a:spcBef>
                           <a:spcPts val="0"/>
                         </a:spcBef>
@@ -10270,45 +9793,48 @@
                         </a:spcAft>
                         <a:buNone/>
                       </a:pPr>
+                      <a:r>
+                        <a:t/>
+                      </a:r>
                       <a:endParaRPr/>
                     </a:p>
                   </a:txBody>
-                  <a:tcPr marL="91425" marR="91425" marT="91425" marB="91425">
-                    <a:lnL w="9525" cap="flat" cmpd="sng">
+                  <a:tcPr marT="91425" marB="91425" marR="91425" marL="91425">
+                    <a:lnL cap="flat" cmpd="sng" w="9525">
                       <a:solidFill>
                         <a:schemeClr val="dk1"/>
                       </a:solidFill>
                       <a:prstDash val="solid"/>
                       <a:round/>
-                      <a:headEnd type="none" w="sm" len="sm"/>
-                      <a:tailEnd type="none" w="sm" len="sm"/>
+                      <a:headEnd len="sm" w="sm" type="none"/>
+                      <a:tailEnd len="sm" w="sm" type="none"/>
                     </a:lnL>
-                    <a:lnR w="9525" cap="flat" cmpd="sng">
+                    <a:lnR cap="flat" cmpd="sng" w="9525">
                       <a:solidFill>
                         <a:schemeClr val="dk1"/>
                       </a:solidFill>
                       <a:prstDash val="solid"/>
                       <a:round/>
-                      <a:headEnd type="none" w="sm" len="sm"/>
-                      <a:tailEnd type="none" w="sm" len="sm"/>
+                      <a:headEnd len="sm" w="sm" type="none"/>
+                      <a:tailEnd len="sm" w="sm" type="none"/>
                     </a:lnR>
-                    <a:lnT w="9525" cap="flat" cmpd="sng">
+                    <a:lnT cap="flat" cmpd="sng" w="9525">
                       <a:solidFill>
                         <a:schemeClr val="dk1"/>
                       </a:solidFill>
                       <a:prstDash val="solid"/>
                       <a:round/>
-                      <a:headEnd type="none" w="sm" len="sm"/>
-                      <a:tailEnd type="none" w="sm" len="sm"/>
+                      <a:headEnd len="sm" w="sm" type="none"/>
+                      <a:tailEnd len="sm" w="sm" type="none"/>
                     </a:lnT>
-                    <a:lnB w="9525" cap="flat" cmpd="sng">
+                    <a:lnB cap="flat" cmpd="sng" w="9525">
                       <a:solidFill>
                         <a:schemeClr val="dk1"/>
                       </a:solidFill>
                       <a:prstDash val="solid"/>
                       <a:round/>
-                      <a:headEnd type="none" w="sm" len="sm"/>
-                      <a:tailEnd type="none" w="sm" len="sm"/>
+                      <a:headEnd len="sm" w="sm" type="none"/>
+                      <a:tailEnd len="sm" w="sm" type="none"/>
                     </a:lnB>
                     <a:solidFill>
                       <a:srgbClr val="B6D7A8"/>
@@ -10320,7 +9846,7 @@
                     <a:bodyPr/>
                     <a:lstStyle/>
                     <a:p>
-                      <a:pPr marL="0" lvl="0" indent="0" algn="l" rtl="0">
+                      <a:pPr indent="0" lvl="0" marL="0" rtl="0" algn="l">
                         <a:spcBef>
                           <a:spcPts val="0"/>
                         </a:spcBef>
@@ -10329,45 +9855,48 @@
                         </a:spcAft>
                         <a:buNone/>
                       </a:pPr>
+                      <a:r>
+                        <a:t/>
+                      </a:r>
                       <a:endParaRPr/>
                     </a:p>
                   </a:txBody>
-                  <a:tcPr marL="91425" marR="91425" marT="91425" marB="91425">
-                    <a:lnL w="9525" cap="flat" cmpd="sng">
+                  <a:tcPr marT="91425" marB="91425" marR="91425" marL="91425">
+                    <a:lnL cap="flat" cmpd="sng" w="9525">
                       <a:solidFill>
                         <a:schemeClr val="dk1"/>
                       </a:solidFill>
                       <a:prstDash val="solid"/>
                       <a:round/>
-                      <a:headEnd type="none" w="sm" len="sm"/>
-                      <a:tailEnd type="none" w="sm" len="sm"/>
+                      <a:headEnd len="sm" w="sm" type="none"/>
+                      <a:tailEnd len="sm" w="sm" type="none"/>
                     </a:lnL>
-                    <a:lnR w="9525" cap="flat" cmpd="sng">
+                    <a:lnR cap="flat" cmpd="sng" w="9525">
                       <a:solidFill>
                         <a:schemeClr val="dk1"/>
                       </a:solidFill>
                       <a:prstDash val="solid"/>
                       <a:round/>
-                      <a:headEnd type="none" w="sm" len="sm"/>
-                      <a:tailEnd type="none" w="sm" len="sm"/>
+                      <a:headEnd len="sm" w="sm" type="none"/>
+                      <a:tailEnd len="sm" w="sm" type="none"/>
                     </a:lnR>
-                    <a:lnT w="9525" cap="flat" cmpd="sng">
+                    <a:lnT cap="flat" cmpd="sng" w="9525">
                       <a:solidFill>
                         <a:schemeClr val="dk1"/>
                       </a:solidFill>
                       <a:prstDash val="solid"/>
                       <a:round/>
-                      <a:headEnd type="none" w="sm" len="sm"/>
-                      <a:tailEnd type="none" w="sm" len="sm"/>
+                      <a:headEnd len="sm" w="sm" type="none"/>
+                      <a:tailEnd len="sm" w="sm" type="none"/>
                     </a:lnT>
-                    <a:lnB w="9525" cap="flat" cmpd="sng">
+                    <a:lnB cap="flat" cmpd="sng" w="9525">
                       <a:solidFill>
                         <a:schemeClr val="dk1"/>
                       </a:solidFill>
                       <a:prstDash val="solid"/>
                       <a:round/>
-                      <a:headEnd type="none" w="sm" len="sm"/>
-                      <a:tailEnd type="none" w="sm" len="sm"/>
+                      <a:headEnd len="sm" w="sm" type="none"/>
+                      <a:tailEnd len="sm" w="sm" type="none"/>
                     </a:lnB>
                     <a:solidFill>
                       <a:srgbClr val="F9CB9C"/>
@@ -10379,7 +9908,7 @@
                     <a:bodyPr/>
                     <a:lstStyle/>
                     <a:p>
-                      <a:pPr marL="0" lvl="0" indent="0" algn="l" rtl="0">
+                      <a:pPr indent="0" lvl="0" marL="0" rtl="0" algn="l">
                         <a:spcBef>
                           <a:spcPts val="0"/>
                         </a:spcBef>
@@ -10388,56 +9917,54 @@
                         </a:spcAft>
                         <a:buNone/>
                       </a:pPr>
-                      <a:endParaRPr dirty="0"/>
+                      <a:r>
+                        <a:t/>
+                      </a:r>
+                      <a:endParaRPr/>
                     </a:p>
                   </a:txBody>
-                  <a:tcPr marL="91425" marR="91425" marT="91425" marB="91425">
-                    <a:lnL w="9525" cap="flat" cmpd="sng">
+                  <a:tcPr marT="91425" marB="91425" marR="91425" marL="91425">
+                    <a:lnL cap="flat" cmpd="sng" w="9525">
                       <a:solidFill>
                         <a:schemeClr val="dk1"/>
                       </a:solidFill>
                       <a:prstDash val="solid"/>
                       <a:round/>
-                      <a:headEnd type="none" w="sm" len="sm"/>
-                      <a:tailEnd type="none" w="sm" len="sm"/>
+                      <a:headEnd len="sm" w="sm" type="none"/>
+                      <a:tailEnd len="sm" w="sm" type="none"/>
                     </a:lnL>
-                    <a:lnR w="9525" cap="flat" cmpd="sng">
+                    <a:lnR cap="flat" cmpd="sng" w="9525">
                       <a:solidFill>
                         <a:schemeClr val="dk1"/>
                       </a:solidFill>
                       <a:prstDash val="solid"/>
                       <a:round/>
-                      <a:headEnd type="none" w="sm" len="sm"/>
-                      <a:tailEnd type="none" w="sm" len="sm"/>
+                      <a:headEnd len="sm" w="sm" type="none"/>
+                      <a:tailEnd len="sm" w="sm" type="none"/>
                     </a:lnR>
-                    <a:lnT w="9525" cap="flat" cmpd="sng">
+                    <a:lnT cap="flat" cmpd="sng" w="9525">
                       <a:solidFill>
                         <a:schemeClr val="dk1"/>
                       </a:solidFill>
                       <a:prstDash val="solid"/>
                       <a:round/>
-                      <a:headEnd type="none" w="sm" len="sm"/>
-                      <a:tailEnd type="none" w="sm" len="sm"/>
+                      <a:headEnd len="sm" w="sm" type="none"/>
+                      <a:tailEnd len="sm" w="sm" type="none"/>
                     </a:lnT>
-                    <a:lnB w="9525" cap="flat" cmpd="sng">
+                    <a:lnB cap="flat" cmpd="sng" w="9525">
                       <a:solidFill>
                         <a:schemeClr val="dk1"/>
                       </a:solidFill>
                       <a:prstDash val="solid"/>
                       <a:round/>
-                      <a:headEnd type="none" w="sm" len="sm"/>
-                      <a:tailEnd type="none" w="sm" len="sm"/>
+                      <a:headEnd len="sm" w="sm" type="none"/>
+                      <a:tailEnd len="sm" w="sm" type="none"/>
                     </a:lnB>
                     <a:solidFill>
                       <a:srgbClr val="EA9999"/>
                     </a:solidFill>
                   </a:tcPr>
                 </a:tc>
-                <a:extLst>
-                  <a:ext uri="{0D108BD9-81ED-4DB2-BD59-A6C34878D82A}">
-                    <a16:rowId xmlns:a16="http://schemas.microsoft.com/office/drawing/2014/main" val="10001"/>
-                  </a:ext>
-                </a:extLst>
               </a:tr>
             </a:tbl>
           </a:graphicData>
@@ -10448,22 +9975,15 @@
   <p:clrMapOvr>
     <a:masterClrMapping/>
   </p:clrMapOvr>
-  <p:timing>
-    <p:tnLst>
-      <p:par>
-        <p:cTn id="1" dur="indefinite" restart="never" nodeType="tmRoot"/>
-      </p:par>
-    </p:tnLst>
-  </p:timing>
 </p:sld>
 </file>
 
 <file path=ppt/slides/slide12.xml><?xml version="1.0" encoding="utf-8"?>
-<p:sld xmlns:a="http://schemas.openxmlformats.org/drawingml/2006/main" xmlns:r="http://schemas.openxmlformats.org/officeDocument/2006/relationships" xmlns:p="http://schemas.openxmlformats.org/presentationml/2006/main">
+<p:sld xmlns:a="http://schemas.openxmlformats.org/drawingml/2006/main" xmlns:r="http://schemas.openxmlformats.org/officeDocument/2006/relationships" xmlns:mc="http://schemas.openxmlformats.org/markup-compatibility/2006" xmlns:mv="urn:schemas-microsoft-com:mac:vml" xmlns:p="http://schemas.openxmlformats.org/presentationml/2006/main" xmlns:c="http://schemas.openxmlformats.org/drawingml/2006/chart" xmlns:dgm="http://schemas.openxmlformats.org/drawingml/2006/diagram" xmlns:o="urn:schemas-microsoft-com:office:office" xmlns:v="urn:schemas-microsoft-com:vml" xmlns:pvml="urn:schemas-microsoft-com:office:powerpoint" xmlns:com="http://schemas.openxmlformats.org/drawingml/2006/compatibility" xmlns:p14="http://schemas.microsoft.com/office/powerpoint/2010/main" xmlns:p15="http://schemas.microsoft.com/office/powerpoint/2012/main" xmlns:ahyp="http://schemas.microsoft.com/office/drawing/2018/hyperlinkcolor">
   <p:cSld>
     <p:spTree>
       <p:nvGrpSpPr>
-        <p:cNvPr id="1" name="Shape 150"/>
+        <p:cNvPr id="150" name="Shape 150"/>
         <p:cNvGrpSpPr/>
         <p:nvPr/>
       </p:nvGrpSpPr>
@@ -10491,8 +10011,8 @@
         </p:blipFill>
         <p:spPr>
           <a:xfrm>
-            <a:off x="2092729" y="841786"/>
-            <a:ext cx="4775662" cy="3782167"/>
+            <a:off x="2133135" y="1098275"/>
+            <a:ext cx="4877725" cy="3664750"/>
           </a:xfrm>
           <a:prstGeom prst="rect">
             <a:avLst/>
@@ -10511,30 +10031,30 @@
         </p:nvSpPr>
         <p:spPr>
           <a:xfrm>
-            <a:off x="3693060" y="200490"/>
+            <a:off x="3791550" y="210125"/>
             <a:ext cx="1575000" cy="492600"/>
           </a:xfrm>
           <a:prstGeom prst="rect">
             <a:avLst/>
           </a:prstGeom>
           <a:noFill/>
-          <a:ln w="9525" cap="flat" cmpd="sng">
+          <a:ln cap="flat" cmpd="sng" w="9525">
             <a:solidFill>
               <a:srgbClr val="E06666"/>
             </a:solidFill>
             <a:prstDash val="solid"/>
             <a:round/>
-            <a:headEnd type="none" w="sm" len="sm"/>
-            <a:tailEnd type="none" w="sm" len="sm"/>
+            <a:headEnd len="sm" w="sm" type="none"/>
+            <a:tailEnd len="sm" w="sm" type="none"/>
           </a:ln>
         </p:spPr>
         <p:txBody>
-          <a:bodyPr spcFirstLastPara="1" wrap="square" lIns="91425" tIns="91425" rIns="91425" bIns="91425" anchor="t" anchorCtr="0">
+          <a:bodyPr anchorCtr="0" anchor="t" bIns="91425" lIns="91425" spcFirstLastPara="1" rIns="91425" wrap="square" tIns="91425">
             <a:spAutoFit/>
           </a:bodyPr>
           <a:lstStyle/>
           <a:p>
-            <a:pPr marL="0" lvl="0" indent="0" algn="l" rtl="0">
+            <a:pPr indent="0" lvl="0" marL="0" rtl="0" algn="l">
               <a:spcBef>
                 <a:spcPts val="0"/>
               </a:spcBef>
@@ -10544,7 +10064,7 @@
               <a:buNone/>
             </a:pPr>
             <a:r>
-              <a:rPr lang="es" sz="2000" b="1" dirty="0">
+              <a:rPr b="1" lang="es" sz="2000">
                 <a:latin typeface="Open Sans"/>
                 <a:ea typeface="Open Sans"/>
                 <a:cs typeface="Open Sans"/>
@@ -10552,7 +10072,7 @@
               </a:rPr>
               <a:t>Conclusión</a:t>
             </a:r>
-            <a:endParaRPr sz="2000" b="1" dirty="0">
+            <a:endParaRPr b="1" sz="2000">
               <a:latin typeface="Open Sans"/>
               <a:ea typeface="Open Sans"/>
               <a:cs typeface="Open Sans"/>
@@ -10563,7 +10083,7 @@
       </p:sp>
       <p:pic>
         <p:nvPicPr>
-          <p:cNvPr id="154" name="Google Shape;154;p24"/>
+          <p:cNvPr id="153" name="Google Shape;153;p24"/>
           <p:cNvPicPr preferRelativeResize="0"/>
           <p:nvPr/>
         </p:nvPicPr>
@@ -10577,8 +10097,36 @@
         </p:blipFill>
         <p:spPr>
           <a:xfrm>
-            <a:off x="2940822" y="2298267"/>
-            <a:ext cx="944650" cy="664250"/>
+            <a:off x="2536568" y="2537139"/>
+            <a:ext cx="1489732" cy="787039"/>
+          </a:xfrm>
+          <a:prstGeom prst="rect">
+            <a:avLst/>
+          </a:prstGeom>
+          <a:noFill/>
+          <a:ln>
+            <a:noFill/>
+          </a:ln>
+        </p:spPr>
+      </p:pic>
+      <p:pic>
+        <p:nvPicPr>
+          <p:cNvPr id="154" name="Google Shape;154;p24"/>
+          <p:cNvPicPr preferRelativeResize="0"/>
+          <p:nvPr/>
+        </p:nvPicPr>
+        <p:blipFill>
+          <a:blip r:embed="rId5">
+            <a:alphaModFix/>
+          </a:blip>
+          <a:stretch>
+            <a:fillRect/>
+          </a:stretch>
+        </p:blipFill>
+        <p:spPr>
+          <a:xfrm>
+            <a:off x="4824627" y="2516197"/>
+            <a:ext cx="1636985" cy="863106"/>
           </a:xfrm>
           <a:prstGeom prst="rect">
             <a:avLst/>
@@ -10596,7 +10144,7 @@
           <p:nvPr/>
         </p:nvPicPr>
         <p:blipFill>
-          <a:blip r:embed="rId5">
+          <a:blip r:embed="rId6">
             <a:alphaModFix/>
           </a:blip>
           <a:stretch>
@@ -10605,8 +10153,8 @@
         </p:blipFill>
         <p:spPr>
           <a:xfrm>
-            <a:off x="5034282" y="2486479"/>
-            <a:ext cx="1038025" cy="728450"/>
+            <a:off x="4026300" y="1979666"/>
+            <a:ext cx="1039927" cy="781292"/>
           </a:xfrm>
           <a:prstGeom prst="rect">
             <a:avLst/>
@@ -10617,113 +10165,20 @@
           </a:ln>
         </p:spPr>
       </p:pic>
-      <p:pic>
-        <p:nvPicPr>
-          <p:cNvPr id="156" name="Google Shape;156;p24"/>
-          <p:cNvPicPr preferRelativeResize="0"/>
-          <p:nvPr/>
-        </p:nvPicPr>
-        <p:blipFill>
-          <a:blip r:embed="rId6">
-            <a:alphaModFix/>
-          </a:blip>
-          <a:stretch>
-            <a:fillRect/>
-          </a:stretch>
-        </p:blipFill>
-        <p:spPr>
-          <a:xfrm>
-            <a:off x="4059825" y="1861926"/>
-            <a:ext cx="851063" cy="872682"/>
-          </a:xfrm>
-          <a:prstGeom prst="rect">
-            <a:avLst/>
-          </a:prstGeom>
-          <a:noFill/>
-          <a:ln>
-            <a:noFill/>
-          </a:ln>
-        </p:spPr>
-      </p:pic>
-      <p:sp>
-        <p:nvSpPr>
-          <p:cNvPr id="9" name="Google Shape;152;p24"/>
-          <p:cNvSpPr txBox="1"/>
-          <p:nvPr/>
-        </p:nvSpPr>
-        <p:spPr>
-          <a:xfrm>
-            <a:off x="3952599" y="1476659"/>
-            <a:ext cx="1055922" cy="492412"/>
-          </a:xfrm>
-          <a:prstGeom prst="rect">
-            <a:avLst/>
-          </a:prstGeom>
-          <a:noFill/>
-          <a:ln w="9525" cap="flat" cmpd="sng">
-            <a:solidFill>
-              <a:srgbClr val="E06666"/>
-            </a:solidFill>
-            <a:prstDash val="solid"/>
-            <a:round/>
-            <a:headEnd type="none" w="sm" len="sm"/>
-            <a:tailEnd type="none" w="sm" len="sm"/>
-          </a:ln>
-        </p:spPr>
-        <p:txBody>
-          <a:bodyPr spcFirstLastPara="1" wrap="square" lIns="91425" tIns="91425" rIns="91425" bIns="91425" anchor="t" anchorCtr="0">
-            <a:spAutoFit/>
-          </a:bodyPr>
-          <a:lstStyle/>
-          <a:p>
-            <a:pPr marL="0" lvl="0" indent="0" algn="l" rtl="0">
-              <a:spcBef>
-                <a:spcPts val="0"/>
-              </a:spcBef>
-              <a:spcAft>
-                <a:spcPts val="0"/>
-              </a:spcAft>
-              <a:buNone/>
-            </a:pPr>
-            <a:r>
-              <a:rPr lang="es" sz="2000" b="1" dirty="0" smtClean="0">
-                <a:latin typeface="Open Sans"/>
-                <a:ea typeface="Open Sans"/>
-                <a:cs typeface="Open Sans"/>
-                <a:sym typeface="Open Sans"/>
-              </a:rPr>
-              <a:t>XUnit</a:t>
-            </a:r>
-            <a:endParaRPr sz="2000" b="1" dirty="0">
-              <a:latin typeface="Open Sans"/>
-              <a:ea typeface="Open Sans"/>
-              <a:cs typeface="Open Sans"/>
-              <a:sym typeface="Open Sans"/>
-            </a:endParaRPr>
-          </a:p>
-        </p:txBody>
-      </p:sp>
     </p:spTree>
   </p:cSld>
   <p:clrMapOvr>
     <a:masterClrMapping/>
   </p:clrMapOvr>
-  <p:timing>
-    <p:tnLst>
-      <p:par>
-        <p:cTn id="1" dur="indefinite" restart="never" nodeType="tmRoot"/>
-      </p:par>
-    </p:tnLst>
-  </p:timing>
 </p:sld>
 </file>
 
 <file path=ppt/slides/slide2.xml><?xml version="1.0" encoding="utf-8"?>
-<p:sld xmlns:a="http://schemas.openxmlformats.org/drawingml/2006/main" xmlns:r="http://schemas.openxmlformats.org/officeDocument/2006/relationships" xmlns:p="http://schemas.openxmlformats.org/presentationml/2006/main">
+<p:sld xmlns:a="http://schemas.openxmlformats.org/drawingml/2006/main" xmlns:r="http://schemas.openxmlformats.org/officeDocument/2006/relationships" xmlns:mc="http://schemas.openxmlformats.org/markup-compatibility/2006" xmlns:mv="urn:schemas-microsoft-com:mac:vml" xmlns:p="http://schemas.openxmlformats.org/presentationml/2006/main" xmlns:c="http://schemas.openxmlformats.org/drawingml/2006/chart" xmlns:dgm="http://schemas.openxmlformats.org/drawingml/2006/diagram" xmlns:o="urn:schemas-microsoft-com:office:office" xmlns:v="urn:schemas-microsoft-com:vml" xmlns:pvml="urn:schemas-microsoft-com:office:powerpoint" xmlns:com="http://schemas.openxmlformats.org/drawingml/2006/compatibility" xmlns:p14="http://schemas.microsoft.com/office/powerpoint/2010/main" xmlns:p15="http://schemas.microsoft.com/office/powerpoint/2012/main" xmlns:ahyp="http://schemas.microsoft.com/office/drawing/2018/hyperlinkcolor">
   <p:cSld>
     <p:spTree>
       <p:nvGrpSpPr>
-        <p:cNvPr id="1" name="Shape 69"/>
+        <p:cNvPr id="69" name="Shape 69"/>
         <p:cNvGrpSpPr/>
         <p:nvPr/>
       </p:nvGrpSpPr>
@@ -10738,9 +10193,7 @@
       <p:sp>
         <p:nvSpPr>
           <p:cNvPr id="70" name="Google Shape;70;p14"/>
-          <p:cNvSpPr txBox="1">
-            <a:spLocks noGrp="1"/>
-          </p:cNvSpPr>
+          <p:cNvSpPr txBox="1"/>
           <p:nvPr>
             <p:ph type="ctrTitle"/>
           </p:nvPr>
@@ -10755,12 +10208,12 @@
           </a:prstGeom>
         </p:spPr>
         <p:txBody>
-          <a:bodyPr spcFirstLastPara="1" wrap="square" lIns="91425" tIns="91425" rIns="91425" bIns="91425" anchor="b" anchorCtr="0">
+          <a:bodyPr anchorCtr="0" anchor="b" bIns="91425" lIns="91425" spcFirstLastPara="1" rIns="91425" wrap="square" tIns="91425">
             <a:normAutofit fontScale="90000"/>
           </a:bodyPr>
           <a:lstStyle/>
           <a:p>
-            <a:pPr marL="0" lvl="0" indent="0" algn="l" rtl="0">
+            <a:pPr indent="0" lvl="0" marL="0" rtl="0" algn="l">
               <a:spcBef>
                 <a:spcPts val="0"/>
               </a:spcBef>
@@ -10770,21 +10223,21 @@
               <a:buNone/>
             </a:pPr>
             <a:r>
-              <a:rPr lang="es" sz="6844" b="1">
+              <a:rPr b="1" lang="es" sz="6844">
                 <a:solidFill>
                   <a:schemeClr val="accent1"/>
                 </a:solidFill>
               </a:rPr>
               <a:t>Unit Testing</a:t>
             </a:r>
-            <a:endParaRPr sz="6844" b="1">
+            <a:endParaRPr b="1" sz="6844">
               <a:solidFill>
                 <a:schemeClr val="accent1"/>
               </a:solidFill>
             </a:endParaRPr>
           </a:p>
           <a:p>
-            <a:pPr marL="0" lvl="0" indent="0" algn="l" rtl="0">
+            <a:pPr indent="0" lvl="0" marL="0" rtl="0" algn="l">
               <a:spcBef>
                 <a:spcPts val="0"/>
               </a:spcBef>
@@ -10793,14 +10246,17 @@
               </a:spcAft>
               <a:buNone/>
             </a:pPr>
-            <a:endParaRPr sz="1100" b="1">
+            <a:r>
+              <a:t/>
+            </a:r>
+            <a:endParaRPr b="1" sz="1100">
               <a:solidFill>
                 <a:srgbClr val="EA9999"/>
               </a:solidFill>
             </a:endParaRPr>
           </a:p>
           <a:p>
-            <a:pPr marL="0" lvl="0" indent="0" algn="l" rtl="0">
+            <a:pPr indent="0" lvl="0" marL="0" rtl="0" algn="l">
               <a:spcBef>
                 <a:spcPts val="0"/>
               </a:spcBef>
@@ -10809,7 +10265,10 @@
               </a:spcAft>
               <a:buNone/>
             </a:pPr>
-            <a:endParaRPr sz="1100" b="1">
+            <a:r>
+              <a:t/>
+            </a:r>
+            <a:endParaRPr b="1" sz="1100">
               <a:solidFill>
                 <a:srgbClr val="EA9999"/>
               </a:solidFill>
@@ -10820,11 +10279,9 @@
       <p:sp>
         <p:nvSpPr>
           <p:cNvPr id="71" name="Google Shape;71;p14"/>
-          <p:cNvSpPr txBox="1">
-            <a:spLocks noGrp="1"/>
-          </p:cNvSpPr>
+          <p:cNvSpPr txBox="1"/>
           <p:nvPr>
-            <p:ph type="subTitle" idx="1"/>
+            <p:ph idx="1" type="subTitle"/>
           </p:nvPr>
         </p:nvSpPr>
         <p:spPr>
@@ -10837,12 +10294,12 @@
           </a:prstGeom>
         </p:spPr>
         <p:txBody>
-          <a:bodyPr spcFirstLastPara="1" wrap="square" lIns="91425" tIns="91425" rIns="91425" bIns="91425" anchor="t" anchorCtr="0">
+          <a:bodyPr anchorCtr="0" anchor="t" bIns="91425" lIns="91425" spcFirstLastPara="1" rIns="91425" wrap="square" tIns="91425">
             <a:normAutofit/>
           </a:bodyPr>
           <a:lstStyle/>
           <a:p>
-            <a:pPr marL="0" lvl="0" indent="0" algn="ctr" rtl="0">
+            <a:pPr indent="0" lvl="0" marL="0" rtl="0" algn="ctr">
               <a:spcBef>
                 <a:spcPts val="0"/>
               </a:spcBef>
@@ -10880,11 +10337,11 @@
 </file>
 
 <file path=ppt/slides/slide3.xml><?xml version="1.0" encoding="utf-8"?>
-<p:sld xmlns:a="http://schemas.openxmlformats.org/drawingml/2006/main" xmlns:r="http://schemas.openxmlformats.org/officeDocument/2006/relationships" xmlns:p="http://schemas.openxmlformats.org/presentationml/2006/main">
+<p:sld xmlns:a="http://schemas.openxmlformats.org/drawingml/2006/main" xmlns:r="http://schemas.openxmlformats.org/officeDocument/2006/relationships" xmlns:mc="http://schemas.openxmlformats.org/markup-compatibility/2006" xmlns:mv="urn:schemas-microsoft-com:mac:vml" xmlns:p="http://schemas.openxmlformats.org/presentationml/2006/main" xmlns:c="http://schemas.openxmlformats.org/drawingml/2006/chart" xmlns:dgm="http://schemas.openxmlformats.org/drawingml/2006/diagram" xmlns:o="urn:schemas-microsoft-com:office:office" xmlns:v="urn:schemas-microsoft-com:vml" xmlns:pvml="urn:schemas-microsoft-com:office:powerpoint" xmlns:com="http://schemas.openxmlformats.org/drawingml/2006/compatibility" xmlns:p14="http://schemas.microsoft.com/office/powerpoint/2010/main" xmlns:p15="http://schemas.microsoft.com/office/powerpoint/2012/main" xmlns:ahyp="http://schemas.microsoft.com/office/drawing/2018/hyperlinkcolor">
   <p:cSld>
     <p:spTree>
       <p:nvGrpSpPr>
-        <p:cNvPr id="1" name="Shape 75"/>
+        <p:cNvPr id="75" name="Shape 75"/>
         <p:cNvGrpSpPr/>
         <p:nvPr/>
       </p:nvGrpSpPr>
@@ -10899,9 +10356,7 @@
       <p:sp>
         <p:nvSpPr>
           <p:cNvPr id="76" name="Google Shape;76;p15"/>
-          <p:cNvSpPr txBox="1">
-            <a:spLocks noGrp="1"/>
-          </p:cNvSpPr>
+          <p:cNvSpPr txBox="1"/>
           <p:nvPr>
             <p:ph type="title"/>
           </p:nvPr>
@@ -10914,23 +10369,23 @@
           <a:prstGeom prst="rect">
             <a:avLst/>
           </a:prstGeom>
-          <a:ln w="9525" cap="flat" cmpd="sng">
+          <a:ln cap="flat" cmpd="sng" w="9525">
             <a:solidFill>
               <a:srgbClr val="A4C2F4"/>
             </a:solidFill>
             <a:prstDash val="solid"/>
             <a:round/>
-            <a:headEnd type="none" w="sm" len="sm"/>
-            <a:tailEnd type="none" w="sm" len="sm"/>
+            <a:headEnd len="sm" w="sm" type="none"/>
+            <a:tailEnd len="sm" w="sm" type="none"/>
           </a:ln>
         </p:spPr>
         <p:txBody>
-          <a:bodyPr spcFirstLastPara="1" wrap="square" lIns="91425" tIns="91425" rIns="91425" bIns="91425" anchor="b" anchorCtr="0">
+          <a:bodyPr anchorCtr="0" anchor="b" bIns="91425" lIns="91425" spcFirstLastPara="1" rIns="91425" wrap="square" tIns="91425">
             <a:normAutofit/>
           </a:bodyPr>
           <a:lstStyle/>
           <a:p>
-            <a:pPr marL="0" lvl="0" indent="0" algn="ctr" rtl="0">
+            <a:pPr indent="0" lvl="0" marL="0" rtl="0" algn="ctr">
               <a:spcBef>
                 <a:spcPts val="0"/>
               </a:spcBef>
@@ -10995,12 +10450,12 @@
           </a:ln>
         </p:spPr>
         <p:txBody>
-          <a:bodyPr spcFirstLastPara="1" wrap="square" lIns="91425" tIns="91425" rIns="91425" bIns="91425" anchor="t" anchorCtr="0">
+          <a:bodyPr anchorCtr="0" anchor="t" bIns="91425" lIns="91425" spcFirstLastPara="1" rIns="91425" wrap="square" tIns="91425">
             <a:spAutoFit/>
           </a:bodyPr>
           <a:lstStyle/>
           <a:p>
-            <a:pPr marL="0" lvl="0" indent="0" algn="ctr" rtl="0">
+            <a:pPr indent="0" lvl="0" marL="0" rtl="0" algn="ctr">
               <a:lnSpc>
                 <a:spcPct val="150000"/>
               </a:lnSpc>
@@ -11033,7 +10488,7 @@
               <a:t>Las </a:t>
             </a:r>
             <a:r>
-              <a:rPr lang="es" sz="1600" b="1">
+              <a:rPr b="1" lang="es" sz="1600">
                 <a:solidFill>
                   <a:srgbClr val="5C6370"/>
                 </a:solidFill>
@@ -11048,7 +10503,7 @@
               <a:t>pruebas unitarias o </a:t>
             </a:r>
             <a:r>
-              <a:rPr lang="es" sz="1600" b="1" i="1">
+              <a:rPr b="1" i="1" lang="es" sz="1600">
                 <a:solidFill>
                   <a:srgbClr val="5C6370"/>
                 </a:solidFill>
@@ -11095,11 +10550,11 @@
 </file>
 
 <file path=ppt/slides/slide4.xml><?xml version="1.0" encoding="utf-8"?>
-<p:sld xmlns:a="http://schemas.openxmlformats.org/drawingml/2006/main" xmlns:r="http://schemas.openxmlformats.org/officeDocument/2006/relationships" xmlns:p="http://schemas.openxmlformats.org/presentationml/2006/main">
+<p:sld xmlns:a="http://schemas.openxmlformats.org/drawingml/2006/main" xmlns:r="http://schemas.openxmlformats.org/officeDocument/2006/relationships" xmlns:mc="http://schemas.openxmlformats.org/markup-compatibility/2006" xmlns:mv="urn:schemas-microsoft-com:mac:vml" xmlns:p="http://schemas.openxmlformats.org/presentationml/2006/main" xmlns:c="http://schemas.openxmlformats.org/drawingml/2006/chart" xmlns:dgm="http://schemas.openxmlformats.org/drawingml/2006/diagram" xmlns:o="urn:schemas-microsoft-com:office:office" xmlns:v="urn:schemas-microsoft-com:vml" xmlns:pvml="urn:schemas-microsoft-com:office:powerpoint" xmlns:com="http://schemas.openxmlformats.org/drawingml/2006/compatibility" xmlns:p14="http://schemas.microsoft.com/office/powerpoint/2010/main" xmlns:p15="http://schemas.microsoft.com/office/powerpoint/2012/main" xmlns:ahyp="http://schemas.microsoft.com/office/drawing/2018/hyperlinkcolor">
   <p:cSld>
     <p:spTree>
       <p:nvGrpSpPr>
-        <p:cNvPr id="1" name="Shape 82"/>
+        <p:cNvPr id="82" name="Shape 82"/>
         <p:cNvGrpSpPr/>
         <p:nvPr/>
       </p:nvGrpSpPr>
@@ -11114,9 +10569,7 @@
       <p:sp>
         <p:nvSpPr>
           <p:cNvPr id="83" name="Google Shape;83;p16"/>
-          <p:cNvSpPr txBox="1">
-            <a:spLocks noGrp="1"/>
-          </p:cNvSpPr>
+          <p:cNvSpPr txBox="1"/>
           <p:nvPr>
             <p:ph type="title"/>
           </p:nvPr>
@@ -11129,23 +10582,23 @@
           <a:prstGeom prst="rect">
             <a:avLst/>
           </a:prstGeom>
-          <a:ln w="9525" cap="flat" cmpd="sng">
+          <a:ln cap="flat" cmpd="sng" w="9525">
             <a:solidFill>
               <a:srgbClr val="EA9999"/>
             </a:solidFill>
             <a:prstDash val="solid"/>
             <a:round/>
-            <a:headEnd type="none" w="sm" len="sm"/>
-            <a:tailEnd type="none" w="sm" len="sm"/>
+            <a:headEnd len="sm" w="sm" type="none"/>
+            <a:tailEnd len="sm" w="sm" type="none"/>
           </a:ln>
         </p:spPr>
         <p:txBody>
-          <a:bodyPr spcFirstLastPara="1" wrap="square" lIns="91425" tIns="91425" rIns="91425" bIns="91425" anchor="b" anchorCtr="0">
+          <a:bodyPr anchorCtr="0" anchor="b" bIns="91425" lIns="91425" spcFirstLastPara="1" rIns="91425" wrap="square" tIns="91425">
             <a:normAutofit/>
           </a:bodyPr>
           <a:lstStyle/>
           <a:p>
-            <a:pPr marL="0" lvl="0" indent="0" algn="ctr" rtl="0">
+            <a:pPr indent="0" lvl="0" marL="0" rtl="0" algn="ctr">
               <a:spcBef>
                 <a:spcPts val="0"/>
               </a:spcBef>
@@ -11165,11 +10618,9 @@
       <p:sp>
         <p:nvSpPr>
           <p:cNvPr id="84" name="Google Shape;84;p16"/>
-          <p:cNvSpPr txBox="1">
-            <a:spLocks noGrp="1"/>
-          </p:cNvSpPr>
+          <p:cNvSpPr txBox="1"/>
           <p:nvPr>
-            <p:ph type="body" idx="1"/>
+            <p:ph idx="1" type="body"/>
           </p:nvPr>
         </p:nvSpPr>
         <p:spPr>
@@ -11183,12 +10634,12 @@
           <a:noFill/>
         </p:spPr>
         <p:txBody>
-          <a:bodyPr spcFirstLastPara="1" wrap="square" lIns="91425" tIns="91425" rIns="91425" bIns="91425" anchor="t" anchorCtr="0">
+          <a:bodyPr anchorCtr="0" anchor="t" bIns="91425" lIns="91425" spcFirstLastPara="1" rIns="91425" wrap="square" tIns="91425">
             <a:noAutofit/>
           </a:bodyPr>
           <a:lstStyle/>
           <a:p>
-            <a:pPr marL="457200" lvl="0" indent="-342900" algn="l" rtl="0">
+            <a:pPr indent="-342900" lvl="0" marL="457200" rtl="0" algn="l">
               <a:spcBef>
                 <a:spcPts val="0"/>
               </a:spcBef>
@@ -11205,7 +10656,7 @@
             <a:endParaRPr/>
           </a:p>
           <a:p>
-            <a:pPr marL="457200" lvl="0" indent="-342900" algn="l" rtl="0">
+            <a:pPr indent="-342900" lvl="0" marL="457200" rtl="0" algn="l">
               <a:spcBef>
                 <a:spcPts val="0"/>
               </a:spcBef>
@@ -11222,7 +10673,7 @@
             <a:endParaRPr/>
           </a:p>
           <a:p>
-            <a:pPr marL="457200" lvl="0" indent="-342900" algn="l" rtl="0">
+            <a:pPr indent="-342900" lvl="0" marL="457200" rtl="0" algn="l">
               <a:spcBef>
                 <a:spcPts val="0"/>
               </a:spcBef>
@@ -11239,7 +10690,7 @@
             <a:endParaRPr/>
           </a:p>
           <a:p>
-            <a:pPr marL="457200" lvl="0" indent="-342900" algn="l" rtl="0">
+            <a:pPr indent="-342900" lvl="0" marL="457200" rtl="0" algn="l">
               <a:spcBef>
                 <a:spcPts val="0"/>
               </a:spcBef>
@@ -11256,7 +10707,7 @@
             <a:endParaRPr/>
           </a:p>
           <a:p>
-            <a:pPr marL="457200" lvl="0" indent="-342900" algn="l" rtl="0">
+            <a:pPr indent="-342900" lvl="0" marL="457200" rtl="0" algn="l">
               <a:spcBef>
                 <a:spcPts val="0"/>
               </a:spcBef>
@@ -11273,7 +10724,7 @@
             <a:endParaRPr/>
           </a:p>
           <a:p>
-            <a:pPr marL="457200" lvl="0" indent="-342900" algn="l" rtl="0">
+            <a:pPr indent="-342900" lvl="0" marL="457200" rtl="0" algn="l">
               <a:spcBef>
                 <a:spcPts val="0"/>
               </a:spcBef>
@@ -11298,7 +10749,7 @@
             </a:endParaRPr>
           </a:p>
           <a:p>
-            <a:pPr marL="0" lvl="0" indent="0" algn="l" rtl="0">
+            <a:pPr indent="0" lvl="0" marL="0" rtl="0" algn="l">
               <a:spcBef>
                 <a:spcPts val="0"/>
               </a:spcBef>
@@ -11307,6 +10758,9 @@
               </a:spcAft>
               <a:buNone/>
             </a:pPr>
+            <a:r>
+              <a:t/>
+            </a:r>
             <a:endParaRPr sz="2100">
               <a:highlight>
                 <a:srgbClr val="FFFFFF"/>
@@ -11328,11 +10782,11 @@
 </file>
 
 <file path=ppt/slides/slide5.xml><?xml version="1.0" encoding="utf-8"?>
-<p:sld xmlns:a="http://schemas.openxmlformats.org/drawingml/2006/main" xmlns:r="http://schemas.openxmlformats.org/officeDocument/2006/relationships" xmlns:p="http://schemas.openxmlformats.org/presentationml/2006/main">
+<p:sld xmlns:a="http://schemas.openxmlformats.org/drawingml/2006/main" xmlns:r="http://schemas.openxmlformats.org/officeDocument/2006/relationships" xmlns:mc="http://schemas.openxmlformats.org/markup-compatibility/2006" xmlns:mv="urn:schemas-microsoft-com:mac:vml" xmlns:p="http://schemas.openxmlformats.org/presentationml/2006/main" xmlns:c="http://schemas.openxmlformats.org/drawingml/2006/chart" xmlns:dgm="http://schemas.openxmlformats.org/drawingml/2006/diagram" xmlns:o="urn:schemas-microsoft-com:office:office" xmlns:v="urn:schemas-microsoft-com:vml" xmlns:pvml="urn:schemas-microsoft-com:office:powerpoint" xmlns:com="http://schemas.openxmlformats.org/drawingml/2006/compatibility" xmlns:p14="http://schemas.microsoft.com/office/powerpoint/2010/main" xmlns:p15="http://schemas.microsoft.com/office/powerpoint/2012/main" xmlns:ahyp="http://schemas.microsoft.com/office/drawing/2018/hyperlinkcolor">
   <p:cSld>
     <p:spTree>
       <p:nvGrpSpPr>
-        <p:cNvPr id="1" name="Shape 88"/>
+        <p:cNvPr id="88" name="Shape 88"/>
         <p:cNvGrpSpPr/>
         <p:nvPr/>
       </p:nvGrpSpPr>
@@ -11347,9 +10801,7 @@
       <p:sp>
         <p:nvSpPr>
           <p:cNvPr id="89" name="Google Shape;89;p17"/>
-          <p:cNvSpPr txBox="1">
-            <a:spLocks noGrp="1"/>
-          </p:cNvSpPr>
+          <p:cNvSpPr txBox="1"/>
           <p:nvPr>
             <p:ph type="title"/>
           </p:nvPr>
@@ -11364,12 +10816,12 @@
           </a:prstGeom>
         </p:spPr>
         <p:txBody>
-          <a:bodyPr spcFirstLastPara="1" wrap="square" lIns="91425" tIns="91425" rIns="91425" bIns="91425" anchor="b" anchorCtr="0">
+          <a:bodyPr anchorCtr="0" anchor="b" bIns="91425" lIns="91425" spcFirstLastPara="1" rIns="91425" wrap="square" tIns="91425">
             <a:normAutofit/>
           </a:bodyPr>
           <a:lstStyle/>
           <a:p>
-            <a:pPr marL="0" lvl="0" indent="0" algn="ctr" rtl="0">
+            <a:pPr indent="0" lvl="0" marL="0" rtl="0" algn="ctr">
               <a:spcBef>
                 <a:spcPts val="0"/>
               </a:spcBef>
@@ -11389,11 +10841,9 @@
       <p:sp>
         <p:nvSpPr>
           <p:cNvPr id="90" name="Google Shape;90;p17"/>
-          <p:cNvSpPr txBox="1">
-            <a:spLocks noGrp="1"/>
-          </p:cNvSpPr>
+          <p:cNvSpPr txBox="1"/>
           <p:nvPr>
-            <p:ph type="body" idx="1"/>
+            <p:ph idx="1" type="body"/>
           </p:nvPr>
         </p:nvSpPr>
         <p:spPr>
@@ -11407,12 +10857,12 @@
           <a:noFill/>
         </p:spPr>
         <p:txBody>
-          <a:bodyPr spcFirstLastPara="1" wrap="square" lIns="91425" tIns="91425" rIns="91425" bIns="91425" anchor="t" anchorCtr="0">
+          <a:bodyPr anchorCtr="0" anchor="t" bIns="91425" lIns="91425" spcFirstLastPara="1" rIns="91425" wrap="square" tIns="91425">
             <a:noAutofit/>
           </a:bodyPr>
           <a:lstStyle/>
           <a:p>
-            <a:pPr marL="1371600" lvl="0" indent="-355600" algn="l" rtl="0">
+            <a:pPr indent="-355600" lvl="0" marL="1371600" rtl="0" algn="l">
               <a:spcBef>
                 <a:spcPts val="0"/>
               </a:spcBef>
@@ -11461,7 +10911,7 @@
             </a:endParaRPr>
           </a:p>
           <a:p>
-            <a:pPr marL="1371600" lvl="0" indent="-355600" algn="l" rtl="0">
+            <a:pPr indent="-355600" lvl="0" marL="1371600" rtl="0" algn="l">
               <a:spcBef>
                 <a:spcPts val="0"/>
               </a:spcBef>
@@ -11498,7 +10948,7 @@
             </a:endParaRPr>
           </a:p>
           <a:p>
-            <a:pPr marL="1371600" lvl="0" indent="-355600" algn="l" rtl="0">
+            <a:pPr indent="-355600" lvl="0" marL="1371600" rtl="0" algn="l">
               <a:spcBef>
                 <a:spcPts val="0"/>
               </a:spcBef>
@@ -11535,7 +10985,7 @@
             </a:endParaRPr>
           </a:p>
           <a:p>
-            <a:pPr marL="457200" lvl="0" indent="0" algn="l" rtl="0">
+            <a:pPr indent="0" lvl="0" marL="457200" rtl="0" algn="l">
               <a:spcBef>
                 <a:spcPts val="3700"/>
               </a:spcBef>
@@ -11544,6 +10994,9 @@
               </a:spcAft>
               <a:buNone/>
             </a:pPr>
+            <a:r>
+              <a:t/>
+            </a:r>
             <a:endParaRPr>
               <a:solidFill>
                 <a:srgbClr val="404040"/>
@@ -11596,11 +11049,11 @@
 </file>
 
 <file path=ppt/slides/slide6.xml><?xml version="1.0" encoding="utf-8"?>
-<p:sld xmlns:a="http://schemas.openxmlformats.org/drawingml/2006/main" xmlns:r="http://schemas.openxmlformats.org/officeDocument/2006/relationships" xmlns:p="http://schemas.openxmlformats.org/presentationml/2006/main">
+<p:sld xmlns:a="http://schemas.openxmlformats.org/drawingml/2006/main" xmlns:r="http://schemas.openxmlformats.org/officeDocument/2006/relationships" xmlns:mc="http://schemas.openxmlformats.org/markup-compatibility/2006" xmlns:mv="urn:schemas-microsoft-com:mac:vml" xmlns:p="http://schemas.openxmlformats.org/presentationml/2006/main" xmlns:c="http://schemas.openxmlformats.org/drawingml/2006/chart" xmlns:dgm="http://schemas.openxmlformats.org/drawingml/2006/diagram" xmlns:o="urn:schemas-microsoft-com:office:office" xmlns:v="urn:schemas-microsoft-com:vml" xmlns:pvml="urn:schemas-microsoft-com:office:powerpoint" xmlns:com="http://schemas.openxmlformats.org/drawingml/2006/compatibility" xmlns:p14="http://schemas.microsoft.com/office/powerpoint/2010/main" xmlns:p15="http://schemas.microsoft.com/office/powerpoint/2012/main" xmlns:ahyp="http://schemas.microsoft.com/office/drawing/2018/hyperlinkcolor">
   <p:cSld>
     <p:spTree>
       <p:nvGrpSpPr>
-        <p:cNvPr id="1" name="Shape 95"/>
+        <p:cNvPr id="95" name="Shape 95"/>
         <p:cNvGrpSpPr/>
         <p:nvPr/>
       </p:nvGrpSpPr>
@@ -11629,23 +11082,23 @@
           <a:solidFill>
             <a:srgbClr val="B4A7D6"/>
           </a:solidFill>
-          <a:ln w="9525" cap="flat" cmpd="sng">
+          <a:ln cap="flat" cmpd="sng" w="9525">
             <a:solidFill>
               <a:schemeClr val="dk2"/>
             </a:solidFill>
             <a:prstDash val="solid"/>
             <a:round/>
-            <a:headEnd type="none" w="sm" len="sm"/>
-            <a:tailEnd type="none" w="sm" len="sm"/>
+            <a:headEnd len="sm" w="sm" type="none"/>
+            <a:tailEnd len="sm" w="sm" type="none"/>
           </a:ln>
         </p:spPr>
         <p:txBody>
-          <a:bodyPr spcFirstLastPara="1" wrap="square" lIns="91425" tIns="91425" rIns="91425" bIns="91425" anchor="ctr" anchorCtr="0">
+          <a:bodyPr anchorCtr="0" anchor="ctr" bIns="91425" lIns="91425" spcFirstLastPara="1" rIns="91425" wrap="square" tIns="91425">
             <a:noAutofit/>
           </a:bodyPr>
           <a:lstStyle/>
           <a:p>
-            <a:pPr marL="0" lvl="0" indent="0" algn="ctr" rtl="0">
+            <a:pPr indent="0" lvl="0" marL="0" rtl="0" algn="ctr">
               <a:spcBef>
                 <a:spcPts val="0"/>
               </a:spcBef>
@@ -11687,23 +11140,23 @@
           <a:solidFill>
             <a:srgbClr val="A4C2F4"/>
           </a:solidFill>
-          <a:ln w="9525" cap="flat" cmpd="sng">
+          <a:ln cap="flat" cmpd="sng" w="9525">
             <a:solidFill>
               <a:schemeClr val="dk2"/>
             </a:solidFill>
             <a:prstDash val="solid"/>
             <a:round/>
-            <a:headEnd type="none" w="sm" len="sm"/>
-            <a:tailEnd type="none" w="sm" len="sm"/>
+            <a:headEnd len="sm" w="sm" type="none"/>
+            <a:tailEnd len="sm" w="sm" type="none"/>
           </a:ln>
         </p:spPr>
         <p:txBody>
-          <a:bodyPr spcFirstLastPara="1" wrap="square" lIns="91425" tIns="91425" rIns="91425" bIns="91425" anchor="ctr" anchorCtr="0">
+          <a:bodyPr anchorCtr="0" anchor="ctr" bIns="91425" lIns="91425" spcFirstLastPara="1" rIns="91425" wrap="square" tIns="91425">
             <a:noAutofit/>
           </a:bodyPr>
           <a:lstStyle/>
           <a:p>
-            <a:pPr marL="0" lvl="0" indent="0" algn="ctr" rtl="0">
+            <a:pPr indent="0" lvl="0" marL="0" rtl="0" algn="ctr">
               <a:spcBef>
                 <a:spcPts val="0"/>
               </a:spcBef>
@@ -11745,23 +11198,23 @@
           <a:solidFill>
             <a:srgbClr val="93C47D"/>
           </a:solidFill>
-          <a:ln w="9525" cap="flat" cmpd="sng">
+          <a:ln cap="flat" cmpd="sng" w="9525">
             <a:solidFill>
               <a:schemeClr val="dk2"/>
             </a:solidFill>
             <a:prstDash val="solid"/>
             <a:round/>
-            <a:headEnd type="none" w="sm" len="sm"/>
-            <a:tailEnd type="none" w="sm" len="sm"/>
+            <a:headEnd len="sm" w="sm" type="none"/>
+            <a:tailEnd len="sm" w="sm" type="none"/>
           </a:ln>
         </p:spPr>
         <p:txBody>
-          <a:bodyPr spcFirstLastPara="1" wrap="square" lIns="91425" tIns="91425" rIns="91425" bIns="91425" anchor="ctr" anchorCtr="0">
+          <a:bodyPr anchorCtr="0" anchor="ctr" bIns="91425" lIns="91425" spcFirstLastPara="1" rIns="91425" wrap="square" tIns="91425">
             <a:noAutofit/>
           </a:bodyPr>
           <a:lstStyle/>
           <a:p>
-            <a:pPr marL="0" lvl="0" indent="0" algn="ctr" rtl="0">
+            <a:pPr indent="0" lvl="0" marL="0" rtl="0" algn="ctr">
               <a:spcBef>
                 <a:spcPts val="0"/>
               </a:spcBef>
@@ -11803,23 +11256,23 @@
           <a:solidFill>
             <a:srgbClr val="FFD966"/>
           </a:solidFill>
-          <a:ln w="9525" cap="flat" cmpd="sng">
+          <a:ln cap="flat" cmpd="sng" w="9525">
             <a:solidFill>
               <a:schemeClr val="dk2"/>
             </a:solidFill>
             <a:prstDash val="solid"/>
             <a:round/>
-            <a:headEnd type="none" w="sm" len="sm"/>
-            <a:tailEnd type="none" w="sm" len="sm"/>
+            <a:headEnd len="sm" w="sm" type="none"/>
+            <a:tailEnd len="sm" w="sm" type="none"/>
           </a:ln>
         </p:spPr>
         <p:txBody>
-          <a:bodyPr spcFirstLastPara="1" wrap="square" lIns="91425" tIns="91425" rIns="91425" bIns="91425" anchor="ctr" anchorCtr="0">
+          <a:bodyPr anchorCtr="0" anchor="ctr" bIns="91425" lIns="91425" spcFirstLastPara="1" rIns="91425" wrap="square" tIns="91425">
             <a:noAutofit/>
           </a:bodyPr>
           <a:lstStyle/>
           <a:p>
-            <a:pPr marL="0" lvl="0" indent="0" algn="ctr" rtl="0">
+            <a:pPr indent="0" lvl="0" marL="0" rtl="0" algn="ctr">
               <a:spcBef>
                 <a:spcPts val="0"/>
               </a:spcBef>
@@ -11861,23 +11314,23 @@
           <a:solidFill>
             <a:srgbClr val="A2C4C9"/>
           </a:solidFill>
-          <a:ln w="9525" cap="flat" cmpd="sng">
+          <a:ln cap="flat" cmpd="sng" w="9525">
             <a:solidFill>
               <a:schemeClr val="dk2"/>
             </a:solidFill>
             <a:prstDash val="solid"/>
             <a:round/>
-            <a:headEnd type="none" w="sm" len="sm"/>
-            <a:tailEnd type="none" w="sm" len="sm"/>
+            <a:headEnd len="sm" w="sm" type="none"/>
+            <a:tailEnd len="sm" w="sm" type="none"/>
           </a:ln>
         </p:spPr>
         <p:txBody>
-          <a:bodyPr spcFirstLastPara="1" wrap="square" lIns="91425" tIns="91425" rIns="91425" bIns="91425" anchor="ctr" anchorCtr="0">
+          <a:bodyPr anchorCtr="0" anchor="ctr" bIns="91425" lIns="91425" spcFirstLastPara="1" rIns="91425" wrap="square" tIns="91425">
             <a:noAutofit/>
           </a:bodyPr>
           <a:lstStyle/>
           <a:p>
-            <a:pPr marL="0" lvl="0" indent="0" algn="ctr" rtl="0">
+            <a:pPr indent="0" lvl="0" marL="0" rtl="0" algn="ctr">
               <a:spcBef>
                 <a:spcPts val="0"/>
               </a:spcBef>
@@ -11887,14 +11340,14 @@
               <a:buNone/>
             </a:pPr>
             <a:r>
-              <a:rPr lang="es" sz="1200" b="1">
+              <a:rPr b="1" lang="es" sz="1200">
                 <a:solidFill>
                   <a:schemeClr val="dk1"/>
                 </a:solidFill>
               </a:rPr>
               <a:t>Ejecutar Unit Testing</a:t>
             </a:r>
-            <a:endParaRPr sz="1200" b="1">
+            <a:endParaRPr b="1" sz="1200">
               <a:solidFill>
                 <a:schemeClr val="dk1"/>
               </a:solidFill>
@@ -11919,23 +11372,23 @@
           <a:solidFill>
             <a:srgbClr val="E06666"/>
           </a:solidFill>
-          <a:ln w="9525" cap="flat" cmpd="sng">
+          <a:ln cap="flat" cmpd="sng" w="9525">
             <a:solidFill>
               <a:schemeClr val="dk2"/>
             </a:solidFill>
             <a:prstDash val="solid"/>
             <a:round/>
-            <a:headEnd type="none" w="sm" len="sm"/>
-            <a:tailEnd type="none" w="sm" len="sm"/>
+            <a:headEnd len="sm" w="sm" type="none"/>
+            <a:tailEnd len="sm" w="sm" type="none"/>
           </a:ln>
         </p:spPr>
         <p:txBody>
-          <a:bodyPr spcFirstLastPara="1" wrap="square" lIns="91425" tIns="91425" rIns="91425" bIns="91425" anchor="ctr" anchorCtr="0">
+          <a:bodyPr anchorCtr="0" anchor="ctr" bIns="91425" lIns="91425" spcFirstLastPara="1" rIns="91425" wrap="square" tIns="91425">
             <a:noAutofit/>
           </a:bodyPr>
           <a:lstStyle/>
           <a:p>
-            <a:pPr marL="0" lvl="0" indent="0" algn="ctr" rtl="0">
+            <a:pPr indent="0" lvl="0" marL="0" rtl="0" algn="ctr">
               <a:spcBef>
                 <a:spcPts val="0"/>
               </a:spcBef>
@@ -11950,7 +11403,23 @@
                   <a:schemeClr val="dk1"/>
                 </a:solidFill>
               </a:rPr>
-              <a:t>Push del código al repositorio</a:t>
+              <a:t>Push del </a:t>
+            </a:r>
+            <a:r>
+              <a:rPr lang="es" sz="1200">
+                <a:solidFill>
+                  <a:schemeClr val="dk1"/>
+                </a:solidFill>
+              </a:rPr>
+              <a:t>código</a:t>
+            </a:r>
+            <a:r>
+              <a:rPr lang="es" sz="1200">
+                <a:solidFill>
+                  <a:schemeClr val="dk1"/>
+                </a:solidFill>
+              </a:rPr>
+              <a:t> al repositorio</a:t>
             </a:r>
             <a:endParaRPr sz="1200">
               <a:solidFill>
@@ -11976,19 +11445,19 @@
           </a:xfrm>
           <a:prstGeom prst="curvedConnector4">
             <a:avLst>
-              <a:gd name="adj1" fmla="val -201459"/>
-              <a:gd name="adj2" fmla="val 90303"/>
+              <a:gd fmla="val -201459" name="adj1"/>
+              <a:gd fmla="val 90303" name="adj2"/>
             </a:avLst>
           </a:prstGeom>
           <a:noFill/>
-          <a:ln w="28575" cap="flat" cmpd="sng">
+          <a:ln cap="flat" cmpd="sng" w="28575">
             <a:solidFill>
               <a:srgbClr val="DD7E6B"/>
             </a:solidFill>
             <a:prstDash val="solid"/>
             <a:round/>
-            <a:headEnd type="none" w="med" len="med"/>
-            <a:tailEnd type="stealth" w="med" len="med"/>
+            <a:headEnd len="med" w="med" type="none"/>
+            <a:tailEnd len="med" w="med" type="stealth"/>
           </a:ln>
         </p:spPr>
       </p:cxnSp>
@@ -12008,18 +11477,18 @@
           </a:xfrm>
           <a:prstGeom prst="curvedConnector3">
             <a:avLst>
-              <a:gd name="adj1" fmla="val 102574"/>
+              <a:gd fmla="val 102574" name="adj1"/>
             </a:avLst>
           </a:prstGeom>
           <a:noFill/>
-          <a:ln w="28575" cap="flat" cmpd="sng">
+          <a:ln cap="flat" cmpd="sng" w="28575">
             <a:solidFill>
               <a:srgbClr val="DD7E6B"/>
             </a:solidFill>
             <a:prstDash val="solid"/>
             <a:round/>
-            <a:headEnd type="none" w="med" len="med"/>
-            <a:tailEnd type="stealth" w="med" len="med"/>
+            <a:headEnd len="med" w="med" type="none"/>
+            <a:tailEnd len="med" w="med" type="stealth"/>
           </a:ln>
         </p:spPr>
       </p:cxnSp>
@@ -12033,24 +11502,24 @@
           <p:nvPr/>
         </p:nvCxnSpPr>
         <p:spPr>
-          <a:xfrm rot="10800000" flipH="1">
+          <a:xfrm flipH="1" rot="10800000">
             <a:off x="2068900" y="1550850"/>
             <a:ext cx="161700" cy="1677000"/>
           </a:xfrm>
           <a:prstGeom prst="curvedConnector3">
             <a:avLst>
-              <a:gd name="adj1" fmla="val -147263"/>
+              <a:gd fmla="val -147263" name="adj1"/>
             </a:avLst>
           </a:prstGeom>
           <a:noFill/>
-          <a:ln w="28575" cap="flat" cmpd="sng">
+          <a:ln cap="flat" cmpd="sng" w="28575">
             <a:solidFill>
               <a:srgbClr val="DD7E6B"/>
             </a:solidFill>
             <a:prstDash val="solid"/>
             <a:round/>
-            <a:headEnd type="none" w="med" len="med"/>
-            <a:tailEnd type="stealth" w="med" len="med"/>
+            <a:headEnd len="med" w="med" type="none"/>
+            <a:tailEnd len="med" w="med" type="stealth"/>
           </a:ln>
         </p:spPr>
       </p:cxnSp>
@@ -12070,18 +11539,18 @@
           </a:xfrm>
           <a:prstGeom prst="curvedConnector3">
             <a:avLst>
-              <a:gd name="adj1" fmla="val 125880"/>
+              <a:gd fmla="val 125880" name="adj1"/>
             </a:avLst>
           </a:prstGeom>
           <a:noFill/>
-          <a:ln w="28575" cap="flat" cmpd="sng">
+          <a:ln cap="flat" cmpd="sng" w="28575">
             <a:solidFill>
               <a:srgbClr val="E06666"/>
             </a:solidFill>
             <a:prstDash val="solid"/>
             <a:round/>
-            <a:headEnd type="none" w="med" len="med"/>
-            <a:tailEnd type="stealth" w="med" len="med"/>
+            <a:headEnd len="med" w="med" type="none"/>
+            <a:tailEnd len="med" w="med" type="stealth"/>
           </a:ln>
         </p:spPr>
       </p:cxnSp>
@@ -12102,23 +11571,23 @@
           <a:solidFill>
             <a:schemeClr val="lt2"/>
           </a:solidFill>
-          <a:ln w="9525" cap="flat" cmpd="sng">
+          <a:ln cap="flat" cmpd="sng" w="9525">
             <a:solidFill>
               <a:schemeClr val="dk2"/>
             </a:solidFill>
             <a:prstDash val="solid"/>
             <a:round/>
-            <a:headEnd type="none" w="sm" len="sm"/>
-            <a:tailEnd type="none" w="sm" len="sm"/>
+            <a:headEnd len="sm" w="sm" type="none"/>
+            <a:tailEnd len="sm" w="sm" type="none"/>
           </a:ln>
         </p:spPr>
         <p:txBody>
-          <a:bodyPr spcFirstLastPara="1" wrap="square" lIns="91425" tIns="91425" rIns="91425" bIns="91425" anchor="ctr" anchorCtr="0">
+          <a:bodyPr anchorCtr="0" anchor="ctr" bIns="91425" lIns="91425" spcFirstLastPara="1" rIns="91425" wrap="square" tIns="91425">
             <a:noAutofit/>
           </a:bodyPr>
           <a:lstStyle/>
           <a:p>
-            <a:pPr marL="0" lvl="0" indent="0" algn="ctr" rtl="0">
+            <a:pPr indent="0" lvl="0" marL="0" rtl="0" algn="ctr">
               <a:spcBef>
                 <a:spcPts val="0"/>
               </a:spcBef>
@@ -12132,6 +11601,9 @@
               <a:buFont typeface="Arial"/>
               <a:buNone/>
             </a:pPr>
+            <a:r>
+              <a:t/>
+            </a:r>
             <a:endParaRPr>
               <a:solidFill>
                 <a:schemeClr val="dk1"/>
@@ -12139,7 +11611,7 @@
             </a:endParaRPr>
           </a:p>
           <a:p>
-            <a:pPr marL="0" lvl="0" indent="0" algn="ctr" rtl="0">
+            <a:pPr indent="0" lvl="0" marL="0" rtl="0" algn="ctr">
               <a:spcBef>
                 <a:spcPts val="0"/>
               </a:spcBef>
@@ -12164,7 +11636,7 @@
             <a:endParaRPr/>
           </a:p>
           <a:p>
-            <a:pPr marL="0" lvl="0" indent="0" algn="ctr" rtl="0">
+            <a:pPr indent="0" lvl="0" marL="0" rtl="0" algn="ctr">
               <a:spcBef>
                 <a:spcPts val="0"/>
               </a:spcBef>
@@ -12180,7 +11652,7 @@
             <a:endParaRPr/>
           </a:p>
           <a:p>
-            <a:pPr marL="0" lvl="0" indent="0" algn="l" rtl="0">
+            <a:pPr indent="0" lvl="0" marL="0" rtl="0" algn="l">
               <a:spcBef>
                 <a:spcPts val="0"/>
               </a:spcBef>
@@ -12189,6 +11661,9 @@
               </a:spcAft>
               <a:buNone/>
             </a:pPr>
+            <a:r>
+              <a:t/>
+            </a:r>
             <a:endParaRPr/>
           </a:p>
         </p:txBody>
@@ -12203,24 +11678,24 @@
           <p:nvPr/>
         </p:nvCxnSpPr>
         <p:spPr>
-          <a:xfrm rot="5400000" flipH="1">
+          <a:xfrm flipH="1" rot="5400000">
             <a:off x="3028724" y="3567033"/>
             <a:ext cx="778800" cy="1412700"/>
           </a:xfrm>
           <a:prstGeom prst="curvedConnector3">
             <a:avLst>
-              <a:gd name="adj1" fmla="val 4463"/>
+              <a:gd fmla="val 4463" name="adj1"/>
             </a:avLst>
           </a:prstGeom>
           <a:noFill/>
-          <a:ln w="28575" cap="flat" cmpd="sng">
+          <a:ln cap="flat" cmpd="sng" w="28575">
             <a:solidFill>
               <a:srgbClr val="DD7E6B"/>
             </a:solidFill>
             <a:prstDash val="solid"/>
             <a:round/>
-            <a:headEnd type="none" w="med" len="med"/>
-            <a:tailEnd type="stealth" w="med" len="med"/>
+            <a:headEnd len="med" w="med" type="none"/>
+            <a:tailEnd len="med" w="med" type="stealth"/>
           </a:ln>
         </p:spPr>
       </p:cxnSp>
@@ -12234,24 +11709,24 @@
           <p:nvPr/>
         </p:nvCxnSpPr>
         <p:spPr>
-          <a:xfrm rot="-5400000" flipH="1">
+          <a:xfrm flipH="1" rot="-5400000">
             <a:off x="5367399" y="-8683"/>
             <a:ext cx="562500" cy="1244100"/>
           </a:xfrm>
           <a:prstGeom prst="curvedConnector3">
             <a:avLst>
-              <a:gd name="adj1" fmla="val -5541"/>
+              <a:gd fmla="val -5541" name="adj1"/>
             </a:avLst>
           </a:prstGeom>
           <a:noFill/>
-          <a:ln w="28575" cap="flat" cmpd="sng">
+          <a:ln cap="flat" cmpd="sng" w="28575">
             <a:solidFill>
               <a:srgbClr val="DD7E6B"/>
             </a:solidFill>
             <a:prstDash val="solid"/>
             <a:round/>
-            <a:headEnd type="none" w="med" len="med"/>
-            <a:tailEnd type="stealth" w="med" len="med"/>
+            <a:headEnd len="med" w="med" type="none"/>
+            <a:tailEnd len="med" w="med" type="stealth"/>
           </a:ln>
         </p:spPr>
       </p:cxnSp>
@@ -12264,11 +11739,11 @@
 </file>
 
 <file path=ppt/slides/slide7.xml><?xml version="1.0" encoding="utf-8"?>
-<p:sld xmlns:a="http://schemas.openxmlformats.org/drawingml/2006/main" xmlns:r="http://schemas.openxmlformats.org/officeDocument/2006/relationships" xmlns:p="http://schemas.openxmlformats.org/presentationml/2006/main">
+<p:sld xmlns:a="http://schemas.openxmlformats.org/drawingml/2006/main" xmlns:r="http://schemas.openxmlformats.org/officeDocument/2006/relationships" xmlns:mc="http://schemas.openxmlformats.org/markup-compatibility/2006" xmlns:mv="urn:schemas-microsoft-com:mac:vml" xmlns:p="http://schemas.openxmlformats.org/presentationml/2006/main" xmlns:c="http://schemas.openxmlformats.org/drawingml/2006/chart" xmlns:dgm="http://schemas.openxmlformats.org/drawingml/2006/diagram" xmlns:o="urn:schemas-microsoft-com:office:office" xmlns:v="urn:schemas-microsoft-com:vml" xmlns:pvml="urn:schemas-microsoft-com:office:powerpoint" xmlns:com="http://schemas.openxmlformats.org/drawingml/2006/compatibility" xmlns:p14="http://schemas.microsoft.com/office/powerpoint/2010/main" xmlns:p15="http://schemas.microsoft.com/office/powerpoint/2012/main" xmlns:ahyp="http://schemas.microsoft.com/office/drawing/2018/hyperlinkcolor">
   <p:cSld>
     <p:spTree>
       <p:nvGrpSpPr>
-        <p:cNvPr id="1" name="Shape 112"/>
+        <p:cNvPr id="112" name="Shape 112"/>
         <p:cNvGrpSpPr/>
         <p:nvPr/>
       </p:nvGrpSpPr>
@@ -12317,11 +11792,11 @@
 </file>
 
 <file path=ppt/slides/slide8.xml><?xml version="1.0" encoding="utf-8"?>
-<p:sld xmlns:a="http://schemas.openxmlformats.org/drawingml/2006/main" xmlns:r="http://schemas.openxmlformats.org/officeDocument/2006/relationships" xmlns:p="http://schemas.openxmlformats.org/presentationml/2006/main">
+<p:sld xmlns:a="http://schemas.openxmlformats.org/drawingml/2006/main" xmlns:r="http://schemas.openxmlformats.org/officeDocument/2006/relationships" xmlns:mc="http://schemas.openxmlformats.org/markup-compatibility/2006" xmlns:mv="urn:schemas-microsoft-com:mac:vml" xmlns:p="http://schemas.openxmlformats.org/presentationml/2006/main" xmlns:c="http://schemas.openxmlformats.org/drawingml/2006/chart" xmlns:dgm="http://schemas.openxmlformats.org/drawingml/2006/diagram" xmlns:o="urn:schemas-microsoft-com:office:office" xmlns:v="urn:schemas-microsoft-com:vml" xmlns:pvml="urn:schemas-microsoft-com:office:powerpoint" xmlns:com="http://schemas.openxmlformats.org/drawingml/2006/compatibility" xmlns:p14="http://schemas.microsoft.com/office/powerpoint/2010/main" xmlns:p15="http://schemas.microsoft.com/office/powerpoint/2012/main" xmlns:ahyp="http://schemas.microsoft.com/office/drawing/2018/hyperlinkcolor">
   <p:cSld>
     <p:spTree>
       <p:nvGrpSpPr>
-        <p:cNvPr id="1" name="Shape 117"/>
+        <p:cNvPr id="117" name="Shape 117"/>
         <p:cNvGrpSpPr/>
         <p:nvPr/>
       </p:nvGrpSpPr>
@@ -12381,12 +11856,12 @@
           </a:ln>
         </p:spPr>
         <p:txBody>
-          <a:bodyPr spcFirstLastPara="1" wrap="square" lIns="91425" tIns="91425" rIns="91425" bIns="91425" anchor="t" anchorCtr="0">
+          <a:bodyPr anchorCtr="0" anchor="t" bIns="91425" lIns="91425" spcFirstLastPara="1" rIns="91425" wrap="square" tIns="91425">
             <a:noAutofit/>
           </a:bodyPr>
           <a:lstStyle/>
           <a:p>
-            <a:pPr marL="457200" lvl="0" indent="-336550" algn="l" rtl="0">
+            <a:pPr indent="-336550" lvl="0" marL="457200" rtl="0" algn="l">
               <a:spcBef>
                 <a:spcPts val="0"/>
               </a:spcBef>
@@ -12397,7 +11872,7 @@
               <a:buChar char="●"/>
             </a:pPr>
             <a:r>
-              <a:rPr lang="es" sz="1700" b="1"/>
+              <a:rPr b="1" lang="es" sz="1700"/>
               <a:t>NUnit</a:t>
             </a:r>
             <a:r>
@@ -12407,7 +11882,7 @@
             <a:endParaRPr sz="1700"/>
           </a:p>
           <a:p>
-            <a:pPr marL="0" lvl="0" indent="0" algn="l" rtl="0">
+            <a:pPr indent="0" lvl="0" marL="0" rtl="0" algn="l">
               <a:spcBef>
                 <a:spcPts val="0"/>
               </a:spcBef>
@@ -12416,10 +11891,13 @@
               </a:spcAft>
               <a:buNone/>
             </a:pPr>
+            <a:r>
+              <a:t/>
+            </a:r>
             <a:endParaRPr sz="1700"/>
           </a:p>
           <a:p>
-            <a:pPr marL="457200" lvl="0" indent="-336550" algn="l" rtl="0">
+            <a:pPr indent="-336550" lvl="0" marL="457200" rtl="0" algn="l">
               <a:spcBef>
                 <a:spcPts val="0"/>
               </a:spcBef>
@@ -12430,7 +11908,7 @@
               <a:buChar char="●"/>
             </a:pPr>
             <a:r>
-              <a:rPr lang="es" sz="1700" b="1"/>
+              <a:rPr b="1" lang="es" sz="1700"/>
               <a:t>NUnit annotations (Tags) </a:t>
             </a:r>
             <a:r>
@@ -12440,7 +11918,7 @@
             <a:endParaRPr sz="1700"/>
           </a:p>
           <a:p>
-            <a:pPr marL="0" lvl="0" indent="0" algn="l" rtl="0">
+            <a:pPr indent="0" lvl="0" marL="0" rtl="0" algn="l">
               <a:spcBef>
                 <a:spcPts val="0"/>
               </a:spcBef>
@@ -12449,10 +11927,13 @@
               </a:spcAft>
               <a:buNone/>
             </a:pPr>
+            <a:r>
+              <a:t/>
+            </a:r>
             <a:endParaRPr sz="1700"/>
           </a:p>
           <a:p>
-            <a:pPr marL="457200" lvl="0" indent="-336550" algn="l" rtl="0">
+            <a:pPr indent="-336550" lvl="0" marL="457200" rtl="0" algn="l">
               <a:spcBef>
                 <a:spcPts val="0"/>
               </a:spcBef>
@@ -12467,7 +11948,7 @@
               <a:t>Con </a:t>
             </a:r>
             <a:r>
-              <a:rPr lang="es" sz="1700" b="1"/>
+              <a:rPr b="1" lang="es" sz="1700"/>
               <a:t>NUnit</a:t>
             </a:r>
             <a:r>
@@ -12492,11 +11973,11 @@
 </file>
 
 <file path=ppt/slides/slide9.xml><?xml version="1.0" encoding="utf-8"?>
-<p:sld xmlns:a="http://schemas.openxmlformats.org/drawingml/2006/main" xmlns:r="http://schemas.openxmlformats.org/officeDocument/2006/relationships" xmlns:p="http://schemas.openxmlformats.org/presentationml/2006/main">
+<p:sld xmlns:a="http://schemas.openxmlformats.org/drawingml/2006/main" xmlns:r="http://schemas.openxmlformats.org/officeDocument/2006/relationships" xmlns:mc="http://schemas.openxmlformats.org/markup-compatibility/2006" xmlns:mv="urn:schemas-microsoft-com:mac:vml" xmlns:p="http://schemas.openxmlformats.org/presentationml/2006/main" xmlns:c="http://schemas.openxmlformats.org/drawingml/2006/chart" xmlns:dgm="http://schemas.openxmlformats.org/drawingml/2006/diagram" xmlns:o="urn:schemas-microsoft-com:office:office" xmlns:v="urn:schemas-microsoft-com:vml" xmlns:pvml="urn:schemas-microsoft-com:office:powerpoint" xmlns:com="http://schemas.openxmlformats.org/drawingml/2006/compatibility" xmlns:p14="http://schemas.microsoft.com/office/powerpoint/2010/main" xmlns:p15="http://schemas.microsoft.com/office/powerpoint/2012/main" xmlns:ahyp="http://schemas.microsoft.com/office/drawing/2018/hyperlinkcolor">
   <p:cSld>
     <p:spTree>
       <p:nvGrpSpPr>
-        <p:cNvPr id="1" name="Shape 123"/>
+        <p:cNvPr id="123" name="Shape 123"/>
         <p:cNvGrpSpPr/>
         <p:nvPr/>
       </p:nvGrpSpPr>
@@ -12556,12 +12037,12 @@
           </a:ln>
         </p:spPr>
         <p:txBody>
-          <a:bodyPr spcFirstLastPara="1" wrap="square" lIns="91425" tIns="91425" rIns="91425" bIns="91425" anchor="t" anchorCtr="0">
+          <a:bodyPr anchorCtr="0" anchor="t" bIns="91425" lIns="91425" spcFirstLastPara="1" rIns="91425" wrap="square" tIns="91425">
             <a:spAutoFit/>
           </a:bodyPr>
           <a:lstStyle/>
           <a:p>
-            <a:pPr marL="0" lvl="0" indent="0" algn="l" rtl="0">
+            <a:pPr indent="0" lvl="0" marL="0" rtl="0" algn="l">
               <a:spcBef>
                 <a:spcPts val="0"/>
               </a:spcBef>
@@ -12571,7 +12052,7 @@
               <a:buNone/>
             </a:pPr>
             <a:r>
-              <a:rPr lang="es" sz="2400" b="1">
+              <a:rPr b="1" lang="es" sz="2400">
                 <a:latin typeface="Open Sans"/>
                 <a:ea typeface="Open Sans"/>
                 <a:cs typeface="Open Sans"/>
@@ -12579,7 +12060,7 @@
               </a:rPr>
               <a:t>XUnit</a:t>
             </a:r>
-            <a:endParaRPr sz="2400" b="1">
+            <a:endParaRPr b="1" sz="2400">
               <a:latin typeface="Open Sans"/>
               <a:ea typeface="Open Sans"/>
               <a:cs typeface="Open Sans"/>
@@ -12608,12 +12089,12 @@
           </a:ln>
         </p:spPr>
         <p:txBody>
-          <a:bodyPr spcFirstLastPara="1" wrap="square" lIns="91425" tIns="91425" rIns="91425" bIns="91425" anchor="t" anchorCtr="0">
+          <a:bodyPr anchorCtr="0" anchor="t" bIns="91425" lIns="91425" spcFirstLastPara="1" rIns="91425" wrap="square" tIns="91425">
             <a:spAutoFit/>
           </a:bodyPr>
           <a:lstStyle/>
           <a:p>
-            <a:pPr marL="457200" marR="38100" lvl="0" indent="0" algn="l" rtl="0">
+            <a:pPr indent="0" lvl="0" marL="457200" marR="38100" rtl="0" algn="l">
               <a:lnSpc>
                 <a:spcPct val="128571"/>
               </a:lnSpc>
@@ -12625,6 +12106,9 @@
               </a:spcAft>
               <a:buNone/>
             </a:pPr>
+            <a:r>
+              <a:t/>
+            </a:r>
             <a:endParaRPr sz="2000">
               <a:solidFill>
                 <a:srgbClr val="202124"/>
@@ -12635,7 +12119,7 @@
             </a:endParaRPr>
           </a:p>
           <a:p>
-            <a:pPr marL="457200" lvl="0" indent="-355600" algn="l" rtl="0">
+            <a:pPr indent="-355600" lvl="0" marL="457200" rtl="0" algn="l">
               <a:spcBef>
                 <a:spcPts val="0"/>
               </a:spcBef>
@@ -12647,12 +12131,32 @@
             </a:pPr>
             <a:r>
               <a:rPr lang="es" sz="2000"/>
-              <a:t>Versión derivada de NUnit , siendo esta de código abierto</a:t>
+              <a:t>Versión</a:t>
+            </a:r>
+            <a:r>
+              <a:rPr lang="es" sz="2000"/>
+              <a:t> derivada de NUnit , siendo </a:t>
+            </a:r>
+            <a:r>
+              <a:rPr lang="es" sz="2000"/>
+              <a:t>esta</a:t>
+            </a:r>
+            <a:r>
+              <a:rPr lang="es" sz="2000"/>
+              <a:t> de </a:t>
+            </a:r>
+            <a:r>
+              <a:rPr lang="es" sz="2000"/>
+              <a:t>código</a:t>
+            </a:r>
+            <a:r>
+              <a:rPr lang="es" sz="2000"/>
+              <a:t> abierto</a:t>
             </a:r>
             <a:endParaRPr sz="2000"/>
           </a:p>
           <a:p>
-            <a:pPr marL="0" lvl="0" indent="0" algn="l" rtl="0">
+            <a:pPr indent="0" lvl="0" marL="0" rtl="0" algn="l">
               <a:spcBef>
                 <a:spcPts val="0"/>
               </a:spcBef>
@@ -12661,10 +12165,13 @@
               </a:spcAft>
               <a:buNone/>
             </a:pPr>
+            <a:r>
+              <a:t/>
+            </a:r>
             <a:endParaRPr sz="2000"/>
           </a:p>
           <a:p>
-            <a:pPr marL="457200" lvl="0" indent="-355600" algn="l" rtl="0">
+            <a:pPr indent="-355600" lvl="0" marL="457200" rtl="0" algn="l">
               <a:spcBef>
                 <a:spcPts val="0"/>
               </a:spcBef>
@@ -12681,7 +12188,7 @@
             <a:endParaRPr sz="2000"/>
           </a:p>
           <a:p>
-            <a:pPr marL="0" lvl="0" indent="0" algn="l" rtl="0">
+            <a:pPr indent="0" lvl="0" marL="0" rtl="0" algn="l">
               <a:spcBef>
                 <a:spcPts val="0"/>
               </a:spcBef>
@@ -12690,10 +12197,13 @@
               </a:spcAft>
               <a:buNone/>
             </a:pPr>
+            <a:r>
+              <a:t/>
+            </a:r>
             <a:endParaRPr/>
           </a:p>
           <a:p>
-            <a:pPr marL="457200" lvl="0" indent="0" algn="l" rtl="0">
+            <a:pPr indent="0" lvl="0" marL="457200" rtl="0" algn="l">
               <a:spcBef>
                 <a:spcPts val="0"/>
               </a:spcBef>
@@ -12702,6 +12212,9 @@
               </a:spcAft>
               <a:buNone/>
             </a:pPr>
+            <a:r>
+              <a:t/>
+            </a:r>
             <a:endParaRPr sz="1600">
               <a:solidFill>
                 <a:srgbClr val="202124"/>
@@ -12712,7 +12225,7 @@
             </a:endParaRPr>
           </a:p>
           <a:p>
-            <a:pPr marL="457200" marR="38100" lvl="0" indent="0" algn="l" rtl="0">
+            <a:pPr indent="0" lvl="0" marL="457200" marR="38100" rtl="0" algn="l">
               <a:lnSpc>
                 <a:spcPct val="128571"/>
               </a:lnSpc>
@@ -12724,6 +12237,9 @@
               </a:spcAft>
               <a:buNone/>
             </a:pPr>
+            <a:r>
+              <a:t/>
+            </a:r>
             <a:endParaRPr sz="1600">
               <a:solidFill>
                 <a:srgbClr val="202124"/>
@@ -12734,7 +12250,7 @@
             </a:endParaRPr>
           </a:p>
           <a:p>
-            <a:pPr marL="457200" marR="38100" lvl="0" indent="0" algn="l" rtl="0">
+            <a:pPr indent="0" lvl="0" marL="457200" marR="38100" rtl="0" algn="l">
               <a:lnSpc>
                 <a:spcPct val="128571"/>
               </a:lnSpc>
@@ -12746,6 +12262,9 @@
               </a:spcAft>
               <a:buNone/>
             </a:pPr>
+            <a:r>
+              <a:t/>
+            </a:r>
             <a:endParaRPr sz="1600">
               <a:solidFill>
                 <a:srgbClr val="202124"/>
@@ -12756,7 +12275,7 @@
             </a:endParaRPr>
           </a:p>
           <a:p>
-            <a:pPr marL="457200" marR="38100" lvl="0" indent="0" algn="l" rtl="0">
+            <a:pPr indent="0" lvl="0" marL="457200" marR="38100" rtl="0" algn="l">
               <a:lnSpc>
                 <a:spcPct val="128571"/>
               </a:lnSpc>
@@ -12768,6 +12287,9 @@
               </a:spcAft>
               <a:buNone/>
             </a:pPr>
+            <a:r>
+              <a:t/>
+            </a:r>
             <a:endParaRPr sz="1600">
               <a:solidFill>
                 <a:srgbClr val="202124"/>
@@ -12827,12 +12349,12 @@
           </a:ln>
         </p:spPr>
         <p:txBody>
-          <a:bodyPr spcFirstLastPara="1" wrap="square" lIns="91425" tIns="91425" rIns="91425" bIns="91425" anchor="t" anchorCtr="0">
+          <a:bodyPr anchorCtr="0" anchor="t" bIns="91425" lIns="91425" spcFirstLastPara="1" rIns="91425" wrap="square" tIns="91425">
             <a:spAutoFit/>
           </a:bodyPr>
           <a:lstStyle/>
           <a:p>
-            <a:pPr marL="457200" lvl="0" indent="-355600" algn="l" rtl="0">
+            <a:pPr indent="-355600" lvl="0" marL="457200" rtl="0" algn="l">
               <a:spcBef>
                 <a:spcPts val="0"/>
               </a:spcBef>
@@ -12860,7 +12382,7 @@
             </a:endParaRPr>
           </a:p>
           <a:p>
-            <a:pPr marL="0" lvl="0" indent="0" algn="l" rtl="0">
+            <a:pPr indent="0" lvl="0" marL="0" rtl="0" algn="l">
               <a:spcBef>
                 <a:spcPts val="0"/>
               </a:spcBef>
@@ -12874,6 +12396,9 @@
               <a:buFont typeface="Arial"/>
               <a:buNone/>
             </a:pPr>
+            <a:r>
+              <a:t/>
+            </a:r>
             <a:endParaRPr sz="2000">
               <a:solidFill>
                 <a:schemeClr val="dk1"/>
@@ -12881,7 +12406,7 @@
             </a:endParaRPr>
           </a:p>
           <a:p>
-            <a:pPr marL="457200" lvl="0" indent="-355600" algn="l" rtl="0">
+            <a:pPr indent="-355600" lvl="0" marL="457200" rtl="0" algn="l">
               <a:spcBef>
                 <a:spcPts val="0"/>
               </a:spcBef>
@@ -12920,7 +12445,286 @@
 </file>
 
 <file path=ppt/theme/theme1.xml><?xml version="1.0" encoding="utf-8"?>
-<a:theme xmlns:a="http://schemas.openxmlformats.org/drawingml/2006/main" name="Luxe">
+<a:theme xmlns:a="http://schemas.openxmlformats.org/drawingml/2006/main" xmlns:r="http://schemas.openxmlformats.org/officeDocument/2006/relationships">
+  <a:themeElements>
+    <a:clrScheme name="Default">
+      <a:dk1>
+        <a:srgbClr val="000000"/>
+      </a:dk1>
+      <a:lt1>
+        <a:srgbClr val="FFFFFF"/>
+      </a:lt1>
+      <a:dk2>
+        <a:srgbClr val="158158"/>
+      </a:dk2>
+      <a:lt2>
+        <a:srgbClr val="F3F3F3"/>
+      </a:lt2>
+      <a:accent1>
+        <a:srgbClr val="058DC7"/>
+      </a:accent1>
+      <a:accent2>
+        <a:srgbClr val="50B432"/>
+      </a:accent2>
+      <a:accent3>
+        <a:srgbClr val="ED561B"/>
+      </a:accent3>
+      <a:accent4>
+        <a:srgbClr val="EDEF00"/>
+      </a:accent4>
+      <a:accent5>
+        <a:srgbClr val="24CBE5"/>
+      </a:accent5>
+      <a:accent6>
+        <a:srgbClr val="64E572"/>
+      </a:accent6>
+      <a:hlink>
+        <a:srgbClr val="2200CC"/>
+      </a:hlink>
+      <a:folHlink>
+        <a:srgbClr val="551A8B"/>
+      </a:folHlink>
+    </a:clrScheme>
+    <a:fontScheme name="Office">
+      <a:majorFont>
+        <a:latin typeface="Arial"/>
+        <a:ea typeface=""/>
+        <a:cs typeface=""/>
+        <a:font script="Jpan" typeface="ＭＳ Ｐゴシック"/>
+        <a:font script="Hang" typeface="맑은 고딕"/>
+        <a:font script="Hans" typeface="宋体"/>
+        <a:font script="Hant" typeface="新細明體"/>
+        <a:font script="Arab" typeface="Times New Roman"/>
+        <a:font script="Hebr" typeface="Times New Roman"/>
+        <a:font script="Thai" typeface="Angsana New"/>
+        <a:font script="Ethi" typeface="Nyala"/>
+        <a:font script="Beng" typeface="Vrinda"/>
+        <a:font script="Gujr" typeface="Shruti"/>
+        <a:font script="Khmr" typeface="MoolBoran"/>
+        <a:font script="Knda" typeface="Tunga"/>
+        <a:font script="Guru" typeface="Raavi"/>
+        <a:font script="Cans" typeface="Euphemia"/>
+        <a:font script="Cher" typeface="Plantagenet Cherokee"/>
+        <a:font script="Yiii" typeface="Microsoft Yi Baiti"/>
+        <a:font script="Tibt" typeface="Microsoft Himalaya"/>
+        <a:font script="Thaa" typeface="MV Boli"/>
+        <a:font script="Deva" typeface="Mangal"/>
+        <a:font script="Telu" typeface="Gautami"/>
+        <a:font script="Taml" typeface="Latha"/>
+        <a:font script="Syrc" typeface="Estrangelo Edessa"/>
+        <a:font script="Orya" typeface="Kalinga"/>
+        <a:font script="Mlym" typeface="Kartika"/>
+        <a:font script="Laoo" typeface="DokChampa"/>
+        <a:font script="Sinh" typeface="Iskoola Pota"/>
+        <a:font script="Mong" typeface="Mongolian Baiti"/>
+        <a:font script="Viet" typeface="Times New Roman"/>
+        <a:font script="Uigh" typeface="Microsoft Uighur"/>
+        <a:font script="Geor" typeface="Sylfaen"/>
+      </a:majorFont>
+      <a:minorFont>
+        <a:latin typeface="Arial"/>
+        <a:ea typeface=""/>
+        <a:cs typeface=""/>
+        <a:font script="Jpan" typeface="ＭＳ Ｐゴシック"/>
+        <a:font script="Hang" typeface="맑은 고딕"/>
+        <a:font script="Hans" typeface="宋体"/>
+        <a:font script="Hant" typeface="新細明體"/>
+        <a:font script="Arab" typeface="Arial"/>
+        <a:font script="Hebr" typeface="Arial"/>
+        <a:font script="Thai" typeface="Cordia New"/>
+        <a:font script="Ethi" typeface="Nyala"/>
+        <a:font script="Beng" typeface="Vrinda"/>
+        <a:font script="Gujr" typeface="Shruti"/>
+        <a:font script="Khmr" typeface="DaunPenh"/>
+        <a:font script="Knda" typeface="Tunga"/>
+        <a:font script="Guru" typeface="Raavi"/>
+        <a:font script="Cans" typeface="Euphemia"/>
+        <a:font script="Cher" typeface="Plantagenet Cherokee"/>
+        <a:font script="Yiii" typeface="Microsoft Yi Baiti"/>
+        <a:font script="Tibt" typeface="Microsoft Himalaya"/>
+        <a:font script="Thaa" typeface="MV Boli"/>
+        <a:font script="Deva" typeface="Mangal"/>
+        <a:font script="Telu" typeface="Gautami"/>
+        <a:font script="Taml" typeface="Latha"/>
+        <a:font script="Syrc" typeface="Estrangelo Edessa"/>
+        <a:font script="Orya" typeface="Kalinga"/>
+        <a:font script="Mlym" typeface="Kartika"/>
+        <a:font script="Laoo" typeface="DokChampa"/>
+        <a:font script="Sinh" typeface="Iskoola Pota"/>
+        <a:font script="Mong" typeface="Mongolian Baiti"/>
+        <a:font script="Viet" typeface="Arial"/>
+        <a:font script="Uigh" typeface="Microsoft Uighur"/>
+        <a:font script="Geor" typeface="Sylfaen"/>
+      </a:minorFont>
+    </a:fontScheme>
+    <a:fmtScheme name="Office">
+      <a:fillStyleLst>
+        <a:solidFill>
+          <a:schemeClr val="phClr"/>
+        </a:solidFill>
+        <a:gradFill rotWithShape="1">
+          <a:gsLst>
+            <a:gs pos="0">
+              <a:schemeClr val="phClr">
+                <a:tint val="50000"/>
+                <a:satMod val="300000"/>
+              </a:schemeClr>
+            </a:gs>
+            <a:gs pos="35000">
+              <a:schemeClr val="phClr">
+                <a:tint val="37000"/>
+                <a:satMod val="300000"/>
+              </a:schemeClr>
+            </a:gs>
+            <a:gs pos="100000">
+              <a:schemeClr val="phClr">
+                <a:tint val="15000"/>
+                <a:satMod val="350000"/>
+              </a:schemeClr>
+            </a:gs>
+          </a:gsLst>
+          <a:lin ang="16200000" scaled="1"/>
+        </a:gradFill>
+        <a:gradFill rotWithShape="1">
+          <a:gsLst>
+            <a:gs pos="0">
+              <a:schemeClr val="phClr">
+                <a:tint val="100000"/>
+                <a:shade val="100000"/>
+                <a:satMod val="130000"/>
+              </a:schemeClr>
+            </a:gs>
+            <a:gs pos="100000">
+              <a:schemeClr val="phClr">
+                <a:tint val="50000"/>
+                <a:shade val="100000"/>
+                <a:satMod val="350000"/>
+              </a:schemeClr>
+            </a:gs>
+          </a:gsLst>
+          <a:lin ang="16200000" scaled="0"/>
+        </a:gradFill>
+      </a:fillStyleLst>
+      <a:lnStyleLst>
+        <a:ln w="9525" cap="flat" cmpd="sng" algn="ctr">
+          <a:solidFill>
+            <a:schemeClr val="phClr">
+              <a:shade val="95000"/>
+              <a:satMod val="105000"/>
+            </a:schemeClr>
+          </a:solidFill>
+          <a:prstDash val="solid"/>
+        </a:ln>
+        <a:ln w="25400" cap="flat" cmpd="sng" algn="ctr">
+          <a:solidFill>
+            <a:schemeClr val="phClr"/>
+          </a:solidFill>
+          <a:prstDash val="solid"/>
+        </a:ln>
+        <a:ln w="38100" cap="flat" cmpd="sng" algn="ctr">
+          <a:solidFill>
+            <a:schemeClr val="phClr"/>
+          </a:solidFill>
+          <a:prstDash val="solid"/>
+        </a:ln>
+      </a:lnStyleLst>
+      <a:effectStyleLst>
+        <a:effectStyle>
+          <a:effectLst>
+            <a:outerShdw blurRad="40000" dist="20000" dir="5400000" rotWithShape="0">
+              <a:srgbClr val="000000">
+                <a:alpha val="38000"/>
+              </a:srgbClr>
+            </a:outerShdw>
+          </a:effectLst>
+        </a:effectStyle>
+        <a:effectStyle>
+          <a:effectLst>
+            <a:outerShdw blurRad="40000" dist="23000" dir="5400000" rotWithShape="0">
+              <a:srgbClr val="000000">
+                <a:alpha val="35000"/>
+              </a:srgbClr>
+            </a:outerShdw>
+          </a:effectLst>
+        </a:effectStyle>
+        <a:effectStyle>
+          <a:effectLst>
+            <a:outerShdw blurRad="40000" dist="23000" dir="5400000" rotWithShape="0">
+              <a:srgbClr val="000000">
+                <a:alpha val="35000"/>
+              </a:srgbClr>
+            </a:outerShdw>
+          </a:effectLst>
+          <a:scene3d>
+            <a:camera prst="orthographicFront">
+              <a:rot lat="0" lon="0" rev="0"/>
+            </a:camera>
+            <a:lightRig rig="threePt" dir="t">
+              <a:rot lat="0" lon="0" rev="1200000"/>
+            </a:lightRig>
+          </a:scene3d>
+          <a:sp3d>
+            <a:bevelT w="63500" h="25400"/>
+          </a:sp3d>
+        </a:effectStyle>
+      </a:effectStyleLst>
+      <a:bgFillStyleLst>
+        <a:solidFill>
+          <a:schemeClr val="phClr"/>
+        </a:solidFill>
+        <a:gradFill rotWithShape="1">
+          <a:gsLst>
+            <a:gs pos="0">
+              <a:schemeClr val="phClr">
+                <a:tint val="40000"/>
+                <a:satMod val="350000"/>
+              </a:schemeClr>
+            </a:gs>
+            <a:gs pos="40000">
+              <a:schemeClr val="phClr">
+                <a:tint val="45000"/>
+                <a:shade val="99000"/>
+                <a:satMod val="350000"/>
+              </a:schemeClr>
+            </a:gs>
+            <a:gs pos="100000">
+              <a:schemeClr val="phClr">
+                <a:shade val="20000"/>
+                <a:satMod val="255000"/>
+              </a:schemeClr>
+            </a:gs>
+          </a:gsLst>
+          <a:path path="circle">
+            <a:fillToRect l="50000" t="-80000" r="50000" b="180000"/>
+          </a:path>
+        </a:gradFill>
+        <a:gradFill rotWithShape="1">
+          <a:gsLst>
+            <a:gs pos="0">
+              <a:schemeClr val="phClr">
+                <a:tint val="80000"/>
+                <a:satMod val="300000"/>
+              </a:schemeClr>
+            </a:gs>
+            <a:gs pos="100000">
+              <a:schemeClr val="phClr">
+                <a:shade val="30000"/>
+                <a:satMod val="200000"/>
+              </a:schemeClr>
+            </a:gs>
+          </a:gsLst>
+          <a:path path="circle">
+            <a:fillToRect l="50000" t="50000" r="50000" b="50000"/>
+          </a:path>
+        </a:gradFill>
+      </a:bgFillStyleLst>
+    </a:fmtScheme>
+  </a:themeElements>
+</a:theme>
+</file>
+
+<file path=ppt/theme/theme2.xml><?xml version="1.0" encoding="utf-8"?>
+<a:theme xmlns:a="http://schemas.openxmlformats.org/drawingml/2006/main" xmlns:r="http://schemas.openxmlformats.org/officeDocument/2006/relationships" name="Luxe">
   <a:themeElements>
     <a:clrScheme name="Luxe">
       <a:dk1>
@@ -13195,288 +12999,5 @@
       </a:bgFillStyleLst>
     </a:fmtScheme>
   </a:themeElements>
-  <a:objectDefaults/>
-  <a:extraClrSchemeLst/>
-</a:theme>
-</file>
-
-<file path=ppt/theme/theme2.xml><?xml version="1.0" encoding="utf-8"?>
-<a:theme xmlns:a="http://schemas.openxmlformats.org/drawingml/2006/main">
-  <a:themeElements>
-    <a:clrScheme name="Default">
-      <a:dk1>
-        <a:srgbClr val="000000"/>
-      </a:dk1>
-      <a:lt1>
-        <a:srgbClr val="FFFFFF"/>
-      </a:lt1>
-      <a:dk2>
-        <a:srgbClr val="158158"/>
-      </a:dk2>
-      <a:lt2>
-        <a:srgbClr val="F3F3F3"/>
-      </a:lt2>
-      <a:accent1>
-        <a:srgbClr val="058DC7"/>
-      </a:accent1>
-      <a:accent2>
-        <a:srgbClr val="50B432"/>
-      </a:accent2>
-      <a:accent3>
-        <a:srgbClr val="ED561B"/>
-      </a:accent3>
-      <a:accent4>
-        <a:srgbClr val="EDEF00"/>
-      </a:accent4>
-      <a:accent5>
-        <a:srgbClr val="24CBE5"/>
-      </a:accent5>
-      <a:accent6>
-        <a:srgbClr val="64E572"/>
-      </a:accent6>
-      <a:hlink>
-        <a:srgbClr val="2200CC"/>
-      </a:hlink>
-      <a:folHlink>
-        <a:srgbClr val="551A8B"/>
-      </a:folHlink>
-    </a:clrScheme>
-    <a:fontScheme name="Office">
-      <a:majorFont>
-        <a:latin typeface="Arial"/>
-        <a:ea typeface=""/>
-        <a:cs typeface=""/>
-        <a:font script="Jpan" typeface="ＭＳ Ｐゴシック"/>
-        <a:font script="Hang" typeface="맑은 고딕"/>
-        <a:font script="Hans" typeface="宋体"/>
-        <a:font script="Hant" typeface="新細明體"/>
-        <a:font script="Arab" typeface="Times New Roman"/>
-        <a:font script="Hebr" typeface="Times New Roman"/>
-        <a:font script="Thai" typeface="Angsana New"/>
-        <a:font script="Ethi" typeface="Nyala"/>
-        <a:font script="Beng" typeface="Vrinda"/>
-        <a:font script="Gujr" typeface="Shruti"/>
-        <a:font script="Khmr" typeface="MoolBoran"/>
-        <a:font script="Knda" typeface="Tunga"/>
-        <a:font script="Guru" typeface="Raavi"/>
-        <a:font script="Cans" typeface="Euphemia"/>
-        <a:font script="Cher" typeface="Plantagenet Cherokee"/>
-        <a:font script="Yiii" typeface="Microsoft Yi Baiti"/>
-        <a:font script="Tibt" typeface="Microsoft Himalaya"/>
-        <a:font script="Thaa" typeface="MV Boli"/>
-        <a:font script="Deva" typeface="Mangal"/>
-        <a:font script="Telu" typeface="Gautami"/>
-        <a:font script="Taml" typeface="Latha"/>
-        <a:font script="Syrc" typeface="Estrangelo Edessa"/>
-        <a:font script="Orya" typeface="Kalinga"/>
-        <a:font script="Mlym" typeface="Kartika"/>
-        <a:font script="Laoo" typeface="DokChampa"/>
-        <a:font script="Sinh" typeface="Iskoola Pota"/>
-        <a:font script="Mong" typeface="Mongolian Baiti"/>
-        <a:font script="Viet" typeface="Times New Roman"/>
-        <a:font script="Uigh" typeface="Microsoft Uighur"/>
-        <a:font script="Geor" typeface="Sylfaen"/>
-      </a:majorFont>
-      <a:minorFont>
-        <a:latin typeface="Arial"/>
-        <a:ea typeface=""/>
-        <a:cs typeface=""/>
-        <a:font script="Jpan" typeface="ＭＳ Ｐゴシック"/>
-        <a:font script="Hang" typeface="맑은 고딕"/>
-        <a:font script="Hans" typeface="宋体"/>
-        <a:font script="Hant" typeface="新細明體"/>
-        <a:font script="Arab" typeface="Arial"/>
-        <a:font script="Hebr" typeface="Arial"/>
-        <a:font script="Thai" typeface="Cordia New"/>
-        <a:font script="Ethi" typeface="Nyala"/>
-        <a:font script="Beng" typeface="Vrinda"/>
-        <a:font script="Gujr" typeface="Shruti"/>
-        <a:font script="Khmr" typeface="DaunPenh"/>
-        <a:font script="Knda" typeface="Tunga"/>
-        <a:font script="Guru" typeface="Raavi"/>
-        <a:font script="Cans" typeface="Euphemia"/>
-        <a:font script="Cher" typeface="Plantagenet Cherokee"/>
-        <a:font script="Yiii" typeface="Microsoft Yi Baiti"/>
-        <a:font script="Tibt" typeface="Microsoft Himalaya"/>
-        <a:font script="Thaa" typeface="MV Boli"/>
-        <a:font script="Deva" typeface="Mangal"/>
-        <a:font script="Telu" typeface="Gautami"/>
-        <a:font script="Taml" typeface="Latha"/>
-        <a:font script="Syrc" typeface="Estrangelo Edessa"/>
-        <a:font script="Orya" typeface="Kalinga"/>
-        <a:font script="Mlym" typeface="Kartika"/>
-        <a:font script="Laoo" typeface="DokChampa"/>
-        <a:font script="Sinh" typeface="Iskoola Pota"/>
-        <a:font script="Mong" typeface="Mongolian Baiti"/>
-        <a:font script="Viet" typeface="Arial"/>
-        <a:font script="Uigh" typeface="Microsoft Uighur"/>
-        <a:font script="Geor" typeface="Sylfaen"/>
-      </a:minorFont>
-    </a:fontScheme>
-    <a:fmtScheme name="Office">
-      <a:fillStyleLst>
-        <a:solidFill>
-          <a:schemeClr val="phClr"/>
-        </a:solidFill>
-        <a:gradFill rotWithShape="1">
-          <a:gsLst>
-            <a:gs pos="0">
-              <a:schemeClr val="phClr">
-                <a:tint val="50000"/>
-                <a:satMod val="300000"/>
-              </a:schemeClr>
-            </a:gs>
-            <a:gs pos="35000">
-              <a:schemeClr val="phClr">
-                <a:tint val="37000"/>
-                <a:satMod val="300000"/>
-              </a:schemeClr>
-            </a:gs>
-            <a:gs pos="100000">
-              <a:schemeClr val="phClr">
-                <a:tint val="15000"/>
-                <a:satMod val="350000"/>
-              </a:schemeClr>
-            </a:gs>
-          </a:gsLst>
-          <a:lin ang="16200000" scaled="1"/>
-        </a:gradFill>
-        <a:gradFill rotWithShape="1">
-          <a:gsLst>
-            <a:gs pos="0">
-              <a:schemeClr val="phClr">
-                <a:tint val="100000"/>
-                <a:shade val="100000"/>
-                <a:satMod val="130000"/>
-              </a:schemeClr>
-            </a:gs>
-            <a:gs pos="100000">
-              <a:schemeClr val="phClr">
-                <a:tint val="50000"/>
-                <a:shade val="100000"/>
-                <a:satMod val="350000"/>
-              </a:schemeClr>
-            </a:gs>
-          </a:gsLst>
-          <a:lin ang="16200000" scaled="0"/>
-        </a:gradFill>
-      </a:fillStyleLst>
-      <a:lnStyleLst>
-        <a:ln w="9525" cap="flat" cmpd="sng" algn="ctr">
-          <a:solidFill>
-            <a:schemeClr val="phClr">
-              <a:shade val="95000"/>
-              <a:satMod val="105000"/>
-            </a:schemeClr>
-          </a:solidFill>
-          <a:prstDash val="solid"/>
-        </a:ln>
-        <a:ln w="25400" cap="flat" cmpd="sng" algn="ctr">
-          <a:solidFill>
-            <a:schemeClr val="phClr"/>
-          </a:solidFill>
-          <a:prstDash val="solid"/>
-        </a:ln>
-        <a:ln w="38100" cap="flat" cmpd="sng" algn="ctr">
-          <a:solidFill>
-            <a:schemeClr val="phClr"/>
-          </a:solidFill>
-          <a:prstDash val="solid"/>
-        </a:ln>
-      </a:lnStyleLst>
-      <a:effectStyleLst>
-        <a:effectStyle>
-          <a:effectLst>
-            <a:outerShdw blurRad="40000" dist="20000" dir="5400000" rotWithShape="0">
-              <a:srgbClr val="000000">
-                <a:alpha val="38000"/>
-              </a:srgbClr>
-            </a:outerShdw>
-          </a:effectLst>
-        </a:effectStyle>
-        <a:effectStyle>
-          <a:effectLst>
-            <a:outerShdw blurRad="40000" dist="23000" dir="5400000" rotWithShape="0">
-              <a:srgbClr val="000000">
-                <a:alpha val="35000"/>
-              </a:srgbClr>
-            </a:outerShdw>
-          </a:effectLst>
-        </a:effectStyle>
-        <a:effectStyle>
-          <a:effectLst>
-            <a:outerShdw blurRad="40000" dist="23000" dir="5400000" rotWithShape="0">
-              <a:srgbClr val="000000">
-                <a:alpha val="35000"/>
-              </a:srgbClr>
-            </a:outerShdw>
-          </a:effectLst>
-          <a:scene3d>
-            <a:camera prst="orthographicFront">
-              <a:rot lat="0" lon="0" rev="0"/>
-            </a:camera>
-            <a:lightRig rig="threePt" dir="t">
-              <a:rot lat="0" lon="0" rev="1200000"/>
-            </a:lightRig>
-          </a:scene3d>
-          <a:sp3d>
-            <a:bevelT w="63500" h="25400"/>
-          </a:sp3d>
-        </a:effectStyle>
-      </a:effectStyleLst>
-      <a:bgFillStyleLst>
-        <a:solidFill>
-          <a:schemeClr val="phClr"/>
-        </a:solidFill>
-        <a:gradFill rotWithShape="1">
-          <a:gsLst>
-            <a:gs pos="0">
-              <a:schemeClr val="phClr">
-                <a:tint val="40000"/>
-                <a:satMod val="350000"/>
-              </a:schemeClr>
-            </a:gs>
-            <a:gs pos="40000">
-              <a:schemeClr val="phClr">
-                <a:tint val="45000"/>
-                <a:shade val="99000"/>
-                <a:satMod val="350000"/>
-              </a:schemeClr>
-            </a:gs>
-            <a:gs pos="100000">
-              <a:schemeClr val="phClr">
-                <a:shade val="20000"/>
-                <a:satMod val="255000"/>
-              </a:schemeClr>
-            </a:gs>
-          </a:gsLst>
-          <a:path path="circle">
-            <a:fillToRect l="50000" t="-80000" r="50000" b="180000"/>
-          </a:path>
-        </a:gradFill>
-        <a:gradFill rotWithShape="1">
-          <a:gsLst>
-            <a:gs pos="0">
-              <a:schemeClr val="phClr">
-                <a:tint val="80000"/>
-                <a:satMod val="300000"/>
-              </a:schemeClr>
-            </a:gs>
-            <a:gs pos="100000">
-              <a:schemeClr val="phClr">
-                <a:shade val="30000"/>
-                <a:satMod val="200000"/>
-              </a:schemeClr>
-            </a:gs>
-          </a:gsLst>
-          <a:path path="circle">
-            <a:fillToRect l="50000" t="50000" r="50000" b="50000"/>
-          </a:path>
-        </a:gradFill>
-      </a:bgFillStyleLst>
-    </a:fmtScheme>
-  </a:themeElements>
-  <a:objectDefaults/>
-  <a:extraClrSchemeLst/>
 </a:theme>
 </file>